--- a/Presentacion.pptx
+++ b/Presentacion.pptx
@@ -2,7 +2,7 @@
 <file path=ppt/presentation.xml><?xml version="1.0" encoding="utf-8"?>
 <p:presentation xmlns:a="http://schemas.openxmlformats.org/drawingml/2006/main" xmlns:r="http://schemas.openxmlformats.org/officeDocument/2006/relationships" xmlns:p="http://schemas.openxmlformats.org/presentationml/2006/main" saveSubsetFonts="1">
   <p:sldMasterIdLst>
-    <p:sldMasterId id="2147483672" r:id="rId1"/>
+    <p:sldMasterId id="2147483732" r:id="rId1"/>
   </p:sldMasterIdLst>
   <p:sldIdLst>
     <p:sldId id="256" r:id="rId2"/>
@@ -11,6 +11,8 @@
     <p:sldId id="259" r:id="rId5"/>
     <p:sldId id="260" r:id="rId6"/>
     <p:sldId id="261" r:id="rId7"/>
+    <p:sldId id="262" r:id="rId8"/>
+    <p:sldId id="263" r:id="rId9"/>
   </p:sldIdLst>
   <p:sldSz cx="9144000" cy="6858000" type="screen4x3"/>
   <p:notesSz cx="6858000" cy="9144000"/>
@@ -113,8 +115,13 @@
 </file>
 
 <file path=ppt/slideLayouts/slideLayout1.xml><?xml version="1.0" encoding="utf-8"?>
-<p:sldLayout xmlns:a="http://schemas.openxmlformats.org/drawingml/2006/main" xmlns:r="http://schemas.openxmlformats.org/officeDocument/2006/relationships" xmlns:p="http://schemas.openxmlformats.org/presentationml/2006/main" type="title" preserve="1">
+<p:sldLayout xmlns:a="http://schemas.openxmlformats.org/drawingml/2006/main" xmlns:r="http://schemas.openxmlformats.org/officeDocument/2006/relationships" xmlns:p="http://schemas.openxmlformats.org/presentationml/2006/main" showMasterSp="0" type="title" preserve="1">
   <p:cSld name="Diapositiva de título">
+    <p:bg>
+      <p:bgRef idx="1001">
+        <a:schemeClr val="bg1"/>
+      </p:bgRef>
+    </p:bg>
     <p:spTree>
       <p:nvGrpSpPr>
         <p:cNvPr id="1" name=""/>
@@ -131,7 +138,7 @@
       </p:grpSpPr>
       <p:sp>
         <p:nvSpPr>
-          <p:cNvPr id="2" name="1 Título"/>
+          <p:cNvPr id="8" name="7 Título"/>
           <p:cNvSpPr>
             <a:spLocks noGrp="1"/>
           </p:cNvSpPr>
@@ -141,144 +148,90 @@
         </p:nvSpPr>
         <p:spPr>
           <a:xfrm>
-            <a:off x="685800" y="2130425"/>
-            <a:ext cx="7772400" cy="1470025"/>
-          </a:xfrm>
-        </p:spPr>
-        <p:txBody>
-          <a:bodyPr/>
-          <a:lstStyle/>
-          <a:p>
-            <a:r>
-              <a:rPr lang="es-ES" smtClean="0"/>
-              <a:t>Haga clic para modificar el estilo de título del patrón</a:t>
-            </a:r>
-            <a:endParaRPr lang="es-UY"/>
-          </a:p>
-        </p:txBody>
-      </p:sp>
-      <p:sp>
-        <p:nvSpPr>
-          <p:cNvPr id="3" name="2 Subtítulo"/>
-          <p:cNvSpPr>
-            <a:spLocks noGrp="1"/>
-          </p:cNvSpPr>
-          <p:nvPr>
-            <p:ph type="subTitle" idx="1"/>
-          </p:nvPr>
-        </p:nvSpPr>
-        <p:spPr>
-          <a:xfrm>
-            <a:off x="1371600" y="3886200"/>
-            <a:ext cx="6400800" cy="1752600"/>
+            <a:off x="2286000" y="3124200"/>
+            <a:ext cx="6172200" cy="1894362"/>
           </a:xfrm>
         </p:spPr>
         <p:txBody>
           <a:bodyPr/>
           <a:lstStyle>
-            <a:lvl1pPr marL="0" indent="0" algn="ctr">
+            <a:lvl1pPr>
+              <a:defRPr b="1"/>
+            </a:lvl1pPr>
+          </a:lstStyle>
+          <a:p>
+            <a:r>
+              <a:rPr kumimoji="0" lang="es-ES" smtClean="0"/>
+              <a:t>Haga clic para modificar el estilo de título del patrón</a:t>
+            </a:r>
+            <a:endParaRPr kumimoji="0" lang="en-US"/>
+          </a:p>
+        </p:txBody>
+      </p:sp>
+      <p:sp>
+        <p:nvSpPr>
+          <p:cNvPr id="9" name="8 Subtítulo"/>
+          <p:cNvSpPr>
+            <a:spLocks noGrp="1"/>
+          </p:cNvSpPr>
+          <p:nvPr>
+            <p:ph type="subTitle" idx="1"/>
+          </p:nvPr>
+        </p:nvSpPr>
+        <p:spPr>
+          <a:xfrm>
+            <a:off x="2286000" y="5003322"/>
+            <a:ext cx="6172200" cy="1371600"/>
+          </a:xfrm>
+        </p:spPr>
+        <p:txBody>
+          <a:bodyPr/>
+          <a:lstStyle>
+            <a:lvl1pPr marL="0" indent="0" algn="l">
               <a:buNone/>
-              <a:defRPr>
+              <a:defRPr sz="1800" b="1">
                 <a:solidFill>
-                  <a:schemeClr val="tx1">
-                    <a:tint val="75000"/>
-                  </a:schemeClr>
+                  <a:schemeClr val="tx2"/>
                 </a:solidFill>
               </a:defRPr>
             </a:lvl1pPr>
             <a:lvl2pPr marL="457200" indent="0" algn="ctr">
               <a:buNone/>
-              <a:defRPr>
-                <a:solidFill>
-                  <a:schemeClr val="tx1">
-                    <a:tint val="75000"/>
-                  </a:schemeClr>
-                </a:solidFill>
-              </a:defRPr>
             </a:lvl2pPr>
             <a:lvl3pPr marL="914400" indent="0" algn="ctr">
               <a:buNone/>
-              <a:defRPr>
-                <a:solidFill>
-                  <a:schemeClr val="tx1">
-                    <a:tint val="75000"/>
-                  </a:schemeClr>
-                </a:solidFill>
-              </a:defRPr>
             </a:lvl3pPr>
             <a:lvl4pPr marL="1371600" indent="0" algn="ctr">
               <a:buNone/>
-              <a:defRPr>
-                <a:solidFill>
-                  <a:schemeClr val="tx1">
-                    <a:tint val="75000"/>
-                  </a:schemeClr>
-                </a:solidFill>
-              </a:defRPr>
             </a:lvl4pPr>
             <a:lvl5pPr marL="1828800" indent="0" algn="ctr">
               <a:buNone/>
-              <a:defRPr>
-                <a:solidFill>
-                  <a:schemeClr val="tx1">
-                    <a:tint val="75000"/>
-                  </a:schemeClr>
-                </a:solidFill>
-              </a:defRPr>
             </a:lvl5pPr>
             <a:lvl6pPr marL="2286000" indent="0" algn="ctr">
               <a:buNone/>
-              <a:defRPr>
-                <a:solidFill>
-                  <a:schemeClr val="tx1">
-                    <a:tint val="75000"/>
-                  </a:schemeClr>
-                </a:solidFill>
-              </a:defRPr>
             </a:lvl6pPr>
             <a:lvl7pPr marL="2743200" indent="0" algn="ctr">
               <a:buNone/>
-              <a:defRPr>
-                <a:solidFill>
-                  <a:schemeClr val="tx1">
-                    <a:tint val="75000"/>
-                  </a:schemeClr>
-                </a:solidFill>
-              </a:defRPr>
             </a:lvl7pPr>
             <a:lvl8pPr marL="3200400" indent="0" algn="ctr">
               <a:buNone/>
-              <a:defRPr>
-                <a:solidFill>
-                  <a:schemeClr val="tx1">
-                    <a:tint val="75000"/>
-                  </a:schemeClr>
-                </a:solidFill>
-              </a:defRPr>
             </a:lvl8pPr>
             <a:lvl9pPr marL="3657600" indent="0" algn="ctr">
               <a:buNone/>
-              <a:defRPr>
-                <a:solidFill>
-                  <a:schemeClr val="tx1">
-                    <a:tint val="75000"/>
-                  </a:schemeClr>
-                </a:solidFill>
-              </a:defRPr>
             </a:lvl9pPr>
           </a:lstStyle>
           <a:p>
             <a:r>
-              <a:rPr lang="es-ES" smtClean="0"/>
+              <a:rPr kumimoji="0" lang="es-ES" smtClean="0"/>
               <a:t>Haga clic para modificar el estilo de subtítulo del patrón</a:t>
             </a:r>
-            <a:endParaRPr lang="es-UY"/>
-          </a:p>
-        </p:txBody>
-      </p:sp>
-      <p:sp>
-        <p:nvSpPr>
-          <p:cNvPr id="4" name="3 Marcador de fecha"/>
+            <a:endParaRPr kumimoji="0" lang="en-US"/>
+          </a:p>
+        </p:txBody>
+      </p:sp>
+      <p:sp>
+        <p:nvSpPr>
+          <p:cNvPr id="28" name="27 Marcador de fecha"/>
           <p:cNvSpPr>
             <a:spLocks noGrp="1"/>
           </p:cNvSpPr>
@@ -286,7 +239,12 @@
             <p:ph type="dt" sz="half" idx="10"/>
           </p:nvPr>
         </p:nvSpPr>
-        <p:spPr/>
+        <p:spPr bwMode="auto">
+          <a:xfrm rot="5400000">
+            <a:off x="7764621" y="1174097"/>
+            <a:ext cx="2286000" cy="381000"/>
+          </a:xfrm>
+        </p:spPr>
         <p:txBody>
           <a:bodyPr/>
           <a:lstStyle/>
@@ -302,7 +260,7 @@
       </p:sp>
       <p:sp>
         <p:nvSpPr>
-          <p:cNvPr id="5" name="4 Marcador de pie de página"/>
+          <p:cNvPr id="17" name="16 Marcador de pie de página"/>
           <p:cNvSpPr>
             <a:spLocks noGrp="1"/>
           </p:cNvSpPr>
@@ -310,7 +268,12 @@
             <p:ph type="ftr" sz="quarter" idx="11"/>
           </p:nvPr>
         </p:nvSpPr>
-        <p:spPr/>
+        <p:spPr bwMode="auto">
+          <a:xfrm rot="5400000">
+            <a:off x="7077269" y="4181669"/>
+            <a:ext cx="3657600" cy="384048"/>
+          </a:xfrm>
+        </p:spPr>
         <p:txBody>
           <a:bodyPr/>
           <a:lstStyle/>
@@ -321,7 +284,701 @@
       </p:sp>
       <p:sp>
         <p:nvSpPr>
-          <p:cNvPr id="6" name="5 Marcador de número de diapositiva"/>
+          <p:cNvPr id="10" name="9 Rectángulo"/>
+          <p:cNvSpPr/>
+          <p:nvPr/>
+        </p:nvSpPr>
+        <p:spPr bwMode="auto">
+          <a:xfrm>
+            <a:off x="381000" y="0"/>
+            <a:ext cx="609600" cy="6858000"/>
+          </a:xfrm>
+          <a:prstGeom prst="rect">
+            <a:avLst/>
+          </a:prstGeom>
+          <a:solidFill>
+            <a:schemeClr val="accent1">
+              <a:tint val="60000"/>
+              <a:alpha val="54000"/>
+            </a:schemeClr>
+          </a:solidFill>
+          <a:ln w="38100" cap="rnd" cmpd="sng" algn="ctr">
+            <a:noFill/>
+            <a:prstDash val="solid"/>
+          </a:ln>
+          <a:effectLst/>
+        </p:spPr>
+        <p:style>
+          <a:lnRef idx="3">
+            <a:schemeClr val="lt1"/>
+          </a:lnRef>
+          <a:fillRef idx="1">
+            <a:schemeClr val="accent1"/>
+          </a:fillRef>
+          <a:effectRef idx="1">
+            <a:schemeClr val="accent1"/>
+          </a:effectRef>
+          <a:fontRef idx="minor">
+            <a:schemeClr val="lt1"/>
+          </a:fontRef>
+        </p:style>
+        <p:txBody>
+          <a:bodyPr anchor="ctr"/>
+          <a:lstStyle/>
+          <a:p>
+            <a:pPr algn="ctr" eaLnBrk="1" latinLnBrk="0" hangingPunct="1"/>
+            <a:endParaRPr kumimoji="0" lang="en-US"/>
+          </a:p>
+        </p:txBody>
+      </p:sp>
+      <p:sp>
+        <p:nvSpPr>
+          <p:cNvPr id="12" name="11 Rectángulo"/>
+          <p:cNvSpPr/>
+          <p:nvPr/>
+        </p:nvSpPr>
+        <p:spPr bwMode="auto">
+          <a:xfrm>
+            <a:off x="276336" y="0"/>
+            <a:ext cx="104664" cy="6858000"/>
+          </a:xfrm>
+          <a:prstGeom prst="rect">
+            <a:avLst/>
+          </a:prstGeom>
+          <a:solidFill>
+            <a:schemeClr val="accent1">
+              <a:tint val="40000"/>
+              <a:alpha val="36000"/>
+            </a:schemeClr>
+          </a:solidFill>
+          <a:ln w="38100" cap="rnd" cmpd="sng" algn="ctr">
+            <a:noFill/>
+            <a:prstDash val="solid"/>
+          </a:ln>
+          <a:effectLst/>
+        </p:spPr>
+        <p:style>
+          <a:lnRef idx="3">
+            <a:schemeClr val="lt1"/>
+          </a:lnRef>
+          <a:fillRef idx="1">
+            <a:schemeClr val="accent1"/>
+          </a:fillRef>
+          <a:effectRef idx="1">
+            <a:schemeClr val="accent1"/>
+          </a:effectRef>
+          <a:fontRef idx="minor">
+            <a:schemeClr val="lt1"/>
+          </a:fontRef>
+        </p:style>
+        <p:txBody>
+          <a:bodyPr anchor="ctr"/>
+          <a:lstStyle/>
+          <a:p>
+            <a:pPr algn="ctr" eaLnBrk="1" latinLnBrk="0" hangingPunct="1"/>
+            <a:endParaRPr kumimoji="0" lang="en-US"/>
+          </a:p>
+        </p:txBody>
+      </p:sp>
+      <p:sp>
+        <p:nvSpPr>
+          <p:cNvPr id="14" name="13 Rectángulo"/>
+          <p:cNvSpPr/>
+          <p:nvPr/>
+        </p:nvSpPr>
+        <p:spPr bwMode="auto">
+          <a:xfrm>
+            <a:off x="990600" y="0"/>
+            <a:ext cx="181872" cy="6858000"/>
+          </a:xfrm>
+          <a:prstGeom prst="rect">
+            <a:avLst/>
+          </a:prstGeom>
+          <a:solidFill>
+            <a:schemeClr val="accent1">
+              <a:tint val="40000"/>
+              <a:alpha val="70000"/>
+            </a:schemeClr>
+          </a:solidFill>
+          <a:ln w="38100" cap="rnd" cmpd="sng" algn="ctr">
+            <a:noFill/>
+            <a:prstDash val="solid"/>
+          </a:ln>
+          <a:effectLst/>
+        </p:spPr>
+        <p:style>
+          <a:lnRef idx="3">
+            <a:schemeClr val="lt1"/>
+          </a:lnRef>
+          <a:fillRef idx="1">
+            <a:schemeClr val="accent1"/>
+          </a:fillRef>
+          <a:effectRef idx="1">
+            <a:schemeClr val="accent1"/>
+          </a:effectRef>
+          <a:fontRef idx="minor">
+            <a:schemeClr val="lt1"/>
+          </a:fontRef>
+        </p:style>
+        <p:txBody>
+          <a:bodyPr anchor="ctr"/>
+          <a:lstStyle/>
+          <a:p>
+            <a:pPr algn="ctr" eaLnBrk="1" latinLnBrk="0" hangingPunct="1"/>
+            <a:endParaRPr kumimoji="0" lang="en-US"/>
+          </a:p>
+        </p:txBody>
+      </p:sp>
+      <p:sp>
+        <p:nvSpPr>
+          <p:cNvPr id="19" name="18 Rectángulo"/>
+          <p:cNvSpPr/>
+          <p:nvPr/>
+        </p:nvSpPr>
+        <p:spPr bwMode="auto">
+          <a:xfrm>
+            <a:off x="1141320" y="0"/>
+            <a:ext cx="230280" cy="6858000"/>
+          </a:xfrm>
+          <a:prstGeom prst="rect">
+            <a:avLst/>
+          </a:prstGeom>
+          <a:solidFill>
+            <a:schemeClr val="accent1">
+              <a:tint val="20000"/>
+              <a:alpha val="71000"/>
+            </a:schemeClr>
+          </a:solidFill>
+          <a:ln w="38100" cap="rnd" cmpd="sng" algn="ctr">
+            <a:noFill/>
+            <a:prstDash val="solid"/>
+          </a:ln>
+          <a:effectLst/>
+        </p:spPr>
+        <p:style>
+          <a:lnRef idx="3">
+            <a:schemeClr val="lt1"/>
+          </a:lnRef>
+          <a:fillRef idx="1">
+            <a:schemeClr val="accent1"/>
+          </a:fillRef>
+          <a:effectRef idx="1">
+            <a:schemeClr val="accent1"/>
+          </a:effectRef>
+          <a:fontRef idx="minor">
+            <a:schemeClr val="lt1"/>
+          </a:fontRef>
+        </p:style>
+        <p:txBody>
+          <a:bodyPr anchor="ctr"/>
+          <a:lstStyle/>
+          <a:p>
+            <a:pPr algn="ctr" eaLnBrk="1" latinLnBrk="0" hangingPunct="1"/>
+            <a:endParaRPr kumimoji="0" lang="en-US"/>
+          </a:p>
+        </p:txBody>
+      </p:sp>
+      <p:sp>
+        <p:nvSpPr>
+          <p:cNvPr id="11" name="10 Conector recto"/>
+          <p:cNvSpPr>
+            <a:spLocks noChangeShapeType="1"/>
+          </p:cNvSpPr>
+          <p:nvPr/>
+        </p:nvSpPr>
+        <p:spPr bwMode="auto">
+          <a:xfrm>
+            <a:off x="106344" y="0"/>
+            <a:ext cx="0" cy="6858000"/>
+          </a:xfrm>
+          <a:prstGeom prst="line">
+            <a:avLst/>
+          </a:prstGeom>
+          <a:noFill/>
+          <a:ln w="57150" cap="flat" cmpd="sng" algn="ctr">
+            <a:solidFill>
+              <a:schemeClr val="accent1">
+                <a:tint val="60000"/>
+                <a:alpha val="73000"/>
+              </a:schemeClr>
+            </a:solidFill>
+            <a:prstDash val="solid"/>
+            <a:round/>
+            <a:headEnd type="none" w="med" len="med"/>
+            <a:tailEnd type="none" w="med" len="med"/>
+          </a:ln>
+          <a:effectLst/>
+        </p:spPr>
+        <p:txBody>
+          <a:bodyPr vert="horz" wrap="square" lIns="91440" tIns="45720" rIns="91440" bIns="45720" anchor="t" compatLnSpc="1"/>
+          <a:lstStyle/>
+          <a:p>
+            <a:endParaRPr kumimoji="0" lang="en-US"/>
+          </a:p>
+        </p:txBody>
+      </p:sp>
+      <p:sp>
+        <p:nvSpPr>
+          <p:cNvPr id="18" name="17 Conector recto"/>
+          <p:cNvSpPr>
+            <a:spLocks noChangeShapeType="1"/>
+          </p:cNvSpPr>
+          <p:nvPr/>
+        </p:nvSpPr>
+        <p:spPr bwMode="auto">
+          <a:xfrm>
+            <a:off x="914400" y="0"/>
+            <a:ext cx="0" cy="6858000"/>
+          </a:xfrm>
+          <a:prstGeom prst="line">
+            <a:avLst/>
+          </a:prstGeom>
+          <a:noFill/>
+          <a:ln w="57150" cap="flat" cmpd="sng" algn="ctr">
+            <a:solidFill>
+              <a:schemeClr val="accent1">
+                <a:tint val="20000"/>
+                <a:alpha val="83000"/>
+              </a:schemeClr>
+            </a:solidFill>
+            <a:prstDash val="solid"/>
+            <a:round/>
+            <a:headEnd type="none" w="med" len="med"/>
+            <a:tailEnd type="none" w="med" len="med"/>
+          </a:ln>
+          <a:effectLst/>
+        </p:spPr>
+        <p:txBody>
+          <a:bodyPr vert="horz" wrap="square" lIns="91440" tIns="45720" rIns="91440" bIns="45720" anchor="t" compatLnSpc="1"/>
+          <a:lstStyle/>
+          <a:p>
+            <a:endParaRPr kumimoji="0" lang="en-US"/>
+          </a:p>
+        </p:txBody>
+      </p:sp>
+      <p:sp>
+        <p:nvSpPr>
+          <p:cNvPr id="20" name="19 Conector recto"/>
+          <p:cNvSpPr>
+            <a:spLocks noChangeShapeType="1"/>
+          </p:cNvSpPr>
+          <p:nvPr/>
+        </p:nvSpPr>
+        <p:spPr bwMode="auto">
+          <a:xfrm>
+            <a:off x="854112" y="0"/>
+            <a:ext cx="0" cy="6858000"/>
+          </a:xfrm>
+          <a:prstGeom prst="line">
+            <a:avLst/>
+          </a:prstGeom>
+          <a:noFill/>
+          <a:ln w="57150" cap="flat" cmpd="sng" algn="ctr">
+            <a:solidFill>
+              <a:schemeClr val="accent1">
+                <a:tint val="60000"/>
+              </a:schemeClr>
+            </a:solidFill>
+            <a:prstDash val="solid"/>
+            <a:round/>
+            <a:headEnd type="none" w="med" len="med"/>
+            <a:tailEnd type="none" w="med" len="med"/>
+          </a:ln>
+          <a:effectLst/>
+        </p:spPr>
+        <p:txBody>
+          <a:bodyPr vert="horz" wrap="square" lIns="91440" tIns="45720" rIns="91440" bIns="45720" anchor="t" compatLnSpc="1"/>
+          <a:lstStyle/>
+          <a:p>
+            <a:endParaRPr kumimoji="0" lang="en-US"/>
+          </a:p>
+        </p:txBody>
+      </p:sp>
+      <p:sp>
+        <p:nvSpPr>
+          <p:cNvPr id="16" name="15 Conector recto"/>
+          <p:cNvSpPr>
+            <a:spLocks noChangeShapeType="1"/>
+          </p:cNvSpPr>
+          <p:nvPr/>
+        </p:nvSpPr>
+        <p:spPr bwMode="auto">
+          <a:xfrm>
+            <a:off x="1726640" y="0"/>
+            <a:ext cx="0" cy="6858000"/>
+          </a:xfrm>
+          <a:prstGeom prst="line">
+            <a:avLst/>
+          </a:prstGeom>
+          <a:noFill/>
+          <a:ln w="28575" cap="flat" cmpd="sng" algn="ctr">
+            <a:solidFill>
+              <a:schemeClr val="accent1">
+                <a:tint val="60000"/>
+                <a:alpha val="82000"/>
+              </a:schemeClr>
+            </a:solidFill>
+            <a:prstDash val="solid"/>
+            <a:round/>
+            <a:headEnd type="none" w="med" len="med"/>
+            <a:tailEnd type="none" w="med" len="med"/>
+          </a:ln>
+          <a:effectLst/>
+        </p:spPr>
+        <p:txBody>
+          <a:bodyPr vert="horz" wrap="square" lIns="91440" tIns="45720" rIns="91440" bIns="45720" anchor="t" compatLnSpc="1"/>
+          <a:lstStyle/>
+          <a:p>
+            <a:endParaRPr kumimoji="0" lang="en-US"/>
+          </a:p>
+        </p:txBody>
+      </p:sp>
+      <p:sp>
+        <p:nvSpPr>
+          <p:cNvPr id="15" name="14 Conector recto"/>
+          <p:cNvSpPr>
+            <a:spLocks noChangeShapeType="1"/>
+          </p:cNvSpPr>
+          <p:nvPr/>
+        </p:nvSpPr>
+        <p:spPr bwMode="auto">
+          <a:xfrm>
+            <a:off x="1066800" y="0"/>
+            <a:ext cx="0" cy="6858000"/>
+          </a:xfrm>
+          <a:prstGeom prst="line">
+            <a:avLst/>
+          </a:prstGeom>
+          <a:noFill/>
+          <a:ln w="9525" cap="flat" cmpd="sng" algn="ctr">
+            <a:solidFill>
+              <a:schemeClr val="accent1">
+                <a:tint val="60000"/>
+              </a:schemeClr>
+            </a:solidFill>
+            <a:prstDash val="solid"/>
+            <a:round/>
+            <a:headEnd type="none" w="med" len="med"/>
+            <a:tailEnd type="none" w="med" len="med"/>
+          </a:ln>
+          <a:effectLst/>
+        </p:spPr>
+        <p:txBody>
+          <a:bodyPr vert="horz" wrap="square" lIns="91440" tIns="45720" rIns="91440" bIns="45720" anchor="t" compatLnSpc="1"/>
+          <a:lstStyle/>
+          <a:p>
+            <a:endParaRPr kumimoji="0" lang="en-US"/>
+          </a:p>
+        </p:txBody>
+      </p:sp>
+      <p:sp>
+        <p:nvSpPr>
+          <p:cNvPr id="22" name="21 Conector recto"/>
+          <p:cNvSpPr>
+            <a:spLocks noChangeShapeType="1"/>
+          </p:cNvSpPr>
+          <p:nvPr/>
+        </p:nvSpPr>
+        <p:spPr bwMode="auto">
+          <a:xfrm>
+            <a:off x="9113856" y="0"/>
+            <a:ext cx="0" cy="6858000"/>
+          </a:xfrm>
+          <a:prstGeom prst="line">
+            <a:avLst/>
+          </a:prstGeom>
+          <a:noFill/>
+          <a:ln w="57150" cap="flat" cmpd="thickThin" algn="ctr">
+            <a:solidFill>
+              <a:schemeClr val="accent1">
+                <a:tint val="60000"/>
+              </a:schemeClr>
+            </a:solidFill>
+            <a:prstDash val="solid"/>
+            <a:round/>
+            <a:headEnd type="none" w="med" len="med"/>
+            <a:tailEnd type="none" w="med" len="med"/>
+          </a:ln>
+          <a:effectLst/>
+        </p:spPr>
+        <p:txBody>
+          <a:bodyPr vert="horz" wrap="square" lIns="91440" tIns="45720" rIns="91440" bIns="45720" anchor="t" compatLnSpc="1"/>
+          <a:lstStyle/>
+          <a:p>
+            <a:endParaRPr kumimoji="0" lang="en-US"/>
+          </a:p>
+        </p:txBody>
+      </p:sp>
+      <p:sp>
+        <p:nvSpPr>
+          <p:cNvPr id="27" name="26 Rectángulo"/>
+          <p:cNvSpPr/>
+          <p:nvPr/>
+        </p:nvSpPr>
+        <p:spPr bwMode="auto">
+          <a:xfrm>
+            <a:off x="1219200" y="0"/>
+            <a:ext cx="76200" cy="6858000"/>
+          </a:xfrm>
+          <a:prstGeom prst="rect">
+            <a:avLst/>
+          </a:prstGeom>
+          <a:solidFill>
+            <a:schemeClr val="accent1">
+              <a:tint val="60000"/>
+              <a:alpha val="51000"/>
+            </a:schemeClr>
+          </a:solidFill>
+          <a:ln w="38100" cap="rnd" cmpd="sng" algn="ctr">
+            <a:noFill/>
+            <a:prstDash val="solid"/>
+          </a:ln>
+          <a:effectLst/>
+        </p:spPr>
+        <p:style>
+          <a:lnRef idx="3">
+            <a:schemeClr val="lt1"/>
+          </a:lnRef>
+          <a:fillRef idx="1">
+            <a:schemeClr val="accent1"/>
+          </a:fillRef>
+          <a:effectRef idx="1">
+            <a:schemeClr val="accent1"/>
+          </a:effectRef>
+          <a:fontRef idx="minor">
+            <a:schemeClr val="lt1"/>
+          </a:fontRef>
+        </p:style>
+        <p:txBody>
+          <a:bodyPr anchor="ctr"/>
+          <a:lstStyle/>
+          <a:p>
+            <a:pPr algn="ctr" eaLnBrk="1" latinLnBrk="0" hangingPunct="1"/>
+            <a:endParaRPr kumimoji="0" lang="en-US" dirty="0"/>
+          </a:p>
+        </p:txBody>
+      </p:sp>
+      <p:sp>
+        <p:nvSpPr>
+          <p:cNvPr id="21" name="20 Elipse"/>
+          <p:cNvSpPr/>
+          <p:nvPr/>
+        </p:nvSpPr>
+        <p:spPr bwMode="auto">
+          <a:xfrm>
+            <a:off x="609600" y="3429000"/>
+            <a:ext cx="1295400" cy="1295400"/>
+          </a:xfrm>
+          <a:prstGeom prst="ellipse">
+            <a:avLst/>
+          </a:prstGeom>
+          <a:solidFill>
+            <a:schemeClr val="accent1"/>
+          </a:solidFill>
+          <a:ln w="38100" cap="rnd" cmpd="sng" algn="ctr">
+            <a:noFill/>
+            <a:prstDash val="solid"/>
+          </a:ln>
+          <a:effectLst/>
+        </p:spPr>
+        <p:style>
+          <a:lnRef idx="3">
+            <a:schemeClr val="lt1"/>
+          </a:lnRef>
+          <a:fillRef idx="1">
+            <a:schemeClr val="accent1"/>
+          </a:fillRef>
+          <a:effectRef idx="1">
+            <a:schemeClr val="accent1"/>
+          </a:effectRef>
+          <a:fontRef idx="minor">
+            <a:schemeClr val="lt1"/>
+          </a:fontRef>
+        </p:style>
+        <p:txBody>
+          <a:bodyPr anchor="ctr"/>
+          <a:lstStyle/>
+          <a:p>
+            <a:pPr algn="ctr" eaLnBrk="1" latinLnBrk="0" hangingPunct="1"/>
+            <a:endParaRPr kumimoji="0" lang="en-US" dirty="0"/>
+          </a:p>
+        </p:txBody>
+      </p:sp>
+      <p:sp>
+        <p:nvSpPr>
+          <p:cNvPr id="23" name="22 Elipse"/>
+          <p:cNvSpPr/>
+          <p:nvPr/>
+        </p:nvSpPr>
+        <p:spPr bwMode="auto">
+          <a:xfrm>
+            <a:off x="1309632" y="4866752"/>
+            <a:ext cx="641424" cy="641424"/>
+          </a:xfrm>
+          <a:prstGeom prst="ellipse">
+            <a:avLst/>
+          </a:prstGeom>
+          <a:ln w="28575" cap="rnd" cmpd="sng" algn="ctr">
+            <a:noFill/>
+            <a:prstDash val="solid"/>
+          </a:ln>
+          <a:effectLst/>
+        </p:spPr>
+        <p:style>
+          <a:lnRef idx="3">
+            <a:schemeClr val="lt1"/>
+          </a:lnRef>
+          <a:fillRef idx="1">
+            <a:schemeClr val="accent1"/>
+          </a:fillRef>
+          <a:effectRef idx="1">
+            <a:schemeClr val="accent1"/>
+          </a:effectRef>
+          <a:fontRef idx="minor">
+            <a:schemeClr val="lt1"/>
+          </a:fontRef>
+        </p:style>
+        <p:txBody>
+          <a:bodyPr anchor="ctr"/>
+          <a:lstStyle/>
+          <a:p>
+            <a:pPr algn="ctr" eaLnBrk="1" latinLnBrk="0" hangingPunct="1"/>
+            <a:endParaRPr kumimoji="0" lang="en-US" dirty="0"/>
+          </a:p>
+        </p:txBody>
+      </p:sp>
+      <p:sp>
+        <p:nvSpPr>
+          <p:cNvPr id="24" name="23 Elipse"/>
+          <p:cNvSpPr/>
+          <p:nvPr/>
+        </p:nvSpPr>
+        <p:spPr bwMode="auto">
+          <a:xfrm>
+            <a:off x="1091080" y="5500632"/>
+            <a:ext cx="137160" cy="137160"/>
+          </a:xfrm>
+          <a:prstGeom prst="ellipse">
+            <a:avLst/>
+          </a:prstGeom>
+          <a:ln w="12700" cap="rnd" cmpd="sng" algn="ctr">
+            <a:noFill/>
+            <a:prstDash val="solid"/>
+          </a:ln>
+          <a:effectLst/>
+        </p:spPr>
+        <p:style>
+          <a:lnRef idx="3">
+            <a:schemeClr val="lt1"/>
+          </a:lnRef>
+          <a:fillRef idx="1">
+            <a:schemeClr val="accent1"/>
+          </a:fillRef>
+          <a:effectRef idx="1">
+            <a:schemeClr val="accent1"/>
+          </a:effectRef>
+          <a:fontRef idx="minor">
+            <a:schemeClr val="lt1"/>
+          </a:fontRef>
+        </p:style>
+        <p:txBody>
+          <a:bodyPr anchor="ctr"/>
+          <a:lstStyle/>
+          <a:p>
+            <a:pPr algn="ctr" eaLnBrk="1" latinLnBrk="0" hangingPunct="1"/>
+            <a:endParaRPr kumimoji="0" lang="en-US" dirty="0"/>
+          </a:p>
+        </p:txBody>
+      </p:sp>
+      <p:sp>
+        <p:nvSpPr>
+          <p:cNvPr id="26" name="25 Elipse"/>
+          <p:cNvSpPr/>
+          <p:nvPr/>
+        </p:nvSpPr>
+        <p:spPr bwMode="auto">
+          <a:xfrm>
+            <a:off x="1664208" y="5788152"/>
+            <a:ext cx="274320" cy="274320"/>
+          </a:xfrm>
+          <a:prstGeom prst="ellipse">
+            <a:avLst/>
+          </a:prstGeom>
+          <a:ln w="12700" cap="rnd" cmpd="sng" algn="ctr">
+            <a:noFill/>
+            <a:prstDash val="solid"/>
+          </a:ln>
+          <a:effectLst/>
+        </p:spPr>
+        <p:style>
+          <a:lnRef idx="3">
+            <a:schemeClr val="lt1"/>
+          </a:lnRef>
+          <a:fillRef idx="1">
+            <a:schemeClr val="accent1"/>
+          </a:fillRef>
+          <a:effectRef idx="1">
+            <a:schemeClr val="accent1"/>
+          </a:effectRef>
+          <a:fontRef idx="minor">
+            <a:schemeClr val="lt1"/>
+          </a:fontRef>
+        </p:style>
+        <p:txBody>
+          <a:bodyPr anchor="ctr"/>
+          <a:lstStyle/>
+          <a:p>
+            <a:pPr algn="ctr" eaLnBrk="1" latinLnBrk="0" hangingPunct="1"/>
+            <a:endParaRPr kumimoji="0" lang="en-US" dirty="0"/>
+          </a:p>
+        </p:txBody>
+      </p:sp>
+      <p:sp>
+        <p:nvSpPr>
+          <p:cNvPr id="25" name="24 Elipse"/>
+          <p:cNvSpPr/>
+          <p:nvPr/>
+        </p:nvSpPr>
+        <p:spPr>
+          <a:xfrm>
+            <a:off x="1905000" y="4495800"/>
+            <a:ext cx="365760" cy="365760"/>
+          </a:xfrm>
+          <a:prstGeom prst="ellipse">
+            <a:avLst/>
+          </a:prstGeom>
+          <a:ln w="28575" cap="rnd" cmpd="sng" algn="ctr">
+            <a:noFill/>
+            <a:prstDash val="solid"/>
+          </a:ln>
+          <a:effectLst/>
+        </p:spPr>
+        <p:style>
+          <a:lnRef idx="3">
+            <a:schemeClr val="lt1"/>
+          </a:lnRef>
+          <a:fillRef idx="1">
+            <a:schemeClr val="accent1"/>
+          </a:fillRef>
+          <a:effectRef idx="1">
+            <a:schemeClr val="accent1"/>
+          </a:effectRef>
+          <a:fontRef idx="minor">
+            <a:schemeClr val="lt1"/>
+          </a:fontRef>
+        </p:style>
+        <p:txBody>
+          <a:bodyPr anchor="ctr"/>
+          <a:lstStyle/>
+          <a:p>
+            <a:pPr algn="ctr" eaLnBrk="1" latinLnBrk="0" hangingPunct="1"/>
+            <a:endParaRPr kumimoji="0" lang="en-US" dirty="0"/>
+          </a:p>
+        </p:txBody>
+      </p:sp>
+      <p:sp>
+        <p:nvSpPr>
+          <p:cNvPr id="29" name="28 Marcador de número de diapositiva"/>
           <p:cNvSpPr>
             <a:spLocks noGrp="1"/>
           </p:cNvSpPr>
@@ -329,7 +986,12 @@
             <p:ph type="sldNum" sz="quarter" idx="12"/>
           </p:nvPr>
         </p:nvSpPr>
-        <p:spPr/>
+        <p:spPr bwMode="auto">
+          <a:xfrm>
+            <a:off x="1325544" y="4928702"/>
+            <a:ext cx="609600" cy="517524"/>
+          </a:xfrm>
+        </p:spPr>
         <p:txBody>
           <a:bodyPr/>
           <a:lstStyle/>
@@ -346,7 +1008,7 @@
     </p:spTree>
   </p:cSld>
   <p:clrMapOvr>
-    <a:masterClrMapping/>
+    <a:overrideClrMapping bg1="lt1" tx1="dk1" bg2="lt2" tx2="dk2" accent1="accent1" accent2="accent2" accent3="accent3" accent4="accent4" accent5="accent5" accent6="accent6" hlink="hlink" folHlink="folHlink"/>
   </p:clrMapOvr>
 </p:sldLayout>
 </file>
@@ -384,10 +1046,10 @@
           <a:lstStyle/>
           <a:p>
             <a:r>
-              <a:rPr lang="es-ES" smtClean="0"/>
+              <a:rPr kumimoji="0" lang="es-ES" smtClean="0"/>
               <a:t>Haga clic para modificar el estilo de título del patrón</a:t>
             </a:r>
-            <a:endParaRPr lang="es-UY"/>
+            <a:endParaRPr kumimoji="0" lang="en-US"/>
           </a:p>
         </p:txBody>
       </p:sp>
@@ -406,40 +1068,40 @@
           <a:bodyPr vert="eaVert"/>
           <a:lstStyle/>
           <a:p>
-            <a:pPr lvl="0"/>
+            <a:pPr lvl="0" eaLnBrk="1" latinLnBrk="0" hangingPunct="1"/>
             <a:r>
               <a:rPr lang="es-ES" smtClean="0"/>
               <a:t>Haga clic para modificar el estilo de texto del patrón</a:t>
             </a:r>
           </a:p>
           <a:p>
-            <a:pPr lvl="1"/>
+            <a:pPr lvl="1" eaLnBrk="1" latinLnBrk="0" hangingPunct="1"/>
             <a:r>
               <a:rPr lang="es-ES" smtClean="0"/>
               <a:t>Segundo nivel</a:t>
             </a:r>
           </a:p>
           <a:p>
-            <a:pPr lvl="2"/>
+            <a:pPr lvl="2" eaLnBrk="1" latinLnBrk="0" hangingPunct="1"/>
             <a:r>
               <a:rPr lang="es-ES" smtClean="0"/>
               <a:t>Tercer nivel</a:t>
             </a:r>
           </a:p>
           <a:p>
-            <a:pPr lvl="3"/>
+            <a:pPr lvl="3" eaLnBrk="1" latinLnBrk="0" hangingPunct="1"/>
             <a:r>
               <a:rPr lang="es-ES" smtClean="0"/>
               <a:t>Cuarto nivel</a:t>
             </a:r>
           </a:p>
           <a:p>
-            <a:pPr lvl="4"/>
+            <a:pPr lvl="4" eaLnBrk="1" latinLnBrk="0" hangingPunct="1"/>
             <a:r>
               <a:rPr lang="es-ES" smtClean="0"/>
               <a:t>Quinto nivel</a:t>
             </a:r>
-            <a:endParaRPr lang="es-UY"/>
+            <a:endParaRPr kumimoji="0" lang="en-US"/>
           </a:p>
         </p:txBody>
       </p:sp>
@@ -547,8 +1209,8 @@
         </p:nvSpPr>
         <p:spPr>
           <a:xfrm>
-            <a:off x="6629400" y="274638"/>
-            <a:ext cx="2057400" cy="5851525"/>
+            <a:off x="6629400" y="274639"/>
+            <a:ext cx="1676400" cy="5851525"/>
           </a:xfrm>
         </p:spPr>
         <p:txBody>
@@ -556,10 +1218,10 @@
           <a:lstStyle/>
           <a:p>
             <a:r>
-              <a:rPr lang="es-ES" smtClean="0"/>
+              <a:rPr kumimoji="0" lang="es-ES" smtClean="0"/>
               <a:t>Haga clic para modificar el estilo de título del patrón</a:t>
             </a:r>
-            <a:endParaRPr lang="es-UY"/>
+            <a:endParaRPr kumimoji="0" lang="en-US"/>
           </a:p>
         </p:txBody>
       </p:sp>
@@ -583,40 +1245,40 @@
           <a:bodyPr vert="eaVert"/>
           <a:lstStyle/>
           <a:p>
-            <a:pPr lvl="0"/>
+            <a:pPr lvl="0" eaLnBrk="1" latinLnBrk="0" hangingPunct="1"/>
             <a:r>
               <a:rPr lang="es-ES" smtClean="0"/>
               <a:t>Haga clic para modificar el estilo de texto del patrón</a:t>
             </a:r>
           </a:p>
           <a:p>
-            <a:pPr lvl="1"/>
+            <a:pPr lvl="1" eaLnBrk="1" latinLnBrk="0" hangingPunct="1"/>
             <a:r>
               <a:rPr lang="es-ES" smtClean="0"/>
               <a:t>Segundo nivel</a:t>
             </a:r>
           </a:p>
           <a:p>
-            <a:pPr lvl="2"/>
+            <a:pPr lvl="2" eaLnBrk="1" latinLnBrk="0" hangingPunct="1"/>
             <a:r>
               <a:rPr lang="es-ES" smtClean="0"/>
               <a:t>Tercer nivel</a:t>
             </a:r>
           </a:p>
           <a:p>
-            <a:pPr lvl="3"/>
+            <a:pPr lvl="3" eaLnBrk="1" latinLnBrk="0" hangingPunct="1"/>
             <a:r>
               <a:rPr lang="es-ES" smtClean="0"/>
               <a:t>Cuarto nivel</a:t>
             </a:r>
           </a:p>
           <a:p>
-            <a:pPr lvl="4"/>
+            <a:pPr lvl="4" eaLnBrk="1" latinLnBrk="0" hangingPunct="1"/>
             <a:r>
               <a:rPr lang="es-ES" smtClean="0"/>
               <a:t>Quinto nivel</a:t>
             </a:r>
-            <a:endParaRPr lang="es-UY"/>
+            <a:endParaRPr kumimoji="0" lang="en-US"/>
           </a:p>
         </p:txBody>
       </p:sp>
@@ -728,78 +1390,83 @@
           <a:lstStyle/>
           <a:p>
             <a:r>
-              <a:rPr lang="es-ES" smtClean="0"/>
+              <a:rPr kumimoji="0" lang="es-ES" smtClean="0"/>
               <a:t>Haga clic para modificar el estilo de título del patrón</a:t>
             </a:r>
-            <a:endParaRPr lang="es-UY"/>
-          </a:p>
-        </p:txBody>
-      </p:sp>
-      <p:sp>
-        <p:nvSpPr>
-          <p:cNvPr id="3" name="2 Marcador de contenido"/>
-          <p:cNvSpPr>
-            <a:spLocks noGrp="1"/>
-          </p:cNvSpPr>
-          <p:nvPr>
-            <p:ph idx="1"/>
+            <a:endParaRPr kumimoji="0" lang="en-US"/>
+          </a:p>
+        </p:txBody>
+      </p:sp>
+      <p:sp>
+        <p:nvSpPr>
+          <p:cNvPr id="8" name="7 Marcador de contenido"/>
+          <p:cNvSpPr>
+            <a:spLocks noGrp="1"/>
+          </p:cNvSpPr>
+          <p:nvPr>
+            <p:ph sz="quarter" idx="1"/>
+          </p:nvPr>
+        </p:nvSpPr>
+        <p:spPr>
+          <a:xfrm>
+            <a:off x="457200" y="1600200"/>
+            <a:ext cx="7467600" cy="4873752"/>
+          </a:xfrm>
+        </p:spPr>
+        <p:txBody>
+          <a:bodyPr/>
+          <a:lstStyle/>
+          <a:p>
+            <a:pPr lvl="0" eaLnBrk="1" latinLnBrk="0" hangingPunct="1"/>
+            <a:r>
+              <a:rPr lang="es-ES" smtClean="0"/>
+              <a:t>Haga clic para modificar el estilo de texto del patrón</a:t>
+            </a:r>
+          </a:p>
+          <a:p>
+            <a:pPr lvl="1" eaLnBrk="1" latinLnBrk="0" hangingPunct="1"/>
+            <a:r>
+              <a:rPr lang="es-ES" smtClean="0"/>
+              <a:t>Segundo nivel</a:t>
+            </a:r>
+          </a:p>
+          <a:p>
+            <a:pPr lvl="2" eaLnBrk="1" latinLnBrk="0" hangingPunct="1"/>
+            <a:r>
+              <a:rPr lang="es-ES" smtClean="0"/>
+              <a:t>Tercer nivel</a:t>
+            </a:r>
+          </a:p>
+          <a:p>
+            <a:pPr lvl="3" eaLnBrk="1" latinLnBrk="0" hangingPunct="1"/>
+            <a:r>
+              <a:rPr lang="es-ES" smtClean="0"/>
+              <a:t>Cuarto nivel</a:t>
+            </a:r>
+          </a:p>
+          <a:p>
+            <a:pPr lvl="4" eaLnBrk="1" latinLnBrk="0" hangingPunct="1"/>
+            <a:r>
+              <a:rPr lang="es-ES" smtClean="0"/>
+              <a:t>Quinto nivel</a:t>
+            </a:r>
+            <a:endParaRPr kumimoji="0" lang="en-US"/>
+          </a:p>
+        </p:txBody>
+      </p:sp>
+      <p:sp>
+        <p:nvSpPr>
+          <p:cNvPr id="7" name="6 Marcador de fecha"/>
+          <p:cNvSpPr>
+            <a:spLocks noGrp="1"/>
+          </p:cNvSpPr>
+          <p:nvPr>
+            <p:ph type="dt" sz="half" idx="14"/>
           </p:nvPr>
         </p:nvSpPr>
         <p:spPr/>
         <p:txBody>
-          <a:bodyPr/>
-          <a:lstStyle/>
-          <a:p>
-            <a:pPr lvl="0"/>
-            <a:r>
-              <a:rPr lang="es-ES" smtClean="0"/>
-              <a:t>Haga clic para modificar el estilo de texto del patrón</a:t>
-            </a:r>
-          </a:p>
-          <a:p>
-            <a:pPr lvl="1"/>
-            <a:r>
-              <a:rPr lang="es-ES" smtClean="0"/>
-              <a:t>Segundo nivel</a:t>
-            </a:r>
-          </a:p>
-          <a:p>
-            <a:pPr lvl="2"/>
-            <a:r>
-              <a:rPr lang="es-ES" smtClean="0"/>
-              <a:t>Tercer nivel</a:t>
-            </a:r>
-          </a:p>
-          <a:p>
-            <a:pPr lvl="3"/>
-            <a:r>
-              <a:rPr lang="es-ES" smtClean="0"/>
-              <a:t>Cuarto nivel</a:t>
-            </a:r>
-          </a:p>
-          <a:p>
-            <a:pPr lvl="4"/>
-            <a:r>
-              <a:rPr lang="es-ES" smtClean="0"/>
-              <a:t>Quinto nivel</a:t>
-            </a:r>
-            <a:endParaRPr lang="es-UY"/>
-          </a:p>
-        </p:txBody>
-      </p:sp>
-      <p:sp>
-        <p:nvSpPr>
-          <p:cNvPr id="4" name="3 Marcador de fecha"/>
-          <p:cNvSpPr>
-            <a:spLocks noGrp="1"/>
-          </p:cNvSpPr>
-          <p:nvPr>
-            <p:ph type="dt" sz="half" idx="10"/>
-          </p:nvPr>
-        </p:nvSpPr>
-        <p:spPr/>
-        <p:txBody>
-          <a:bodyPr/>
+          <a:bodyPr rtlCol="0"/>
           <a:lstStyle/>
           <a:p>
             <a:fld id="{7A847CFC-816F-41D0-AAC0-9BF4FEBC753E}" type="datetimeFigureOut">
@@ -813,36 +1480,17 @@
       </p:sp>
       <p:sp>
         <p:nvSpPr>
-          <p:cNvPr id="5" name="4 Marcador de pie de página"/>
-          <p:cNvSpPr>
-            <a:spLocks noGrp="1"/>
-          </p:cNvSpPr>
-          <p:nvPr>
-            <p:ph type="ftr" sz="quarter" idx="11"/>
+          <p:cNvPr id="9" name="8 Marcador de número de diapositiva"/>
+          <p:cNvSpPr>
+            <a:spLocks noGrp="1"/>
+          </p:cNvSpPr>
+          <p:nvPr>
+            <p:ph type="sldNum" sz="quarter" idx="15"/>
           </p:nvPr>
         </p:nvSpPr>
         <p:spPr/>
         <p:txBody>
-          <a:bodyPr/>
-          <a:lstStyle/>
-          <a:p>
-            <a:endParaRPr lang="es-ES"/>
-          </a:p>
-        </p:txBody>
-      </p:sp>
-      <p:sp>
-        <p:nvSpPr>
-          <p:cNvPr id="6" name="5 Marcador de número de diapositiva"/>
-          <p:cNvSpPr>
-            <a:spLocks noGrp="1"/>
-          </p:cNvSpPr>
-          <p:nvPr>
-            <p:ph type="sldNum" sz="quarter" idx="12"/>
-          </p:nvPr>
-        </p:nvSpPr>
-        <p:spPr/>
-        <p:txBody>
-          <a:bodyPr/>
+          <a:bodyPr rtlCol="0"/>
           <a:lstStyle/>
           <a:p>
             <a:fld id="{132FADFE-3B8F-471C-ABF0-DBC7717ECBBC}" type="slidenum">
@@ -850,6 +1498,25 @@
               <a:pPr/>
               <a:t>‹Nº›</a:t>
             </a:fld>
+            <a:endParaRPr lang="es-ES"/>
+          </a:p>
+        </p:txBody>
+      </p:sp>
+      <p:sp>
+        <p:nvSpPr>
+          <p:cNvPr id="10" name="9 Marcador de pie de página"/>
+          <p:cNvSpPr>
+            <a:spLocks noGrp="1"/>
+          </p:cNvSpPr>
+          <p:nvPr>
+            <p:ph type="ftr" sz="quarter" idx="16"/>
+          </p:nvPr>
+        </p:nvSpPr>
+        <p:spPr/>
+        <p:txBody>
+          <a:bodyPr rtlCol="0"/>
+          <a:lstStyle/>
+          <a:p>
             <a:endParaRPr lang="es-ES"/>
           </a:p>
         </p:txBody>
@@ -863,8 +1530,13 @@
 </file>
 
 <file path=ppt/slideLayouts/slideLayout3.xml><?xml version="1.0" encoding="utf-8"?>
-<p:sldLayout xmlns:a="http://schemas.openxmlformats.org/drawingml/2006/main" xmlns:r="http://schemas.openxmlformats.org/officeDocument/2006/relationships" xmlns:p="http://schemas.openxmlformats.org/presentationml/2006/main" type="secHead" preserve="1">
+<p:sldLayout xmlns:a="http://schemas.openxmlformats.org/drawingml/2006/main" xmlns:r="http://schemas.openxmlformats.org/officeDocument/2006/relationships" xmlns:p="http://schemas.openxmlformats.org/presentationml/2006/main" showMasterSp="0" type="secHead" preserve="1">
   <p:cSld name="Encabezado de sección">
+    <p:bg>
+      <p:bgRef idx="1001">
+        <a:schemeClr val="bg2"/>
+      </p:bgRef>
+    </p:bg>
     <p:spTree>
       <p:nvGrpSpPr>
         <p:cNvPr id="1" name=""/>
@@ -891,23 +1563,24 @@
         </p:nvSpPr>
         <p:spPr>
           <a:xfrm>
-            <a:off x="722313" y="4406900"/>
-            <a:ext cx="7772400" cy="1362075"/>
-          </a:xfrm>
-        </p:spPr>
-        <p:txBody>
-          <a:bodyPr anchor="t"/>
+            <a:off x="2286000" y="2895600"/>
+            <a:ext cx="6172200" cy="2053590"/>
+          </a:xfrm>
+        </p:spPr>
+        <p:txBody>
+          <a:bodyPr/>
           <a:lstStyle>
             <a:lvl1pPr algn="l">
-              <a:defRPr sz="4000" b="1" cap="all"/>
+              <a:buNone/>
+              <a:defRPr sz="3000" b="1" cap="small" baseline="0"/>
             </a:lvl1pPr>
           </a:lstStyle>
           <a:p>
             <a:r>
-              <a:rPr lang="es-ES" smtClean="0"/>
+              <a:rPr kumimoji="0" lang="es-ES" smtClean="0"/>
               <a:t>Haga clic para modificar el estilo de título del patrón</a:t>
             </a:r>
-            <a:endParaRPr lang="es-UY"/>
+            <a:endParaRPr kumimoji="0" lang="en-US"/>
           </a:p>
         </p:txBody>
       </p:sp>
@@ -923,24 +1596,22 @@
         </p:nvSpPr>
         <p:spPr>
           <a:xfrm>
-            <a:off x="722313" y="2906713"/>
-            <a:ext cx="7772400" cy="1500187"/>
-          </a:xfrm>
-        </p:spPr>
-        <p:txBody>
-          <a:bodyPr anchor="b"/>
+            <a:off x="2286000" y="5010150"/>
+            <a:ext cx="6172200" cy="1371600"/>
+          </a:xfrm>
+        </p:spPr>
+        <p:txBody>
+          <a:bodyPr anchor="t"/>
           <a:lstStyle>
             <a:lvl1pPr marL="0" indent="0">
               <a:buNone/>
-              <a:defRPr sz="2000">
+              <a:defRPr sz="1800" b="1">
                 <a:solidFill>
-                  <a:schemeClr val="tx1">
-                    <a:tint val="75000"/>
-                  </a:schemeClr>
+                  <a:schemeClr val="tx2"/>
                 </a:solidFill>
               </a:defRPr>
             </a:lvl1pPr>
-            <a:lvl2pPr marL="457200" indent="0">
+            <a:lvl2pPr>
               <a:buNone/>
               <a:defRPr sz="1800">
                 <a:solidFill>
@@ -950,7 +1621,7 @@
                 </a:solidFill>
               </a:defRPr>
             </a:lvl2pPr>
-            <a:lvl3pPr marL="914400" indent="0">
+            <a:lvl3pPr>
               <a:buNone/>
               <a:defRPr sz="1600">
                 <a:solidFill>
@@ -960,7 +1631,7 @@
                 </a:solidFill>
               </a:defRPr>
             </a:lvl3pPr>
-            <a:lvl4pPr marL="1371600" indent="0">
+            <a:lvl4pPr>
               <a:buNone/>
               <a:defRPr sz="1400">
                 <a:solidFill>
@@ -970,7 +1641,7 @@
                 </a:solidFill>
               </a:defRPr>
             </a:lvl4pPr>
-            <a:lvl5pPr marL="1828800" indent="0">
+            <a:lvl5pPr>
               <a:buNone/>
               <a:defRPr sz="1400">
                 <a:solidFill>
@@ -980,51 +1651,11 @@
                 </a:solidFill>
               </a:defRPr>
             </a:lvl5pPr>
-            <a:lvl6pPr marL="2286000" indent="0">
-              <a:buNone/>
-              <a:defRPr sz="1400">
-                <a:solidFill>
-                  <a:schemeClr val="tx1">
-                    <a:tint val="75000"/>
-                  </a:schemeClr>
-                </a:solidFill>
-              </a:defRPr>
-            </a:lvl6pPr>
-            <a:lvl7pPr marL="2743200" indent="0">
-              <a:buNone/>
-              <a:defRPr sz="1400">
-                <a:solidFill>
-                  <a:schemeClr val="tx1">
-                    <a:tint val="75000"/>
-                  </a:schemeClr>
-                </a:solidFill>
-              </a:defRPr>
-            </a:lvl7pPr>
-            <a:lvl8pPr marL="3200400" indent="0">
-              <a:buNone/>
-              <a:defRPr sz="1400">
-                <a:solidFill>
-                  <a:schemeClr val="tx1">
-                    <a:tint val="75000"/>
-                  </a:schemeClr>
-                </a:solidFill>
-              </a:defRPr>
-            </a:lvl8pPr>
-            <a:lvl9pPr marL="3657600" indent="0">
-              <a:buNone/>
-              <a:defRPr sz="1400">
-                <a:solidFill>
-                  <a:schemeClr val="tx1">
-                    <a:tint val="75000"/>
-                  </a:schemeClr>
-                </a:solidFill>
-              </a:defRPr>
-            </a:lvl9pPr>
           </a:lstStyle>
           <a:p>
-            <a:pPr lvl="0"/>
-            <a:r>
-              <a:rPr lang="es-ES" smtClean="0"/>
+            <a:pPr lvl="0" eaLnBrk="1" latinLnBrk="0" hangingPunct="1"/>
+            <a:r>
+              <a:rPr kumimoji="0" lang="es-ES" smtClean="0"/>
               <a:t>Haga clic para modificar el estilo de texto del patrón</a:t>
             </a:r>
           </a:p>
@@ -1040,7 +1671,12 @@
             <p:ph type="dt" sz="half" idx="10"/>
           </p:nvPr>
         </p:nvSpPr>
-        <p:spPr/>
+        <p:spPr bwMode="auto">
+          <a:xfrm rot="5400000">
+            <a:off x="7763256" y="1170432"/>
+            <a:ext cx="2286000" cy="381000"/>
+          </a:xfrm>
+        </p:spPr>
         <p:txBody>
           <a:bodyPr/>
           <a:lstStyle/>
@@ -1064,7 +1700,12 @@
             <p:ph type="ftr" sz="quarter" idx="11"/>
           </p:nvPr>
         </p:nvSpPr>
-        <p:spPr/>
+        <p:spPr bwMode="auto">
+          <a:xfrm rot="5400000">
+            <a:off x="7077456" y="4178808"/>
+            <a:ext cx="3657600" cy="384048"/>
+          </a:xfrm>
+        </p:spPr>
         <p:txBody>
           <a:bodyPr/>
           <a:lstStyle/>
@@ -1075,6 +1716,697 @@
       </p:sp>
       <p:sp>
         <p:nvSpPr>
+          <p:cNvPr id="9" name="8 Rectángulo"/>
+          <p:cNvSpPr/>
+          <p:nvPr/>
+        </p:nvSpPr>
+        <p:spPr bwMode="auto">
+          <a:xfrm>
+            <a:off x="381000" y="0"/>
+            <a:ext cx="609600" cy="6858000"/>
+          </a:xfrm>
+          <a:prstGeom prst="rect">
+            <a:avLst/>
+          </a:prstGeom>
+          <a:solidFill>
+            <a:schemeClr val="accent1">
+              <a:tint val="60000"/>
+              <a:alpha val="54000"/>
+            </a:schemeClr>
+          </a:solidFill>
+          <a:ln w="38100" cap="rnd" cmpd="sng" algn="ctr">
+            <a:noFill/>
+            <a:prstDash val="solid"/>
+          </a:ln>
+          <a:effectLst/>
+        </p:spPr>
+        <p:style>
+          <a:lnRef idx="3">
+            <a:schemeClr val="lt1"/>
+          </a:lnRef>
+          <a:fillRef idx="1">
+            <a:schemeClr val="accent1"/>
+          </a:fillRef>
+          <a:effectRef idx="1">
+            <a:schemeClr val="accent1"/>
+          </a:effectRef>
+          <a:fontRef idx="minor">
+            <a:schemeClr val="lt1"/>
+          </a:fontRef>
+        </p:style>
+        <p:txBody>
+          <a:bodyPr anchor="ctr"/>
+          <a:lstStyle/>
+          <a:p>
+            <a:pPr algn="ctr" eaLnBrk="1" latinLnBrk="0" hangingPunct="1"/>
+            <a:endParaRPr kumimoji="0" lang="en-US"/>
+          </a:p>
+        </p:txBody>
+      </p:sp>
+      <p:sp>
+        <p:nvSpPr>
+          <p:cNvPr id="10" name="9 Rectángulo"/>
+          <p:cNvSpPr/>
+          <p:nvPr/>
+        </p:nvSpPr>
+        <p:spPr bwMode="auto">
+          <a:xfrm>
+            <a:off x="276336" y="0"/>
+            <a:ext cx="104664" cy="6858000"/>
+          </a:xfrm>
+          <a:prstGeom prst="rect">
+            <a:avLst/>
+          </a:prstGeom>
+          <a:solidFill>
+            <a:schemeClr val="accent1">
+              <a:tint val="40000"/>
+              <a:alpha val="36000"/>
+            </a:schemeClr>
+          </a:solidFill>
+          <a:ln w="38100" cap="rnd" cmpd="sng" algn="ctr">
+            <a:noFill/>
+            <a:prstDash val="solid"/>
+          </a:ln>
+          <a:effectLst/>
+        </p:spPr>
+        <p:style>
+          <a:lnRef idx="3">
+            <a:schemeClr val="lt1"/>
+          </a:lnRef>
+          <a:fillRef idx="1">
+            <a:schemeClr val="accent1"/>
+          </a:fillRef>
+          <a:effectRef idx="1">
+            <a:schemeClr val="accent1"/>
+          </a:effectRef>
+          <a:fontRef idx="minor">
+            <a:schemeClr val="lt1"/>
+          </a:fontRef>
+        </p:style>
+        <p:txBody>
+          <a:bodyPr anchor="ctr"/>
+          <a:lstStyle/>
+          <a:p>
+            <a:pPr algn="ctr" eaLnBrk="1" latinLnBrk="0" hangingPunct="1"/>
+            <a:endParaRPr kumimoji="0" lang="en-US"/>
+          </a:p>
+        </p:txBody>
+      </p:sp>
+      <p:sp>
+        <p:nvSpPr>
+          <p:cNvPr id="11" name="10 Rectángulo"/>
+          <p:cNvSpPr/>
+          <p:nvPr/>
+        </p:nvSpPr>
+        <p:spPr bwMode="auto">
+          <a:xfrm>
+            <a:off x="990600" y="0"/>
+            <a:ext cx="181872" cy="6858000"/>
+          </a:xfrm>
+          <a:prstGeom prst="rect">
+            <a:avLst/>
+          </a:prstGeom>
+          <a:solidFill>
+            <a:schemeClr val="accent1">
+              <a:tint val="40000"/>
+              <a:alpha val="70000"/>
+            </a:schemeClr>
+          </a:solidFill>
+          <a:ln w="38100" cap="rnd" cmpd="sng" algn="ctr">
+            <a:noFill/>
+            <a:prstDash val="solid"/>
+          </a:ln>
+          <a:effectLst/>
+        </p:spPr>
+        <p:style>
+          <a:lnRef idx="3">
+            <a:schemeClr val="lt1"/>
+          </a:lnRef>
+          <a:fillRef idx="1">
+            <a:schemeClr val="accent1"/>
+          </a:fillRef>
+          <a:effectRef idx="1">
+            <a:schemeClr val="accent1"/>
+          </a:effectRef>
+          <a:fontRef idx="minor">
+            <a:schemeClr val="lt1"/>
+          </a:fontRef>
+        </p:style>
+        <p:txBody>
+          <a:bodyPr anchor="ctr"/>
+          <a:lstStyle/>
+          <a:p>
+            <a:pPr algn="ctr" eaLnBrk="1" latinLnBrk="0" hangingPunct="1"/>
+            <a:endParaRPr kumimoji="0" lang="en-US"/>
+          </a:p>
+        </p:txBody>
+      </p:sp>
+      <p:sp>
+        <p:nvSpPr>
+          <p:cNvPr id="12" name="11 Rectángulo"/>
+          <p:cNvSpPr/>
+          <p:nvPr/>
+        </p:nvSpPr>
+        <p:spPr bwMode="auto">
+          <a:xfrm>
+            <a:off x="1141320" y="0"/>
+            <a:ext cx="230280" cy="6858000"/>
+          </a:xfrm>
+          <a:prstGeom prst="rect">
+            <a:avLst/>
+          </a:prstGeom>
+          <a:solidFill>
+            <a:schemeClr val="accent1">
+              <a:tint val="20000"/>
+              <a:alpha val="71000"/>
+            </a:schemeClr>
+          </a:solidFill>
+          <a:ln w="38100" cap="rnd" cmpd="sng" algn="ctr">
+            <a:noFill/>
+            <a:prstDash val="solid"/>
+          </a:ln>
+          <a:effectLst/>
+        </p:spPr>
+        <p:style>
+          <a:lnRef idx="3">
+            <a:schemeClr val="lt1"/>
+          </a:lnRef>
+          <a:fillRef idx="1">
+            <a:schemeClr val="accent1"/>
+          </a:fillRef>
+          <a:effectRef idx="1">
+            <a:schemeClr val="accent1"/>
+          </a:effectRef>
+          <a:fontRef idx="minor">
+            <a:schemeClr val="lt1"/>
+          </a:fontRef>
+        </p:style>
+        <p:txBody>
+          <a:bodyPr anchor="ctr"/>
+          <a:lstStyle/>
+          <a:p>
+            <a:pPr algn="ctr" eaLnBrk="1" latinLnBrk="0" hangingPunct="1"/>
+            <a:endParaRPr kumimoji="0" lang="en-US"/>
+          </a:p>
+        </p:txBody>
+      </p:sp>
+      <p:sp>
+        <p:nvSpPr>
+          <p:cNvPr id="13" name="12 Conector recto"/>
+          <p:cNvSpPr>
+            <a:spLocks noChangeShapeType="1"/>
+          </p:cNvSpPr>
+          <p:nvPr/>
+        </p:nvSpPr>
+        <p:spPr bwMode="auto">
+          <a:xfrm>
+            <a:off x="106344" y="0"/>
+            <a:ext cx="0" cy="6858000"/>
+          </a:xfrm>
+          <a:prstGeom prst="line">
+            <a:avLst/>
+          </a:prstGeom>
+          <a:noFill/>
+          <a:ln w="57150" cap="flat" cmpd="sng" algn="ctr">
+            <a:solidFill>
+              <a:schemeClr val="accent1">
+                <a:tint val="60000"/>
+                <a:alpha val="73000"/>
+              </a:schemeClr>
+            </a:solidFill>
+            <a:prstDash val="solid"/>
+            <a:round/>
+            <a:headEnd type="none" w="med" len="med"/>
+            <a:tailEnd type="none" w="med" len="med"/>
+          </a:ln>
+          <a:effectLst/>
+        </p:spPr>
+        <p:txBody>
+          <a:bodyPr vert="horz" wrap="square" lIns="91440" tIns="45720" rIns="91440" bIns="45720" anchor="t" compatLnSpc="1"/>
+          <a:lstStyle/>
+          <a:p>
+            <a:endParaRPr kumimoji="0" lang="en-US"/>
+          </a:p>
+        </p:txBody>
+      </p:sp>
+      <p:sp>
+        <p:nvSpPr>
+          <p:cNvPr id="14" name="13 Conector recto"/>
+          <p:cNvSpPr>
+            <a:spLocks noChangeShapeType="1"/>
+          </p:cNvSpPr>
+          <p:nvPr/>
+        </p:nvSpPr>
+        <p:spPr bwMode="auto">
+          <a:xfrm>
+            <a:off x="914400" y="0"/>
+            <a:ext cx="0" cy="6858000"/>
+          </a:xfrm>
+          <a:prstGeom prst="line">
+            <a:avLst/>
+          </a:prstGeom>
+          <a:noFill/>
+          <a:ln w="57150" cap="flat" cmpd="sng" algn="ctr">
+            <a:solidFill>
+              <a:schemeClr val="accent1">
+                <a:tint val="20000"/>
+                <a:alpha val="83000"/>
+              </a:schemeClr>
+            </a:solidFill>
+            <a:prstDash val="solid"/>
+            <a:round/>
+            <a:headEnd type="none" w="med" len="med"/>
+            <a:tailEnd type="none" w="med" len="med"/>
+          </a:ln>
+          <a:effectLst/>
+        </p:spPr>
+        <p:txBody>
+          <a:bodyPr vert="horz" wrap="square" lIns="91440" tIns="45720" rIns="91440" bIns="45720" anchor="t" compatLnSpc="1"/>
+          <a:lstStyle/>
+          <a:p>
+            <a:endParaRPr kumimoji="0" lang="en-US"/>
+          </a:p>
+        </p:txBody>
+      </p:sp>
+      <p:sp>
+        <p:nvSpPr>
+          <p:cNvPr id="15" name="14 Conector recto"/>
+          <p:cNvSpPr>
+            <a:spLocks noChangeShapeType="1"/>
+          </p:cNvSpPr>
+          <p:nvPr/>
+        </p:nvSpPr>
+        <p:spPr bwMode="auto">
+          <a:xfrm>
+            <a:off x="854112" y="0"/>
+            <a:ext cx="0" cy="6858000"/>
+          </a:xfrm>
+          <a:prstGeom prst="line">
+            <a:avLst/>
+          </a:prstGeom>
+          <a:noFill/>
+          <a:ln w="57150" cap="flat" cmpd="sng" algn="ctr">
+            <a:solidFill>
+              <a:schemeClr val="accent1">
+                <a:tint val="60000"/>
+              </a:schemeClr>
+            </a:solidFill>
+            <a:prstDash val="solid"/>
+            <a:round/>
+            <a:headEnd type="none" w="med" len="med"/>
+            <a:tailEnd type="none" w="med" len="med"/>
+          </a:ln>
+          <a:effectLst/>
+        </p:spPr>
+        <p:txBody>
+          <a:bodyPr vert="horz" wrap="square" lIns="91440" tIns="45720" rIns="91440" bIns="45720" anchor="t" compatLnSpc="1"/>
+          <a:lstStyle/>
+          <a:p>
+            <a:endParaRPr kumimoji="0" lang="en-US"/>
+          </a:p>
+        </p:txBody>
+      </p:sp>
+      <p:sp>
+        <p:nvSpPr>
+          <p:cNvPr id="16" name="15 Conector recto"/>
+          <p:cNvSpPr>
+            <a:spLocks noChangeShapeType="1"/>
+          </p:cNvSpPr>
+          <p:nvPr/>
+        </p:nvSpPr>
+        <p:spPr bwMode="auto">
+          <a:xfrm>
+            <a:off x="1726640" y="0"/>
+            <a:ext cx="0" cy="6858000"/>
+          </a:xfrm>
+          <a:prstGeom prst="line">
+            <a:avLst/>
+          </a:prstGeom>
+          <a:noFill/>
+          <a:ln w="28575" cap="flat" cmpd="sng" algn="ctr">
+            <a:solidFill>
+              <a:schemeClr val="accent1">
+                <a:tint val="60000"/>
+                <a:alpha val="82000"/>
+              </a:schemeClr>
+            </a:solidFill>
+            <a:prstDash val="solid"/>
+            <a:round/>
+            <a:headEnd type="none" w="med" len="med"/>
+            <a:tailEnd type="none" w="med" len="med"/>
+          </a:ln>
+          <a:effectLst/>
+        </p:spPr>
+        <p:txBody>
+          <a:bodyPr vert="horz" wrap="square" lIns="91440" tIns="45720" rIns="91440" bIns="45720" anchor="t" compatLnSpc="1"/>
+          <a:lstStyle/>
+          <a:p>
+            <a:endParaRPr kumimoji="0" lang="en-US"/>
+          </a:p>
+        </p:txBody>
+      </p:sp>
+      <p:sp>
+        <p:nvSpPr>
+          <p:cNvPr id="17" name="16 Conector recto"/>
+          <p:cNvSpPr>
+            <a:spLocks noChangeShapeType="1"/>
+          </p:cNvSpPr>
+          <p:nvPr/>
+        </p:nvSpPr>
+        <p:spPr bwMode="auto">
+          <a:xfrm>
+            <a:off x="1066800" y="0"/>
+            <a:ext cx="0" cy="6858000"/>
+          </a:xfrm>
+          <a:prstGeom prst="line">
+            <a:avLst/>
+          </a:prstGeom>
+          <a:noFill/>
+          <a:ln w="9525" cap="flat" cmpd="sng" algn="ctr">
+            <a:solidFill>
+              <a:schemeClr val="accent1">
+                <a:tint val="60000"/>
+              </a:schemeClr>
+            </a:solidFill>
+            <a:prstDash val="solid"/>
+            <a:round/>
+            <a:headEnd type="none" w="med" len="med"/>
+            <a:tailEnd type="none" w="med" len="med"/>
+          </a:ln>
+          <a:effectLst/>
+        </p:spPr>
+        <p:txBody>
+          <a:bodyPr vert="horz" wrap="square" lIns="91440" tIns="45720" rIns="91440" bIns="45720" anchor="t" compatLnSpc="1"/>
+          <a:lstStyle/>
+          <a:p>
+            <a:endParaRPr kumimoji="0" lang="en-US"/>
+          </a:p>
+        </p:txBody>
+      </p:sp>
+      <p:sp>
+        <p:nvSpPr>
+          <p:cNvPr id="18" name="17 Rectángulo"/>
+          <p:cNvSpPr/>
+          <p:nvPr/>
+        </p:nvSpPr>
+        <p:spPr bwMode="auto">
+          <a:xfrm>
+            <a:off x="1219200" y="0"/>
+            <a:ext cx="76200" cy="6858000"/>
+          </a:xfrm>
+          <a:prstGeom prst="rect">
+            <a:avLst/>
+          </a:prstGeom>
+          <a:solidFill>
+            <a:schemeClr val="accent1">
+              <a:tint val="60000"/>
+              <a:alpha val="51000"/>
+            </a:schemeClr>
+          </a:solidFill>
+          <a:ln w="38100" cap="rnd" cmpd="sng" algn="ctr">
+            <a:noFill/>
+            <a:prstDash val="solid"/>
+          </a:ln>
+          <a:effectLst/>
+        </p:spPr>
+        <p:style>
+          <a:lnRef idx="3">
+            <a:schemeClr val="lt1"/>
+          </a:lnRef>
+          <a:fillRef idx="1">
+            <a:schemeClr val="accent1"/>
+          </a:fillRef>
+          <a:effectRef idx="1">
+            <a:schemeClr val="accent1"/>
+          </a:effectRef>
+          <a:fontRef idx="minor">
+            <a:schemeClr val="lt1"/>
+          </a:fontRef>
+        </p:style>
+        <p:txBody>
+          <a:bodyPr anchor="ctr"/>
+          <a:lstStyle/>
+          <a:p>
+            <a:pPr algn="ctr" eaLnBrk="1" latinLnBrk="0" hangingPunct="1"/>
+            <a:endParaRPr kumimoji="0" lang="en-US" dirty="0"/>
+          </a:p>
+        </p:txBody>
+      </p:sp>
+      <p:sp>
+        <p:nvSpPr>
+          <p:cNvPr id="19" name="18 Elipse"/>
+          <p:cNvSpPr/>
+          <p:nvPr/>
+        </p:nvSpPr>
+        <p:spPr bwMode="auto">
+          <a:xfrm>
+            <a:off x="609600" y="3429000"/>
+            <a:ext cx="1295400" cy="1295400"/>
+          </a:xfrm>
+          <a:prstGeom prst="ellipse">
+            <a:avLst/>
+          </a:prstGeom>
+          <a:ln w="38100" cap="rnd" cmpd="sng" algn="ctr">
+            <a:noFill/>
+            <a:prstDash val="solid"/>
+          </a:ln>
+          <a:effectLst/>
+        </p:spPr>
+        <p:style>
+          <a:lnRef idx="3">
+            <a:schemeClr val="lt1"/>
+          </a:lnRef>
+          <a:fillRef idx="1">
+            <a:schemeClr val="accent1"/>
+          </a:fillRef>
+          <a:effectRef idx="1">
+            <a:schemeClr val="accent1"/>
+          </a:effectRef>
+          <a:fontRef idx="minor">
+            <a:schemeClr val="lt1"/>
+          </a:fontRef>
+        </p:style>
+        <p:txBody>
+          <a:bodyPr anchor="ctr"/>
+          <a:lstStyle/>
+          <a:p>
+            <a:pPr algn="ctr" eaLnBrk="1" latinLnBrk="0" hangingPunct="1"/>
+            <a:endParaRPr kumimoji="0" lang="en-US" dirty="0"/>
+          </a:p>
+        </p:txBody>
+      </p:sp>
+      <p:sp>
+        <p:nvSpPr>
+          <p:cNvPr id="20" name="19 Elipse"/>
+          <p:cNvSpPr/>
+          <p:nvPr/>
+        </p:nvSpPr>
+        <p:spPr bwMode="auto">
+          <a:xfrm>
+            <a:off x="1324704" y="4866752"/>
+            <a:ext cx="641424" cy="641424"/>
+          </a:xfrm>
+          <a:prstGeom prst="ellipse">
+            <a:avLst/>
+          </a:prstGeom>
+          <a:ln w="28575" cap="rnd" cmpd="sng" algn="ctr">
+            <a:noFill/>
+            <a:prstDash val="solid"/>
+          </a:ln>
+          <a:effectLst/>
+        </p:spPr>
+        <p:style>
+          <a:lnRef idx="3">
+            <a:schemeClr val="lt1"/>
+          </a:lnRef>
+          <a:fillRef idx="1">
+            <a:schemeClr val="accent1"/>
+          </a:fillRef>
+          <a:effectRef idx="1">
+            <a:schemeClr val="accent1"/>
+          </a:effectRef>
+          <a:fontRef idx="minor">
+            <a:schemeClr val="lt1"/>
+          </a:fontRef>
+        </p:style>
+        <p:txBody>
+          <a:bodyPr anchor="ctr"/>
+          <a:lstStyle/>
+          <a:p>
+            <a:pPr algn="ctr" eaLnBrk="1" latinLnBrk="0" hangingPunct="1"/>
+            <a:endParaRPr kumimoji="0" lang="en-US" dirty="0"/>
+          </a:p>
+        </p:txBody>
+      </p:sp>
+      <p:sp>
+        <p:nvSpPr>
+          <p:cNvPr id="21" name="20 Elipse"/>
+          <p:cNvSpPr/>
+          <p:nvPr/>
+        </p:nvSpPr>
+        <p:spPr bwMode="auto">
+          <a:xfrm>
+            <a:off x="1091080" y="5500632"/>
+            <a:ext cx="137160" cy="137160"/>
+          </a:xfrm>
+          <a:prstGeom prst="ellipse">
+            <a:avLst/>
+          </a:prstGeom>
+          <a:ln w="12700" cap="rnd" cmpd="sng" algn="ctr">
+            <a:noFill/>
+            <a:prstDash val="solid"/>
+          </a:ln>
+          <a:effectLst/>
+        </p:spPr>
+        <p:style>
+          <a:lnRef idx="3">
+            <a:schemeClr val="lt1"/>
+          </a:lnRef>
+          <a:fillRef idx="1">
+            <a:schemeClr val="accent1"/>
+          </a:fillRef>
+          <a:effectRef idx="1">
+            <a:schemeClr val="accent1"/>
+          </a:effectRef>
+          <a:fontRef idx="minor">
+            <a:schemeClr val="lt1"/>
+          </a:fontRef>
+        </p:style>
+        <p:txBody>
+          <a:bodyPr anchor="ctr"/>
+          <a:lstStyle/>
+          <a:p>
+            <a:pPr algn="ctr" eaLnBrk="1" latinLnBrk="0" hangingPunct="1"/>
+            <a:endParaRPr kumimoji="0" lang="en-US" dirty="0"/>
+          </a:p>
+        </p:txBody>
+      </p:sp>
+      <p:sp>
+        <p:nvSpPr>
+          <p:cNvPr id="22" name="21 Elipse"/>
+          <p:cNvSpPr/>
+          <p:nvPr/>
+        </p:nvSpPr>
+        <p:spPr bwMode="auto">
+          <a:xfrm>
+            <a:off x="1664208" y="5791200"/>
+            <a:ext cx="274320" cy="274320"/>
+          </a:xfrm>
+          <a:prstGeom prst="ellipse">
+            <a:avLst/>
+          </a:prstGeom>
+          <a:ln w="12700" cap="rnd" cmpd="sng" algn="ctr">
+            <a:noFill/>
+            <a:prstDash val="solid"/>
+          </a:ln>
+          <a:effectLst/>
+        </p:spPr>
+        <p:style>
+          <a:lnRef idx="3">
+            <a:schemeClr val="lt1"/>
+          </a:lnRef>
+          <a:fillRef idx="1">
+            <a:schemeClr val="accent1"/>
+          </a:fillRef>
+          <a:effectRef idx="1">
+            <a:schemeClr val="accent1"/>
+          </a:effectRef>
+          <a:fontRef idx="minor">
+            <a:schemeClr val="lt1"/>
+          </a:fontRef>
+        </p:style>
+        <p:txBody>
+          <a:bodyPr anchor="ctr"/>
+          <a:lstStyle/>
+          <a:p>
+            <a:pPr algn="ctr" eaLnBrk="1" latinLnBrk="0" hangingPunct="1"/>
+            <a:endParaRPr kumimoji="0" lang="en-US" dirty="0"/>
+          </a:p>
+        </p:txBody>
+      </p:sp>
+      <p:sp>
+        <p:nvSpPr>
+          <p:cNvPr id="23" name="22 Elipse"/>
+          <p:cNvSpPr/>
+          <p:nvPr/>
+        </p:nvSpPr>
+        <p:spPr bwMode="auto">
+          <a:xfrm>
+            <a:off x="1879040" y="4479888"/>
+            <a:ext cx="365760" cy="365760"/>
+          </a:xfrm>
+          <a:prstGeom prst="ellipse">
+            <a:avLst/>
+          </a:prstGeom>
+          <a:ln w="28575" cap="rnd" cmpd="sng" algn="ctr">
+            <a:noFill/>
+            <a:prstDash val="solid"/>
+          </a:ln>
+          <a:effectLst/>
+        </p:spPr>
+        <p:style>
+          <a:lnRef idx="3">
+            <a:schemeClr val="lt1"/>
+          </a:lnRef>
+          <a:fillRef idx="1">
+            <a:schemeClr val="accent1"/>
+          </a:fillRef>
+          <a:effectRef idx="1">
+            <a:schemeClr val="accent1"/>
+          </a:effectRef>
+          <a:fontRef idx="minor">
+            <a:schemeClr val="lt1"/>
+          </a:fontRef>
+        </p:style>
+        <p:txBody>
+          <a:bodyPr anchor="ctr"/>
+          <a:lstStyle/>
+          <a:p>
+            <a:pPr algn="ctr" eaLnBrk="1" latinLnBrk="0" hangingPunct="1"/>
+            <a:endParaRPr kumimoji="0" lang="en-US" dirty="0"/>
+          </a:p>
+        </p:txBody>
+      </p:sp>
+      <p:sp>
+        <p:nvSpPr>
+          <p:cNvPr id="26" name="25 Conector recto"/>
+          <p:cNvSpPr>
+            <a:spLocks noChangeShapeType="1"/>
+          </p:cNvSpPr>
+          <p:nvPr/>
+        </p:nvSpPr>
+        <p:spPr bwMode="auto">
+          <a:xfrm>
+            <a:off x="9097944" y="0"/>
+            <a:ext cx="0" cy="6858000"/>
+          </a:xfrm>
+          <a:prstGeom prst="line">
+            <a:avLst/>
+          </a:prstGeom>
+          <a:noFill/>
+          <a:ln w="57150" cap="flat" cmpd="thickThin" algn="ctr">
+            <a:solidFill>
+              <a:schemeClr val="accent1">
+                <a:tint val="60000"/>
+              </a:schemeClr>
+            </a:solidFill>
+            <a:prstDash val="solid"/>
+            <a:round/>
+            <a:headEnd type="none" w="med" len="med"/>
+            <a:tailEnd type="none" w="med" len="med"/>
+          </a:ln>
+          <a:effectLst/>
+        </p:spPr>
+        <p:txBody>
+          <a:bodyPr vert="horz" wrap="square" lIns="91440" tIns="45720" rIns="91440" bIns="45720" anchor="t" compatLnSpc="1"/>
+          <a:lstStyle/>
+          <a:p>
+            <a:endParaRPr kumimoji="0" lang="en-US"/>
+          </a:p>
+        </p:txBody>
+      </p:sp>
+      <p:sp>
+        <p:nvSpPr>
           <p:cNvPr id="6" name="5 Marcador de número de diapositiva"/>
           <p:cNvSpPr>
             <a:spLocks noGrp="1"/>
@@ -1083,7 +2415,12 @@
             <p:ph type="sldNum" sz="quarter" idx="12"/>
           </p:nvPr>
         </p:nvSpPr>
-        <p:spPr/>
+        <p:spPr bwMode="auto">
+          <a:xfrm>
+            <a:off x="1340616" y="4928702"/>
+            <a:ext cx="609600" cy="517524"/>
+          </a:xfrm>
+        </p:spPr>
         <p:txBody>
           <a:bodyPr/>
           <a:lstStyle/>
@@ -1100,7 +2437,7 @@
     </p:spTree>
   </p:cSld>
   <p:clrMapOvr>
-    <a:masterClrMapping/>
+    <a:overrideClrMapping bg1="dk1" tx1="lt1" bg2="dk2" tx2="lt2" accent1="accent1" accent2="accent2" accent3="accent3" accent4="accent4" accent5="accent5" accent6="accent6" hlink="hlink" folHlink="folHlink"/>
   </p:clrMapOvr>
 </p:sldLayout>
 </file>
@@ -1138,180 +2475,10 @@
           <a:lstStyle/>
           <a:p>
             <a:r>
-              <a:rPr lang="es-ES" smtClean="0"/>
+              <a:rPr kumimoji="0" lang="es-ES" smtClean="0"/>
               <a:t>Haga clic para modificar el estilo de título del patrón</a:t>
             </a:r>
-            <a:endParaRPr lang="es-UY"/>
-          </a:p>
-        </p:txBody>
-      </p:sp>
-      <p:sp>
-        <p:nvSpPr>
-          <p:cNvPr id="3" name="2 Marcador de contenido"/>
-          <p:cNvSpPr>
-            <a:spLocks noGrp="1"/>
-          </p:cNvSpPr>
-          <p:nvPr>
-            <p:ph sz="half" idx="1"/>
-          </p:nvPr>
-        </p:nvSpPr>
-        <p:spPr>
-          <a:xfrm>
-            <a:off x="457200" y="1600200"/>
-            <a:ext cx="4038600" cy="4525963"/>
-          </a:xfrm>
-        </p:spPr>
-        <p:txBody>
-          <a:bodyPr/>
-          <a:lstStyle>
-            <a:lvl1pPr>
-              <a:defRPr sz="2800"/>
-            </a:lvl1pPr>
-            <a:lvl2pPr>
-              <a:defRPr sz="2400"/>
-            </a:lvl2pPr>
-            <a:lvl3pPr>
-              <a:defRPr sz="2000"/>
-            </a:lvl3pPr>
-            <a:lvl4pPr>
-              <a:defRPr sz="1800"/>
-            </a:lvl4pPr>
-            <a:lvl5pPr>
-              <a:defRPr sz="1800"/>
-            </a:lvl5pPr>
-            <a:lvl6pPr>
-              <a:defRPr sz="1800"/>
-            </a:lvl6pPr>
-            <a:lvl7pPr>
-              <a:defRPr sz="1800"/>
-            </a:lvl7pPr>
-            <a:lvl8pPr>
-              <a:defRPr sz="1800"/>
-            </a:lvl8pPr>
-            <a:lvl9pPr>
-              <a:defRPr sz="1800"/>
-            </a:lvl9pPr>
-          </a:lstStyle>
-          <a:p>
-            <a:pPr lvl="0"/>
-            <a:r>
-              <a:rPr lang="es-ES" smtClean="0"/>
-              <a:t>Haga clic para modificar el estilo de texto del patrón</a:t>
-            </a:r>
-          </a:p>
-          <a:p>
-            <a:pPr lvl="1"/>
-            <a:r>
-              <a:rPr lang="es-ES" smtClean="0"/>
-              <a:t>Segundo nivel</a:t>
-            </a:r>
-          </a:p>
-          <a:p>
-            <a:pPr lvl="2"/>
-            <a:r>
-              <a:rPr lang="es-ES" smtClean="0"/>
-              <a:t>Tercer nivel</a:t>
-            </a:r>
-          </a:p>
-          <a:p>
-            <a:pPr lvl="3"/>
-            <a:r>
-              <a:rPr lang="es-ES" smtClean="0"/>
-              <a:t>Cuarto nivel</a:t>
-            </a:r>
-          </a:p>
-          <a:p>
-            <a:pPr lvl="4"/>
-            <a:r>
-              <a:rPr lang="es-ES" smtClean="0"/>
-              <a:t>Quinto nivel</a:t>
-            </a:r>
-            <a:endParaRPr lang="es-UY"/>
-          </a:p>
-        </p:txBody>
-      </p:sp>
-      <p:sp>
-        <p:nvSpPr>
-          <p:cNvPr id="4" name="3 Marcador de contenido"/>
-          <p:cNvSpPr>
-            <a:spLocks noGrp="1"/>
-          </p:cNvSpPr>
-          <p:nvPr>
-            <p:ph sz="half" idx="2"/>
-          </p:nvPr>
-        </p:nvSpPr>
-        <p:spPr>
-          <a:xfrm>
-            <a:off x="4648200" y="1600200"/>
-            <a:ext cx="4038600" cy="4525963"/>
-          </a:xfrm>
-        </p:spPr>
-        <p:txBody>
-          <a:bodyPr/>
-          <a:lstStyle>
-            <a:lvl1pPr>
-              <a:defRPr sz="2800"/>
-            </a:lvl1pPr>
-            <a:lvl2pPr>
-              <a:defRPr sz="2400"/>
-            </a:lvl2pPr>
-            <a:lvl3pPr>
-              <a:defRPr sz="2000"/>
-            </a:lvl3pPr>
-            <a:lvl4pPr>
-              <a:defRPr sz="1800"/>
-            </a:lvl4pPr>
-            <a:lvl5pPr>
-              <a:defRPr sz="1800"/>
-            </a:lvl5pPr>
-            <a:lvl6pPr>
-              <a:defRPr sz="1800"/>
-            </a:lvl6pPr>
-            <a:lvl7pPr>
-              <a:defRPr sz="1800"/>
-            </a:lvl7pPr>
-            <a:lvl8pPr>
-              <a:defRPr sz="1800"/>
-            </a:lvl8pPr>
-            <a:lvl9pPr>
-              <a:defRPr sz="1800"/>
-            </a:lvl9pPr>
-          </a:lstStyle>
-          <a:p>
-            <a:pPr lvl="0"/>
-            <a:r>
-              <a:rPr lang="es-ES" smtClean="0"/>
-              <a:t>Haga clic para modificar el estilo de texto del patrón</a:t>
-            </a:r>
-          </a:p>
-          <a:p>
-            <a:pPr lvl="1"/>
-            <a:r>
-              <a:rPr lang="es-ES" smtClean="0"/>
-              <a:t>Segundo nivel</a:t>
-            </a:r>
-          </a:p>
-          <a:p>
-            <a:pPr lvl="2"/>
-            <a:r>
-              <a:rPr lang="es-ES" smtClean="0"/>
-              <a:t>Tercer nivel</a:t>
-            </a:r>
-          </a:p>
-          <a:p>
-            <a:pPr lvl="3"/>
-            <a:r>
-              <a:rPr lang="es-ES" smtClean="0"/>
-              <a:t>Cuarto nivel</a:t>
-            </a:r>
-          </a:p>
-          <a:p>
-            <a:pPr lvl="4"/>
-            <a:r>
-              <a:rPr lang="es-ES" smtClean="0"/>
-              <a:t>Quinto nivel</a:t>
-            </a:r>
-            <a:endParaRPr lang="es-UY"/>
+            <a:endParaRPr kumimoji="0" lang="en-US"/>
           </a:p>
         </p:txBody>
       </p:sp>
@@ -1379,6 +2546,120 @@
               <a:t>‹Nº›</a:t>
             </a:fld>
             <a:endParaRPr lang="es-ES"/>
+          </a:p>
+        </p:txBody>
+      </p:sp>
+      <p:sp>
+        <p:nvSpPr>
+          <p:cNvPr id="9" name="8 Marcador de contenido"/>
+          <p:cNvSpPr>
+            <a:spLocks noGrp="1"/>
+          </p:cNvSpPr>
+          <p:nvPr>
+            <p:ph sz="quarter" idx="1"/>
+          </p:nvPr>
+        </p:nvSpPr>
+        <p:spPr>
+          <a:xfrm>
+            <a:off x="457200" y="1600200"/>
+            <a:ext cx="3657600" cy="4572000"/>
+          </a:xfrm>
+        </p:spPr>
+        <p:txBody>
+          <a:bodyPr/>
+          <a:lstStyle/>
+          <a:p>
+            <a:pPr lvl="0" eaLnBrk="1" latinLnBrk="0" hangingPunct="1"/>
+            <a:r>
+              <a:rPr lang="es-ES" smtClean="0"/>
+              <a:t>Haga clic para modificar el estilo de texto del patrón</a:t>
+            </a:r>
+          </a:p>
+          <a:p>
+            <a:pPr lvl="1" eaLnBrk="1" latinLnBrk="0" hangingPunct="1"/>
+            <a:r>
+              <a:rPr lang="es-ES" smtClean="0"/>
+              <a:t>Segundo nivel</a:t>
+            </a:r>
+          </a:p>
+          <a:p>
+            <a:pPr lvl="2" eaLnBrk="1" latinLnBrk="0" hangingPunct="1"/>
+            <a:r>
+              <a:rPr lang="es-ES" smtClean="0"/>
+              <a:t>Tercer nivel</a:t>
+            </a:r>
+          </a:p>
+          <a:p>
+            <a:pPr lvl="3" eaLnBrk="1" latinLnBrk="0" hangingPunct="1"/>
+            <a:r>
+              <a:rPr lang="es-ES" smtClean="0"/>
+              <a:t>Cuarto nivel</a:t>
+            </a:r>
+          </a:p>
+          <a:p>
+            <a:pPr lvl="4" eaLnBrk="1" latinLnBrk="0" hangingPunct="1"/>
+            <a:r>
+              <a:rPr lang="es-ES" smtClean="0"/>
+              <a:t>Quinto nivel</a:t>
+            </a:r>
+            <a:endParaRPr kumimoji="0" lang="en-US"/>
+          </a:p>
+        </p:txBody>
+      </p:sp>
+      <p:sp>
+        <p:nvSpPr>
+          <p:cNvPr id="11" name="10 Marcador de contenido"/>
+          <p:cNvSpPr>
+            <a:spLocks noGrp="1"/>
+          </p:cNvSpPr>
+          <p:nvPr>
+            <p:ph sz="quarter" idx="2"/>
+          </p:nvPr>
+        </p:nvSpPr>
+        <p:spPr>
+          <a:xfrm>
+            <a:off x="4270248" y="1600200"/>
+            <a:ext cx="3657600" cy="4572000"/>
+          </a:xfrm>
+        </p:spPr>
+        <p:txBody>
+          <a:bodyPr/>
+          <a:lstStyle/>
+          <a:p>
+            <a:pPr lvl="0" eaLnBrk="1" latinLnBrk="0" hangingPunct="1"/>
+            <a:r>
+              <a:rPr lang="es-ES" smtClean="0"/>
+              <a:t>Haga clic para modificar el estilo de texto del patrón</a:t>
+            </a:r>
+          </a:p>
+          <a:p>
+            <a:pPr lvl="1" eaLnBrk="1" latinLnBrk="0" hangingPunct="1"/>
+            <a:r>
+              <a:rPr lang="es-ES" smtClean="0"/>
+              <a:t>Segundo nivel</a:t>
+            </a:r>
+          </a:p>
+          <a:p>
+            <a:pPr lvl="2" eaLnBrk="1" latinLnBrk="0" hangingPunct="1"/>
+            <a:r>
+              <a:rPr lang="es-ES" smtClean="0"/>
+              <a:t>Tercer nivel</a:t>
+            </a:r>
+          </a:p>
+          <a:p>
+            <a:pPr lvl="3" eaLnBrk="1" latinLnBrk="0" hangingPunct="1"/>
+            <a:r>
+              <a:rPr lang="es-ES" smtClean="0"/>
+              <a:t>Cuarto nivel</a:t>
+            </a:r>
+          </a:p>
+          <a:p>
+            <a:pPr lvl="4" eaLnBrk="1" latinLnBrk="0" hangingPunct="1"/>
+            <a:r>
+              <a:rPr lang="es-ES" smtClean="0"/>
+              <a:t>Quinto nivel</a:t>
+            </a:r>
+            <a:endParaRPr kumimoji="0" lang="en-US"/>
           </a:p>
         </p:txBody>
       </p:sp>
@@ -1417,9 +2698,14 @@
             <p:ph type="title"/>
           </p:nvPr>
         </p:nvSpPr>
-        <p:spPr/>
-        <p:txBody>
-          <a:bodyPr/>
+        <p:spPr>
+          <a:xfrm>
+            <a:off x="457200" y="273050"/>
+            <a:ext cx="7543800" cy="1143000"/>
+          </a:xfrm>
+        </p:spPr>
+        <p:txBody>
+          <a:bodyPr anchor="b"/>
           <a:lstStyle>
             <a:lvl1pPr>
               <a:defRPr/>
@@ -1427,310 +2713,10 @@
           </a:lstStyle>
           <a:p>
             <a:r>
-              <a:rPr lang="es-ES" smtClean="0"/>
+              <a:rPr kumimoji="0" lang="es-ES" smtClean="0"/>
               <a:t>Haga clic para modificar el estilo de título del patrón</a:t>
             </a:r>
-            <a:endParaRPr lang="es-UY"/>
-          </a:p>
-        </p:txBody>
-      </p:sp>
-      <p:sp>
-        <p:nvSpPr>
-          <p:cNvPr id="3" name="2 Marcador de texto"/>
-          <p:cNvSpPr>
-            <a:spLocks noGrp="1"/>
-          </p:cNvSpPr>
-          <p:nvPr>
-            <p:ph type="body" idx="1"/>
-          </p:nvPr>
-        </p:nvSpPr>
-        <p:spPr>
-          <a:xfrm>
-            <a:off x="457200" y="1535113"/>
-            <a:ext cx="4040188" cy="639762"/>
-          </a:xfrm>
-        </p:spPr>
-        <p:txBody>
-          <a:bodyPr anchor="b"/>
-          <a:lstStyle>
-            <a:lvl1pPr marL="0" indent="0">
-              <a:buNone/>
-              <a:defRPr sz="2400" b="1"/>
-            </a:lvl1pPr>
-            <a:lvl2pPr marL="457200" indent="0">
-              <a:buNone/>
-              <a:defRPr sz="2000" b="1"/>
-            </a:lvl2pPr>
-            <a:lvl3pPr marL="914400" indent="0">
-              <a:buNone/>
-              <a:defRPr sz="1800" b="1"/>
-            </a:lvl3pPr>
-            <a:lvl4pPr marL="1371600" indent="0">
-              <a:buNone/>
-              <a:defRPr sz="1600" b="1"/>
-            </a:lvl4pPr>
-            <a:lvl5pPr marL="1828800" indent="0">
-              <a:buNone/>
-              <a:defRPr sz="1600" b="1"/>
-            </a:lvl5pPr>
-            <a:lvl6pPr marL="2286000" indent="0">
-              <a:buNone/>
-              <a:defRPr sz="1600" b="1"/>
-            </a:lvl6pPr>
-            <a:lvl7pPr marL="2743200" indent="0">
-              <a:buNone/>
-              <a:defRPr sz="1600" b="1"/>
-            </a:lvl7pPr>
-            <a:lvl8pPr marL="3200400" indent="0">
-              <a:buNone/>
-              <a:defRPr sz="1600" b="1"/>
-            </a:lvl8pPr>
-            <a:lvl9pPr marL="3657600" indent="0">
-              <a:buNone/>
-              <a:defRPr sz="1600" b="1"/>
-            </a:lvl9pPr>
-          </a:lstStyle>
-          <a:p>
-            <a:pPr lvl="0"/>
-            <a:r>
-              <a:rPr lang="es-ES" smtClean="0"/>
-              <a:t>Haga clic para modificar el estilo de texto del patrón</a:t>
-            </a:r>
-          </a:p>
-        </p:txBody>
-      </p:sp>
-      <p:sp>
-        <p:nvSpPr>
-          <p:cNvPr id="4" name="3 Marcador de contenido"/>
-          <p:cNvSpPr>
-            <a:spLocks noGrp="1"/>
-          </p:cNvSpPr>
-          <p:nvPr>
-            <p:ph sz="half" idx="2"/>
-          </p:nvPr>
-        </p:nvSpPr>
-        <p:spPr>
-          <a:xfrm>
-            <a:off x="457200" y="2174875"/>
-            <a:ext cx="4040188" cy="3951288"/>
-          </a:xfrm>
-        </p:spPr>
-        <p:txBody>
-          <a:bodyPr/>
-          <a:lstStyle>
-            <a:lvl1pPr>
-              <a:defRPr sz="2400"/>
-            </a:lvl1pPr>
-            <a:lvl2pPr>
-              <a:defRPr sz="2000"/>
-            </a:lvl2pPr>
-            <a:lvl3pPr>
-              <a:defRPr sz="1800"/>
-            </a:lvl3pPr>
-            <a:lvl4pPr>
-              <a:defRPr sz="1600"/>
-            </a:lvl4pPr>
-            <a:lvl5pPr>
-              <a:defRPr sz="1600"/>
-            </a:lvl5pPr>
-            <a:lvl6pPr>
-              <a:defRPr sz="1600"/>
-            </a:lvl6pPr>
-            <a:lvl7pPr>
-              <a:defRPr sz="1600"/>
-            </a:lvl7pPr>
-            <a:lvl8pPr>
-              <a:defRPr sz="1600"/>
-            </a:lvl8pPr>
-            <a:lvl9pPr>
-              <a:defRPr sz="1600"/>
-            </a:lvl9pPr>
-          </a:lstStyle>
-          <a:p>
-            <a:pPr lvl="0"/>
-            <a:r>
-              <a:rPr lang="es-ES" smtClean="0"/>
-              <a:t>Haga clic para modificar el estilo de texto del patrón</a:t>
-            </a:r>
-          </a:p>
-          <a:p>
-            <a:pPr lvl="1"/>
-            <a:r>
-              <a:rPr lang="es-ES" smtClean="0"/>
-              <a:t>Segundo nivel</a:t>
-            </a:r>
-          </a:p>
-          <a:p>
-            <a:pPr lvl="2"/>
-            <a:r>
-              <a:rPr lang="es-ES" smtClean="0"/>
-              <a:t>Tercer nivel</a:t>
-            </a:r>
-          </a:p>
-          <a:p>
-            <a:pPr lvl="3"/>
-            <a:r>
-              <a:rPr lang="es-ES" smtClean="0"/>
-              <a:t>Cuarto nivel</a:t>
-            </a:r>
-          </a:p>
-          <a:p>
-            <a:pPr lvl="4"/>
-            <a:r>
-              <a:rPr lang="es-ES" smtClean="0"/>
-              <a:t>Quinto nivel</a:t>
-            </a:r>
-            <a:endParaRPr lang="es-UY"/>
-          </a:p>
-        </p:txBody>
-      </p:sp>
-      <p:sp>
-        <p:nvSpPr>
-          <p:cNvPr id="5" name="4 Marcador de texto"/>
-          <p:cNvSpPr>
-            <a:spLocks noGrp="1"/>
-          </p:cNvSpPr>
-          <p:nvPr>
-            <p:ph type="body" sz="quarter" idx="3"/>
-          </p:nvPr>
-        </p:nvSpPr>
-        <p:spPr>
-          <a:xfrm>
-            <a:off x="4645025" y="1535113"/>
-            <a:ext cx="4041775" cy="639762"/>
-          </a:xfrm>
-        </p:spPr>
-        <p:txBody>
-          <a:bodyPr anchor="b"/>
-          <a:lstStyle>
-            <a:lvl1pPr marL="0" indent="0">
-              <a:buNone/>
-              <a:defRPr sz="2400" b="1"/>
-            </a:lvl1pPr>
-            <a:lvl2pPr marL="457200" indent="0">
-              <a:buNone/>
-              <a:defRPr sz="2000" b="1"/>
-            </a:lvl2pPr>
-            <a:lvl3pPr marL="914400" indent="0">
-              <a:buNone/>
-              <a:defRPr sz="1800" b="1"/>
-            </a:lvl3pPr>
-            <a:lvl4pPr marL="1371600" indent="0">
-              <a:buNone/>
-              <a:defRPr sz="1600" b="1"/>
-            </a:lvl4pPr>
-            <a:lvl5pPr marL="1828800" indent="0">
-              <a:buNone/>
-              <a:defRPr sz="1600" b="1"/>
-            </a:lvl5pPr>
-            <a:lvl6pPr marL="2286000" indent="0">
-              <a:buNone/>
-              <a:defRPr sz="1600" b="1"/>
-            </a:lvl6pPr>
-            <a:lvl7pPr marL="2743200" indent="0">
-              <a:buNone/>
-              <a:defRPr sz="1600" b="1"/>
-            </a:lvl7pPr>
-            <a:lvl8pPr marL="3200400" indent="0">
-              <a:buNone/>
-              <a:defRPr sz="1600" b="1"/>
-            </a:lvl8pPr>
-            <a:lvl9pPr marL="3657600" indent="0">
-              <a:buNone/>
-              <a:defRPr sz="1600" b="1"/>
-            </a:lvl9pPr>
-          </a:lstStyle>
-          <a:p>
-            <a:pPr lvl="0"/>
-            <a:r>
-              <a:rPr lang="es-ES" smtClean="0"/>
-              <a:t>Haga clic para modificar el estilo de texto del patrón</a:t>
-            </a:r>
-          </a:p>
-        </p:txBody>
-      </p:sp>
-      <p:sp>
-        <p:nvSpPr>
-          <p:cNvPr id="6" name="5 Marcador de contenido"/>
-          <p:cNvSpPr>
-            <a:spLocks noGrp="1"/>
-          </p:cNvSpPr>
-          <p:nvPr>
-            <p:ph sz="quarter" idx="4"/>
-          </p:nvPr>
-        </p:nvSpPr>
-        <p:spPr>
-          <a:xfrm>
-            <a:off x="4645025" y="2174875"/>
-            <a:ext cx="4041775" cy="3951288"/>
-          </a:xfrm>
-        </p:spPr>
-        <p:txBody>
-          <a:bodyPr/>
-          <a:lstStyle>
-            <a:lvl1pPr>
-              <a:defRPr sz="2400"/>
-            </a:lvl1pPr>
-            <a:lvl2pPr>
-              <a:defRPr sz="2000"/>
-            </a:lvl2pPr>
-            <a:lvl3pPr>
-              <a:defRPr sz="1800"/>
-            </a:lvl3pPr>
-            <a:lvl4pPr>
-              <a:defRPr sz="1600"/>
-            </a:lvl4pPr>
-            <a:lvl5pPr>
-              <a:defRPr sz="1600"/>
-            </a:lvl5pPr>
-            <a:lvl6pPr>
-              <a:defRPr sz="1600"/>
-            </a:lvl6pPr>
-            <a:lvl7pPr>
-              <a:defRPr sz="1600"/>
-            </a:lvl7pPr>
-            <a:lvl8pPr>
-              <a:defRPr sz="1600"/>
-            </a:lvl8pPr>
-            <a:lvl9pPr>
-              <a:defRPr sz="1600"/>
-            </a:lvl9pPr>
-          </a:lstStyle>
-          <a:p>
-            <a:pPr lvl="0"/>
-            <a:r>
-              <a:rPr lang="es-ES" smtClean="0"/>
-              <a:t>Haga clic para modificar el estilo de texto del patrón</a:t>
-            </a:r>
-          </a:p>
-          <a:p>
-            <a:pPr lvl="1"/>
-            <a:r>
-              <a:rPr lang="es-ES" smtClean="0"/>
-              <a:t>Segundo nivel</a:t>
-            </a:r>
-          </a:p>
-          <a:p>
-            <a:pPr lvl="2"/>
-            <a:r>
-              <a:rPr lang="es-ES" smtClean="0"/>
-              <a:t>Tercer nivel</a:t>
-            </a:r>
-          </a:p>
-          <a:p>
-            <a:pPr lvl="3"/>
-            <a:r>
-              <a:rPr lang="es-ES" smtClean="0"/>
-              <a:t>Cuarto nivel</a:t>
-            </a:r>
-          </a:p>
-          <a:p>
-            <a:pPr lvl="4"/>
-            <a:r>
-              <a:rPr lang="es-ES" smtClean="0"/>
-              <a:t>Quinto nivel</a:t>
-            </a:r>
-            <a:endParaRPr lang="es-UY"/>
+            <a:endParaRPr kumimoji="0" lang="en-US"/>
           </a:p>
         </p:txBody>
       </p:sp>
@@ -1798,6 +2784,216 @@
               <a:t>‹Nº›</a:t>
             </a:fld>
             <a:endParaRPr lang="es-ES"/>
+          </a:p>
+        </p:txBody>
+      </p:sp>
+      <p:sp>
+        <p:nvSpPr>
+          <p:cNvPr id="11" name="10 Marcador de contenido"/>
+          <p:cNvSpPr>
+            <a:spLocks noGrp="1"/>
+          </p:cNvSpPr>
+          <p:nvPr>
+            <p:ph sz="quarter" idx="2"/>
+          </p:nvPr>
+        </p:nvSpPr>
+        <p:spPr>
+          <a:xfrm>
+            <a:off x="457200" y="2362200"/>
+            <a:ext cx="3657600" cy="3886200"/>
+          </a:xfrm>
+        </p:spPr>
+        <p:txBody>
+          <a:bodyPr/>
+          <a:lstStyle/>
+          <a:p>
+            <a:pPr lvl="0" eaLnBrk="1" latinLnBrk="0" hangingPunct="1"/>
+            <a:r>
+              <a:rPr lang="es-ES" smtClean="0"/>
+              <a:t>Haga clic para modificar el estilo de texto del patrón</a:t>
+            </a:r>
+          </a:p>
+          <a:p>
+            <a:pPr lvl="1" eaLnBrk="1" latinLnBrk="0" hangingPunct="1"/>
+            <a:r>
+              <a:rPr lang="es-ES" smtClean="0"/>
+              <a:t>Segundo nivel</a:t>
+            </a:r>
+          </a:p>
+          <a:p>
+            <a:pPr lvl="2" eaLnBrk="1" latinLnBrk="0" hangingPunct="1"/>
+            <a:r>
+              <a:rPr lang="es-ES" smtClean="0"/>
+              <a:t>Tercer nivel</a:t>
+            </a:r>
+          </a:p>
+          <a:p>
+            <a:pPr lvl="3" eaLnBrk="1" latinLnBrk="0" hangingPunct="1"/>
+            <a:r>
+              <a:rPr lang="es-ES" smtClean="0"/>
+              <a:t>Cuarto nivel</a:t>
+            </a:r>
+          </a:p>
+          <a:p>
+            <a:pPr lvl="4" eaLnBrk="1" latinLnBrk="0" hangingPunct="1"/>
+            <a:r>
+              <a:rPr lang="es-ES" smtClean="0"/>
+              <a:t>Quinto nivel</a:t>
+            </a:r>
+            <a:endParaRPr kumimoji="0" lang="en-US"/>
+          </a:p>
+        </p:txBody>
+      </p:sp>
+      <p:sp>
+        <p:nvSpPr>
+          <p:cNvPr id="13" name="12 Marcador de contenido"/>
+          <p:cNvSpPr>
+            <a:spLocks noGrp="1"/>
+          </p:cNvSpPr>
+          <p:nvPr>
+            <p:ph sz="quarter" idx="4"/>
+          </p:nvPr>
+        </p:nvSpPr>
+        <p:spPr>
+          <a:xfrm>
+            <a:off x="4371975" y="2362200"/>
+            <a:ext cx="3657600" cy="3886200"/>
+          </a:xfrm>
+        </p:spPr>
+        <p:txBody>
+          <a:bodyPr/>
+          <a:lstStyle/>
+          <a:p>
+            <a:pPr lvl="0" eaLnBrk="1" latinLnBrk="0" hangingPunct="1"/>
+            <a:r>
+              <a:rPr lang="es-ES" smtClean="0"/>
+              <a:t>Haga clic para modificar el estilo de texto del patrón</a:t>
+            </a:r>
+          </a:p>
+          <a:p>
+            <a:pPr lvl="1" eaLnBrk="1" latinLnBrk="0" hangingPunct="1"/>
+            <a:r>
+              <a:rPr lang="es-ES" smtClean="0"/>
+              <a:t>Segundo nivel</a:t>
+            </a:r>
+          </a:p>
+          <a:p>
+            <a:pPr lvl="2" eaLnBrk="1" latinLnBrk="0" hangingPunct="1"/>
+            <a:r>
+              <a:rPr lang="es-ES" smtClean="0"/>
+              <a:t>Tercer nivel</a:t>
+            </a:r>
+          </a:p>
+          <a:p>
+            <a:pPr lvl="3" eaLnBrk="1" latinLnBrk="0" hangingPunct="1"/>
+            <a:r>
+              <a:rPr lang="es-ES" smtClean="0"/>
+              <a:t>Cuarto nivel</a:t>
+            </a:r>
+          </a:p>
+          <a:p>
+            <a:pPr lvl="4" eaLnBrk="1" latinLnBrk="0" hangingPunct="1"/>
+            <a:r>
+              <a:rPr lang="es-ES" smtClean="0"/>
+              <a:t>Quinto nivel</a:t>
+            </a:r>
+            <a:endParaRPr kumimoji="0" lang="en-US"/>
+          </a:p>
+        </p:txBody>
+      </p:sp>
+      <p:sp>
+        <p:nvSpPr>
+          <p:cNvPr id="12" name="11 Marcador de texto"/>
+          <p:cNvSpPr>
+            <a:spLocks noGrp="1"/>
+          </p:cNvSpPr>
+          <p:nvPr>
+            <p:ph type="body" sz="quarter" idx="1"/>
+          </p:nvPr>
+        </p:nvSpPr>
+        <p:spPr>
+          <a:xfrm>
+            <a:off x="457200" y="1569720"/>
+            <a:ext cx="3657600" cy="658368"/>
+          </a:xfrm>
+          <a:prstGeom prst="roundRect">
+            <a:avLst>
+              <a:gd name="adj" fmla="val 16667"/>
+            </a:avLst>
+          </a:prstGeom>
+          <a:solidFill>
+            <a:schemeClr val="accent1"/>
+          </a:solidFill>
+        </p:spPr>
+        <p:txBody>
+          <a:bodyPr rtlCol="0" anchor="ctr">
+            <a:noAutofit/>
+          </a:bodyPr>
+          <a:lstStyle>
+            <a:lvl1pPr marL="0" indent="0">
+              <a:buFontTx/>
+              <a:buNone/>
+              <a:defRPr sz="2000" b="1">
+                <a:solidFill>
+                  <a:srgbClr val="FFFFFF"/>
+                </a:solidFill>
+              </a:defRPr>
+            </a:lvl1pPr>
+          </a:lstStyle>
+          <a:p>
+            <a:pPr lvl="0" eaLnBrk="1" latinLnBrk="0" hangingPunct="1"/>
+            <a:r>
+              <a:rPr kumimoji="0" lang="es-ES" smtClean="0"/>
+              <a:t>Haga clic para modificar el estilo de texto del patrón</a:t>
+            </a:r>
+          </a:p>
+        </p:txBody>
+      </p:sp>
+      <p:sp>
+        <p:nvSpPr>
+          <p:cNvPr id="14" name="13 Marcador de texto"/>
+          <p:cNvSpPr>
+            <a:spLocks noGrp="1"/>
+          </p:cNvSpPr>
+          <p:nvPr>
+            <p:ph type="body" sz="quarter" idx="3"/>
+          </p:nvPr>
+        </p:nvSpPr>
+        <p:spPr>
+          <a:xfrm>
+            <a:off x="4343400" y="1569720"/>
+            <a:ext cx="3657600" cy="658368"/>
+          </a:xfrm>
+          <a:prstGeom prst="roundRect">
+            <a:avLst>
+              <a:gd name="adj" fmla="val 16667"/>
+            </a:avLst>
+          </a:prstGeom>
+          <a:solidFill>
+            <a:schemeClr val="accent1"/>
+          </a:solidFill>
+        </p:spPr>
+        <p:txBody>
+          <a:bodyPr rtlCol="0" anchor="ctr">
+            <a:noAutofit/>
+          </a:bodyPr>
+          <a:lstStyle>
+            <a:lvl1pPr marL="0" indent="0">
+              <a:buFontTx/>
+              <a:buNone/>
+              <a:defRPr sz="2000" b="1">
+                <a:solidFill>
+                  <a:srgbClr val="FFFFFF"/>
+                </a:solidFill>
+              </a:defRPr>
+            </a:lvl1pPr>
+          </a:lstStyle>
+          <a:p>
+            <a:pPr lvl="0" eaLnBrk="1" latinLnBrk="0" hangingPunct="1"/>
+            <a:r>
+              <a:rPr kumimoji="0" lang="es-ES" smtClean="0"/>
+              <a:t>Haga clic para modificar el estilo de texto del patrón</a:t>
+            </a:r>
           </a:p>
         </p:txBody>
       </p:sp>
@@ -1842,16 +3038,16 @@
           <a:lstStyle/>
           <a:p>
             <a:r>
-              <a:rPr lang="es-ES" smtClean="0"/>
+              <a:rPr kumimoji="0" lang="es-ES" smtClean="0"/>
               <a:t>Haga clic para modificar el estilo de título del patrón</a:t>
             </a:r>
-            <a:endParaRPr lang="es-UY"/>
-          </a:p>
-        </p:txBody>
-      </p:sp>
-      <p:sp>
-        <p:nvSpPr>
-          <p:cNvPr id="3" name="2 Marcador de fecha"/>
+            <a:endParaRPr kumimoji="0" lang="en-US"/>
+          </a:p>
+        </p:txBody>
+      </p:sp>
+      <p:sp>
+        <p:nvSpPr>
+          <p:cNvPr id="6" name="5 Marcador de fecha"/>
           <p:cNvSpPr>
             <a:spLocks noGrp="1"/>
           </p:cNvSpPr>
@@ -1861,7 +3057,7 @@
         </p:nvSpPr>
         <p:spPr/>
         <p:txBody>
-          <a:bodyPr/>
+          <a:bodyPr rtlCol="0"/>
           <a:lstStyle/>
           <a:p>
             <a:fld id="{7A847CFC-816F-41D0-AAC0-9BF4FEBC753E}" type="datetimeFigureOut">
@@ -1875,36 +3071,17 @@
       </p:sp>
       <p:sp>
         <p:nvSpPr>
-          <p:cNvPr id="4" name="3 Marcador de pie de página"/>
-          <p:cNvSpPr>
-            <a:spLocks noGrp="1"/>
-          </p:cNvSpPr>
-          <p:nvPr>
-            <p:ph type="ftr" sz="quarter" idx="11"/>
+          <p:cNvPr id="7" name="6 Marcador de número de diapositiva"/>
+          <p:cNvSpPr>
+            <a:spLocks noGrp="1"/>
+          </p:cNvSpPr>
+          <p:nvPr>
+            <p:ph type="sldNum" sz="quarter" idx="11"/>
           </p:nvPr>
         </p:nvSpPr>
         <p:spPr/>
         <p:txBody>
-          <a:bodyPr/>
-          <a:lstStyle/>
-          <a:p>
-            <a:endParaRPr lang="es-ES"/>
-          </a:p>
-        </p:txBody>
-      </p:sp>
-      <p:sp>
-        <p:nvSpPr>
-          <p:cNvPr id="5" name="4 Marcador de número de diapositiva"/>
-          <p:cNvSpPr>
-            <a:spLocks noGrp="1"/>
-          </p:cNvSpPr>
-          <p:nvPr>
-            <p:ph type="sldNum" sz="quarter" idx="12"/>
-          </p:nvPr>
-        </p:nvSpPr>
-        <p:spPr/>
-        <p:txBody>
-          <a:bodyPr/>
+          <a:bodyPr rtlCol="0"/>
           <a:lstStyle/>
           <a:p>
             <a:fld id="{132FADFE-3B8F-471C-ABF0-DBC7717ECBBC}" type="slidenum">
@@ -1912,6 +3089,25 @@
               <a:pPr/>
               <a:t>‹Nº›</a:t>
             </a:fld>
+            <a:endParaRPr lang="es-ES"/>
+          </a:p>
+        </p:txBody>
+      </p:sp>
+      <p:sp>
+        <p:nvSpPr>
+          <p:cNvPr id="8" name="7 Marcador de pie de página"/>
+          <p:cNvSpPr>
+            <a:spLocks noGrp="1"/>
+          </p:cNvSpPr>
+          <p:nvPr>
+            <p:ph type="ftr" sz="quarter" idx="12"/>
+          </p:nvPr>
+        </p:nvSpPr>
+        <p:spPr/>
+        <p:txBody>
+          <a:bodyPr rtlCol="0"/>
+          <a:lstStyle/>
+          <a:p>
             <a:endParaRPr lang="es-ES"/>
           </a:p>
         </p:txBody>
@@ -2017,8 +3213,13 @@
 </file>
 
 <file path=ppt/slideLayouts/slideLayout8.xml><?xml version="1.0" encoding="utf-8"?>
-<p:sldLayout xmlns:a="http://schemas.openxmlformats.org/drawingml/2006/main" xmlns:r="http://schemas.openxmlformats.org/officeDocument/2006/relationships" xmlns:p="http://schemas.openxmlformats.org/presentationml/2006/main" type="objTx" preserve="1">
+<p:sldLayout xmlns:a="http://schemas.openxmlformats.org/drawingml/2006/main" xmlns:r="http://schemas.openxmlformats.org/officeDocument/2006/relationships" xmlns:p="http://schemas.openxmlformats.org/presentationml/2006/main" showMasterSp="0" type="objTx" preserve="1">
   <p:cSld name="Contenido con título">
+    <p:bg>
+      <p:bgRef idx="1001">
+        <a:schemeClr val="bg1"/>
+      </p:bgRef>
+    </p:bg>
     <p:spTree>
       <p:nvGrpSpPr>
         <p:cNvPr id="1" name=""/>
@@ -2035,6 +3236,45 @@
       </p:grpSpPr>
       <p:sp>
         <p:nvSpPr>
+          <p:cNvPr id="10" name="9 Conector recto"/>
+          <p:cNvSpPr>
+            <a:spLocks noChangeShapeType="1"/>
+          </p:cNvSpPr>
+          <p:nvPr/>
+        </p:nvSpPr>
+        <p:spPr bwMode="auto">
+          <a:xfrm>
+            <a:off x="8763000" y="0"/>
+            <a:ext cx="0" cy="6858000"/>
+          </a:xfrm>
+          <a:prstGeom prst="line">
+            <a:avLst/>
+          </a:prstGeom>
+          <a:noFill/>
+          <a:ln w="38100" cap="flat" cmpd="sng" algn="ctr">
+            <a:solidFill>
+              <a:schemeClr val="accent1">
+                <a:tint val="60000"/>
+                <a:alpha val="93000"/>
+              </a:schemeClr>
+            </a:solidFill>
+            <a:prstDash val="solid"/>
+            <a:round/>
+            <a:headEnd type="none" w="med" len="med"/>
+            <a:tailEnd type="none" w="med" len="med"/>
+          </a:ln>
+          <a:effectLst/>
+        </p:spPr>
+        <p:txBody>
+          <a:bodyPr vert="horz" wrap="square" lIns="91440" tIns="45720" rIns="91440" bIns="45720" anchor="t" compatLnSpc="1"/>
+          <a:lstStyle/>
+          <a:p>
+            <a:endParaRPr kumimoji="0" lang="en-US" dirty="0"/>
+          </a:p>
+        </p:txBody>
+      </p:sp>
+      <p:sp>
+        <p:nvSpPr>
           <p:cNvPr id="2" name="1 Título"/>
           <p:cNvSpPr>
             <a:spLocks noGrp="1"/>
@@ -2044,172 +3284,78 @@
           </p:nvPr>
         </p:nvSpPr>
         <p:spPr>
-          <a:xfrm>
-            <a:off x="457200" y="273050"/>
-            <a:ext cx="3008313" cy="1162050"/>
+          <a:xfrm rot="5400000">
+            <a:off x="3371850" y="3200400"/>
+            <a:ext cx="6309360" cy="457200"/>
           </a:xfrm>
         </p:spPr>
         <p:txBody>
           <a:bodyPr anchor="b"/>
           <a:lstStyle>
             <a:lvl1pPr algn="l">
-              <a:defRPr sz="2000" b="1"/>
+              <a:buNone/>
+              <a:defRPr sz="2000" b="1" cap="small" baseline="0"/>
             </a:lvl1pPr>
           </a:lstStyle>
           <a:p>
             <a:r>
-              <a:rPr lang="es-ES" smtClean="0"/>
+              <a:rPr kumimoji="0" lang="es-ES" smtClean="0"/>
               <a:t>Haga clic para modificar el estilo de título del patrón</a:t>
             </a:r>
-            <a:endParaRPr lang="es-UY"/>
-          </a:p>
-        </p:txBody>
-      </p:sp>
-      <p:sp>
-        <p:nvSpPr>
-          <p:cNvPr id="3" name="2 Marcador de contenido"/>
-          <p:cNvSpPr>
-            <a:spLocks noGrp="1"/>
-          </p:cNvSpPr>
-          <p:nvPr>
-            <p:ph idx="1"/>
+            <a:endParaRPr kumimoji="0" lang="en-US"/>
+          </a:p>
+        </p:txBody>
+      </p:sp>
+      <p:sp>
+        <p:nvSpPr>
+          <p:cNvPr id="3" name="2 Marcador de texto"/>
+          <p:cNvSpPr>
+            <a:spLocks noGrp="1"/>
+          </p:cNvSpPr>
+          <p:nvPr>
+            <p:ph type="body" idx="2"/>
           </p:nvPr>
         </p:nvSpPr>
         <p:spPr>
           <a:xfrm>
-            <a:off x="3575050" y="273050"/>
-            <a:ext cx="5111750" cy="5853113"/>
-          </a:xfrm>
-        </p:spPr>
-        <p:txBody>
-          <a:bodyPr/>
-          <a:lstStyle>
-            <a:lvl1pPr>
-              <a:defRPr sz="3200"/>
-            </a:lvl1pPr>
-            <a:lvl2pPr>
-              <a:defRPr sz="2800"/>
-            </a:lvl2pPr>
-            <a:lvl3pPr>
-              <a:defRPr sz="2400"/>
-            </a:lvl3pPr>
-            <a:lvl4pPr>
-              <a:defRPr sz="2000"/>
-            </a:lvl4pPr>
-            <a:lvl5pPr>
-              <a:defRPr sz="2000"/>
-            </a:lvl5pPr>
-            <a:lvl6pPr>
-              <a:defRPr sz="2000"/>
-            </a:lvl6pPr>
-            <a:lvl7pPr>
-              <a:defRPr sz="2000"/>
-            </a:lvl7pPr>
-            <a:lvl8pPr>
-              <a:defRPr sz="2000"/>
-            </a:lvl8pPr>
-            <a:lvl9pPr>
-              <a:defRPr sz="2000"/>
-            </a:lvl9pPr>
-          </a:lstStyle>
-          <a:p>
-            <a:pPr lvl="0"/>
-            <a:r>
-              <a:rPr lang="es-ES" smtClean="0"/>
-              <a:t>Haga clic para modificar el estilo de texto del patrón</a:t>
-            </a:r>
-          </a:p>
-          <a:p>
-            <a:pPr lvl="1"/>
-            <a:r>
-              <a:rPr lang="es-ES" smtClean="0"/>
-              <a:t>Segundo nivel</a:t>
-            </a:r>
-          </a:p>
-          <a:p>
-            <a:pPr lvl="2"/>
-            <a:r>
-              <a:rPr lang="es-ES" smtClean="0"/>
-              <a:t>Tercer nivel</a:t>
-            </a:r>
-          </a:p>
-          <a:p>
-            <a:pPr lvl="3"/>
-            <a:r>
-              <a:rPr lang="es-ES" smtClean="0"/>
-              <a:t>Cuarto nivel</a:t>
-            </a:r>
-          </a:p>
-          <a:p>
-            <a:pPr lvl="4"/>
-            <a:r>
-              <a:rPr lang="es-ES" smtClean="0"/>
-              <a:t>Quinto nivel</a:t>
-            </a:r>
-            <a:endParaRPr lang="es-UY"/>
-          </a:p>
-        </p:txBody>
-      </p:sp>
-      <p:sp>
-        <p:nvSpPr>
-          <p:cNvPr id="4" name="3 Marcador de texto"/>
-          <p:cNvSpPr>
-            <a:spLocks noGrp="1"/>
-          </p:cNvSpPr>
-          <p:nvPr>
-            <p:ph type="body" sz="half" idx="2"/>
-          </p:nvPr>
-        </p:nvSpPr>
-        <p:spPr>
-          <a:xfrm>
-            <a:off x="457200" y="1435100"/>
-            <a:ext cx="3008313" cy="4691063"/>
+            <a:off x="6812280" y="274320"/>
+            <a:ext cx="1527048" cy="4983480"/>
           </a:xfrm>
         </p:spPr>
         <p:txBody>
           <a:bodyPr/>
           <a:lstStyle>
             <a:lvl1pPr marL="0" indent="0">
+              <a:spcBef>
+                <a:spcPts val="400"/>
+              </a:spcBef>
+              <a:spcAft>
+                <a:spcPts val="1000"/>
+              </a:spcAft>
               <a:buNone/>
-              <a:defRPr sz="1400"/>
+              <a:defRPr sz="1200"/>
             </a:lvl1pPr>
-            <a:lvl2pPr marL="457200" indent="0">
+            <a:lvl2pPr>
               <a:buNone/>
               <a:defRPr sz="1200"/>
             </a:lvl2pPr>
-            <a:lvl3pPr marL="914400" indent="0">
+            <a:lvl3pPr>
               <a:buNone/>
               <a:defRPr sz="1000"/>
             </a:lvl3pPr>
-            <a:lvl4pPr marL="1371600" indent="0">
+            <a:lvl4pPr>
               <a:buNone/>
               <a:defRPr sz="900"/>
             </a:lvl4pPr>
-            <a:lvl5pPr marL="1828800" indent="0">
+            <a:lvl5pPr>
               <a:buNone/>
               <a:defRPr sz="900"/>
             </a:lvl5pPr>
-            <a:lvl6pPr marL="2286000" indent="0">
-              <a:buNone/>
-              <a:defRPr sz="900"/>
-            </a:lvl6pPr>
-            <a:lvl7pPr marL="2743200" indent="0">
-              <a:buNone/>
-              <a:defRPr sz="900"/>
-            </a:lvl7pPr>
-            <a:lvl8pPr marL="3200400" indent="0">
-              <a:buNone/>
-              <a:defRPr sz="900"/>
-            </a:lvl8pPr>
-            <a:lvl9pPr marL="3657600" indent="0">
-              <a:buNone/>
-              <a:defRPr sz="900"/>
-            </a:lvl9pPr>
           </a:lstStyle>
           <a:p>
-            <a:pPr lvl="0"/>
-            <a:r>
-              <a:rPr lang="es-ES" smtClean="0"/>
+            <a:pPr lvl="0" eaLnBrk="1" latinLnBrk="0" hangingPunct="1"/>
+            <a:r>
+              <a:rPr kumimoji="0" lang="es-ES" smtClean="0"/>
               <a:t>Haga clic para modificar el estilo de texto del patrón</a:t>
             </a:r>
           </a:p>
@@ -2217,17 +3363,312 @@
       </p:sp>
       <p:sp>
         <p:nvSpPr>
-          <p:cNvPr id="5" name="4 Marcador de fecha"/>
-          <p:cNvSpPr>
-            <a:spLocks noGrp="1"/>
-          </p:cNvSpPr>
-          <p:nvPr>
-            <p:ph type="dt" sz="half" idx="10"/>
+          <p:cNvPr id="8" name="7 Conector recto"/>
+          <p:cNvSpPr>
+            <a:spLocks noChangeShapeType="1"/>
+          </p:cNvSpPr>
+          <p:nvPr/>
+        </p:nvSpPr>
+        <p:spPr bwMode="auto">
+          <a:xfrm>
+            <a:off x="6248400" y="0"/>
+            <a:ext cx="0" cy="6858000"/>
+          </a:xfrm>
+          <a:prstGeom prst="line">
+            <a:avLst/>
+          </a:prstGeom>
+          <a:noFill/>
+          <a:ln w="38100" cap="flat" cmpd="sng" algn="ctr">
+            <a:solidFill>
+              <a:schemeClr val="accent1">
+                <a:tint val="60000"/>
+              </a:schemeClr>
+            </a:solidFill>
+            <a:prstDash val="solid"/>
+            <a:round/>
+            <a:headEnd type="none" w="med" len="med"/>
+            <a:tailEnd type="none" w="med" len="med"/>
+          </a:ln>
+          <a:effectLst/>
+        </p:spPr>
+        <p:txBody>
+          <a:bodyPr vert="horz" wrap="square" lIns="91440" tIns="45720" rIns="91440" bIns="45720" anchor="t" compatLnSpc="1"/>
+          <a:lstStyle/>
+          <a:p>
+            <a:endParaRPr kumimoji="0" lang="en-US" dirty="0"/>
+          </a:p>
+        </p:txBody>
+      </p:sp>
+      <p:sp>
+        <p:nvSpPr>
+          <p:cNvPr id="9" name="8 Conector recto"/>
+          <p:cNvSpPr>
+            <a:spLocks noChangeShapeType="1"/>
+          </p:cNvSpPr>
+          <p:nvPr/>
+        </p:nvSpPr>
+        <p:spPr bwMode="auto">
+          <a:xfrm>
+            <a:off x="6192296" y="0"/>
+            <a:ext cx="0" cy="6858000"/>
+          </a:xfrm>
+          <a:prstGeom prst="line">
+            <a:avLst/>
+          </a:prstGeom>
+          <a:noFill/>
+          <a:ln w="12700" cap="flat" cmpd="sng" algn="ctr">
+            <a:solidFill>
+              <a:schemeClr val="accent1"/>
+            </a:solidFill>
+            <a:prstDash val="solid"/>
+            <a:round/>
+            <a:headEnd type="none" w="med" len="med"/>
+            <a:tailEnd type="none" w="med" len="med"/>
+          </a:ln>
+          <a:effectLst/>
+        </p:spPr>
+        <p:txBody>
+          <a:bodyPr vert="horz" wrap="square" lIns="91440" tIns="45720" rIns="91440" bIns="45720" anchor="t" compatLnSpc="1"/>
+          <a:lstStyle/>
+          <a:p>
+            <a:endParaRPr kumimoji="0" lang="en-US" dirty="0"/>
+          </a:p>
+        </p:txBody>
+      </p:sp>
+      <p:sp>
+        <p:nvSpPr>
+          <p:cNvPr id="11" name="10 Conector recto"/>
+          <p:cNvSpPr>
+            <a:spLocks noChangeShapeType="1"/>
+          </p:cNvSpPr>
+          <p:nvPr/>
+        </p:nvSpPr>
+        <p:spPr bwMode="auto">
+          <a:xfrm>
+            <a:off x="8991600" y="0"/>
+            <a:ext cx="0" cy="6858000"/>
+          </a:xfrm>
+          <a:prstGeom prst="line">
+            <a:avLst/>
+          </a:prstGeom>
+          <a:noFill/>
+          <a:ln w="19050" cap="flat" cmpd="sng" algn="ctr">
+            <a:solidFill>
+              <a:schemeClr val="accent1"/>
+            </a:solidFill>
+            <a:prstDash val="solid"/>
+            <a:round/>
+            <a:headEnd type="none" w="med" len="med"/>
+            <a:tailEnd type="none" w="med" len="med"/>
+          </a:ln>
+          <a:effectLst/>
+        </p:spPr>
+        <p:txBody>
+          <a:bodyPr vert="horz" wrap="square" lIns="91440" tIns="45720" rIns="91440" bIns="45720" anchor="t" compatLnSpc="1"/>
+          <a:lstStyle/>
+          <a:p>
+            <a:endParaRPr kumimoji="0" lang="en-US"/>
+          </a:p>
+        </p:txBody>
+      </p:sp>
+      <p:sp>
+        <p:nvSpPr>
+          <p:cNvPr id="12" name="11 Rectángulo"/>
+          <p:cNvSpPr/>
+          <p:nvPr/>
+        </p:nvSpPr>
+        <p:spPr bwMode="auto">
+          <a:xfrm>
+            <a:off x="8839200" y="0"/>
+            <a:ext cx="304800" cy="6858000"/>
+          </a:xfrm>
+          <a:prstGeom prst="rect">
+            <a:avLst/>
+          </a:prstGeom>
+          <a:solidFill>
+            <a:schemeClr val="accent1">
+              <a:tint val="60000"/>
+              <a:alpha val="87000"/>
+            </a:schemeClr>
+          </a:solidFill>
+          <a:ln w="38100" cap="rnd" cmpd="sng" algn="ctr">
+            <a:noFill/>
+            <a:prstDash val="solid"/>
+          </a:ln>
+          <a:effectLst/>
+        </p:spPr>
+        <p:style>
+          <a:lnRef idx="3">
+            <a:schemeClr val="lt1"/>
+          </a:lnRef>
+          <a:fillRef idx="1">
+            <a:schemeClr val="accent1"/>
+          </a:fillRef>
+          <a:effectRef idx="1">
+            <a:schemeClr val="accent1"/>
+          </a:effectRef>
+          <a:fontRef idx="minor">
+            <a:schemeClr val="lt1"/>
+          </a:fontRef>
+        </p:style>
+        <p:txBody>
+          <a:bodyPr anchor="ctr"/>
+          <a:lstStyle/>
+          <a:p>
+            <a:pPr algn="ctr" eaLnBrk="1" latinLnBrk="0" hangingPunct="1"/>
+            <a:endParaRPr kumimoji="0" lang="en-US"/>
+          </a:p>
+        </p:txBody>
+      </p:sp>
+      <p:sp>
+        <p:nvSpPr>
+          <p:cNvPr id="13" name="12 Conector recto"/>
+          <p:cNvSpPr>
+            <a:spLocks noChangeShapeType="1"/>
+          </p:cNvSpPr>
+          <p:nvPr/>
+        </p:nvSpPr>
+        <p:spPr bwMode="auto">
+          <a:xfrm>
+            <a:off x="8915400" y="0"/>
+            <a:ext cx="0" cy="6858000"/>
+          </a:xfrm>
+          <a:prstGeom prst="line">
+            <a:avLst/>
+          </a:prstGeom>
+          <a:noFill/>
+          <a:ln w="9525" cap="flat" cmpd="sng" algn="ctr">
+            <a:solidFill>
+              <a:schemeClr val="accent1"/>
+            </a:solidFill>
+            <a:prstDash val="solid"/>
+            <a:round/>
+            <a:headEnd type="none" w="med" len="med"/>
+            <a:tailEnd type="none" w="med" len="med"/>
+          </a:ln>
+          <a:effectLst/>
+        </p:spPr>
+        <p:txBody>
+          <a:bodyPr vert="horz" wrap="square" lIns="91440" tIns="45720" rIns="91440" bIns="45720" anchor="t" compatLnSpc="1"/>
+          <a:lstStyle/>
+          <a:p>
+            <a:endParaRPr kumimoji="0" lang="en-US"/>
+          </a:p>
+        </p:txBody>
+      </p:sp>
+      <p:sp>
+        <p:nvSpPr>
+          <p:cNvPr id="14" name="13 Elipse"/>
+          <p:cNvSpPr/>
+          <p:nvPr/>
+        </p:nvSpPr>
+        <p:spPr>
+          <a:xfrm>
+            <a:off x="8156448" y="5715000"/>
+            <a:ext cx="548640" cy="548640"/>
+          </a:xfrm>
+          <a:prstGeom prst="ellipse">
+            <a:avLst/>
+          </a:prstGeom>
+          <a:ln w="38100" cap="rnd" cmpd="sng" algn="ctr">
+            <a:noFill/>
+            <a:prstDash val="solid"/>
+          </a:ln>
+          <a:effectLst/>
+        </p:spPr>
+        <p:style>
+          <a:lnRef idx="3">
+            <a:schemeClr val="lt1"/>
+          </a:lnRef>
+          <a:fillRef idx="1">
+            <a:schemeClr val="accent1"/>
+          </a:fillRef>
+          <a:effectRef idx="1">
+            <a:schemeClr val="accent1"/>
+          </a:effectRef>
+          <a:fontRef idx="minor">
+            <a:schemeClr val="lt1"/>
+          </a:fontRef>
+        </p:style>
+        <p:txBody>
+          <a:bodyPr anchor="ctr"/>
+          <a:lstStyle/>
+          <a:p>
+            <a:pPr algn="ctr" eaLnBrk="1" latinLnBrk="0" hangingPunct="1"/>
+            <a:endParaRPr kumimoji="0" lang="en-US" dirty="0"/>
+          </a:p>
+        </p:txBody>
+      </p:sp>
+      <p:sp>
+        <p:nvSpPr>
+          <p:cNvPr id="18" name="17 Marcador de contenido"/>
+          <p:cNvSpPr>
+            <a:spLocks noGrp="1"/>
+          </p:cNvSpPr>
+          <p:nvPr>
+            <p:ph sz="quarter" idx="1"/>
+          </p:nvPr>
+        </p:nvSpPr>
+        <p:spPr>
+          <a:xfrm>
+            <a:off x="304800" y="274320"/>
+            <a:ext cx="5638800" cy="6327648"/>
+          </a:xfrm>
+        </p:spPr>
+        <p:txBody>
+          <a:bodyPr/>
+          <a:lstStyle/>
+          <a:p>
+            <a:pPr lvl="0" eaLnBrk="1" latinLnBrk="0" hangingPunct="1"/>
+            <a:r>
+              <a:rPr lang="es-ES" smtClean="0"/>
+              <a:t>Haga clic para modificar el estilo de texto del patrón</a:t>
+            </a:r>
+          </a:p>
+          <a:p>
+            <a:pPr lvl="1" eaLnBrk="1" latinLnBrk="0" hangingPunct="1"/>
+            <a:r>
+              <a:rPr lang="es-ES" smtClean="0"/>
+              <a:t>Segundo nivel</a:t>
+            </a:r>
+          </a:p>
+          <a:p>
+            <a:pPr lvl="2" eaLnBrk="1" latinLnBrk="0" hangingPunct="1"/>
+            <a:r>
+              <a:rPr lang="es-ES" smtClean="0"/>
+              <a:t>Tercer nivel</a:t>
+            </a:r>
+          </a:p>
+          <a:p>
+            <a:pPr lvl="3" eaLnBrk="1" latinLnBrk="0" hangingPunct="1"/>
+            <a:r>
+              <a:rPr lang="es-ES" smtClean="0"/>
+              <a:t>Cuarto nivel</a:t>
+            </a:r>
+          </a:p>
+          <a:p>
+            <a:pPr lvl="4" eaLnBrk="1" latinLnBrk="0" hangingPunct="1"/>
+            <a:r>
+              <a:rPr lang="es-ES" smtClean="0"/>
+              <a:t>Quinto nivel</a:t>
+            </a:r>
+            <a:endParaRPr kumimoji="0" lang="en-US"/>
+          </a:p>
+        </p:txBody>
+      </p:sp>
+      <p:sp>
+        <p:nvSpPr>
+          <p:cNvPr id="21" name="20 Marcador de fecha"/>
+          <p:cNvSpPr>
+            <a:spLocks noGrp="1"/>
+          </p:cNvSpPr>
+          <p:nvPr>
+            <p:ph type="dt" sz="half" idx="14"/>
           </p:nvPr>
         </p:nvSpPr>
         <p:spPr/>
         <p:txBody>
-          <a:bodyPr/>
+          <a:bodyPr rtlCol="0"/>
           <a:lstStyle/>
           <a:p>
             <a:fld id="{7A847CFC-816F-41D0-AAC0-9BF4FEBC753E}" type="datetimeFigureOut">
@@ -2241,36 +3682,17 @@
       </p:sp>
       <p:sp>
         <p:nvSpPr>
-          <p:cNvPr id="6" name="5 Marcador de pie de página"/>
-          <p:cNvSpPr>
-            <a:spLocks noGrp="1"/>
-          </p:cNvSpPr>
-          <p:nvPr>
-            <p:ph type="ftr" sz="quarter" idx="11"/>
+          <p:cNvPr id="22" name="21 Marcador de número de diapositiva"/>
+          <p:cNvSpPr>
+            <a:spLocks noGrp="1"/>
+          </p:cNvSpPr>
+          <p:nvPr>
+            <p:ph type="sldNum" sz="quarter" idx="15"/>
           </p:nvPr>
         </p:nvSpPr>
         <p:spPr/>
         <p:txBody>
-          <a:bodyPr/>
-          <a:lstStyle/>
-          <a:p>
-            <a:endParaRPr lang="es-ES"/>
-          </a:p>
-        </p:txBody>
-      </p:sp>
-      <p:sp>
-        <p:nvSpPr>
-          <p:cNvPr id="7" name="6 Marcador de número de diapositiva"/>
-          <p:cNvSpPr>
-            <a:spLocks noGrp="1"/>
-          </p:cNvSpPr>
-          <p:nvPr>
-            <p:ph type="sldNum" sz="quarter" idx="12"/>
-          </p:nvPr>
-        </p:nvSpPr>
-        <p:spPr/>
-        <p:txBody>
-          <a:bodyPr/>
+          <a:bodyPr rtlCol="0"/>
           <a:lstStyle/>
           <a:p>
             <a:fld id="{132FADFE-3B8F-471C-ABF0-DBC7717ECBBC}" type="slidenum">
@@ -2282,16 +3704,35 @@
           </a:p>
         </p:txBody>
       </p:sp>
+      <p:sp>
+        <p:nvSpPr>
+          <p:cNvPr id="23" name="22 Marcador de pie de página"/>
+          <p:cNvSpPr>
+            <a:spLocks noGrp="1"/>
+          </p:cNvSpPr>
+          <p:nvPr>
+            <p:ph type="ftr" sz="quarter" idx="16"/>
+          </p:nvPr>
+        </p:nvSpPr>
+        <p:spPr/>
+        <p:txBody>
+          <a:bodyPr rtlCol="0"/>
+          <a:lstStyle/>
+          <a:p>
+            <a:endParaRPr lang="es-ES"/>
+          </a:p>
+        </p:txBody>
+      </p:sp>
     </p:spTree>
   </p:cSld>
   <p:clrMapOvr>
-    <a:masterClrMapping/>
+    <a:overrideClrMapping bg1="lt1" tx1="dk1" bg2="lt2" tx2="dk2" accent1="accent1" accent2="accent2" accent3="accent3" accent4="accent4" accent5="accent5" accent6="accent6" hlink="hlink" folHlink="folHlink"/>
   </p:clrMapOvr>
 </p:sldLayout>
 </file>
 
 <file path=ppt/slideLayouts/slideLayout9.xml><?xml version="1.0" encoding="utf-8"?>
-<p:sldLayout xmlns:a="http://schemas.openxmlformats.org/drawingml/2006/main" xmlns:r="http://schemas.openxmlformats.org/officeDocument/2006/relationships" xmlns:p="http://schemas.openxmlformats.org/presentationml/2006/main" type="picTx" preserve="1">
+<p:sldLayout xmlns:a="http://schemas.openxmlformats.org/drawingml/2006/main" xmlns:r="http://schemas.openxmlformats.org/officeDocument/2006/relationships" xmlns:p="http://schemas.openxmlformats.org/presentationml/2006/main" showMasterSp="0" type="picTx" preserve="1">
   <p:cSld name="Imagen con título">
     <p:spTree>
       <p:nvGrpSpPr>
@@ -2309,6 +3750,87 @@
       </p:grpSpPr>
       <p:sp>
         <p:nvSpPr>
+          <p:cNvPr id="9" name="8 Conector recto"/>
+          <p:cNvSpPr>
+            <a:spLocks noChangeShapeType="1"/>
+          </p:cNvSpPr>
+          <p:nvPr/>
+        </p:nvSpPr>
+        <p:spPr bwMode="auto">
+          <a:xfrm>
+            <a:off x="8763000" y="0"/>
+            <a:ext cx="0" cy="6858000"/>
+          </a:xfrm>
+          <a:prstGeom prst="line">
+            <a:avLst/>
+          </a:prstGeom>
+          <a:noFill/>
+          <a:ln w="38100" cap="flat" cmpd="sng" algn="ctr">
+            <a:solidFill>
+              <a:schemeClr val="accent1">
+                <a:tint val="60000"/>
+              </a:schemeClr>
+            </a:solidFill>
+            <a:prstDash val="solid"/>
+            <a:round/>
+            <a:headEnd type="none" w="med" len="med"/>
+            <a:tailEnd type="none" w="med" len="med"/>
+          </a:ln>
+          <a:effectLst/>
+        </p:spPr>
+        <p:txBody>
+          <a:bodyPr vert="horz" wrap="square" lIns="91440" tIns="45720" rIns="91440" bIns="45720" anchor="t" compatLnSpc="1"/>
+          <a:lstStyle/>
+          <a:p>
+            <a:endParaRPr kumimoji="0" lang="en-US"/>
+          </a:p>
+        </p:txBody>
+      </p:sp>
+      <p:sp>
+        <p:nvSpPr>
+          <p:cNvPr id="13" name="12 Elipse"/>
+          <p:cNvSpPr/>
+          <p:nvPr/>
+        </p:nvSpPr>
+        <p:spPr>
+          <a:xfrm>
+            <a:off x="8156448" y="5715000"/>
+            <a:ext cx="548640" cy="548640"/>
+          </a:xfrm>
+          <a:prstGeom prst="ellipse">
+            <a:avLst/>
+          </a:prstGeom>
+          <a:ln w="38100" cap="rnd" cmpd="sng" algn="ctr">
+            <a:noFill/>
+            <a:prstDash val="solid"/>
+          </a:ln>
+          <a:effectLst/>
+        </p:spPr>
+        <p:style>
+          <a:lnRef idx="3">
+            <a:schemeClr val="lt1"/>
+          </a:lnRef>
+          <a:fillRef idx="1">
+            <a:schemeClr val="accent1"/>
+          </a:fillRef>
+          <a:effectRef idx="1">
+            <a:schemeClr val="accent1"/>
+          </a:effectRef>
+          <a:fontRef idx="minor">
+            <a:schemeClr val="lt1"/>
+          </a:fontRef>
+        </p:style>
+        <p:txBody>
+          <a:bodyPr anchor="ctr"/>
+          <a:lstStyle/>
+          <a:p>
+            <a:pPr algn="ctr" eaLnBrk="1" latinLnBrk="0" hangingPunct="1"/>
+            <a:endParaRPr kumimoji="0" lang="en-US" dirty="0"/>
+          </a:p>
+        </p:txBody>
+      </p:sp>
+      <p:sp>
+        <p:nvSpPr>
           <p:cNvPr id="2" name="1 Título"/>
           <p:cNvSpPr>
             <a:spLocks noGrp="1"/>
@@ -2318,24 +3840,25 @@
           </p:nvPr>
         </p:nvSpPr>
         <p:spPr>
-          <a:xfrm>
-            <a:off x="1792288" y="4800600"/>
-            <a:ext cx="5486400" cy="566738"/>
+          <a:xfrm rot="5400000">
+            <a:off x="3350133" y="3200400"/>
+            <a:ext cx="6309360" cy="457200"/>
           </a:xfrm>
         </p:spPr>
         <p:txBody>
           <a:bodyPr anchor="b"/>
           <a:lstStyle>
             <a:lvl1pPr algn="l">
+              <a:buNone/>
               <a:defRPr sz="2000" b="1"/>
             </a:lvl1pPr>
           </a:lstStyle>
           <a:p>
             <a:r>
-              <a:rPr lang="es-ES" smtClean="0"/>
+              <a:rPr kumimoji="0" lang="es-ES" smtClean="0"/>
               <a:t>Haga clic para modificar el estilo de título del patrón</a:t>
             </a:r>
-            <a:endParaRPr lang="es-UY"/>
+            <a:endParaRPr kumimoji="0" lang="en-US"/>
           </a:p>
         </p:txBody>
       </p:sp>
@@ -2351,10 +3874,32 @@
         </p:nvSpPr>
         <p:spPr>
           <a:xfrm>
-            <a:off x="1792288" y="612775"/>
-            <a:ext cx="5486400" cy="4114800"/>
-          </a:xfrm>
-        </p:spPr>
+            <a:off x="0" y="0"/>
+            <a:ext cx="6172200" cy="6858000"/>
+          </a:xfrm>
+          <a:solidFill>
+            <a:schemeClr val="bg2"/>
+          </a:solidFill>
+          <a:ln w="127000" cap="rnd" cmpd="sng" algn="ctr">
+            <a:noFill/>
+            <a:prstDash val="solid"/>
+          </a:ln>
+          <a:effectLst/>
+        </p:spPr>
+        <p:style>
+          <a:lnRef idx="3">
+            <a:schemeClr val="lt1"/>
+          </a:lnRef>
+          <a:fillRef idx="1">
+            <a:schemeClr val="accent1"/>
+          </a:fillRef>
+          <a:effectRef idx="1">
+            <a:schemeClr val="accent1"/>
+          </a:effectRef>
+          <a:fontRef idx="minor">
+            <a:schemeClr val="lt1"/>
+          </a:fontRef>
+        </p:style>
         <p:txBody>
           <a:bodyPr/>
           <a:lstStyle>
@@ -2362,41 +3907,17 @@
               <a:buNone/>
               <a:defRPr sz="3200"/>
             </a:lvl1pPr>
-            <a:lvl2pPr marL="457200" indent="0">
+          </a:lstStyle>
+          <a:p>
+            <a:pPr algn="ctr" eaLnBrk="1" latinLnBrk="0" hangingPunct="1">
+              <a:buFontTx/>
               <a:buNone/>
-              <a:defRPr sz="2800"/>
-            </a:lvl2pPr>
-            <a:lvl3pPr marL="914400" indent="0">
-              <a:buNone/>
-              <a:defRPr sz="2400"/>
-            </a:lvl3pPr>
-            <a:lvl4pPr marL="1371600" indent="0">
-              <a:buNone/>
-              <a:defRPr sz="2000"/>
-            </a:lvl4pPr>
-            <a:lvl5pPr marL="1828800" indent="0">
-              <a:buNone/>
-              <a:defRPr sz="2000"/>
-            </a:lvl5pPr>
-            <a:lvl6pPr marL="2286000" indent="0">
-              <a:buNone/>
-              <a:defRPr sz="2000"/>
-            </a:lvl6pPr>
-            <a:lvl7pPr marL="2743200" indent="0">
-              <a:buNone/>
-              <a:defRPr sz="2000"/>
-            </a:lvl7pPr>
-            <a:lvl8pPr marL="3200400" indent="0">
-              <a:buNone/>
-              <a:defRPr sz="2000"/>
-            </a:lvl8pPr>
-            <a:lvl9pPr marL="3657600" indent="0">
-              <a:buNone/>
-              <a:defRPr sz="2000"/>
-            </a:lvl9pPr>
-          </a:lstStyle>
-          <a:p>
-            <a:endParaRPr lang="es-UY"/>
+            </a:pPr>
+            <a:r>
+              <a:rPr kumimoji="0" lang="es-ES" smtClean="0"/>
+              <a:t>Haga clic en el icono para agregar una imagen</a:t>
+            </a:r>
+            <a:endParaRPr kumimoji="0" lang="en-US" dirty="0"/>
           </a:p>
         </p:txBody>
       </p:sp>
@@ -2412,54 +3933,43 @@
         </p:nvSpPr>
         <p:spPr>
           <a:xfrm>
-            <a:off x="1792288" y="5367338"/>
-            <a:ext cx="5486400" cy="804862"/>
-          </a:xfrm>
-        </p:spPr>
-        <p:txBody>
-          <a:bodyPr/>
+            <a:off x="6765798" y="264795"/>
+            <a:ext cx="1524000" cy="4956048"/>
+          </a:xfrm>
+        </p:spPr>
+        <p:txBody>
+          <a:bodyPr rot="0" spcFirstLastPara="0" vertOverflow="overflow" horzOverflow="overflow" vert="horz" wrap="square" lIns="91440" tIns="45720" rIns="91440" bIns="45720" numCol="1" spcCol="274320" rtlCol="0" fromWordArt="0" anchor="t" anchorCtr="0" forceAA="0" compatLnSpc="1">
+            <a:normAutofit/>
+          </a:bodyPr>
           <a:lstStyle>
             <a:lvl1pPr marL="0" indent="0">
-              <a:buNone/>
-              <a:defRPr sz="1400"/>
-            </a:lvl1pPr>
-            <a:lvl2pPr marL="457200" indent="0">
+              <a:spcBef>
+                <a:spcPts val="100"/>
+              </a:spcBef>
+              <a:spcAft>
+                <a:spcPts val="400"/>
+              </a:spcAft>
+              <a:buFontTx/>
               <a:buNone/>
               <a:defRPr sz="1200"/>
+            </a:lvl1pPr>
+            <a:lvl2pPr>
+              <a:defRPr sz="1200"/>
             </a:lvl2pPr>
-            <a:lvl3pPr marL="914400" indent="0">
-              <a:buNone/>
+            <a:lvl3pPr>
               <a:defRPr sz="1000"/>
             </a:lvl3pPr>
-            <a:lvl4pPr marL="1371600" indent="0">
-              <a:buNone/>
+            <a:lvl4pPr>
               <a:defRPr sz="900"/>
             </a:lvl4pPr>
-            <a:lvl5pPr marL="1828800" indent="0">
-              <a:buNone/>
+            <a:lvl5pPr>
               <a:defRPr sz="900"/>
             </a:lvl5pPr>
-            <a:lvl6pPr marL="2286000" indent="0">
-              <a:buNone/>
-              <a:defRPr sz="900"/>
-            </a:lvl6pPr>
-            <a:lvl7pPr marL="2743200" indent="0">
-              <a:buNone/>
-              <a:defRPr sz="900"/>
-            </a:lvl7pPr>
-            <a:lvl8pPr marL="3200400" indent="0">
-              <a:buNone/>
-              <a:defRPr sz="900"/>
-            </a:lvl8pPr>
-            <a:lvl9pPr marL="3657600" indent="0">
-              <a:buNone/>
-              <a:defRPr sz="900"/>
-            </a:lvl9pPr>
           </a:lstStyle>
           <a:p>
-            <a:pPr lvl="0"/>
-            <a:r>
-              <a:rPr lang="es-ES" smtClean="0"/>
+            <a:pPr lvl="0" eaLnBrk="1" latinLnBrk="0" hangingPunct="1"/>
+            <a:r>
+              <a:rPr kumimoji="0" lang="es-ES" smtClean="0"/>
               <a:t>Haga clic para modificar el estilo de texto del patrón</a:t>
             </a:r>
           </a:p>
@@ -2467,7 +3977,201 @@
       </p:sp>
       <p:sp>
         <p:nvSpPr>
-          <p:cNvPr id="5" name="4 Marcador de fecha"/>
+          <p:cNvPr id="10" name="9 Conector recto"/>
+          <p:cNvSpPr>
+            <a:spLocks noChangeShapeType="1"/>
+          </p:cNvSpPr>
+          <p:nvPr/>
+        </p:nvSpPr>
+        <p:spPr bwMode="auto">
+          <a:xfrm>
+            <a:off x="8991600" y="0"/>
+            <a:ext cx="0" cy="6858000"/>
+          </a:xfrm>
+          <a:prstGeom prst="line">
+            <a:avLst/>
+          </a:prstGeom>
+          <a:noFill/>
+          <a:ln w="9525" cap="flat" cmpd="sng" algn="ctr">
+            <a:solidFill>
+              <a:schemeClr val="tx1"/>
+            </a:solidFill>
+            <a:prstDash val="solid"/>
+            <a:round/>
+            <a:headEnd type="none" w="med" len="med"/>
+            <a:tailEnd type="none" w="med" len="med"/>
+          </a:ln>
+          <a:effectLst/>
+        </p:spPr>
+        <p:txBody>
+          <a:bodyPr vert="horz" wrap="square" lIns="91440" tIns="45720" rIns="91440" bIns="45720" anchor="t" compatLnSpc="1"/>
+          <a:lstStyle/>
+          <a:p>
+            <a:endParaRPr kumimoji="0" lang="en-US"/>
+          </a:p>
+        </p:txBody>
+      </p:sp>
+      <p:sp>
+        <p:nvSpPr>
+          <p:cNvPr id="11" name="10 Rectángulo"/>
+          <p:cNvSpPr/>
+          <p:nvPr/>
+        </p:nvSpPr>
+        <p:spPr bwMode="auto">
+          <a:xfrm>
+            <a:off x="8839200" y="0"/>
+            <a:ext cx="304800" cy="6858000"/>
+          </a:xfrm>
+          <a:prstGeom prst="rect">
+            <a:avLst/>
+          </a:prstGeom>
+          <a:solidFill>
+            <a:schemeClr val="accent1">
+              <a:tint val="60000"/>
+            </a:schemeClr>
+          </a:solidFill>
+          <a:ln w="38100" cap="rnd" cmpd="sng" algn="ctr">
+            <a:noFill/>
+            <a:prstDash val="solid"/>
+          </a:ln>
+          <a:effectLst/>
+        </p:spPr>
+        <p:style>
+          <a:lnRef idx="3">
+            <a:schemeClr val="lt1"/>
+          </a:lnRef>
+          <a:fillRef idx="1">
+            <a:schemeClr val="accent1"/>
+          </a:fillRef>
+          <a:effectRef idx="1">
+            <a:schemeClr val="accent1"/>
+          </a:effectRef>
+          <a:fontRef idx="minor">
+            <a:schemeClr val="lt1"/>
+          </a:fontRef>
+        </p:style>
+        <p:txBody>
+          <a:bodyPr anchor="ctr"/>
+          <a:lstStyle/>
+          <a:p>
+            <a:pPr algn="ctr" eaLnBrk="1" latinLnBrk="0" hangingPunct="1"/>
+            <a:endParaRPr kumimoji="0" lang="en-US"/>
+          </a:p>
+        </p:txBody>
+      </p:sp>
+      <p:sp>
+        <p:nvSpPr>
+          <p:cNvPr id="12" name="11 Conector recto"/>
+          <p:cNvSpPr>
+            <a:spLocks noChangeShapeType="1"/>
+          </p:cNvSpPr>
+          <p:nvPr/>
+        </p:nvSpPr>
+        <p:spPr bwMode="auto">
+          <a:xfrm>
+            <a:off x="8915400" y="0"/>
+            <a:ext cx="0" cy="6858000"/>
+          </a:xfrm>
+          <a:prstGeom prst="line">
+            <a:avLst/>
+          </a:prstGeom>
+          <a:noFill/>
+          <a:ln w="9525" cap="flat" cmpd="sng" algn="ctr">
+            <a:solidFill>
+              <a:schemeClr val="accent1"/>
+            </a:solidFill>
+            <a:prstDash val="solid"/>
+            <a:round/>
+            <a:headEnd type="none" w="med" len="med"/>
+            <a:tailEnd type="none" w="med" len="med"/>
+          </a:ln>
+          <a:effectLst/>
+        </p:spPr>
+        <p:txBody>
+          <a:bodyPr vert="horz" wrap="square" lIns="91440" tIns="45720" rIns="91440" bIns="45720" anchor="t" compatLnSpc="1"/>
+          <a:lstStyle/>
+          <a:p>
+            <a:endParaRPr kumimoji="0" lang="en-US"/>
+          </a:p>
+        </p:txBody>
+      </p:sp>
+      <p:sp>
+        <p:nvSpPr>
+          <p:cNvPr id="19" name="18 Conector recto"/>
+          <p:cNvSpPr>
+            <a:spLocks noChangeShapeType="1"/>
+          </p:cNvSpPr>
+          <p:nvPr/>
+        </p:nvSpPr>
+        <p:spPr bwMode="auto">
+          <a:xfrm>
+            <a:off x="6248400" y="0"/>
+            <a:ext cx="0" cy="6858000"/>
+          </a:xfrm>
+          <a:prstGeom prst="line">
+            <a:avLst/>
+          </a:prstGeom>
+          <a:noFill/>
+          <a:ln w="38100" cap="flat" cmpd="sng" algn="ctr">
+            <a:solidFill>
+              <a:schemeClr val="accent1">
+                <a:tint val="60000"/>
+              </a:schemeClr>
+            </a:solidFill>
+            <a:prstDash val="solid"/>
+            <a:round/>
+            <a:headEnd type="none" w="med" len="med"/>
+            <a:tailEnd type="none" w="med" len="med"/>
+          </a:ln>
+          <a:effectLst/>
+        </p:spPr>
+        <p:txBody>
+          <a:bodyPr vert="horz" wrap="square" lIns="91440" tIns="45720" rIns="91440" bIns="45720" anchor="t" compatLnSpc="1"/>
+          <a:lstStyle/>
+          <a:p>
+            <a:endParaRPr kumimoji="0" lang="en-US" dirty="0"/>
+          </a:p>
+        </p:txBody>
+      </p:sp>
+      <p:sp>
+        <p:nvSpPr>
+          <p:cNvPr id="20" name="19 Conector recto"/>
+          <p:cNvSpPr>
+            <a:spLocks noChangeShapeType="1"/>
+          </p:cNvSpPr>
+          <p:nvPr/>
+        </p:nvSpPr>
+        <p:spPr bwMode="auto">
+          <a:xfrm>
+            <a:off x="6192296" y="0"/>
+            <a:ext cx="0" cy="6858000"/>
+          </a:xfrm>
+          <a:prstGeom prst="line">
+            <a:avLst/>
+          </a:prstGeom>
+          <a:noFill/>
+          <a:ln w="12700" cap="flat" cmpd="sng" algn="ctr">
+            <a:solidFill>
+              <a:schemeClr val="accent1"/>
+            </a:solidFill>
+            <a:prstDash val="solid"/>
+            <a:round/>
+            <a:headEnd type="none" w="med" len="med"/>
+            <a:tailEnd type="none" w="med" len="med"/>
+          </a:ln>
+          <a:effectLst/>
+        </p:spPr>
+        <p:txBody>
+          <a:bodyPr vert="horz" wrap="square" lIns="91440" tIns="45720" rIns="91440" bIns="45720" anchor="t" compatLnSpc="1"/>
+          <a:lstStyle/>
+          <a:p>
+            <a:endParaRPr kumimoji="0" lang="en-US" dirty="0"/>
+          </a:p>
+        </p:txBody>
+      </p:sp>
+      <p:sp>
+        <p:nvSpPr>
+          <p:cNvPr id="17" name="16 Marcador de fecha"/>
           <p:cNvSpPr>
             <a:spLocks noGrp="1"/>
           </p:cNvSpPr>
@@ -2477,7 +4181,7 @@
         </p:nvSpPr>
         <p:spPr/>
         <p:txBody>
-          <a:bodyPr/>
+          <a:bodyPr rtlCol="0"/>
           <a:lstStyle/>
           <a:p>
             <a:fld id="{7A847CFC-816F-41D0-AAC0-9BF4FEBC753E}" type="datetimeFigureOut">
@@ -2491,36 +4195,17 @@
       </p:sp>
       <p:sp>
         <p:nvSpPr>
-          <p:cNvPr id="6" name="5 Marcador de pie de página"/>
-          <p:cNvSpPr>
-            <a:spLocks noGrp="1"/>
-          </p:cNvSpPr>
-          <p:nvPr>
-            <p:ph type="ftr" sz="quarter" idx="11"/>
+          <p:cNvPr id="18" name="17 Marcador de número de diapositiva"/>
+          <p:cNvSpPr>
+            <a:spLocks noGrp="1"/>
+          </p:cNvSpPr>
+          <p:nvPr>
+            <p:ph type="sldNum" sz="quarter" idx="11"/>
           </p:nvPr>
         </p:nvSpPr>
         <p:spPr/>
         <p:txBody>
-          <a:bodyPr/>
-          <a:lstStyle/>
-          <a:p>
-            <a:endParaRPr lang="es-ES"/>
-          </a:p>
-        </p:txBody>
-      </p:sp>
-      <p:sp>
-        <p:nvSpPr>
-          <p:cNvPr id="7" name="6 Marcador de número de diapositiva"/>
-          <p:cNvSpPr>
-            <a:spLocks noGrp="1"/>
-          </p:cNvSpPr>
-          <p:nvPr>
-            <p:ph type="sldNum" sz="quarter" idx="12"/>
-          </p:nvPr>
-        </p:nvSpPr>
-        <p:spPr/>
-        <p:txBody>
-          <a:bodyPr/>
+          <a:bodyPr rtlCol="0"/>
           <a:lstStyle/>
           <a:p>
             <a:fld id="{132FADFE-3B8F-471C-ABF0-DBC7717ECBBC}" type="slidenum">
@@ -2528,6 +4213,25 @@
               <a:pPr/>
               <a:t>‹Nº›</a:t>
             </a:fld>
+            <a:endParaRPr lang="es-ES"/>
+          </a:p>
+        </p:txBody>
+      </p:sp>
+      <p:sp>
+        <p:nvSpPr>
+          <p:cNvPr id="21" name="20 Marcador de pie de página"/>
+          <p:cNvSpPr>
+            <a:spLocks noGrp="1"/>
+          </p:cNvSpPr>
+          <p:nvPr>
+            <p:ph type="ftr" sz="quarter" idx="12"/>
+          </p:nvPr>
+        </p:nvSpPr>
+        <p:spPr/>
+        <p:txBody>
+          <a:bodyPr rtlCol="0"/>
+          <a:lstStyle/>
+          <a:p>
             <a:endParaRPr lang="es-ES"/>
           </a:p>
         </p:txBody>
@@ -2564,7 +4268,46 @@
       </p:grpSpPr>
       <p:sp>
         <p:nvSpPr>
-          <p:cNvPr id="2" name="1 Marcador de título"/>
+          <p:cNvPr id="16" name="15 Conector recto"/>
+          <p:cNvSpPr>
+            <a:spLocks noChangeShapeType="1"/>
+          </p:cNvSpPr>
+          <p:nvPr/>
+        </p:nvSpPr>
+        <p:spPr bwMode="auto">
+          <a:xfrm>
+            <a:off x="8763000" y="0"/>
+            <a:ext cx="0" cy="6858000"/>
+          </a:xfrm>
+          <a:prstGeom prst="line">
+            <a:avLst/>
+          </a:prstGeom>
+          <a:noFill/>
+          <a:ln w="38100" cap="flat" cmpd="sng" algn="ctr">
+            <a:solidFill>
+              <a:schemeClr val="accent1">
+                <a:tint val="60000"/>
+                <a:alpha val="93000"/>
+              </a:schemeClr>
+            </a:solidFill>
+            <a:prstDash val="solid"/>
+            <a:round/>
+            <a:headEnd type="none" w="med" len="med"/>
+            <a:tailEnd type="none" w="med" len="med"/>
+          </a:ln>
+          <a:effectLst/>
+        </p:spPr>
+        <p:txBody>
+          <a:bodyPr vert="horz" wrap="square" lIns="91440" tIns="45720" rIns="91440" bIns="45720" anchor="t" compatLnSpc="1"/>
+          <a:lstStyle/>
+          <a:p>
+            <a:endParaRPr kumimoji="0" lang="en-US" dirty="0"/>
+          </a:p>
+        </p:txBody>
+      </p:sp>
+      <p:sp>
+        <p:nvSpPr>
+          <p:cNvPr id="22" name="21 Marcador de título"/>
           <p:cNvSpPr>
             <a:spLocks noGrp="1"/>
           </p:cNvSpPr>
@@ -2575,29 +4318,29 @@
         <p:spPr>
           <a:xfrm>
             <a:off x="457200" y="274638"/>
-            <a:ext cx="8229600" cy="1143000"/>
+            <a:ext cx="7467600" cy="1143000"/>
           </a:xfrm>
           <a:prstGeom prst="rect">
             <a:avLst/>
           </a:prstGeom>
         </p:spPr>
         <p:txBody>
-          <a:bodyPr vert="horz" lIns="91440" tIns="45720" rIns="91440" bIns="45720" rtlCol="0" anchor="ctr">
+          <a:bodyPr vert="horz" anchor="b">
             <a:normAutofit/>
           </a:bodyPr>
           <a:lstStyle/>
           <a:p>
             <a:r>
-              <a:rPr lang="es-ES" smtClean="0"/>
+              <a:rPr kumimoji="0" lang="es-ES" smtClean="0"/>
               <a:t>Haga clic para modificar el estilo de título del patrón</a:t>
             </a:r>
-            <a:endParaRPr lang="es-UY"/>
-          </a:p>
-        </p:txBody>
-      </p:sp>
-      <p:sp>
-        <p:nvSpPr>
-          <p:cNvPr id="3" name="2 Marcador de texto"/>
+            <a:endParaRPr kumimoji="0" lang="en-US"/>
+          </a:p>
+        </p:txBody>
+      </p:sp>
+      <p:sp>
+        <p:nvSpPr>
+          <p:cNvPr id="13" name="12 Marcador de texto"/>
           <p:cNvSpPr>
             <a:spLocks noGrp="1"/>
           </p:cNvSpPr>
@@ -2608,58 +4351,58 @@
         <p:spPr>
           <a:xfrm>
             <a:off x="457200" y="1600200"/>
-            <a:ext cx="8229600" cy="4525963"/>
+            <a:ext cx="7467600" cy="4873752"/>
           </a:xfrm>
           <a:prstGeom prst="rect">
             <a:avLst/>
           </a:prstGeom>
         </p:spPr>
         <p:txBody>
-          <a:bodyPr vert="horz" lIns="91440" tIns="45720" rIns="91440" bIns="45720" rtlCol="0">
+          <a:bodyPr vert="horz">
             <a:normAutofit/>
           </a:bodyPr>
           <a:lstStyle/>
           <a:p>
-            <a:pPr lvl="0"/>
-            <a:r>
-              <a:rPr lang="es-ES" smtClean="0"/>
+            <a:pPr lvl="0" eaLnBrk="1" latinLnBrk="0" hangingPunct="1"/>
+            <a:r>
+              <a:rPr kumimoji="0" lang="es-ES" smtClean="0"/>
               <a:t>Haga clic para modificar el estilo de texto del patrón</a:t>
             </a:r>
           </a:p>
           <a:p>
-            <a:pPr lvl="1"/>
-            <a:r>
-              <a:rPr lang="es-ES" smtClean="0"/>
+            <a:pPr lvl="1" eaLnBrk="1" latinLnBrk="0" hangingPunct="1"/>
+            <a:r>
+              <a:rPr kumimoji="0" lang="es-ES" smtClean="0"/>
               <a:t>Segundo nivel</a:t>
             </a:r>
           </a:p>
           <a:p>
-            <a:pPr lvl="2"/>
-            <a:r>
-              <a:rPr lang="es-ES" smtClean="0"/>
+            <a:pPr lvl="2" eaLnBrk="1" latinLnBrk="0" hangingPunct="1"/>
+            <a:r>
+              <a:rPr kumimoji="0" lang="es-ES" smtClean="0"/>
               <a:t>Tercer nivel</a:t>
             </a:r>
           </a:p>
           <a:p>
-            <a:pPr lvl="3"/>
-            <a:r>
-              <a:rPr lang="es-ES" smtClean="0"/>
+            <a:pPr lvl="3" eaLnBrk="1" latinLnBrk="0" hangingPunct="1"/>
+            <a:r>
+              <a:rPr kumimoji="0" lang="es-ES" smtClean="0"/>
               <a:t>Cuarto nivel</a:t>
             </a:r>
           </a:p>
           <a:p>
-            <a:pPr lvl="4"/>
-            <a:r>
-              <a:rPr lang="es-ES" smtClean="0"/>
+            <a:pPr lvl="4" eaLnBrk="1" latinLnBrk="0" hangingPunct="1"/>
+            <a:r>
+              <a:rPr kumimoji="0" lang="es-ES" smtClean="0"/>
               <a:t>Quinto nivel</a:t>
             </a:r>
-            <a:endParaRPr lang="es-UY"/>
-          </a:p>
-        </p:txBody>
-      </p:sp>
-      <p:sp>
-        <p:nvSpPr>
-          <p:cNvPr id="4" name="3 Marcador de fecha"/>
+            <a:endParaRPr kumimoji="0" lang="en-US"/>
+          </a:p>
+        </p:txBody>
+      </p:sp>
+      <p:sp>
+        <p:nvSpPr>
+          <p:cNvPr id="14" name="13 Marcador de fecha"/>
           <p:cNvSpPr>
             <a:spLocks noGrp="1"/>
           </p:cNvSpPr>
@@ -2668,23 +4411,21 @@
           </p:nvPr>
         </p:nvSpPr>
         <p:spPr>
-          <a:xfrm>
-            <a:off x="457200" y="6356350"/>
-            <a:ext cx="2133600" cy="365125"/>
+          <a:xfrm rot="5400000">
+            <a:off x="7589520" y="1081851"/>
+            <a:ext cx="2011680" cy="384048"/>
           </a:xfrm>
           <a:prstGeom prst="rect">
             <a:avLst/>
           </a:prstGeom>
         </p:spPr>
         <p:txBody>
-          <a:bodyPr vert="horz" lIns="91440" tIns="45720" rIns="91440" bIns="45720" rtlCol="0" anchor="ctr"/>
+          <a:bodyPr vert="horz" anchor="ctr" anchorCtr="0"/>
           <a:lstStyle>
-            <a:lvl1pPr algn="l">
-              <a:defRPr sz="1200">
+            <a:lvl1pPr algn="r" eaLnBrk="1" latinLnBrk="0" hangingPunct="1">
+              <a:defRPr kumimoji="0" sz="1200">
                 <a:solidFill>
-                  <a:schemeClr val="tx1">
-                    <a:tint val="75000"/>
-                  </a:schemeClr>
+                  <a:schemeClr val="tx2"/>
                 </a:solidFill>
               </a:defRPr>
             </a:lvl1pPr>
@@ -2701,7 +4442,7 @@
       </p:sp>
       <p:sp>
         <p:nvSpPr>
-          <p:cNvPr id="5" name="4 Marcador de pie de página"/>
+          <p:cNvPr id="3" name="2 Marcador de pie de página"/>
           <p:cNvSpPr>
             <a:spLocks noGrp="1"/>
           </p:cNvSpPr>
@@ -2710,23 +4451,21 @@
           </p:nvPr>
         </p:nvSpPr>
         <p:spPr>
-          <a:xfrm>
-            <a:off x="3124200" y="6356350"/>
-            <a:ext cx="2895600" cy="365125"/>
+          <a:xfrm rot="5400000">
+            <a:off x="6990186" y="3737240"/>
+            <a:ext cx="3200400" cy="365760"/>
           </a:xfrm>
           <a:prstGeom prst="rect">
             <a:avLst/>
           </a:prstGeom>
         </p:spPr>
         <p:txBody>
-          <a:bodyPr vert="horz" lIns="91440" tIns="45720" rIns="91440" bIns="45720" rtlCol="0" anchor="ctr"/>
+          <a:bodyPr vert="horz" anchor="ctr" anchorCtr="0"/>
           <a:lstStyle>
-            <a:lvl1pPr algn="ctr">
-              <a:defRPr sz="1200">
+            <a:lvl1pPr algn="l" eaLnBrk="1" latinLnBrk="0" hangingPunct="1">
+              <a:defRPr kumimoji="0" sz="1200">
                 <a:solidFill>
-                  <a:schemeClr val="tx1">
-                    <a:tint val="75000"/>
-                  </a:schemeClr>
+                  <a:schemeClr val="tx2"/>
                 </a:solidFill>
               </a:defRPr>
             </a:lvl1pPr>
@@ -2738,32 +4477,232 @@
       </p:sp>
       <p:sp>
         <p:nvSpPr>
-          <p:cNvPr id="6" name="5 Marcador de número de diapositiva"/>
-          <p:cNvSpPr>
-            <a:spLocks noGrp="1"/>
-          </p:cNvSpPr>
-          <p:nvPr>
-            <p:ph type="sldNum" sz="quarter" idx="4"/>
-          </p:nvPr>
-        </p:nvSpPr>
-        <p:spPr>
-          <a:xfrm>
-            <a:off x="6553200" y="6356350"/>
-            <a:ext cx="2133600" cy="365125"/>
+          <p:cNvPr id="7" name="6 Conector recto"/>
+          <p:cNvSpPr>
+            <a:spLocks noChangeShapeType="1"/>
+          </p:cNvSpPr>
+          <p:nvPr/>
+        </p:nvSpPr>
+        <p:spPr bwMode="auto">
+          <a:xfrm>
+            <a:off x="76200" y="0"/>
+            <a:ext cx="0" cy="6858000"/>
+          </a:xfrm>
+          <a:prstGeom prst="line">
+            <a:avLst/>
+          </a:prstGeom>
+          <a:noFill/>
+          <a:ln w="57150" cap="flat" cmpd="thickThin" algn="ctr">
+            <a:solidFill>
+              <a:schemeClr val="accent1">
+                <a:tint val="60000"/>
+              </a:schemeClr>
+            </a:solidFill>
+            <a:prstDash val="solid"/>
+            <a:round/>
+            <a:headEnd type="none" w="med" len="med"/>
+            <a:tailEnd type="none" w="med" len="med"/>
+          </a:ln>
+          <a:effectLst/>
+        </p:spPr>
+        <p:txBody>
+          <a:bodyPr vert="horz" wrap="square" lIns="91440" tIns="45720" rIns="91440" bIns="45720" anchor="t" compatLnSpc="1"/>
+          <a:lstStyle/>
+          <a:p>
+            <a:endParaRPr kumimoji="0" lang="en-US"/>
+          </a:p>
+        </p:txBody>
+      </p:sp>
+      <p:sp>
+        <p:nvSpPr>
+          <p:cNvPr id="9" name="8 Conector recto"/>
+          <p:cNvSpPr>
+            <a:spLocks noChangeShapeType="1"/>
+          </p:cNvSpPr>
+          <p:nvPr/>
+        </p:nvSpPr>
+        <p:spPr bwMode="auto">
+          <a:xfrm>
+            <a:off x="8991600" y="0"/>
+            <a:ext cx="0" cy="6858000"/>
+          </a:xfrm>
+          <a:prstGeom prst="line">
+            <a:avLst/>
+          </a:prstGeom>
+          <a:noFill/>
+          <a:ln w="19050" cap="flat" cmpd="sng" algn="ctr">
+            <a:solidFill>
+              <a:schemeClr val="accent1"/>
+            </a:solidFill>
+            <a:prstDash val="solid"/>
+            <a:round/>
+            <a:headEnd type="none" w="med" len="med"/>
+            <a:tailEnd type="none" w="med" len="med"/>
+          </a:ln>
+          <a:effectLst/>
+        </p:spPr>
+        <p:txBody>
+          <a:bodyPr vert="horz" wrap="square" lIns="91440" tIns="45720" rIns="91440" bIns="45720" anchor="t" compatLnSpc="1"/>
+          <a:lstStyle/>
+          <a:p>
+            <a:endParaRPr kumimoji="0" lang="en-US"/>
+          </a:p>
+        </p:txBody>
+      </p:sp>
+      <p:sp>
+        <p:nvSpPr>
+          <p:cNvPr id="10" name="9 Rectángulo"/>
+          <p:cNvSpPr/>
+          <p:nvPr/>
+        </p:nvSpPr>
+        <p:spPr bwMode="auto">
+          <a:xfrm>
+            <a:off x="8839200" y="0"/>
+            <a:ext cx="304800" cy="6858000"/>
           </a:xfrm>
           <a:prstGeom prst="rect">
             <a:avLst/>
           </a:prstGeom>
-        </p:spPr>
-        <p:txBody>
-          <a:bodyPr vert="horz" lIns="91440" tIns="45720" rIns="91440" bIns="45720" rtlCol="0" anchor="ctr"/>
+          <a:solidFill>
+            <a:schemeClr val="accent1">
+              <a:tint val="60000"/>
+              <a:alpha val="87000"/>
+            </a:schemeClr>
+          </a:solidFill>
+          <a:ln w="38100" cap="rnd" cmpd="sng" algn="ctr">
+            <a:noFill/>
+            <a:prstDash val="solid"/>
+          </a:ln>
+          <a:effectLst/>
+        </p:spPr>
+        <p:style>
+          <a:lnRef idx="3">
+            <a:schemeClr val="lt1"/>
+          </a:lnRef>
+          <a:fillRef idx="1">
+            <a:schemeClr val="accent1"/>
+          </a:fillRef>
+          <a:effectRef idx="1">
+            <a:schemeClr val="accent1"/>
+          </a:effectRef>
+          <a:fontRef idx="minor">
+            <a:schemeClr val="lt1"/>
+          </a:fontRef>
+        </p:style>
+        <p:txBody>
+          <a:bodyPr anchor="ctr"/>
+          <a:lstStyle/>
+          <a:p>
+            <a:pPr algn="ctr" eaLnBrk="1" latinLnBrk="0" hangingPunct="1"/>
+            <a:endParaRPr kumimoji="0" lang="en-US"/>
+          </a:p>
+        </p:txBody>
+      </p:sp>
+      <p:sp>
+        <p:nvSpPr>
+          <p:cNvPr id="11" name="10 Conector recto"/>
+          <p:cNvSpPr>
+            <a:spLocks noChangeShapeType="1"/>
+          </p:cNvSpPr>
+          <p:nvPr/>
+        </p:nvSpPr>
+        <p:spPr bwMode="auto">
+          <a:xfrm>
+            <a:off x="8915400" y="0"/>
+            <a:ext cx="0" cy="6858000"/>
+          </a:xfrm>
+          <a:prstGeom prst="line">
+            <a:avLst/>
+          </a:prstGeom>
+          <a:noFill/>
+          <a:ln w="9525" cap="flat" cmpd="sng" algn="ctr">
+            <a:solidFill>
+              <a:schemeClr val="accent1"/>
+            </a:solidFill>
+            <a:prstDash val="solid"/>
+            <a:round/>
+            <a:headEnd type="none" w="med" len="med"/>
+            <a:tailEnd type="none" w="med" len="med"/>
+          </a:ln>
+          <a:effectLst/>
+        </p:spPr>
+        <p:txBody>
+          <a:bodyPr vert="horz" wrap="square" lIns="91440" tIns="45720" rIns="91440" bIns="45720" anchor="t" compatLnSpc="1"/>
+          <a:lstStyle/>
+          <a:p>
+            <a:endParaRPr kumimoji="0" lang="en-US"/>
+          </a:p>
+        </p:txBody>
+      </p:sp>
+      <p:sp>
+        <p:nvSpPr>
+          <p:cNvPr id="12" name="11 Elipse"/>
+          <p:cNvSpPr/>
+          <p:nvPr/>
+        </p:nvSpPr>
+        <p:spPr>
+          <a:xfrm>
+            <a:off x="8156448" y="5715000"/>
+            <a:ext cx="548640" cy="548640"/>
+          </a:xfrm>
+          <a:prstGeom prst="ellipse">
+            <a:avLst/>
+          </a:prstGeom>
+          <a:ln w="38100" cap="rnd" cmpd="sng" algn="ctr">
+            <a:noFill/>
+            <a:prstDash val="solid"/>
+          </a:ln>
+          <a:effectLst/>
+        </p:spPr>
+        <p:style>
+          <a:lnRef idx="3">
+            <a:schemeClr val="lt1"/>
+          </a:lnRef>
+          <a:fillRef idx="1">
+            <a:schemeClr val="accent1"/>
+          </a:fillRef>
+          <a:effectRef idx="1">
+            <a:schemeClr val="accent1"/>
+          </a:effectRef>
+          <a:fontRef idx="minor">
+            <a:schemeClr val="lt1"/>
+          </a:fontRef>
+        </p:style>
+        <p:txBody>
+          <a:bodyPr anchor="ctr"/>
+          <a:lstStyle/>
+          <a:p>
+            <a:pPr algn="ctr" eaLnBrk="1" latinLnBrk="0" hangingPunct="1"/>
+            <a:endParaRPr kumimoji="0" lang="en-US" dirty="0"/>
+          </a:p>
+        </p:txBody>
+      </p:sp>
+      <p:sp>
+        <p:nvSpPr>
+          <p:cNvPr id="23" name="22 Marcador de número de diapositiva"/>
+          <p:cNvSpPr>
+            <a:spLocks noGrp="1"/>
+          </p:cNvSpPr>
+          <p:nvPr>
+            <p:ph type="sldNum" sz="quarter" idx="4"/>
+          </p:nvPr>
+        </p:nvSpPr>
+        <p:spPr>
+          <a:xfrm>
+            <a:off x="8129016" y="5734050"/>
+            <a:ext cx="609600" cy="521208"/>
+          </a:xfrm>
+          <a:prstGeom prst="rect">
+            <a:avLst/>
+          </a:prstGeom>
+        </p:spPr>
+        <p:txBody>
+          <a:bodyPr vert="horz" anchor="ctr"/>
           <a:lstStyle>
-            <a:lvl1pPr algn="r">
-              <a:defRPr sz="1200">
+            <a:lvl1pPr algn="ctr" eaLnBrk="1" latinLnBrk="0" hangingPunct="1">
+              <a:defRPr kumimoji="0" sz="1400" b="1">
                 <a:solidFill>
-                  <a:schemeClr val="tx1">
-                    <a:tint val="75000"/>
-                  </a:schemeClr>
+                  <a:srgbClr val="FFFFFF"/>
                 </a:solidFill>
               </a:defRPr>
             </a:lvl1pPr>
@@ -2782,28 +4721,28 @@
   </p:cSld>
   <p:clrMap bg1="lt1" tx1="dk1" bg2="lt2" tx2="dk2" accent1="accent1" accent2="accent2" accent3="accent3" accent4="accent4" accent5="accent5" accent6="accent6" hlink="hlink" folHlink="folHlink"/>
   <p:sldLayoutIdLst>
-    <p:sldLayoutId id="2147483673" r:id="rId1"/>
-    <p:sldLayoutId id="2147483674" r:id="rId2"/>
-    <p:sldLayoutId id="2147483675" r:id="rId3"/>
-    <p:sldLayoutId id="2147483676" r:id="rId4"/>
-    <p:sldLayoutId id="2147483677" r:id="rId5"/>
-    <p:sldLayoutId id="2147483678" r:id="rId6"/>
-    <p:sldLayoutId id="2147483679" r:id="rId7"/>
-    <p:sldLayoutId id="2147483680" r:id="rId8"/>
-    <p:sldLayoutId id="2147483681" r:id="rId9"/>
-    <p:sldLayoutId id="2147483682" r:id="rId10"/>
-    <p:sldLayoutId id="2147483683" r:id="rId11"/>
+    <p:sldLayoutId id="2147483733" r:id="rId1"/>
+    <p:sldLayoutId id="2147483734" r:id="rId2"/>
+    <p:sldLayoutId id="2147483735" r:id="rId3"/>
+    <p:sldLayoutId id="2147483736" r:id="rId4"/>
+    <p:sldLayoutId id="2147483737" r:id="rId5"/>
+    <p:sldLayoutId id="2147483738" r:id="rId6"/>
+    <p:sldLayoutId id="2147483739" r:id="rId7"/>
+    <p:sldLayoutId id="2147483740" r:id="rId8"/>
+    <p:sldLayoutId id="2147483741" r:id="rId9"/>
+    <p:sldLayoutId id="2147483742" r:id="rId10"/>
+    <p:sldLayoutId id="2147483743" r:id="rId11"/>
   </p:sldLayoutIdLst>
   <p:txStyles>
     <p:titleStyle>
-      <a:lvl1pPr algn="ctr" defTabSz="914400" rtl="0" eaLnBrk="1" latinLnBrk="0" hangingPunct="1">
+      <a:lvl1pPr algn="l" rtl="0" eaLnBrk="1" latinLnBrk="0" hangingPunct="1">
         <a:spcBef>
           <a:spcPct val="0"/>
         </a:spcBef>
         <a:buNone/>
-        <a:defRPr sz="4400" kern="1200">
+        <a:defRPr kumimoji="0" sz="3000" b="0" kern="1200" cap="small" baseline="0">
           <a:solidFill>
-            <a:schemeClr val="tx1"/>
+            <a:schemeClr val="tx2"/>
           </a:solidFill>
           <a:latin typeface="+mj-lt"/>
           <a:ea typeface="+mj-ea"/>
@@ -2812,13 +4751,17 @@
       </a:lvl1pPr>
     </p:titleStyle>
     <p:bodyStyle>
-      <a:lvl1pPr marL="342900" indent="-342900" algn="l" defTabSz="914400" rtl="0" eaLnBrk="1" latinLnBrk="0" hangingPunct="1">
+      <a:lvl1pPr marL="274320" indent="-274320" algn="l" rtl="0" eaLnBrk="1" latinLnBrk="0" hangingPunct="1">
         <a:spcBef>
-          <a:spcPct val="20000"/>
+          <a:spcPts val="600"/>
         </a:spcBef>
-        <a:buFont typeface="Arial" pitchFamily="34" charset="0"/>
-        <a:buChar char="•"/>
-        <a:defRPr sz="3200" kern="1200">
+        <a:buClr>
+          <a:schemeClr val="accent1"/>
+        </a:buClr>
+        <a:buSzPct val="70000"/>
+        <a:buFont typeface="Wingdings"/>
+        <a:buChar char=""/>
+        <a:defRPr kumimoji="0" sz="2400" kern="1200">
           <a:solidFill>
             <a:schemeClr val="tx1"/>
           </a:solidFill>
@@ -2827,13 +4770,17 @@
           <a:cs typeface="+mn-cs"/>
         </a:defRPr>
       </a:lvl1pPr>
-      <a:lvl2pPr marL="742950" indent="-285750" algn="l" defTabSz="914400" rtl="0" eaLnBrk="1" latinLnBrk="0" hangingPunct="1">
+      <a:lvl2pPr marL="640080" indent="-274320" algn="l" rtl="0" eaLnBrk="1" latinLnBrk="0" hangingPunct="1">
         <a:spcBef>
           <a:spcPct val="20000"/>
         </a:spcBef>
-        <a:buFont typeface="Arial" pitchFamily="34" charset="0"/>
-        <a:buChar char="–"/>
-        <a:defRPr sz="2800" kern="1200">
+        <a:buClr>
+          <a:schemeClr val="accent1"/>
+        </a:buClr>
+        <a:buSzPct val="80000"/>
+        <a:buFont typeface="Wingdings 2"/>
+        <a:buChar char=""/>
+        <a:defRPr kumimoji="0" sz="2100" kern="1200">
           <a:solidFill>
             <a:schemeClr val="tx1"/>
           </a:solidFill>
@@ -2842,13 +4789,19 @@
           <a:cs typeface="+mn-cs"/>
         </a:defRPr>
       </a:lvl2pPr>
-      <a:lvl3pPr marL="1143000" indent="-228600" algn="l" defTabSz="914400" rtl="0" eaLnBrk="1" latinLnBrk="0" hangingPunct="1">
+      <a:lvl3pPr marL="914400" indent="-182880" algn="l" rtl="0" eaLnBrk="1" latinLnBrk="0" hangingPunct="1">
         <a:spcBef>
           <a:spcPct val="20000"/>
         </a:spcBef>
-        <a:buFont typeface="Arial" pitchFamily="34" charset="0"/>
-        <a:buChar char="•"/>
-        <a:defRPr sz="2400" kern="1200">
+        <a:buClr>
+          <a:schemeClr val="accent1">
+            <a:shade val="75000"/>
+          </a:schemeClr>
+        </a:buClr>
+        <a:buSzPct val="60000"/>
+        <a:buFont typeface="Wingdings"/>
+        <a:buChar char=""/>
+        <a:defRPr kumimoji="0" sz="1800" kern="1200">
           <a:solidFill>
             <a:schemeClr val="tx1"/>
           </a:solidFill>
@@ -2857,13 +4810,19 @@
           <a:cs typeface="+mn-cs"/>
         </a:defRPr>
       </a:lvl3pPr>
-      <a:lvl4pPr marL="1600200" indent="-228600" algn="l" defTabSz="914400" rtl="0" eaLnBrk="1" latinLnBrk="0" hangingPunct="1">
+      <a:lvl4pPr marL="1188720" indent="-182880" algn="l" rtl="0" eaLnBrk="1" latinLnBrk="0" hangingPunct="1">
         <a:spcBef>
           <a:spcPct val="20000"/>
         </a:spcBef>
-        <a:buFont typeface="Arial" pitchFamily="34" charset="0"/>
-        <a:buChar char="–"/>
-        <a:defRPr sz="2000" kern="1200">
+        <a:buClr>
+          <a:schemeClr val="accent1">
+            <a:tint val="60000"/>
+          </a:schemeClr>
+        </a:buClr>
+        <a:buSzPct val="60000"/>
+        <a:buFont typeface="Wingdings"/>
+        <a:buChar char=""/>
+        <a:defRPr kumimoji="0" sz="1800" kern="1200">
           <a:solidFill>
             <a:schemeClr val="tx1"/>
           </a:solidFill>
@@ -2872,13 +4831,19 @@
           <a:cs typeface="+mn-cs"/>
         </a:defRPr>
       </a:lvl4pPr>
-      <a:lvl5pPr marL="2057400" indent="-228600" algn="l" defTabSz="914400" rtl="0" eaLnBrk="1" latinLnBrk="0" hangingPunct="1">
+      <a:lvl5pPr marL="1463040" indent="-182880" algn="l" rtl="0" eaLnBrk="1" latinLnBrk="0" hangingPunct="1">
         <a:spcBef>
           <a:spcPct val="20000"/>
         </a:spcBef>
-        <a:buFont typeface="Arial" pitchFamily="34" charset="0"/>
-        <a:buChar char="»"/>
-        <a:defRPr sz="2000" kern="1200">
+        <a:buClr>
+          <a:schemeClr val="accent2">
+            <a:tint val="60000"/>
+          </a:schemeClr>
+        </a:buClr>
+        <a:buSzPct val="68000"/>
+        <a:buFont typeface="Wingdings 2"/>
+        <a:buChar char=""/>
+        <a:defRPr kumimoji="0" sz="1600" kern="1200">
           <a:solidFill>
             <a:schemeClr val="tx1"/>
           </a:solidFill>
@@ -2887,13 +4852,134 @@
           <a:cs typeface="+mn-cs"/>
         </a:defRPr>
       </a:lvl5pPr>
-      <a:lvl6pPr marL="2514600" indent="-228600" algn="l" defTabSz="914400" rtl="0" eaLnBrk="1" latinLnBrk="0" hangingPunct="1">
+      <a:lvl6pPr marL="1737360" indent="-182880" algn="l" rtl="0" eaLnBrk="1" latinLnBrk="0" hangingPunct="1">
         <a:spcBef>
           <a:spcPct val="20000"/>
         </a:spcBef>
-        <a:buFont typeface="Arial" pitchFamily="34" charset="0"/>
+        <a:buClr>
+          <a:schemeClr val="accent1"/>
+        </a:buClr>
         <a:buChar char="•"/>
-        <a:defRPr sz="2000" kern="1200">
+        <a:defRPr kumimoji="0" sz="1600" kern="1200">
+          <a:solidFill>
+            <a:schemeClr val="tx2"/>
+          </a:solidFill>
+          <a:latin typeface="+mn-lt"/>
+          <a:ea typeface="+mn-ea"/>
+          <a:cs typeface="+mn-cs"/>
+        </a:defRPr>
+      </a:lvl6pPr>
+      <a:lvl7pPr marL="2011680" indent="-182880" algn="l" rtl="0" eaLnBrk="1" latinLnBrk="0" hangingPunct="1">
+        <a:spcBef>
+          <a:spcPct val="20000"/>
+        </a:spcBef>
+        <a:buClr>
+          <a:schemeClr val="accent1">
+            <a:tint val="60000"/>
+          </a:schemeClr>
+        </a:buClr>
+        <a:buSzPct val="60000"/>
+        <a:buFont typeface="Wingdings"/>
+        <a:buChar char=""/>
+        <a:defRPr kumimoji="0" sz="1400" kern="1200" baseline="0">
+          <a:solidFill>
+            <a:schemeClr val="tx2"/>
+          </a:solidFill>
+          <a:latin typeface="+mn-lt"/>
+          <a:ea typeface="+mn-ea"/>
+          <a:cs typeface="+mn-cs"/>
+        </a:defRPr>
+      </a:lvl7pPr>
+      <a:lvl8pPr marL="2286000" indent="-182880" algn="l" rtl="0" eaLnBrk="1" latinLnBrk="0" hangingPunct="1">
+        <a:spcBef>
+          <a:spcPct val="20000"/>
+        </a:spcBef>
+        <a:buClr>
+          <a:schemeClr val="accent2"/>
+        </a:buClr>
+        <a:buChar char="•"/>
+        <a:defRPr kumimoji="0" sz="1400" kern="1200" cap="small" baseline="0">
+          <a:solidFill>
+            <a:schemeClr val="tx2"/>
+          </a:solidFill>
+          <a:latin typeface="+mn-lt"/>
+          <a:ea typeface="+mn-ea"/>
+          <a:cs typeface="+mn-cs"/>
+        </a:defRPr>
+      </a:lvl8pPr>
+      <a:lvl9pPr marL="2560320" indent="-182880" algn="l" rtl="0" eaLnBrk="1" latinLnBrk="0" hangingPunct="1">
+        <a:spcBef>
+          <a:spcPct val="20000"/>
+        </a:spcBef>
+        <a:buClr>
+          <a:schemeClr val="accent1">
+            <a:shade val="75000"/>
+          </a:schemeClr>
+        </a:buClr>
+        <a:buChar char="•"/>
+        <a:defRPr kumimoji="0" sz="1400" kern="1200" baseline="0">
+          <a:solidFill>
+            <a:schemeClr val="tx2"/>
+          </a:solidFill>
+          <a:latin typeface="+mn-lt"/>
+          <a:ea typeface="+mn-ea"/>
+          <a:cs typeface="+mn-cs"/>
+        </a:defRPr>
+      </a:lvl9pPr>
+    </p:bodyStyle>
+    <p:otherStyle>
+      <a:lvl1pPr marL="0" algn="l" rtl="0" eaLnBrk="1" latinLnBrk="0" hangingPunct="1">
+        <a:defRPr kumimoji="0" kern="1200">
+          <a:solidFill>
+            <a:schemeClr val="tx1"/>
+          </a:solidFill>
+          <a:latin typeface="+mn-lt"/>
+          <a:ea typeface="+mn-ea"/>
+          <a:cs typeface="+mn-cs"/>
+        </a:defRPr>
+      </a:lvl1pPr>
+      <a:lvl2pPr marL="457200" algn="l" rtl="0" eaLnBrk="1" latinLnBrk="0" hangingPunct="1">
+        <a:defRPr kumimoji="0" kern="1200">
+          <a:solidFill>
+            <a:schemeClr val="tx1"/>
+          </a:solidFill>
+          <a:latin typeface="+mn-lt"/>
+          <a:ea typeface="+mn-ea"/>
+          <a:cs typeface="+mn-cs"/>
+        </a:defRPr>
+      </a:lvl2pPr>
+      <a:lvl3pPr marL="914400" algn="l" rtl="0" eaLnBrk="1" latinLnBrk="0" hangingPunct="1">
+        <a:defRPr kumimoji="0" kern="1200">
+          <a:solidFill>
+            <a:schemeClr val="tx1"/>
+          </a:solidFill>
+          <a:latin typeface="+mn-lt"/>
+          <a:ea typeface="+mn-ea"/>
+          <a:cs typeface="+mn-cs"/>
+        </a:defRPr>
+      </a:lvl3pPr>
+      <a:lvl4pPr marL="1371600" algn="l" rtl="0" eaLnBrk="1" latinLnBrk="0" hangingPunct="1">
+        <a:defRPr kumimoji="0" kern="1200">
+          <a:solidFill>
+            <a:schemeClr val="tx1"/>
+          </a:solidFill>
+          <a:latin typeface="+mn-lt"/>
+          <a:ea typeface="+mn-ea"/>
+          <a:cs typeface="+mn-cs"/>
+        </a:defRPr>
+      </a:lvl4pPr>
+      <a:lvl5pPr marL="1828800" algn="l" rtl="0" eaLnBrk="1" latinLnBrk="0" hangingPunct="1">
+        <a:defRPr kumimoji="0" kern="1200">
+          <a:solidFill>
+            <a:schemeClr val="tx1"/>
+          </a:solidFill>
+          <a:latin typeface="+mn-lt"/>
+          <a:ea typeface="+mn-ea"/>
+          <a:cs typeface="+mn-cs"/>
+        </a:defRPr>
+      </a:lvl5pPr>
+      <a:lvl6pPr marL="2286000" algn="l" rtl="0" eaLnBrk="1" latinLnBrk="0" hangingPunct="1">
+        <a:defRPr kumimoji="0" kern="1200">
           <a:solidFill>
             <a:schemeClr val="tx1"/>
           </a:solidFill>
@@ -2902,13 +4988,8 @@
           <a:cs typeface="+mn-cs"/>
         </a:defRPr>
       </a:lvl6pPr>
-      <a:lvl7pPr marL="2971800" indent="-228600" algn="l" defTabSz="914400" rtl="0" eaLnBrk="1" latinLnBrk="0" hangingPunct="1">
-        <a:spcBef>
-          <a:spcPct val="20000"/>
-        </a:spcBef>
-        <a:buFont typeface="Arial" pitchFamily="34" charset="0"/>
-        <a:buChar char="•"/>
-        <a:defRPr sz="2000" kern="1200">
+      <a:lvl7pPr marL="2743200" algn="l" rtl="0" eaLnBrk="1" latinLnBrk="0" hangingPunct="1">
+        <a:defRPr kumimoji="0" kern="1200">
           <a:solidFill>
             <a:schemeClr val="tx1"/>
           </a:solidFill>
@@ -2917,13 +4998,8 @@
           <a:cs typeface="+mn-cs"/>
         </a:defRPr>
       </a:lvl7pPr>
-      <a:lvl8pPr marL="3429000" indent="-228600" algn="l" defTabSz="914400" rtl="0" eaLnBrk="1" latinLnBrk="0" hangingPunct="1">
-        <a:spcBef>
-          <a:spcPct val="20000"/>
-        </a:spcBef>
-        <a:buFont typeface="Arial" pitchFamily="34" charset="0"/>
-        <a:buChar char="•"/>
-        <a:defRPr sz="2000" kern="1200">
+      <a:lvl8pPr marL="3200400" algn="l" rtl="0" eaLnBrk="1" latinLnBrk="0" hangingPunct="1">
+        <a:defRPr kumimoji="0" kern="1200">
           <a:solidFill>
             <a:schemeClr val="tx1"/>
           </a:solidFill>
@@ -2932,108 +5008,8 @@
           <a:cs typeface="+mn-cs"/>
         </a:defRPr>
       </a:lvl8pPr>
-      <a:lvl9pPr marL="3886200" indent="-228600" algn="l" defTabSz="914400" rtl="0" eaLnBrk="1" latinLnBrk="0" hangingPunct="1">
-        <a:spcBef>
-          <a:spcPct val="20000"/>
-        </a:spcBef>
-        <a:buFont typeface="Arial" pitchFamily="34" charset="0"/>
-        <a:buChar char="•"/>
-        <a:defRPr sz="2000" kern="1200">
-          <a:solidFill>
-            <a:schemeClr val="tx1"/>
-          </a:solidFill>
-          <a:latin typeface="+mn-lt"/>
-          <a:ea typeface="+mn-ea"/>
-          <a:cs typeface="+mn-cs"/>
-        </a:defRPr>
-      </a:lvl9pPr>
-    </p:bodyStyle>
-    <p:otherStyle>
-      <a:defPPr>
-        <a:defRPr lang="es-UY"/>
-      </a:defPPr>
-      <a:lvl1pPr marL="0" algn="l" defTabSz="914400" rtl="0" eaLnBrk="1" latinLnBrk="0" hangingPunct="1">
-        <a:defRPr sz="1800" kern="1200">
-          <a:solidFill>
-            <a:schemeClr val="tx1"/>
-          </a:solidFill>
-          <a:latin typeface="+mn-lt"/>
-          <a:ea typeface="+mn-ea"/>
-          <a:cs typeface="+mn-cs"/>
-        </a:defRPr>
-      </a:lvl1pPr>
-      <a:lvl2pPr marL="457200" algn="l" defTabSz="914400" rtl="0" eaLnBrk="1" latinLnBrk="0" hangingPunct="1">
-        <a:defRPr sz="1800" kern="1200">
-          <a:solidFill>
-            <a:schemeClr val="tx1"/>
-          </a:solidFill>
-          <a:latin typeface="+mn-lt"/>
-          <a:ea typeface="+mn-ea"/>
-          <a:cs typeface="+mn-cs"/>
-        </a:defRPr>
-      </a:lvl2pPr>
-      <a:lvl3pPr marL="914400" algn="l" defTabSz="914400" rtl="0" eaLnBrk="1" latinLnBrk="0" hangingPunct="1">
-        <a:defRPr sz="1800" kern="1200">
-          <a:solidFill>
-            <a:schemeClr val="tx1"/>
-          </a:solidFill>
-          <a:latin typeface="+mn-lt"/>
-          <a:ea typeface="+mn-ea"/>
-          <a:cs typeface="+mn-cs"/>
-        </a:defRPr>
-      </a:lvl3pPr>
-      <a:lvl4pPr marL="1371600" algn="l" defTabSz="914400" rtl="0" eaLnBrk="1" latinLnBrk="0" hangingPunct="1">
-        <a:defRPr sz="1800" kern="1200">
-          <a:solidFill>
-            <a:schemeClr val="tx1"/>
-          </a:solidFill>
-          <a:latin typeface="+mn-lt"/>
-          <a:ea typeface="+mn-ea"/>
-          <a:cs typeface="+mn-cs"/>
-        </a:defRPr>
-      </a:lvl4pPr>
-      <a:lvl5pPr marL="1828800" algn="l" defTabSz="914400" rtl="0" eaLnBrk="1" latinLnBrk="0" hangingPunct="1">
-        <a:defRPr sz="1800" kern="1200">
-          <a:solidFill>
-            <a:schemeClr val="tx1"/>
-          </a:solidFill>
-          <a:latin typeface="+mn-lt"/>
-          <a:ea typeface="+mn-ea"/>
-          <a:cs typeface="+mn-cs"/>
-        </a:defRPr>
-      </a:lvl5pPr>
-      <a:lvl6pPr marL="2286000" algn="l" defTabSz="914400" rtl="0" eaLnBrk="1" latinLnBrk="0" hangingPunct="1">
-        <a:defRPr sz="1800" kern="1200">
-          <a:solidFill>
-            <a:schemeClr val="tx1"/>
-          </a:solidFill>
-          <a:latin typeface="+mn-lt"/>
-          <a:ea typeface="+mn-ea"/>
-          <a:cs typeface="+mn-cs"/>
-        </a:defRPr>
-      </a:lvl6pPr>
-      <a:lvl7pPr marL="2743200" algn="l" defTabSz="914400" rtl="0" eaLnBrk="1" latinLnBrk="0" hangingPunct="1">
-        <a:defRPr sz="1800" kern="1200">
-          <a:solidFill>
-            <a:schemeClr val="tx1"/>
-          </a:solidFill>
-          <a:latin typeface="+mn-lt"/>
-          <a:ea typeface="+mn-ea"/>
-          <a:cs typeface="+mn-cs"/>
-        </a:defRPr>
-      </a:lvl7pPr>
-      <a:lvl8pPr marL="3200400" algn="l" defTabSz="914400" rtl="0" eaLnBrk="1" latinLnBrk="0" hangingPunct="1">
-        <a:defRPr sz="1800" kern="1200">
-          <a:solidFill>
-            <a:schemeClr val="tx1"/>
-          </a:solidFill>
-          <a:latin typeface="+mn-lt"/>
-          <a:ea typeface="+mn-ea"/>
-          <a:cs typeface="+mn-cs"/>
-        </a:defRPr>
-      </a:lvl8pPr>
-      <a:lvl9pPr marL="3657600" algn="l" defTabSz="914400" rtl="0" eaLnBrk="1" latinLnBrk="0" hangingPunct="1">
-        <a:defRPr sz="1800" kern="1200">
+      <a:lvl9pPr marL="3657600" algn="l" rtl="0" eaLnBrk="1" latinLnBrk="0" hangingPunct="1">
+        <a:defRPr kumimoji="0" kern="1200">
           <a:solidFill>
             <a:schemeClr val="tx1"/>
           </a:solidFill>
@@ -3074,7 +5050,12 @@
             <p:ph type="ctrTitle"/>
           </p:nvPr>
         </p:nvSpPr>
-        <p:spPr/>
+        <p:spPr>
+          <a:xfrm>
+            <a:off x="2071670" y="357166"/>
+            <a:ext cx="6172200" cy="1894362"/>
+          </a:xfrm>
+        </p:spPr>
         <p:txBody>
           <a:bodyPr/>
           <a:lstStyle/>
@@ -3105,12 +5086,13 @@
         </p:spPr>
         <p:txBody>
           <a:bodyPr>
-            <a:normAutofit fontScale="92500" lnSpcReduction="10000"/>
+            <a:normAutofit/>
           </a:bodyPr>
           <a:lstStyle/>
           <a:p>
-            <a:r>
-              <a:rPr lang="es-UY" dirty="0" smtClean="0"/>
+            <a:pPr algn="ctr"/>
+            <a:r>
+              <a:rPr lang="es-UY" sz="2400" dirty="0" smtClean="0"/>
               <a:t>Proyecto de grado</a:t>
             </a:r>
           </a:p>
@@ -3128,28 +5110,44 @@
                   <a:schemeClr val="tx1"/>
                 </a:solidFill>
               </a:rPr>
-              <a:t>Luciana Canales</a:t>
-            </a:r>
-          </a:p>
-          <a:p>
-            <a:pPr algn="l"/>
-            <a:r>
-              <a:rPr lang="es-UY" sz="2100" dirty="0" smtClean="0">
+              <a:t>						</a:t>
+            </a:r>
+            <a:r>
+              <a:rPr lang="es-UY" dirty="0" smtClean="0">
                 <a:solidFill>
                   <a:schemeClr val="tx1"/>
                 </a:solidFill>
               </a:rPr>
-              <a:t>Maximiliano </a:t>
-            </a:r>
-            <a:r>
-              <a:rPr lang="es-UY" sz="2100" dirty="0" err="1" smtClean="0">
+              <a:t>Luciana </a:t>
+            </a:r>
+            <a:r>
+              <a:rPr lang="es-UY" dirty="0" smtClean="0">
+                <a:solidFill>
+                  <a:schemeClr val="tx1"/>
+                </a:solidFill>
+              </a:rPr>
+              <a:t>Canales</a:t>
+            </a:r>
+          </a:p>
+          <a:p>
+            <a:pPr algn="l"/>
+            <a:r>
+              <a:rPr lang="es-UY" dirty="0" smtClean="0">
+                <a:solidFill>
+                  <a:schemeClr val="tx1"/>
+                </a:solidFill>
+              </a:rPr>
+              <a:t>						Maximiliano </a:t>
+            </a:r>
+            <a:r>
+              <a:rPr lang="es-UY" dirty="0" err="1" smtClean="0">
                 <a:solidFill>
                   <a:schemeClr val="tx1"/>
                 </a:solidFill>
               </a:rPr>
               <a:t>Felix</a:t>
             </a:r>
-            <a:endParaRPr lang="es-UY" sz="2100" dirty="0" smtClean="0">
+            <a:endParaRPr lang="es-UY" dirty="0" smtClean="0">
               <a:solidFill>
                 <a:schemeClr val="tx1"/>
               </a:solidFill>
@@ -3158,12 +5156,20 @@
           <a:p>
             <a:pPr algn="l"/>
             <a:r>
-              <a:rPr lang="es-UY" sz="2100" dirty="0" smtClean="0">
+              <a:rPr lang="es-UY" dirty="0" smtClean="0">
                 <a:solidFill>
                   <a:schemeClr val="tx1"/>
                 </a:solidFill>
               </a:rPr>
-              <a:t>Alejandro Remiro</a:t>
+              <a:t>						Alejandro </a:t>
+            </a:r>
+            <a:r>
+              <a:rPr lang="es-UY" dirty="0" smtClean="0">
+                <a:solidFill>
+                  <a:schemeClr val="tx1"/>
+                </a:solidFill>
+              </a:rPr>
+              <a:t>Remiro</a:t>
             </a:r>
           </a:p>
           <a:p>
@@ -3214,7 +5220,11 @@
           <a:bodyPr/>
           <a:lstStyle/>
           <a:p>
-            <a:endParaRPr lang="es-UY"/>
+            <a:r>
+              <a:rPr lang="es-UY" b="1" dirty="0" smtClean="0"/>
+              <a:t>Contexto</a:t>
+            </a:r>
+            <a:endParaRPr lang="es-UY" b="1" dirty="0"/>
           </a:p>
         </p:txBody>
       </p:sp>
@@ -3225,7 +5235,7 @@
             <a:spLocks noGrp="1"/>
           </p:cNvSpPr>
           <p:nvPr>
-            <p:ph idx="1"/>
+            <p:ph sz="quarter" idx="1"/>
           </p:nvPr>
         </p:nvSpPr>
         <p:spPr/>
@@ -3277,7 +5287,11 @@
           <a:bodyPr/>
           <a:lstStyle/>
           <a:p>
-            <a:endParaRPr lang="es-UY"/>
+            <a:r>
+              <a:rPr lang="es-UY" b="1" dirty="0" smtClean="0"/>
+              <a:t>Objetivos</a:t>
+            </a:r>
+            <a:endParaRPr lang="es-UY" b="1" dirty="0"/>
           </a:p>
         </p:txBody>
       </p:sp>
@@ -3288,7 +5302,7 @@
             <a:spLocks noGrp="1"/>
           </p:cNvSpPr>
           <p:nvPr>
-            <p:ph idx="1"/>
+            <p:ph sz="quarter" idx="1"/>
           </p:nvPr>
         </p:nvSpPr>
         <p:spPr/>
@@ -3340,7 +5354,11 @@
           <a:bodyPr/>
           <a:lstStyle/>
           <a:p>
-            <a:endParaRPr lang="es-UY"/>
+            <a:r>
+              <a:rPr lang="es-UY" b="1" dirty="0" smtClean="0"/>
+              <a:t>Estudio Inicial</a:t>
+            </a:r>
+            <a:endParaRPr lang="es-UY" b="1" dirty="0"/>
           </a:p>
         </p:txBody>
       </p:sp>
@@ -3351,7 +5369,7 @@
             <a:spLocks noGrp="1"/>
           </p:cNvSpPr>
           <p:nvPr>
-            <p:ph idx="1"/>
+            <p:ph sz="quarter" idx="1"/>
           </p:nvPr>
         </p:nvSpPr>
         <p:spPr/>
@@ -3403,7 +5421,11 @@
           <a:bodyPr/>
           <a:lstStyle/>
           <a:p>
-            <a:endParaRPr lang="es-UY"/>
+            <a:r>
+              <a:rPr lang="es-UY" b="1" dirty="0" smtClean="0"/>
+              <a:t>Análisis y Diseño</a:t>
+            </a:r>
+            <a:endParaRPr lang="es-UY" b="1" dirty="0"/>
           </a:p>
         </p:txBody>
       </p:sp>
@@ -3414,7 +5436,7 @@
             <a:spLocks noGrp="1"/>
           </p:cNvSpPr>
           <p:nvPr>
-            <p:ph idx="1"/>
+            <p:ph sz="quarter" idx="1"/>
           </p:nvPr>
         </p:nvSpPr>
         <p:spPr/>
@@ -3466,10 +5488,81 @@
           <a:bodyPr/>
           <a:lstStyle/>
           <a:p>
+            <a:r>
+              <a:rPr lang="es-UY" b="1" dirty="0" smtClean="0"/>
+              <a:t>Tecnologías</a:t>
+            </a:r>
+            <a:endParaRPr lang="es-UY" b="1" dirty="0"/>
+          </a:p>
+        </p:txBody>
+      </p:sp>
+      <p:sp>
+        <p:nvSpPr>
+          <p:cNvPr id="3" name="2 Marcador de contenido"/>
+          <p:cNvSpPr>
+            <a:spLocks noGrp="1"/>
+          </p:cNvSpPr>
+          <p:nvPr>
+            <p:ph sz="quarter" idx="1"/>
+          </p:nvPr>
+        </p:nvSpPr>
+        <p:spPr/>
+        <p:txBody>
+          <a:bodyPr/>
+          <a:lstStyle/>
+          <a:p>
             <a:endParaRPr lang="es-UY"/>
           </a:p>
         </p:txBody>
       </p:sp>
+    </p:spTree>
+  </p:cSld>
+  <p:clrMapOvr>
+    <a:masterClrMapping/>
+  </p:clrMapOvr>
+</p:sld>
+</file>
+
+<file path=ppt/slides/slide7.xml><?xml version="1.0" encoding="utf-8"?>
+<p:sld xmlns:a="http://schemas.openxmlformats.org/drawingml/2006/main" xmlns:r="http://schemas.openxmlformats.org/officeDocument/2006/relationships" xmlns:p="http://schemas.openxmlformats.org/presentationml/2006/main">
+  <p:cSld>
+    <p:spTree>
+      <p:nvGrpSpPr>
+        <p:cNvPr id="1" name=""/>
+        <p:cNvGrpSpPr/>
+        <p:nvPr/>
+      </p:nvGrpSpPr>
+      <p:grpSpPr>
+        <a:xfrm>
+          <a:off x="0" y="0"/>
+          <a:ext cx="0" cy="0"/>
+          <a:chOff x="0" y="0"/>
+          <a:chExt cx="0" cy="0"/>
+        </a:xfrm>
+      </p:grpSpPr>
+      <p:sp>
+        <p:nvSpPr>
+          <p:cNvPr id="2" name="1 Título"/>
+          <p:cNvSpPr>
+            <a:spLocks noGrp="1"/>
+          </p:cNvSpPr>
+          <p:nvPr>
+            <p:ph type="title"/>
+          </p:nvPr>
+        </p:nvSpPr>
+        <p:spPr/>
+        <p:txBody>
+          <a:bodyPr/>
+          <a:lstStyle/>
+          <a:p>
+            <a:r>
+              <a:rPr lang="es-UY" b="1" dirty="0" smtClean="0"/>
+              <a:t>Estado Actual</a:t>
+            </a:r>
+            <a:endParaRPr lang="es-UY" b="1" dirty="0"/>
+          </a:p>
+        </p:txBody>
+      </p:sp>
       <p:sp>
         <p:nvSpPr>
           <p:cNvPr id="3" name="2 Marcador de contenido"/>
@@ -3477,7 +5570,7 @@
             <a:spLocks noGrp="1"/>
           </p:cNvSpPr>
           <p:nvPr>
-            <p:ph idx="1"/>
+            <p:ph sz="quarter" idx="1"/>
           </p:nvPr>
         </p:nvSpPr>
         <p:spPr/>
@@ -3486,6 +5579,73 @@
           <a:lstStyle/>
           <a:p>
             <a:endParaRPr lang="es-UY"/>
+          </a:p>
+        </p:txBody>
+      </p:sp>
+    </p:spTree>
+  </p:cSld>
+  <p:clrMapOvr>
+    <a:masterClrMapping/>
+  </p:clrMapOvr>
+</p:sld>
+</file>
+
+<file path=ppt/slides/slide8.xml><?xml version="1.0" encoding="utf-8"?>
+<p:sld xmlns:a="http://schemas.openxmlformats.org/drawingml/2006/main" xmlns:r="http://schemas.openxmlformats.org/officeDocument/2006/relationships" xmlns:p="http://schemas.openxmlformats.org/presentationml/2006/main">
+  <p:cSld>
+    <p:spTree>
+      <p:nvGrpSpPr>
+        <p:cNvPr id="1" name=""/>
+        <p:cNvGrpSpPr/>
+        <p:nvPr/>
+      </p:nvGrpSpPr>
+      <p:grpSpPr>
+        <a:xfrm>
+          <a:off x="0" y="0"/>
+          <a:ext cx="0" cy="0"/>
+          <a:chOff x="0" y="0"/>
+          <a:chExt cx="0" cy="0"/>
+        </a:xfrm>
+      </p:grpSpPr>
+      <p:sp>
+        <p:nvSpPr>
+          <p:cNvPr id="2" name="1 Título"/>
+          <p:cNvSpPr>
+            <a:spLocks noGrp="1"/>
+          </p:cNvSpPr>
+          <p:nvPr>
+            <p:ph type="title"/>
+          </p:nvPr>
+        </p:nvSpPr>
+        <p:spPr/>
+        <p:txBody>
+          <a:bodyPr/>
+          <a:lstStyle/>
+          <a:p>
+            <a:r>
+              <a:rPr lang="es-UY" b="1" dirty="0" smtClean="0"/>
+              <a:t>Planificación al cierre</a:t>
+            </a:r>
+            <a:endParaRPr lang="es-UY" b="1" dirty="0"/>
+          </a:p>
+        </p:txBody>
+      </p:sp>
+      <p:sp>
+        <p:nvSpPr>
+          <p:cNvPr id="3" name="2 Marcador de contenido"/>
+          <p:cNvSpPr>
+            <a:spLocks noGrp="1"/>
+          </p:cNvSpPr>
+          <p:nvPr>
+            <p:ph sz="quarter" idx="1"/>
+          </p:nvPr>
+        </p:nvSpPr>
+        <p:spPr/>
+        <p:txBody>
+          <a:bodyPr/>
+          <a:lstStyle/>
+          <a:p>
+            <a:endParaRPr lang="es-UY" dirty="0"/>
           </a:p>
         </p:txBody>
       </p:sp>
@@ -3498,9 +5658,9 @@
 </file>
 
 <file path=ppt/theme/theme1.xml><?xml version="1.0" encoding="utf-8"?>
-<a:theme xmlns:a="http://schemas.openxmlformats.org/drawingml/2006/main" name="Tema de Office">
+<a:theme xmlns:a="http://schemas.openxmlformats.org/drawingml/2006/main" name="Mirador">
   <a:themeElements>
-    <a:clrScheme name="Office">
+    <a:clrScheme name="Intermedio">
       <a:dk1>
         <a:sysClr val="windowText" lastClr="000000"/>
       </a:dk1>
@@ -3508,48 +5668,48 @@
         <a:sysClr val="window" lastClr="FFFFFF"/>
       </a:lt1>
       <a:dk2>
-        <a:srgbClr val="1F497D"/>
+        <a:srgbClr val="775F55"/>
       </a:dk2>
       <a:lt2>
-        <a:srgbClr val="EEECE1"/>
+        <a:srgbClr val="EBDDC3"/>
       </a:lt2>
       <a:accent1>
-        <a:srgbClr val="4F81BD"/>
+        <a:srgbClr val="94B6D2"/>
       </a:accent1>
       <a:accent2>
-        <a:srgbClr val="C0504D"/>
+        <a:srgbClr val="DD8047"/>
       </a:accent2>
       <a:accent3>
-        <a:srgbClr val="9BBB59"/>
+        <a:srgbClr val="A5AB81"/>
       </a:accent3>
       <a:accent4>
-        <a:srgbClr val="8064A2"/>
+        <a:srgbClr val="D8B25C"/>
       </a:accent4>
       <a:accent5>
-        <a:srgbClr val="4BACC6"/>
+        <a:srgbClr val="7BA79D"/>
       </a:accent5>
       <a:accent6>
-        <a:srgbClr val="F79646"/>
+        <a:srgbClr val="968C8C"/>
       </a:accent6>
       <a:hlink>
-        <a:srgbClr val="0000FF"/>
+        <a:srgbClr val="F7B615"/>
       </a:hlink>
       <a:folHlink>
-        <a:srgbClr val="800080"/>
+        <a:srgbClr val="704404"/>
       </a:folHlink>
     </a:clrScheme>
-    <a:fontScheme name="Office">
+    <a:fontScheme name="Mirador">
       <a:majorFont>
-        <a:latin typeface="Calibri"/>
+        <a:latin typeface="Century Schoolbook"/>
         <a:ea typeface=""/>
         <a:cs typeface=""/>
-        <a:font script="Jpan" typeface="ＭＳ Ｐゴシック"/>
-        <a:font script="Hang" typeface="맑은 고딕"/>
-        <a:font script="Hans" typeface="宋体"/>
+        <a:font script="Jpan" typeface="ＭＳ Ｐ明朝"/>
+        <a:font script="Hang" typeface="휴먼매직체"/>
+        <a:font script="Hans" typeface="华文楷体"/>
         <a:font script="Hant" typeface="新細明體"/>
         <a:font script="Arab" typeface="Times New Roman"/>
         <a:font script="Hebr" typeface="Times New Roman"/>
-        <a:font script="Thai" typeface="Angsana New"/>
+        <a:font script="Thai" typeface="KodchiangUPC"/>
         <a:font script="Ethi" typeface="Nyala"/>
         <a:font script="Beng" typeface="Vrinda"/>
         <a:font script="Gujr" typeface="Shruti"/>
@@ -3574,20 +5734,20 @@
         <a:font script="Uigh" typeface="Microsoft Uighur"/>
       </a:majorFont>
       <a:minorFont>
-        <a:latin typeface="Calibri"/>
+        <a:latin typeface="Century Schoolbook"/>
         <a:ea typeface=""/>
         <a:cs typeface=""/>
-        <a:font script="Jpan" typeface="ＭＳ Ｐゴシック"/>
-        <a:font script="Hang" typeface="맑은 고딕"/>
+        <a:font script="Jpan" typeface="ＭＳ Ｐ明朝"/>
+        <a:font script="Hang" typeface="휴먼매직체"/>
         <a:font script="Hans" typeface="宋体"/>
         <a:font script="Hant" typeface="新細明體"/>
-        <a:font script="Arab" typeface="Arial"/>
-        <a:font script="Hebr" typeface="Arial"/>
-        <a:font script="Thai" typeface="Cordia New"/>
+        <a:font script="Arab" typeface="Times New Roman"/>
+        <a:font script="Hebr" typeface="Times New Roman"/>
+        <a:font script="Thai" typeface="KodchiangUPC"/>
         <a:font script="Ethi" typeface="Nyala"/>
         <a:font script="Beng" typeface="Vrinda"/>
         <a:font script="Gujr" typeface="Shruti"/>
-        <a:font script="Khmr" typeface="DaunPenh"/>
+        <a:font script="Khmr" typeface="MoolBoran"/>
         <a:font script="Knda" typeface="Tunga"/>
         <a:font script="Guru" typeface="Raavi"/>
         <a:font script="Cans" typeface="Euphemia"/>
@@ -3604,11 +5764,11 @@
         <a:font script="Laoo" typeface="DokChampa"/>
         <a:font script="Sinh" typeface="Iskoola Pota"/>
         <a:font script="Mong" typeface="Mongolian Baiti"/>
-        <a:font script="Viet" typeface="Arial"/>
+        <a:font script="Viet" typeface="Times New Roman"/>
         <a:font script="Uigh" typeface="Microsoft Uighur"/>
       </a:minorFont>
     </a:fontScheme>
-    <a:fmtScheme name="Office">
+    <a:fmtScheme name="Mirador">
       <a:fillStyleLst>
         <a:solidFill>
           <a:schemeClr val="phClr"/>
@@ -3617,55 +5777,71 @@
           <a:gsLst>
             <a:gs pos="0">
               <a:schemeClr val="phClr">
-                <a:tint val="50000"/>
-                <a:satMod val="300000"/>
+                <a:tint val="35000"/>
+                <a:satMod val="260000"/>
               </a:schemeClr>
             </a:gs>
-            <a:gs pos="35000">
+            <a:gs pos="30000">
               <a:schemeClr val="phClr">
-                <a:tint val="37000"/>
-                <a:satMod val="300000"/>
+                <a:tint val="38000"/>
+                <a:satMod val="260000"/>
+              </a:schemeClr>
+            </a:gs>
+            <a:gs pos="75000">
+              <a:schemeClr val="phClr">
+                <a:tint val="55000"/>
+                <a:satMod val="255000"/>
               </a:schemeClr>
             </a:gs>
             <a:gs pos="100000">
               <a:schemeClr val="phClr">
-                <a:tint val="15000"/>
-                <a:satMod val="350000"/>
+                <a:tint val="70000"/>
+                <a:satMod val="255000"/>
               </a:schemeClr>
             </a:gs>
           </a:gsLst>
-          <a:lin ang="16200000" scaled="1"/>
+          <a:path path="circle">
+            <a:fillToRect l="5000" t="100000" r="120000" b="10000"/>
+          </a:path>
         </a:gradFill>
         <a:gradFill rotWithShape="1">
           <a:gsLst>
             <a:gs pos="0">
               <a:schemeClr val="phClr">
-                <a:shade val="51000"/>
-                <a:satMod val="130000"/>
+                <a:shade val="63000"/>
+                <a:satMod val="165000"/>
               </a:schemeClr>
             </a:gs>
-            <a:gs pos="80000">
+            <a:gs pos="30000">
               <a:schemeClr val="phClr">
-                <a:shade val="93000"/>
-                <a:satMod val="130000"/>
+                <a:shade val="58000"/>
+                <a:satMod val="165000"/>
+              </a:schemeClr>
+            </a:gs>
+            <a:gs pos="75000">
+              <a:schemeClr val="phClr">
+                <a:shade val="30000"/>
+                <a:satMod val="175000"/>
               </a:schemeClr>
             </a:gs>
             <a:gs pos="100000">
               <a:schemeClr val="phClr">
-                <a:shade val="94000"/>
-                <a:satMod val="135000"/>
+                <a:shade val="15000"/>
+                <a:satMod val="175000"/>
               </a:schemeClr>
             </a:gs>
           </a:gsLst>
-          <a:lin ang="16200000" scaled="0"/>
+          <a:path path="circle">
+            <a:fillToRect l="5000" t="100000" r="120000" b="10000"/>
+          </a:path>
         </a:gradFill>
       </a:fillStyleLst>
       <a:lnStyleLst>
-        <a:ln w="9525" cap="flat" cmpd="sng" algn="ctr">
+        <a:ln w="12700" cap="flat" cmpd="sng" algn="ctr">
           <a:solidFill>
             <a:schemeClr val="phClr">
-              <a:shade val="95000"/>
-              <a:satMod val="105000"/>
+              <a:shade val="70000"/>
+              <a:satMod val="150000"/>
             </a:schemeClr>
           </a:solidFill>
           <a:prstDash val="solid"/>
@@ -3676,7 +5852,7 @@
           </a:solidFill>
           <a:prstDash val="solid"/>
         </a:ln>
-        <a:ln w="38100" cap="flat" cmpd="sng" algn="ctr">
+        <a:ln w="34925" cap="flat" cmpd="sng" algn="ctr">
           <a:solidFill>
             <a:schemeClr val="phClr"/>
           </a:solidFill>
@@ -3686,27 +5862,27 @@
       <a:effectStyleLst>
         <a:effectStyle>
           <a:effectLst>
-            <a:outerShdw blurRad="40000" dist="20000" dir="5400000" rotWithShape="0">
+            <a:outerShdw blurRad="50800" dist="25000" dir="5400000" rotWithShape="0">
               <a:srgbClr val="000000">
-                <a:alpha val="38000"/>
+                <a:alpha val="40000"/>
               </a:srgbClr>
             </a:outerShdw>
           </a:effectLst>
         </a:effectStyle>
         <a:effectStyle>
           <a:effectLst>
-            <a:outerShdw blurRad="40000" dist="23000" dir="5400000" rotWithShape="0">
+            <a:outerShdw blurRad="50800" dist="20000" dir="5400000" rotWithShape="0">
               <a:srgbClr val="000000">
-                <a:alpha val="35000"/>
+                <a:alpha val="42000"/>
               </a:srgbClr>
             </a:outerShdw>
           </a:effectLst>
         </a:effectStyle>
         <a:effectStyle>
           <a:effectLst>
-            <a:outerShdw blurRad="40000" dist="23000" dir="5400000" rotWithShape="0">
+            <a:outerShdw blurRad="50800" dist="20000" dir="5400000" rotWithShape="0">
               <a:srgbClr val="000000">
-                <a:alpha val="35000"/>
+                <a:alpha val="42000"/>
               </a:srgbClr>
             </a:outerShdw>
           </a:effectLst>
@@ -3714,12 +5890,15 @@
             <a:camera prst="orthographicFront">
               <a:rot lat="0" lon="0" rev="0"/>
             </a:camera>
-            <a:lightRig rig="threePt" dir="t">
-              <a:rot lat="0" lon="0" rev="1200000"/>
+            <a:lightRig rig="balanced" dir="t">
+              <a:rot lat="0" lon="0" rev="0"/>
             </a:lightRig>
           </a:scene3d>
           <a:sp3d>
-            <a:bevelT w="63500" h="25400"/>
+            <a:bevelT w="47625" h="69850"/>
+            <a:contourClr>
+              <a:schemeClr val="lt1"/>
+            </a:contourClr>
           </a:sp3d>
         </a:effectStyle>
       </a:effectStyleLst>
@@ -3731,47 +5910,38 @@
           <a:gsLst>
             <a:gs pos="0">
               <a:schemeClr val="phClr">
-                <a:tint val="40000"/>
-                <a:satMod val="350000"/>
+                <a:shade val="58000"/>
+                <a:satMod val="125000"/>
               </a:schemeClr>
             </a:gs>
             <a:gs pos="40000">
               <a:schemeClr val="phClr">
-                <a:tint val="45000"/>
-                <a:shade val="99000"/>
-                <a:satMod val="350000"/>
+                <a:tint val="90000"/>
+                <a:shade val="90000"/>
+                <a:satMod val="120000"/>
               </a:schemeClr>
             </a:gs>
             <a:gs pos="100000">
               <a:schemeClr val="phClr">
-                <a:shade val="20000"/>
-                <a:satMod val="255000"/>
+                <a:tint val="50000"/>
               </a:schemeClr>
             </a:gs>
           </a:gsLst>
-          <a:path path="circle">
-            <a:fillToRect l="50000" t="-80000" r="50000" b="180000"/>
-          </a:path>
+          <a:lin ang="16200000" scaled="1"/>
         </a:gradFill>
-        <a:gradFill rotWithShape="1">
-          <a:gsLst>
-            <a:gs pos="0">
+        <a:blipFill>
+          <a:blip xmlns:r="http://schemas.openxmlformats.org/officeDocument/2006/relationships" r:embed="rId1">
+            <a:duotone>
               <a:schemeClr val="phClr">
-                <a:tint val="80000"/>
-                <a:satMod val="300000"/>
+                <a:shade val="80000"/>
               </a:schemeClr>
-            </a:gs>
-            <a:gs pos="100000">
               <a:schemeClr val="phClr">
-                <a:shade val="30000"/>
-                <a:satMod val="200000"/>
+                <a:tint val="91000"/>
               </a:schemeClr>
-            </a:gs>
-          </a:gsLst>
-          <a:path path="circle">
-            <a:fillToRect l="50000" t="50000" r="50000" b="50000"/>
-          </a:path>
-        </a:gradFill>
+            </a:duotone>
+          </a:blip>
+          <a:tile tx="0" ty="0" sx="40000" sy="50000" flip="y" algn="tl"/>
+        </a:blipFill>
       </a:bgFillStyleLst>
     </a:fmtScheme>
   </a:themeElements>

--- a/Presentacion.pptx
+++ b/Presentacion.pptx
@@ -6,13 +6,15 @@
   </p:sldMasterIdLst>
   <p:sldIdLst>
     <p:sldId id="256" r:id="rId2"/>
-    <p:sldId id="257" r:id="rId3"/>
-    <p:sldId id="258" r:id="rId4"/>
-    <p:sldId id="259" r:id="rId5"/>
-    <p:sldId id="260" r:id="rId6"/>
-    <p:sldId id="261" r:id="rId7"/>
-    <p:sldId id="262" r:id="rId8"/>
-    <p:sldId id="263" r:id="rId9"/>
+    <p:sldId id="264" r:id="rId3"/>
+    <p:sldId id="257" r:id="rId4"/>
+    <p:sldId id="258" r:id="rId5"/>
+    <p:sldId id="259" r:id="rId6"/>
+    <p:sldId id="260" r:id="rId7"/>
+    <p:sldId id="261" r:id="rId8"/>
+    <p:sldId id="262" r:id="rId9"/>
+    <p:sldId id="263" r:id="rId10"/>
+    <p:sldId id="265" r:id="rId11"/>
   </p:sldIdLst>
   <p:sldSz cx="9144000" cy="6858000" type="screen4x3"/>
   <p:notesSz cx="6858000" cy="9144000"/>
@@ -5118,15 +5120,7 @@
                   <a:schemeClr val="tx1"/>
                 </a:solidFill>
               </a:rPr>
-              <a:t>Luciana </a:t>
-            </a:r>
-            <a:r>
-              <a:rPr lang="es-UY" dirty="0" smtClean="0">
-                <a:solidFill>
-                  <a:schemeClr val="tx1"/>
-                </a:solidFill>
-              </a:rPr>
-              <a:t>Canales</a:t>
+              <a:t>Luciana Canales</a:t>
             </a:r>
           </a:p>
           <a:p>
@@ -5161,15 +5155,7 @@
                   <a:schemeClr val="tx1"/>
                 </a:solidFill>
               </a:rPr>
-              <a:t>						Alejandro </a:t>
-            </a:r>
-            <a:r>
-              <a:rPr lang="es-UY" dirty="0" smtClean="0">
-                <a:solidFill>
-                  <a:schemeClr val="tx1"/>
-                </a:solidFill>
-              </a:rPr>
-              <a:t>Remiro</a:t>
+              <a:t>						Alejandro Remiro</a:t>
             </a:r>
           </a:p>
           <a:p>
@@ -5185,6 +5171,61 @@
   <p:clrMapOvr>
     <a:masterClrMapping/>
   </p:clrMapOvr>
+</p:sld>
+</file>
+
+<file path=ppt/slides/slide10.xml><?xml version="1.0" encoding="utf-8"?>
+<p:sld xmlns:a="http://schemas.openxmlformats.org/drawingml/2006/main" xmlns:r="http://schemas.openxmlformats.org/officeDocument/2006/relationships" xmlns:p="http://schemas.openxmlformats.org/presentationml/2006/main">
+  <p:cSld>
+    <p:spTree>
+      <p:nvGrpSpPr>
+        <p:cNvPr id="1" name=""/>
+        <p:cNvGrpSpPr/>
+        <p:nvPr/>
+      </p:nvGrpSpPr>
+      <p:grpSpPr>
+        <a:xfrm>
+          <a:off x="0" y="0"/>
+          <a:ext cx="0" cy="0"/>
+          <a:chOff x="0" y="0"/>
+          <a:chExt cx="0" cy="0"/>
+        </a:xfrm>
+      </p:grpSpPr>
+      <p:pic>
+        <p:nvPicPr>
+          <p:cNvPr id="4" name="3 Marcador de contenido" descr="Preguntas.jpg"/>
+          <p:cNvPicPr>
+            <a:picLocks noGrp="1" noChangeAspect="1"/>
+          </p:cNvPicPr>
+          <p:nvPr>
+            <p:ph sz="quarter" idx="1"/>
+          </p:nvPr>
+        </p:nvPicPr>
+        <p:blipFill>
+          <a:blip r:embed="rId2"/>
+          <a:stretch>
+            <a:fillRect/>
+          </a:stretch>
+        </p:blipFill>
+        <p:spPr>
+          <a:xfrm>
+            <a:off x="2214546" y="857232"/>
+            <a:ext cx="4454493" cy="4873625"/>
+          </a:xfrm>
+        </p:spPr>
+      </p:pic>
+    </p:spTree>
+  </p:cSld>
+  <p:clrMapOvr>
+    <a:masterClrMapping/>
+  </p:clrMapOvr>
+  <p:timing>
+    <p:tnLst>
+      <p:par>
+        <p:cTn id="1" dur="indefinite" restart="never" nodeType="tmRoot"/>
+      </p:par>
+    </p:tnLst>
+  </p:timing>
 </p:sld>
 </file>
 
@@ -5221,29 +5262,103 @@
           <a:lstStyle/>
           <a:p>
             <a:r>
-              <a:rPr lang="es-UY" b="1" dirty="0" smtClean="0"/>
+              <a:rPr lang="es-UY" dirty="0" smtClean="0"/>
+              <a:t>Temario</a:t>
+            </a:r>
+            <a:endParaRPr lang="es-UY" dirty="0"/>
+          </a:p>
+        </p:txBody>
+      </p:sp>
+      <p:sp>
+        <p:nvSpPr>
+          <p:cNvPr id="3" name="2 Marcador de contenido"/>
+          <p:cNvSpPr>
+            <a:spLocks noGrp="1"/>
+          </p:cNvSpPr>
+          <p:nvPr>
+            <p:ph sz="quarter" idx="1"/>
+          </p:nvPr>
+        </p:nvSpPr>
+        <p:spPr/>
+        <p:txBody>
+          <a:bodyPr>
+            <a:normAutofit fontScale="92500" lnSpcReduction="20000"/>
+          </a:bodyPr>
+          <a:lstStyle/>
+          <a:p>
+            <a:r>
+              <a:rPr lang="es-UY" dirty="0" smtClean="0"/>
               <a:t>Contexto</a:t>
             </a:r>
-            <a:endParaRPr lang="es-UY" b="1" dirty="0"/>
-          </a:p>
-        </p:txBody>
-      </p:sp>
-      <p:sp>
-        <p:nvSpPr>
-          <p:cNvPr id="3" name="2 Marcador de contenido"/>
-          <p:cNvSpPr>
-            <a:spLocks noGrp="1"/>
-          </p:cNvSpPr>
-          <p:nvPr>
-            <p:ph sz="quarter" idx="1"/>
-          </p:nvPr>
-        </p:nvSpPr>
-        <p:spPr/>
-        <p:txBody>
-          <a:bodyPr/>
-          <a:lstStyle/>
-          <a:p>
-            <a:endParaRPr lang="es-UY"/>
+          </a:p>
+          <a:p>
+            <a:endParaRPr lang="es-UY" dirty="0" smtClean="0"/>
+          </a:p>
+          <a:p>
+            <a:r>
+              <a:rPr lang="es-UY" dirty="0" smtClean="0"/>
+              <a:t>Objetivos</a:t>
+            </a:r>
+          </a:p>
+          <a:p>
+            <a:endParaRPr lang="es-UY" dirty="0" smtClean="0"/>
+          </a:p>
+          <a:p>
+            <a:r>
+              <a:rPr lang="es-UY" dirty="0" smtClean="0"/>
+              <a:t>Estudio Inicial</a:t>
+            </a:r>
+          </a:p>
+          <a:p>
+            <a:endParaRPr lang="es-UY" dirty="0" smtClean="0"/>
+          </a:p>
+          <a:p>
+            <a:r>
+              <a:rPr lang="es-UY" dirty="0" smtClean="0"/>
+              <a:t>Análisis y Diseño</a:t>
+            </a:r>
+          </a:p>
+          <a:p>
+            <a:endParaRPr lang="es-UY" dirty="0" smtClean="0"/>
+          </a:p>
+          <a:p>
+            <a:r>
+              <a:rPr lang="es-UY" dirty="0" smtClean="0"/>
+              <a:t>Tecnologías</a:t>
+            </a:r>
+          </a:p>
+          <a:p>
+            <a:endParaRPr lang="es-UY" dirty="0" smtClean="0"/>
+          </a:p>
+          <a:p>
+            <a:r>
+              <a:rPr lang="es-UY" dirty="0" smtClean="0"/>
+              <a:t>Estado Actual</a:t>
+            </a:r>
+          </a:p>
+          <a:p>
+            <a:endParaRPr lang="es-UY" dirty="0" smtClean="0"/>
+          </a:p>
+          <a:p>
+            <a:r>
+              <a:rPr lang="es-UY" dirty="0" smtClean="0"/>
+              <a:t>Planificación al Cierre</a:t>
+            </a:r>
+          </a:p>
+          <a:p>
+            <a:endParaRPr lang="es-UY" dirty="0" smtClean="0"/>
+          </a:p>
+          <a:p>
+            <a:endParaRPr lang="es-UY" dirty="0" smtClean="0"/>
+          </a:p>
+          <a:p>
+            <a:endParaRPr lang="es-UY" dirty="0" smtClean="0"/>
+          </a:p>
+          <a:p>
+            <a:endParaRPr lang="es-UY" dirty="0" smtClean="0"/>
+          </a:p>
+          <a:p>
+            <a:endParaRPr lang="es-UY" dirty="0"/>
           </a:p>
         </p:txBody>
       </p:sp>
@@ -5252,6 +5367,13 @@
   <p:clrMapOvr>
     <a:masterClrMapping/>
   </p:clrMapOvr>
+  <p:timing>
+    <p:tnLst>
+      <p:par>
+        <p:cTn id="1" dur="indefinite" restart="never" nodeType="tmRoot"/>
+      </p:par>
+    </p:tnLst>
+  </p:timing>
 </p:sld>
 </file>
 
@@ -5289,7 +5411,7 @@
           <a:p>
             <a:r>
               <a:rPr lang="es-UY" b="1" dirty="0" smtClean="0"/>
-              <a:t>Objetivos</a:t>
+              <a:t>Contexto</a:t>
             </a:r>
             <a:endParaRPr lang="es-UY" b="1" dirty="0"/>
           </a:p>
@@ -5319,6 +5441,13 @@
   <p:clrMapOvr>
     <a:masterClrMapping/>
   </p:clrMapOvr>
+  <p:timing>
+    <p:tnLst>
+      <p:par>
+        <p:cTn id="1" dur="indefinite" restart="never" nodeType="tmRoot"/>
+      </p:par>
+    </p:tnLst>
+  </p:timing>
 </p:sld>
 </file>
 
@@ -5356,7 +5485,7 @@
           <a:p>
             <a:r>
               <a:rPr lang="es-UY" b="1" dirty="0" smtClean="0"/>
-              <a:t>Estudio Inicial</a:t>
+              <a:t>Objetivos</a:t>
             </a:r>
             <a:endParaRPr lang="es-UY" b="1" dirty="0"/>
           </a:p>
@@ -5423,7 +5552,7 @@
           <a:p>
             <a:r>
               <a:rPr lang="es-UY" b="1" dirty="0" smtClean="0"/>
-              <a:t>Análisis y Diseño</a:t>
+              <a:t>Estudio Inicial</a:t>
             </a:r>
             <a:endParaRPr lang="es-UY" b="1" dirty="0"/>
           </a:p>
@@ -5490,7 +5619,7 @@
           <a:p>
             <a:r>
               <a:rPr lang="es-UY" b="1" dirty="0" smtClean="0"/>
-              <a:t>Tecnologías</a:t>
+              <a:t>Análisis y Diseño</a:t>
             </a:r>
             <a:endParaRPr lang="es-UY" b="1" dirty="0"/>
           </a:p>
@@ -5557,7 +5686,7 @@
           <a:p>
             <a:r>
               <a:rPr lang="es-UY" b="1" dirty="0" smtClean="0"/>
-              <a:t>Estado Actual</a:t>
+              <a:t>Tecnologías</a:t>
             </a:r>
             <a:endParaRPr lang="es-UY" b="1" dirty="0"/>
           </a:p>
@@ -5591,6 +5720,73 @@
 </file>
 
 <file path=ppt/slides/slide8.xml><?xml version="1.0" encoding="utf-8"?>
+<p:sld xmlns:a="http://schemas.openxmlformats.org/drawingml/2006/main" xmlns:r="http://schemas.openxmlformats.org/officeDocument/2006/relationships" xmlns:p="http://schemas.openxmlformats.org/presentationml/2006/main">
+  <p:cSld>
+    <p:spTree>
+      <p:nvGrpSpPr>
+        <p:cNvPr id="1" name=""/>
+        <p:cNvGrpSpPr/>
+        <p:nvPr/>
+      </p:nvGrpSpPr>
+      <p:grpSpPr>
+        <a:xfrm>
+          <a:off x="0" y="0"/>
+          <a:ext cx="0" cy="0"/>
+          <a:chOff x="0" y="0"/>
+          <a:chExt cx="0" cy="0"/>
+        </a:xfrm>
+      </p:grpSpPr>
+      <p:sp>
+        <p:nvSpPr>
+          <p:cNvPr id="2" name="1 Título"/>
+          <p:cNvSpPr>
+            <a:spLocks noGrp="1"/>
+          </p:cNvSpPr>
+          <p:nvPr>
+            <p:ph type="title"/>
+          </p:nvPr>
+        </p:nvSpPr>
+        <p:spPr/>
+        <p:txBody>
+          <a:bodyPr/>
+          <a:lstStyle/>
+          <a:p>
+            <a:r>
+              <a:rPr lang="es-UY" b="1" dirty="0" smtClean="0"/>
+              <a:t>Estado Actual</a:t>
+            </a:r>
+            <a:endParaRPr lang="es-UY" b="1" dirty="0"/>
+          </a:p>
+        </p:txBody>
+      </p:sp>
+      <p:sp>
+        <p:nvSpPr>
+          <p:cNvPr id="3" name="2 Marcador de contenido"/>
+          <p:cNvSpPr>
+            <a:spLocks noGrp="1"/>
+          </p:cNvSpPr>
+          <p:nvPr>
+            <p:ph sz="quarter" idx="1"/>
+          </p:nvPr>
+        </p:nvSpPr>
+        <p:spPr/>
+        <p:txBody>
+          <a:bodyPr/>
+          <a:lstStyle/>
+          <a:p>
+            <a:endParaRPr lang="es-UY"/>
+          </a:p>
+        </p:txBody>
+      </p:sp>
+    </p:spTree>
+  </p:cSld>
+  <p:clrMapOvr>
+    <a:masterClrMapping/>
+  </p:clrMapOvr>
+</p:sld>
+</file>
+
+<file path=ppt/slides/slide9.xml><?xml version="1.0" encoding="utf-8"?>
 <p:sld xmlns:a="http://schemas.openxmlformats.org/drawingml/2006/main" xmlns:r="http://schemas.openxmlformats.org/officeDocument/2006/relationships" xmlns:p="http://schemas.openxmlformats.org/presentationml/2006/main">
   <p:cSld>
     <p:spTree>

--- a/Presentacion.pptx
+++ b/Presentacion.pptx
@@ -8,13 +8,18 @@
     <p:sldId id="256" r:id="rId2"/>
     <p:sldId id="264" r:id="rId3"/>
     <p:sldId id="257" r:id="rId4"/>
-    <p:sldId id="258" r:id="rId5"/>
-    <p:sldId id="259" r:id="rId6"/>
-    <p:sldId id="260" r:id="rId7"/>
-    <p:sldId id="261" r:id="rId8"/>
-    <p:sldId id="262" r:id="rId9"/>
-    <p:sldId id="263" r:id="rId10"/>
-    <p:sldId id="265" r:id="rId11"/>
+    <p:sldId id="266" r:id="rId5"/>
+    <p:sldId id="267" r:id="rId6"/>
+    <p:sldId id="258" r:id="rId7"/>
+    <p:sldId id="259" r:id="rId8"/>
+    <p:sldId id="260" r:id="rId9"/>
+    <p:sldId id="270" r:id="rId10"/>
+    <p:sldId id="268" r:id="rId11"/>
+    <p:sldId id="269" r:id="rId12"/>
+    <p:sldId id="261" r:id="rId13"/>
+    <p:sldId id="262" r:id="rId14"/>
+    <p:sldId id="263" r:id="rId15"/>
+    <p:sldId id="265" r:id="rId16"/>
   </p:sldIdLst>
   <p:sldSz cx="9144000" cy="6858000" type="screen4x3"/>
   <p:notesSz cx="6858000" cy="9144000"/>
@@ -5166,6 +5171,512 @@
           </a:p>
         </p:txBody>
       </p:sp>
+      <p:pic>
+        <p:nvPicPr>
+          <p:cNvPr id="4" name="3 Imagen" descr="fing.png"/>
+          <p:cNvPicPr>
+            <a:picLocks noChangeAspect="1"/>
+          </p:cNvPicPr>
+          <p:nvPr/>
+        </p:nvPicPr>
+        <p:blipFill>
+          <a:blip r:embed="rId2" cstate="print"/>
+          <a:stretch>
+            <a:fillRect/>
+          </a:stretch>
+        </p:blipFill>
+        <p:spPr>
+          <a:xfrm>
+            <a:off x="8056198" y="84408"/>
+            <a:ext cx="979605" cy="959196"/>
+          </a:xfrm>
+          <a:prstGeom prst="rect">
+            <a:avLst/>
+          </a:prstGeom>
+        </p:spPr>
+      </p:pic>
+    </p:spTree>
+  </p:cSld>
+  <p:clrMapOvr>
+    <a:masterClrMapping/>
+  </p:clrMapOvr>
+  <p:timing>
+    <p:tnLst>
+      <p:par>
+        <p:cTn id="1" dur="indefinite" restart="never" nodeType="tmRoot"/>
+      </p:par>
+    </p:tnLst>
+  </p:timing>
+</p:sld>
+</file>
+
+<file path=ppt/slides/slide10.xml><?xml version="1.0" encoding="utf-8"?>
+<p:sld xmlns:a="http://schemas.openxmlformats.org/drawingml/2006/main" xmlns:r="http://schemas.openxmlformats.org/officeDocument/2006/relationships" xmlns:p="http://schemas.openxmlformats.org/presentationml/2006/main">
+  <p:cSld>
+    <p:spTree>
+      <p:nvGrpSpPr>
+        <p:cNvPr id="1" name=""/>
+        <p:cNvGrpSpPr/>
+        <p:nvPr/>
+      </p:nvGrpSpPr>
+      <p:grpSpPr>
+        <a:xfrm>
+          <a:off x="0" y="0"/>
+          <a:ext cx="0" cy="0"/>
+          <a:chOff x="0" y="0"/>
+          <a:chExt cx="0" cy="0"/>
+        </a:xfrm>
+      </p:grpSpPr>
+      <p:sp>
+        <p:nvSpPr>
+          <p:cNvPr id="2" name="1 Título"/>
+          <p:cNvSpPr>
+            <a:spLocks noGrp="1"/>
+          </p:cNvSpPr>
+          <p:nvPr>
+            <p:ph type="title"/>
+          </p:nvPr>
+        </p:nvSpPr>
+        <p:spPr/>
+        <p:txBody>
+          <a:bodyPr/>
+          <a:lstStyle/>
+          <a:p>
+            <a:r>
+              <a:rPr lang="es-UY" b="1" dirty="0" smtClean="0"/>
+              <a:t>Análisis y Diseño</a:t>
+            </a:r>
+            <a:endParaRPr lang="es-UY" b="1" dirty="0"/>
+          </a:p>
+        </p:txBody>
+      </p:sp>
+      <p:sp>
+        <p:nvSpPr>
+          <p:cNvPr id="3" name="2 Marcador de contenido"/>
+          <p:cNvSpPr>
+            <a:spLocks noGrp="1"/>
+          </p:cNvSpPr>
+          <p:nvPr>
+            <p:ph sz="quarter" idx="1"/>
+          </p:nvPr>
+        </p:nvSpPr>
+        <p:spPr/>
+        <p:txBody>
+          <a:bodyPr/>
+          <a:lstStyle/>
+          <a:p>
+            <a:r>
+              <a:rPr lang="es-UY" sz="2200" dirty="0" smtClean="0"/>
+              <a:t>Público general</a:t>
+            </a:r>
+          </a:p>
+          <a:p>
+            <a:pPr>
+              <a:buNone/>
+            </a:pPr>
+            <a:endParaRPr lang="es-UY" sz="2200" dirty="0" smtClean="0"/>
+          </a:p>
+          <a:p>
+            <a:endParaRPr lang="es-UY" sz="2000" dirty="0"/>
+          </a:p>
+        </p:txBody>
+      </p:sp>
+      <p:pic>
+        <p:nvPicPr>
+          <p:cNvPr id="1026" name="Picture 2"/>
+          <p:cNvPicPr>
+            <a:picLocks noChangeAspect="1" noChangeArrowheads="1"/>
+          </p:cNvPicPr>
+          <p:nvPr/>
+        </p:nvPicPr>
+        <p:blipFill>
+          <a:blip r:embed="rId2"/>
+          <a:srcRect/>
+          <a:stretch>
+            <a:fillRect/>
+          </a:stretch>
+        </p:blipFill>
+        <p:spPr bwMode="auto">
+          <a:xfrm>
+            <a:off x="160205" y="2058708"/>
+            <a:ext cx="7940695" cy="4370688"/>
+          </a:xfrm>
+          <a:prstGeom prst="rect">
+            <a:avLst/>
+          </a:prstGeom>
+          <a:noFill/>
+          <a:ln w="9525">
+            <a:noFill/>
+            <a:miter lim="800000"/>
+            <a:headEnd/>
+            <a:tailEnd/>
+          </a:ln>
+          <a:effectLst/>
+        </p:spPr>
+      </p:pic>
+    </p:spTree>
+  </p:cSld>
+  <p:clrMapOvr>
+    <a:masterClrMapping/>
+  </p:clrMapOvr>
+  <p:timing>
+    <p:tnLst>
+      <p:par>
+        <p:cTn id="1" dur="indefinite" restart="never" nodeType="tmRoot"/>
+      </p:par>
+    </p:tnLst>
+  </p:timing>
+</p:sld>
+</file>
+
+<file path=ppt/slides/slide11.xml><?xml version="1.0" encoding="utf-8"?>
+<p:sld xmlns:a="http://schemas.openxmlformats.org/drawingml/2006/main" xmlns:r="http://schemas.openxmlformats.org/officeDocument/2006/relationships" xmlns:p="http://schemas.openxmlformats.org/presentationml/2006/main">
+  <p:cSld>
+    <p:spTree>
+      <p:nvGrpSpPr>
+        <p:cNvPr id="1" name=""/>
+        <p:cNvGrpSpPr/>
+        <p:nvPr/>
+      </p:nvGrpSpPr>
+      <p:grpSpPr>
+        <a:xfrm>
+          <a:off x="0" y="0"/>
+          <a:ext cx="0" cy="0"/>
+          <a:chOff x="0" y="0"/>
+          <a:chExt cx="0" cy="0"/>
+        </a:xfrm>
+      </p:grpSpPr>
+      <p:sp>
+        <p:nvSpPr>
+          <p:cNvPr id="2" name="1 Título"/>
+          <p:cNvSpPr>
+            <a:spLocks noGrp="1"/>
+          </p:cNvSpPr>
+          <p:nvPr>
+            <p:ph type="title"/>
+          </p:nvPr>
+        </p:nvSpPr>
+        <p:spPr/>
+        <p:txBody>
+          <a:bodyPr/>
+          <a:lstStyle/>
+          <a:p>
+            <a:r>
+              <a:rPr lang="es-UY" b="1" dirty="0" smtClean="0"/>
+              <a:t>Análisis y Diseño</a:t>
+            </a:r>
+            <a:endParaRPr lang="es-UY" b="1" dirty="0"/>
+          </a:p>
+        </p:txBody>
+      </p:sp>
+      <p:sp>
+        <p:nvSpPr>
+          <p:cNvPr id="3" name="2 Marcador de contenido"/>
+          <p:cNvSpPr>
+            <a:spLocks noGrp="1"/>
+          </p:cNvSpPr>
+          <p:nvPr>
+            <p:ph sz="quarter" idx="1"/>
+          </p:nvPr>
+        </p:nvSpPr>
+        <p:spPr/>
+        <p:txBody>
+          <a:bodyPr/>
+          <a:lstStyle/>
+          <a:p>
+            <a:r>
+              <a:rPr lang="es-UY" sz="2200" dirty="0" smtClean="0"/>
+              <a:t>Organismo cliente</a:t>
+            </a:r>
+          </a:p>
+          <a:p>
+            <a:pPr>
+              <a:buNone/>
+            </a:pPr>
+            <a:endParaRPr lang="es-UY" sz="2200" dirty="0" smtClean="0"/>
+          </a:p>
+          <a:p>
+            <a:endParaRPr lang="es-UY" sz="2000" dirty="0"/>
+          </a:p>
+        </p:txBody>
+      </p:sp>
+      <p:pic>
+        <p:nvPicPr>
+          <p:cNvPr id="2050" name="Picture 2"/>
+          <p:cNvPicPr>
+            <a:picLocks noChangeAspect="1" noChangeArrowheads="1"/>
+          </p:cNvPicPr>
+          <p:nvPr/>
+        </p:nvPicPr>
+        <p:blipFill>
+          <a:blip r:embed="rId2"/>
+          <a:srcRect/>
+          <a:stretch>
+            <a:fillRect/>
+          </a:stretch>
+        </p:blipFill>
+        <p:spPr bwMode="auto">
+          <a:xfrm>
+            <a:off x="214282" y="2337872"/>
+            <a:ext cx="7917552" cy="4000528"/>
+          </a:xfrm>
+          <a:prstGeom prst="rect">
+            <a:avLst/>
+          </a:prstGeom>
+          <a:noFill/>
+          <a:ln w="9525">
+            <a:noFill/>
+            <a:miter lim="800000"/>
+            <a:headEnd/>
+            <a:tailEnd/>
+          </a:ln>
+          <a:effectLst/>
+        </p:spPr>
+      </p:pic>
+    </p:spTree>
+  </p:cSld>
+  <p:clrMapOvr>
+    <a:masterClrMapping/>
+  </p:clrMapOvr>
+  <p:timing>
+    <p:tnLst>
+      <p:par>
+        <p:cTn id="1" dur="indefinite" restart="never" nodeType="tmRoot"/>
+      </p:par>
+    </p:tnLst>
+  </p:timing>
+</p:sld>
+</file>
+
+<file path=ppt/slides/slide12.xml><?xml version="1.0" encoding="utf-8"?>
+<p:sld xmlns:a="http://schemas.openxmlformats.org/drawingml/2006/main" xmlns:r="http://schemas.openxmlformats.org/officeDocument/2006/relationships" xmlns:p="http://schemas.openxmlformats.org/presentationml/2006/main">
+  <p:cSld>
+    <p:spTree>
+      <p:nvGrpSpPr>
+        <p:cNvPr id="1" name=""/>
+        <p:cNvGrpSpPr/>
+        <p:nvPr/>
+      </p:nvGrpSpPr>
+      <p:grpSpPr>
+        <a:xfrm>
+          <a:off x="0" y="0"/>
+          <a:ext cx="0" cy="0"/>
+          <a:chOff x="0" y="0"/>
+          <a:chExt cx="0" cy="0"/>
+        </a:xfrm>
+      </p:grpSpPr>
+      <p:sp>
+        <p:nvSpPr>
+          <p:cNvPr id="2" name="1 Título"/>
+          <p:cNvSpPr>
+            <a:spLocks noGrp="1"/>
+          </p:cNvSpPr>
+          <p:nvPr>
+            <p:ph type="title"/>
+          </p:nvPr>
+        </p:nvSpPr>
+        <p:spPr/>
+        <p:txBody>
+          <a:bodyPr/>
+          <a:lstStyle/>
+          <a:p>
+            <a:r>
+              <a:rPr lang="es-UY" b="1" dirty="0" smtClean="0"/>
+              <a:t>Tecnologías</a:t>
+            </a:r>
+            <a:endParaRPr lang="es-UY" b="1" dirty="0"/>
+          </a:p>
+        </p:txBody>
+      </p:sp>
+      <p:sp>
+        <p:nvSpPr>
+          <p:cNvPr id="3" name="2 Marcador de contenido"/>
+          <p:cNvSpPr>
+            <a:spLocks noGrp="1"/>
+          </p:cNvSpPr>
+          <p:nvPr>
+            <p:ph sz="quarter" idx="1"/>
+          </p:nvPr>
+        </p:nvSpPr>
+        <p:spPr/>
+        <p:txBody>
+          <a:bodyPr/>
+          <a:lstStyle/>
+          <a:p>
+            <a:r>
+              <a:rPr lang="es-UY" sz="2200" dirty="0" smtClean="0"/>
+              <a:t>Servidores geográficos</a:t>
+            </a:r>
+          </a:p>
+          <a:p>
+            <a:pPr lvl="1"/>
+            <a:r>
+              <a:rPr lang="es-UY" sz="2000" dirty="0" err="1" smtClean="0"/>
+              <a:t>Geoserver</a:t>
+            </a:r>
+            <a:endParaRPr lang="es-UY" sz="2000" dirty="0" smtClean="0"/>
+          </a:p>
+          <a:p>
+            <a:pPr lvl="1"/>
+            <a:r>
+              <a:rPr lang="es-UY" sz="2000" dirty="0" err="1" smtClean="0"/>
+              <a:t>Mapserver</a:t>
+            </a:r>
+            <a:endParaRPr lang="es-UY" sz="2000" dirty="0" smtClean="0"/>
+          </a:p>
+          <a:p>
+            <a:pPr>
+              <a:buNone/>
+            </a:pPr>
+            <a:endParaRPr lang="es-UY" sz="2200" dirty="0" smtClean="0"/>
+          </a:p>
+          <a:p>
+            <a:r>
+              <a:rPr lang="es-UY" sz="2200" dirty="0" err="1" smtClean="0"/>
+              <a:t>Jboss</a:t>
+            </a:r>
+            <a:r>
+              <a:rPr lang="es-UY" sz="2200" dirty="0" smtClean="0"/>
+              <a:t> </a:t>
+            </a:r>
+            <a:r>
+              <a:rPr lang="es-UY" sz="2200" dirty="0" err="1" smtClean="0"/>
+              <a:t>esb</a:t>
+            </a:r>
+            <a:r>
+              <a:rPr lang="es-UY" sz="2200" dirty="0" smtClean="0"/>
+              <a:t> 4.9</a:t>
+            </a:r>
+          </a:p>
+          <a:p>
+            <a:pPr>
+              <a:buNone/>
+            </a:pPr>
+            <a:endParaRPr lang="es-UY" sz="2200" dirty="0" smtClean="0"/>
+          </a:p>
+          <a:p>
+            <a:r>
+              <a:rPr lang="es-UY" sz="2200" dirty="0" smtClean="0"/>
+              <a:t>Plataforma de </a:t>
+            </a:r>
+            <a:r>
+              <a:rPr lang="es-UY" sz="2200" dirty="0" err="1" smtClean="0"/>
+              <a:t>eGob</a:t>
+            </a:r>
+            <a:r>
+              <a:rPr lang="es-UY" sz="2200" dirty="0" smtClean="0"/>
+              <a:t> de Uruguay</a:t>
+            </a:r>
+          </a:p>
+          <a:p>
+            <a:pPr>
+              <a:buNone/>
+            </a:pPr>
+            <a:endParaRPr lang="es-UY" sz="2200" dirty="0" smtClean="0"/>
+          </a:p>
+          <a:p>
+            <a:r>
+              <a:rPr lang="es-UY" sz="2200" dirty="0" err="1" smtClean="0"/>
+              <a:t>Postgres</a:t>
+            </a:r>
+            <a:r>
+              <a:rPr lang="es-UY" sz="2200" smtClean="0"/>
+              <a:t> / </a:t>
+            </a:r>
+            <a:r>
+              <a:rPr lang="es-UY" sz="2200" dirty="0" err="1" smtClean="0"/>
+              <a:t>Postgis</a:t>
+            </a:r>
+            <a:endParaRPr lang="es-UY" sz="2200" dirty="0" smtClean="0"/>
+          </a:p>
+          <a:p>
+            <a:pPr>
+              <a:buNone/>
+            </a:pPr>
+            <a:endParaRPr lang="es-UY" sz="2200" dirty="0" smtClean="0"/>
+          </a:p>
+          <a:p>
+            <a:pPr lvl="1">
+              <a:buNone/>
+            </a:pPr>
+            <a:endParaRPr lang="es-UY" dirty="0"/>
+          </a:p>
+        </p:txBody>
+      </p:sp>
+    </p:spTree>
+  </p:cSld>
+  <p:clrMapOvr>
+    <a:masterClrMapping/>
+  </p:clrMapOvr>
+  <p:timing>
+    <p:tnLst>
+      <p:par>
+        <p:cTn id="1" dur="indefinite" restart="never" nodeType="tmRoot"/>
+      </p:par>
+    </p:tnLst>
+  </p:timing>
+</p:sld>
+</file>
+
+<file path=ppt/slides/slide13.xml><?xml version="1.0" encoding="utf-8"?>
+<p:sld xmlns:a="http://schemas.openxmlformats.org/drawingml/2006/main" xmlns:r="http://schemas.openxmlformats.org/officeDocument/2006/relationships" xmlns:p="http://schemas.openxmlformats.org/presentationml/2006/main">
+  <p:cSld>
+    <p:spTree>
+      <p:nvGrpSpPr>
+        <p:cNvPr id="1" name=""/>
+        <p:cNvGrpSpPr/>
+        <p:nvPr/>
+      </p:nvGrpSpPr>
+      <p:grpSpPr>
+        <a:xfrm>
+          <a:off x="0" y="0"/>
+          <a:ext cx="0" cy="0"/>
+          <a:chOff x="0" y="0"/>
+          <a:chExt cx="0" cy="0"/>
+        </a:xfrm>
+      </p:grpSpPr>
+      <p:sp>
+        <p:nvSpPr>
+          <p:cNvPr id="2" name="1 Título"/>
+          <p:cNvSpPr>
+            <a:spLocks noGrp="1"/>
+          </p:cNvSpPr>
+          <p:nvPr>
+            <p:ph type="title"/>
+          </p:nvPr>
+        </p:nvSpPr>
+        <p:spPr/>
+        <p:txBody>
+          <a:bodyPr/>
+          <a:lstStyle/>
+          <a:p>
+            <a:r>
+              <a:rPr lang="es-UY" b="1" dirty="0" smtClean="0"/>
+              <a:t>Estado Actual</a:t>
+            </a:r>
+            <a:endParaRPr lang="es-UY" b="1" dirty="0"/>
+          </a:p>
+        </p:txBody>
+      </p:sp>
+      <p:sp>
+        <p:nvSpPr>
+          <p:cNvPr id="3" name="2 Marcador de contenido"/>
+          <p:cNvSpPr>
+            <a:spLocks noGrp="1"/>
+          </p:cNvSpPr>
+          <p:nvPr>
+            <p:ph sz="quarter" idx="1"/>
+          </p:nvPr>
+        </p:nvSpPr>
+        <p:spPr/>
+        <p:txBody>
+          <a:bodyPr/>
+          <a:lstStyle/>
+          <a:p>
+            <a:endParaRPr lang="es-UY"/>
+          </a:p>
+        </p:txBody>
+      </p:sp>
     </p:spTree>
   </p:cSld>
   <p:clrMapOvr>
@@ -5174,7 +5685,74 @@
 </p:sld>
 </file>
 
-<file path=ppt/slides/slide10.xml><?xml version="1.0" encoding="utf-8"?>
+<file path=ppt/slides/slide14.xml><?xml version="1.0" encoding="utf-8"?>
+<p:sld xmlns:a="http://schemas.openxmlformats.org/drawingml/2006/main" xmlns:r="http://schemas.openxmlformats.org/officeDocument/2006/relationships" xmlns:p="http://schemas.openxmlformats.org/presentationml/2006/main">
+  <p:cSld>
+    <p:spTree>
+      <p:nvGrpSpPr>
+        <p:cNvPr id="1" name=""/>
+        <p:cNvGrpSpPr/>
+        <p:nvPr/>
+      </p:nvGrpSpPr>
+      <p:grpSpPr>
+        <a:xfrm>
+          <a:off x="0" y="0"/>
+          <a:ext cx="0" cy="0"/>
+          <a:chOff x="0" y="0"/>
+          <a:chExt cx="0" cy="0"/>
+        </a:xfrm>
+      </p:grpSpPr>
+      <p:sp>
+        <p:nvSpPr>
+          <p:cNvPr id="2" name="1 Título"/>
+          <p:cNvSpPr>
+            <a:spLocks noGrp="1"/>
+          </p:cNvSpPr>
+          <p:nvPr>
+            <p:ph type="title"/>
+          </p:nvPr>
+        </p:nvSpPr>
+        <p:spPr/>
+        <p:txBody>
+          <a:bodyPr/>
+          <a:lstStyle/>
+          <a:p>
+            <a:r>
+              <a:rPr lang="es-UY" b="1" dirty="0" smtClean="0"/>
+              <a:t>Planificación al cierre</a:t>
+            </a:r>
+            <a:endParaRPr lang="es-UY" b="1" dirty="0"/>
+          </a:p>
+        </p:txBody>
+      </p:sp>
+      <p:sp>
+        <p:nvSpPr>
+          <p:cNvPr id="3" name="2 Marcador de contenido"/>
+          <p:cNvSpPr>
+            <a:spLocks noGrp="1"/>
+          </p:cNvSpPr>
+          <p:nvPr>
+            <p:ph sz="quarter" idx="1"/>
+          </p:nvPr>
+        </p:nvSpPr>
+        <p:spPr/>
+        <p:txBody>
+          <a:bodyPr/>
+          <a:lstStyle/>
+          <a:p>
+            <a:endParaRPr lang="es-UY" dirty="0"/>
+          </a:p>
+        </p:txBody>
+      </p:sp>
+    </p:spTree>
+  </p:cSld>
+  <p:clrMapOvr>
+    <a:masterClrMapping/>
+  </p:clrMapOvr>
+</p:sld>
+</file>
+
+<file path=ppt/slides/slide15.xml><?xml version="1.0" encoding="utf-8"?>
 <p:sld xmlns:a="http://schemas.openxmlformats.org/drawingml/2006/main" xmlns:r="http://schemas.openxmlformats.org/officeDocument/2006/relationships" xmlns:p="http://schemas.openxmlformats.org/presentationml/2006/main">
   <p:cSld>
     <p:spTree>
@@ -5432,7 +6010,46 @@
           <a:bodyPr/>
           <a:lstStyle/>
           <a:p>
-            <a:endParaRPr lang="es-UY"/>
+            <a:endParaRPr lang="es-UY" sz="2200" dirty="0" smtClean="0"/>
+          </a:p>
+          <a:p>
+            <a:r>
+              <a:rPr lang="es-UY" sz="2200" dirty="0" smtClean="0"/>
+              <a:t>Gobierno electrónico</a:t>
+            </a:r>
+          </a:p>
+          <a:p>
+            <a:pPr>
+              <a:buNone/>
+            </a:pPr>
+            <a:endParaRPr lang="es-UY" dirty="0" smtClean="0"/>
+          </a:p>
+          <a:p>
+            <a:pPr>
+              <a:buNone/>
+            </a:pPr>
+            <a:endParaRPr lang="es-UY" dirty="0" smtClean="0"/>
+          </a:p>
+          <a:p>
+            <a:pPr>
+              <a:buNone/>
+            </a:pPr>
+            <a:r>
+              <a:rPr lang="es-UY" sz="2000" i="1" dirty="0" smtClean="0"/>
+              <a:t>	"El Gobierno Electrónico es el uso de las tecnologías de la información y comunicación (</a:t>
+            </a:r>
+            <a:r>
+              <a:rPr lang="es-UY" sz="2000" i="1" dirty="0" err="1" smtClean="0"/>
+              <a:t>TIC’s</a:t>
+            </a:r>
+            <a:r>
+              <a:rPr lang="es-UY" sz="2000" i="1" dirty="0" smtClean="0"/>
+              <a:t>), particularmente la Internet, como una herramienta para alcanzar un mejor gobierno“  </a:t>
+            </a:r>
+            <a:r>
+              <a:rPr lang="es-UY" sz="2000" dirty="0" smtClean="0"/>
+              <a:t>[OCDE, Organización para la Cooperación y el Desarrollo Económicos]</a:t>
+            </a:r>
           </a:p>
         </p:txBody>
       </p:sp>
@@ -5485,7 +6102,7 @@
           <a:p>
             <a:r>
               <a:rPr lang="es-UY" b="1" dirty="0" smtClean="0"/>
-              <a:t>Objetivos</a:t>
+              <a:t>Contexto</a:t>
             </a:r>
             <a:endParaRPr lang="es-UY" b="1" dirty="0"/>
           </a:p>
@@ -5506,21 +6123,118 @@
           <a:bodyPr/>
           <a:lstStyle/>
           <a:p>
-            <a:endParaRPr lang="es-UY"/>
-          </a:p>
-        </p:txBody>
-      </p:sp>
+            <a:pPr>
+              <a:buNone/>
+            </a:pPr>
+            <a:endParaRPr lang="es-UY" sz="2200" dirty="0" smtClean="0"/>
+          </a:p>
+          <a:p>
+            <a:r>
+              <a:rPr lang="es-UY" sz="2200" dirty="0" smtClean="0"/>
+              <a:t>Plataforma de Gobierno Electrónico Uruguayo (PGE)</a:t>
+            </a:r>
+          </a:p>
+          <a:p>
+            <a:pPr>
+              <a:buNone/>
+            </a:pPr>
+            <a:endParaRPr lang="es-UY" sz="2200" dirty="0" smtClean="0"/>
+          </a:p>
+          <a:p>
+            <a:pPr lvl="1"/>
+            <a:r>
+              <a:rPr lang="es-UY" sz="2000" dirty="0" smtClean="0"/>
+              <a:t>Facilitador</a:t>
+            </a:r>
+          </a:p>
+          <a:p>
+            <a:pPr lvl="1">
+              <a:buNone/>
+            </a:pPr>
+            <a:endParaRPr lang="es-UY" sz="2000" dirty="0" smtClean="0"/>
+          </a:p>
+          <a:p>
+            <a:pPr lvl="1"/>
+            <a:r>
+              <a:rPr lang="es-UY" sz="2000" dirty="0" smtClean="0"/>
+              <a:t>Proveedor de servicios</a:t>
+            </a:r>
+          </a:p>
+          <a:p>
+            <a:pPr lvl="1">
+              <a:buNone/>
+            </a:pPr>
+            <a:endParaRPr lang="es-UY" sz="2000" dirty="0" smtClean="0"/>
+          </a:p>
+          <a:p>
+            <a:pPr lvl="1"/>
+            <a:r>
+              <a:rPr lang="es-UY" sz="2000" dirty="0" smtClean="0"/>
+              <a:t>Interoperabilidad e intercambio de información </a:t>
+            </a:r>
+          </a:p>
+          <a:p>
+            <a:pPr lvl="1">
+              <a:buNone/>
+            </a:pPr>
+            <a:endParaRPr lang="es-UY" sz="2000" dirty="0" smtClean="0"/>
+          </a:p>
+          <a:p>
+            <a:pPr lvl="1"/>
+            <a:r>
+              <a:rPr lang="es-UY" sz="2000" dirty="0" smtClean="0"/>
+              <a:t>Contexto tecnológico y legal</a:t>
+            </a:r>
+          </a:p>
+        </p:txBody>
+      </p:sp>
+      <p:pic>
+        <p:nvPicPr>
+          <p:cNvPr id="4" name="3 Imagen" descr="agesic.jpg"/>
+          <p:cNvPicPr>
+            <a:picLocks noChangeAspect="1"/>
+          </p:cNvPicPr>
+          <p:nvPr/>
+        </p:nvPicPr>
+        <p:blipFill>
+          <a:blip r:embed="rId2"/>
+          <a:stretch>
+            <a:fillRect/>
+          </a:stretch>
+        </p:blipFill>
+        <p:spPr>
+          <a:xfrm>
+            <a:off x="5128338" y="5283188"/>
+            <a:ext cx="3000396" cy="1370181"/>
+          </a:xfrm>
+          <a:prstGeom prst="rect">
+            <a:avLst/>
+          </a:prstGeom>
+        </p:spPr>
+      </p:pic>
     </p:spTree>
   </p:cSld>
   <p:clrMapOvr>
     <a:masterClrMapping/>
   </p:clrMapOvr>
+  <p:timing>
+    <p:tnLst>
+      <p:par>
+        <p:cTn id="1" dur="indefinite" restart="never" nodeType="tmRoot"/>
+      </p:par>
+    </p:tnLst>
+  </p:timing>
 </p:sld>
 </file>
 
 <file path=ppt/slides/slide5.xml><?xml version="1.0" encoding="utf-8"?>
 <p:sld xmlns:a="http://schemas.openxmlformats.org/drawingml/2006/main" xmlns:r="http://schemas.openxmlformats.org/officeDocument/2006/relationships" xmlns:p="http://schemas.openxmlformats.org/presentationml/2006/main">
   <p:cSld>
+    <p:bg>
+      <p:bgRef idx="1001">
+        <a:schemeClr val="bg1"/>
+      </p:bgRef>
+    </p:bg>
     <p:spTree>
       <p:nvGrpSpPr>
         <p:cNvPr id="1" name=""/>
@@ -5552,7 +6266,7 @@
           <a:p>
             <a:r>
               <a:rPr lang="es-UY" b="1" dirty="0" smtClean="0"/>
-              <a:t>Estudio Inicial</a:t>
+              <a:t>Contexto</a:t>
             </a:r>
             <a:endParaRPr lang="es-UY" b="1" dirty="0"/>
           </a:p>
@@ -5570,18 +6284,118 @@
         </p:nvSpPr>
         <p:spPr/>
         <p:txBody>
-          <a:bodyPr/>
-          <a:lstStyle/>
-          <a:p>
-            <a:endParaRPr lang="es-UY"/>
+          <a:bodyPr>
+            <a:normAutofit/>
+          </a:bodyPr>
+          <a:lstStyle/>
+          <a:p>
+            <a:pPr>
+              <a:buNone/>
+            </a:pPr>
+            <a:endParaRPr lang="es-UY" sz="2200" dirty="0" smtClean="0"/>
+          </a:p>
+          <a:p>
+            <a:r>
+              <a:rPr lang="es-UY" sz="2200" dirty="0" smtClean="0"/>
+              <a:t>Servicios de información geográficos</a:t>
+            </a:r>
+          </a:p>
+          <a:p>
+            <a:pPr>
+              <a:buNone/>
+            </a:pPr>
+            <a:endParaRPr lang="es-UY" sz="2200" dirty="0" smtClean="0"/>
+          </a:p>
+          <a:p>
+            <a:pPr lvl="1"/>
+            <a:r>
+              <a:rPr lang="es-UY" sz="2000" dirty="0" smtClean="0"/>
+              <a:t>Información geográfica</a:t>
+            </a:r>
+          </a:p>
+          <a:p>
+            <a:pPr lvl="1">
+              <a:buNone/>
+            </a:pPr>
+            <a:endParaRPr lang="es-UY" sz="2000" dirty="0" smtClean="0"/>
+          </a:p>
+          <a:p>
+            <a:pPr lvl="1"/>
+            <a:r>
+              <a:rPr lang="es-UY" sz="2000" dirty="0" smtClean="0"/>
+              <a:t>Web </a:t>
+            </a:r>
+            <a:r>
+              <a:rPr lang="es-UY" sz="2000" dirty="0" err="1" smtClean="0"/>
+              <a:t>Map</a:t>
+            </a:r>
+            <a:r>
+              <a:rPr lang="es-UY" sz="2000" dirty="0" smtClean="0"/>
+              <a:t> </a:t>
+            </a:r>
+            <a:r>
+              <a:rPr lang="es-UY" sz="2000" dirty="0" err="1" smtClean="0"/>
+              <a:t>Service</a:t>
+            </a:r>
+            <a:r>
+              <a:rPr lang="es-UY" sz="2000" dirty="0" smtClean="0"/>
+              <a:t> (WMS)</a:t>
+            </a:r>
+          </a:p>
+          <a:p>
+            <a:pPr lvl="1">
+              <a:buNone/>
+            </a:pPr>
+            <a:r>
+              <a:rPr lang="es-UY" sz="2000" dirty="0" smtClean="0"/>
+              <a:t> </a:t>
+            </a:r>
+          </a:p>
+          <a:p>
+            <a:pPr lvl="1"/>
+            <a:r>
+              <a:rPr lang="es-UY" sz="2000" dirty="0" smtClean="0"/>
+              <a:t>Web </a:t>
+            </a:r>
+            <a:r>
+              <a:rPr lang="es-UY" sz="2000" dirty="0" err="1" smtClean="0"/>
+              <a:t>Feature</a:t>
+            </a:r>
+            <a:r>
+              <a:rPr lang="es-UY" sz="2000" dirty="0" smtClean="0"/>
+              <a:t> </a:t>
+            </a:r>
+            <a:r>
+              <a:rPr lang="es-UY" sz="2000" dirty="0" err="1" smtClean="0"/>
+              <a:t>Service</a:t>
+            </a:r>
+            <a:r>
+              <a:rPr lang="es-UY" sz="2000" dirty="0" smtClean="0"/>
+              <a:t> (WFS)</a:t>
+            </a:r>
+          </a:p>
+          <a:p>
+            <a:pPr lvl="1"/>
+            <a:endParaRPr lang="es-UY" sz="2000" dirty="0" smtClean="0"/>
+          </a:p>
+          <a:p>
+            <a:pPr lvl="1"/>
+            <a:endParaRPr lang="es-UY" sz="1900" dirty="0" smtClean="0"/>
           </a:p>
         </p:txBody>
       </p:sp>
     </p:spTree>
   </p:cSld>
   <p:clrMapOvr>
-    <a:masterClrMapping/>
+    <a:overrideClrMapping bg1="lt1" tx1="dk1" bg2="lt2" tx2="dk2" accent1="accent1" accent2="accent2" accent3="accent3" accent4="accent4" accent5="accent5" accent6="accent6" hlink="hlink" folHlink="folHlink"/>
   </p:clrMapOvr>
+  <p:timing>
+    <p:tnLst>
+      <p:par>
+        <p:cTn id="1" dur="indefinite" restart="never" nodeType="tmRoot"/>
+      </p:par>
+    </p:tnLst>
+  </p:timing>
 </p:sld>
 </file>
 
@@ -5619,7 +6433,7 @@
           <a:p>
             <a:r>
               <a:rPr lang="es-UY" b="1" dirty="0" smtClean="0"/>
-              <a:t>Análisis y Diseño</a:t>
+              <a:t>Objetivos</a:t>
             </a:r>
             <a:endParaRPr lang="es-UY" b="1" dirty="0"/>
           </a:p>
@@ -5640,7 +6454,59 @@
           <a:bodyPr/>
           <a:lstStyle/>
           <a:p>
-            <a:endParaRPr lang="es-UY"/>
+            <a:pPr>
+              <a:buNone/>
+            </a:pPr>
+            <a:endParaRPr lang="es-UY" sz="2200" dirty="0" smtClean="0"/>
+          </a:p>
+          <a:p>
+            <a:r>
+              <a:rPr lang="es-UY" sz="2200" dirty="0" smtClean="0"/>
+              <a:t>Implementar solución propuesta en la tesis de maestría de Raquel Sosa</a:t>
+            </a:r>
+          </a:p>
+          <a:p>
+            <a:pPr>
+              <a:buNone/>
+            </a:pPr>
+            <a:endParaRPr lang="es-UY" sz="2200" dirty="0" smtClean="0"/>
+          </a:p>
+          <a:p>
+            <a:pPr lvl="1"/>
+            <a:r>
+              <a:rPr lang="es-UY" sz="2000" dirty="0" smtClean="0"/>
+              <a:t>Evaluar factibilidad técnica</a:t>
+            </a:r>
+          </a:p>
+          <a:p>
+            <a:pPr lvl="1">
+              <a:buNone/>
+            </a:pPr>
+            <a:endParaRPr lang="es-UY" sz="2000" dirty="0" smtClean="0"/>
+          </a:p>
+          <a:p>
+            <a:pPr lvl="1"/>
+            <a:r>
+              <a:rPr lang="es-UY" sz="2000" dirty="0" smtClean="0"/>
+              <a:t>Diseño de arquitectura</a:t>
+            </a:r>
+          </a:p>
+          <a:p>
+            <a:pPr lvl="1">
+              <a:buNone/>
+            </a:pPr>
+            <a:endParaRPr lang="es-UY" sz="2000" dirty="0" smtClean="0"/>
+          </a:p>
+          <a:p>
+            <a:pPr lvl="1"/>
+            <a:r>
+              <a:rPr lang="es-UY" sz="2000" dirty="0" smtClean="0"/>
+              <a:t>Validar integración de servicios geográficos con la PGE</a:t>
+            </a:r>
+          </a:p>
+          <a:p>
+            <a:pPr lvl="1"/>
+            <a:endParaRPr lang="es-UY" dirty="0"/>
           </a:p>
         </p:txBody>
       </p:sp>
@@ -5649,6 +6515,13 @@
   <p:clrMapOvr>
     <a:masterClrMapping/>
   </p:clrMapOvr>
+  <p:timing>
+    <p:tnLst>
+      <p:par>
+        <p:cTn id="1" dur="indefinite" restart="never" nodeType="tmRoot"/>
+      </p:par>
+    </p:tnLst>
+  </p:timing>
 </p:sld>
 </file>
 
@@ -5686,7 +6559,7 @@
           <a:p>
             <a:r>
               <a:rPr lang="es-UY" b="1" dirty="0" smtClean="0"/>
-              <a:t>Tecnologías</a:t>
+              <a:t>Estudio Inicial</a:t>
             </a:r>
             <a:endParaRPr lang="es-UY" b="1" dirty="0"/>
           </a:p>
@@ -5704,10 +6577,92 @@
         </p:nvSpPr>
         <p:spPr/>
         <p:txBody>
-          <a:bodyPr/>
-          <a:lstStyle/>
-          <a:p>
-            <a:endParaRPr lang="es-UY"/>
+          <a:bodyPr>
+            <a:noAutofit/>
+          </a:bodyPr>
+          <a:lstStyle/>
+          <a:p>
+            <a:r>
+              <a:rPr lang="es-UY" sz="2200" dirty="0" smtClean="0"/>
+              <a:t>Tesis de Maestría</a:t>
+            </a:r>
+          </a:p>
+          <a:p>
+            <a:pPr>
+              <a:buNone/>
+            </a:pPr>
+            <a:endParaRPr lang="es-UY" sz="2200" dirty="0" smtClean="0"/>
+          </a:p>
+          <a:p>
+            <a:r>
+              <a:rPr lang="es-UY" sz="2200" dirty="0" smtClean="0"/>
+              <a:t>Estándares</a:t>
+            </a:r>
+          </a:p>
+          <a:p>
+            <a:pPr lvl="1"/>
+            <a:r>
+              <a:rPr lang="es-UY" sz="2000" dirty="0" smtClean="0"/>
+              <a:t>WMS</a:t>
+            </a:r>
+          </a:p>
+          <a:p>
+            <a:pPr lvl="1"/>
+            <a:r>
+              <a:rPr lang="es-UY" sz="2000" dirty="0" smtClean="0"/>
+              <a:t>WFS</a:t>
+            </a:r>
+          </a:p>
+          <a:p>
+            <a:pPr lvl="1"/>
+            <a:r>
+              <a:rPr lang="es-UY" sz="2000" dirty="0" smtClean="0"/>
+              <a:t>WS-Security</a:t>
+            </a:r>
+          </a:p>
+          <a:p>
+            <a:pPr lvl="1"/>
+            <a:r>
+              <a:rPr lang="es-UY" sz="2000" dirty="0" smtClean="0"/>
+              <a:t>WS-</a:t>
+            </a:r>
+            <a:r>
+              <a:rPr lang="es-UY" sz="2000" dirty="0" err="1" smtClean="0"/>
+              <a:t>Addressing</a:t>
+            </a:r>
+            <a:endParaRPr lang="es-UY" sz="2000" dirty="0" smtClean="0"/>
+          </a:p>
+          <a:p>
+            <a:pPr lvl="1"/>
+            <a:r>
+              <a:rPr lang="es-UY" sz="2000" dirty="0" smtClean="0"/>
+              <a:t>WS-Trust</a:t>
+            </a:r>
+          </a:p>
+          <a:p>
+            <a:pPr lvl="1"/>
+            <a:r>
+              <a:rPr lang="es-UY" sz="2000" dirty="0" smtClean="0"/>
+              <a:t>SOAP</a:t>
+            </a:r>
+          </a:p>
+          <a:p>
+            <a:pPr lvl="1"/>
+            <a:r>
+              <a:rPr lang="es-UY" sz="2000" dirty="0" smtClean="0"/>
+              <a:t>REST</a:t>
+            </a:r>
+          </a:p>
+          <a:p>
+            <a:pPr lvl="1"/>
+            <a:endParaRPr lang="es-UY" sz="2200" dirty="0" smtClean="0"/>
+          </a:p>
+          <a:p>
+            <a:r>
+              <a:rPr lang="es-UY" sz="2200" dirty="0" smtClean="0"/>
+              <a:t>PGE</a:t>
+            </a:r>
+            <a:endParaRPr lang="es-UY" sz="2200" dirty="0"/>
           </a:p>
         </p:txBody>
       </p:sp>
@@ -5716,6 +6671,13 @@
   <p:clrMapOvr>
     <a:masterClrMapping/>
   </p:clrMapOvr>
+  <p:timing>
+    <p:tnLst>
+      <p:par>
+        <p:cTn id="1" dur="indefinite" restart="never" nodeType="tmRoot"/>
+      </p:par>
+    </p:tnLst>
+  </p:timing>
 </p:sld>
 </file>
 
@@ -5753,7 +6715,7 @@
           <a:p>
             <a:r>
               <a:rPr lang="es-UY" b="1" dirty="0" smtClean="0"/>
-              <a:t>Estado Actual</a:t>
+              <a:t>Análisis y Diseño</a:t>
             </a:r>
             <a:endParaRPr lang="es-UY" b="1" dirty="0"/>
           </a:p>
@@ -5774,7 +6736,92 @@
           <a:bodyPr/>
           <a:lstStyle/>
           <a:p>
-            <a:endParaRPr lang="es-UY"/>
+            <a:r>
+              <a:rPr lang="es-UY" sz="2200" dirty="0" smtClean="0"/>
+              <a:t>Casos de </a:t>
+            </a:r>
+            <a:r>
+              <a:rPr lang="es-UY" sz="2200" dirty="0" smtClean="0"/>
+              <a:t>uso: escenarios</a:t>
+            </a:r>
+          </a:p>
+          <a:p>
+            <a:pPr>
+              <a:buNone/>
+            </a:pPr>
+            <a:endParaRPr lang="es-UY" sz="2200" dirty="0" smtClean="0"/>
+          </a:p>
+          <a:p>
+            <a:pPr lvl="1"/>
+            <a:r>
+              <a:rPr lang="es-UY" sz="2000" dirty="0" smtClean="0"/>
+              <a:t>Público general consultado información geográfica</a:t>
+            </a:r>
+          </a:p>
+          <a:p>
+            <a:pPr lvl="1">
+              <a:buNone/>
+            </a:pPr>
+            <a:endParaRPr lang="es-UY" sz="2000" dirty="0" smtClean="0"/>
+          </a:p>
+          <a:p>
+            <a:pPr lvl="1"/>
+            <a:r>
+              <a:rPr lang="es-UY" sz="2000" dirty="0" smtClean="0"/>
+              <a:t>P</a:t>
+            </a:r>
+            <a:r>
+              <a:rPr lang="es-UY" sz="2000" dirty="0" smtClean="0"/>
+              <a:t>ú</a:t>
+            </a:r>
+            <a:r>
+              <a:rPr lang="es-UY" sz="2000" dirty="0" smtClean="0"/>
+              <a:t>blico especializado consultando información geográfica</a:t>
+            </a:r>
+          </a:p>
+          <a:p>
+            <a:pPr lvl="1">
+              <a:buNone/>
+            </a:pPr>
+            <a:endParaRPr lang="es-UY" sz="2000" dirty="0" smtClean="0"/>
+          </a:p>
+          <a:p>
+            <a:pPr lvl="1"/>
+            <a:r>
+              <a:rPr lang="es-UY" sz="2000" dirty="0" smtClean="0"/>
+              <a:t>Instituciones colaborando en la generación de información geográfica</a:t>
+            </a:r>
+          </a:p>
+          <a:p>
+            <a:pPr lvl="1">
+              <a:buNone/>
+            </a:pPr>
+            <a:endParaRPr lang="es-UY" sz="2000" dirty="0" smtClean="0"/>
+          </a:p>
+          <a:p>
+            <a:pPr lvl="1"/>
+            <a:r>
+              <a:rPr lang="es-UY" sz="2000" dirty="0" smtClean="0"/>
+              <a:t>Instituciones colaborando en trámites</a:t>
+            </a:r>
+          </a:p>
+          <a:p>
+            <a:pPr lvl="1">
+              <a:buNone/>
+            </a:pPr>
+            <a:endParaRPr lang="es-UY" sz="2000" dirty="0" smtClean="0"/>
+          </a:p>
+          <a:p>
+            <a:pPr lvl="1"/>
+            <a:r>
+              <a:rPr lang="es-UY" sz="2000" dirty="0" smtClean="0"/>
+              <a:t>Público </a:t>
+            </a:r>
+            <a:r>
+              <a:rPr lang="es-UY" sz="2000" dirty="0" smtClean="0"/>
+              <a:t>generando información geográfica</a:t>
+            </a:r>
+            <a:endParaRPr lang="es-UY" sz="2000" dirty="0"/>
           </a:p>
         </p:txBody>
       </p:sp>
@@ -5783,6 +6830,13 @@
   <p:clrMapOvr>
     <a:masterClrMapping/>
   </p:clrMapOvr>
+  <p:timing>
+    <p:tnLst>
+      <p:par>
+        <p:cTn id="1" dur="indefinite" restart="never" nodeType="tmRoot"/>
+      </p:par>
+    </p:tnLst>
+  </p:timing>
 </p:sld>
 </file>
 
@@ -5820,7 +6874,7 @@
           <a:p>
             <a:r>
               <a:rPr lang="es-UY" b="1" dirty="0" smtClean="0"/>
-              <a:t>Planificación al cierre</a:t>
+              <a:t>Análisis y Diseño</a:t>
             </a:r>
             <a:endParaRPr lang="es-UY" b="1" dirty="0"/>
           </a:p>
@@ -5841,7 +6895,10 @@
           <a:bodyPr/>
           <a:lstStyle/>
           <a:p>
-            <a:endParaRPr lang="es-UY" dirty="0"/>
+            <a:pPr>
+              <a:buNone/>
+            </a:pPr>
+            <a:endParaRPr lang="es-UY" sz="2000" dirty="0"/>
           </a:p>
         </p:txBody>
       </p:sp>
@@ -5850,6 +6907,13 @@
   <p:clrMapOvr>
     <a:masterClrMapping/>
   </p:clrMapOvr>
+  <p:timing>
+    <p:tnLst>
+      <p:par>
+        <p:cTn id="1" dur="indefinite" restart="never" nodeType="tmRoot"/>
+      </p:par>
+    </p:tnLst>
+  </p:timing>
 </p:sld>
 </file>
 
@@ -6144,4 +7208,47 @@
   <a:objectDefaults/>
   <a:extraClrSchemeLst/>
 </a:theme>
+</file>
+
+<file path=ppt/theme/themeOverride1.xml><?xml version="1.0" encoding="utf-8"?>
+<a:themeOverride xmlns:a="http://schemas.openxmlformats.org/drawingml/2006/main">
+  <a:clrScheme name="Intermedio">
+    <a:dk1>
+      <a:sysClr val="windowText" lastClr="000000"/>
+    </a:dk1>
+    <a:lt1>
+      <a:sysClr val="window" lastClr="FFFFFF"/>
+    </a:lt1>
+    <a:dk2>
+      <a:srgbClr val="775F55"/>
+    </a:dk2>
+    <a:lt2>
+      <a:srgbClr val="EBDDC3"/>
+    </a:lt2>
+    <a:accent1>
+      <a:srgbClr val="94B6D2"/>
+    </a:accent1>
+    <a:accent2>
+      <a:srgbClr val="DD8047"/>
+    </a:accent2>
+    <a:accent3>
+      <a:srgbClr val="A5AB81"/>
+    </a:accent3>
+    <a:accent4>
+      <a:srgbClr val="D8B25C"/>
+    </a:accent4>
+    <a:accent5>
+      <a:srgbClr val="7BA79D"/>
+    </a:accent5>
+    <a:accent6>
+      <a:srgbClr val="968C8C"/>
+    </a:accent6>
+    <a:hlink>
+      <a:srgbClr val="F7B615"/>
+    </a:hlink>
+    <a:folHlink>
+      <a:srgbClr val="704404"/>
+    </a:folHlink>
+  </a:clrScheme>
+</a:themeOverride>
 </file>
--- a/Presentacion.pptx
+++ b/Presentacion.pptx
@@ -5503,28 +5503,6 @@
           <a:bodyPr/>
           <a:lstStyle/>
           <a:p>
-            <a:r>
-              <a:rPr lang="es-UY" sz="2200" dirty="0" smtClean="0"/>
-              <a:t>Servidores geográficos</a:t>
-            </a:r>
-          </a:p>
-          <a:p>
-            <a:pPr lvl="1"/>
-            <a:r>
-              <a:rPr lang="es-UY" sz="2000" dirty="0" err="1" smtClean="0"/>
-              <a:t>Geoserver</a:t>
-            </a:r>
-            <a:endParaRPr lang="es-UY" sz="2000" dirty="0" smtClean="0"/>
-          </a:p>
-          <a:p>
-            <a:pPr lvl="1"/>
-            <a:r>
-              <a:rPr lang="es-UY" sz="2000" dirty="0" err="1" smtClean="0"/>
-              <a:t>Mapserver</a:t>
-            </a:r>
-            <a:endParaRPr lang="es-UY" sz="2000" dirty="0" smtClean="0"/>
-          </a:p>
-          <a:p>
             <a:pPr>
               <a:buNone/>
             </a:pPr>
@@ -5532,21 +5510,29 @@
           </a:p>
           <a:p>
             <a:r>
-              <a:rPr lang="es-UY" sz="2200" dirty="0" err="1" smtClean="0"/>
-              <a:t>Jboss</a:t>
-            </a:r>
-            <a:r>
               <a:rPr lang="es-UY" sz="2200" dirty="0" smtClean="0"/>
-              <a:t> </a:t>
-            </a:r>
-            <a:r>
-              <a:rPr lang="es-UY" sz="2200" dirty="0" err="1" smtClean="0"/>
-              <a:t>esb</a:t>
+              <a:t>Servidores </a:t>
             </a:r>
             <a:r>
               <a:rPr lang="es-UY" sz="2200" dirty="0" smtClean="0"/>
-              <a:t> 4.9</a:t>
-            </a:r>
+              <a:t>geográficos</a:t>
+            </a:r>
+          </a:p>
+          <a:p>
+            <a:pPr lvl="1"/>
+            <a:r>
+              <a:rPr lang="es-UY" sz="2000" dirty="0" err="1" smtClean="0"/>
+              <a:t>Geoserver</a:t>
+            </a:r>
+            <a:endParaRPr lang="es-UY" sz="2000" dirty="0" smtClean="0"/>
+          </a:p>
+          <a:p>
+            <a:pPr lvl="1"/>
+            <a:r>
+              <a:rPr lang="es-UY" sz="2000" dirty="0" err="1" smtClean="0"/>
+              <a:t>Mapserver</a:t>
+            </a:r>
+            <a:endParaRPr lang="es-UY" sz="2000" dirty="0" smtClean="0"/>
           </a:p>
           <a:p>
             <a:pPr>
@@ -5556,16 +5542,20 @@
           </a:p>
           <a:p>
             <a:r>
+              <a:rPr lang="es-UY" sz="2200" dirty="0" err="1" smtClean="0"/>
+              <a:t>Jboss</a:t>
+            </a:r>
+            <a:r>
               <a:rPr lang="es-UY" sz="2200" dirty="0" smtClean="0"/>
-              <a:t>Plataforma de </a:t>
+              <a:t> </a:t>
             </a:r>
             <a:r>
               <a:rPr lang="es-UY" sz="2200" dirty="0" err="1" smtClean="0"/>
-              <a:t>eGob</a:t>
+              <a:t>esb</a:t>
             </a:r>
             <a:r>
               <a:rPr lang="es-UY" sz="2200" dirty="0" smtClean="0"/>
-              <a:t> de Uruguay</a:t>
+              <a:t> 4.9</a:t>
             </a:r>
           </a:p>
           <a:p>
@@ -5576,11 +5566,31 @@
           </a:p>
           <a:p>
             <a:r>
+              <a:rPr lang="es-UY" sz="2200" dirty="0" smtClean="0"/>
+              <a:t>Plataforma de </a:t>
+            </a:r>
+            <a:r>
+              <a:rPr lang="es-UY" sz="2200" dirty="0" err="1" smtClean="0"/>
+              <a:t>eGob</a:t>
+            </a:r>
+            <a:r>
+              <a:rPr lang="es-UY" sz="2200" dirty="0" smtClean="0"/>
+              <a:t> de Uruguay</a:t>
+            </a:r>
+          </a:p>
+          <a:p>
+            <a:pPr>
+              <a:buNone/>
+            </a:pPr>
+            <a:endParaRPr lang="es-UY" sz="2200" dirty="0" smtClean="0"/>
+          </a:p>
+          <a:p>
+            <a:r>
               <a:rPr lang="es-UY" sz="2200" dirty="0" err="1" smtClean="0"/>
               <a:t>Postgres</a:t>
             </a:r>
             <a:r>
-              <a:rPr lang="es-UY" sz="2200" smtClean="0"/>
+              <a:rPr lang="es-UY" sz="2200" dirty="0" smtClean="0"/>
               <a:t> / </a:t>
             </a:r>
             <a:r>
@@ -5670,10 +5680,101 @@
         </p:nvSpPr>
         <p:spPr/>
         <p:txBody>
-          <a:bodyPr/>
-          <a:lstStyle/>
-          <a:p>
-            <a:endParaRPr lang="es-UY"/>
+          <a:bodyPr>
+            <a:normAutofit/>
+          </a:bodyPr>
+          <a:lstStyle/>
+          <a:p>
+            <a:pPr>
+              <a:buNone/>
+            </a:pPr>
+            <a:endParaRPr lang="es-UY" sz="2200" dirty="0" smtClean="0"/>
+          </a:p>
+          <a:p>
+            <a:r>
+              <a:rPr lang="es-UY" sz="2200" dirty="0" smtClean="0"/>
+              <a:t>Implementación</a:t>
+            </a:r>
+          </a:p>
+          <a:p>
+            <a:pPr lvl="1"/>
+            <a:r>
+              <a:rPr lang="es-UY" sz="2000" dirty="0" smtClean="0"/>
+              <a:t>Flujo Organismo cliente – PGE – Organismo proveedor</a:t>
+            </a:r>
+          </a:p>
+          <a:p>
+            <a:pPr lvl="1"/>
+            <a:r>
+              <a:rPr lang="es-UY" sz="2000" dirty="0" smtClean="0"/>
+              <a:t>Flujo </a:t>
+            </a:r>
+            <a:r>
+              <a:rPr lang="es-UY" sz="2000" dirty="0" smtClean="0"/>
+              <a:t>Público general </a:t>
+            </a:r>
+            <a:r>
+              <a:rPr lang="es-UY" sz="2000" dirty="0" smtClean="0"/>
+              <a:t>– PGE – Organismo </a:t>
+            </a:r>
+            <a:r>
+              <a:rPr lang="es-UY" sz="2000" dirty="0" smtClean="0"/>
+              <a:t>proveedor</a:t>
+            </a:r>
+          </a:p>
+          <a:p>
+            <a:pPr lvl="1"/>
+            <a:r>
+              <a:rPr lang="es-UY" sz="2000" dirty="0" err="1" smtClean="0"/>
+              <a:t>getMap</a:t>
+            </a:r>
+            <a:r>
+              <a:rPr lang="es-UY" sz="2000" dirty="0" smtClean="0"/>
+              <a:t> y </a:t>
+            </a:r>
+            <a:r>
+              <a:rPr lang="es-UY" sz="2000" dirty="0" err="1" smtClean="0"/>
+              <a:t>getFeatureInfo</a:t>
+            </a:r>
+            <a:r>
+              <a:rPr lang="es-UY" sz="2000" dirty="0" smtClean="0"/>
+              <a:t> </a:t>
+            </a:r>
+          </a:p>
+          <a:p>
+            <a:pPr lvl="1">
+              <a:buNone/>
+            </a:pPr>
+            <a:endParaRPr lang="es-UY" sz="2200" dirty="0" smtClean="0"/>
+          </a:p>
+          <a:p>
+            <a:r>
+              <a:rPr lang="es-UY" sz="2200" dirty="0" smtClean="0"/>
+              <a:t>Documentación</a:t>
+            </a:r>
+          </a:p>
+          <a:p>
+            <a:pPr lvl="1"/>
+            <a:r>
+              <a:rPr lang="es-UY" sz="2000" dirty="0" smtClean="0"/>
+              <a:t>Casos de uso</a:t>
+            </a:r>
+          </a:p>
+          <a:p>
+            <a:pPr lvl="1"/>
+            <a:r>
+              <a:rPr lang="es-UY" sz="2000" dirty="0" smtClean="0"/>
+              <a:t>Arquitectura</a:t>
+            </a:r>
+            <a:endParaRPr lang="es-UY" sz="2000" dirty="0" smtClean="0"/>
+          </a:p>
+          <a:p>
+            <a:pPr lvl="1"/>
+            <a:endParaRPr lang="es-UY" sz="2000" dirty="0" smtClean="0"/>
+          </a:p>
+          <a:p>
+            <a:pPr lvl="1"/>
+            <a:endParaRPr lang="es-UY" sz="2200" dirty="0"/>
           </a:p>
         </p:txBody>
       </p:sp>
@@ -5682,6 +5783,13 @@
   <p:clrMapOvr>
     <a:masterClrMapping/>
   </p:clrMapOvr>
+  <p:timing>
+    <p:tnLst>
+      <p:par>
+        <p:cTn id="1" dur="indefinite" restart="never" nodeType="tmRoot"/>
+      </p:par>
+    </p:tnLst>
+  </p:timing>
 </p:sld>
 </file>
 
@@ -5737,10 +5845,70 @@
         </p:nvSpPr>
         <p:spPr/>
         <p:txBody>
-          <a:bodyPr/>
-          <a:lstStyle/>
-          <a:p>
-            <a:endParaRPr lang="es-UY" dirty="0"/>
+          <a:bodyPr>
+            <a:normAutofit/>
+          </a:bodyPr>
+          <a:lstStyle/>
+          <a:p>
+            <a:pPr>
+              <a:buNone/>
+            </a:pPr>
+            <a:endParaRPr lang="es-UY" sz="2200" smtClean="0"/>
+          </a:p>
+          <a:p>
+            <a:r>
+              <a:rPr lang="es-UY" sz="2200" dirty="0" smtClean="0"/>
+              <a:t>Integración con STS</a:t>
+            </a:r>
+          </a:p>
+          <a:p>
+            <a:pPr>
+              <a:buNone/>
+            </a:pPr>
+            <a:endParaRPr lang="es-UY" sz="2200" dirty="0" smtClean="0"/>
+          </a:p>
+          <a:p>
+            <a:r>
+              <a:rPr lang="es-UY" sz="2200" dirty="0" smtClean="0"/>
+              <a:t>Manejo de excepciones</a:t>
+            </a:r>
+          </a:p>
+          <a:p>
+            <a:pPr>
+              <a:buNone/>
+            </a:pPr>
+            <a:endParaRPr lang="es-UY" sz="2200" dirty="0" smtClean="0"/>
+          </a:p>
+          <a:p>
+            <a:r>
+              <a:rPr lang="es-UY" sz="2200" dirty="0" smtClean="0"/>
+              <a:t>Completar prueba de estándares WMS y WFS</a:t>
+            </a:r>
+          </a:p>
+          <a:p>
+            <a:pPr>
+              <a:buNone/>
+            </a:pPr>
+            <a:endParaRPr lang="es-UY" sz="2200" dirty="0" smtClean="0"/>
+          </a:p>
+          <a:p>
+            <a:r>
+              <a:rPr lang="es-UY" sz="2200" dirty="0" smtClean="0"/>
+              <a:t>Generar caso de estudio</a:t>
+            </a:r>
+          </a:p>
+          <a:p>
+            <a:pPr>
+              <a:buNone/>
+            </a:pPr>
+            <a:endParaRPr lang="es-UY" sz="2200" dirty="0" smtClean="0"/>
+          </a:p>
+          <a:p>
+            <a:r>
+              <a:rPr lang="es-UY" sz="2200" dirty="0" smtClean="0"/>
+              <a:t>Documento principal</a:t>
+            </a:r>
+            <a:endParaRPr lang="es-UY" sz="2200" dirty="0"/>
           </a:p>
         </p:txBody>
       </p:sp>
@@ -6584,7 +6752,11 @@
           <a:p>
             <a:r>
               <a:rPr lang="es-UY" sz="2200" dirty="0" smtClean="0"/>
-              <a:t>Tesis de Maestría</a:t>
+              <a:t>Tesis </a:t>
+            </a:r>
+            <a:r>
+              <a:rPr lang="es-UY" sz="2200" dirty="0" smtClean="0"/>
+              <a:t>de Maestría</a:t>
             </a:r>
           </a:p>
           <a:p>
@@ -6738,11 +6910,7 @@
           <a:p>
             <a:r>
               <a:rPr lang="es-UY" sz="2200" dirty="0" smtClean="0"/>
-              <a:t>Casos de </a:t>
-            </a:r>
-            <a:r>
-              <a:rPr lang="es-UY" sz="2200" dirty="0" smtClean="0"/>
-              <a:t>uso: escenarios</a:t>
+              <a:t>Casos de uso: escenarios</a:t>
             </a:r>
           </a:p>
           <a:p>
@@ -6768,15 +6936,7 @@
             <a:pPr lvl="1"/>
             <a:r>
               <a:rPr lang="es-UY" sz="2000" dirty="0" smtClean="0"/>
-              <a:t>P</a:t>
-            </a:r>
-            <a:r>
-              <a:rPr lang="es-UY" sz="2000" dirty="0" smtClean="0"/>
-              <a:t>ú</a:t>
-            </a:r>
-            <a:r>
-              <a:rPr lang="es-UY" sz="2000" dirty="0" smtClean="0"/>
-              <a:t>blico especializado consultando información geográfica</a:t>
+              <a:t>Público especializado consultando información geográfica</a:t>
             </a:r>
           </a:p>
           <a:p>
@@ -6815,11 +6975,7 @@
             <a:pPr lvl="1"/>
             <a:r>
               <a:rPr lang="es-UY" sz="2000" dirty="0" smtClean="0"/>
-              <a:t>Público </a:t>
-            </a:r>
-            <a:r>
-              <a:rPr lang="es-UY" sz="2000" dirty="0" smtClean="0"/>
-              <a:t>generando información geográfica</a:t>
+              <a:t>Público generando información geográfica</a:t>
             </a:r>
             <a:endParaRPr lang="es-UY" sz="2000" dirty="0"/>
           </a:p>
@@ -6880,28 +7036,29 @@
           </a:p>
         </p:txBody>
       </p:sp>
-      <p:sp>
-        <p:nvSpPr>
-          <p:cNvPr id="3" name="2 Marcador de contenido"/>
-          <p:cNvSpPr>
-            <a:spLocks noGrp="1"/>
-          </p:cNvSpPr>
+      <p:pic>
+        <p:nvPicPr>
+          <p:cNvPr id="4" name="3 Marcador de contenido" descr="CasosDeUso_diagrama.png"/>
+          <p:cNvPicPr>
+            <a:picLocks noGrp="1" noChangeAspect="1"/>
+          </p:cNvPicPr>
           <p:nvPr>
             <p:ph sz="quarter" idx="1"/>
           </p:nvPr>
-        </p:nvSpPr>
-        <p:spPr/>
-        <p:txBody>
-          <a:bodyPr/>
-          <a:lstStyle/>
-          <a:p>
-            <a:pPr>
-              <a:buNone/>
-            </a:pPr>
-            <a:endParaRPr lang="es-UY" sz="2000" dirty="0"/>
-          </a:p>
-        </p:txBody>
-      </p:sp>
+        </p:nvPicPr>
+        <p:blipFill>
+          <a:blip r:embed="rId2"/>
+          <a:stretch>
+            <a:fillRect/>
+          </a:stretch>
+        </p:blipFill>
+        <p:spPr>
+          <a:xfrm>
+            <a:off x="316266" y="1688548"/>
+            <a:ext cx="7739834" cy="4383658"/>
+          </a:xfrm>
+        </p:spPr>
+      </p:pic>
     </p:spTree>
   </p:cSld>
   <p:clrMapOvr>

--- a/Presentacion.pptx
+++ b/Presentacion.pptx
@@ -259,7 +259,7 @@
             <a:fld id="{7A847CFC-816F-41D0-AAC0-9BF4FEBC753E}" type="datetimeFigureOut">
               <a:rPr lang="es-ES" smtClean="0"/>
               <a:pPr/>
-              <a:t>04/10/2014</a:t>
+              <a:t>05/10/2014</a:t>
             </a:fld>
             <a:endParaRPr lang="es-ES"/>
           </a:p>
@@ -1130,7 +1130,7 @@
             <a:fld id="{7A847CFC-816F-41D0-AAC0-9BF4FEBC753E}" type="datetimeFigureOut">
               <a:rPr lang="es-ES" smtClean="0"/>
               <a:pPr/>
-              <a:t>04/10/2014</a:t>
+              <a:t>05/10/2014</a:t>
             </a:fld>
             <a:endParaRPr lang="es-ES"/>
           </a:p>
@@ -1307,7 +1307,7 @@
             <a:fld id="{7A847CFC-816F-41D0-AAC0-9BF4FEBC753E}" type="datetimeFigureOut">
               <a:rPr lang="es-ES" smtClean="0"/>
               <a:pPr/>
-              <a:t>04/10/2014</a:t>
+              <a:t>05/10/2014</a:t>
             </a:fld>
             <a:endParaRPr lang="es-ES"/>
           </a:p>
@@ -1479,7 +1479,7 @@
             <a:fld id="{7A847CFC-816F-41D0-AAC0-9BF4FEBC753E}" type="datetimeFigureOut">
               <a:rPr lang="es-ES" smtClean="0"/>
               <a:pPr/>
-              <a:t>04/10/2014</a:t>
+              <a:t>05/10/2014</a:t>
             </a:fld>
             <a:endParaRPr lang="es-ES"/>
           </a:p>
@@ -1691,7 +1691,7 @@
             <a:fld id="{7A847CFC-816F-41D0-AAC0-9BF4FEBC753E}" type="datetimeFigureOut">
               <a:rPr lang="es-ES" smtClean="0"/>
               <a:pPr/>
-              <a:t>04/10/2014</a:t>
+              <a:t>05/10/2014</a:t>
             </a:fld>
             <a:endParaRPr lang="es-ES"/>
           </a:p>
@@ -2507,7 +2507,7 @@
             <a:fld id="{7A847CFC-816F-41D0-AAC0-9BF4FEBC753E}" type="datetimeFigureOut">
               <a:rPr lang="es-ES" smtClean="0"/>
               <a:pPr/>
-              <a:t>04/10/2014</a:t>
+              <a:t>05/10/2014</a:t>
             </a:fld>
             <a:endParaRPr lang="es-ES"/>
           </a:p>
@@ -2745,7 +2745,7 @@
             <a:fld id="{7A847CFC-816F-41D0-AAC0-9BF4FEBC753E}" type="datetimeFigureOut">
               <a:rPr lang="es-ES" smtClean="0"/>
               <a:pPr/>
-              <a:t>04/10/2014</a:t>
+              <a:t>05/10/2014</a:t>
             </a:fld>
             <a:endParaRPr lang="es-ES"/>
           </a:p>
@@ -3070,7 +3070,7 @@
             <a:fld id="{7A847CFC-816F-41D0-AAC0-9BF4FEBC753E}" type="datetimeFigureOut">
               <a:rPr lang="es-ES" smtClean="0"/>
               <a:pPr/>
-              <a:t>04/10/2014</a:t>
+              <a:t>05/10/2014</a:t>
             </a:fld>
             <a:endParaRPr lang="es-ES"/>
           </a:p>
@@ -3162,7 +3162,7 @@
             <a:fld id="{7A847CFC-816F-41D0-AAC0-9BF4FEBC753E}" type="datetimeFigureOut">
               <a:rPr lang="es-ES" smtClean="0"/>
               <a:pPr/>
-              <a:t>04/10/2014</a:t>
+              <a:t>05/10/2014</a:t>
             </a:fld>
             <a:endParaRPr lang="es-ES"/>
           </a:p>
@@ -3681,7 +3681,7 @@
             <a:fld id="{7A847CFC-816F-41D0-AAC0-9BF4FEBC753E}" type="datetimeFigureOut">
               <a:rPr lang="es-ES" smtClean="0"/>
               <a:pPr/>
-              <a:t>04/10/2014</a:t>
+              <a:t>05/10/2014</a:t>
             </a:fld>
             <a:endParaRPr lang="es-ES"/>
           </a:p>
@@ -4194,7 +4194,7 @@
             <a:fld id="{7A847CFC-816F-41D0-AAC0-9BF4FEBC753E}" type="datetimeFigureOut">
               <a:rPr lang="es-ES" smtClean="0"/>
               <a:pPr/>
-              <a:t>04/10/2014</a:t>
+              <a:t>05/10/2014</a:t>
             </a:fld>
             <a:endParaRPr lang="es-ES"/>
           </a:p>
@@ -4441,7 +4441,7 @@
             <a:fld id="{7A847CFC-816F-41D0-AAC0-9BF4FEBC753E}" type="datetimeFigureOut">
               <a:rPr lang="es-ES" smtClean="0"/>
               <a:pPr/>
-              <a:t>04/10/2014</a:t>
+              <a:t>05/10/2014</a:t>
             </a:fld>
             <a:endParaRPr lang="es-ES"/>
           </a:p>
@@ -5511,11 +5511,7 @@
           <a:p>
             <a:r>
               <a:rPr lang="es-UY" sz="2200" dirty="0" smtClean="0"/>
-              <a:t>Servidores </a:t>
-            </a:r>
-            <a:r>
-              <a:rPr lang="es-UY" sz="2200" dirty="0" smtClean="0"/>
-              <a:t>geográficos</a:t>
+              <a:t>Servidores geográficos</a:t>
             </a:r>
           </a:p>
           <a:p>
@@ -5707,19 +5703,7 @@
             <a:pPr lvl="1"/>
             <a:r>
               <a:rPr lang="es-UY" sz="2000" dirty="0" smtClean="0"/>
-              <a:t>Flujo </a:t>
-            </a:r>
-            <a:r>
-              <a:rPr lang="es-UY" sz="2000" dirty="0" smtClean="0"/>
-              <a:t>Público general </a:t>
-            </a:r>
-            <a:r>
-              <a:rPr lang="es-UY" sz="2000" dirty="0" smtClean="0"/>
-              <a:t>– PGE – Organismo </a:t>
-            </a:r>
-            <a:r>
-              <a:rPr lang="es-UY" sz="2000" dirty="0" smtClean="0"/>
-              <a:t>proveedor</a:t>
+              <a:t>Flujo Público general – PGE – Organismo proveedor</a:t>
             </a:r>
           </a:p>
           <a:p>
@@ -5766,7 +5750,6 @@
               <a:rPr lang="es-UY" sz="2000" dirty="0" smtClean="0"/>
               <a:t>Arquitectura</a:t>
             </a:r>
-            <a:endParaRPr lang="es-UY" sz="2000" dirty="0" smtClean="0"/>
           </a:p>
           <a:p>
             <a:pPr lvl="1"/>
@@ -6752,11 +6735,7 @@
           <a:p>
             <a:r>
               <a:rPr lang="es-UY" sz="2200" dirty="0" smtClean="0"/>
-              <a:t>Tesis </a:t>
-            </a:r>
-            <a:r>
-              <a:rPr lang="es-UY" sz="2200" dirty="0" smtClean="0"/>
-              <a:t>de Maestría</a:t>
+              <a:t>Tesis de Maestría</a:t>
             </a:r>
           </a:p>
           <a:p>
@@ -7036,27 +7015,56 @@
           </a:p>
         </p:txBody>
       </p:sp>
+      <p:sp>
+        <p:nvSpPr>
+          <p:cNvPr id="5" name="4 Marcador de contenido"/>
+          <p:cNvSpPr>
+            <a:spLocks noGrp="1"/>
+          </p:cNvSpPr>
+          <p:nvPr>
+            <p:ph sz="quarter" idx="1"/>
+          </p:nvPr>
+        </p:nvSpPr>
+        <p:spPr/>
+        <p:txBody>
+          <a:bodyPr/>
+          <a:lstStyle/>
+          <a:p>
+            <a:endParaRPr lang="es-UY"/>
+          </a:p>
+        </p:txBody>
+      </p:sp>
       <p:pic>
         <p:nvPicPr>
-          <p:cNvPr id="4" name="3 Marcador de contenido" descr="CasosDeUso_diagrama.png"/>
+          <p:cNvPr id="1026" name="Picture 2"/>
           <p:cNvPicPr>
-            <a:picLocks noGrp="1" noChangeAspect="1"/>
+            <a:picLocks noChangeAspect="1" noChangeArrowheads="1"/>
           </p:cNvPicPr>
-          <p:nvPr>
-            <p:ph sz="quarter" idx="1"/>
-          </p:nvPr>
+          <p:nvPr/>
         </p:nvPicPr>
         <p:blipFill>
           <a:blip r:embed="rId2"/>
+          <a:srcRect/>
           <a:stretch>
             <a:fillRect/>
           </a:stretch>
         </p:blipFill>
-        <p:spPr>
-          <a:xfrm>
-            <a:off x="316266" y="1688548"/>
-            <a:ext cx="7739834" cy="4383658"/>
-          </a:xfrm>
+        <p:spPr bwMode="auto">
+          <a:xfrm>
+            <a:off x="495049" y="1571611"/>
+            <a:ext cx="7863165" cy="5122971"/>
+          </a:xfrm>
+          <a:prstGeom prst="rect">
+            <a:avLst/>
+          </a:prstGeom>
+          <a:noFill/>
+          <a:ln w="9525">
+            <a:noFill/>
+            <a:miter lim="800000"/>
+            <a:headEnd/>
+            <a:tailEnd/>
+          </a:ln>
+          <a:effectLst/>
         </p:spPr>
       </p:pic>
     </p:spTree>

--- a/Presentacion.pptx
+++ b/Presentacion.pptx
@@ -259,7 +259,7 @@
             <a:fld id="{7A847CFC-816F-41D0-AAC0-9BF4FEBC753E}" type="datetimeFigureOut">
               <a:rPr lang="es-ES" smtClean="0"/>
               <a:pPr/>
-              <a:t>05/10/2014</a:t>
+              <a:t>08/10/2014</a:t>
             </a:fld>
             <a:endParaRPr lang="es-ES"/>
           </a:p>
@@ -1130,7 +1130,7 @@
             <a:fld id="{7A847CFC-816F-41D0-AAC0-9BF4FEBC753E}" type="datetimeFigureOut">
               <a:rPr lang="es-ES" smtClean="0"/>
               <a:pPr/>
-              <a:t>05/10/2014</a:t>
+              <a:t>08/10/2014</a:t>
             </a:fld>
             <a:endParaRPr lang="es-ES"/>
           </a:p>
@@ -1307,7 +1307,7 @@
             <a:fld id="{7A847CFC-816F-41D0-AAC0-9BF4FEBC753E}" type="datetimeFigureOut">
               <a:rPr lang="es-ES" smtClean="0"/>
               <a:pPr/>
-              <a:t>05/10/2014</a:t>
+              <a:t>08/10/2014</a:t>
             </a:fld>
             <a:endParaRPr lang="es-ES"/>
           </a:p>
@@ -1479,7 +1479,7 @@
             <a:fld id="{7A847CFC-816F-41D0-AAC0-9BF4FEBC753E}" type="datetimeFigureOut">
               <a:rPr lang="es-ES" smtClean="0"/>
               <a:pPr/>
-              <a:t>05/10/2014</a:t>
+              <a:t>08/10/2014</a:t>
             </a:fld>
             <a:endParaRPr lang="es-ES"/>
           </a:p>
@@ -1691,7 +1691,7 @@
             <a:fld id="{7A847CFC-816F-41D0-AAC0-9BF4FEBC753E}" type="datetimeFigureOut">
               <a:rPr lang="es-ES" smtClean="0"/>
               <a:pPr/>
-              <a:t>05/10/2014</a:t>
+              <a:t>08/10/2014</a:t>
             </a:fld>
             <a:endParaRPr lang="es-ES"/>
           </a:p>
@@ -2507,7 +2507,7 @@
             <a:fld id="{7A847CFC-816F-41D0-AAC0-9BF4FEBC753E}" type="datetimeFigureOut">
               <a:rPr lang="es-ES" smtClean="0"/>
               <a:pPr/>
-              <a:t>05/10/2014</a:t>
+              <a:t>08/10/2014</a:t>
             </a:fld>
             <a:endParaRPr lang="es-ES"/>
           </a:p>
@@ -2745,7 +2745,7 @@
             <a:fld id="{7A847CFC-816F-41D0-AAC0-9BF4FEBC753E}" type="datetimeFigureOut">
               <a:rPr lang="es-ES" smtClean="0"/>
               <a:pPr/>
-              <a:t>05/10/2014</a:t>
+              <a:t>08/10/2014</a:t>
             </a:fld>
             <a:endParaRPr lang="es-ES"/>
           </a:p>
@@ -3070,7 +3070,7 @@
             <a:fld id="{7A847CFC-816F-41D0-AAC0-9BF4FEBC753E}" type="datetimeFigureOut">
               <a:rPr lang="es-ES" smtClean="0"/>
               <a:pPr/>
-              <a:t>05/10/2014</a:t>
+              <a:t>08/10/2014</a:t>
             </a:fld>
             <a:endParaRPr lang="es-ES"/>
           </a:p>
@@ -3162,7 +3162,7 @@
             <a:fld id="{7A847CFC-816F-41D0-AAC0-9BF4FEBC753E}" type="datetimeFigureOut">
               <a:rPr lang="es-ES" smtClean="0"/>
               <a:pPr/>
-              <a:t>05/10/2014</a:t>
+              <a:t>08/10/2014</a:t>
             </a:fld>
             <a:endParaRPr lang="es-ES"/>
           </a:p>
@@ -3681,7 +3681,7 @@
             <a:fld id="{7A847CFC-816F-41D0-AAC0-9BF4FEBC753E}" type="datetimeFigureOut">
               <a:rPr lang="es-ES" smtClean="0"/>
               <a:pPr/>
-              <a:t>05/10/2014</a:t>
+              <a:t>08/10/2014</a:t>
             </a:fld>
             <a:endParaRPr lang="es-ES"/>
           </a:p>
@@ -4194,7 +4194,7 @@
             <a:fld id="{7A847CFC-816F-41D0-AAC0-9BF4FEBC753E}" type="datetimeFigureOut">
               <a:rPr lang="es-ES" smtClean="0"/>
               <a:pPr/>
-              <a:t>05/10/2014</a:t>
+              <a:t>08/10/2014</a:t>
             </a:fld>
             <a:endParaRPr lang="es-ES"/>
           </a:p>
@@ -4441,7 +4441,7 @@
             <a:fld id="{7A847CFC-816F-41D0-AAC0-9BF4FEBC753E}" type="datetimeFigureOut">
               <a:rPr lang="es-ES" smtClean="0"/>
               <a:pPr/>
-              <a:t>05/10/2014</a:t>
+              <a:t>08/10/2014</a:t>
             </a:fld>
             <a:endParaRPr lang="es-ES"/>
           </a:p>
@@ -7015,32 +7015,15 @@
           </a:p>
         </p:txBody>
       </p:sp>
-      <p:sp>
-        <p:nvSpPr>
-          <p:cNvPr id="5" name="4 Marcador de contenido"/>
-          <p:cNvSpPr>
-            <a:spLocks noGrp="1"/>
-          </p:cNvSpPr>
-          <p:nvPr>
-            <p:ph sz="quarter" idx="1"/>
-          </p:nvPr>
-        </p:nvSpPr>
-        <p:spPr/>
-        <p:txBody>
-          <a:bodyPr/>
-          <a:lstStyle/>
-          <a:p>
-            <a:endParaRPr lang="es-UY"/>
-          </a:p>
-        </p:txBody>
-      </p:sp>
       <p:pic>
         <p:nvPicPr>
-          <p:cNvPr id="1026" name="Picture 2"/>
+          <p:cNvPr id="3" name="Picture 2"/>
           <p:cNvPicPr>
-            <a:picLocks noChangeAspect="1" noChangeArrowheads="1"/>
+            <a:picLocks noGrp="1" noChangeAspect="1" noChangeArrowheads="1"/>
           </p:cNvPicPr>
-          <p:nvPr/>
+          <p:nvPr>
+            <p:ph sz="quarter" idx="1"/>
+          </p:nvPr>
         </p:nvPicPr>
         <p:blipFill>
           <a:blip r:embed="rId2"/>
@@ -7051,8 +7034,8 @@
         </p:blipFill>
         <p:spPr bwMode="auto">
           <a:xfrm>
-            <a:off x="495049" y="1571611"/>
-            <a:ext cx="7863165" cy="5122971"/>
+            <a:off x="187600" y="1428736"/>
+            <a:ext cx="8313490" cy="5416365"/>
           </a:xfrm>
           <a:prstGeom prst="rect">
             <a:avLst/>

--- a/Presentacion.pptx
+++ b/Presentacion.pptx
@@ -4,22 +4,30 @@
   <p:sldMasterIdLst>
     <p:sldMasterId id="2147483732" r:id="rId1"/>
   </p:sldMasterIdLst>
+  <p:notesMasterIdLst>
+    <p:notesMasterId r:id="rId22"/>
+  </p:notesMasterIdLst>
   <p:sldIdLst>
     <p:sldId id="256" r:id="rId2"/>
     <p:sldId id="264" r:id="rId3"/>
     <p:sldId id="257" r:id="rId4"/>
     <p:sldId id="266" r:id="rId5"/>
     <p:sldId id="267" r:id="rId6"/>
-    <p:sldId id="258" r:id="rId7"/>
-    <p:sldId id="259" r:id="rId8"/>
-    <p:sldId id="260" r:id="rId9"/>
-    <p:sldId id="270" r:id="rId10"/>
-    <p:sldId id="268" r:id="rId11"/>
-    <p:sldId id="269" r:id="rId12"/>
-    <p:sldId id="261" r:id="rId13"/>
-    <p:sldId id="262" r:id="rId14"/>
-    <p:sldId id="263" r:id="rId15"/>
-    <p:sldId id="265" r:id="rId16"/>
+    <p:sldId id="271" r:id="rId7"/>
+    <p:sldId id="258" r:id="rId8"/>
+    <p:sldId id="259" r:id="rId9"/>
+    <p:sldId id="260" r:id="rId10"/>
+    <p:sldId id="270" r:id="rId11"/>
+    <p:sldId id="272" r:id="rId12"/>
+    <p:sldId id="273" r:id="rId13"/>
+    <p:sldId id="274" r:id="rId14"/>
+    <p:sldId id="269" r:id="rId15"/>
+    <p:sldId id="268" r:id="rId16"/>
+    <p:sldId id="261" r:id="rId17"/>
+    <p:sldId id="262" r:id="rId18"/>
+    <p:sldId id="263" r:id="rId19"/>
+    <p:sldId id="275" r:id="rId20"/>
+    <p:sldId id="265" r:id="rId21"/>
   </p:sldIdLst>
   <p:sldSz cx="9144000" cy="6858000" type="screen4x3"/>
   <p:notesSz cx="6858000" cy="9144000"/>
@@ -121,6 +129,353 @@
 </p:presentation>
 </file>
 
+<file path=ppt/notesMasters/notesMaster1.xml><?xml version="1.0" encoding="utf-8"?>
+<p:notesMaster xmlns:a="http://schemas.openxmlformats.org/drawingml/2006/main" xmlns:r="http://schemas.openxmlformats.org/officeDocument/2006/relationships" xmlns:p="http://schemas.openxmlformats.org/presentationml/2006/main">
+  <p:cSld>
+    <p:bg>
+      <p:bgRef idx="1001">
+        <a:schemeClr val="bg1"/>
+      </p:bgRef>
+    </p:bg>
+    <p:spTree>
+      <p:nvGrpSpPr>
+        <p:cNvPr id="1" name=""/>
+        <p:cNvGrpSpPr/>
+        <p:nvPr/>
+      </p:nvGrpSpPr>
+      <p:grpSpPr>
+        <a:xfrm>
+          <a:off x="0" y="0"/>
+          <a:ext cx="0" cy="0"/>
+          <a:chOff x="0" y="0"/>
+          <a:chExt cx="0" cy="0"/>
+        </a:xfrm>
+      </p:grpSpPr>
+      <p:sp>
+        <p:nvSpPr>
+          <p:cNvPr id="2" name="Header Placeholder 1"/>
+          <p:cNvSpPr>
+            <a:spLocks noGrp="1"/>
+          </p:cNvSpPr>
+          <p:nvPr>
+            <p:ph type="hdr" sz="quarter"/>
+          </p:nvPr>
+        </p:nvSpPr>
+        <p:spPr>
+          <a:xfrm>
+            <a:off x="0" y="0"/>
+            <a:ext cx="2971800" cy="457200"/>
+          </a:xfrm>
+          <a:prstGeom prst="rect">
+            <a:avLst/>
+          </a:prstGeom>
+        </p:spPr>
+        <p:txBody>
+          <a:bodyPr vert="horz" lIns="91440" tIns="45720" rIns="91440" bIns="45720" rtlCol="0"/>
+          <a:lstStyle>
+            <a:lvl1pPr algn="l">
+              <a:defRPr sz="1200"/>
+            </a:lvl1pPr>
+          </a:lstStyle>
+          <a:p>
+            <a:endParaRPr lang="es-UY"/>
+          </a:p>
+        </p:txBody>
+      </p:sp>
+      <p:sp>
+        <p:nvSpPr>
+          <p:cNvPr id="3" name="Date Placeholder 2"/>
+          <p:cNvSpPr>
+            <a:spLocks noGrp="1"/>
+          </p:cNvSpPr>
+          <p:nvPr>
+            <p:ph type="dt" idx="1"/>
+          </p:nvPr>
+        </p:nvSpPr>
+        <p:spPr>
+          <a:xfrm>
+            <a:off x="3884613" y="0"/>
+            <a:ext cx="2971800" cy="457200"/>
+          </a:xfrm>
+          <a:prstGeom prst="rect">
+            <a:avLst/>
+          </a:prstGeom>
+        </p:spPr>
+        <p:txBody>
+          <a:bodyPr vert="horz" lIns="91440" tIns="45720" rIns="91440" bIns="45720" rtlCol="0"/>
+          <a:lstStyle>
+            <a:lvl1pPr algn="r">
+              <a:defRPr sz="1200"/>
+            </a:lvl1pPr>
+          </a:lstStyle>
+          <a:p>
+            <a:fld id="{E8BFD649-4464-4874-A030-77DA47E62353}" type="datetimeFigureOut">
+              <a:rPr lang="es-UY" smtClean="0"/>
+              <a:t>10/10/2014</a:t>
+            </a:fld>
+            <a:endParaRPr lang="es-UY"/>
+          </a:p>
+        </p:txBody>
+      </p:sp>
+      <p:sp>
+        <p:nvSpPr>
+          <p:cNvPr id="4" name="Slide Image Placeholder 3"/>
+          <p:cNvSpPr>
+            <a:spLocks noGrp="1" noRot="1" noChangeAspect="1"/>
+          </p:cNvSpPr>
+          <p:nvPr>
+            <p:ph type="sldImg" idx="2"/>
+          </p:nvPr>
+        </p:nvSpPr>
+        <p:spPr>
+          <a:xfrm>
+            <a:off x="1143000" y="685800"/>
+            <a:ext cx="4572000" cy="3429000"/>
+          </a:xfrm>
+          <a:prstGeom prst="rect">
+            <a:avLst/>
+          </a:prstGeom>
+          <a:noFill/>
+          <a:ln w="12700">
+            <a:solidFill>
+              <a:prstClr val="black"/>
+            </a:solidFill>
+          </a:ln>
+        </p:spPr>
+        <p:txBody>
+          <a:bodyPr vert="horz" lIns="91440" tIns="45720" rIns="91440" bIns="45720" rtlCol="0" anchor="ctr"/>
+          <a:lstStyle/>
+          <a:p>
+            <a:endParaRPr lang="es-UY"/>
+          </a:p>
+        </p:txBody>
+      </p:sp>
+      <p:sp>
+        <p:nvSpPr>
+          <p:cNvPr id="5" name="Notes Placeholder 4"/>
+          <p:cNvSpPr>
+            <a:spLocks noGrp="1"/>
+          </p:cNvSpPr>
+          <p:nvPr>
+            <p:ph type="body" sz="quarter" idx="3"/>
+          </p:nvPr>
+        </p:nvSpPr>
+        <p:spPr>
+          <a:xfrm>
+            <a:off x="685800" y="4343400"/>
+            <a:ext cx="5486400" cy="4114800"/>
+          </a:xfrm>
+          <a:prstGeom prst="rect">
+            <a:avLst/>
+          </a:prstGeom>
+        </p:spPr>
+        <p:txBody>
+          <a:bodyPr vert="horz" lIns="91440" tIns="45720" rIns="91440" bIns="45720" rtlCol="0">
+            <a:normAutofit/>
+          </a:bodyPr>
+          <a:lstStyle/>
+          <a:p>
+            <a:pPr lvl="0"/>
+            <a:r>
+              <a:rPr lang="en-US" smtClean="0"/>
+              <a:t>Click to edit Master text styles</a:t>
+            </a:r>
+          </a:p>
+          <a:p>
+            <a:pPr lvl="1"/>
+            <a:r>
+              <a:rPr lang="en-US" smtClean="0"/>
+              <a:t>Second level</a:t>
+            </a:r>
+          </a:p>
+          <a:p>
+            <a:pPr lvl="2"/>
+            <a:r>
+              <a:rPr lang="en-US" smtClean="0"/>
+              <a:t>Third level</a:t>
+            </a:r>
+          </a:p>
+          <a:p>
+            <a:pPr lvl="3"/>
+            <a:r>
+              <a:rPr lang="en-US" smtClean="0"/>
+              <a:t>Fourth level</a:t>
+            </a:r>
+          </a:p>
+          <a:p>
+            <a:pPr lvl="4"/>
+            <a:r>
+              <a:rPr lang="en-US" smtClean="0"/>
+              <a:t>Fifth level</a:t>
+            </a:r>
+            <a:endParaRPr lang="es-UY"/>
+          </a:p>
+        </p:txBody>
+      </p:sp>
+      <p:sp>
+        <p:nvSpPr>
+          <p:cNvPr id="6" name="Footer Placeholder 5"/>
+          <p:cNvSpPr>
+            <a:spLocks noGrp="1"/>
+          </p:cNvSpPr>
+          <p:nvPr>
+            <p:ph type="ftr" sz="quarter" idx="4"/>
+          </p:nvPr>
+        </p:nvSpPr>
+        <p:spPr>
+          <a:xfrm>
+            <a:off x="0" y="8685213"/>
+            <a:ext cx="2971800" cy="457200"/>
+          </a:xfrm>
+          <a:prstGeom prst="rect">
+            <a:avLst/>
+          </a:prstGeom>
+        </p:spPr>
+        <p:txBody>
+          <a:bodyPr vert="horz" lIns="91440" tIns="45720" rIns="91440" bIns="45720" rtlCol="0" anchor="b"/>
+          <a:lstStyle>
+            <a:lvl1pPr algn="l">
+              <a:defRPr sz="1200"/>
+            </a:lvl1pPr>
+          </a:lstStyle>
+          <a:p>
+            <a:endParaRPr lang="es-UY"/>
+          </a:p>
+        </p:txBody>
+      </p:sp>
+      <p:sp>
+        <p:nvSpPr>
+          <p:cNvPr id="7" name="Slide Number Placeholder 6"/>
+          <p:cNvSpPr>
+            <a:spLocks noGrp="1"/>
+          </p:cNvSpPr>
+          <p:nvPr>
+            <p:ph type="sldNum" sz="quarter" idx="5"/>
+          </p:nvPr>
+        </p:nvSpPr>
+        <p:spPr>
+          <a:xfrm>
+            <a:off x="3884613" y="8685213"/>
+            <a:ext cx="2971800" cy="457200"/>
+          </a:xfrm>
+          <a:prstGeom prst="rect">
+            <a:avLst/>
+          </a:prstGeom>
+        </p:spPr>
+        <p:txBody>
+          <a:bodyPr vert="horz" lIns="91440" tIns="45720" rIns="91440" bIns="45720" rtlCol="0" anchor="b"/>
+          <a:lstStyle>
+            <a:lvl1pPr algn="r">
+              <a:defRPr sz="1200"/>
+            </a:lvl1pPr>
+          </a:lstStyle>
+          <a:p>
+            <a:fld id="{054CFC5F-265C-4220-88EE-8BDCD7F9B77C}" type="slidenum">
+              <a:rPr lang="es-UY" smtClean="0"/>
+              <a:t>‹#›</a:t>
+            </a:fld>
+            <a:endParaRPr lang="es-UY"/>
+          </a:p>
+        </p:txBody>
+      </p:sp>
+    </p:spTree>
+  </p:cSld>
+  <p:clrMap bg1="lt1" tx1="dk1" bg2="lt2" tx2="dk2" accent1="accent1" accent2="accent2" accent3="accent3" accent4="accent4" accent5="accent5" accent6="accent6" hlink="hlink" folHlink="folHlink"/>
+  <p:notesStyle>
+    <a:lvl1pPr marL="0" algn="l" defTabSz="914400" rtl="0" eaLnBrk="1" latinLnBrk="0" hangingPunct="1">
+      <a:defRPr sz="1200" kern="1200">
+        <a:solidFill>
+          <a:schemeClr val="tx1"/>
+        </a:solidFill>
+        <a:latin typeface="+mn-lt"/>
+        <a:ea typeface="+mn-ea"/>
+        <a:cs typeface="+mn-cs"/>
+      </a:defRPr>
+    </a:lvl1pPr>
+    <a:lvl2pPr marL="457200" algn="l" defTabSz="914400" rtl="0" eaLnBrk="1" latinLnBrk="0" hangingPunct="1">
+      <a:defRPr sz="1200" kern="1200">
+        <a:solidFill>
+          <a:schemeClr val="tx1"/>
+        </a:solidFill>
+        <a:latin typeface="+mn-lt"/>
+        <a:ea typeface="+mn-ea"/>
+        <a:cs typeface="+mn-cs"/>
+      </a:defRPr>
+    </a:lvl2pPr>
+    <a:lvl3pPr marL="914400" algn="l" defTabSz="914400" rtl="0" eaLnBrk="1" latinLnBrk="0" hangingPunct="1">
+      <a:defRPr sz="1200" kern="1200">
+        <a:solidFill>
+          <a:schemeClr val="tx1"/>
+        </a:solidFill>
+        <a:latin typeface="+mn-lt"/>
+        <a:ea typeface="+mn-ea"/>
+        <a:cs typeface="+mn-cs"/>
+      </a:defRPr>
+    </a:lvl3pPr>
+    <a:lvl4pPr marL="1371600" algn="l" defTabSz="914400" rtl="0" eaLnBrk="1" latinLnBrk="0" hangingPunct="1">
+      <a:defRPr sz="1200" kern="1200">
+        <a:solidFill>
+          <a:schemeClr val="tx1"/>
+        </a:solidFill>
+        <a:latin typeface="+mn-lt"/>
+        <a:ea typeface="+mn-ea"/>
+        <a:cs typeface="+mn-cs"/>
+      </a:defRPr>
+    </a:lvl4pPr>
+    <a:lvl5pPr marL="1828800" algn="l" defTabSz="914400" rtl="0" eaLnBrk="1" latinLnBrk="0" hangingPunct="1">
+      <a:defRPr sz="1200" kern="1200">
+        <a:solidFill>
+          <a:schemeClr val="tx1"/>
+        </a:solidFill>
+        <a:latin typeface="+mn-lt"/>
+        <a:ea typeface="+mn-ea"/>
+        <a:cs typeface="+mn-cs"/>
+      </a:defRPr>
+    </a:lvl5pPr>
+    <a:lvl6pPr marL="2286000" algn="l" defTabSz="914400" rtl="0" eaLnBrk="1" latinLnBrk="0" hangingPunct="1">
+      <a:defRPr sz="1200" kern="1200">
+        <a:solidFill>
+          <a:schemeClr val="tx1"/>
+        </a:solidFill>
+        <a:latin typeface="+mn-lt"/>
+        <a:ea typeface="+mn-ea"/>
+        <a:cs typeface="+mn-cs"/>
+      </a:defRPr>
+    </a:lvl6pPr>
+    <a:lvl7pPr marL="2743200" algn="l" defTabSz="914400" rtl="0" eaLnBrk="1" latinLnBrk="0" hangingPunct="1">
+      <a:defRPr sz="1200" kern="1200">
+        <a:solidFill>
+          <a:schemeClr val="tx1"/>
+        </a:solidFill>
+        <a:latin typeface="+mn-lt"/>
+        <a:ea typeface="+mn-ea"/>
+        <a:cs typeface="+mn-cs"/>
+      </a:defRPr>
+    </a:lvl7pPr>
+    <a:lvl8pPr marL="3200400" algn="l" defTabSz="914400" rtl="0" eaLnBrk="1" latinLnBrk="0" hangingPunct="1">
+      <a:defRPr sz="1200" kern="1200">
+        <a:solidFill>
+          <a:schemeClr val="tx1"/>
+        </a:solidFill>
+        <a:latin typeface="+mn-lt"/>
+        <a:ea typeface="+mn-ea"/>
+        <a:cs typeface="+mn-cs"/>
+      </a:defRPr>
+    </a:lvl8pPr>
+    <a:lvl9pPr marL="3657600" algn="l" defTabSz="914400" rtl="0" eaLnBrk="1" latinLnBrk="0" hangingPunct="1">
+      <a:defRPr sz="1200" kern="1200">
+        <a:solidFill>
+          <a:schemeClr val="tx1"/>
+        </a:solidFill>
+        <a:latin typeface="+mn-lt"/>
+        <a:ea typeface="+mn-ea"/>
+        <a:cs typeface="+mn-cs"/>
+      </a:defRPr>
+    </a:lvl9pPr>
+  </p:notesStyle>
+</p:notesMaster>
+</file>
+
 <file path=ppt/slideLayouts/slideLayout1.xml><?xml version="1.0" encoding="utf-8"?>
 <p:sldLayout xmlns:a="http://schemas.openxmlformats.org/drawingml/2006/main" xmlns:r="http://schemas.openxmlformats.org/officeDocument/2006/relationships" xmlns:p="http://schemas.openxmlformats.org/presentationml/2006/main" showMasterSp="0" type="title" preserve="1">
   <p:cSld name="Diapositiva de título">
@@ -259,7 +614,7 @@
             <a:fld id="{7A847CFC-816F-41D0-AAC0-9BF4FEBC753E}" type="datetimeFigureOut">
               <a:rPr lang="es-ES" smtClean="0"/>
               <a:pPr/>
-              <a:t>08/10/2014</a:t>
+              <a:t>10/10/2014</a:t>
             </a:fld>
             <a:endParaRPr lang="es-ES"/>
           </a:p>
@@ -1006,7 +1361,7 @@
             <a:fld id="{132FADFE-3B8F-471C-ABF0-DBC7717ECBBC}" type="slidenum">
               <a:rPr lang="es-ES" smtClean="0"/>
               <a:pPr/>
-              <a:t>‹Nº›</a:t>
+              <a:t>‹#›</a:t>
             </a:fld>
             <a:endParaRPr lang="es-ES"/>
           </a:p>
@@ -1130,7 +1485,7 @@
             <a:fld id="{7A847CFC-816F-41D0-AAC0-9BF4FEBC753E}" type="datetimeFigureOut">
               <a:rPr lang="es-ES" smtClean="0"/>
               <a:pPr/>
-              <a:t>08/10/2014</a:t>
+              <a:t>10/10/2014</a:t>
             </a:fld>
             <a:endParaRPr lang="es-ES"/>
           </a:p>
@@ -1173,7 +1528,7 @@
             <a:fld id="{132FADFE-3B8F-471C-ABF0-DBC7717ECBBC}" type="slidenum">
               <a:rPr lang="es-ES" smtClean="0"/>
               <a:pPr/>
-              <a:t>‹Nº›</a:t>
+              <a:t>‹#›</a:t>
             </a:fld>
             <a:endParaRPr lang="es-ES"/>
           </a:p>
@@ -1307,7 +1662,7 @@
             <a:fld id="{7A847CFC-816F-41D0-AAC0-9BF4FEBC753E}" type="datetimeFigureOut">
               <a:rPr lang="es-ES" smtClean="0"/>
               <a:pPr/>
-              <a:t>08/10/2014</a:t>
+              <a:t>10/10/2014</a:t>
             </a:fld>
             <a:endParaRPr lang="es-ES"/>
           </a:p>
@@ -1350,7 +1705,7 @@
             <a:fld id="{132FADFE-3B8F-471C-ABF0-DBC7717ECBBC}" type="slidenum">
               <a:rPr lang="es-ES" smtClean="0"/>
               <a:pPr/>
-              <a:t>‹Nº›</a:t>
+              <a:t>‹#›</a:t>
             </a:fld>
             <a:endParaRPr lang="es-ES"/>
           </a:p>
@@ -1479,7 +1834,7 @@
             <a:fld id="{7A847CFC-816F-41D0-AAC0-9BF4FEBC753E}" type="datetimeFigureOut">
               <a:rPr lang="es-ES" smtClean="0"/>
               <a:pPr/>
-              <a:t>08/10/2014</a:t>
+              <a:t>10/10/2014</a:t>
             </a:fld>
             <a:endParaRPr lang="es-ES"/>
           </a:p>
@@ -1503,7 +1858,7 @@
             <a:fld id="{132FADFE-3B8F-471C-ABF0-DBC7717ECBBC}" type="slidenum">
               <a:rPr lang="es-ES" smtClean="0"/>
               <a:pPr/>
-              <a:t>‹Nº›</a:t>
+              <a:t>‹#›</a:t>
             </a:fld>
             <a:endParaRPr lang="es-ES"/>
           </a:p>
@@ -1691,7 +2046,7 @@
             <a:fld id="{7A847CFC-816F-41D0-AAC0-9BF4FEBC753E}" type="datetimeFigureOut">
               <a:rPr lang="es-ES" smtClean="0"/>
               <a:pPr/>
-              <a:t>08/10/2014</a:t>
+              <a:t>10/10/2014</a:t>
             </a:fld>
             <a:endParaRPr lang="es-ES"/>
           </a:p>
@@ -2435,7 +2790,7 @@
             <a:fld id="{132FADFE-3B8F-471C-ABF0-DBC7717ECBBC}" type="slidenum">
               <a:rPr lang="es-ES" smtClean="0"/>
               <a:pPr/>
-              <a:t>‹Nº›</a:t>
+              <a:t>‹#›</a:t>
             </a:fld>
             <a:endParaRPr lang="es-ES"/>
           </a:p>
@@ -2507,7 +2862,7 @@
             <a:fld id="{7A847CFC-816F-41D0-AAC0-9BF4FEBC753E}" type="datetimeFigureOut">
               <a:rPr lang="es-ES" smtClean="0"/>
               <a:pPr/>
-              <a:t>08/10/2014</a:t>
+              <a:t>10/10/2014</a:t>
             </a:fld>
             <a:endParaRPr lang="es-ES"/>
           </a:p>
@@ -2550,7 +2905,7 @@
             <a:fld id="{132FADFE-3B8F-471C-ABF0-DBC7717ECBBC}" type="slidenum">
               <a:rPr lang="es-ES" smtClean="0"/>
               <a:pPr/>
-              <a:t>‹Nº›</a:t>
+              <a:t>‹#›</a:t>
             </a:fld>
             <a:endParaRPr lang="es-ES"/>
           </a:p>
@@ -2745,7 +3100,7 @@
             <a:fld id="{7A847CFC-816F-41D0-AAC0-9BF4FEBC753E}" type="datetimeFigureOut">
               <a:rPr lang="es-ES" smtClean="0"/>
               <a:pPr/>
-              <a:t>08/10/2014</a:t>
+              <a:t>10/10/2014</a:t>
             </a:fld>
             <a:endParaRPr lang="es-ES"/>
           </a:p>
@@ -2788,7 +3143,7 @@
             <a:fld id="{132FADFE-3B8F-471C-ABF0-DBC7717ECBBC}" type="slidenum">
               <a:rPr lang="es-ES" smtClean="0"/>
               <a:pPr/>
-              <a:t>‹Nº›</a:t>
+              <a:t>‹#›</a:t>
             </a:fld>
             <a:endParaRPr lang="es-ES"/>
           </a:p>
@@ -3070,7 +3425,7 @@
             <a:fld id="{7A847CFC-816F-41D0-AAC0-9BF4FEBC753E}" type="datetimeFigureOut">
               <a:rPr lang="es-ES" smtClean="0"/>
               <a:pPr/>
-              <a:t>08/10/2014</a:t>
+              <a:t>10/10/2014</a:t>
             </a:fld>
             <a:endParaRPr lang="es-ES"/>
           </a:p>
@@ -3094,7 +3449,7 @@
             <a:fld id="{132FADFE-3B8F-471C-ABF0-DBC7717ECBBC}" type="slidenum">
               <a:rPr lang="es-ES" smtClean="0"/>
               <a:pPr/>
-              <a:t>‹Nº›</a:t>
+              <a:t>‹#›</a:t>
             </a:fld>
             <a:endParaRPr lang="es-ES"/>
           </a:p>
@@ -3162,7 +3517,7 @@
             <a:fld id="{7A847CFC-816F-41D0-AAC0-9BF4FEBC753E}" type="datetimeFigureOut">
               <a:rPr lang="es-ES" smtClean="0"/>
               <a:pPr/>
-              <a:t>08/10/2014</a:t>
+              <a:t>10/10/2014</a:t>
             </a:fld>
             <a:endParaRPr lang="es-ES"/>
           </a:p>
@@ -3205,7 +3560,7 @@
             <a:fld id="{132FADFE-3B8F-471C-ABF0-DBC7717ECBBC}" type="slidenum">
               <a:rPr lang="es-ES" smtClean="0"/>
               <a:pPr/>
-              <a:t>‹Nº›</a:t>
+              <a:t>‹#›</a:t>
             </a:fld>
             <a:endParaRPr lang="es-ES"/>
           </a:p>
@@ -3681,7 +4036,7 @@
             <a:fld id="{7A847CFC-816F-41D0-AAC0-9BF4FEBC753E}" type="datetimeFigureOut">
               <a:rPr lang="es-ES" smtClean="0"/>
               <a:pPr/>
-              <a:t>08/10/2014</a:t>
+              <a:t>10/10/2014</a:t>
             </a:fld>
             <a:endParaRPr lang="es-ES"/>
           </a:p>
@@ -3705,7 +4060,7 @@
             <a:fld id="{132FADFE-3B8F-471C-ABF0-DBC7717ECBBC}" type="slidenum">
               <a:rPr lang="es-ES" smtClean="0"/>
               <a:pPr/>
-              <a:t>‹Nº›</a:t>
+              <a:t>‹#›</a:t>
             </a:fld>
             <a:endParaRPr lang="es-ES"/>
           </a:p>
@@ -4194,7 +4549,7 @@
             <a:fld id="{7A847CFC-816F-41D0-AAC0-9BF4FEBC753E}" type="datetimeFigureOut">
               <a:rPr lang="es-ES" smtClean="0"/>
               <a:pPr/>
-              <a:t>08/10/2014</a:t>
+              <a:t>10/10/2014</a:t>
             </a:fld>
             <a:endParaRPr lang="es-ES"/>
           </a:p>
@@ -4218,7 +4573,7 @@
             <a:fld id="{132FADFE-3B8F-471C-ABF0-DBC7717ECBBC}" type="slidenum">
               <a:rPr lang="es-ES" smtClean="0"/>
               <a:pPr/>
-              <a:t>‹Nº›</a:t>
+              <a:t>‹#›</a:t>
             </a:fld>
             <a:endParaRPr lang="es-ES"/>
           </a:p>
@@ -4441,7 +4796,7 @@
             <a:fld id="{7A847CFC-816F-41D0-AAC0-9BF4FEBC753E}" type="datetimeFigureOut">
               <a:rPr lang="es-ES" smtClean="0"/>
               <a:pPr/>
-              <a:t>08/10/2014</a:t>
+              <a:t>10/10/2014</a:t>
             </a:fld>
             <a:endParaRPr lang="es-ES"/>
           </a:p>
@@ -4718,7 +5073,7 @@
             <a:fld id="{132FADFE-3B8F-471C-ABF0-DBC7717ECBBC}" type="slidenum">
               <a:rPr lang="es-ES" smtClean="0"/>
               <a:pPr/>
-              <a:t>‹Nº›</a:t>
+              <a:t>‹#›</a:t>
             </a:fld>
             <a:endParaRPr lang="es-ES"/>
           </a:p>
@@ -5244,53 +5599,24 @@
           <a:p>
             <a:r>
               <a:rPr lang="es-UY" b="1" dirty="0" smtClean="0"/>
-              <a:t>Análisis y Diseño</a:t>
+              <a:t>Análisis</a:t>
             </a:r>
             <a:endParaRPr lang="es-UY" b="1" dirty="0"/>
-          </a:p>
-        </p:txBody>
-      </p:sp>
-      <p:sp>
-        <p:nvSpPr>
-          <p:cNvPr id="3" name="2 Marcador de contenido"/>
-          <p:cNvSpPr>
-            <a:spLocks noGrp="1"/>
-          </p:cNvSpPr>
-          <p:nvPr>
-            <p:ph sz="quarter" idx="1"/>
-          </p:nvPr>
-        </p:nvSpPr>
-        <p:spPr/>
-        <p:txBody>
-          <a:bodyPr/>
-          <a:lstStyle/>
-          <a:p>
-            <a:r>
-              <a:rPr lang="es-UY" sz="2200" dirty="0" smtClean="0"/>
-              <a:t>Público general</a:t>
-            </a:r>
-          </a:p>
-          <a:p>
-            <a:pPr>
-              <a:buNone/>
-            </a:pPr>
-            <a:endParaRPr lang="es-UY" sz="2200" dirty="0" smtClean="0"/>
-          </a:p>
-          <a:p>
-            <a:endParaRPr lang="es-UY" sz="2000" dirty="0"/>
           </a:p>
         </p:txBody>
       </p:sp>
       <p:pic>
         <p:nvPicPr>
-          <p:cNvPr id="1026" name="Picture 2"/>
+          <p:cNvPr id="3" name="Content Placeholder 2"/>
           <p:cNvPicPr>
-            <a:picLocks noChangeAspect="1" noChangeArrowheads="1"/>
+            <a:picLocks noGrp="1" noChangeAspect="1" noChangeArrowheads="1"/>
           </p:cNvPicPr>
-          <p:nvPr/>
+          <p:nvPr>
+            <p:ph sz="quarter" idx="1"/>
+          </p:nvPr>
         </p:nvPicPr>
         <p:blipFill>
-          <a:blip r:embed="rId2"/>
+          <a:blip r:embed="rId2" cstate="print"/>
           <a:srcRect/>
           <a:stretch>
             <a:fillRect/>
@@ -5298,8 +5624,8 @@
         </p:blipFill>
         <p:spPr bwMode="auto">
           <a:xfrm>
-            <a:off x="160205" y="2058708"/>
-            <a:ext cx="7940695" cy="4370688"/>
+            <a:off x="187600" y="1428736"/>
+            <a:ext cx="8313490" cy="5416365"/>
           </a:xfrm>
           <a:prstGeom prst="rect">
             <a:avLst/>
@@ -5348,7 +5674,7 @@
       </p:grpSpPr>
       <p:sp>
         <p:nvSpPr>
-          <p:cNvPr id="2" name="1 Título"/>
+          <p:cNvPr id="2" name="Title 1"/>
           <p:cNvSpPr>
             <a:spLocks noGrp="1"/>
           </p:cNvSpPr>
@@ -5362,16 +5688,16 @@
           <a:lstStyle/>
           <a:p>
             <a:r>
-              <a:rPr lang="es-UY" b="1" dirty="0" smtClean="0"/>
-              <a:t>Análisis y Diseño</a:t>
-            </a:r>
-            <a:endParaRPr lang="es-UY" b="1" dirty="0"/>
-          </a:p>
-        </p:txBody>
-      </p:sp>
-      <p:sp>
-        <p:nvSpPr>
-          <p:cNvPr id="3" name="2 Marcador de contenido"/>
+              <a:rPr lang="es-UY" dirty="0" smtClean="0"/>
+              <a:t>Arquitectura propuesta en la tesis</a:t>
+            </a:r>
+            <a:endParaRPr lang="es-UY" dirty="0"/>
+          </a:p>
+        </p:txBody>
+      </p:sp>
+      <p:sp>
+        <p:nvSpPr>
+          <p:cNvPr id="3" name="Content Placeholder 2"/>
           <p:cNvSpPr>
             <a:spLocks noGrp="1"/>
           </p:cNvSpPr>
@@ -5384,32 +5710,20 @@
           <a:bodyPr/>
           <a:lstStyle/>
           <a:p>
-            <a:r>
-              <a:rPr lang="es-UY" sz="2200" dirty="0" smtClean="0"/>
-              <a:t>Organismo cliente</a:t>
-            </a:r>
-          </a:p>
-          <a:p>
-            <a:pPr>
-              <a:buNone/>
-            </a:pPr>
-            <a:endParaRPr lang="es-UY" sz="2200" dirty="0" smtClean="0"/>
-          </a:p>
-          <a:p>
-            <a:endParaRPr lang="es-UY" sz="2000" dirty="0"/>
+            <a:endParaRPr lang="es-UY"/>
           </a:p>
         </p:txBody>
       </p:sp>
       <p:pic>
         <p:nvPicPr>
-          <p:cNvPr id="2050" name="Picture 2"/>
+          <p:cNvPr id="1026" name="Picture 2"/>
           <p:cNvPicPr>
             <a:picLocks noChangeAspect="1" noChangeArrowheads="1"/>
           </p:cNvPicPr>
           <p:nvPr/>
         </p:nvPicPr>
         <p:blipFill>
-          <a:blip r:embed="rId2"/>
+          <a:blip r:embed="rId2" cstate="print"/>
           <a:srcRect/>
           <a:stretch>
             <a:fillRect/>
@@ -5417,8 +5731,8 @@
         </p:blipFill>
         <p:spPr bwMode="auto">
           <a:xfrm>
-            <a:off x="214282" y="2337872"/>
-            <a:ext cx="7917552" cy="4000528"/>
+            <a:off x="355000" y="1368904"/>
+            <a:ext cx="7789863" cy="5353050"/>
           </a:xfrm>
           <a:prstGeom prst="rect">
             <a:avLst/>
@@ -5430,7 +5744,6 @@
             <a:headEnd/>
             <a:tailEnd/>
           </a:ln>
-          <a:effectLst/>
         </p:spPr>
       </p:pic>
     </p:spTree>
@@ -5467,7 +5780,7 @@
       </p:grpSpPr>
       <p:sp>
         <p:nvSpPr>
-          <p:cNvPr id="2" name="1 Título"/>
+          <p:cNvPr id="2" name="Title 1"/>
           <p:cNvSpPr>
             <a:spLocks noGrp="1"/>
           </p:cNvSpPr>
@@ -5481,16 +5794,16 @@
           <a:lstStyle/>
           <a:p>
             <a:r>
-              <a:rPr lang="es-UY" b="1" dirty="0" smtClean="0"/>
-              <a:t>Tecnologías</a:t>
-            </a:r>
-            <a:endParaRPr lang="es-UY" b="1" dirty="0"/>
-          </a:p>
-        </p:txBody>
-      </p:sp>
-      <p:sp>
-        <p:nvSpPr>
-          <p:cNvPr id="3" name="2 Marcador de contenido"/>
+              <a:rPr lang="es-UY" dirty="0" smtClean="0"/>
+              <a:t>Decisiones de diseño</a:t>
+            </a:r>
+            <a:endParaRPr lang="es-UY" dirty="0"/>
+          </a:p>
+        </p:txBody>
+      </p:sp>
+      <p:sp>
+        <p:nvSpPr>
+          <p:cNvPr id="3" name="Content Placeholder 2"/>
           <p:cNvSpPr>
             <a:spLocks noGrp="1"/>
           </p:cNvSpPr>
@@ -5503,108 +5816,87 @@
           <a:bodyPr/>
           <a:lstStyle/>
           <a:p>
-            <a:pPr>
-              <a:buNone/>
-            </a:pPr>
-            <a:endParaRPr lang="es-UY" sz="2200" dirty="0" smtClean="0"/>
-          </a:p>
-          <a:p>
-            <a:r>
-              <a:rPr lang="es-UY" sz="2200" dirty="0" smtClean="0"/>
-              <a:t>Servidores geográficos</a:t>
+            <a:r>
+              <a:rPr lang="es-UY" dirty="0" smtClean="0"/>
+              <a:t>CTP como servicios y no como librerías.</a:t>
             </a:r>
           </a:p>
           <a:p>
             <a:pPr lvl="1"/>
             <a:r>
-              <a:rPr lang="es-UY" sz="2000" dirty="0" err="1" smtClean="0"/>
-              <a:t>Geoserver</a:t>
-            </a:r>
-            <a:endParaRPr lang="es-UY" sz="2000" dirty="0" smtClean="0"/>
+              <a:rPr lang="es-UY" dirty="0" smtClean="0"/>
+              <a:t>Soporte máximo a clientes geográficos existentes.</a:t>
+            </a:r>
           </a:p>
           <a:p>
             <a:pPr lvl="1"/>
             <a:r>
-              <a:rPr lang="es-UY" sz="2000" dirty="0" err="1" smtClean="0"/>
-              <a:t>Mapserver</a:t>
-            </a:r>
-            <a:endParaRPr lang="es-UY" sz="2000" dirty="0" smtClean="0"/>
-          </a:p>
-          <a:p>
-            <a:pPr>
-              <a:buNone/>
-            </a:pPr>
-            <a:endParaRPr lang="es-UY" sz="2200" dirty="0" smtClean="0"/>
-          </a:p>
-          <a:p>
-            <a:r>
-              <a:rPr lang="es-UY" sz="2200" dirty="0" err="1" smtClean="0"/>
-              <a:t>Jboss</a:t>
-            </a:r>
-            <a:r>
-              <a:rPr lang="es-UY" sz="2200" dirty="0" smtClean="0"/>
-              <a:t> </a:t>
-            </a:r>
-            <a:r>
-              <a:rPr lang="es-UY" sz="2200" dirty="0" err="1" smtClean="0"/>
-              <a:t>esb</a:t>
-            </a:r>
-            <a:r>
-              <a:rPr lang="es-UY" sz="2200" dirty="0" smtClean="0"/>
-              <a:t> 4.9</a:t>
-            </a:r>
-          </a:p>
-          <a:p>
-            <a:pPr>
-              <a:buNone/>
-            </a:pPr>
-            <a:endParaRPr lang="es-UY" sz="2200" dirty="0" smtClean="0"/>
-          </a:p>
-          <a:p>
-            <a:r>
-              <a:rPr lang="es-UY" sz="2200" dirty="0" smtClean="0"/>
-              <a:t>Plataforma de </a:t>
-            </a:r>
-            <a:r>
-              <a:rPr lang="es-UY" sz="2200" dirty="0" err="1" smtClean="0"/>
-              <a:t>eGob</a:t>
-            </a:r>
-            <a:r>
-              <a:rPr lang="es-UY" sz="2200" dirty="0" smtClean="0"/>
-              <a:t> de Uruguay</a:t>
-            </a:r>
-          </a:p>
-          <a:p>
-            <a:pPr>
-              <a:buNone/>
-            </a:pPr>
-            <a:endParaRPr lang="es-UY" sz="2200" dirty="0" smtClean="0"/>
-          </a:p>
-          <a:p>
-            <a:r>
-              <a:rPr lang="es-UY" sz="2200" dirty="0" err="1" smtClean="0"/>
-              <a:t>Postgres</a:t>
-            </a:r>
-            <a:r>
-              <a:rPr lang="es-UY" sz="2200" dirty="0" smtClean="0"/>
-              <a:t> / </a:t>
-            </a:r>
-            <a:r>
-              <a:rPr lang="es-UY" sz="2200" dirty="0" err="1" smtClean="0"/>
-              <a:t>Postgis</a:t>
-            </a:r>
-            <a:endParaRPr lang="es-UY" sz="2200" dirty="0" smtClean="0"/>
-          </a:p>
-          <a:p>
-            <a:pPr>
-              <a:buNone/>
-            </a:pPr>
-            <a:endParaRPr lang="es-UY" sz="2200" dirty="0" smtClean="0"/>
-          </a:p>
-          <a:p>
-            <a:pPr lvl="1">
-              <a:buNone/>
-            </a:pPr>
+              <a:rPr lang="es-UY" dirty="0" smtClean="0"/>
+              <a:t>Bajo acoplamiento con implementaciones y tecnologías. </a:t>
+            </a:r>
+          </a:p>
+          <a:p>
+            <a:endParaRPr lang="es-UY" dirty="0" smtClean="0"/>
+          </a:p>
+          <a:p>
+            <a:r>
+              <a:rPr lang="es-UY" dirty="0" smtClean="0"/>
+              <a:t>CTP </a:t>
+            </a:r>
+            <a:r>
+              <a:rPr lang="es-UY" dirty="0" err="1" smtClean="0"/>
+              <a:t>RestConnector</a:t>
+            </a:r>
+            <a:r>
+              <a:rPr lang="es-UY" dirty="0" smtClean="0"/>
+              <a:t> distribuido en organismos. </a:t>
+            </a:r>
+          </a:p>
+          <a:p>
+            <a:pPr lvl="1"/>
+            <a:r>
+              <a:rPr lang="es-UY" dirty="0" smtClean="0"/>
+              <a:t>Mapeo de direcciones físicas y lógicas.</a:t>
+            </a:r>
+          </a:p>
+          <a:p>
+            <a:pPr lvl="1"/>
+            <a:r>
+              <a:rPr lang="es-UY" dirty="0" smtClean="0"/>
+              <a:t>Evitar cuello de botella y único punto de falla.</a:t>
+            </a:r>
+          </a:p>
+          <a:p>
+            <a:pPr lvl="1"/>
+            <a:r>
+              <a:rPr lang="es-UY" dirty="0" smtClean="0"/>
+              <a:t>Facilitar configuración y mantenimiento.</a:t>
+            </a:r>
+            <a:endParaRPr lang="es-UY" dirty="0" smtClean="0"/>
+          </a:p>
+          <a:p>
+            <a:endParaRPr lang="es-UY" dirty="0" smtClean="0"/>
+          </a:p>
+          <a:p>
+            <a:r>
+              <a:rPr lang="es-UY" dirty="0" smtClean="0"/>
+              <a:t>CTP </a:t>
+            </a:r>
+            <a:r>
+              <a:rPr lang="es-UY" dirty="0" err="1" smtClean="0"/>
+              <a:t>SoapConnector</a:t>
+            </a:r>
+            <a:r>
+              <a:rPr lang="es-UY" dirty="0" smtClean="0"/>
+              <a:t> único por servicio geográfico.</a:t>
+            </a:r>
+          </a:p>
+          <a:p>
+            <a:pPr lvl="1"/>
+            <a:r>
+              <a:rPr lang="es-UY" dirty="0" smtClean="0"/>
+              <a:t>Por mapeo de direcciones físicas y lógicas.</a:t>
+            </a:r>
             <a:endParaRPr lang="es-UY" dirty="0"/>
           </a:p>
         </p:txBody>
@@ -5643,7 +5935,7 @@
       </p:grpSpPr>
       <p:sp>
         <p:nvSpPr>
-          <p:cNvPr id="2" name="1 Título"/>
+          <p:cNvPr id="2" name="Title 1"/>
           <p:cNvSpPr>
             <a:spLocks noGrp="1"/>
           </p:cNvSpPr>
@@ -5657,16 +5949,16 @@
           <a:lstStyle/>
           <a:p>
             <a:r>
-              <a:rPr lang="es-UY" b="1" dirty="0" smtClean="0"/>
-              <a:t>Estado Actual</a:t>
-            </a:r>
-            <a:endParaRPr lang="es-UY" b="1" dirty="0"/>
-          </a:p>
-        </p:txBody>
-      </p:sp>
-      <p:sp>
-        <p:nvSpPr>
-          <p:cNvPr id="3" name="2 Marcador de contenido"/>
+              <a:rPr lang="es-UY" dirty="0" smtClean="0"/>
+              <a:t>arquitectura</a:t>
+            </a:r>
+            <a:endParaRPr lang="es-UY" dirty="0"/>
+          </a:p>
+        </p:txBody>
+      </p:sp>
+      <p:sp>
+        <p:nvSpPr>
+          <p:cNvPr id="3" name="Content Placeholder 2"/>
           <p:cNvSpPr>
             <a:spLocks noGrp="1"/>
           </p:cNvSpPr>
@@ -5676,91 +5968,43 @@
         </p:nvSpPr>
         <p:spPr/>
         <p:txBody>
-          <a:bodyPr>
-            <a:normAutofit/>
-          </a:bodyPr>
-          <a:lstStyle/>
-          <a:p>
-            <a:pPr>
-              <a:buNone/>
-            </a:pPr>
-            <a:endParaRPr lang="es-UY" sz="2200" dirty="0" smtClean="0"/>
-          </a:p>
-          <a:p>
-            <a:r>
-              <a:rPr lang="es-UY" sz="2200" dirty="0" smtClean="0"/>
-              <a:t>Implementación</a:t>
-            </a:r>
-          </a:p>
-          <a:p>
-            <a:pPr lvl="1"/>
-            <a:r>
-              <a:rPr lang="es-UY" sz="2000" dirty="0" smtClean="0"/>
-              <a:t>Flujo Organismo cliente – PGE – Organismo proveedor</a:t>
-            </a:r>
-          </a:p>
-          <a:p>
-            <a:pPr lvl="1"/>
-            <a:r>
-              <a:rPr lang="es-UY" sz="2000" dirty="0" smtClean="0"/>
-              <a:t>Flujo Público general – PGE – Organismo proveedor</a:t>
-            </a:r>
-          </a:p>
-          <a:p>
-            <a:pPr lvl="1"/>
-            <a:r>
-              <a:rPr lang="es-UY" sz="2000" dirty="0" err="1" smtClean="0"/>
-              <a:t>getMap</a:t>
-            </a:r>
-            <a:r>
-              <a:rPr lang="es-UY" sz="2000" dirty="0" smtClean="0"/>
-              <a:t> y </a:t>
-            </a:r>
-            <a:r>
-              <a:rPr lang="es-UY" sz="2000" dirty="0" err="1" smtClean="0"/>
-              <a:t>getFeatureInfo</a:t>
-            </a:r>
-            <a:r>
-              <a:rPr lang="es-UY" sz="2000" dirty="0" smtClean="0"/>
-              <a:t> </a:t>
-            </a:r>
-          </a:p>
-          <a:p>
-            <a:pPr lvl="1">
-              <a:buNone/>
-            </a:pPr>
-            <a:endParaRPr lang="es-UY" sz="2200" dirty="0" smtClean="0"/>
-          </a:p>
-          <a:p>
-            <a:r>
-              <a:rPr lang="es-UY" sz="2200" dirty="0" smtClean="0"/>
-              <a:t>Documentación</a:t>
-            </a:r>
-          </a:p>
-          <a:p>
-            <a:pPr lvl="1"/>
-            <a:r>
-              <a:rPr lang="es-UY" sz="2000" dirty="0" smtClean="0"/>
-              <a:t>Casos de uso</a:t>
-            </a:r>
-          </a:p>
-          <a:p>
-            <a:pPr lvl="1"/>
-            <a:r>
-              <a:rPr lang="es-UY" sz="2000" dirty="0" smtClean="0"/>
-              <a:t>Arquitectura</a:t>
-            </a:r>
-          </a:p>
-          <a:p>
-            <a:pPr lvl="1"/>
-            <a:endParaRPr lang="es-UY" sz="2000" dirty="0" smtClean="0"/>
-          </a:p>
-          <a:p>
-            <a:pPr lvl="1"/>
-            <a:endParaRPr lang="es-UY" sz="2200" dirty="0"/>
-          </a:p>
-        </p:txBody>
-      </p:sp>
+          <a:bodyPr/>
+          <a:lstStyle/>
+          <a:p>
+            <a:endParaRPr lang="es-UY" dirty="0"/>
+          </a:p>
+        </p:txBody>
+      </p:sp>
+      <p:pic>
+        <p:nvPicPr>
+          <p:cNvPr id="4" name="Picture 3"/>
+          <p:cNvPicPr/>
+          <p:nvPr/>
+        </p:nvPicPr>
+        <p:blipFill>
+          <a:blip r:embed="rId2" cstate="print"/>
+          <a:srcRect/>
+          <a:stretch>
+            <a:fillRect/>
+          </a:stretch>
+        </p:blipFill>
+        <p:spPr bwMode="auto">
+          <a:xfrm>
+            <a:off x="226720" y="2564904"/>
+            <a:ext cx="8377728" cy="1152128"/>
+          </a:xfrm>
+          <a:prstGeom prst="rect">
+            <a:avLst/>
+          </a:prstGeom>
+          <a:noFill/>
+          <a:ln w="9525">
+            <a:noFill/>
+            <a:miter lim="800000"/>
+            <a:headEnd/>
+            <a:tailEnd/>
+          </a:ln>
+        </p:spPr>
+      </p:pic>
     </p:spTree>
   </p:cSld>
   <p:clrMapOvr>
@@ -5810,7 +6054,7 @@
           <a:p>
             <a:r>
               <a:rPr lang="es-UY" b="1" dirty="0" smtClean="0"/>
-              <a:t>Planificación al cierre</a:t>
+              <a:t>Diseño</a:t>
             </a:r>
             <a:endParaRPr lang="es-UY" b="1" dirty="0"/>
           </a:p>
@@ -5828,20 +6072,12 @@
         </p:nvSpPr>
         <p:spPr/>
         <p:txBody>
-          <a:bodyPr>
-            <a:normAutofit/>
-          </a:bodyPr>
-          <a:lstStyle/>
-          <a:p>
-            <a:pPr>
-              <a:buNone/>
-            </a:pPr>
-            <a:endParaRPr lang="es-UY" sz="2200" smtClean="0"/>
-          </a:p>
+          <a:bodyPr/>
+          <a:lstStyle/>
           <a:p>
             <a:r>
               <a:rPr lang="es-UY" sz="2200" dirty="0" smtClean="0"/>
-              <a:t>Integración con STS</a:t>
+              <a:t>Organismo cliente</a:t>
             </a:r>
           </a:p>
           <a:p>
@@ -5851,9 +6087,116 @@
             <a:endParaRPr lang="es-UY" sz="2200" dirty="0" smtClean="0"/>
           </a:p>
           <a:p>
+            <a:endParaRPr lang="es-UY" sz="2000" dirty="0"/>
+          </a:p>
+        </p:txBody>
+      </p:sp>
+      <p:pic>
+        <p:nvPicPr>
+          <p:cNvPr id="2050" name="Picture 2"/>
+          <p:cNvPicPr>
+            <a:picLocks noChangeAspect="1" noChangeArrowheads="1"/>
+          </p:cNvPicPr>
+          <p:nvPr/>
+        </p:nvPicPr>
+        <p:blipFill>
+          <a:blip r:embed="rId2" cstate="print"/>
+          <a:srcRect/>
+          <a:stretch>
+            <a:fillRect/>
+          </a:stretch>
+        </p:blipFill>
+        <p:spPr bwMode="auto">
+          <a:xfrm>
+            <a:off x="214282" y="2337872"/>
+            <a:ext cx="7917552" cy="4000528"/>
+          </a:xfrm>
+          <a:prstGeom prst="rect">
+            <a:avLst/>
+          </a:prstGeom>
+          <a:noFill/>
+          <a:ln w="9525">
+            <a:noFill/>
+            <a:miter lim="800000"/>
+            <a:headEnd/>
+            <a:tailEnd/>
+          </a:ln>
+          <a:effectLst/>
+        </p:spPr>
+      </p:pic>
+    </p:spTree>
+  </p:cSld>
+  <p:clrMapOvr>
+    <a:masterClrMapping/>
+  </p:clrMapOvr>
+  <p:timing>
+    <p:tnLst>
+      <p:par>
+        <p:cTn id="1" dur="indefinite" restart="never" nodeType="tmRoot"/>
+      </p:par>
+    </p:tnLst>
+  </p:timing>
+</p:sld>
+</file>
+
+<file path=ppt/slides/slide15.xml><?xml version="1.0" encoding="utf-8"?>
+<p:sld xmlns:a="http://schemas.openxmlformats.org/drawingml/2006/main" xmlns:r="http://schemas.openxmlformats.org/officeDocument/2006/relationships" xmlns:p="http://schemas.openxmlformats.org/presentationml/2006/main">
+  <p:cSld>
+    <p:spTree>
+      <p:nvGrpSpPr>
+        <p:cNvPr id="1" name=""/>
+        <p:cNvGrpSpPr/>
+        <p:nvPr/>
+      </p:nvGrpSpPr>
+      <p:grpSpPr>
+        <a:xfrm>
+          <a:off x="0" y="0"/>
+          <a:ext cx="0" cy="0"/>
+          <a:chOff x="0" y="0"/>
+          <a:chExt cx="0" cy="0"/>
+        </a:xfrm>
+      </p:grpSpPr>
+      <p:sp>
+        <p:nvSpPr>
+          <p:cNvPr id="2" name="1 Título"/>
+          <p:cNvSpPr>
+            <a:spLocks noGrp="1"/>
+          </p:cNvSpPr>
+          <p:nvPr>
+            <p:ph type="title"/>
+          </p:nvPr>
+        </p:nvSpPr>
+        <p:spPr/>
+        <p:txBody>
+          <a:bodyPr/>
+          <a:lstStyle/>
+          <a:p>
+            <a:r>
+              <a:rPr lang="es-UY" b="1" dirty="0" smtClean="0"/>
+              <a:t>Diseño</a:t>
+            </a:r>
+            <a:endParaRPr lang="es-UY" b="1" dirty="0"/>
+          </a:p>
+        </p:txBody>
+      </p:sp>
+      <p:sp>
+        <p:nvSpPr>
+          <p:cNvPr id="3" name="2 Marcador de contenido"/>
+          <p:cNvSpPr>
+            <a:spLocks noGrp="1"/>
+          </p:cNvSpPr>
+          <p:nvPr>
+            <p:ph sz="quarter" idx="1"/>
+          </p:nvPr>
+        </p:nvSpPr>
+        <p:spPr/>
+        <p:txBody>
+          <a:bodyPr/>
+          <a:lstStyle/>
+          <a:p>
             <a:r>
               <a:rPr lang="es-UY" sz="2200" dirty="0" smtClean="0"/>
-              <a:t>Manejo de excepciones</a:t>
+              <a:t>Público general</a:t>
             </a:r>
           </a:p>
           <a:p>
@@ -5863,11 +6206,112 @@
             <a:endParaRPr lang="es-UY" sz="2200" dirty="0" smtClean="0"/>
           </a:p>
           <a:p>
-            <a:r>
-              <a:rPr lang="es-UY" sz="2200" dirty="0" smtClean="0"/>
-              <a:t>Completar prueba de estándares WMS y WFS</a:t>
-            </a:r>
-          </a:p>
+            <a:endParaRPr lang="es-UY" sz="2000" dirty="0"/>
+          </a:p>
+        </p:txBody>
+      </p:sp>
+      <p:pic>
+        <p:nvPicPr>
+          <p:cNvPr id="1026" name="Picture 2"/>
+          <p:cNvPicPr>
+            <a:picLocks noChangeAspect="1" noChangeArrowheads="1"/>
+          </p:cNvPicPr>
+          <p:nvPr/>
+        </p:nvPicPr>
+        <p:blipFill>
+          <a:blip r:embed="rId2" cstate="print"/>
+          <a:srcRect/>
+          <a:stretch>
+            <a:fillRect/>
+          </a:stretch>
+        </p:blipFill>
+        <p:spPr bwMode="auto">
+          <a:xfrm>
+            <a:off x="160205" y="2058708"/>
+            <a:ext cx="7940695" cy="4370688"/>
+          </a:xfrm>
+          <a:prstGeom prst="rect">
+            <a:avLst/>
+          </a:prstGeom>
+          <a:noFill/>
+          <a:ln w="9525">
+            <a:noFill/>
+            <a:miter lim="800000"/>
+            <a:headEnd/>
+            <a:tailEnd/>
+          </a:ln>
+          <a:effectLst/>
+        </p:spPr>
+      </p:pic>
+    </p:spTree>
+  </p:cSld>
+  <p:clrMapOvr>
+    <a:masterClrMapping/>
+  </p:clrMapOvr>
+  <p:timing>
+    <p:tnLst>
+      <p:par>
+        <p:cTn id="1" dur="indefinite" restart="never" nodeType="tmRoot"/>
+      </p:par>
+    </p:tnLst>
+  </p:timing>
+</p:sld>
+</file>
+
+<file path=ppt/slides/slide16.xml><?xml version="1.0" encoding="utf-8"?>
+<p:sld xmlns:a="http://schemas.openxmlformats.org/drawingml/2006/main" xmlns:r="http://schemas.openxmlformats.org/officeDocument/2006/relationships" xmlns:p="http://schemas.openxmlformats.org/presentationml/2006/main">
+  <p:cSld>
+    <p:spTree>
+      <p:nvGrpSpPr>
+        <p:cNvPr id="1" name=""/>
+        <p:cNvGrpSpPr/>
+        <p:nvPr/>
+      </p:nvGrpSpPr>
+      <p:grpSpPr>
+        <a:xfrm>
+          <a:off x="0" y="0"/>
+          <a:ext cx="0" cy="0"/>
+          <a:chOff x="0" y="0"/>
+          <a:chExt cx="0" cy="0"/>
+        </a:xfrm>
+      </p:grpSpPr>
+      <p:sp>
+        <p:nvSpPr>
+          <p:cNvPr id="2" name="1 Título"/>
+          <p:cNvSpPr>
+            <a:spLocks noGrp="1"/>
+          </p:cNvSpPr>
+          <p:nvPr>
+            <p:ph type="title"/>
+          </p:nvPr>
+        </p:nvSpPr>
+        <p:spPr/>
+        <p:txBody>
+          <a:bodyPr/>
+          <a:lstStyle/>
+          <a:p>
+            <a:r>
+              <a:rPr lang="es-UY" b="1" dirty="0" smtClean="0"/>
+              <a:t>Tecnologías</a:t>
+            </a:r>
+            <a:endParaRPr lang="es-UY" b="1" dirty="0"/>
+          </a:p>
+        </p:txBody>
+      </p:sp>
+      <p:sp>
+        <p:nvSpPr>
+          <p:cNvPr id="3" name="2 Marcador de contenido"/>
+          <p:cNvSpPr>
+            <a:spLocks noGrp="1"/>
+          </p:cNvSpPr>
+          <p:nvPr>
+            <p:ph sz="quarter" idx="1"/>
+          </p:nvPr>
+        </p:nvSpPr>
+        <p:spPr/>
+        <p:txBody>
+          <a:bodyPr/>
+          <a:lstStyle/>
           <a:p>
             <a:pPr>
               <a:buNone/>
@@ -5877,8 +6321,24 @@
           <a:p>
             <a:r>
               <a:rPr lang="es-UY" sz="2200" dirty="0" smtClean="0"/>
-              <a:t>Generar caso de estudio</a:t>
-            </a:r>
+              <a:t>Servidores geográficos</a:t>
+            </a:r>
+          </a:p>
+          <a:p>
+            <a:pPr lvl="1"/>
+            <a:r>
+              <a:rPr lang="es-UY" sz="2000" dirty="0" err="1" smtClean="0"/>
+              <a:t>Geoserver</a:t>
+            </a:r>
+            <a:endParaRPr lang="es-UY" sz="2000" dirty="0" smtClean="0"/>
+          </a:p>
+          <a:p>
+            <a:pPr lvl="1"/>
+            <a:r>
+              <a:rPr lang="es-UY" sz="2000" dirty="0" err="1" smtClean="0"/>
+              <a:t>Mapserver</a:t>
+            </a:r>
+            <a:endParaRPr lang="es-UY" sz="2000" dirty="0" smtClean="0"/>
           </a:p>
           <a:p>
             <a:pPr>
@@ -5888,13 +6348,551 @@
           </a:p>
           <a:p>
             <a:r>
+              <a:rPr lang="es-UY" sz="2200" dirty="0" err="1" smtClean="0"/>
+              <a:t>Jboss</a:t>
+            </a:r>
+            <a:r>
               <a:rPr lang="es-UY" sz="2200" dirty="0" smtClean="0"/>
+              <a:t> </a:t>
+            </a:r>
+            <a:r>
+              <a:rPr lang="es-UY" sz="2200" dirty="0" smtClean="0"/>
+              <a:t>ESB </a:t>
+            </a:r>
+            <a:r>
+              <a:rPr lang="es-UY" sz="2200" dirty="0" smtClean="0"/>
+              <a:t>4.9</a:t>
+            </a:r>
+          </a:p>
+          <a:p>
+            <a:pPr>
+              <a:buNone/>
+            </a:pPr>
+            <a:endParaRPr lang="es-UY" sz="2200" dirty="0" smtClean="0"/>
+          </a:p>
+          <a:p>
+            <a:r>
+              <a:rPr lang="es-UY" sz="2200" dirty="0" smtClean="0"/>
+              <a:t>Plataforma de </a:t>
+            </a:r>
+            <a:r>
+              <a:rPr lang="es-UY" sz="2200" dirty="0" err="1" smtClean="0"/>
+              <a:t>eGob</a:t>
+            </a:r>
+            <a:r>
+              <a:rPr lang="es-UY" sz="2200" dirty="0" smtClean="0"/>
+              <a:t> de Uruguay</a:t>
+            </a:r>
+          </a:p>
+          <a:p>
+            <a:pPr>
+              <a:buNone/>
+            </a:pPr>
+            <a:endParaRPr lang="es-UY" sz="2200" dirty="0" smtClean="0"/>
+          </a:p>
+          <a:p>
+            <a:r>
+              <a:rPr lang="es-UY" sz="2200" dirty="0" err="1" smtClean="0"/>
+              <a:t>Postgres</a:t>
+            </a:r>
+            <a:r>
+              <a:rPr lang="es-UY" sz="2200" dirty="0" smtClean="0"/>
+              <a:t> / </a:t>
+            </a:r>
+            <a:r>
+              <a:rPr lang="es-UY" sz="2200" dirty="0" err="1" smtClean="0"/>
+              <a:t>Postgis</a:t>
+            </a:r>
+            <a:endParaRPr lang="es-UY" sz="2200" dirty="0" smtClean="0"/>
+          </a:p>
+          <a:p>
+            <a:pPr>
+              <a:buNone/>
+            </a:pPr>
+            <a:endParaRPr lang="es-UY" sz="2200" dirty="0" smtClean="0"/>
+          </a:p>
+          <a:p>
+            <a:pPr lvl="1">
+              <a:buNone/>
+            </a:pPr>
+            <a:endParaRPr lang="es-UY" dirty="0"/>
+          </a:p>
+        </p:txBody>
+      </p:sp>
+    </p:spTree>
+  </p:cSld>
+  <p:clrMapOvr>
+    <a:masterClrMapping/>
+  </p:clrMapOvr>
+  <p:timing>
+    <p:tnLst>
+      <p:par>
+        <p:cTn id="1" dur="indefinite" restart="never" nodeType="tmRoot"/>
+      </p:par>
+    </p:tnLst>
+  </p:timing>
+</p:sld>
+</file>
+
+<file path=ppt/slides/slide17.xml><?xml version="1.0" encoding="utf-8"?>
+<p:sld xmlns:a="http://schemas.openxmlformats.org/drawingml/2006/main" xmlns:r="http://schemas.openxmlformats.org/officeDocument/2006/relationships" xmlns:p="http://schemas.openxmlformats.org/presentationml/2006/main">
+  <p:cSld>
+    <p:spTree>
+      <p:nvGrpSpPr>
+        <p:cNvPr id="1" name=""/>
+        <p:cNvGrpSpPr/>
+        <p:nvPr/>
+      </p:nvGrpSpPr>
+      <p:grpSpPr>
+        <a:xfrm>
+          <a:off x="0" y="0"/>
+          <a:ext cx="0" cy="0"/>
+          <a:chOff x="0" y="0"/>
+          <a:chExt cx="0" cy="0"/>
+        </a:xfrm>
+      </p:grpSpPr>
+      <p:sp>
+        <p:nvSpPr>
+          <p:cNvPr id="2" name="1 Título"/>
+          <p:cNvSpPr>
+            <a:spLocks noGrp="1"/>
+          </p:cNvSpPr>
+          <p:nvPr>
+            <p:ph type="title"/>
+          </p:nvPr>
+        </p:nvSpPr>
+        <p:spPr/>
+        <p:txBody>
+          <a:bodyPr/>
+          <a:lstStyle/>
+          <a:p>
+            <a:r>
+              <a:rPr lang="es-UY" b="1" dirty="0" smtClean="0"/>
+              <a:t>Estado Actual</a:t>
+            </a:r>
+            <a:endParaRPr lang="es-UY" b="1" dirty="0"/>
+          </a:p>
+        </p:txBody>
+      </p:sp>
+      <p:sp>
+        <p:nvSpPr>
+          <p:cNvPr id="3" name="2 Marcador de contenido"/>
+          <p:cNvSpPr>
+            <a:spLocks noGrp="1"/>
+          </p:cNvSpPr>
+          <p:nvPr>
+            <p:ph sz="quarter" idx="1"/>
+          </p:nvPr>
+        </p:nvSpPr>
+        <p:spPr/>
+        <p:txBody>
+          <a:bodyPr>
+            <a:normAutofit/>
+          </a:bodyPr>
+          <a:lstStyle/>
+          <a:p>
+            <a:pPr>
+              <a:buNone/>
+            </a:pPr>
+            <a:endParaRPr lang="es-UY" sz="2200" dirty="0" smtClean="0"/>
+          </a:p>
+          <a:p>
+            <a:r>
+              <a:rPr lang="es-UY" sz="2200" dirty="0" smtClean="0"/>
+              <a:t>Implementación</a:t>
+            </a:r>
+          </a:p>
+          <a:p>
+            <a:pPr lvl="1"/>
+            <a:r>
+              <a:rPr lang="es-UY" sz="2000" dirty="0" smtClean="0"/>
+              <a:t>Flujo Organismo cliente – PGE – Organismo proveedor</a:t>
+            </a:r>
+          </a:p>
+          <a:p>
+            <a:pPr lvl="1"/>
+            <a:r>
+              <a:rPr lang="es-UY" sz="2000" dirty="0" smtClean="0"/>
+              <a:t>Flujo Público general – PGE – Organismo proveedor</a:t>
+            </a:r>
+          </a:p>
+          <a:p>
+            <a:pPr lvl="1"/>
+            <a:r>
+              <a:rPr lang="es-UY" sz="2000" dirty="0" err="1" smtClean="0"/>
+              <a:t>getMap</a:t>
+            </a:r>
+            <a:r>
+              <a:rPr lang="es-UY" sz="2000" dirty="0" smtClean="0"/>
+              <a:t> y </a:t>
+            </a:r>
+            <a:r>
+              <a:rPr lang="es-UY" sz="2000" dirty="0" err="1" smtClean="0"/>
+              <a:t>getFeatureInfo</a:t>
+            </a:r>
+            <a:r>
+              <a:rPr lang="es-UY" sz="2000" dirty="0" smtClean="0"/>
+              <a:t> </a:t>
+            </a:r>
+          </a:p>
+          <a:p>
+            <a:pPr lvl="1">
+              <a:buNone/>
+            </a:pPr>
+            <a:endParaRPr lang="es-UY" sz="2200" dirty="0" smtClean="0"/>
+          </a:p>
+          <a:p>
+            <a:r>
+              <a:rPr lang="es-UY" sz="2200" dirty="0" smtClean="0"/>
+              <a:t>Documentación</a:t>
+            </a:r>
+          </a:p>
+          <a:p>
+            <a:pPr lvl="1"/>
+            <a:r>
+              <a:rPr lang="es-UY" sz="2000" dirty="0" smtClean="0"/>
+              <a:t>Casos de uso</a:t>
+            </a:r>
+          </a:p>
+          <a:p>
+            <a:pPr lvl="1"/>
+            <a:r>
+              <a:rPr lang="es-UY" sz="2000" dirty="0" smtClean="0"/>
+              <a:t>Arquitectura</a:t>
+            </a:r>
+          </a:p>
+          <a:p>
+            <a:pPr lvl="1"/>
+            <a:r>
+              <a:rPr lang="es-UY" sz="2000" dirty="0" smtClean="0"/>
               <a:t>Documento principal</a:t>
             </a:r>
+            <a:endParaRPr lang="es-UY" sz="2000" dirty="0" smtClean="0"/>
+          </a:p>
+          <a:p>
+            <a:pPr lvl="1"/>
+            <a:endParaRPr lang="es-UY" sz="2000" dirty="0" smtClean="0"/>
+          </a:p>
+          <a:p>
+            <a:pPr lvl="1"/>
             <a:endParaRPr lang="es-UY" sz="2200" dirty="0"/>
           </a:p>
         </p:txBody>
       </p:sp>
+    </p:spTree>
+  </p:cSld>
+  <p:clrMapOvr>
+    <a:masterClrMapping/>
+  </p:clrMapOvr>
+  <p:timing>
+    <p:tnLst>
+      <p:par>
+        <p:cTn id="1" dur="indefinite" restart="never" nodeType="tmRoot"/>
+      </p:par>
+    </p:tnLst>
+  </p:timing>
+</p:sld>
+</file>
+
+<file path=ppt/slides/slide18.xml><?xml version="1.0" encoding="utf-8"?>
+<p:sld xmlns:a="http://schemas.openxmlformats.org/drawingml/2006/main" xmlns:r="http://schemas.openxmlformats.org/officeDocument/2006/relationships" xmlns:p="http://schemas.openxmlformats.org/presentationml/2006/main">
+  <p:cSld>
+    <p:spTree>
+      <p:nvGrpSpPr>
+        <p:cNvPr id="1" name=""/>
+        <p:cNvGrpSpPr/>
+        <p:nvPr/>
+      </p:nvGrpSpPr>
+      <p:grpSpPr>
+        <a:xfrm>
+          <a:off x="0" y="0"/>
+          <a:ext cx="0" cy="0"/>
+          <a:chOff x="0" y="0"/>
+          <a:chExt cx="0" cy="0"/>
+        </a:xfrm>
+      </p:grpSpPr>
+      <p:sp>
+        <p:nvSpPr>
+          <p:cNvPr id="2" name="1 Título"/>
+          <p:cNvSpPr>
+            <a:spLocks noGrp="1"/>
+          </p:cNvSpPr>
+          <p:nvPr>
+            <p:ph type="title"/>
+          </p:nvPr>
+        </p:nvSpPr>
+        <p:spPr/>
+        <p:txBody>
+          <a:bodyPr/>
+          <a:lstStyle/>
+          <a:p>
+            <a:r>
+              <a:rPr lang="es-UY" b="1" dirty="0" smtClean="0"/>
+              <a:t>Planificación al cierre</a:t>
+            </a:r>
+            <a:endParaRPr lang="es-UY" b="1" dirty="0"/>
+          </a:p>
+        </p:txBody>
+      </p:sp>
+      <p:sp>
+        <p:nvSpPr>
+          <p:cNvPr id="3" name="2 Marcador de contenido"/>
+          <p:cNvSpPr>
+            <a:spLocks noGrp="1"/>
+          </p:cNvSpPr>
+          <p:nvPr>
+            <p:ph sz="quarter" idx="1"/>
+          </p:nvPr>
+        </p:nvSpPr>
+        <p:spPr/>
+        <p:txBody>
+          <a:bodyPr>
+            <a:normAutofit lnSpcReduction="10000"/>
+          </a:bodyPr>
+          <a:lstStyle/>
+          <a:p>
+            <a:r>
+              <a:rPr lang="es-UY" sz="2200" dirty="0" smtClean="0"/>
+              <a:t>Integración </a:t>
+            </a:r>
+            <a:r>
+              <a:rPr lang="es-UY" sz="2200" dirty="0" smtClean="0"/>
+              <a:t>con </a:t>
+            </a:r>
+            <a:r>
+              <a:rPr lang="es-UY" sz="2200" dirty="0" smtClean="0"/>
+              <a:t>STS (2 </a:t>
+            </a:r>
+            <a:r>
+              <a:rPr lang="es-UY" sz="2200" dirty="0" err="1" smtClean="0"/>
+              <a:t>sem</a:t>
+            </a:r>
+            <a:r>
+              <a:rPr lang="es-UY" sz="2200" dirty="0" smtClean="0"/>
+              <a:t>.)</a:t>
+            </a:r>
+            <a:endParaRPr lang="es-UY" sz="2200" dirty="0" smtClean="0"/>
+          </a:p>
+          <a:p>
+            <a:pPr>
+              <a:buNone/>
+            </a:pPr>
+            <a:endParaRPr lang="es-UY" sz="2200" dirty="0" smtClean="0"/>
+          </a:p>
+          <a:p>
+            <a:r>
+              <a:rPr lang="es-UY" sz="2200" dirty="0" smtClean="0"/>
+              <a:t>Manejo de </a:t>
+            </a:r>
+            <a:r>
+              <a:rPr lang="es-UY" sz="2200" dirty="0" smtClean="0"/>
+              <a:t>excepciones </a:t>
+            </a:r>
+            <a:r>
+              <a:rPr lang="es-UY" sz="2200" dirty="0" smtClean="0"/>
+              <a:t>(1 </a:t>
+            </a:r>
+            <a:r>
+              <a:rPr lang="es-UY" sz="2200" dirty="0" err="1" smtClean="0"/>
+              <a:t>sem</a:t>
+            </a:r>
+            <a:r>
+              <a:rPr lang="es-UY" sz="2200" dirty="0" smtClean="0"/>
+              <a:t>.)</a:t>
+            </a:r>
+            <a:endParaRPr lang="es-UY" sz="2200" dirty="0" smtClean="0"/>
+          </a:p>
+          <a:p>
+            <a:endParaRPr lang="es-UY" sz="2200" dirty="0" smtClean="0"/>
+          </a:p>
+          <a:p>
+            <a:r>
+              <a:rPr lang="es-UY" sz="2200" dirty="0" smtClean="0"/>
+              <a:t>Evaluar opciones </a:t>
+            </a:r>
+            <a:r>
+              <a:rPr lang="es-UY" sz="2200" dirty="0" smtClean="0"/>
+              <a:t>de asincronismo </a:t>
+            </a:r>
+            <a:r>
+              <a:rPr lang="es-UY" sz="2200" dirty="0" smtClean="0"/>
+              <a:t>(1 </a:t>
+            </a:r>
+            <a:r>
+              <a:rPr lang="es-UY" sz="2200" dirty="0" err="1" smtClean="0"/>
+              <a:t>sem</a:t>
+            </a:r>
+            <a:r>
+              <a:rPr lang="es-UY" sz="2200" dirty="0" smtClean="0"/>
+              <a:t>.)</a:t>
+            </a:r>
+            <a:endParaRPr lang="es-UY" sz="2200" dirty="0" smtClean="0"/>
+          </a:p>
+          <a:p>
+            <a:pPr>
+              <a:buNone/>
+            </a:pPr>
+            <a:endParaRPr lang="es-UY" sz="2200" dirty="0" smtClean="0"/>
+          </a:p>
+          <a:p>
+            <a:r>
+              <a:rPr lang="es-UY" sz="2200" dirty="0" smtClean="0"/>
+              <a:t>Completar prueba de estándares WMS y </a:t>
+            </a:r>
+            <a:r>
+              <a:rPr lang="es-UY" sz="2200" dirty="0" smtClean="0"/>
+              <a:t>WFS </a:t>
+            </a:r>
+            <a:r>
+              <a:rPr lang="es-UY" sz="2200" dirty="0" smtClean="0"/>
+              <a:t>(2 </a:t>
+            </a:r>
+            <a:r>
+              <a:rPr lang="es-UY" sz="2200" dirty="0" err="1" smtClean="0"/>
+              <a:t>sem</a:t>
+            </a:r>
+            <a:r>
+              <a:rPr lang="es-UY" sz="2200" dirty="0" smtClean="0"/>
+              <a:t>.)</a:t>
+            </a:r>
+            <a:endParaRPr lang="es-UY" sz="2200" dirty="0" smtClean="0"/>
+          </a:p>
+          <a:p>
+            <a:pPr>
+              <a:buNone/>
+            </a:pPr>
+            <a:endParaRPr lang="es-UY" sz="2200" dirty="0" smtClean="0"/>
+          </a:p>
+          <a:p>
+            <a:r>
+              <a:rPr lang="es-UY" sz="2200" dirty="0" smtClean="0"/>
+              <a:t>Diseñar </a:t>
+            </a:r>
+            <a:r>
+              <a:rPr lang="es-UY" sz="2200" dirty="0" smtClean="0"/>
+              <a:t>caso de </a:t>
+            </a:r>
+            <a:r>
+              <a:rPr lang="es-UY" sz="2200" dirty="0" smtClean="0"/>
+              <a:t>estudio </a:t>
+            </a:r>
+            <a:r>
+              <a:rPr lang="es-UY" sz="2200" dirty="0" smtClean="0"/>
+              <a:t>(1 </a:t>
+            </a:r>
+            <a:r>
+              <a:rPr lang="es-UY" sz="2200" dirty="0" err="1" smtClean="0"/>
+              <a:t>sem</a:t>
+            </a:r>
+            <a:r>
+              <a:rPr lang="es-UY" sz="2200" dirty="0" smtClean="0"/>
+              <a:t>.)</a:t>
+            </a:r>
+            <a:endParaRPr lang="es-UY" sz="2200" dirty="0" smtClean="0"/>
+          </a:p>
+          <a:p>
+            <a:pPr>
+              <a:buNone/>
+            </a:pPr>
+            <a:endParaRPr lang="es-UY" sz="2200" dirty="0" smtClean="0"/>
+          </a:p>
+          <a:p>
+            <a:r>
+              <a:rPr lang="es-UY" sz="2200" dirty="0" smtClean="0"/>
+              <a:t>Finalizar documento principal (2 </a:t>
+            </a:r>
+            <a:r>
+              <a:rPr lang="es-UY" sz="2200" dirty="0" err="1" smtClean="0"/>
+              <a:t>sem</a:t>
+            </a:r>
+            <a:r>
+              <a:rPr lang="es-UY" sz="2200" dirty="0" smtClean="0"/>
+              <a:t>.)</a:t>
+            </a:r>
+          </a:p>
+          <a:p>
+            <a:endParaRPr lang="es-UY" sz="2200" dirty="0"/>
+          </a:p>
+        </p:txBody>
+      </p:sp>
+    </p:spTree>
+  </p:cSld>
+  <p:clrMapOvr>
+    <a:masterClrMapping/>
+  </p:clrMapOvr>
+  <p:timing>
+    <p:tnLst>
+      <p:par>
+        <p:cTn id="1" dur="indefinite" restart="never" nodeType="tmRoot"/>
+      </p:par>
+    </p:tnLst>
+  </p:timing>
+</p:sld>
+</file>
+
+<file path=ppt/slides/slide19.xml><?xml version="1.0" encoding="utf-8"?>
+<p:sld xmlns:a="http://schemas.openxmlformats.org/drawingml/2006/main" xmlns:r="http://schemas.openxmlformats.org/officeDocument/2006/relationships" xmlns:p="http://schemas.openxmlformats.org/presentationml/2006/main">
+  <p:cSld>
+    <p:spTree>
+      <p:nvGrpSpPr>
+        <p:cNvPr id="1" name=""/>
+        <p:cNvGrpSpPr/>
+        <p:nvPr/>
+      </p:nvGrpSpPr>
+      <p:grpSpPr>
+        <a:xfrm>
+          <a:off x="0" y="0"/>
+          <a:ext cx="0" cy="0"/>
+          <a:chOff x="0" y="0"/>
+          <a:chExt cx="0" cy="0"/>
+        </a:xfrm>
+      </p:grpSpPr>
+      <p:sp>
+        <p:nvSpPr>
+          <p:cNvPr id="2" name="Title 1"/>
+          <p:cNvSpPr>
+            <a:spLocks noGrp="1"/>
+          </p:cNvSpPr>
+          <p:nvPr>
+            <p:ph type="title"/>
+          </p:nvPr>
+        </p:nvSpPr>
+        <p:spPr/>
+        <p:txBody>
+          <a:bodyPr/>
+          <a:lstStyle/>
+          <a:p>
+            <a:r>
+              <a:rPr lang="es-UY" dirty="0" err="1" smtClean="0"/>
+              <a:t>gantt</a:t>
+            </a:r>
+            <a:endParaRPr lang="es-UY" dirty="0"/>
+          </a:p>
+        </p:txBody>
+      </p:sp>
+      <p:pic>
+        <p:nvPicPr>
+          <p:cNvPr id="4" name="Content Placeholder 3" descr="Gantt Project.png"/>
+          <p:cNvPicPr>
+            <a:picLocks noGrp="1" noChangeAspect="1"/>
+          </p:cNvPicPr>
+          <p:nvPr>
+            <p:ph sz="quarter" idx="1"/>
+          </p:nvPr>
+        </p:nvPicPr>
+        <p:blipFill>
+          <a:blip r:embed="rId2" cstate="print"/>
+          <a:stretch>
+            <a:fillRect/>
+          </a:stretch>
+        </p:blipFill>
+        <p:spPr>
+          <a:xfrm>
+            <a:off x="251520" y="2348880"/>
+            <a:ext cx="8294553" cy="2529383"/>
+          </a:xfrm>
+        </p:spPr>
+      </p:pic>
     </p:spTree>
   </p:cSld>
   <p:clrMapOvr>
@@ -5903,7 +6901,155 @@
 </p:sld>
 </file>
 
-<file path=ppt/slides/slide15.xml><?xml version="1.0" encoding="utf-8"?>
+<file path=ppt/slides/slide2.xml><?xml version="1.0" encoding="utf-8"?>
+<p:sld xmlns:a="http://schemas.openxmlformats.org/drawingml/2006/main" xmlns:r="http://schemas.openxmlformats.org/officeDocument/2006/relationships" xmlns:p="http://schemas.openxmlformats.org/presentationml/2006/main">
+  <p:cSld>
+    <p:spTree>
+      <p:nvGrpSpPr>
+        <p:cNvPr id="1" name=""/>
+        <p:cNvGrpSpPr/>
+        <p:nvPr/>
+      </p:nvGrpSpPr>
+      <p:grpSpPr>
+        <a:xfrm>
+          <a:off x="0" y="0"/>
+          <a:ext cx="0" cy="0"/>
+          <a:chOff x="0" y="0"/>
+          <a:chExt cx="0" cy="0"/>
+        </a:xfrm>
+      </p:grpSpPr>
+      <p:sp>
+        <p:nvSpPr>
+          <p:cNvPr id="2" name="1 Título"/>
+          <p:cNvSpPr>
+            <a:spLocks noGrp="1"/>
+          </p:cNvSpPr>
+          <p:nvPr>
+            <p:ph type="title"/>
+          </p:nvPr>
+        </p:nvSpPr>
+        <p:spPr/>
+        <p:txBody>
+          <a:bodyPr/>
+          <a:lstStyle/>
+          <a:p>
+            <a:r>
+              <a:rPr lang="es-UY" dirty="0" smtClean="0"/>
+              <a:t>Temario</a:t>
+            </a:r>
+            <a:endParaRPr lang="es-UY" dirty="0"/>
+          </a:p>
+        </p:txBody>
+      </p:sp>
+      <p:sp>
+        <p:nvSpPr>
+          <p:cNvPr id="3" name="2 Marcador de contenido"/>
+          <p:cNvSpPr>
+            <a:spLocks noGrp="1"/>
+          </p:cNvSpPr>
+          <p:nvPr>
+            <p:ph sz="quarter" idx="1"/>
+          </p:nvPr>
+        </p:nvSpPr>
+        <p:spPr/>
+        <p:txBody>
+          <a:bodyPr>
+            <a:normAutofit fontScale="92500" lnSpcReduction="20000"/>
+          </a:bodyPr>
+          <a:lstStyle/>
+          <a:p>
+            <a:r>
+              <a:rPr lang="es-UY" dirty="0" smtClean="0"/>
+              <a:t>Contexto</a:t>
+            </a:r>
+          </a:p>
+          <a:p>
+            <a:endParaRPr lang="es-UY" dirty="0" smtClean="0"/>
+          </a:p>
+          <a:p>
+            <a:r>
+              <a:rPr lang="es-UY" dirty="0" smtClean="0"/>
+              <a:t>Objetivos</a:t>
+            </a:r>
+          </a:p>
+          <a:p>
+            <a:endParaRPr lang="es-UY" dirty="0" smtClean="0"/>
+          </a:p>
+          <a:p>
+            <a:r>
+              <a:rPr lang="es-UY" dirty="0" smtClean="0"/>
+              <a:t>Estudio Inicial</a:t>
+            </a:r>
+          </a:p>
+          <a:p>
+            <a:endParaRPr lang="es-UY" dirty="0" smtClean="0"/>
+          </a:p>
+          <a:p>
+            <a:r>
+              <a:rPr lang="es-UY" dirty="0" smtClean="0"/>
+              <a:t>Análisis y Diseño</a:t>
+            </a:r>
+          </a:p>
+          <a:p>
+            <a:endParaRPr lang="es-UY" dirty="0" smtClean="0"/>
+          </a:p>
+          <a:p>
+            <a:r>
+              <a:rPr lang="es-UY" dirty="0" smtClean="0"/>
+              <a:t>Tecnologías</a:t>
+            </a:r>
+          </a:p>
+          <a:p>
+            <a:endParaRPr lang="es-UY" dirty="0" smtClean="0"/>
+          </a:p>
+          <a:p>
+            <a:r>
+              <a:rPr lang="es-UY" dirty="0" smtClean="0"/>
+              <a:t>Estado Actual</a:t>
+            </a:r>
+          </a:p>
+          <a:p>
+            <a:endParaRPr lang="es-UY" dirty="0" smtClean="0"/>
+          </a:p>
+          <a:p>
+            <a:r>
+              <a:rPr lang="es-UY" dirty="0" smtClean="0"/>
+              <a:t>Planificación al Cierre</a:t>
+            </a:r>
+          </a:p>
+          <a:p>
+            <a:endParaRPr lang="es-UY" dirty="0" smtClean="0"/>
+          </a:p>
+          <a:p>
+            <a:endParaRPr lang="es-UY" dirty="0" smtClean="0"/>
+          </a:p>
+          <a:p>
+            <a:endParaRPr lang="es-UY" dirty="0" smtClean="0"/>
+          </a:p>
+          <a:p>
+            <a:endParaRPr lang="es-UY" dirty="0" smtClean="0"/>
+          </a:p>
+          <a:p>
+            <a:endParaRPr lang="es-UY" dirty="0"/>
+          </a:p>
+        </p:txBody>
+      </p:sp>
+    </p:spTree>
+  </p:cSld>
+  <p:clrMapOvr>
+    <a:masterClrMapping/>
+  </p:clrMapOvr>
+  <p:timing>
+    <p:tnLst>
+      <p:par>
+        <p:cTn id="1" dur="indefinite" restart="never" nodeType="tmRoot"/>
+      </p:par>
+    </p:tnLst>
+  </p:timing>
+</p:sld>
+</file>
+
+<file path=ppt/slides/slide20.xml><?xml version="1.0" encoding="utf-8"?>
 <p:sld xmlns:a="http://schemas.openxmlformats.org/drawingml/2006/main" xmlns:r="http://schemas.openxmlformats.org/officeDocument/2006/relationships" xmlns:p="http://schemas.openxmlformats.org/presentationml/2006/main">
   <p:cSld>
     <p:spTree>
@@ -5931,7 +7077,7 @@
           </p:nvPr>
         </p:nvPicPr>
         <p:blipFill>
-          <a:blip r:embed="rId2"/>
+          <a:blip r:embed="rId2" cstate="print"/>
           <a:stretch>
             <a:fillRect/>
           </a:stretch>
@@ -5943,154 +7089,6 @@
           </a:xfrm>
         </p:spPr>
       </p:pic>
-    </p:spTree>
-  </p:cSld>
-  <p:clrMapOvr>
-    <a:masterClrMapping/>
-  </p:clrMapOvr>
-  <p:timing>
-    <p:tnLst>
-      <p:par>
-        <p:cTn id="1" dur="indefinite" restart="never" nodeType="tmRoot"/>
-      </p:par>
-    </p:tnLst>
-  </p:timing>
-</p:sld>
-</file>
-
-<file path=ppt/slides/slide2.xml><?xml version="1.0" encoding="utf-8"?>
-<p:sld xmlns:a="http://schemas.openxmlformats.org/drawingml/2006/main" xmlns:r="http://schemas.openxmlformats.org/officeDocument/2006/relationships" xmlns:p="http://schemas.openxmlformats.org/presentationml/2006/main">
-  <p:cSld>
-    <p:spTree>
-      <p:nvGrpSpPr>
-        <p:cNvPr id="1" name=""/>
-        <p:cNvGrpSpPr/>
-        <p:nvPr/>
-      </p:nvGrpSpPr>
-      <p:grpSpPr>
-        <a:xfrm>
-          <a:off x="0" y="0"/>
-          <a:ext cx="0" cy="0"/>
-          <a:chOff x="0" y="0"/>
-          <a:chExt cx="0" cy="0"/>
-        </a:xfrm>
-      </p:grpSpPr>
-      <p:sp>
-        <p:nvSpPr>
-          <p:cNvPr id="2" name="1 Título"/>
-          <p:cNvSpPr>
-            <a:spLocks noGrp="1"/>
-          </p:cNvSpPr>
-          <p:nvPr>
-            <p:ph type="title"/>
-          </p:nvPr>
-        </p:nvSpPr>
-        <p:spPr/>
-        <p:txBody>
-          <a:bodyPr/>
-          <a:lstStyle/>
-          <a:p>
-            <a:r>
-              <a:rPr lang="es-UY" dirty="0" smtClean="0"/>
-              <a:t>Temario</a:t>
-            </a:r>
-            <a:endParaRPr lang="es-UY" dirty="0"/>
-          </a:p>
-        </p:txBody>
-      </p:sp>
-      <p:sp>
-        <p:nvSpPr>
-          <p:cNvPr id="3" name="2 Marcador de contenido"/>
-          <p:cNvSpPr>
-            <a:spLocks noGrp="1"/>
-          </p:cNvSpPr>
-          <p:nvPr>
-            <p:ph sz="quarter" idx="1"/>
-          </p:nvPr>
-        </p:nvSpPr>
-        <p:spPr/>
-        <p:txBody>
-          <a:bodyPr>
-            <a:normAutofit fontScale="92500" lnSpcReduction="20000"/>
-          </a:bodyPr>
-          <a:lstStyle/>
-          <a:p>
-            <a:r>
-              <a:rPr lang="es-UY" dirty="0" smtClean="0"/>
-              <a:t>Contexto</a:t>
-            </a:r>
-          </a:p>
-          <a:p>
-            <a:endParaRPr lang="es-UY" dirty="0" smtClean="0"/>
-          </a:p>
-          <a:p>
-            <a:r>
-              <a:rPr lang="es-UY" dirty="0" smtClean="0"/>
-              <a:t>Objetivos</a:t>
-            </a:r>
-          </a:p>
-          <a:p>
-            <a:endParaRPr lang="es-UY" dirty="0" smtClean="0"/>
-          </a:p>
-          <a:p>
-            <a:r>
-              <a:rPr lang="es-UY" dirty="0" smtClean="0"/>
-              <a:t>Estudio Inicial</a:t>
-            </a:r>
-          </a:p>
-          <a:p>
-            <a:endParaRPr lang="es-UY" dirty="0" smtClean="0"/>
-          </a:p>
-          <a:p>
-            <a:r>
-              <a:rPr lang="es-UY" dirty="0" smtClean="0"/>
-              <a:t>Análisis y Diseño</a:t>
-            </a:r>
-          </a:p>
-          <a:p>
-            <a:endParaRPr lang="es-UY" dirty="0" smtClean="0"/>
-          </a:p>
-          <a:p>
-            <a:r>
-              <a:rPr lang="es-UY" dirty="0" smtClean="0"/>
-              <a:t>Tecnologías</a:t>
-            </a:r>
-          </a:p>
-          <a:p>
-            <a:endParaRPr lang="es-UY" dirty="0" smtClean="0"/>
-          </a:p>
-          <a:p>
-            <a:r>
-              <a:rPr lang="es-UY" dirty="0" smtClean="0"/>
-              <a:t>Estado Actual</a:t>
-            </a:r>
-          </a:p>
-          <a:p>
-            <a:endParaRPr lang="es-UY" dirty="0" smtClean="0"/>
-          </a:p>
-          <a:p>
-            <a:r>
-              <a:rPr lang="es-UY" dirty="0" smtClean="0"/>
-              <a:t>Planificación al Cierre</a:t>
-            </a:r>
-          </a:p>
-          <a:p>
-            <a:endParaRPr lang="es-UY" dirty="0" smtClean="0"/>
-          </a:p>
-          <a:p>
-            <a:endParaRPr lang="es-UY" dirty="0" smtClean="0"/>
-          </a:p>
-          <a:p>
-            <a:endParaRPr lang="es-UY" dirty="0" smtClean="0"/>
-          </a:p>
-          <a:p>
-            <a:endParaRPr lang="es-UY" dirty="0" smtClean="0"/>
-          </a:p>
-          <a:p>
-            <a:endParaRPr lang="es-UY" dirty="0"/>
-          </a:p>
-        </p:txBody>
-      </p:sp>
     </p:spTree>
   </p:cSld>
   <p:clrMapOvr>
@@ -6348,7 +7346,7 @@
           <p:nvPr/>
         </p:nvPicPr>
         <p:blipFill>
-          <a:blip r:embed="rId2"/>
+          <a:blip r:embed="rId2" cstate="print"/>
           <a:stretch>
             <a:fillRect/>
           </a:stretch>
@@ -6569,7 +7567,7 @@
       </p:grpSpPr>
       <p:sp>
         <p:nvSpPr>
-          <p:cNvPr id="2" name="1 Título"/>
+          <p:cNvPr id="2" name="Title 1"/>
           <p:cNvSpPr>
             <a:spLocks noGrp="1"/>
           </p:cNvSpPr>
@@ -6583,16 +7581,16 @@
           <a:lstStyle/>
           <a:p>
             <a:r>
-              <a:rPr lang="es-UY" b="1" dirty="0" smtClean="0"/>
-              <a:t>Objetivos</a:t>
-            </a:r>
-            <a:endParaRPr lang="es-UY" b="1" dirty="0"/>
-          </a:p>
-        </p:txBody>
-      </p:sp>
-      <p:sp>
-        <p:nvSpPr>
-          <p:cNvPr id="3" name="2 Marcador de contenido"/>
+              <a:rPr lang="es-UY" dirty="0" smtClean="0"/>
+              <a:t>contexto</a:t>
+            </a:r>
+            <a:endParaRPr lang="es-UY" dirty="0"/>
+          </a:p>
+        </p:txBody>
+      </p:sp>
+      <p:sp>
+        <p:nvSpPr>
+          <p:cNvPr id="3" name="Content Placeholder 2"/>
           <p:cNvSpPr>
             <a:spLocks noGrp="1"/>
           </p:cNvSpPr>
@@ -6605,58 +7603,53 @@
           <a:bodyPr/>
           <a:lstStyle/>
           <a:p>
-            <a:pPr>
-              <a:buNone/>
-            </a:pPr>
-            <a:endParaRPr lang="es-UY" sz="2200" dirty="0" smtClean="0"/>
-          </a:p>
-          <a:p>
-            <a:r>
-              <a:rPr lang="es-UY" sz="2200" dirty="0" smtClean="0"/>
-              <a:t>Implementar solución propuesta en la tesis de maestría de Raquel Sosa</a:t>
-            </a:r>
-          </a:p>
-          <a:p>
-            <a:pPr>
-              <a:buNone/>
-            </a:pPr>
-            <a:endParaRPr lang="es-UY" sz="2200" dirty="0" smtClean="0"/>
+            <a:r>
+              <a:rPr lang="es-UY" dirty="0" smtClean="0"/>
+              <a:t>Tesis de maestría de Raquel Sosa, </a:t>
+            </a:r>
+            <a:r>
+              <a:rPr lang="es-UY" dirty="0" smtClean="0"/>
+              <a:t>Agosto de </a:t>
+            </a:r>
+            <a:r>
+              <a:rPr lang="es-UY" dirty="0" smtClean="0"/>
+              <a:t>2011.</a:t>
+            </a:r>
           </a:p>
           <a:p>
             <a:pPr lvl="1"/>
-            <a:r>
-              <a:rPr lang="es-UY" sz="2000" dirty="0" smtClean="0"/>
-              <a:t>Evaluar factibilidad técnica</a:t>
-            </a:r>
-          </a:p>
-          <a:p>
-            <a:pPr lvl="1">
-              <a:buNone/>
-            </a:pPr>
-            <a:endParaRPr lang="es-UY" sz="2000" dirty="0" smtClean="0"/>
+            <a:endParaRPr lang="es-UY" dirty="0" smtClean="0"/>
           </a:p>
           <a:p>
             <a:pPr lvl="1"/>
             <a:r>
-              <a:rPr lang="es-UY" sz="2000" dirty="0" smtClean="0"/>
-              <a:t>Diseño de arquitectura</a:t>
-            </a:r>
-          </a:p>
-          <a:p>
-            <a:pPr lvl="1">
-              <a:buNone/>
-            </a:pPr>
-            <a:endParaRPr lang="es-UY" sz="2000" dirty="0" smtClean="0"/>
+              <a:rPr lang="es-UY" dirty="0" smtClean="0"/>
+              <a:t>Integración de Servicios Geográficos en Plataformas de Gobierno Electrónico.</a:t>
+            </a:r>
           </a:p>
           <a:p>
             <a:pPr lvl="1"/>
-            <a:r>
-              <a:rPr lang="es-UY" sz="2000" dirty="0" smtClean="0"/>
-              <a:t>Validar integración de servicios geográficos con la PGE</a:t>
-            </a:r>
-          </a:p>
-          <a:p>
-            <a:pPr lvl="1"/>
+            <a:endParaRPr lang="es-UY" dirty="0" smtClean="0"/>
+          </a:p>
+          <a:p>
+            <a:pPr lvl="2"/>
+            <a:r>
+              <a:rPr lang="es-UY" dirty="0" smtClean="0"/>
+              <a:t>Definición de escenarios de integración.</a:t>
+            </a:r>
+          </a:p>
+          <a:p>
+            <a:pPr lvl="2"/>
+            <a:endParaRPr lang="es-UY" dirty="0" smtClean="0"/>
+          </a:p>
+          <a:p>
+            <a:pPr lvl="2"/>
+            <a:r>
+              <a:rPr lang="es-UY" dirty="0" smtClean="0"/>
+              <a:t>Solución propuesta.</a:t>
+            </a:r>
+          </a:p>
+          <a:p>
             <a:endParaRPr lang="es-UY" dirty="0"/>
           </a:p>
         </p:txBody>
@@ -6710,7 +7703,7 @@
           <a:p>
             <a:r>
               <a:rPr lang="es-UY" b="1" dirty="0" smtClean="0"/>
-              <a:t>Estudio Inicial</a:t>
+              <a:t>Objetivos</a:t>
             </a:r>
             <a:endParaRPr lang="es-UY" b="1" dirty="0"/>
           </a:p>
@@ -6728,16 +7721,8 @@
         </p:nvSpPr>
         <p:spPr/>
         <p:txBody>
-          <a:bodyPr>
-            <a:noAutofit/>
-          </a:bodyPr>
-          <a:lstStyle/>
-          <a:p>
-            <a:r>
-              <a:rPr lang="es-UY" sz="2200" dirty="0" smtClean="0"/>
-              <a:t>Tesis de Maestría</a:t>
-            </a:r>
-          </a:p>
+          <a:bodyPr/>
+          <a:lstStyle/>
           <a:p>
             <a:pPr>
               <a:buNone/>
@@ -6747,73 +7732,51 @@
           <a:p>
             <a:r>
               <a:rPr lang="es-UY" sz="2200" dirty="0" smtClean="0"/>
-              <a:t>Estándares</a:t>
-            </a:r>
+              <a:t>Implementar solución propuesta en la tesis de maestría de Raquel Sosa</a:t>
+            </a:r>
+          </a:p>
+          <a:p>
+            <a:pPr>
+              <a:buNone/>
+            </a:pPr>
+            <a:endParaRPr lang="es-UY" sz="2200" dirty="0" smtClean="0"/>
           </a:p>
           <a:p>
             <a:pPr lvl="1"/>
             <a:r>
               <a:rPr lang="es-UY" sz="2000" dirty="0" smtClean="0"/>
-              <a:t>WMS</a:t>
-            </a:r>
+              <a:t>Evaluar factibilidad técnica</a:t>
+            </a:r>
+          </a:p>
+          <a:p>
+            <a:pPr lvl="1">
+              <a:buNone/>
+            </a:pPr>
+            <a:endParaRPr lang="es-UY" sz="2000" dirty="0" smtClean="0"/>
           </a:p>
           <a:p>
             <a:pPr lvl="1"/>
             <a:r>
               <a:rPr lang="es-UY" sz="2000" dirty="0" smtClean="0"/>
-              <a:t>WFS</a:t>
-            </a:r>
+              <a:t>Diseño de arquitectura</a:t>
+            </a:r>
+          </a:p>
+          <a:p>
+            <a:pPr lvl="1">
+              <a:buNone/>
+            </a:pPr>
+            <a:endParaRPr lang="es-UY" sz="2000" dirty="0" smtClean="0"/>
           </a:p>
           <a:p>
             <a:pPr lvl="1"/>
             <a:r>
               <a:rPr lang="es-UY" sz="2000" dirty="0" smtClean="0"/>
-              <a:t>WS-Security</a:t>
+              <a:t>Validar integración de servicios geográficos con la PGE</a:t>
             </a:r>
           </a:p>
           <a:p>
             <a:pPr lvl="1"/>
-            <a:r>
-              <a:rPr lang="es-UY" sz="2000" dirty="0" smtClean="0"/>
-              <a:t>WS-</a:t>
-            </a:r>
-            <a:r>
-              <a:rPr lang="es-UY" sz="2000" dirty="0" err="1" smtClean="0"/>
-              <a:t>Addressing</a:t>
-            </a:r>
-            <a:endParaRPr lang="es-UY" sz="2000" dirty="0" smtClean="0"/>
-          </a:p>
-          <a:p>
-            <a:pPr lvl="1"/>
-            <a:r>
-              <a:rPr lang="es-UY" sz="2000" dirty="0" smtClean="0"/>
-              <a:t>WS-Trust</a:t>
-            </a:r>
-          </a:p>
-          <a:p>
-            <a:pPr lvl="1"/>
-            <a:r>
-              <a:rPr lang="es-UY" sz="2000" dirty="0" smtClean="0"/>
-              <a:t>SOAP</a:t>
-            </a:r>
-          </a:p>
-          <a:p>
-            <a:pPr lvl="1"/>
-            <a:r>
-              <a:rPr lang="es-UY" sz="2000" dirty="0" smtClean="0"/>
-              <a:t>REST</a:t>
-            </a:r>
-          </a:p>
-          <a:p>
-            <a:pPr lvl="1"/>
-            <a:endParaRPr lang="es-UY" sz="2200" dirty="0" smtClean="0"/>
-          </a:p>
-          <a:p>
-            <a:r>
-              <a:rPr lang="es-UY" sz="2200" dirty="0" smtClean="0"/>
-              <a:t>PGE</a:t>
-            </a:r>
-            <a:endParaRPr lang="es-UY" sz="2200" dirty="0"/>
+            <a:endParaRPr lang="es-UY" dirty="0"/>
           </a:p>
         </p:txBody>
       </p:sp>
@@ -6866,7 +7829,7 @@
           <a:p>
             <a:r>
               <a:rPr lang="es-UY" b="1" dirty="0" smtClean="0"/>
-              <a:t>Análisis y Diseño</a:t>
+              <a:t>Estudio Inicial</a:t>
             </a:r>
             <a:endParaRPr lang="es-UY" b="1" dirty="0"/>
           </a:p>
@@ -6884,12 +7847,14 @@
         </p:nvSpPr>
         <p:spPr/>
         <p:txBody>
-          <a:bodyPr/>
+          <a:bodyPr>
+            <a:noAutofit/>
+          </a:bodyPr>
           <a:lstStyle/>
           <a:p>
             <a:r>
               <a:rPr lang="es-UY" sz="2200" dirty="0" smtClean="0"/>
-              <a:t>Casos de uso: escenarios</a:t>
+              <a:t>Tesis de Maestría</a:t>
             </a:r>
           </a:p>
           <a:p>
@@ -6899,64 +7864,75 @@
             <a:endParaRPr lang="es-UY" sz="2200" dirty="0" smtClean="0"/>
           </a:p>
           <a:p>
+            <a:r>
+              <a:rPr lang="es-UY" sz="2200" dirty="0" smtClean="0"/>
+              <a:t>Estándares</a:t>
+            </a:r>
+          </a:p>
+          <a:p>
             <a:pPr lvl="1"/>
             <a:r>
               <a:rPr lang="es-UY" sz="2000" dirty="0" smtClean="0"/>
-              <a:t>Público general consultado información geográfica</a:t>
-            </a:r>
-          </a:p>
-          <a:p>
-            <a:pPr lvl="1">
-              <a:buNone/>
-            </a:pPr>
+              <a:t>WMS</a:t>
+            </a:r>
+          </a:p>
+          <a:p>
+            <a:pPr lvl="1"/>
+            <a:r>
+              <a:rPr lang="es-UY" sz="2000" dirty="0" smtClean="0"/>
+              <a:t>WFS</a:t>
+            </a:r>
+          </a:p>
+          <a:p>
+            <a:pPr lvl="1"/>
+            <a:r>
+              <a:rPr lang="es-UY" sz="2000" dirty="0" smtClean="0"/>
+              <a:t>WS-Security</a:t>
+            </a:r>
+          </a:p>
+          <a:p>
+            <a:pPr lvl="1"/>
+            <a:r>
+              <a:rPr lang="es-UY" sz="2000" dirty="0" smtClean="0"/>
+              <a:t>WS-</a:t>
+            </a:r>
+            <a:r>
+              <a:rPr lang="es-UY" sz="2000" dirty="0" err="1" smtClean="0"/>
+              <a:t>Addressing</a:t>
+            </a:r>
             <a:endParaRPr lang="es-UY" sz="2000" dirty="0" smtClean="0"/>
           </a:p>
           <a:p>
             <a:pPr lvl="1"/>
             <a:r>
               <a:rPr lang="es-UY" sz="2000" dirty="0" smtClean="0"/>
-              <a:t>Público especializado consultando información geográfica</a:t>
-            </a:r>
-          </a:p>
-          <a:p>
-            <a:pPr lvl="1">
-              <a:buNone/>
-            </a:pPr>
-            <a:endParaRPr lang="es-UY" sz="2000" dirty="0" smtClean="0"/>
+              <a:t>WS-Trust</a:t>
+            </a:r>
           </a:p>
           <a:p>
             <a:pPr lvl="1"/>
             <a:r>
               <a:rPr lang="es-UY" sz="2000" dirty="0" smtClean="0"/>
-              <a:t>Instituciones colaborando en la generación de información geográfica</a:t>
-            </a:r>
-          </a:p>
-          <a:p>
-            <a:pPr lvl="1">
-              <a:buNone/>
-            </a:pPr>
-            <a:endParaRPr lang="es-UY" sz="2000" dirty="0" smtClean="0"/>
+              <a:t>SOAP</a:t>
+            </a:r>
           </a:p>
           <a:p>
             <a:pPr lvl="1"/>
             <a:r>
               <a:rPr lang="es-UY" sz="2000" dirty="0" smtClean="0"/>
-              <a:t>Instituciones colaborando en trámites</a:t>
-            </a:r>
-          </a:p>
-          <a:p>
-            <a:pPr lvl="1">
-              <a:buNone/>
-            </a:pPr>
-            <a:endParaRPr lang="es-UY" sz="2000" dirty="0" smtClean="0"/>
+              <a:t>REST</a:t>
+            </a:r>
           </a:p>
           <a:p>
             <a:pPr lvl="1"/>
-            <a:r>
-              <a:rPr lang="es-UY" sz="2000" dirty="0" smtClean="0"/>
-              <a:t>Público generando información geográfica</a:t>
-            </a:r>
-            <a:endParaRPr lang="es-UY" sz="2000" dirty="0"/>
+            <a:endParaRPr lang="es-UY" sz="2200" dirty="0" smtClean="0"/>
+          </a:p>
+          <a:p>
+            <a:r>
+              <a:rPr lang="es-UY" sz="2200" dirty="0" smtClean="0"/>
+              <a:t>PGE</a:t>
+            </a:r>
+            <a:endParaRPr lang="es-UY" sz="2200" dirty="0"/>
           </a:p>
         </p:txBody>
       </p:sp>
@@ -7009,47 +7985,100 @@
           <a:p>
             <a:r>
               <a:rPr lang="es-UY" b="1" dirty="0" smtClean="0"/>
-              <a:t>Análisis y Diseño</a:t>
+              <a:t>Análisis</a:t>
             </a:r>
             <a:endParaRPr lang="es-UY" b="1" dirty="0"/>
           </a:p>
         </p:txBody>
       </p:sp>
-      <p:pic>
-        <p:nvPicPr>
-          <p:cNvPr id="3" name="Picture 2"/>
-          <p:cNvPicPr>
-            <a:picLocks noGrp="1" noChangeAspect="1" noChangeArrowheads="1"/>
-          </p:cNvPicPr>
+      <p:sp>
+        <p:nvSpPr>
+          <p:cNvPr id="3" name="2 Marcador de contenido"/>
+          <p:cNvSpPr>
+            <a:spLocks noGrp="1"/>
+          </p:cNvSpPr>
           <p:nvPr>
             <p:ph sz="quarter" idx="1"/>
           </p:nvPr>
-        </p:nvPicPr>
-        <p:blipFill>
-          <a:blip r:embed="rId2"/>
-          <a:srcRect/>
-          <a:stretch>
-            <a:fillRect/>
-          </a:stretch>
-        </p:blipFill>
-        <p:spPr bwMode="auto">
-          <a:xfrm>
-            <a:off x="187600" y="1428736"/>
-            <a:ext cx="8313490" cy="5416365"/>
-          </a:xfrm>
-          <a:prstGeom prst="rect">
-            <a:avLst/>
-          </a:prstGeom>
-          <a:noFill/>
-          <a:ln w="9525">
-            <a:noFill/>
-            <a:miter lim="800000"/>
-            <a:headEnd/>
-            <a:tailEnd/>
-          </a:ln>
-          <a:effectLst/>
-        </p:spPr>
-      </p:pic>
+        </p:nvSpPr>
+        <p:spPr/>
+        <p:txBody>
+          <a:bodyPr/>
+          <a:lstStyle/>
+          <a:p>
+            <a:r>
+              <a:rPr lang="es-UY" sz="2200" dirty="0" smtClean="0"/>
+              <a:t>Casos de uso: escenarios</a:t>
+            </a:r>
+          </a:p>
+          <a:p>
+            <a:pPr>
+              <a:buNone/>
+            </a:pPr>
+            <a:endParaRPr lang="es-UY" sz="2200" dirty="0" smtClean="0"/>
+          </a:p>
+          <a:p>
+            <a:pPr lvl="1"/>
+            <a:r>
+              <a:rPr lang="es-UY" sz="2000" dirty="0" smtClean="0"/>
+              <a:t>Público general consultado información geográfica</a:t>
+            </a:r>
+          </a:p>
+          <a:p>
+            <a:pPr lvl="1">
+              <a:buNone/>
+            </a:pPr>
+            <a:endParaRPr lang="es-UY" sz="2000" dirty="0" smtClean="0"/>
+          </a:p>
+          <a:p>
+            <a:pPr lvl="1"/>
+            <a:r>
+              <a:rPr lang="es-UY" sz="2000" dirty="0" smtClean="0"/>
+              <a:t>Público especializado consultando información geográfica</a:t>
+            </a:r>
+          </a:p>
+          <a:p>
+            <a:pPr lvl="1">
+              <a:buNone/>
+            </a:pPr>
+            <a:endParaRPr lang="es-UY" sz="2000" dirty="0" smtClean="0"/>
+          </a:p>
+          <a:p>
+            <a:pPr lvl="1"/>
+            <a:r>
+              <a:rPr lang="es-UY" sz="2000" dirty="0" smtClean="0"/>
+              <a:t>Instituciones colaborando en la generación de información geográfica</a:t>
+            </a:r>
+          </a:p>
+          <a:p>
+            <a:pPr lvl="1">
+              <a:buNone/>
+            </a:pPr>
+            <a:endParaRPr lang="es-UY" sz="2000" dirty="0" smtClean="0"/>
+          </a:p>
+          <a:p>
+            <a:pPr lvl="1"/>
+            <a:r>
+              <a:rPr lang="es-UY" sz="2000" dirty="0" smtClean="0"/>
+              <a:t>Instituciones colaborando en trámites</a:t>
+            </a:r>
+          </a:p>
+          <a:p>
+            <a:pPr lvl="1">
+              <a:buNone/>
+            </a:pPr>
+            <a:endParaRPr lang="es-UY" sz="2000" dirty="0" smtClean="0"/>
+          </a:p>
+          <a:p>
+            <a:pPr lvl="1"/>
+            <a:r>
+              <a:rPr lang="es-UY" sz="2000" dirty="0" smtClean="0"/>
+              <a:t>Público generando información geográfica</a:t>
+            </a:r>
+            <a:endParaRPr lang="es-UY" sz="2000" dirty="0"/>
+          </a:p>
+        </p:txBody>
+      </p:sp>
     </p:spTree>
   </p:cSld>
   <p:clrMapOvr>
@@ -7358,6 +8387,289 @@
 </a:theme>
 </file>
 
+<file path=ppt/theme/theme2.xml><?xml version="1.0" encoding="utf-8"?>
+<a:theme xmlns:a="http://schemas.openxmlformats.org/drawingml/2006/main" name="Office Theme">
+  <a:themeElements>
+    <a:clrScheme name="Office">
+      <a:dk1>
+        <a:sysClr val="windowText" lastClr="000000"/>
+      </a:dk1>
+      <a:lt1>
+        <a:sysClr val="window" lastClr="FFFFFF"/>
+      </a:lt1>
+      <a:dk2>
+        <a:srgbClr val="1F497D"/>
+      </a:dk2>
+      <a:lt2>
+        <a:srgbClr val="EEECE1"/>
+      </a:lt2>
+      <a:accent1>
+        <a:srgbClr val="4F81BD"/>
+      </a:accent1>
+      <a:accent2>
+        <a:srgbClr val="C0504D"/>
+      </a:accent2>
+      <a:accent3>
+        <a:srgbClr val="9BBB59"/>
+      </a:accent3>
+      <a:accent4>
+        <a:srgbClr val="8064A2"/>
+      </a:accent4>
+      <a:accent5>
+        <a:srgbClr val="4BACC6"/>
+      </a:accent5>
+      <a:accent6>
+        <a:srgbClr val="F79646"/>
+      </a:accent6>
+      <a:hlink>
+        <a:srgbClr val="0000FF"/>
+      </a:hlink>
+      <a:folHlink>
+        <a:srgbClr val="800080"/>
+      </a:folHlink>
+    </a:clrScheme>
+    <a:fontScheme name="Office">
+      <a:majorFont>
+        <a:latin typeface="Calibri"/>
+        <a:ea typeface=""/>
+        <a:cs typeface=""/>
+        <a:font script="Jpan" typeface="ＭＳ Ｐゴシック"/>
+        <a:font script="Hang" typeface="맑은 고딕"/>
+        <a:font script="Hans" typeface="宋体"/>
+        <a:font script="Hant" typeface="新細明體"/>
+        <a:font script="Arab" typeface="Times New Roman"/>
+        <a:font script="Hebr" typeface="Times New Roman"/>
+        <a:font script="Thai" typeface="Angsana New"/>
+        <a:font script="Ethi" typeface="Nyala"/>
+        <a:font script="Beng" typeface="Vrinda"/>
+        <a:font script="Gujr" typeface="Shruti"/>
+        <a:font script="Khmr" typeface="MoolBoran"/>
+        <a:font script="Knda" typeface="Tunga"/>
+        <a:font script="Guru" typeface="Raavi"/>
+        <a:font script="Cans" typeface="Euphemia"/>
+        <a:font script="Cher" typeface="Plantagenet Cherokee"/>
+        <a:font script="Yiii" typeface="Microsoft Yi Baiti"/>
+        <a:font script="Tibt" typeface="Microsoft Himalaya"/>
+        <a:font script="Thaa" typeface="MV Boli"/>
+        <a:font script="Deva" typeface="Mangal"/>
+        <a:font script="Telu" typeface="Gautami"/>
+        <a:font script="Taml" typeface="Latha"/>
+        <a:font script="Syrc" typeface="Estrangelo Edessa"/>
+        <a:font script="Orya" typeface="Kalinga"/>
+        <a:font script="Mlym" typeface="Kartika"/>
+        <a:font script="Laoo" typeface="DokChampa"/>
+        <a:font script="Sinh" typeface="Iskoola Pota"/>
+        <a:font script="Mong" typeface="Mongolian Baiti"/>
+        <a:font script="Viet" typeface="Times New Roman"/>
+        <a:font script="Uigh" typeface="Microsoft Uighur"/>
+      </a:majorFont>
+      <a:minorFont>
+        <a:latin typeface="Calibri"/>
+        <a:ea typeface=""/>
+        <a:cs typeface=""/>
+        <a:font script="Jpan" typeface="ＭＳ Ｐゴシック"/>
+        <a:font script="Hang" typeface="맑은 고딕"/>
+        <a:font script="Hans" typeface="宋体"/>
+        <a:font script="Hant" typeface="新細明體"/>
+        <a:font script="Arab" typeface="Arial"/>
+        <a:font script="Hebr" typeface="Arial"/>
+        <a:font script="Thai" typeface="Cordia New"/>
+        <a:font script="Ethi" typeface="Nyala"/>
+        <a:font script="Beng" typeface="Vrinda"/>
+        <a:font script="Gujr" typeface="Shruti"/>
+        <a:font script="Khmr" typeface="DaunPenh"/>
+        <a:font script="Knda" typeface="Tunga"/>
+        <a:font script="Guru" typeface="Raavi"/>
+        <a:font script="Cans" typeface="Euphemia"/>
+        <a:font script="Cher" typeface="Plantagenet Cherokee"/>
+        <a:font script="Yiii" typeface="Microsoft Yi Baiti"/>
+        <a:font script="Tibt" typeface="Microsoft Himalaya"/>
+        <a:font script="Thaa" typeface="MV Boli"/>
+        <a:font script="Deva" typeface="Mangal"/>
+        <a:font script="Telu" typeface="Gautami"/>
+        <a:font script="Taml" typeface="Latha"/>
+        <a:font script="Syrc" typeface="Estrangelo Edessa"/>
+        <a:font script="Orya" typeface="Kalinga"/>
+        <a:font script="Mlym" typeface="Kartika"/>
+        <a:font script="Laoo" typeface="DokChampa"/>
+        <a:font script="Sinh" typeface="Iskoola Pota"/>
+        <a:font script="Mong" typeface="Mongolian Baiti"/>
+        <a:font script="Viet" typeface="Arial"/>
+        <a:font script="Uigh" typeface="Microsoft Uighur"/>
+      </a:minorFont>
+    </a:fontScheme>
+    <a:fmtScheme name="Office">
+      <a:fillStyleLst>
+        <a:solidFill>
+          <a:schemeClr val="phClr"/>
+        </a:solidFill>
+        <a:gradFill rotWithShape="1">
+          <a:gsLst>
+            <a:gs pos="0">
+              <a:schemeClr val="phClr">
+                <a:tint val="50000"/>
+                <a:satMod val="300000"/>
+              </a:schemeClr>
+            </a:gs>
+            <a:gs pos="35000">
+              <a:schemeClr val="phClr">
+                <a:tint val="37000"/>
+                <a:satMod val="300000"/>
+              </a:schemeClr>
+            </a:gs>
+            <a:gs pos="100000">
+              <a:schemeClr val="phClr">
+                <a:tint val="15000"/>
+                <a:satMod val="350000"/>
+              </a:schemeClr>
+            </a:gs>
+          </a:gsLst>
+          <a:lin ang="16200000" scaled="1"/>
+        </a:gradFill>
+        <a:gradFill rotWithShape="1">
+          <a:gsLst>
+            <a:gs pos="0">
+              <a:schemeClr val="phClr">
+                <a:shade val="51000"/>
+                <a:satMod val="130000"/>
+              </a:schemeClr>
+            </a:gs>
+            <a:gs pos="80000">
+              <a:schemeClr val="phClr">
+                <a:shade val="93000"/>
+                <a:satMod val="130000"/>
+              </a:schemeClr>
+            </a:gs>
+            <a:gs pos="100000">
+              <a:schemeClr val="phClr">
+                <a:shade val="94000"/>
+                <a:satMod val="135000"/>
+              </a:schemeClr>
+            </a:gs>
+          </a:gsLst>
+          <a:lin ang="16200000" scaled="0"/>
+        </a:gradFill>
+      </a:fillStyleLst>
+      <a:lnStyleLst>
+        <a:ln w="9525" cap="flat" cmpd="sng" algn="ctr">
+          <a:solidFill>
+            <a:schemeClr val="phClr">
+              <a:shade val="95000"/>
+              <a:satMod val="105000"/>
+            </a:schemeClr>
+          </a:solidFill>
+          <a:prstDash val="solid"/>
+        </a:ln>
+        <a:ln w="25400" cap="flat" cmpd="sng" algn="ctr">
+          <a:solidFill>
+            <a:schemeClr val="phClr"/>
+          </a:solidFill>
+          <a:prstDash val="solid"/>
+        </a:ln>
+        <a:ln w="38100" cap="flat" cmpd="sng" algn="ctr">
+          <a:solidFill>
+            <a:schemeClr val="phClr"/>
+          </a:solidFill>
+          <a:prstDash val="solid"/>
+        </a:ln>
+      </a:lnStyleLst>
+      <a:effectStyleLst>
+        <a:effectStyle>
+          <a:effectLst>
+            <a:outerShdw blurRad="40000" dist="20000" dir="5400000" rotWithShape="0">
+              <a:srgbClr val="000000">
+                <a:alpha val="38000"/>
+              </a:srgbClr>
+            </a:outerShdw>
+          </a:effectLst>
+        </a:effectStyle>
+        <a:effectStyle>
+          <a:effectLst>
+            <a:outerShdw blurRad="40000" dist="23000" dir="5400000" rotWithShape="0">
+              <a:srgbClr val="000000">
+                <a:alpha val="35000"/>
+              </a:srgbClr>
+            </a:outerShdw>
+          </a:effectLst>
+        </a:effectStyle>
+        <a:effectStyle>
+          <a:effectLst>
+            <a:outerShdw blurRad="40000" dist="23000" dir="5400000" rotWithShape="0">
+              <a:srgbClr val="000000">
+                <a:alpha val="35000"/>
+              </a:srgbClr>
+            </a:outerShdw>
+          </a:effectLst>
+          <a:scene3d>
+            <a:camera prst="orthographicFront">
+              <a:rot lat="0" lon="0" rev="0"/>
+            </a:camera>
+            <a:lightRig rig="threePt" dir="t">
+              <a:rot lat="0" lon="0" rev="1200000"/>
+            </a:lightRig>
+          </a:scene3d>
+          <a:sp3d>
+            <a:bevelT w="63500" h="25400"/>
+          </a:sp3d>
+        </a:effectStyle>
+      </a:effectStyleLst>
+      <a:bgFillStyleLst>
+        <a:solidFill>
+          <a:schemeClr val="phClr"/>
+        </a:solidFill>
+        <a:gradFill rotWithShape="1">
+          <a:gsLst>
+            <a:gs pos="0">
+              <a:schemeClr val="phClr">
+                <a:tint val="40000"/>
+                <a:satMod val="350000"/>
+              </a:schemeClr>
+            </a:gs>
+            <a:gs pos="40000">
+              <a:schemeClr val="phClr">
+                <a:tint val="45000"/>
+                <a:shade val="99000"/>
+                <a:satMod val="350000"/>
+              </a:schemeClr>
+            </a:gs>
+            <a:gs pos="100000">
+              <a:schemeClr val="phClr">
+                <a:shade val="20000"/>
+                <a:satMod val="255000"/>
+              </a:schemeClr>
+            </a:gs>
+          </a:gsLst>
+          <a:path path="circle">
+            <a:fillToRect l="50000" t="-80000" r="50000" b="180000"/>
+          </a:path>
+        </a:gradFill>
+        <a:gradFill rotWithShape="1">
+          <a:gsLst>
+            <a:gs pos="0">
+              <a:schemeClr val="phClr">
+                <a:tint val="80000"/>
+                <a:satMod val="300000"/>
+              </a:schemeClr>
+            </a:gs>
+            <a:gs pos="100000">
+              <a:schemeClr val="phClr">
+                <a:shade val="30000"/>
+                <a:satMod val="200000"/>
+              </a:schemeClr>
+            </a:gs>
+          </a:gsLst>
+          <a:path path="circle">
+            <a:fillToRect l="50000" t="50000" r="50000" b="50000"/>
+          </a:path>
+        </a:gradFill>
+      </a:bgFillStyleLst>
+    </a:fmtScheme>
+  </a:themeElements>
+  <a:objectDefaults/>
+  <a:extraClrSchemeLst/>
+</a:theme>
+</file>
+
 <file path=ppt/theme/themeOverride1.xml><?xml version="1.0" encoding="utf-8"?>
 <a:themeOverride xmlns:a="http://schemas.openxmlformats.org/drawingml/2006/main">
   <a:clrScheme name="Intermedio">

--- a/Presentacion.pptx
+++ b/Presentacion.pptx
@@ -6863,10 +6863,10 @@
           <a:lstStyle/>
           <a:p>
             <a:r>
-              <a:rPr lang="es-UY" dirty="0" err="1" smtClean="0"/>
+              <a:rPr lang="es-UY" b="1" dirty="0" err="1" smtClean="0"/>
               <a:t>gantt</a:t>
             </a:r>
-            <a:endParaRPr lang="es-UY" dirty="0"/>
+            <a:endParaRPr lang="es-UY" b="1" dirty="0" smtClean="0"/>
           </a:p>
         </p:txBody>
       </p:sp>
@@ -6898,6 +6898,13 @@
   <p:clrMapOvr>
     <a:masterClrMapping/>
   </p:clrMapOvr>
+  <p:timing>
+    <p:tnLst>
+      <p:par>
+        <p:cTn id="1" dur="indefinite" restart="never" nodeType="tmRoot"/>
+      </p:par>
+    </p:tnLst>
+  </p:timing>
 </p:sld>
 </file>
 

--- a/Presentacion.pptx
+++ b/Presentacion.pptx
@@ -5,29 +5,30 @@
     <p:sldMasterId id="2147483732" r:id="rId1"/>
   </p:sldMasterIdLst>
   <p:notesMasterIdLst>
-    <p:notesMasterId r:id="rId22"/>
+    <p:notesMasterId r:id="rId23"/>
   </p:notesMasterIdLst>
   <p:sldIdLst>
     <p:sldId id="256" r:id="rId2"/>
     <p:sldId id="264" r:id="rId3"/>
     <p:sldId id="257" r:id="rId4"/>
-    <p:sldId id="266" r:id="rId5"/>
-    <p:sldId id="267" r:id="rId6"/>
-    <p:sldId id="271" r:id="rId7"/>
-    <p:sldId id="258" r:id="rId8"/>
-    <p:sldId id="259" r:id="rId9"/>
-    <p:sldId id="260" r:id="rId10"/>
-    <p:sldId id="270" r:id="rId11"/>
-    <p:sldId id="272" r:id="rId12"/>
-    <p:sldId id="273" r:id="rId13"/>
-    <p:sldId id="274" r:id="rId14"/>
-    <p:sldId id="269" r:id="rId15"/>
-    <p:sldId id="268" r:id="rId16"/>
-    <p:sldId id="261" r:id="rId17"/>
-    <p:sldId id="262" r:id="rId18"/>
-    <p:sldId id="263" r:id="rId19"/>
-    <p:sldId id="275" r:id="rId20"/>
-    <p:sldId id="265" r:id="rId21"/>
+    <p:sldId id="276" r:id="rId5"/>
+    <p:sldId id="266" r:id="rId6"/>
+    <p:sldId id="267" r:id="rId7"/>
+    <p:sldId id="271" r:id="rId8"/>
+    <p:sldId id="258" r:id="rId9"/>
+    <p:sldId id="259" r:id="rId10"/>
+    <p:sldId id="260" r:id="rId11"/>
+    <p:sldId id="270" r:id="rId12"/>
+    <p:sldId id="272" r:id="rId13"/>
+    <p:sldId id="273" r:id="rId14"/>
+    <p:sldId id="274" r:id="rId15"/>
+    <p:sldId id="269" r:id="rId16"/>
+    <p:sldId id="268" r:id="rId17"/>
+    <p:sldId id="261" r:id="rId18"/>
+    <p:sldId id="262" r:id="rId19"/>
+    <p:sldId id="263" r:id="rId20"/>
+    <p:sldId id="275" r:id="rId21"/>
+    <p:sldId id="265" r:id="rId22"/>
   </p:sldIdLst>
   <p:sldSz cx="9144000" cy="6858000" type="screen4x3"/>
   <p:notesSz cx="6858000" cy="9144000"/>
@@ -211,7 +212,8 @@
           <a:p>
             <a:fld id="{E8BFD649-4464-4874-A030-77DA47E62353}" type="datetimeFigureOut">
               <a:rPr lang="es-UY" smtClean="0"/>
-              <a:t>10/10/2014</a:t>
+              <a:pPr/>
+              <a:t>12/10/2014</a:t>
             </a:fld>
             <a:endParaRPr lang="es-UY"/>
           </a:p>
@@ -372,7 +374,8 @@
           <a:p>
             <a:fld id="{054CFC5F-265C-4220-88EE-8BDCD7F9B77C}" type="slidenum">
               <a:rPr lang="es-UY" smtClean="0"/>
-              <a:t>‹#›</a:t>
+              <a:pPr/>
+              <a:t>‹Nº›</a:t>
             </a:fld>
             <a:endParaRPr lang="es-UY"/>
           </a:p>
@@ -614,7 +617,7 @@
             <a:fld id="{7A847CFC-816F-41D0-AAC0-9BF4FEBC753E}" type="datetimeFigureOut">
               <a:rPr lang="es-ES" smtClean="0"/>
               <a:pPr/>
-              <a:t>10/10/2014</a:t>
+              <a:t>12/10/2014</a:t>
             </a:fld>
             <a:endParaRPr lang="es-ES"/>
           </a:p>
@@ -1361,7 +1364,7 @@
             <a:fld id="{132FADFE-3B8F-471C-ABF0-DBC7717ECBBC}" type="slidenum">
               <a:rPr lang="es-ES" smtClean="0"/>
               <a:pPr/>
-              <a:t>‹#›</a:t>
+              <a:t>‹Nº›</a:t>
             </a:fld>
             <a:endParaRPr lang="es-ES"/>
           </a:p>
@@ -1485,7 +1488,7 @@
             <a:fld id="{7A847CFC-816F-41D0-AAC0-9BF4FEBC753E}" type="datetimeFigureOut">
               <a:rPr lang="es-ES" smtClean="0"/>
               <a:pPr/>
-              <a:t>10/10/2014</a:t>
+              <a:t>12/10/2014</a:t>
             </a:fld>
             <a:endParaRPr lang="es-ES"/>
           </a:p>
@@ -1528,7 +1531,7 @@
             <a:fld id="{132FADFE-3B8F-471C-ABF0-DBC7717ECBBC}" type="slidenum">
               <a:rPr lang="es-ES" smtClean="0"/>
               <a:pPr/>
-              <a:t>‹#›</a:t>
+              <a:t>‹Nº›</a:t>
             </a:fld>
             <a:endParaRPr lang="es-ES"/>
           </a:p>
@@ -1662,7 +1665,7 @@
             <a:fld id="{7A847CFC-816F-41D0-AAC0-9BF4FEBC753E}" type="datetimeFigureOut">
               <a:rPr lang="es-ES" smtClean="0"/>
               <a:pPr/>
-              <a:t>10/10/2014</a:t>
+              <a:t>12/10/2014</a:t>
             </a:fld>
             <a:endParaRPr lang="es-ES"/>
           </a:p>
@@ -1705,7 +1708,7 @@
             <a:fld id="{132FADFE-3B8F-471C-ABF0-DBC7717ECBBC}" type="slidenum">
               <a:rPr lang="es-ES" smtClean="0"/>
               <a:pPr/>
-              <a:t>‹#›</a:t>
+              <a:t>‹Nº›</a:t>
             </a:fld>
             <a:endParaRPr lang="es-ES"/>
           </a:p>
@@ -1834,7 +1837,7 @@
             <a:fld id="{7A847CFC-816F-41D0-AAC0-9BF4FEBC753E}" type="datetimeFigureOut">
               <a:rPr lang="es-ES" smtClean="0"/>
               <a:pPr/>
-              <a:t>10/10/2014</a:t>
+              <a:t>12/10/2014</a:t>
             </a:fld>
             <a:endParaRPr lang="es-ES"/>
           </a:p>
@@ -1858,7 +1861,7 @@
             <a:fld id="{132FADFE-3B8F-471C-ABF0-DBC7717ECBBC}" type="slidenum">
               <a:rPr lang="es-ES" smtClean="0"/>
               <a:pPr/>
-              <a:t>‹#›</a:t>
+              <a:t>‹Nº›</a:t>
             </a:fld>
             <a:endParaRPr lang="es-ES"/>
           </a:p>
@@ -2046,7 +2049,7 @@
             <a:fld id="{7A847CFC-816F-41D0-AAC0-9BF4FEBC753E}" type="datetimeFigureOut">
               <a:rPr lang="es-ES" smtClean="0"/>
               <a:pPr/>
-              <a:t>10/10/2014</a:t>
+              <a:t>12/10/2014</a:t>
             </a:fld>
             <a:endParaRPr lang="es-ES"/>
           </a:p>
@@ -2790,7 +2793,7 @@
             <a:fld id="{132FADFE-3B8F-471C-ABF0-DBC7717ECBBC}" type="slidenum">
               <a:rPr lang="es-ES" smtClean="0"/>
               <a:pPr/>
-              <a:t>‹#›</a:t>
+              <a:t>‹Nº›</a:t>
             </a:fld>
             <a:endParaRPr lang="es-ES"/>
           </a:p>
@@ -2862,7 +2865,7 @@
             <a:fld id="{7A847CFC-816F-41D0-AAC0-9BF4FEBC753E}" type="datetimeFigureOut">
               <a:rPr lang="es-ES" smtClean="0"/>
               <a:pPr/>
-              <a:t>10/10/2014</a:t>
+              <a:t>12/10/2014</a:t>
             </a:fld>
             <a:endParaRPr lang="es-ES"/>
           </a:p>
@@ -2905,7 +2908,7 @@
             <a:fld id="{132FADFE-3B8F-471C-ABF0-DBC7717ECBBC}" type="slidenum">
               <a:rPr lang="es-ES" smtClean="0"/>
               <a:pPr/>
-              <a:t>‹#›</a:t>
+              <a:t>‹Nº›</a:t>
             </a:fld>
             <a:endParaRPr lang="es-ES"/>
           </a:p>
@@ -3100,7 +3103,7 @@
             <a:fld id="{7A847CFC-816F-41D0-AAC0-9BF4FEBC753E}" type="datetimeFigureOut">
               <a:rPr lang="es-ES" smtClean="0"/>
               <a:pPr/>
-              <a:t>10/10/2014</a:t>
+              <a:t>12/10/2014</a:t>
             </a:fld>
             <a:endParaRPr lang="es-ES"/>
           </a:p>
@@ -3143,7 +3146,7 @@
             <a:fld id="{132FADFE-3B8F-471C-ABF0-DBC7717ECBBC}" type="slidenum">
               <a:rPr lang="es-ES" smtClean="0"/>
               <a:pPr/>
-              <a:t>‹#›</a:t>
+              <a:t>‹Nº›</a:t>
             </a:fld>
             <a:endParaRPr lang="es-ES"/>
           </a:p>
@@ -3425,7 +3428,7 @@
             <a:fld id="{7A847CFC-816F-41D0-AAC0-9BF4FEBC753E}" type="datetimeFigureOut">
               <a:rPr lang="es-ES" smtClean="0"/>
               <a:pPr/>
-              <a:t>10/10/2014</a:t>
+              <a:t>12/10/2014</a:t>
             </a:fld>
             <a:endParaRPr lang="es-ES"/>
           </a:p>
@@ -3449,7 +3452,7 @@
             <a:fld id="{132FADFE-3B8F-471C-ABF0-DBC7717ECBBC}" type="slidenum">
               <a:rPr lang="es-ES" smtClean="0"/>
               <a:pPr/>
-              <a:t>‹#›</a:t>
+              <a:t>‹Nº›</a:t>
             </a:fld>
             <a:endParaRPr lang="es-ES"/>
           </a:p>
@@ -3517,7 +3520,7 @@
             <a:fld id="{7A847CFC-816F-41D0-AAC0-9BF4FEBC753E}" type="datetimeFigureOut">
               <a:rPr lang="es-ES" smtClean="0"/>
               <a:pPr/>
-              <a:t>10/10/2014</a:t>
+              <a:t>12/10/2014</a:t>
             </a:fld>
             <a:endParaRPr lang="es-ES"/>
           </a:p>
@@ -3560,7 +3563,7 @@
             <a:fld id="{132FADFE-3B8F-471C-ABF0-DBC7717ECBBC}" type="slidenum">
               <a:rPr lang="es-ES" smtClean="0"/>
               <a:pPr/>
-              <a:t>‹#›</a:t>
+              <a:t>‹Nº›</a:t>
             </a:fld>
             <a:endParaRPr lang="es-ES"/>
           </a:p>
@@ -4036,7 +4039,7 @@
             <a:fld id="{7A847CFC-816F-41D0-AAC0-9BF4FEBC753E}" type="datetimeFigureOut">
               <a:rPr lang="es-ES" smtClean="0"/>
               <a:pPr/>
-              <a:t>10/10/2014</a:t>
+              <a:t>12/10/2014</a:t>
             </a:fld>
             <a:endParaRPr lang="es-ES"/>
           </a:p>
@@ -4060,7 +4063,7 @@
             <a:fld id="{132FADFE-3B8F-471C-ABF0-DBC7717ECBBC}" type="slidenum">
               <a:rPr lang="es-ES" smtClean="0"/>
               <a:pPr/>
-              <a:t>‹#›</a:t>
+              <a:t>‹Nº›</a:t>
             </a:fld>
             <a:endParaRPr lang="es-ES"/>
           </a:p>
@@ -4549,7 +4552,7 @@
             <a:fld id="{7A847CFC-816F-41D0-AAC0-9BF4FEBC753E}" type="datetimeFigureOut">
               <a:rPr lang="es-ES" smtClean="0"/>
               <a:pPr/>
-              <a:t>10/10/2014</a:t>
+              <a:t>12/10/2014</a:t>
             </a:fld>
             <a:endParaRPr lang="es-ES"/>
           </a:p>
@@ -4573,7 +4576,7 @@
             <a:fld id="{132FADFE-3B8F-471C-ABF0-DBC7717ECBBC}" type="slidenum">
               <a:rPr lang="es-ES" smtClean="0"/>
               <a:pPr/>
-              <a:t>‹#›</a:t>
+              <a:t>‹Nº›</a:t>
             </a:fld>
             <a:endParaRPr lang="es-ES"/>
           </a:p>
@@ -4796,7 +4799,7 @@
             <a:fld id="{7A847CFC-816F-41D0-AAC0-9BF4FEBC753E}" type="datetimeFigureOut">
               <a:rPr lang="es-ES" smtClean="0"/>
               <a:pPr/>
-              <a:t>10/10/2014</a:t>
+              <a:t>12/10/2014</a:t>
             </a:fld>
             <a:endParaRPr lang="es-ES"/>
           </a:p>
@@ -5073,7 +5076,7 @@
             <a:fld id="{132FADFE-3B8F-471C-ABF0-DBC7717ECBBC}" type="slidenum">
               <a:rPr lang="es-ES" smtClean="0"/>
               <a:pPr/>
-              <a:t>‹#›</a:t>
+              <a:t>‹Nº›</a:t>
             </a:fld>
             <a:endParaRPr lang="es-ES"/>
           </a:p>
@@ -5601,45 +5604,101 @@
               <a:rPr lang="es-UY" b="1" dirty="0" smtClean="0"/>
               <a:t>Análisis</a:t>
             </a:r>
+            <a:br>
+              <a:rPr lang="es-UY" b="1" dirty="0" smtClean="0"/>
+            </a:br>
             <a:endParaRPr lang="es-UY" b="1" dirty="0"/>
           </a:p>
         </p:txBody>
       </p:sp>
-      <p:pic>
-        <p:nvPicPr>
-          <p:cNvPr id="3" name="Content Placeholder 2"/>
-          <p:cNvPicPr>
-            <a:picLocks noGrp="1" noChangeAspect="1" noChangeArrowheads="1"/>
-          </p:cNvPicPr>
+      <p:sp>
+        <p:nvSpPr>
+          <p:cNvPr id="3" name="2 Marcador de contenido"/>
+          <p:cNvSpPr>
+            <a:spLocks noGrp="1"/>
+          </p:cNvSpPr>
           <p:nvPr>
             <p:ph sz="quarter" idx="1"/>
           </p:nvPr>
-        </p:nvPicPr>
-        <p:blipFill>
-          <a:blip r:embed="rId2" cstate="print"/>
-          <a:srcRect/>
-          <a:stretch>
-            <a:fillRect/>
-          </a:stretch>
-        </p:blipFill>
-        <p:spPr bwMode="auto">
-          <a:xfrm>
-            <a:off x="187600" y="1428736"/>
-            <a:ext cx="8313490" cy="5416365"/>
-          </a:xfrm>
-          <a:prstGeom prst="rect">
-            <a:avLst/>
-          </a:prstGeom>
-          <a:noFill/>
-          <a:ln w="9525">
-            <a:noFill/>
-            <a:miter lim="800000"/>
-            <a:headEnd/>
-            <a:tailEnd/>
-          </a:ln>
-          <a:effectLst/>
-        </p:spPr>
-      </p:pic>
+        </p:nvSpPr>
+        <p:spPr/>
+        <p:txBody>
+          <a:bodyPr/>
+          <a:lstStyle/>
+          <a:p>
+            <a:r>
+              <a:rPr lang="es-UY" sz="2200" dirty="0" smtClean="0"/>
+              <a:t>Casos de uso: escenarios</a:t>
+            </a:r>
+          </a:p>
+          <a:p>
+            <a:pPr>
+              <a:buNone/>
+            </a:pPr>
+            <a:endParaRPr lang="es-UY" sz="2200" dirty="0" smtClean="0"/>
+          </a:p>
+          <a:p>
+            <a:pPr lvl="1"/>
+            <a:r>
+              <a:rPr lang="es-UY" sz="2000" dirty="0" smtClean="0"/>
+              <a:t>Público general consultado información geográfica</a:t>
+            </a:r>
+          </a:p>
+          <a:p>
+            <a:pPr lvl="1">
+              <a:buNone/>
+            </a:pPr>
+            <a:endParaRPr lang="es-UY" sz="2000" dirty="0" smtClean="0"/>
+          </a:p>
+          <a:p>
+            <a:pPr lvl="1"/>
+            <a:r>
+              <a:rPr lang="es-UY" sz="2000" dirty="0" smtClean="0"/>
+              <a:t>Público especializado consultando información geográfica</a:t>
+            </a:r>
+          </a:p>
+          <a:p>
+            <a:pPr lvl="1">
+              <a:buNone/>
+            </a:pPr>
+            <a:endParaRPr lang="es-UY" sz="2000" dirty="0" smtClean="0"/>
+          </a:p>
+          <a:p>
+            <a:pPr lvl="1"/>
+            <a:r>
+              <a:rPr lang="es-UY" sz="2000" dirty="0" smtClean="0"/>
+              <a:t>Instituciones colaborando en la generación de información geográfica</a:t>
+            </a:r>
+          </a:p>
+          <a:p>
+            <a:pPr lvl="1">
+              <a:buNone/>
+            </a:pPr>
+            <a:endParaRPr lang="es-UY" sz="2000" dirty="0" smtClean="0"/>
+          </a:p>
+          <a:p>
+            <a:pPr lvl="1"/>
+            <a:r>
+              <a:rPr lang="es-UY" sz="2000" dirty="0" smtClean="0"/>
+              <a:t>Instituciones colaborando en trámites</a:t>
+            </a:r>
+          </a:p>
+          <a:p>
+            <a:pPr lvl="1">
+              <a:buNone/>
+            </a:pPr>
+            <a:endParaRPr lang="es-UY" sz="2000" dirty="0" smtClean="0"/>
+          </a:p>
+          <a:p>
+            <a:pPr lvl="1"/>
+            <a:r>
+              <a:rPr lang="es-UY" sz="2000" dirty="0" smtClean="0"/>
+              <a:t>Público generando información geográfica</a:t>
+            </a:r>
+            <a:endParaRPr lang="es-UY" sz="2000" dirty="0"/>
+          </a:p>
+        </p:txBody>
+      </p:sp>
     </p:spTree>
   </p:cSld>
   <p:clrMapOvr>
@@ -5674,7 +5733,7 @@
       </p:grpSpPr>
       <p:sp>
         <p:nvSpPr>
-          <p:cNvPr id="2" name="Title 1"/>
+          <p:cNvPr id="2" name="1 Título"/>
           <p:cNvSpPr>
             <a:spLocks noGrp="1"/>
           </p:cNvSpPr>
@@ -5688,39 +5747,25 @@
           <a:lstStyle/>
           <a:p>
             <a:r>
-              <a:rPr lang="es-UY" dirty="0" smtClean="0"/>
-              <a:t>Arquitectura propuesta en la tesis</a:t>
-            </a:r>
-            <a:endParaRPr lang="es-UY" dirty="0"/>
-          </a:p>
-        </p:txBody>
-      </p:sp>
-      <p:sp>
-        <p:nvSpPr>
-          <p:cNvPr id="3" name="Content Placeholder 2"/>
-          <p:cNvSpPr>
-            <a:spLocks noGrp="1"/>
-          </p:cNvSpPr>
-          <p:nvPr>
-            <p:ph sz="quarter" idx="1"/>
-          </p:nvPr>
-        </p:nvSpPr>
-        <p:spPr/>
-        <p:txBody>
-          <a:bodyPr/>
-          <a:lstStyle/>
-          <a:p>
-            <a:endParaRPr lang="es-UY"/>
+              <a:rPr lang="es-UY" b="1" dirty="0" smtClean="0"/>
+              <a:t>Análisis</a:t>
+            </a:r>
+            <a:br>
+              <a:rPr lang="es-UY" b="1" dirty="0" smtClean="0"/>
+            </a:br>
+            <a:endParaRPr lang="es-UY" b="1" dirty="0"/>
           </a:p>
         </p:txBody>
       </p:sp>
       <p:pic>
         <p:nvPicPr>
-          <p:cNvPr id="1026" name="Picture 2"/>
+          <p:cNvPr id="3" name="Content Placeholder 2"/>
           <p:cNvPicPr>
-            <a:picLocks noChangeAspect="1" noChangeArrowheads="1"/>
+            <a:picLocks noGrp="1" noChangeAspect="1" noChangeArrowheads="1"/>
           </p:cNvPicPr>
-          <p:nvPr/>
+          <p:nvPr>
+            <p:ph sz="quarter" idx="1"/>
+          </p:nvPr>
         </p:nvPicPr>
         <p:blipFill>
           <a:blip r:embed="rId2" cstate="print"/>
@@ -5731,8 +5776,8 @@
         </p:blipFill>
         <p:spPr bwMode="auto">
           <a:xfrm>
-            <a:off x="355000" y="1368904"/>
-            <a:ext cx="7789863" cy="5353050"/>
+            <a:off x="187600" y="1428736"/>
+            <a:ext cx="7956300" cy="5416365"/>
           </a:xfrm>
           <a:prstGeom prst="rect">
             <a:avLst/>
@@ -5744,6 +5789,7 @@
             <a:headEnd/>
             <a:tailEnd/>
           </a:ln>
+          <a:effectLst/>
         </p:spPr>
       </p:pic>
     </p:spTree>
@@ -5788,119 +5834,82 @@
             <p:ph type="title"/>
           </p:nvPr>
         </p:nvSpPr>
+        <p:spPr>
+          <a:xfrm>
+            <a:off x="457200" y="274638"/>
+            <a:ext cx="7901014" cy="1143000"/>
+          </a:xfrm>
+        </p:spPr>
+        <p:txBody>
+          <a:bodyPr/>
+          <a:lstStyle/>
+          <a:p>
+            <a:r>
+              <a:rPr lang="es-UY" b="1" dirty="0" smtClean="0"/>
+              <a:t>Arquitectura propuesta en la </a:t>
+            </a:r>
+            <a:r>
+              <a:rPr lang="es-UY" b="1" dirty="0" smtClean="0"/>
+              <a:t>tesis</a:t>
+            </a:r>
+            <a:br>
+              <a:rPr lang="es-UY" b="1" dirty="0" smtClean="0"/>
+            </a:br>
+            <a:endParaRPr lang="es-UY" b="1" dirty="0"/>
+          </a:p>
+        </p:txBody>
+      </p:sp>
+      <p:sp>
+        <p:nvSpPr>
+          <p:cNvPr id="3" name="Content Placeholder 2"/>
+          <p:cNvSpPr>
+            <a:spLocks noGrp="1"/>
+          </p:cNvSpPr>
+          <p:nvPr>
+            <p:ph sz="quarter" idx="1"/>
+          </p:nvPr>
+        </p:nvSpPr>
         <p:spPr/>
         <p:txBody>
           <a:bodyPr/>
           <a:lstStyle/>
           <a:p>
-            <a:r>
-              <a:rPr lang="es-UY" dirty="0" smtClean="0"/>
-              <a:t>Decisiones de diseño</a:t>
-            </a:r>
-            <a:endParaRPr lang="es-UY" dirty="0"/>
-          </a:p>
-        </p:txBody>
-      </p:sp>
-      <p:sp>
-        <p:nvSpPr>
-          <p:cNvPr id="3" name="Content Placeholder 2"/>
-          <p:cNvSpPr>
-            <a:spLocks noGrp="1"/>
-          </p:cNvSpPr>
-          <p:nvPr>
-            <p:ph sz="quarter" idx="1"/>
-          </p:nvPr>
-        </p:nvSpPr>
-        <p:spPr/>
-        <p:txBody>
-          <a:bodyPr/>
-          <a:lstStyle/>
-          <a:p>
-            <a:r>
-              <a:rPr lang="es-UY" dirty="0" smtClean="0"/>
-              <a:t>CTP como servicios y no como librerías.</a:t>
-            </a:r>
-          </a:p>
-          <a:p>
-            <a:pPr lvl="1"/>
-            <a:r>
-              <a:rPr lang="es-UY" dirty="0" smtClean="0"/>
-              <a:t>Soporte máximo a clientes geográficos existentes.</a:t>
-            </a:r>
-          </a:p>
-          <a:p>
-            <a:pPr lvl="1"/>
-            <a:r>
-              <a:rPr lang="es-UY" dirty="0" smtClean="0"/>
-              <a:t>Bajo acoplamiento con implementaciones y tecnologías. </a:t>
-            </a:r>
-          </a:p>
-          <a:p>
-            <a:endParaRPr lang="es-UY" dirty="0" smtClean="0"/>
-          </a:p>
-          <a:p>
-            <a:r>
-              <a:rPr lang="es-UY" dirty="0" smtClean="0"/>
-              <a:t>CTP </a:t>
-            </a:r>
-            <a:r>
-              <a:rPr lang="es-UY" dirty="0" err="1" smtClean="0"/>
-              <a:t>RestConnector</a:t>
-            </a:r>
-            <a:r>
-              <a:rPr lang="es-UY" dirty="0" smtClean="0"/>
-              <a:t> distribuido en organismos. </a:t>
-            </a:r>
-          </a:p>
-          <a:p>
-            <a:pPr lvl="1"/>
-            <a:r>
-              <a:rPr lang="es-UY" dirty="0" smtClean="0"/>
-              <a:t>Mapeo de direcciones físicas y lógicas.</a:t>
-            </a:r>
-          </a:p>
-          <a:p>
-            <a:pPr lvl="1"/>
-            <a:r>
-              <a:rPr lang="es-UY" dirty="0" smtClean="0"/>
-              <a:t>Evitar cuello de botella y único punto de falla.</a:t>
-            </a:r>
-          </a:p>
-          <a:p>
-            <a:pPr lvl="1"/>
-            <a:r>
-              <a:rPr lang="es-UY" dirty="0" smtClean="0"/>
-              <a:t>Facilitar configuración y mantenimiento.</a:t>
-            </a:r>
-            <a:endParaRPr lang="es-UY" dirty="0" smtClean="0"/>
-          </a:p>
-          <a:p>
-            <a:endParaRPr lang="es-UY" dirty="0" smtClean="0"/>
-          </a:p>
-          <a:p>
-            <a:r>
-              <a:rPr lang="es-UY" dirty="0" smtClean="0"/>
-              <a:t>CTP </a:t>
-            </a:r>
-            <a:r>
-              <a:rPr lang="es-UY" dirty="0" err="1" smtClean="0"/>
-              <a:t>SoapConnector</a:t>
-            </a:r>
-            <a:r>
-              <a:rPr lang="es-UY" dirty="0" smtClean="0"/>
-              <a:t> único por servicio geográfico.</a:t>
-            </a:r>
-          </a:p>
-          <a:p>
-            <a:pPr lvl="1"/>
-            <a:r>
-              <a:rPr lang="es-UY" dirty="0" smtClean="0"/>
-              <a:t>Por mapeo de direcciones físicas y lógicas.</a:t>
-            </a:r>
-            <a:endParaRPr lang="es-UY" dirty="0"/>
-          </a:p>
-        </p:txBody>
-      </p:sp>
+            <a:endParaRPr lang="es-UY"/>
+          </a:p>
+        </p:txBody>
+      </p:sp>
+      <p:pic>
+        <p:nvPicPr>
+          <p:cNvPr id="1026" name="Picture 2"/>
+          <p:cNvPicPr>
+            <a:picLocks noChangeAspect="1" noChangeArrowheads="1"/>
+          </p:cNvPicPr>
+          <p:nvPr/>
+        </p:nvPicPr>
+        <p:blipFill>
+          <a:blip r:embed="rId2" cstate="print"/>
+          <a:srcRect/>
+          <a:stretch>
+            <a:fillRect/>
+          </a:stretch>
+        </p:blipFill>
+        <p:spPr bwMode="auto">
+          <a:xfrm>
+            <a:off x="355000" y="1368904"/>
+            <a:ext cx="7789863" cy="5353050"/>
+          </a:xfrm>
+          <a:prstGeom prst="rect">
+            <a:avLst/>
+          </a:prstGeom>
+          <a:noFill/>
+          <a:ln w="9525">
+            <a:noFill/>
+            <a:miter lim="800000"/>
+            <a:headEnd/>
+            <a:tailEnd/>
+          </a:ln>
+        </p:spPr>
+      </p:pic>
     </p:spTree>
   </p:cSld>
   <p:clrMapOvr>
@@ -5949,10 +5958,17 @@
           <a:lstStyle/>
           <a:p>
             <a:r>
-              <a:rPr lang="es-UY" dirty="0" smtClean="0"/>
-              <a:t>arquitectura</a:t>
-            </a:r>
-            <a:endParaRPr lang="es-UY" dirty="0"/>
+              <a:rPr lang="es-UY" b="1" dirty="0" smtClean="0"/>
+              <a:t>Decisiones de </a:t>
+            </a:r>
+            <a:r>
+              <a:rPr lang="es-UY" b="1" dirty="0" smtClean="0"/>
+              <a:t>diseño</a:t>
+            </a:r>
+            <a:br>
+              <a:rPr lang="es-UY" b="1" dirty="0" smtClean="0"/>
+            </a:br>
+            <a:endParaRPr lang="es-UY" b="1" dirty="0"/>
           </a:p>
         </p:txBody>
       </p:sp>
@@ -5971,40 +5987,134 @@
           <a:bodyPr/>
           <a:lstStyle/>
           <a:p>
-            <a:endParaRPr lang="es-UY" dirty="0"/>
-          </a:p>
-        </p:txBody>
-      </p:sp>
-      <p:pic>
-        <p:nvPicPr>
-          <p:cNvPr id="4" name="Picture 3"/>
-          <p:cNvPicPr/>
-          <p:nvPr/>
-        </p:nvPicPr>
-        <p:blipFill>
-          <a:blip r:embed="rId2" cstate="print"/>
-          <a:srcRect/>
-          <a:stretch>
-            <a:fillRect/>
-          </a:stretch>
-        </p:blipFill>
-        <p:spPr bwMode="auto">
-          <a:xfrm>
-            <a:off x="226720" y="2564904"/>
-            <a:ext cx="8377728" cy="1152128"/>
-          </a:xfrm>
-          <a:prstGeom prst="rect">
-            <a:avLst/>
-          </a:prstGeom>
-          <a:noFill/>
-          <a:ln w="9525">
-            <a:noFill/>
-            <a:miter lim="800000"/>
-            <a:headEnd/>
-            <a:tailEnd/>
-          </a:ln>
-        </p:spPr>
-      </p:pic>
+            <a:r>
+              <a:rPr lang="es-UY" sz="2200" dirty="0" smtClean="0"/>
+              <a:t>CTP como servicios y no como </a:t>
+            </a:r>
+            <a:r>
+              <a:rPr lang="es-UY" sz="2200" dirty="0" smtClean="0"/>
+              <a:t>librerías</a:t>
+            </a:r>
+            <a:endParaRPr lang="es-UY" sz="2200" dirty="0" smtClean="0"/>
+          </a:p>
+          <a:p>
+            <a:pPr lvl="1"/>
+            <a:r>
+              <a:rPr lang="es-UY" sz="2000" dirty="0" smtClean="0"/>
+              <a:t>Soporte máximo a clientes geográficos </a:t>
+            </a:r>
+            <a:r>
+              <a:rPr lang="es-UY" sz="2000" dirty="0" smtClean="0"/>
+              <a:t>existentes</a:t>
+            </a:r>
+            <a:endParaRPr lang="es-UY" sz="2000" dirty="0" smtClean="0"/>
+          </a:p>
+          <a:p>
+            <a:pPr lvl="1"/>
+            <a:r>
+              <a:rPr lang="es-UY" sz="2000" dirty="0" smtClean="0"/>
+              <a:t>Bajo acoplamiento con implementaciones y tecnologías</a:t>
+            </a:r>
+            <a:r>
+              <a:rPr lang="es-UY" sz="2000" dirty="0" smtClean="0"/>
+              <a:t>.</a:t>
+            </a:r>
+            <a:endParaRPr lang="es-UY" sz="2000" dirty="0" smtClean="0"/>
+          </a:p>
+          <a:p>
+            <a:endParaRPr lang="es-UY" sz="2000" dirty="0" smtClean="0"/>
+          </a:p>
+          <a:p>
+            <a:r>
+              <a:rPr lang="es-UY" sz="2200" dirty="0" smtClean="0"/>
+              <a:t>CTP </a:t>
+            </a:r>
+            <a:r>
+              <a:rPr lang="es-UY" sz="2200" dirty="0" err="1" smtClean="0"/>
+              <a:t>RestConnector</a:t>
+            </a:r>
+            <a:r>
+              <a:rPr lang="es-UY" sz="2200" dirty="0" smtClean="0"/>
+              <a:t> distribuido en organismos</a:t>
+            </a:r>
+            <a:r>
+              <a:rPr lang="es-UY" sz="2200" dirty="0" smtClean="0"/>
+              <a:t>.</a:t>
+            </a:r>
+            <a:endParaRPr lang="es-UY" sz="2000" dirty="0" smtClean="0"/>
+          </a:p>
+          <a:p>
+            <a:pPr lvl="1"/>
+            <a:r>
+              <a:rPr lang="es-UY" sz="2000" dirty="0" smtClean="0"/>
+              <a:t>Mapeo de direcciones físicas y </a:t>
+            </a:r>
+            <a:r>
+              <a:rPr lang="es-UY" sz="2000" dirty="0" smtClean="0"/>
+              <a:t>lógicas</a:t>
+            </a:r>
+            <a:endParaRPr lang="es-UY" sz="2000" dirty="0" smtClean="0"/>
+          </a:p>
+          <a:p>
+            <a:pPr lvl="1"/>
+            <a:r>
+              <a:rPr lang="es-UY" sz="2000" dirty="0" smtClean="0"/>
+              <a:t>Evitar cuello de botella y único punto de </a:t>
+            </a:r>
+            <a:r>
+              <a:rPr lang="es-UY" sz="2000" dirty="0" smtClean="0"/>
+              <a:t>falla</a:t>
+            </a:r>
+            <a:endParaRPr lang="es-UY" sz="2000" dirty="0" smtClean="0"/>
+          </a:p>
+          <a:p>
+            <a:pPr lvl="1"/>
+            <a:r>
+              <a:rPr lang="es-UY" sz="2000" dirty="0" smtClean="0"/>
+              <a:t>Facilitar configuración y </a:t>
+            </a:r>
+            <a:r>
+              <a:rPr lang="es-UY" sz="2000" dirty="0" smtClean="0"/>
+              <a:t>mantenimiento</a:t>
+            </a:r>
+            <a:endParaRPr lang="es-UY" sz="2000" dirty="0" smtClean="0"/>
+          </a:p>
+          <a:p>
+            <a:endParaRPr lang="es-UY" sz="2000" dirty="0" smtClean="0"/>
+          </a:p>
+          <a:p>
+            <a:r>
+              <a:rPr lang="es-UY" sz="2200" dirty="0" smtClean="0"/>
+              <a:t>CTP </a:t>
+            </a:r>
+            <a:r>
+              <a:rPr lang="es-UY" sz="2200" dirty="0" err="1" smtClean="0"/>
+              <a:t>SoapConnector</a:t>
+            </a:r>
+            <a:r>
+              <a:rPr lang="es-UY" sz="2200" dirty="0" smtClean="0"/>
+              <a:t> único por servicio </a:t>
+            </a:r>
+            <a:r>
+              <a:rPr lang="es-UY" sz="2200" dirty="0" smtClean="0"/>
+              <a:t>geográfico</a:t>
+            </a:r>
+            <a:endParaRPr lang="es-UY" sz="2200" dirty="0" smtClean="0"/>
+          </a:p>
+          <a:p>
+            <a:pPr lvl="1"/>
+            <a:r>
+              <a:rPr lang="es-UY" sz="2000" dirty="0" smtClean="0"/>
+              <a:t>Por mapeo de direcciones físicas y </a:t>
+            </a:r>
+            <a:r>
+              <a:rPr lang="es-UY" sz="2000" dirty="0" smtClean="0"/>
+              <a:t>lógicas</a:t>
+            </a:r>
+            <a:endParaRPr lang="es-UY" sz="2000" dirty="0"/>
+          </a:p>
+        </p:txBody>
+      </p:sp>
     </p:spTree>
   </p:cSld>
   <p:clrMapOvr>
@@ -6039,7 +6149,7 @@
       </p:grpSpPr>
       <p:sp>
         <p:nvSpPr>
-          <p:cNvPr id="2" name="1 Título"/>
+          <p:cNvPr id="2" name="Title 1"/>
           <p:cNvSpPr>
             <a:spLocks noGrp="1"/>
           </p:cNvSpPr>
@@ -6054,15 +6164,18 @@
           <a:p>
             <a:r>
               <a:rPr lang="es-UY" b="1" dirty="0" smtClean="0"/>
-              <a:t>Diseño</a:t>
-            </a:r>
+              <a:t>Arquitectura</a:t>
+            </a:r>
+            <a:br>
+              <a:rPr lang="es-UY" b="1" dirty="0" smtClean="0"/>
+            </a:br>
             <a:endParaRPr lang="es-UY" b="1" dirty="0"/>
           </a:p>
         </p:txBody>
       </p:sp>
       <p:sp>
         <p:nvSpPr>
-          <p:cNvPr id="3" name="2 Marcador de contenido"/>
+          <p:cNvPr id="3" name="Content Placeholder 2"/>
           <p:cNvSpPr>
             <a:spLocks noGrp="1"/>
           </p:cNvSpPr>
@@ -6074,29 +6187,18 @@
         <p:txBody>
           <a:bodyPr/>
           <a:lstStyle/>
-          <a:p>
-            <a:r>
-              <a:rPr lang="es-UY" sz="2200" dirty="0" smtClean="0"/>
-              <a:t>Organismo cliente</a:t>
-            </a:r>
-          </a:p>
           <a:p>
             <a:pPr>
               <a:buNone/>
             </a:pPr>
-            <a:endParaRPr lang="es-UY" sz="2200" dirty="0" smtClean="0"/>
-          </a:p>
-          <a:p>
-            <a:endParaRPr lang="es-UY" sz="2000" dirty="0"/>
+            <a:endParaRPr lang="es-UY" dirty="0"/>
           </a:p>
         </p:txBody>
       </p:sp>
       <p:pic>
         <p:nvPicPr>
-          <p:cNvPr id="2050" name="Picture 2"/>
-          <p:cNvPicPr>
-            <a:picLocks noChangeAspect="1" noChangeArrowheads="1"/>
-          </p:cNvPicPr>
+          <p:cNvPr id="4" name="Picture 3"/>
+          <p:cNvPicPr/>
           <p:nvPr/>
         </p:nvPicPr>
         <p:blipFill>
@@ -6108,8 +6210,8 @@
         </p:blipFill>
         <p:spPr bwMode="auto">
           <a:xfrm>
-            <a:off x="214282" y="2337872"/>
-            <a:ext cx="7917552" cy="4000528"/>
+            <a:off x="226720" y="2564904"/>
+            <a:ext cx="8377728" cy="1152128"/>
           </a:xfrm>
           <a:prstGeom prst="rect">
             <a:avLst/>
@@ -6121,7 +6223,6 @@
             <a:headEnd/>
             <a:tailEnd/>
           </a:ln>
-          <a:effectLst/>
         </p:spPr>
       </p:pic>
     </p:spTree>
@@ -6175,6 +6276,9 @@
               <a:rPr lang="es-UY" b="1" dirty="0" smtClean="0"/>
               <a:t>Diseño</a:t>
             </a:r>
+            <a:br>
+              <a:rPr lang="es-UY" b="1" dirty="0" smtClean="0"/>
+            </a:br>
             <a:endParaRPr lang="es-UY" b="1" dirty="0"/>
           </a:p>
         </p:txBody>
@@ -6196,7 +6300,7 @@
           <a:p>
             <a:r>
               <a:rPr lang="es-UY" sz="2200" dirty="0" smtClean="0"/>
-              <a:t>Público general</a:t>
+              <a:t>Organismo cliente</a:t>
             </a:r>
           </a:p>
           <a:p>
@@ -6212,7 +6316,7 @@
       </p:sp>
       <p:pic>
         <p:nvPicPr>
-          <p:cNvPr id="1026" name="Picture 2"/>
+          <p:cNvPr id="2050" name="Picture 2"/>
           <p:cNvPicPr>
             <a:picLocks noChangeAspect="1" noChangeArrowheads="1"/>
           </p:cNvPicPr>
@@ -6227,8 +6331,8 @@
         </p:blipFill>
         <p:spPr bwMode="auto">
           <a:xfrm>
-            <a:off x="160205" y="2058708"/>
-            <a:ext cx="7940695" cy="4370688"/>
+            <a:off x="214282" y="2337872"/>
+            <a:ext cx="7917552" cy="4000528"/>
           </a:xfrm>
           <a:prstGeom prst="rect">
             <a:avLst/>
@@ -6292,8 +6396,11 @@
           <a:p>
             <a:r>
               <a:rPr lang="es-UY" b="1" dirty="0" smtClean="0"/>
-              <a:t>Tecnologías</a:t>
-            </a:r>
+              <a:t>Diseño</a:t>
+            </a:r>
+            <a:br>
+              <a:rPr lang="es-UY" b="1" dirty="0" smtClean="0"/>
+            </a:br>
             <a:endParaRPr lang="es-UY" b="1" dirty="0"/>
           </a:p>
         </p:txBody>
@@ -6312,6 +6419,12 @@
         <p:txBody>
           <a:bodyPr/>
           <a:lstStyle/>
+          <a:p>
+            <a:r>
+              <a:rPr lang="es-UY" sz="2200" dirty="0" smtClean="0"/>
+              <a:t>Público general</a:t>
+            </a:r>
+          </a:p>
           <a:p>
             <a:pPr>
               <a:buNone/>
@@ -6319,106 +6432,43 @@
             <a:endParaRPr lang="es-UY" sz="2200" dirty="0" smtClean="0"/>
           </a:p>
           <a:p>
-            <a:r>
-              <a:rPr lang="es-UY" sz="2200" dirty="0" smtClean="0"/>
-              <a:t>Servidores geográficos</a:t>
-            </a:r>
-          </a:p>
-          <a:p>
-            <a:pPr lvl="1"/>
-            <a:r>
-              <a:rPr lang="es-UY" sz="2000" dirty="0" err="1" smtClean="0"/>
-              <a:t>Geoserver</a:t>
-            </a:r>
-            <a:endParaRPr lang="es-UY" sz="2000" dirty="0" smtClean="0"/>
-          </a:p>
-          <a:p>
-            <a:pPr lvl="1"/>
-            <a:r>
-              <a:rPr lang="es-UY" sz="2000" dirty="0" err="1" smtClean="0"/>
-              <a:t>Mapserver</a:t>
-            </a:r>
-            <a:endParaRPr lang="es-UY" sz="2000" dirty="0" smtClean="0"/>
-          </a:p>
-          <a:p>
-            <a:pPr>
-              <a:buNone/>
-            </a:pPr>
-            <a:endParaRPr lang="es-UY" sz="2200" dirty="0" smtClean="0"/>
-          </a:p>
-          <a:p>
-            <a:r>
-              <a:rPr lang="es-UY" sz="2200" dirty="0" err="1" smtClean="0"/>
-              <a:t>Jboss</a:t>
-            </a:r>
-            <a:r>
-              <a:rPr lang="es-UY" sz="2200" dirty="0" smtClean="0"/>
-              <a:t> </a:t>
-            </a:r>
-            <a:r>
-              <a:rPr lang="es-UY" sz="2200" dirty="0" smtClean="0"/>
-              <a:t>ESB </a:t>
-            </a:r>
-            <a:r>
-              <a:rPr lang="es-UY" sz="2200" dirty="0" smtClean="0"/>
-              <a:t>4.9</a:t>
-            </a:r>
-          </a:p>
-          <a:p>
-            <a:pPr>
-              <a:buNone/>
-            </a:pPr>
-            <a:endParaRPr lang="es-UY" sz="2200" dirty="0" smtClean="0"/>
-          </a:p>
-          <a:p>
-            <a:r>
-              <a:rPr lang="es-UY" sz="2200" dirty="0" smtClean="0"/>
-              <a:t>Plataforma de </a:t>
-            </a:r>
-            <a:r>
-              <a:rPr lang="es-UY" sz="2200" dirty="0" err="1" smtClean="0"/>
-              <a:t>eGob</a:t>
-            </a:r>
-            <a:r>
-              <a:rPr lang="es-UY" sz="2200" dirty="0" smtClean="0"/>
-              <a:t> de Uruguay</a:t>
-            </a:r>
-          </a:p>
-          <a:p>
-            <a:pPr>
-              <a:buNone/>
-            </a:pPr>
-            <a:endParaRPr lang="es-UY" sz="2200" dirty="0" smtClean="0"/>
-          </a:p>
-          <a:p>
-            <a:r>
-              <a:rPr lang="es-UY" sz="2200" dirty="0" err="1" smtClean="0"/>
-              <a:t>Postgres</a:t>
-            </a:r>
-            <a:r>
-              <a:rPr lang="es-UY" sz="2200" dirty="0" smtClean="0"/>
-              <a:t> / </a:t>
-            </a:r>
-            <a:r>
-              <a:rPr lang="es-UY" sz="2200" dirty="0" err="1" smtClean="0"/>
-              <a:t>Postgis</a:t>
-            </a:r>
-            <a:endParaRPr lang="es-UY" sz="2200" dirty="0" smtClean="0"/>
-          </a:p>
-          <a:p>
-            <a:pPr>
-              <a:buNone/>
-            </a:pPr>
-            <a:endParaRPr lang="es-UY" sz="2200" dirty="0" smtClean="0"/>
-          </a:p>
-          <a:p>
-            <a:pPr lvl="1">
-              <a:buNone/>
-            </a:pPr>
-            <a:endParaRPr lang="es-UY" dirty="0"/>
-          </a:p>
-        </p:txBody>
-      </p:sp>
+            <a:endParaRPr lang="es-UY" sz="2000" dirty="0"/>
+          </a:p>
+        </p:txBody>
+      </p:sp>
+      <p:pic>
+        <p:nvPicPr>
+          <p:cNvPr id="1026" name="Picture 2"/>
+          <p:cNvPicPr>
+            <a:picLocks noChangeAspect="1" noChangeArrowheads="1"/>
+          </p:cNvPicPr>
+          <p:nvPr/>
+        </p:nvPicPr>
+        <p:blipFill>
+          <a:blip r:embed="rId2" cstate="print"/>
+          <a:srcRect/>
+          <a:stretch>
+            <a:fillRect/>
+          </a:stretch>
+        </p:blipFill>
+        <p:spPr bwMode="auto">
+          <a:xfrm>
+            <a:off x="160205" y="2058708"/>
+            <a:ext cx="7940695" cy="4370688"/>
+          </a:xfrm>
+          <a:prstGeom prst="rect">
+            <a:avLst/>
+          </a:prstGeom>
+          <a:noFill/>
+          <a:ln w="9525">
+            <a:noFill/>
+            <a:miter lim="800000"/>
+            <a:headEnd/>
+            <a:tailEnd/>
+          </a:ln>
+          <a:effectLst/>
+        </p:spPr>
+      </p:pic>
     </p:spTree>
   </p:cSld>
   <p:clrMapOvr>
@@ -6468,8 +6518,11 @@
           <a:p>
             <a:r>
               <a:rPr lang="es-UY" b="1" dirty="0" smtClean="0"/>
-              <a:t>Estado Actual</a:t>
-            </a:r>
+              <a:t>Tecnologías</a:t>
+            </a:r>
+            <a:br>
+              <a:rPr lang="es-UY" b="1" dirty="0" smtClean="0"/>
+            </a:br>
             <a:endParaRPr lang="es-UY" b="1" dirty="0"/>
           </a:p>
         </p:txBody>
@@ -6486,9 +6539,7 @@
         </p:nvSpPr>
         <p:spPr/>
         <p:txBody>
-          <a:bodyPr>
-            <a:normAutofit/>
-          </a:bodyPr>
+          <a:bodyPr/>
           <a:lstStyle/>
           <a:p>
             <a:pPr>
@@ -6499,83 +6550,93 @@
           <a:p>
             <a:r>
               <a:rPr lang="es-UY" sz="2200" dirty="0" smtClean="0"/>
-              <a:t>Implementación</a:t>
+              <a:t>Servidores geográficos</a:t>
             </a:r>
           </a:p>
           <a:p>
             <a:pPr lvl="1"/>
             <a:r>
-              <a:rPr lang="es-UY" sz="2000" dirty="0" smtClean="0"/>
-              <a:t>Flujo Organismo cliente – PGE – Organismo proveedor</a:t>
-            </a:r>
+              <a:rPr lang="es-UY" sz="2000" dirty="0" err="1" smtClean="0"/>
+              <a:t>Geoserver</a:t>
+            </a:r>
+            <a:endParaRPr lang="es-UY" sz="2000" dirty="0" smtClean="0"/>
           </a:p>
           <a:p>
             <a:pPr lvl="1"/>
             <a:r>
-              <a:rPr lang="es-UY" sz="2000" dirty="0" smtClean="0"/>
-              <a:t>Flujo Público general – PGE – Organismo proveedor</a:t>
-            </a:r>
-          </a:p>
-          <a:p>
-            <a:pPr lvl="1"/>
-            <a:r>
               <a:rPr lang="es-UY" sz="2000" dirty="0" err="1" smtClean="0"/>
-              <a:t>getMap</a:t>
-            </a:r>
-            <a:r>
-              <a:rPr lang="es-UY" sz="2000" dirty="0" smtClean="0"/>
-              <a:t> y </a:t>
-            </a:r>
-            <a:r>
-              <a:rPr lang="es-UY" sz="2000" dirty="0" err="1" smtClean="0"/>
-              <a:t>getFeatureInfo</a:t>
-            </a:r>
-            <a:r>
-              <a:rPr lang="es-UY" sz="2000" dirty="0" smtClean="0"/>
-              <a:t> </a:t>
-            </a:r>
+              <a:t>Mapserver</a:t>
+            </a:r>
+            <a:endParaRPr lang="es-UY" sz="2000" dirty="0" smtClean="0"/>
+          </a:p>
+          <a:p>
+            <a:pPr>
+              <a:buNone/>
+            </a:pPr>
+            <a:endParaRPr lang="es-UY" sz="2200" dirty="0" smtClean="0"/>
+          </a:p>
+          <a:p>
+            <a:r>
+              <a:rPr lang="es-UY" sz="2200" dirty="0" err="1" smtClean="0"/>
+              <a:t>Jboss</a:t>
+            </a:r>
+            <a:r>
+              <a:rPr lang="es-UY" sz="2200" dirty="0" smtClean="0"/>
+              <a:t> ESB 4.9</a:t>
+            </a:r>
+          </a:p>
+          <a:p>
+            <a:pPr>
+              <a:buNone/>
+            </a:pPr>
+            <a:endParaRPr lang="es-UY" sz="2200" dirty="0" smtClean="0"/>
+          </a:p>
+          <a:p>
+            <a:r>
+              <a:rPr lang="es-UY" sz="2200" dirty="0" smtClean="0"/>
+              <a:t>Plataforma de </a:t>
+            </a:r>
+            <a:r>
+              <a:rPr lang="es-UY" sz="2200" dirty="0" err="1" smtClean="0"/>
+              <a:t>eGob</a:t>
+            </a:r>
+            <a:r>
+              <a:rPr lang="es-UY" sz="2200" dirty="0" smtClean="0"/>
+              <a:t> de Uruguay</a:t>
+            </a:r>
+          </a:p>
+          <a:p>
+            <a:pPr>
+              <a:buNone/>
+            </a:pPr>
+            <a:endParaRPr lang="es-UY" sz="2200" dirty="0" smtClean="0"/>
+          </a:p>
+          <a:p>
+            <a:r>
+              <a:rPr lang="es-UY" sz="2200" dirty="0" err="1" smtClean="0"/>
+              <a:t>Postgres</a:t>
+            </a:r>
+            <a:r>
+              <a:rPr lang="es-UY" sz="2200" dirty="0" smtClean="0"/>
+              <a:t> / </a:t>
+            </a:r>
+            <a:r>
+              <a:rPr lang="es-UY" sz="2200" dirty="0" err="1" smtClean="0"/>
+              <a:t>Postgis</a:t>
+            </a:r>
+            <a:endParaRPr lang="es-UY" sz="2200" dirty="0" smtClean="0"/>
+          </a:p>
+          <a:p>
+            <a:pPr>
+              <a:buNone/>
+            </a:pPr>
+            <a:endParaRPr lang="es-UY" sz="2200" dirty="0" smtClean="0"/>
           </a:p>
           <a:p>
             <a:pPr lvl="1">
               <a:buNone/>
             </a:pPr>
-            <a:endParaRPr lang="es-UY" sz="2200" dirty="0" smtClean="0"/>
-          </a:p>
-          <a:p>
-            <a:r>
-              <a:rPr lang="es-UY" sz="2200" dirty="0" smtClean="0"/>
-              <a:t>Documentación</a:t>
-            </a:r>
-          </a:p>
-          <a:p>
-            <a:pPr lvl="1"/>
-            <a:r>
-              <a:rPr lang="es-UY" sz="2000" dirty="0" smtClean="0"/>
-              <a:t>Casos de uso</a:t>
-            </a:r>
-          </a:p>
-          <a:p>
-            <a:pPr lvl="1"/>
-            <a:r>
-              <a:rPr lang="es-UY" sz="2000" dirty="0" smtClean="0"/>
-              <a:t>Arquitectura</a:t>
-            </a:r>
-          </a:p>
-          <a:p>
-            <a:pPr lvl="1"/>
-            <a:r>
-              <a:rPr lang="es-UY" sz="2000" dirty="0" smtClean="0"/>
-              <a:t>Documento principal</a:t>
-            </a:r>
-            <a:endParaRPr lang="es-UY" sz="2000" dirty="0" smtClean="0"/>
-          </a:p>
-          <a:p>
-            <a:pPr lvl="1"/>
-            <a:endParaRPr lang="es-UY" sz="2000" dirty="0" smtClean="0"/>
-          </a:p>
-          <a:p>
-            <a:pPr lvl="1"/>
-            <a:endParaRPr lang="es-UY" sz="2200" dirty="0"/>
+            <a:endParaRPr lang="es-UY" dirty="0"/>
           </a:p>
         </p:txBody>
       </p:sp>
@@ -6628,8 +6689,15 @@
           <a:p>
             <a:r>
               <a:rPr lang="es-UY" b="1" dirty="0" smtClean="0"/>
-              <a:t>Planificación al cierre</a:t>
-            </a:r>
+              <a:t>Estado </a:t>
+            </a:r>
+            <a:r>
+              <a:rPr lang="es-UY" b="1" dirty="0" smtClean="0"/>
+              <a:t>Actual</a:t>
+            </a:r>
+            <a:br>
+              <a:rPr lang="es-UY" b="1" dirty="0" smtClean="0"/>
+            </a:br>
             <a:endParaRPr lang="es-UY" b="1" dirty="0"/>
           </a:p>
         </p:txBody>
@@ -6647,34 +6715,51 @@
         <p:spPr/>
         <p:txBody>
           <a:bodyPr>
-            <a:normAutofit lnSpcReduction="10000"/>
+            <a:normAutofit/>
           </a:bodyPr>
           <a:lstStyle/>
           <a:p>
             <a:r>
-              <a:rPr lang="es-UY" sz="2200" dirty="0" smtClean="0"/>
-              <a:t>Integración </a:t>
-            </a:r>
-            <a:r>
-              <a:rPr lang="es-UY" sz="2200" dirty="0" smtClean="0"/>
-              <a:t>con </a:t>
-            </a:r>
-            <a:r>
-              <a:rPr lang="es-UY" sz="2200" dirty="0" smtClean="0"/>
-              <a:t>STS (2 </a:t>
-            </a:r>
-            <a:r>
-              <a:rPr lang="es-UY" sz="2200" dirty="0" err="1" smtClean="0"/>
-              <a:t>sem</a:t>
-            </a:r>
-            <a:r>
-              <a:rPr lang="es-UY" sz="2200" dirty="0" smtClean="0"/>
-              <a:t>.)</a:t>
+              <a:rPr lang="es-UY" sz="2200" smtClean="0"/>
+              <a:t>Implementación</a:t>
             </a:r>
             <a:endParaRPr lang="es-UY" sz="2200" dirty="0" smtClean="0"/>
           </a:p>
           <a:p>
-            <a:pPr>
+            <a:pPr lvl="1"/>
+            <a:r>
+              <a:rPr lang="es-UY" sz="2000" dirty="0" smtClean="0"/>
+              <a:t>Flujo Organismo cliente – PGE – Organismo proveedor</a:t>
+            </a:r>
+          </a:p>
+          <a:p>
+            <a:pPr lvl="1"/>
+            <a:r>
+              <a:rPr lang="es-UY" sz="2000" dirty="0" smtClean="0"/>
+              <a:t>Flujo Público general – PGE – Organismo proveedor</a:t>
+            </a:r>
+          </a:p>
+          <a:p>
+            <a:pPr lvl="1"/>
+            <a:r>
+              <a:rPr lang="es-UY" sz="2000" dirty="0" err="1" smtClean="0"/>
+              <a:t>getMap</a:t>
+            </a:r>
+            <a:r>
+              <a:rPr lang="es-UY" sz="2000" dirty="0" smtClean="0"/>
+              <a:t> y </a:t>
+            </a:r>
+            <a:r>
+              <a:rPr lang="es-UY" sz="2000" dirty="0" err="1" smtClean="0"/>
+              <a:t>getFeatureInfo</a:t>
+            </a:r>
+            <a:r>
+              <a:rPr lang="es-UY" sz="2000" dirty="0" smtClean="0"/>
+              <a:t> </a:t>
+            </a:r>
+          </a:p>
+          <a:p>
+            <a:pPr lvl="1">
               <a:buNone/>
             </a:pPr>
             <a:endParaRPr lang="es-UY" sz="2200" dirty="0" smtClean="0"/>
@@ -6682,135 +6767,36 @@
           <a:p>
             <a:r>
               <a:rPr lang="es-UY" sz="2200" dirty="0" smtClean="0"/>
-              <a:t>Manejo de </a:t>
-            </a:r>
-            <a:r>
-              <a:rPr lang="es-UY" sz="2200" dirty="0" smtClean="0"/>
-              <a:t>excepciones </a:t>
-            </a:r>
-            <a:r>
-              <a:rPr lang="es-UY" sz="2200" dirty="0" smtClean="0"/>
-              <a:t>(1 </a:t>
-            </a:r>
-            <a:r>
-              <a:rPr lang="es-UY" sz="2200" dirty="0" err="1" smtClean="0"/>
-              <a:t>sem</a:t>
-            </a:r>
-            <a:r>
-              <a:rPr lang="es-UY" sz="2200" dirty="0" smtClean="0"/>
-              <a:t>.)</a:t>
-            </a:r>
-            <a:endParaRPr lang="es-UY" sz="2200" dirty="0" smtClean="0"/>
-          </a:p>
-          <a:p>
-            <a:endParaRPr lang="es-UY" sz="2200" dirty="0" smtClean="0"/>
-          </a:p>
-          <a:p>
-            <a:r>
-              <a:rPr lang="es-UY" sz="2200" dirty="0" smtClean="0"/>
-              <a:t>Evaluar opciones </a:t>
-            </a:r>
-            <a:r>
-              <a:rPr lang="es-UY" sz="2200" dirty="0" smtClean="0"/>
-              <a:t>de asincronismo </a:t>
-            </a:r>
-            <a:r>
-              <a:rPr lang="es-UY" sz="2200" dirty="0" smtClean="0"/>
-              <a:t>(1 </a:t>
-            </a:r>
-            <a:r>
-              <a:rPr lang="es-UY" sz="2200" dirty="0" err="1" smtClean="0"/>
-              <a:t>sem</a:t>
-            </a:r>
-            <a:r>
-              <a:rPr lang="es-UY" sz="2200" dirty="0" smtClean="0"/>
-              <a:t>.)</a:t>
-            </a:r>
-            <a:endParaRPr lang="es-UY" sz="2200" dirty="0" smtClean="0"/>
-          </a:p>
-          <a:p>
-            <a:pPr>
-              <a:buNone/>
-            </a:pPr>
-            <a:endParaRPr lang="es-UY" sz="2200" dirty="0" smtClean="0"/>
-          </a:p>
-          <a:p>
-            <a:r>
-              <a:rPr lang="es-UY" sz="2200" dirty="0" smtClean="0"/>
-              <a:t>Completar prueba de estándares WMS y </a:t>
-            </a:r>
-            <a:r>
-              <a:rPr lang="es-UY" sz="2200" dirty="0" smtClean="0"/>
-              <a:t>WFS </a:t>
-            </a:r>
-            <a:r>
-              <a:rPr lang="es-UY" sz="2200" dirty="0" smtClean="0"/>
-              <a:t>(2 </a:t>
-            </a:r>
-            <a:r>
-              <a:rPr lang="es-UY" sz="2200" dirty="0" err="1" smtClean="0"/>
-              <a:t>sem</a:t>
-            </a:r>
-            <a:r>
-              <a:rPr lang="es-UY" sz="2200" dirty="0" smtClean="0"/>
-              <a:t>.)</a:t>
-            </a:r>
-            <a:endParaRPr lang="es-UY" sz="2200" dirty="0" smtClean="0"/>
-          </a:p>
-          <a:p>
-            <a:pPr>
-              <a:buNone/>
-            </a:pPr>
-            <a:endParaRPr lang="es-UY" sz="2200" dirty="0" smtClean="0"/>
-          </a:p>
-          <a:p>
-            <a:r>
-              <a:rPr lang="es-UY" sz="2200" dirty="0" smtClean="0"/>
-              <a:t>Diseñar </a:t>
-            </a:r>
-            <a:r>
-              <a:rPr lang="es-UY" sz="2200" dirty="0" smtClean="0"/>
-              <a:t>caso de </a:t>
-            </a:r>
-            <a:r>
-              <a:rPr lang="es-UY" sz="2200" dirty="0" smtClean="0"/>
-              <a:t>estudio </a:t>
-            </a:r>
-            <a:r>
-              <a:rPr lang="es-UY" sz="2200" dirty="0" smtClean="0"/>
-              <a:t>(1 </a:t>
-            </a:r>
-            <a:r>
-              <a:rPr lang="es-UY" sz="2200" dirty="0" err="1" smtClean="0"/>
-              <a:t>sem</a:t>
-            </a:r>
-            <a:r>
-              <a:rPr lang="es-UY" sz="2200" dirty="0" smtClean="0"/>
-              <a:t>.)</a:t>
-            </a:r>
-            <a:endParaRPr lang="es-UY" sz="2200" dirty="0" smtClean="0"/>
-          </a:p>
-          <a:p>
-            <a:pPr>
-              <a:buNone/>
-            </a:pPr>
-            <a:endParaRPr lang="es-UY" sz="2200" dirty="0" smtClean="0"/>
-          </a:p>
-          <a:p>
-            <a:r>
-              <a:rPr lang="es-UY" sz="2200" dirty="0" smtClean="0"/>
-              <a:t>Finalizar documento principal (2 </a:t>
-            </a:r>
-            <a:r>
-              <a:rPr lang="es-UY" sz="2200" dirty="0" err="1" smtClean="0"/>
-              <a:t>sem</a:t>
-            </a:r>
-            <a:r>
-              <a:rPr lang="es-UY" sz="2200" dirty="0" smtClean="0"/>
-              <a:t>.)</a:t>
-            </a:r>
-          </a:p>
-          <a:p>
+              <a:t>Documentación</a:t>
+            </a:r>
+          </a:p>
+          <a:p>
+            <a:pPr lvl="1"/>
+            <a:r>
+              <a:rPr lang="es-UY" sz="2000" dirty="0" smtClean="0"/>
+              <a:t>Casos de uso</a:t>
+            </a:r>
+          </a:p>
+          <a:p>
+            <a:pPr lvl="1"/>
+            <a:r>
+              <a:rPr lang="es-UY" sz="2000" dirty="0" smtClean="0"/>
+              <a:t>Arquitectura</a:t>
+            </a:r>
+          </a:p>
+          <a:p>
+            <a:pPr lvl="1"/>
+            <a:r>
+              <a:rPr lang="es-UY" sz="2000" dirty="0" smtClean="0"/>
+              <a:t>Documento principal</a:t>
+            </a:r>
+          </a:p>
+          <a:p>
+            <a:pPr lvl="1"/>
+            <a:endParaRPr lang="es-UY" sz="2000" dirty="0" smtClean="0"/>
+          </a:p>
+          <a:p>
+            <a:pPr lvl="1"/>
             <a:endParaRPr lang="es-UY" sz="2200" dirty="0"/>
           </a:p>
         </p:txBody>
@@ -6849,7 +6835,7 @@
       </p:grpSpPr>
       <p:sp>
         <p:nvSpPr>
-          <p:cNvPr id="2" name="Title 1"/>
+          <p:cNvPr id="2" name="1 Título"/>
           <p:cNvSpPr>
             <a:spLocks noGrp="1"/>
           </p:cNvSpPr>
@@ -6863,36 +6849,152 @@
           <a:lstStyle/>
           <a:p>
             <a:r>
-              <a:rPr lang="es-UY" b="1" dirty="0" err="1" smtClean="0"/>
-              <a:t>gantt</a:t>
-            </a:r>
-            <a:endParaRPr lang="es-UY" b="1" dirty="0" smtClean="0"/>
-          </a:p>
-        </p:txBody>
-      </p:sp>
-      <p:pic>
-        <p:nvPicPr>
-          <p:cNvPr id="4" name="Content Placeholder 3" descr="Gantt Project.png"/>
-          <p:cNvPicPr>
-            <a:picLocks noGrp="1" noChangeAspect="1"/>
-          </p:cNvPicPr>
+              <a:rPr lang="es-UY" b="1" dirty="0" smtClean="0"/>
+              <a:t>Planificación al </a:t>
+            </a:r>
+            <a:r>
+              <a:rPr lang="es-UY" b="1" dirty="0" smtClean="0"/>
+              <a:t>cierre</a:t>
+            </a:r>
+            <a:br>
+              <a:rPr lang="es-UY" b="1" dirty="0" smtClean="0"/>
+            </a:br>
+            <a:endParaRPr lang="es-UY" b="1" dirty="0"/>
+          </a:p>
+        </p:txBody>
+      </p:sp>
+      <p:sp>
+        <p:nvSpPr>
+          <p:cNvPr id="3" name="2 Marcador de contenido"/>
+          <p:cNvSpPr>
+            <a:spLocks noGrp="1"/>
+          </p:cNvSpPr>
           <p:nvPr>
             <p:ph sz="quarter" idx="1"/>
           </p:nvPr>
-        </p:nvPicPr>
-        <p:blipFill>
-          <a:blip r:embed="rId2" cstate="print"/>
-          <a:stretch>
-            <a:fillRect/>
-          </a:stretch>
-        </p:blipFill>
-        <p:spPr>
-          <a:xfrm>
-            <a:off x="251520" y="2348880"/>
-            <a:ext cx="8294553" cy="2529383"/>
-          </a:xfrm>
-        </p:spPr>
-      </p:pic>
+        </p:nvSpPr>
+        <p:spPr/>
+        <p:txBody>
+          <a:bodyPr>
+            <a:normAutofit lnSpcReduction="10000"/>
+          </a:bodyPr>
+          <a:lstStyle/>
+          <a:p>
+            <a:r>
+              <a:rPr lang="es-UY" sz="2200" dirty="0" smtClean="0"/>
+              <a:t>Integración con STS (2 </a:t>
+            </a:r>
+            <a:r>
+              <a:rPr lang="es-UY" sz="2200" dirty="0" err="1" smtClean="0"/>
+              <a:t>sem</a:t>
+            </a:r>
+            <a:r>
+              <a:rPr lang="es-UY" sz="2200" dirty="0" smtClean="0"/>
+              <a:t>.)</a:t>
+            </a:r>
+          </a:p>
+          <a:p>
+            <a:pPr>
+              <a:buNone/>
+            </a:pPr>
+            <a:endParaRPr lang="es-UY" sz="2200" dirty="0" smtClean="0"/>
+          </a:p>
+          <a:p>
+            <a:r>
+              <a:rPr lang="es-UY" sz="2200" dirty="0" smtClean="0"/>
+              <a:t>Manejo de excepciones (1 </a:t>
+            </a:r>
+            <a:r>
+              <a:rPr lang="es-UY" sz="2200" dirty="0" err="1" smtClean="0"/>
+              <a:t>sem</a:t>
+            </a:r>
+            <a:r>
+              <a:rPr lang="es-UY" sz="2200" dirty="0" smtClean="0"/>
+              <a:t>.)</a:t>
+            </a:r>
+          </a:p>
+          <a:p>
+            <a:endParaRPr lang="es-UY" sz="2200" dirty="0" smtClean="0"/>
+          </a:p>
+          <a:p>
+            <a:r>
+              <a:rPr lang="es-UY" sz="2200" dirty="0" smtClean="0"/>
+              <a:t>Evaluar opciones de asincronismo (1 </a:t>
+            </a:r>
+            <a:r>
+              <a:rPr lang="es-UY" sz="2200" dirty="0" err="1" smtClean="0"/>
+              <a:t>sem</a:t>
+            </a:r>
+            <a:r>
+              <a:rPr lang="es-UY" sz="2200" dirty="0" smtClean="0"/>
+              <a:t>.)</a:t>
+            </a:r>
+          </a:p>
+          <a:p>
+            <a:pPr>
+              <a:buNone/>
+            </a:pPr>
+            <a:endParaRPr lang="es-UY" sz="2200" dirty="0" smtClean="0"/>
+          </a:p>
+          <a:p>
+            <a:r>
+              <a:rPr lang="es-UY" sz="2200" dirty="0" smtClean="0"/>
+              <a:t>Completar prueba de estándares WMS y WFS (2 </a:t>
+            </a:r>
+            <a:r>
+              <a:rPr lang="es-UY" sz="2200" dirty="0" err="1" smtClean="0"/>
+              <a:t>sem</a:t>
+            </a:r>
+            <a:r>
+              <a:rPr lang="es-UY" sz="2200" dirty="0" smtClean="0"/>
+              <a:t>.)</a:t>
+            </a:r>
+          </a:p>
+          <a:p>
+            <a:pPr>
+              <a:buNone/>
+            </a:pPr>
+            <a:endParaRPr lang="es-UY" sz="2200" dirty="0" smtClean="0"/>
+          </a:p>
+          <a:p>
+            <a:r>
+              <a:rPr lang="es-UY" sz="2200" dirty="0" smtClean="0"/>
+              <a:t>Diseñar caso de estudio (1 </a:t>
+            </a:r>
+            <a:r>
+              <a:rPr lang="es-UY" sz="2200" dirty="0" err="1" smtClean="0"/>
+              <a:t>sem</a:t>
+            </a:r>
+            <a:r>
+              <a:rPr lang="es-UY" sz="2200" dirty="0" smtClean="0"/>
+              <a:t>.)</a:t>
+            </a:r>
+          </a:p>
+          <a:p>
+            <a:pPr>
+              <a:buNone/>
+            </a:pPr>
+            <a:endParaRPr lang="es-UY" sz="2200" dirty="0" smtClean="0"/>
+          </a:p>
+          <a:p>
+            <a:r>
+              <a:rPr lang="es-UY" sz="2200" dirty="0" smtClean="0"/>
+              <a:t>Finalizar documento principal (2 </a:t>
+            </a:r>
+            <a:r>
+              <a:rPr lang="es-UY" sz="2200" dirty="0" err="1" smtClean="0"/>
+              <a:t>sem</a:t>
+            </a:r>
+            <a:r>
+              <a:rPr lang="es-UY" sz="2200" dirty="0" smtClean="0"/>
+              <a:t>.)</a:t>
+            </a:r>
+          </a:p>
+          <a:p>
+            <a:endParaRPr lang="es-UY" sz="2200" dirty="0"/>
+          </a:p>
+        </p:txBody>
+      </p:sp>
     </p:spTree>
   </p:cSld>
   <p:clrMapOvr>
@@ -6941,10 +7043,13 @@
           <a:lstStyle/>
           <a:p>
             <a:r>
-              <a:rPr lang="es-UY" dirty="0" smtClean="0"/>
+              <a:rPr lang="es-UY" b="1" dirty="0" smtClean="0"/>
               <a:t>Temario</a:t>
             </a:r>
-            <a:endParaRPr lang="es-UY" dirty="0"/>
+            <a:br>
+              <a:rPr lang="es-UY" b="1" dirty="0" smtClean="0"/>
+            </a:br>
+            <a:endParaRPr lang="es-UY" b="1" dirty="0"/>
           </a:p>
         </p:txBody>
       </p:sp>
@@ -7057,6 +7162,87 @@
 </file>
 
 <file path=ppt/slides/slide20.xml><?xml version="1.0" encoding="utf-8"?>
+<p:sld xmlns:a="http://schemas.openxmlformats.org/drawingml/2006/main" xmlns:r="http://schemas.openxmlformats.org/officeDocument/2006/relationships" xmlns:p="http://schemas.openxmlformats.org/presentationml/2006/main">
+  <p:cSld>
+    <p:spTree>
+      <p:nvGrpSpPr>
+        <p:cNvPr id="1" name=""/>
+        <p:cNvGrpSpPr/>
+        <p:nvPr/>
+      </p:nvGrpSpPr>
+      <p:grpSpPr>
+        <a:xfrm>
+          <a:off x="0" y="0"/>
+          <a:ext cx="0" cy="0"/>
+          <a:chOff x="0" y="0"/>
+          <a:chExt cx="0" cy="0"/>
+        </a:xfrm>
+      </p:grpSpPr>
+      <p:sp>
+        <p:nvSpPr>
+          <p:cNvPr id="2" name="Title 1"/>
+          <p:cNvSpPr>
+            <a:spLocks noGrp="1"/>
+          </p:cNvSpPr>
+          <p:nvPr>
+            <p:ph type="title"/>
+          </p:nvPr>
+        </p:nvSpPr>
+        <p:spPr/>
+        <p:txBody>
+          <a:bodyPr/>
+          <a:lstStyle/>
+          <a:p>
+            <a:r>
+              <a:rPr lang="es-UY" b="1" dirty="0" smtClean="0"/>
+              <a:t>Gantt</a:t>
+            </a:r>
+            <a:br>
+              <a:rPr lang="es-UY" b="1" dirty="0" smtClean="0"/>
+            </a:br>
+            <a:endParaRPr lang="es-UY" b="1" dirty="0" smtClean="0"/>
+          </a:p>
+        </p:txBody>
+      </p:sp>
+      <p:pic>
+        <p:nvPicPr>
+          <p:cNvPr id="4" name="Content Placeholder 3" descr="Gantt Project.png"/>
+          <p:cNvPicPr>
+            <a:picLocks noGrp="1" noChangeAspect="1"/>
+          </p:cNvPicPr>
+          <p:nvPr>
+            <p:ph sz="quarter" idx="1"/>
+          </p:nvPr>
+        </p:nvPicPr>
+        <p:blipFill>
+          <a:blip r:embed="rId2" cstate="print"/>
+          <a:stretch>
+            <a:fillRect/>
+          </a:stretch>
+        </p:blipFill>
+        <p:spPr>
+          <a:xfrm>
+            <a:off x="251520" y="2348880"/>
+            <a:ext cx="8294553" cy="2529383"/>
+          </a:xfrm>
+        </p:spPr>
+      </p:pic>
+    </p:spTree>
+  </p:cSld>
+  <p:clrMapOvr>
+    <a:masterClrMapping/>
+  </p:clrMapOvr>
+  <p:timing>
+    <p:tnLst>
+      <p:par>
+        <p:cTn id="1" dur="indefinite" restart="never" nodeType="tmRoot"/>
+      </p:par>
+    </p:tnLst>
+  </p:timing>
+</p:sld>
+</file>
+
+<file path=ppt/slides/slide21.xml><?xml version="1.0" encoding="utf-8"?>
 <p:sld xmlns:a="http://schemas.openxmlformats.org/drawingml/2006/main" xmlns:r="http://schemas.openxmlformats.org/officeDocument/2006/relationships" xmlns:p="http://schemas.openxmlformats.org/presentationml/2006/main">
   <p:cSld>
     <p:spTree>
@@ -7147,6 +7333,9 @@
               <a:rPr lang="es-UY" b="1" dirty="0" smtClean="0"/>
               <a:t>Contexto</a:t>
             </a:r>
+            <a:br>
+              <a:rPr lang="es-UY" b="1" dirty="0" smtClean="0"/>
+            </a:br>
             <a:endParaRPr lang="es-UY" b="1" dirty="0"/>
           </a:p>
         </p:txBody>
@@ -7166,46 +7355,73 @@
           <a:bodyPr/>
           <a:lstStyle/>
           <a:p>
-            <a:endParaRPr lang="es-UY" sz="2200" dirty="0" smtClean="0"/>
-          </a:p>
-          <a:p>
             <a:r>
               <a:rPr lang="es-UY" sz="2200" dirty="0" smtClean="0"/>
-              <a:t>Gobierno electrónico</a:t>
+              <a:t>Componentes</a:t>
             </a:r>
           </a:p>
           <a:p>
             <a:pPr>
               <a:buNone/>
             </a:pPr>
-            <a:endParaRPr lang="es-UY" dirty="0" smtClean="0"/>
+            <a:endParaRPr lang="es-UY" sz="2200" dirty="0" smtClean="0"/>
+          </a:p>
+          <a:p>
+            <a:pPr lvl="1"/>
+            <a:r>
+              <a:rPr lang="es-UY" sz="2000" dirty="0" smtClean="0"/>
+              <a:t>Tesis de maestría de Raquel Sosa </a:t>
+            </a:r>
+            <a:endParaRPr lang="es-UY" sz="2000" dirty="0" smtClean="0"/>
           </a:p>
           <a:p>
             <a:pPr>
               <a:buNone/>
             </a:pPr>
-            <a:endParaRPr lang="es-UY" dirty="0" smtClean="0"/>
+            <a:endParaRPr lang="es-UY" sz="2000" dirty="0" smtClean="0"/>
+          </a:p>
+          <a:p>
+            <a:pPr lvl="1"/>
+            <a:r>
+              <a:rPr lang="es-UY" sz="2000" dirty="0" smtClean="0"/>
+              <a:t>Gobierno electrónico</a:t>
+            </a:r>
           </a:p>
           <a:p>
             <a:pPr>
               <a:buNone/>
             </a:pPr>
-            <a:r>
-              <a:rPr lang="es-UY" sz="2000" i="1" dirty="0" smtClean="0"/>
-              <a:t>	"El Gobierno Electrónico es el uso de las tecnologías de la información y comunicación (</a:t>
-            </a:r>
-            <a:r>
-              <a:rPr lang="es-UY" sz="2000" i="1" dirty="0" err="1" smtClean="0"/>
-              <a:t>TIC’s</a:t>
-            </a:r>
-            <a:r>
-              <a:rPr lang="es-UY" sz="2000" i="1" dirty="0" smtClean="0"/>
-              <a:t>), particularmente la Internet, como una herramienta para alcanzar un mejor gobierno“  </a:t>
-            </a:r>
+            <a:endParaRPr lang="es-UY" sz="2000" dirty="0" smtClean="0"/>
+          </a:p>
+          <a:p>
+            <a:pPr lvl="1"/>
             <a:r>
               <a:rPr lang="es-UY" sz="2000" dirty="0" smtClean="0"/>
-              <a:t>[OCDE, Organización para la Cooperación y el Desarrollo Económicos]</a:t>
-            </a:r>
+              <a:t>Plataforma de Gobierno Electrónico Uruguayo (PGE</a:t>
+            </a:r>
+            <a:r>
+              <a:rPr lang="es-UY" sz="2000" dirty="0" smtClean="0"/>
+              <a:t>)</a:t>
+            </a:r>
+          </a:p>
+          <a:p>
+            <a:pPr>
+              <a:buNone/>
+            </a:pPr>
+            <a:endParaRPr lang="es-UY" sz="2000" dirty="0" smtClean="0"/>
+          </a:p>
+          <a:p>
+            <a:pPr lvl="1"/>
+            <a:r>
+              <a:rPr lang="es-UY" sz="2000" dirty="0" smtClean="0"/>
+              <a:t>Servicios de información geográfica</a:t>
+            </a:r>
+          </a:p>
+          <a:p>
+            <a:endParaRPr lang="es-UY" sz="2000" dirty="0" smtClean="0"/>
+          </a:p>
+          <a:p>
+            <a:endParaRPr lang="es-UY" sz="2000" dirty="0" smtClean="0"/>
           </a:p>
         </p:txBody>
       </p:sp>
@@ -7260,6 +7476,324 @@
               <a:rPr lang="es-UY" b="1" dirty="0" smtClean="0"/>
               <a:t>Contexto</a:t>
             </a:r>
+            <a:br>
+              <a:rPr lang="es-UY" b="1" dirty="0" smtClean="0"/>
+            </a:br>
+            <a:endParaRPr lang="es-UY" b="1" dirty="0"/>
+          </a:p>
+        </p:txBody>
+      </p:sp>
+      <p:sp>
+        <p:nvSpPr>
+          <p:cNvPr id="3" name="2 Marcador de contenido"/>
+          <p:cNvSpPr>
+            <a:spLocks noGrp="1"/>
+          </p:cNvSpPr>
+          <p:nvPr>
+            <p:ph sz="quarter" idx="1"/>
+          </p:nvPr>
+        </p:nvSpPr>
+        <p:spPr/>
+        <p:txBody>
+          <a:bodyPr/>
+          <a:lstStyle/>
+          <a:p>
+            <a:endParaRPr lang="es-UY" sz="2200" dirty="0" smtClean="0"/>
+          </a:p>
+          <a:p>
+            <a:r>
+              <a:rPr lang="es-UY" sz="2200" dirty="0" smtClean="0"/>
+              <a:t>Gobierno electrónico</a:t>
+            </a:r>
+          </a:p>
+          <a:p>
+            <a:pPr>
+              <a:buNone/>
+            </a:pPr>
+            <a:endParaRPr lang="es-UY" dirty="0" smtClean="0"/>
+          </a:p>
+          <a:p>
+            <a:pPr>
+              <a:buNone/>
+            </a:pPr>
+            <a:endParaRPr lang="es-UY" dirty="0" smtClean="0"/>
+          </a:p>
+          <a:p>
+            <a:pPr>
+              <a:buNone/>
+            </a:pPr>
+            <a:r>
+              <a:rPr lang="es-UY" sz="2000" i="1" dirty="0" smtClean="0"/>
+              <a:t>	"El Gobierno Electrónico es el uso de las tecnologías de la información y comunicación (</a:t>
+            </a:r>
+            <a:r>
+              <a:rPr lang="es-UY" sz="2000" i="1" dirty="0" err="1" smtClean="0"/>
+              <a:t>TIC’s</a:t>
+            </a:r>
+            <a:r>
+              <a:rPr lang="es-UY" sz="2000" i="1" dirty="0" smtClean="0"/>
+              <a:t>), particularmente la Internet, como una herramienta para alcanzar un mejor gobierno“  </a:t>
+            </a:r>
+            <a:endParaRPr lang="es-UY" sz="2000" i="1" dirty="0" smtClean="0"/>
+          </a:p>
+          <a:p>
+            <a:pPr algn="r">
+              <a:buNone/>
+            </a:pPr>
+            <a:r>
+              <a:rPr lang="es-UY" sz="1400" dirty="0" smtClean="0"/>
+              <a:t>OCDE</a:t>
+            </a:r>
+            <a:r>
+              <a:rPr lang="es-UY" sz="1400" dirty="0" smtClean="0"/>
+              <a:t>, Organización para la Cooperación y el Desarrollo </a:t>
+            </a:r>
+            <a:r>
+              <a:rPr lang="es-UY" sz="1400" dirty="0" smtClean="0"/>
+              <a:t>Económicos</a:t>
+            </a:r>
+            <a:endParaRPr lang="es-UY" sz="1400" dirty="0" smtClean="0"/>
+          </a:p>
+        </p:txBody>
+      </p:sp>
+      <p:sp>
+        <p:nvSpPr>
+          <p:cNvPr id="7" name="6 Elipse"/>
+          <p:cNvSpPr/>
+          <p:nvPr/>
+        </p:nvSpPr>
+        <p:spPr>
+          <a:xfrm>
+            <a:off x="4086002" y="3614080"/>
+            <a:ext cx="928694" cy="428628"/>
+          </a:xfrm>
+          <a:prstGeom prst="ellipse">
+            <a:avLst/>
+          </a:prstGeom>
+          <a:noFill/>
+          <a:ln>
+            <a:solidFill>
+              <a:srgbClr val="FF0000"/>
+            </a:solidFill>
+          </a:ln>
+        </p:spPr>
+        <p:style>
+          <a:lnRef idx="2">
+            <a:schemeClr val="accent1">
+              <a:shade val="50000"/>
+            </a:schemeClr>
+          </a:lnRef>
+          <a:fillRef idx="1">
+            <a:schemeClr val="accent1"/>
+          </a:fillRef>
+          <a:effectRef idx="0">
+            <a:schemeClr val="accent1"/>
+          </a:effectRef>
+          <a:fontRef idx="minor">
+            <a:schemeClr val="lt1"/>
+          </a:fontRef>
+        </p:style>
+        <p:txBody>
+          <a:bodyPr rtlCol="0" anchor="ctr"/>
+          <a:lstStyle/>
+          <a:p>
+            <a:pPr algn="ctr"/>
+            <a:endParaRPr lang="es-UY"/>
+          </a:p>
+        </p:txBody>
+      </p:sp>
+      <p:sp>
+        <p:nvSpPr>
+          <p:cNvPr id="9" name="8 Elipse"/>
+          <p:cNvSpPr/>
+          <p:nvPr/>
+        </p:nvSpPr>
+        <p:spPr>
+          <a:xfrm>
+            <a:off x="700280" y="3914998"/>
+            <a:ext cx="1143008" cy="357190"/>
+          </a:xfrm>
+          <a:prstGeom prst="ellipse">
+            <a:avLst/>
+          </a:prstGeom>
+          <a:noFill/>
+          <a:ln>
+            <a:solidFill>
+              <a:srgbClr val="FF0000"/>
+            </a:solidFill>
+          </a:ln>
+        </p:spPr>
+        <p:style>
+          <a:lnRef idx="2">
+            <a:schemeClr val="accent1">
+              <a:shade val="50000"/>
+            </a:schemeClr>
+          </a:lnRef>
+          <a:fillRef idx="1">
+            <a:schemeClr val="accent1"/>
+          </a:fillRef>
+          <a:effectRef idx="0">
+            <a:schemeClr val="accent1"/>
+          </a:effectRef>
+          <a:fontRef idx="minor">
+            <a:schemeClr val="lt1"/>
+          </a:fontRef>
+        </p:style>
+        <p:txBody>
+          <a:bodyPr rtlCol="0" anchor="ctr"/>
+          <a:lstStyle/>
+          <a:p>
+            <a:pPr algn="ctr"/>
+            <a:endParaRPr lang="es-UY"/>
+          </a:p>
+        </p:txBody>
+      </p:sp>
+      <p:sp>
+        <p:nvSpPr>
+          <p:cNvPr id="10" name="9 Elipse"/>
+          <p:cNvSpPr/>
+          <p:nvPr/>
+        </p:nvSpPr>
+        <p:spPr>
+          <a:xfrm>
+            <a:off x="6629634" y="4000504"/>
+            <a:ext cx="785818" cy="285752"/>
+          </a:xfrm>
+          <a:prstGeom prst="ellipse">
+            <a:avLst/>
+          </a:prstGeom>
+          <a:noFill/>
+          <a:ln>
+            <a:solidFill>
+              <a:srgbClr val="FF0000"/>
+            </a:solidFill>
+          </a:ln>
+        </p:spPr>
+        <p:style>
+          <a:lnRef idx="2">
+            <a:schemeClr val="accent1">
+              <a:shade val="50000"/>
+            </a:schemeClr>
+          </a:lnRef>
+          <a:fillRef idx="1">
+            <a:schemeClr val="accent1"/>
+          </a:fillRef>
+          <a:effectRef idx="0">
+            <a:schemeClr val="accent1"/>
+          </a:effectRef>
+          <a:fontRef idx="minor">
+            <a:schemeClr val="lt1"/>
+          </a:fontRef>
+        </p:style>
+        <p:txBody>
+          <a:bodyPr rtlCol="0" anchor="ctr"/>
+          <a:lstStyle/>
+          <a:p>
+            <a:pPr algn="ctr"/>
+            <a:endParaRPr lang="es-UY"/>
+          </a:p>
+        </p:txBody>
+      </p:sp>
+      <p:sp>
+        <p:nvSpPr>
+          <p:cNvPr id="11" name="10 Elipse"/>
+          <p:cNvSpPr/>
+          <p:nvPr/>
+        </p:nvSpPr>
+        <p:spPr>
+          <a:xfrm>
+            <a:off x="728416" y="4272188"/>
+            <a:ext cx="1143008" cy="357190"/>
+          </a:xfrm>
+          <a:prstGeom prst="ellipse">
+            <a:avLst/>
+          </a:prstGeom>
+          <a:noFill/>
+          <a:ln>
+            <a:solidFill>
+              <a:srgbClr val="FF0000"/>
+            </a:solidFill>
+          </a:ln>
+        </p:spPr>
+        <p:style>
+          <a:lnRef idx="2">
+            <a:schemeClr val="accent1">
+              <a:shade val="50000"/>
+            </a:schemeClr>
+          </a:lnRef>
+          <a:fillRef idx="1">
+            <a:schemeClr val="accent1"/>
+          </a:fillRef>
+          <a:effectRef idx="0">
+            <a:schemeClr val="accent1"/>
+          </a:effectRef>
+          <a:fontRef idx="minor">
+            <a:schemeClr val="lt1"/>
+          </a:fontRef>
+        </p:style>
+        <p:txBody>
+          <a:bodyPr rtlCol="0" anchor="ctr"/>
+          <a:lstStyle/>
+          <a:p>
+            <a:pPr algn="ctr"/>
+            <a:endParaRPr lang="es-UY"/>
+          </a:p>
+        </p:txBody>
+      </p:sp>
+    </p:spTree>
+  </p:cSld>
+  <p:clrMapOvr>
+    <a:masterClrMapping/>
+  </p:clrMapOvr>
+  <p:timing>
+    <p:tnLst>
+      <p:par>
+        <p:cTn id="1" dur="indefinite" restart="never" nodeType="tmRoot"/>
+      </p:par>
+    </p:tnLst>
+  </p:timing>
+</p:sld>
+</file>
+
+<file path=ppt/slides/slide5.xml><?xml version="1.0" encoding="utf-8"?>
+<p:sld xmlns:a="http://schemas.openxmlformats.org/drawingml/2006/main" xmlns:r="http://schemas.openxmlformats.org/officeDocument/2006/relationships" xmlns:p="http://schemas.openxmlformats.org/presentationml/2006/main">
+  <p:cSld>
+    <p:spTree>
+      <p:nvGrpSpPr>
+        <p:cNvPr id="1" name=""/>
+        <p:cNvGrpSpPr/>
+        <p:nvPr/>
+      </p:nvGrpSpPr>
+      <p:grpSpPr>
+        <a:xfrm>
+          <a:off x="0" y="0"/>
+          <a:ext cx="0" cy="0"/>
+          <a:chOff x="0" y="0"/>
+          <a:chExt cx="0" cy="0"/>
+        </a:xfrm>
+      </p:grpSpPr>
+      <p:sp>
+        <p:nvSpPr>
+          <p:cNvPr id="2" name="1 Título"/>
+          <p:cNvSpPr>
+            <a:spLocks noGrp="1"/>
+          </p:cNvSpPr>
+          <p:nvPr>
+            <p:ph type="title"/>
+          </p:nvPr>
+        </p:nvSpPr>
+        <p:spPr/>
+        <p:txBody>
+          <a:bodyPr/>
+          <a:lstStyle/>
+          <a:p>
+            <a:r>
+              <a:rPr lang="es-UY" b="1" dirty="0" smtClean="0"/>
+              <a:t>Contexto</a:t>
+            </a:r>
+            <a:br>
+              <a:rPr lang="es-UY" b="1" dirty="0" smtClean="0"/>
+            </a:br>
             <a:endParaRPr lang="es-UY" b="1" dirty="0"/>
           </a:p>
         </p:txBody>
@@ -7383,7 +7917,7 @@
 </p:sld>
 </file>
 
-<file path=ppt/slides/slide5.xml><?xml version="1.0" encoding="utf-8"?>
+<file path=ppt/slides/slide6.xml><?xml version="1.0" encoding="utf-8"?>
 <p:sld xmlns:a="http://schemas.openxmlformats.org/drawingml/2006/main" xmlns:r="http://schemas.openxmlformats.org/officeDocument/2006/relationships" xmlns:p="http://schemas.openxmlformats.org/presentationml/2006/main">
   <p:cSld>
     <p:bg>
@@ -7424,6 +7958,9 @@
               <a:rPr lang="es-UY" b="1" dirty="0" smtClean="0"/>
               <a:t>Contexto</a:t>
             </a:r>
+            <a:br>
+              <a:rPr lang="es-UY" b="1" dirty="0" smtClean="0"/>
+            </a:br>
             <a:endParaRPr lang="es-UY" b="1" dirty="0"/>
           </a:p>
         </p:txBody>
@@ -7453,21 +7990,33 @@
           <a:p>
             <a:r>
               <a:rPr lang="es-UY" sz="2200" dirty="0" smtClean="0"/>
-              <a:t>Servicios de información geográficos</a:t>
-            </a:r>
-          </a:p>
-          <a:p>
-            <a:pPr>
-              <a:buNone/>
-            </a:pPr>
+              <a:t>OGC (Open </a:t>
+            </a:r>
+            <a:r>
+              <a:rPr lang="es-UY" sz="2200" dirty="0" err="1" smtClean="0"/>
+              <a:t>Geospatial</a:t>
+            </a:r>
+            <a:r>
+              <a:rPr lang="es-UY" sz="2200" dirty="0" smtClean="0"/>
+              <a:t> </a:t>
+            </a:r>
+            <a:r>
+              <a:rPr lang="es-UY" sz="2200" dirty="0" err="1" smtClean="0"/>
+              <a:t>Consortium</a:t>
+            </a:r>
+            <a:r>
+              <a:rPr lang="es-UY" sz="2200" dirty="0" smtClean="0"/>
+              <a:t>)</a:t>
+            </a:r>
+            <a:r>
+              <a:rPr lang="es-UY" sz="2200" dirty="0" smtClean="0"/>
+              <a:t> </a:t>
+            </a:r>
+            <a:r>
+              <a:rPr lang="es-UY" sz="2200" dirty="0" smtClean="0"/>
+              <a:t>define: </a:t>
+            </a:r>
             <a:endParaRPr lang="es-UY" sz="2200" dirty="0" smtClean="0"/>
-          </a:p>
-          <a:p>
-            <a:pPr lvl="1"/>
-            <a:r>
-              <a:rPr lang="es-UY" sz="2000" dirty="0" smtClean="0"/>
-              <a:t>Información geográfica</a:t>
-            </a:r>
           </a:p>
           <a:p>
             <a:pPr lvl="1">
@@ -7495,44 +8044,121 @@
             </a:r>
             <a:r>
               <a:rPr lang="es-UY" sz="2000" dirty="0" smtClean="0"/>
-              <a:t> (WMS)</a:t>
-            </a:r>
+              <a:t> (WMS</a:t>
+            </a:r>
+            <a:r>
+              <a:rPr lang="es-UY" sz="2000" dirty="0" smtClean="0"/>
+              <a:t>) </a:t>
+            </a:r>
+          </a:p>
+          <a:p>
+            <a:pPr lvl="2"/>
+            <a:r>
+              <a:rPr lang="es-UY" dirty="0" smtClean="0"/>
+              <a:t>Mapas dinámicos a partir de información geográfica distribuida</a:t>
+            </a:r>
+          </a:p>
+          <a:p>
+            <a:pPr lvl="2"/>
+            <a:r>
+              <a:rPr lang="es-UY" dirty="0" smtClean="0"/>
+              <a:t>Mapa: archivo de imagen</a:t>
+            </a:r>
+            <a:endParaRPr lang="es-UY" dirty="0" smtClean="0"/>
           </a:p>
           <a:p>
             <a:pPr lvl="1">
               <a:buNone/>
             </a:pPr>
             <a:r>
+              <a:rPr lang="es-UY" sz="1800" dirty="0" smtClean="0"/>
+              <a:t> </a:t>
+            </a:r>
+          </a:p>
+          <a:p>
+            <a:pPr lvl="1"/>
+            <a:r>
+              <a:rPr lang="es-UY" sz="2000" dirty="0" smtClean="0"/>
+              <a:t>Web </a:t>
+            </a:r>
+            <a:r>
+              <a:rPr lang="es-UY" sz="2000" dirty="0" err="1" smtClean="0"/>
+              <a:t>Feature</a:t>
+            </a:r>
+            <a:r>
               <a:rPr lang="es-UY" sz="2000" dirty="0" smtClean="0"/>
               <a:t> </a:t>
             </a:r>
-          </a:p>
-          <a:p>
-            <a:pPr lvl="1"/>
-            <a:r>
-              <a:rPr lang="es-UY" sz="2000" dirty="0" smtClean="0"/>
-              <a:t>Web </a:t>
-            </a:r>
-            <a:r>
-              <a:rPr lang="es-UY" sz="2000" dirty="0" err="1" smtClean="0"/>
-              <a:t>Feature</a:t>
-            </a:r>
-            <a:r>
-              <a:rPr lang="es-UY" sz="2000" dirty="0" smtClean="0"/>
-              <a:t> </a:t>
-            </a:r>
             <a:r>
               <a:rPr lang="es-UY" sz="2000" dirty="0" err="1" smtClean="0"/>
               <a:t>Service</a:t>
             </a:r>
             <a:r>
               <a:rPr lang="es-UY" sz="2000" dirty="0" smtClean="0"/>
-              <a:t> (WFS)</a:t>
-            </a:r>
-          </a:p>
-          <a:p>
-            <a:pPr lvl="1"/>
+              <a:t> (WFS</a:t>
+            </a:r>
+            <a:r>
+              <a:rPr lang="es-UY" sz="2000" dirty="0" smtClean="0"/>
+              <a:t>)</a:t>
+            </a:r>
+          </a:p>
+          <a:p>
+            <a:pPr lvl="2"/>
+            <a:r>
+              <a:rPr lang="es-UY" dirty="0" smtClean="0"/>
+              <a:t>Consultar </a:t>
+            </a:r>
+            <a:r>
+              <a:rPr lang="es-UY" dirty="0" smtClean="0"/>
+              <a:t>y modificar información geográfica en </a:t>
+            </a:r>
+            <a:r>
+              <a:rPr lang="es-UY" dirty="0" smtClean="0"/>
+              <a:t>GML (</a:t>
+            </a:r>
+            <a:r>
+              <a:rPr lang="es-UY" dirty="0" err="1" smtClean="0"/>
+              <a:t>Geography</a:t>
+            </a:r>
+            <a:r>
+              <a:rPr lang="es-UY" dirty="0" smtClean="0"/>
+              <a:t> </a:t>
+            </a:r>
+            <a:r>
+              <a:rPr lang="es-UY" dirty="0" err="1" smtClean="0"/>
+              <a:t>Markup</a:t>
+            </a:r>
+            <a:r>
+              <a:rPr lang="es-UY" dirty="0" smtClean="0"/>
+              <a:t> </a:t>
+            </a:r>
+            <a:r>
+              <a:rPr lang="es-UY" dirty="0" err="1" smtClean="0"/>
+              <a:t>Language</a:t>
+            </a:r>
+            <a:r>
+              <a:rPr lang="es-UY" dirty="0" smtClean="0"/>
+              <a:t>)</a:t>
+            </a:r>
+            <a:endParaRPr lang="es-UY" dirty="0" smtClean="0"/>
+          </a:p>
+          <a:p>
+            <a:pPr lvl="1">
+              <a:buNone/>
+            </a:pPr>
             <a:endParaRPr lang="es-UY" sz="2000" dirty="0" smtClean="0"/>
+          </a:p>
+          <a:p>
+            <a:pPr lvl="1">
+              <a:buNone/>
+            </a:pPr>
+            <a:endParaRPr lang="es-UY" sz="2000" dirty="0" smtClean="0"/>
+          </a:p>
+          <a:p>
+            <a:pPr lvl="1" algn="r">
+              <a:buNone/>
+            </a:pPr>
+            <a:endParaRPr lang="es-UY" sz="1400" dirty="0" smtClean="0"/>
           </a:p>
           <a:p>
             <a:pPr lvl="1"/>
@@ -7544,127 +8170,6 @@
   </p:cSld>
   <p:clrMapOvr>
     <a:overrideClrMapping bg1="lt1" tx1="dk1" bg2="lt2" tx2="dk2" accent1="accent1" accent2="accent2" accent3="accent3" accent4="accent4" accent5="accent5" accent6="accent6" hlink="hlink" folHlink="folHlink"/>
-  </p:clrMapOvr>
-  <p:timing>
-    <p:tnLst>
-      <p:par>
-        <p:cTn id="1" dur="indefinite" restart="never" nodeType="tmRoot"/>
-      </p:par>
-    </p:tnLst>
-  </p:timing>
-</p:sld>
-</file>
-
-<file path=ppt/slides/slide6.xml><?xml version="1.0" encoding="utf-8"?>
-<p:sld xmlns:a="http://schemas.openxmlformats.org/drawingml/2006/main" xmlns:r="http://schemas.openxmlformats.org/officeDocument/2006/relationships" xmlns:p="http://schemas.openxmlformats.org/presentationml/2006/main">
-  <p:cSld>
-    <p:spTree>
-      <p:nvGrpSpPr>
-        <p:cNvPr id="1" name=""/>
-        <p:cNvGrpSpPr/>
-        <p:nvPr/>
-      </p:nvGrpSpPr>
-      <p:grpSpPr>
-        <a:xfrm>
-          <a:off x="0" y="0"/>
-          <a:ext cx="0" cy="0"/>
-          <a:chOff x="0" y="0"/>
-          <a:chExt cx="0" cy="0"/>
-        </a:xfrm>
-      </p:grpSpPr>
-      <p:sp>
-        <p:nvSpPr>
-          <p:cNvPr id="2" name="Title 1"/>
-          <p:cNvSpPr>
-            <a:spLocks noGrp="1"/>
-          </p:cNvSpPr>
-          <p:nvPr>
-            <p:ph type="title"/>
-          </p:nvPr>
-        </p:nvSpPr>
-        <p:spPr/>
-        <p:txBody>
-          <a:bodyPr/>
-          <a:lstStyle/>
-          <a:p>
-            <a:r>
-              <a:rPr lang="es-UY" dirty="0" smtClean="0"/>
-              <a:t>contexto</a:t>
-            </a:r>
-            <a:endParaRPr lang="es-UY" dirty="0"/>
-          </a:p>
-        </p:txBody>
-      </p:sp>
-      <p:sp>
-        <p:nvSpPr>
-          <p:cNvPr id="3" name="Content Placeholder 2"/>
-          <p:cNvSpPr>
-            <a:spLocks noGrp="1"/>
-          </p:cNvSpPr>
-          <p:nvPr>
-            <p:ph sz="quarter" idx="1"/>
-          </p:nvPr>
-        </p:nvSpPr>
-        <p:spPr/>
-        <p:txBody>
-          <a:bodyPr/>
-          <a:lstStyle/>
-          <a:p>
-            <a:r>
-              <a:rPr lang="es-UY" dirty="0" smtClean="0"/>
-              <a:t>Tesis de maestría de Raquel Sosa, </a:t>
-            </a:r>
-            <a:r>
-              <a:rPr lang="es-UY" dirty="0" smtClean="0"/>
-              <a:t>Agosto de </a:t>
-            </a:r>
-            <a:r>
-              <a:rPr lang="es-UY" dirty="0" smtClean="0"/>
-              <a:t>2011.</a:t>
-            </a:r>
-          </a:p>
-          <a:p>
-            <a:pPr lvl="1"/>
-            <a:endParaRPr lang="es-UY" dirty="0" smtClean="0"/>
-          </a:p>
-          <a:p>
-            <a:pPr lvl="1"/>
-            <a:r>
-              <a:rPr lang="es-UY" dirty="0" smtClean="0"/>
-              <a:t>Integración de Servicios Geográficos en Plataformas de Gobierno Electrónico.</a:t>
-            </a:r>
-          </a:p>
-          <a:p>
-            <a:pPr lvl="1"/>
-            <a:endParaRPr lang="es-UY" dirty="0" smtClean="0"/>
-          </a:p>
-          <a:p>
-            <a:pPr lvl="2"/>
-            <a:r>
-              <a:rPr lang="es-UY" dirty="0" smtClean="0"/>
-              <a:t>Definición de escenarios de integración.</a:t>
-            </a:r>
-          </a:p>
-          <a:p>
-            <a:pPr lvl="2"/>
-            <a:endParaRPr lang="es-UY" dirty="0" smtClean="0"/>
-          </a:p>
-          <a:p>
-            <a:pPr lvl="2"/>
-            <a:r>
-              <a:rPr lang="es-UY" dirty="0" smtClean="0"/>
-              <a:t>Solución propuesta.</a:t>
-            </a:r>
-          </a:p>
-          <a:p>
-            <a:endParaRPr lang="es-UY" dirty="0"/>
-          </a:p>
-        </p:txBody>
-      </p:sp>
-    </p:spTree>
-  </p:cSld>
-  <p:clrMapOvr>
-    <a:masterClrMapping/>
   </p:clrMapOvr>
   <p:timing>
     <p:tnLst>
@@ -7695,7 +8200,7 @@
       </p:grpSpPr>
       <p:sp>
         <p:nvSpPr>
-          <p:cNvPr id="2" name="1 Título"/>
+          <p:cNvPr id="2" name="Title 1"/>
           <p:cNvSpPr>
             <a:spLocks noGrp="1"/>
           </p:cNvSpPr>
@@ -7710,15 +8215,18 @@
           <a:p>
             <a:r>
               <a:rPr lang="es-UY" b="1" dirty="0" smtClean="0"/>
-              <a:t>Objetivos</a:t>
-            </a:r>
+              <a:t>Contexto</a:t>
+            </a:r>
+            <a:br>
+              <a:rPr lang="es-UY" b="1" dirty="0" smtClean="0"/>
+            </a:br>
             <a:endParaRPr lang="es-UY" b="1" dirty="0"/>
           </a:p>
         </p:txBody>
       </p:sp>
       <p:sp>
         <p:nvSpPr>
-          <p:cNvPr id="3" name="2 Marcador de contenido"/>
+          <p:cNvPr id="3" name="Content Placeholder 2"/>
           <p:cNvSpPr>
             <a:spLocks noGrp="1"/>
           </p:cNvSpPr>
@@ -7731,58 +8239,65 @@
           <a:bodyPr/>
           <a:lstStyle/>
           <a:p>
-            <a:pPr>
-              <a:buNone/>
-            </a:pPr>
+            <a:r>
+              <a:rPr lang="es-UY" sz="2200" dirty="0" smtClean="0"/>
+              <a:t>Tesis de maestría de Raquel Sosa, Agosto de </a:t>
+            </a:r>
+            <a:r>
+              <a:rPr lang="es-UY" sz="2200" dirty="0" smtClean="0"/>
+              <a:t>2011</a:t>
+            </a:r>
             <a:endParaRPr lang="es-UY" sz="2200" dirty="0" smtClean="0"/>
           </a:p>
           <a:p>
-            <a:r>
-              <a:rPr lang="es-UY" sz="2200" dirty="0" smtClean="0"/>
-              <a:t>Implementar solución propuesta en la tesis de maestría de Raquel Sosa</a:t>
-            </a:r>
-          </a:p>
-          <a:p>
-            <a:pPr>
-              <a:buNone/>
-            </a:pPr>
-            <a:endParaRPr lang="es-UY" sz="2200" dirty="0" smtClean="0"/>
-          </a:p>
-          <a:p>
             <a:pPr lvl="1"/>
+            <a:endParaRPr lang="es-UY" dirty="0" smtClean="0"/>
+          </a:p>
+          <a:p>
+            <a:pPr lvl="1"/>
             <a:r>
               <a:rPr lang="es-UY" sz="2000" dirty="0" smtClean="0"/>
-              <a:t>Evaluar factibilidad técnica</a:t>
-            </a:r>
-          </a:p>
-          <a:p>
-            <a:pPr lvl="1">
-              <a:buNone/>
-            </a:pPr>
+              <a:t>Integración de Servicios Geográficos en Plataformas de Gobierno </a:t>
+            </a:r>
+            <a:r>
+              <a:rPr lang="es-UY" sz="2000" dirty="0" smtClean="0"/>
+              <a:t>Electrónico</a:t>
+            </a:r>
             <a:endParaRPr lang="es-UY" sz="2000" dirty="0" smtClean="0"/>
           </a:p>
           <a:p>
             <a:pPr lvl="1"/>
-            <a:r>
-              <a:rPr lang="es-UY" sz="2000" dirty="0" smtClean="0"/>
-              <a:t>Diseño de arquitectura</a:t>
-            </a:r>
-          </a:p>
-          <a:p>
-            <a:pPr lvl="1">
-              <a:buNone/>
-            </a:pPr>
-            <a:endParaRPr lang="es-UY" sz="2000" dirty="0" smtClean="0"/>
-          </a:p>
-          <a:p>
-            <a:pPr lvl="1"/>
-            <a:r>
-              <a:rPr lang="es-UY" sz="2000" dirty="0" smtClean="0"/>
-              <a:t>Validar integración de servicios geográficos con la PGE</a:t>
-            </a:r>
-          </a:p>
-          <a:p>
-            <a:pPr lvl="1"/>
+            <a:endParaRPr lang="es-UY" dirty="0" smtClean="0"/>
+          </a:p>
+          <a:p>
+            <a:pPr lvl="2"/>
+            <a:r>
+              <a:rPr lang="es-UY" dirty="0" smtClean="0"/>
+              <a:t>Definición de escenarios de </a:t>
+            </a:r>
+            <a:r>
+              <a:rPr lang="es-UY" dirty="0" smtClean="0"/>
+              <a:t>integración</a:t>
+            </a:r>
+            <a:endParaRPr lang="es-UY" dirty="0" smtClean="0"/>
+          </a:p>
+          <a:p>
+            <a:pPr lvl="2"/>
+            <a:endParaRPr lang="es-UY" dirty="0" smtClean="0"/>
+          </a:p>
+          <a:p>
+            <a:pPr lvl="2"/>
+            <a:r>
+              <a:rPr lang="es-UY" dirty="0" smtClean="0"/>
+              <a:t>Solución </a:t>
+            </a:r>
+            <a:r>
+              <a:rPr lang="es-UY" dirty="0" smtClean="0"/>
+              <a:t>propuesta</a:t>
+            </a:r>
+            <a:endParaRPr lang="es-UY" dirty="0" smtClean="0"/>
+          </a:p>
+          <a:p>
             <a:endParaRPr lang="es-UY" dirty="0"/>
           </a:p>
         </p:txBody>
@@ -7836,8 +8351,11 @@
           <a:p>
             <a:r>
               <a:rPr lang="es-UY" b="1" dirty="0" smtClean="0"/>
-              <a:t>Estudio Inicial</a:t>
-            </a:r>
+              <a:t>Objetivos</a:t>
+            </a:r>
+            <a:br>
+              <a:rPr lang="es-UY" b="1" dirty="0" smtClean="0"/>
+            </a:br>
             <a:endParaRPr lang="es-UY" b="1" dirty="0"/>
           </a:p>
         </p:txBody>
@@ -7854,16 +8372,8 @@
         </p:nvSpPr>
         <p:spPr/>
         <p:txBody>
-          <a:bodyPr>
-            <a:noAutofit/>
-          </a:bodyPr>
-          <a:lstStyle/>
-          <a:p>
-            <a:r>
-              <a:rPr lang="es-UY" sz="2200" dirty="0" smtClean="0"/>
-              <a:t>Tesis de Maestría</a:t>
-            </a:r>
-          </a:p>
+          <a:bodyPr/>
+          <a:lstStyle/>
           <a:p>
             <a:pPr>
               <a:buNone/>
@@ -7873,73 +8383,51 @@
           <a:p>
             <a:r>
               <a:rPr lang="es-UY" sz="2200" dirty="0" smtClean="0"/>
-              <a:t>Estándares</a:t>
-            </a:r>
+              <a:t>Implementar solución propuesta en la tesis de maestría de Raquel Sosa</a:t>
+            </a:r>
+          </a:p>
+          <a:p>
+            <a:pPr>
+              <a:buNone/>
+            </a:pPr>
+            <a:endParaRPr lang="es-UY" sz="2200" dirty="0" smtClean="0"/>
           </a:p>
           <a:p>
             <a:pPr lvl="1"/>
             <a:r>
               <a:rPr lang="es-UY" sz="2000" dirty="0" smtClean="0"/>
-              <a:t>WMS</a:t>
-            </a:r>
+              <a:t>Evaluar factibilidad técnica</a:t>
+            </a:r>
+          </a:p>
+          <a:p>
+            <a:pPr lvl="1">
+              <a:buNone/>
+            </a:pPr>
+            <a:endParaRPr lang="es-UY" sz="2000" dirty="0" smtClean="0"/>
           </a:p>
           <a:p>
             <a:pPr lvl="1"/>
             <a:r>
               <a:rPr lang="es-UY" sz="2000" dirty="0" smtClean="0"/>
-              <a:t>WFS</a:t>
-            </a:r>
+              <a:t>Diseño de arquitectura</a:t>
+            </a:r>
+          </a:p>
+          <a:p>
+            <a:pPr lvl="1">
+              <a:buNone/>
+            </a:pPr>
+            <a:endParaRPr lang="es-UY" sz="2000" dirty="0" smtClean="0"/>
           </a:p>
           <a:p>
             <a:pPr lvl="1"/>
             <a:r>
               <a:rPr lang="es-UY" sz="2000" dirty="0" smtClean="0"/>
-              <a:t>WS-Security</a:t>
+              <a:t>Validar integración de servicios geográficos con la PGE</a:t>
             </a:r>
           </a:p>
           <a:p>
             <a:pPr lvl="1"/>
-            <a:r>
-              <a:rPr lang="es-UY" sz="2000" dirty="0" smtClean="0"/>
-              <a:t>WS-</a:t>
-            </a:r>
-            <a:r>
-              <a:rPr lang="es-UY" sz="2000" dirty="0" err="1" smtClean="0"/>
-              <a:t>Addressing</a:t>
-            </a:r>
-            <a:endParaRPr lang="es-UY" sz="2000" dirty="0" smtClean="0"/>
-          </a:p>
-          <a:p>
-            <a:pPr lvl="1"/>
-            <a:r>
-              <a:rPr lang="es-UY" sz="2000" dirty="0" smtClean="0"/>
-              <a:t>WS-Trust</a:t>
-            </a:r>
-          </a:p>
-          <a:p>
-            <a:pPr lvl="1"/>
-            <a:r>
-              <a:rPr lang="es-UY" sz="2000" dirty="0" smtClean="0"/>
-              <a:t>SOAP</a:t>
-            </a:r>
-          </a:p>
-          <a:p>
-            <a:pPr lvl="1"/>
-            <a:r>
-              <a:rPr lang="es-UY" sz="2000" dirty="0" smtClean="0"/>
-              <a:t>REST</a:t>
-            </a:r>
-          </a:p>
-          <a:p>
-            <a:pPr lvl="1"/>
-            <a:endParaRPr lang="es-UY" sz="2200" dirty="0" smtClean="0"/>
-          </a:p>
-          <a:p>
-            <a:r>
-              <a:rPr lang="es-UY" sz="2200" dirty="0" smtClean="0"/>
-              <a:t>PGE</a:t>
-            </a:r>
-            <a:endParaRPr lang="es-UY" sz="2200" dirty="0"/>
+            <a:endParaRPr lang="es-UY" dirty="0"/>
           </a:p>
         </p:txBody>
       </p:sp>
@@ -7992,8 +8480,15 @@
           <a:p>
             <a:r>
               <a:rPr lang="es-UY" b="1" dirty="0" smtClean="0"/>
-              <a:t>Análisis</a:t>
-            </a:r>
+              <a:t>Estudio </a:t>
+            </a:r>
+            <a:r>
+              <a:rPr lang="es-UY" b="1" dirty="0" smtClean="0"/>
+              <a:t>Inicial</a:t>
+            </a:r>
+            <a:br>
+              <a:rPr lang="es-UY" b="1" dirty="0" smtClean="0"/>
+            </a:br>
             <a:endParaRPr lang="es-UY" b="1" dirty="0"/>
           </a:p>
         </p:txBody>
@@ -8010,12 +8505,14 @@
         </p:nvSpPr>
         <p:spPr/>
         <p:txBody>
-          <a:bodyPr/>
+          <a:bodyPr>
+            <a:noAutofit/>
+          </a:bodyPr>
           <a:lstStyle/>
           <a:p>
             <a:r>
               <a:rPr lang="es-UY" sz="2200" dirty="0" smtClean="0"/>
-              <a:t>Casos de uso: escenarios</a:t>
+              <a:t>Tesis de Maestría</a:t>
             </a:r>
           </a:p>
           <a:p>
@@ -8025,64 +8522,75 @@
             <a:endParaRPr lang="es-UY" sz="2200" dirty="0" smtClean="0"/>
           </a:p>
           <a:p>
+            <a:r>
+              <a:rPr lang="es-UY" sz="2200" dirty="0" smtClean="0"/>
+              <a:t>Estándares</a:t>
+            </a:r>
+          </a:p>
+          <a:p>
             <a:pPr lvl="1"/>
             <a:r>
               <a:rPr lang="es-UY" sz="2000" dirty="0" smtClean="0"/>
-              <a:t>Público general consultado información geográfica</a:t>
-            </a:r>
-          </a:p>
-          <a:p>
-            <a:pPr lvl="1">
-              <a:buNone/>
-            </a:pPr>
+              <a:t>WMS</a:t>
+            </a:r>
+          </a:p>
+          <a:p>
+            <a:pPr lvl="1"/>
+            <a:r>
+              <a:rPr lang="es-UY" sz="2000" dirty="0" smtClean="0"/>
+              <a:t>WFS</a:t>
+            </a:r>
+          </a:p>
+          <a:p>
+            <a:pPr lvl="1"/>
+            <a:r>
+              <a:rPr lang="es-UY" sz="2000" dirty="0" smtClean="0"/>
+              <a:t>WS-Security</a:t>
+            </a:r>
+          </a:p>
+          <a:p>
+            <a:pPr lvl="1"/>
+            <a:r>
+              <a:rPr lang="es-UY" sz="2000" dirty="0" smtClean="0"/>
+              <a:t>WS-</a:t>
+            </a:r>
+            <a:r>
+              <a:rPr lang="es-UY" sz="2000" dirty="0" err="1" smtClean="0"/>
+              <a:t>Addressing</a:t>
+            </a:r>
             <a:endParaRPr lang="es-UY" sz="2000" dirty="0" smtClean="0"/>
           </a:p>
           <a:p>
             <a:pPr lvl="1"/>
             <a:r>
               <a:rPr lang="es-UY" sz="2000" dirty="0" smtClean="0"/>
-              <a:t>Público especializado consultando información geográfica</a:t>
-            </a:r>
-          </a:p>
-          <a:p>
-            <a:pPr lvl="1">
-              <a:buNone/>
-            </a:pPr>
-            <a:endParaRPr lang="es-UY" sz="2000" dirty="0" smtClean="0"/>
+              <a:t>WS-Trust</a:t>
+            </a:r>
           </a:p>
           <a:p>
             <a:pPr lvl="1"/>
             <a:r>
               <a:rPr lang="es-UY" sz="2000" dirty="0" smtClean="0"/>
-              <a:t>Instituciones colaborando en la generación de información geográfica</a:t>
-            </a:r>
-          </a:p>
-          <a:p>
-            <a:pPr lvl="1">
-              <a:buNone/>
-            </a:pPr>
-            <a:endParaRPr lang="es-UY" sz="2000" dirty="0" smtClean="0"/>
+              <a:t>SOAP</a:t>
+            </a:r>
           </a:p>
           <a:p>
             <a:pPr lvl="1"/>
             <a:r>
               <a:rPr lang="es-UY" sz="2000" dirty="0" smtClean="0"/>
-              <a:t>Instituciones colaborando en trámites</a:t>
-            </a:r>
-          </a:p>
-          <a:p>
-            <a:pPr lvl="1">
-              <a:buNone/>
-            </a:pPr>
-            <a:endParaRPr lang="es-UY" sz="2000" dirty="0" smtClean="0"/>
+              <a:t>REST</a:t>
+            </a:r>
           </a:p>
           <a:p>
             <a:pPr lvl="1"/>
-            <a:r>
-              <a:rPr lang="es-UY" sz="2000" dirty="0" smtClean="0"/>
-              <a:t>Público generando información geográfica</a:t>
-            </a:r>
-            <a:endParaRPr lang="es-UY" sz="2000" dirty="0"/>
+            <a:endParaRPr lang="es-UY" sz="2200" dirty="0" smtClean="0"/>
+          </a:p>
+          <a:p>
+            <a:r>
+              <a:rPr lang="es-UY" sz="2200" dirty="0" smtClean="0"/>
+              <a:t>PGE</a:t>
+            </a:r>
+            <a:endParaRPr lang="es-UY" sz="2200" dirty="0"/>
           </a:p>
         </p:txBody>
       </p:sp>

--- a/Presentacion.pptx
+++ b/Presentacion.pptx
@@ -5846,11 +5846,7 @@
           <a:p>
             <a:r>
               <a:rPr lang="es-UY" b="1" dirty="0" smtClean="0"/>
-              <a:t>Arquitectura propuesta en la </a:t>
-            </a:r>
-            <a:r>
-              <a:rPr lang="es-UY" b="1" dirty="0" smtClean="0"/>
-              <a:t>tesis</a:t>
+              <a:t>Arquitectura propuesta en la tesis</a:t>
             </a:r>
             <a:br>
               <a:rPr lang="es-UY" b="1" dirty="0" smtClean="0"/>
@@ -5959,11 +5955,7 @@
           <a:p>
             <a:r>
               <a:rPr lang="es-UY" b="1" dirty="0" smtClean="0"/>
-              <a:t>Decisiones de </a:t>
-            </a:r>
-            <a:r>
-              <a:rPr lang="es-UY" b="1" dirty="0" smtClean="0"/>
-              <a:t>diseño</a:t>
+              <a:t>Decisiones de diseño</a:t>
             </a:r>
             <a:br>
               <a:rPr lang="es-UY" b="1" dirty="0" smtClean="0"/>
@@ -5989,37 +5981,22 @@
           <a:p>
             <a:r>
               <a:rPr lang="es-UY" sz="2200" dirty="0" smtClean="0"/>
-              <a:t>CTP como servicios y no como </a:t>
-            </a:r>
-            <a:r>
-              <a:rPr lang="es-UY" sz="2200" dirty="0" smtClean="0"/>
-              <a:t>librerías</a:t>
-            </a:r>
-            <a:endParaRPr lang="es-UY" sz="2200" dirty="0" smtClean="0"/>
+              <a:t>CTP como servicios y no como librerías</a:t>
+            </a:r>
           </a:p>
           <a:p>
             <a:pPr lvl="1"/>
             <a:r>
               <a:rPr lang="es-UY" sz="2000" dirty="0" smtClean="0"/>
-              <a:t>Soporte máximo a clientes geográficos </a:t>
-            </a:r>
+              <a:t>Soporte máximo a clientes geográficos existentes</a:t>
+            </a:r>
+          </a:p>
+          <a:p>
+            <a:pPr lvl="1"/>
             <a:r>
               <a:rPr lang="es-UY" sz="2000" dirty="0" smtClean="0"/>
-              <a:t>existentes</a:t>
-            </a:r>
-            <a:endParaRPr lang="es-UY" sz="2000" dirty="0" smtClean="0"/>
-          </a:p>
-          <a:p>
-            <a:pPr lvl="1"/>
-            <a:r>
-              <a:rPr lang="es-UY" sz="2000" dirty="0" smtClean="0"/>
-              <a:t>Bajo acoplamiento con implementaciones y tecnologías</a:t>
-            </a:r>
-            <a:r>
-              <a:rPr lang="es-UY" sz="2000" dirty="0" smtClean="0"/>
-              <a:t>.</a:t>
-            </a:r>
-            <a:endParaRPr lang="es-UY" sz="2000" dirty="0" smtClean="0"/>
+              <a:t>Bajo acoplamiento con implementaciones y tecnologías.</a:t>
+            </a:r>
           </a:p>
           <a:p>
             <a:endParaRPr lang="es-UY" sz="2000" dirty="0" smtClean="0"/>
@@ -6035,11 +6012,7 @@
             </a:r>
             <a:r>
               <a:rPr lang="es-UY" sz="2200" dirty="0" smtClean="0"/>
-              <a:t> distribuido en organismos</a:t>
-            </a:r>
-            <a:r>
-              <a:rPr lang="es-UY" sz="2200" dirty="0" smtClean="0"/>
-              <a:t>.</a:t>
+              <a:t> distribuido en organismos.</a:t>
             </a:r>
             <a:endParaRPr lang="es-UY" sz="2000" dirty="0" smtClean="0"/>
           </a:p>
@@ -6047,37 +6020,22 @@
             <a:pPr lvl="1"/>
             <a:r>
               <a:rPr lang="es-UY" sz="2000" dirty="0" smtClean="0"/>
-              <a:t>Mapeo de direcciones físicas y </a:t>
-            </a:r>
+              <a:t>Mapeo de direcciones físicas y lógicas</a:t>
+            </a:r>
+          </a:p>
+          <a:p>
+            <a:pPr lvl="1"/>
             <a:r>
               <a:rPr lang="es-UY" sz="2000" dirty="0" smtClean="0"/>
-              <a:t>lógicas</a:t>
-            </a:r>
-            <a:endParaRPr lang="es-UY" sz="2000" dirty="0" smtClean="0"/>
+              <a:t>Evitar cuello de botella y único punto de falla</a:t>
+            </a:r>
           </a:p>
           <a:p>
             <a:pPr lvl="1"/>
             <a:r>
               <a:rPr lang="es-UY" sz="2000" dirty="0" smtClean="0"/>
-              <a:t>Evitar cuello de botella y único punto de </a:t>
-            </a:r>
-            <a:r>
-              <a:rPr lang="es-UY" sz="2000" dirty="0" smtClean="0"/>
-              <a:t>falla</a:t>
-            </a:r>
-            <a:endParaRPr lang="es-UY" sz="2000" dirty="0" smtClean="0"/>
-          </a:p>
-          <a:p>
-            <a:pPr lvl="1"/>
-            <a:r>
-              <a:rPr lang="es-UY" sz="2000" dirty="0" smtClean="0"/>
-              <a:t>Facilitar configuración y </a:t>
-            </a:r>
-            <a:r>
-              <a:rPr lang="es-UY" sz="2000" dirty="0" smtClean="0"/>
-              <a:t>mantenimiento</a:t>
-            </a:r>
-            <a:endParaRPr lang="es-UY" sz="2000" dirty="0" smtClean="0"/>
+              <a:t>Facilitar configuración y mantenimiento</a:t>
+            </a:r>
           </a:p>
           <a:p>
             <a:endParaRPr lang="es-UY" sz="2000" dirty="0" smtClean="0"/>
@@ -6093,23 +6051,14 @@
             </a:r>
             <a:r>
               <a:rPr lang="es-UY" sz="2200" dirty="0" smtClean="0"/>
-              <a:t> único por servicio </a:t>
-            </a:r>
-            <a:r>
-              <a:rPr lang="es-UY" sz="2200" dirty="0" smtClean="0"/>
-              <a:t>geográfico</a:t>
-            </a:r>
-            <a:endParaRPr lang="es-UY" sz="2200" dirty="0" smtClean="0"/>
+              <a:t> único por servicio geográfico</a:t>
+            </a:r>
           </a:p>
           <a:p>
             <a:pPr lvl="1"/>
             <a:r>
               <a:rPr lang="es-UY" sz="2000" dirty="0" smtClean="0"/>
-              <a:t>Por mapeo de direcciones físicas y </a:t>
-            </a:r>
-            <a:r>
-              <a:rPr lang="es-UY" sz="2000" dirty="0" smtClean="0"/>
-              <a:t>lógicas</a:t>
+              <a:t>Por mapeo de direcciones físicas y lógicas</a:t>
             </a:r>
             <a:endParaRPr lang="es-UY" sz="2000" dirty="0"/>
           </a:p>
@@ -6689,11 +6638,7 @@
           <a:p>
             <a:r>
               <a:rPr lang="es-UY" b="1" dirty="0" smtClean="0"/>
-              <a:t>Estado </a:t>
-            </a:r>
-            <a:r>
-              <a:rPr lang="es-UY" b="1" dirty="0" smtClean="0"/>
-              <a:t>Actual</a:t>
+              <a:t>Estado Actual</a:t>
             </a:r>
             <a:br>
               <a:rPr lang="es-UY" b="1" dirty="0" smtClean="0"/>
@@ -6850,11 +6795,7 @@
           <a:p>
             <a:r>
               <a:rPr lang="es-UY" b="1" dirty="0" smtClean="0"/>
-              <a:t>Planificación al </a:t>
-            </a:r>
-            <a:r>
-              <a:rPr lang="es-UY" b="1" dirty="0" smtClean="0"/>
-              <a:t>cierre</a:t>
+              <a:t>Planificación al cierre</a:t>
             </a:r>
             <a:br>
               <a:rPr lang="es-UY" b="1" dirty="0" smtClean="0"/>
@@ -7372,7 +7313,6 @@
               <a:rPr lang="es-UY" sz="2000" dirty="0" smtClean="0"/>
               <a:t>Tesis de maestría de Raquel Sosa </a:t>
             </a:r>
-            <a:endParaRPr lang="es-UY" sz="2000" dirty="0" smtClean="0"/>
           </a:p>
           <a:p>
             <a:pPr>
@@ -7397,11 +7337,7 @@
             <a:pPr lvl="1"/>
             <a:r>
               <a:rPr lang="es-UY" sz="2000" dirty="0" smtClean="0"/>
-              <a:t>Plataforma de Gobierno Electrónico Uruguayo (PGE</a:t>
-            </a:r>
-            <a:r>
-              <a:rPr lang="es-UY" sz="2000" dirty="0" smtClean="0"/>
-              <a:t>)</a:t>
+              <a:t>Plataforma de Gobierno Electrónico Uruguayo (PGE)</a:t>
             </a:r>
           </a:p>
           <a:p>
@@ -7534,7 +7470,6 @@
               <a:rPr lang="es-UY" sz="2000" i="1" dirty="0" smtClean="0"/>
               <a:t>), particularmente la Internet, como una herramienta para alcanzar un mejor gobierno“  </a:t>
             </a:r>
-            <a:endParaRPr lang="es-UY" sz="2000" i="1" dirty="0" smtClean="0"/>
           </a:p>
           <a:p>
             <a:pPr algn="r">
@@ -7542,17 +7477,8 @@
             </a:pPr>
             <a:r>
               <a:rPr lang="es-UY" sz="1400" dirty="0" smtClean="0"/>
-              <a:t>OCDE</a:t>
-            </a:r>
-            <a:r>
-              <a:rPr lang="es-UY" sz="1400" dirty="0" smtClean="0"/>
-              <a:t>, Organización para la Cooperación y el Desarrollo </a:t>
-            </a:r>
-            <a:r>
-              <a:rPr lang="es-UY" sz="1400" dirty="0" smtClean="0"/>
-              <a:t>Económicos</a:t>
-            </a:r>
-            <a:endParaRPr lang="es-UY" sz="1400" dirty="0" smtClean="0"/>
+              <a:t>OCDE, Organización para la Cooperación y el Desarrollo Económicos</a:t>
+            </a:r>
           </a:p>
         </p:txBody>
       </p:sp>
@@ -8006,17 +7932,8 @@
             </a:r>
             <a:r>
               <a:rPr lang="es-UY" sz="2200" dirty="0" smtClean="0"/>
-              <a:t>)</a:t>
-            </a:r>
-            <a:r>
-              <a:rPr lang="es-UY" sz="2200" dirty="0" smtClean="0"/>
-              <a:t> </a:t>
-            </a:r>
-            <a:r>
-              <a:rPr lang="es-UY" sz="2200" dirty="0" smtClean="0"/>
-              <a:t>define: </a:t>
-            </a:r>
-            <a:endParaRPr lang="es-UY" sz="2200" dirty="0" smtClean="0"/>
+              <a:t>) define: </a:t>
+            </a:r>
           </a:p>
           <a:p>
             <a:pPr lvl="1">
@@ -8044,11 +7961,7 @@
             </a:r>
             <a:r>
               <a:rPr lang="es-UY" sz="2000" dirty="0" smtClean="0"/>
-              <a:t> (WMS</a:t>
-            </a:r>
-            <a:r>
-              <a:rPr lang="es-UY" sz="2000" dirty="0" smtClean="0"/>
-              <a:t>) </a:t>
+              <a:t> (WMS) </a:t>
             </a:r>
           </a:p>
           <a:p>
@@ -8064,7 +7977,6 @@
               <a:rPr lang="es-UY" dirty="0" smtClean="0"/>
               <a:t>Mapa: archivo de imagen</a:t>
             </a:r>
-            <a:endParaRPr lang="es-UY" dirty="0" smtClean="0"/>
           </a:p>
           <a:p>
             <a:pPr lvl="1">
@@ -8095,26 +8007,14 @@
             </a:r>
             <a:r>
               <a:rPr lang="es-UY" sz="2000" dirty="0" smtClean="0"/>
-              <a:t> (WFS</a:t>
-            </a:r>
-            <a:r>
-              <a:rPr lang="es-UY" sz="2000" dirty="0" smtClean="0"/>
-              <a:t>)</a:t>
+              <a:t> (WFS)</a:t>
             </a:r>
           </a:p>
           <a:p>
             <a:pPr lvl="2"/>
             <a:r>
               <a:rPr lang="es-UY" dirty="0" smtClean="0"/>
-              <a:t>Consultar </a:t>
-            </a:r>
-            <a:r>
-              <a:rPr lang="es-UY" dirty="0" smtClean="0"/>
-              <a:t>y modificar información geográfica en </a:t>
-            </a:r>
-            <a:r>
-              <a:rPr lang="es-UY" dirty="0" smtClean="0"/>
-              <a:t>GML (</a:t>
+              <a:t>Consultar y modificar información geográfica en GML (</a:t>
             </a:r>
             <a:r>
               <a:rPr lang="es-UY" dirty="0" err="1" smtClean="0"/>
@@ -8140,7 +8040,6 @@
               <a:rPr lang="es-UY" dirty="0" smtClean="0"/>
               <a:t>)</a:t>
             </a:r>
-            <a:endParaRPr lang="es-UY" dirty="0" smtClean="0"/>
           </a:p>
           <a:p>
             <a:pPr lvl="1">
@@ -8241,13 +8140,8 @@
           <a:p>
             <a:r>
               <a:rPr lang="es-UY" sz="2200" dirty="0" smtClean="0"/>
-              <a:t>Tesis de maestría de Raquel Sosa, Agosto de </a:t>
-            </a:r>
-            <a:r>
-              <a:rPr lang="es-UY" sz="2200" dirty="0" smtClean="0"/>
-              <a:t>2011</a:t>
-            </a:r>
-            <a:endParaRPr lang="es-UY" sz="2200" dirty="0" smtClean="0"/>
+              <a:t>Tesis de maestría de Raquel Sosa, Agosto de 2011</a:t>
+            </a:r>
           </a:p>
           <a:p>
             <a:pPr lvl="1"/>
@@ -8257,13 +8151,8 @@
             <a:pPr lvl="1"/>
             <a:r>
               <a:rPr lang="es-UY" sz="2000" dirty="0" smtClean="0"/>
-              <a:t>Integración de Servicios Geográficos en Plataformas de Gobierno </a:t>
-            </a:r>
-            <a:r>
-              <a:rPr lang="es-UY" sz="2000" dirty="0" smtClean="0"/>
-              <a:t>Electrónico</a:t>
-            </a:r>
-            <a:endParaRPr lang="es-UY" sz="2000" dirty="0" smtClean="0"/>
+              <a:t>Integración de Servicios Geográficos en Plataformas de Gobierno Electrónico</a:t>
+            </a:r>
           </a:p>
           <a:p>
             <a:pPr lvl="1"/>
@@ -8273,13 +8162,8 @@
             <a:pPr lvl="2"/>
             <a:r>
               <a:rPr lang="es-UY" dirty="0" smtClean="0"/>
-              <a:t>Definición de escenarios de </a:t>
-            </a:r>
-            <a:r>
-              <a:rPr lang="es-UY" dirty="0" smtClean="0"/>
-              <a:t>integración</a:t>
-            </a:r>
-            <a:endParaRPr lang="es-UY" dirty="0" smtClean="0"/>
+              <a:t>Definición de escenarios de integración</a:t>
+            </a:r>
           </a:p>
           <a:p>
             <a:pPr lvl="2"/>
@@ -8293,7 +8177,27 @@
             </a:r>
             <a:r>
               <a:rPr lang="es-UY" dirty="0" smtClean="0"/>
-              <a:t>propuesta</a:t>
+              <a:t>propuesta: </a:t>
+            </a:r>
+            <a:r>
+              <a:rPr lang="es-UY" dirty="0" smtClean="0"/>
+              <a:t>Componentes </a:t>
+            </a:r>
+            <a:r>
+              <a:rPr lang="es-UY" dirty="0" smtClean="0"/>
+              <a:t>de </a:t>
+            </a:r>
+            <a:r>
+              <a:rPr lang="es-UY" dirty="0" smtClean="0"/>
+              <a:t>Transformación </a:t>
+            </a:r>
+            <a:r>
+              <a:rPr lang="es-UY" smtClean="0"/>
+              <a:t>de </a:t>
+            </a:r>
+            <a:r>
+              <a:rPr lang="es-UY" smtClean="0"/>
+              <a:t>Protocolos (CTP)</a:t>
             </a:r>
             <a:endParaRPr lang="es-UY" dirty="0" smtClean="0"/>
           </a:p>
@@ -8480,11 +8384,7 @@
           <a:p>
             <a:r>
               <a:rPr lang="es-UY" b="1" dirty="0" smtClean="0"/>
-              <a:t>Estudio </a:t>
-            </a:r>
-            <a:r>
-              <a:rPr lang="es-UY" b="1" dirty="0" smtClean="0"/>
-              <a:t>Inicial</a:t>
+              <a:t>Estudio Inicial</a:t>
             </a:r>
             <a:br>
               <a:rPr lang="es-UY" b="1" dirty="0" smtClean="0"/>

--- a/Presentacion.pptx
+++ b/Presentacion.pptx
@@ -213,7 +213,7 @@
             <a:fld id="{E8BFD649-4464-4874-A030-77DA47E62353}" type="datetimeFigureOut">
               <a:rPr lang="es-UY" smtClean="0"/>
               <a:pPr/>
-              <a:t>12/10/2014</a:t>
+              <a:t>14/10/2014</a:t>
             </a:fld>
             <a:endParaRPr lang="es-UY"/>
           </a:p>
@@ -617,7 +617,7 @@
             <a:fld id="{7A847CFC-816F-41D0-AAC0-9BF4FEBC753E}" type="datetimeFigureOut">
               <a:rPr lang="es-ES" smtClean="0"/>
               <a:pPr/>
-              <a:t>12/10/2014</a:t>
+              <a:t>14/10/2014</a:t>
             </a:fld>
             <a:endParaRPr lang="es-ES"/>
           </a:p>
@@ -1488,7 +1488,7 @@
             <a:fld id="{7A847CFC-816F-41D0-AAC0-9BF4FEBC753E}" type="datetimeFigureOut">
               <a:rPr lang="es-ES" smtClean="0"/>
               <a:pPr/>
-              <a:t>12/10/2014</a:t>
+              <a:t>14/10/2014</a:t>
             </a:fld>
             <a:endParaRPr lang="es-ES"/>
           </a:p>
@@ -1665,7 +1665,7 @@
             <a:fld id="{7A847CFC-816F-41D0-AAC0-9BF4FEBC753E}" type="datetimeFigureOut">
               <a:rPr lang="es-ES" smtClean="0"/>
               <a:pPr/>
-              <a:t>12/10/2014</a:t>
+              <a:t>14/10/2014</a:t>
             </a:fld>
             <a:endParaRPr lang="es-ES"/>
           </a:p>
@@ -1837,7 +1837,7 @@
             <a:fld id="{7A847CFC-816F-41D0-AAC0-9BF4FEBC753E}" type="datetimeFigureOut">
               <a:rPr lang="es-ES" smtClean="0"/>
               <a:pPr/>
-              <a:t>12/10/2014</a:t>
+              <a:t>14/10/2014</a:t>
             </a:fld>
             <a:endParaRPr lang="es-ES"/>
           </a:p>
@@ -2049,7 +2049,7 @@
             <a:fld id="{7A847CFC-816F-41D0-AAC0-9BF4FEBC753E}" type="datetimeFigureOut">
               <a:rPr lang="es-ES" smtClean="0"/>
               <a:pPr/>
-              <a:t>12/10/2014</a:t>
+              <a:t>14/10/2014</a:t>
             </a:fld>
             <a:endParaRPr lang="es-ES"/>
           </a:p>
@@ -2865,7 +2865,7 @@
             <a:fld id="{7A847CFC-816F-41D0-AAC0-9BF4FEBC753E}" type="datetimeFigureOut">
               <a:rPr lang="es-ES" smtClean="0"/>
               <a:pPr/>
-              <a:t>12/10/2014</a:t>
+              <a:t>14/10/2014</a:t>
             </a:fld>
             <a:endParaRPr lang="es-ES"/>
           </a:p>
@@ -3103,7 +3103,7 @@
             <a:fld id="{7A847CFC-816F-41D0-AAC0-9BF4FEBC753E}" type="datetimeFigureOut">
               <a:rPr lang="es-ES" smtClean="0"/>
               <a:pPr/>
-              <a:t>12/10/2014</a:t>
+              <a:t>14/10/2014</a:t>
             </a:fld>
             <a:endParaRPr lang="es-ES"/>
           </a:p>
@@ -3428,7 +3428,7 @@
             <a:fld id="{7A847CFC-816F-41D0-AAC0-9BF4FEBC753E}" type="datetimeFigureOut">
               <a:rPr lang="es-ES" smtClean="0"/>
               <a:pPr/>
-              <a:t>12/10/2014</a:t>
+              <a:t>14/10/2014</a:t>
             </a:fld>
             <a:endParaRPr lang="es-ES"/>
           </a:p>
@@ -3520,7 +3520,7 @@
             <a:fld id="{7A847CFC-816F-41D0-AAC0-9BF4FEBC753E}" type="datetimeFigureOut">
               <a:rPr lang="es-ES" smtClean="0"/>
               <a:pPr/>
-              <a:t>12/10/2014</a:t>
+              <a:t>14/10/2014</a:t>
             </a:fld>
             <a:endParaRPr lang="es-ES"/>
           </a:p>
@@ -4039,7 +4039,7 @@
             <a:fld id="{7A847CFC-816F-41D0-AAC0-9BF4FEBC753E}" type="datetimeFigureOut">
               <a:rPr lang="es-ES" smtClean="0"/>
               <a:pPr/>
-              <a:t>12/10/2014</a:t>
+              <a:t>14/10/2014</a:t>
             </a:fld>
             <a:endParaRPr lang="es-ES"/>
           </a:p>
@@ -4552,7 +4552,7 @@
             <a:fld id="{7A847CFC-816F-41D0-AAC0-9BF4FEBC753E}" type="datetimeFigureOut">
               <a:rPr lang="es-ES" smtClean="0"/>
               <a:pPr/>
-              <a:t>12/10/2014</a:t>
+              <a:t>14/10/2014</a:t>
             </a:fld>
             <a:endParaRPr lang="es-ES"/>
           </a:p>
@@ -4799,7 +4799,7 @@
             <a:fld id="{7A847CFC-816F-41D0-AAC0-9BF4FEBC753E}" type="datetimeFigureOut">
               <a:rPr lang="es-ES" smtClean="0"/>
               <a:pPr/>
-              <a:t>12/10/2014</a:t>
+              <a:t>14/10/2014</a:t>
             </a:fld>
             <a:endParaRPr lang="es-ES"/>
           </a:p>
@@ -8151,18 +8151,52 @@
             <a:pPr lvl="1"/>
             <a:r>
               <a:rPr lang="es-UY" sz="2000" dirty="0" smtClean="0"/>
-              <a:t>Integración de Servicios Geográficos en Plataformas de Gobierno Electrónico</a:t>
+              <a:t>Integración de Servicios Geográficos en Plataformas de Gobierno </a:t>
+            </a:r>
+            <a:r>
+              <a:rPr lang="es-UY" sz="2000" dirty="0" smtClean="0"/>
+              <a:t>Electrónico</a:t>
+            </a:r>
+          </a:p>
+          <a:p>
+            <a:pPr lvl="2"/>
+            <a:r>
+              <a:rPr lang="es-UY" smtClean="0"/>
+              <a:t>Problemática</a:t>
+            </a:r>
+            <a:endParaRPr lang="es-UY" dirty="0" smtClean="0"/>
+          </a:p>
+          <a:p>
+            <a:pPr lvl="3"/>
+            <a:r>
+              <a:rPr lang="es-UY" sz="1600" dirty="0" smtClean="0"/>
+              <a:t>PGE da soporte a servicios basados en el estándar SOAP</a:t>
+            </a:r>
+          </a:p>
+          <a:p>
+            <a:pPr lvl="3"/>
+            <a:r>
+              <a:rPr lang="es-UY" sz="1600" dirty="0" smtClean="0"/>
+              <a:t>Estándares </a:t>
+            </a:r>
+            <a:r>
+              <a:rPr lang="es-UY" sz="1600" dirty="0" smtClean="0"/>
+              <a:t>WMS y WFS definidos para REST</a:t>
             </a:r>
           </a:p>
           <a:p>
             <a:pPr lvl="1"/>
-            <a:endParaRPr lang="es-UY" dirty="0" smtClean="0"/>
+            <a:endParaRPr lang="es-UY" sz="1800" dirty="0" smtClean="0"/>
           </a:p>
           <a:p>
             <a:pPr lvl="2"/>
             <a:r>
               <a:rPr lang="es-UY" dirty="0" smtClean="0"/>
-              <a:t>Definición de escenarios de integración</a:t>
+              <a:t>Definición de escenarios de </a:t>
+            </a:r>
+            <a:r>
+              <a:rPr lang="es-UY" sz="1600" dirty="0" smtClean="0"/>
+              <a:t>integración</a:t>
             </a:r>
           </a:p>
           <a:p>
@@ -8173,33 +8207,8 @@
             <a:pPr lvl="2"/>
             <a:r>
               <a:rPr lang="es-UY" dirty="0" smtClean="0"/>
-              <a:t>Solución </a:t>
-            </a:r>
-            <a:r>
-              <a:rPr lang="es-UY" dirty="0" smtClean="0"/>
-              <a:t>propuesta: </a:t>
-            </a:r>
-            <a:r>
-              <a:rPr lang="es-UY" dirty="0" smtClean="0"/>
-              <a:t>Componentes </a:t>
-            </a:r>
-            <a:r>
-              <a:rPr lang="es-UY" dirty="0" smtClean="0"/>
-              <a:t>de </a:t>
-            </a:r>
-            <a:r>
-              <a:rPr lang="es-UY" dirty="0" smtClean="0"/>
-              <a:t>Transformación </a:t>
-            </a:r>
-            <a:r>
-              <a:rPr lang="es-UY" smtClean="0"/>
-              <a:t>de </a:t>
-            </a:r>
-            <a:r>
-              <a:rPr lang="es-UY" smtClean="0"/>
-              <a:t>Protocolos (CTP)</a:t>
-            </a:r>
-            <a:endParaRPr lang="es-UY" dirty="0" smtClean="0"/>
+              <a:t>Solución propuesta: Componentes de Transformación de Protocolos (CTP)</a:t>
+            </a:r>
           </a:p>
           <a:p>
             <a:endParaRPr lang="es-UY" dirty="0"/>

--- a/Presentacion.pptx
+++ b/Presentacion.pptx
@@ -5,7 +5,7 @@
     <p:sldMasterId id="2147483732" r:id="rId1"/>
   </p:sldMasterIdLst>
   <p:notesMasterIdLst>
-    <p:notesMasterId r:id="rId23"/>
+    <p:notesMasterId r:id="rId24"/>
   </p:notesMasterIdLst>
   <p:sldIdLst>
     <p:sldId id="256" r:id="rId2"/>
@@ -17,18 +17,19 @@
     <p:sldId id="271" r:id="rId8"/>
     <p:sldId id="258" r:id="rId9"/>
     <p:sldId id="259" r:id="rId10"/>
-    <p:sldId id="260" r:id="rId11"/>
-    <p:sldId id="270" r:id="rId12"/>
-    <p:sldId id="272" r:id="rId13"/>
-    <p:sldId id="273" r:id="rId14"/>
-    <p:sldId id="274" r:id="rId15"/>
-    <p:sldId id="269" r:id="rId16"/>
-    <p:sldId id="268" r:id="rId17"/>
-    <p:sldId id="261" r:id="rId18"/>
-    <p:sldId id="262" r:id="rId19"/>
-    <p:sldId id="263" r:id="rId20"/>
-    <p:sldId id="275" r:id="rId21"/>
-    <p:sldId id="265" r:id="rId22"/>
+    <p:sldId id="277" r:id="rId11"/>
+    <p:sldId id="260" r:id="rId12"/>
+    <p:sldId id="270" r:id="rId13"/>
+    <p:sldId id="272" r:id="rId14"/>
+    <p:sldId id="273" r:id="rId15"/>
+    <p:sldId id="274" r:id="rId16"/>
+    <p:sldId id="269" r:id="rId17"/>
+    <p:sldId id="268" r:id="rId18"/>
+    <p:sldId id="261" r:id="rId19"/>
+    <p:sldId id="262" r:id="rId20"/>
+    <p:sldId id="263" r:id="rId21"/>
+    <p:sldId id="275" r:id="rId22"/>
+    <p:sldId id="265" r:id="rId23"/>
   </p:sldIdLst>
   <p:sldSz cx="9144000" cy="6858000" type="screen4x3"/>
   <p:notesSz cx="6858000" cy="9144000"/>
@@ -213,7 +214,7 @@
             <a:fld id="{E8BFD649-4464-4874-A030-77DA47E62353}" type="datetimeFigureOut">
               <a:rPr lang="es-UY" smtClean="0"/>
               <a:pPr/>
-              <a:t>14/10/2014</a:t>
+              <a:t>20/10/2014</a:t>
             </a:fld>
             <a:endParaRPr lang="es-UY"/>
           </a:p>
@@ -617,7 +618,7 @@
             <a:fld id="{7A847CFC-816F-41D0-AAC0-9BF4FEBC753E}" type="datetimeFigureOut">
               <a:rPr lang="es-ES" smtClean="0"/>
               <a:pPr/>
-              <a:t>14/10/2014</a:t>
+              <a:t>20/10/2014</a:t>
             </a:fld>
             <a:endParaRPr lang="es-ES"/>
           </a:p>
@@ -1488,7 +1489,7 @@
             <a:fld id="{7A847CFC-816F-41D0-AAC0-9BF4FEBC753E}" type="datetimeFigureOut">
               <a:rPr lang="es-ES" smtClean="0"/>
               <a:pPr/>
-              <a:t>14/10/2014</a:t>
+              <a:t>20/10/2014</a:t>
             </a:fld>
             <a:endParaRPr lang="es-ES"/>
           </a:p>
@@ -1665,7 +1666,7 @@
             <a:fld id="{7A847CFC-816F-41D0-AAC0-9BF4FEBC753E}" type="datetimeFigureOut">
               <a:rPr lang="es-ES" smtClean="0"/>
               <a:pPr/>
-              <a:t>14/10/2014</a:t>
+              <a:t>20/10/2014</a:t>
             </a:fld>
             <a:endParaRPr lang="es-ES"/>
           </a:p>
@@ -1837,7 +1838,7 @@
             <a:fld id="{7A847CFC-816F-41D0-AAC0-9BF4FEBC753E}" type="datetimeFigureOut">
               <a:rPr lang="es-ES" smtClean="0"/>
               <a:pPr/>
-              <a:t>14/10/2014</a:t>
+              <a:t>20/10/2014</a:t>
             </a:fld>
             <a:endParaRPr lang="es-ES"/>
           </a:p>
@@ -2049,7 +2050,7 @@
             <a:fld id="{7A847CFC-816F-41D0-AAC0-9BF4FEBC753E}" type="datetimeFigureOut">
               <a:rPr lang="es-ES" smtClean="0"/>
               <a:pPr/>
-              <a:t>14/10/2014</a:t>
+              <a:t>20/10/2014</a:t>
             </a:fld>
             <a:endParaRPr lang="es-ES"/>
           </a:p>
@@ -2865,7 +2866,7 @@
             <a:fld id="{7A847CFC-816F-41D0-AAC0-9BF4FEBC753E}" type="datetimeFigureOut">
               <a:rPr lang="es-ES" smtClean="0"/>
               <a:pPr/>
-              <a:t>14/10/2014</a:t>
+              <a:t>20/10/2014</a:t>
             </a:fld>
             <a:endParaRPr lang="es-ES"/>
           </a:p>
@@ -3103,7 +3104,7 @@
             <a:fld id="{7A847CFC-816F-41D0-AAC0-9BF4FEBC753E}" type="datetimeFigureOut">
               <a:rPr lang="es-ES" smtClean="0"/>
               <a:pPr/>
-              <a:t>14/10/2014</a:t>
+              <a:t>20/10/2014</a:t>
             </a:fld>
             <a:endParaRPr lang="es-ES"/>
           </a:p>
@@ -3428,7 +3429,7 @@
             <a:fld id="{7A847CFC-816F-41D0-AAC0-9BF4FEBC753E}" type="datetimeFigureOut">
               <a:rPr lang="es-ES" smtClean="0"/>
               <a:pPr/>
-              <a:t>14/10/2014</a:t>
+              <a:t>20/10/2014</a:t>
             </a:fld>
             <a:endParaRPr lang="es-ES"/>
           </a:p>
@@ -3520,7 +3521,7 @@
             <a:fld id="{7A847CFC-816F-41D0-AAC0-9BF4FEBC753E}" type="datetimeFigureOut">
               <a:rPr lang="es-ES" smtClean="0"/>
               <a:pPr/>
-              <a:t>14/10/2014</a:t>
+              <a:t>20/10/2014</a:t>
             </a:fld>
             <a:endParaRPr lang="es-ES"/>
           </a:p>
@@ -4039,7 +4040,7 @@
             <a:fld id="{7A847CFC-816F-41D0-AAC0-9BF4FEBC753E}" type="datetimeFigureOut">
               <a:rPr lang="es-ES" smtClean="0"/>
               <a:pPr/>
-              <a:t>14/10/2014</a:t>
+              <a:t>20/10/2014</a:t>
             </a:fld>
             <a:endParaRPr lang="es-ES"/>
           </a:p>
@@ -4552,7 +4553,7 @@
             <a:fld id="{7A847CFC-816F-41D0-AAC0-9BF4FEBC753E}" type="datetimeFigureOut">
               <a:rPr lang="es-ES" smtClean="0"/>
               <a:pPr/>
-              <a:t>14/10/2014</a:t>
+              <a:t>20/10/2014</a:t>
             </a:fld>
             <a:endParaRPr lang="es-ES"/>
           </a:p>
@@ -4799,7 +4800,7 @@
             <a:fld id="{7A847CFC-816F-41D0-AAC0-9BF4FEBC753E}" type="datetimeFigureOut">
               <a:rPr lang="es-ES" smtClean="0"/>
               <a:pPr/>
-              <a:t>14/10/2014</a:t>
+              <a:t>20/10/2014</a:t>
             </a:fld>
             <a:endParaRPr lang="es-ES"/>
           </a:p>
@@ -5602,7 +5603,7 @@
           <a:p>
             <a:r>
               <a:rPr lang="es-UY" b="1" dirty="0" smtClean="0"/>
-              <a:t>Análisis</a:t>
+              <a:t>Estudio Inicial</a:t>
             </a:r>
             <a:br>
               <a:rPr lang="es-UY" b="1" dirty="0" smtClean="0"/>
@@ -5623,79 +5624,53 @@
         </p:nvSpPr>
         <p:spPr/>
         <p:txBody>
-          <a:bodyPr/>
+          <a:bodyPr>
+            <a:noAutofit/>
+          </a:bodyPr>
           <a:lstStyle/>
           <a:p>
             <a:r>
               <a:rPr lang="es-UY" sz="2200" dirty="0" smtClean="0"/>
-              <a:t>Casos de uso: escenarios</a:t>
-            </a:r>
+              <a:t>PGE: Mostrar como funciona. Agregar </a:t>
+            </a:r>
+            <a:r>
+              <a:rPr lang="es-UY" sz="2200" dirty="0" err="1" smtClean="0"/>
+              <a:t>imagenes</a:t>
+            </a:r>
+            <a:endParaRPr lang="es-UY" sz="2200" dirty="0" smtClean="0"/>
+          </a:p>
+          <a:p>
+            <a:r>
+              <a:rPr lang="es-UY" sz="2200" dirty="0" smtClean="0"/>
+              <a:t>Propiedades</a:t>
+            </a:r>
+          </a:p>
+          <a:p>
+            <a:r>
+              <a:rPr lang="es-UY" sz="2200" dirty="0" smtClean="0"/>
+              <a:t>Funcionamiento</a:t>
+            </a:r>
+          </a:p>
+          <a:p>
+            <a:r>
+              <a:rPr lang="es-UY" sz="2200" dirty="0" smtClean="0"/>
+              <a:t>Manejo de direcciones</a:t>
+            </a:r>
+          </a:p>
+          <a:p>
+            <a:r>
+              <a:rPr lang="es-UY" sz="2200" dirty="0" smtClean="0"/>
+              <a:t>Seguridad</a:t>
+            </a:r>
+          </a:p>
+          <a:p>
+            <a:endParaRPr lang="es-UY" sz="2200" dirty="0" smtClean="0"/>
           </a:p>
           <a:p>
             <a:pPr>
               <a:buNone/>
             </a:pPr>
             <a:endParaRPr lang="es-UY" sz="2200" dirty="0" smtClean="0"/>
-          </a:p>
-          <a:p>
-            <a:pPr lvl="1"/>
-            <a:r>
-              <a:rPr lang="es-UY" sz="2000" dirty="0" smtClean="0"/>
-              <a:t>Público general consultado información geográfica</a:t>
-            </a:r>
-          </a:p>
-          <a:p>
-            <a:pPr lvl="1">
-              <a:buNone/>
-            </a:pPr>
-            <a:endParaRPr lang="es-UY" sz="2000" dirty="0" smtClean="0"/>
-          </a:p>
-          <a:p>
-            <a:pPr lvl="1"/>
-            <a:r>
-              <a:rPr lang="es-UY" sz="2000" dirty="0" smtClean="0"/>
-              <a:t>Público especializado consultando información geográfica</a:t>
-            </a:r>
-          </a:p>
-          <a:p>
-            <a:pPr lvl="1">
-              <a:buNone/>
-            </a:pPr>
-            <a:endParaRPr lang="es-UY" sz="2000" dirty="0" smtClean="0"/>
-          </a:p>
-          <a:p>
-            <a:pPr lvl="1"/>
-            <a:r>
-              <a:rPr lang="es-UY" sz="2000" dirty="0" smtClean="0"/>
-              <a:t>Instituciones colaborando en la generación de información geográfica</a:t>
-            </a:r>
-          </a:p>
-          <a:p>
-            <a:pPr lvl="1">
-              <a:buNone/>
-            </a:pPr>
-            <a:endParaRPr lang="es-UY" sz="2000" dirty="0" smtClean="0"/>
-          </a:p>
-          <a:p>
-            <a:pPr lvl="1"/>
-            <a:r>
-              <a:rPr lang="es-UY" sz="2000" dirty="0" smtClean="0"/>
-              <a:t>Instituciones colaborando en trámites</a:t>
-            </a:r>
-          </a:p>
-          <a:p>
-            <a:pPr lvl="1">
-              <a:buNone/>
-            </a:pPr>
-            <a:endParaRPr lang="es-UY" sz="2000" dirty="0" smtClean="0"/>
-          </a:p>
-          <a:p>
-            <a:pPr lvl="1"/>
-            <a:r>
-              <a:rPr lang="es-UY" sz="2000" dirty="0" smtClean="0"/>
-              <a:t>Público generando información geográfica</a:t>
-            </a:r>
-            <a:endParaRPr lang="es-UY" sz="2000" dirty="0"/>
           </a:p>
         </p:txBody>
       </p:sp>
@@ -5757,41 +5732,94 @@
           </a:p>
         </p:txBody>
       </p:sp>
-      <p:pic>
-        <p:nvPicPr>
-          <p:cNvPr id="3" name="Content Placeholder 2"/>
-          <p:cNvPicPr>
-            <a:picLocks noGrp="1" noChangeAspect="1" noChangeArrowheads="1"/>
-          </p:cNvPicPr>
+      <p:sp>
+        <p:nvSpPr>
+          <p:cNvPr id="3" name="2 Marcador de contenido"/>
+          <p:cNvSpPr>
+            <a:spLocks noGrp="1"/>
+          </p:cNvSpPr>
           <p:nvPr>
             <p:ph sz="quarter" idx="1"/>
           </p:nvPr>
-        </p:nvPicPr>
-        <p:blipFill>
-          <a:blip r:embed="rId2" cstate="print"/>
-          <a:srcRect/>
-          <a:stretch>
-            <a:fillRect/>
-          </a:stretch>
-        </p:blipFill>
-        <p:spPr bwMode="auto">
-          <a:xfrm>
-            <a:off x="187600" y="1428736"/>
-            <a:ext cx="7956300" cy="5416365"/>
-          </a:xfrm>
-          <a:prstGeom prst="rect">
-            <a:avLst/>
-          </a:prstGeom>
-          <a:noFill/>
-          <a:ln w="9525">
-            <a:noFill/>
-            <a:miter lim="800000"/>
-            <a:headEnd/>
-            <a:tailEnd/>
-          </a:ln>
-          <a:effectLst/>
-        </p:spPr>
-      </p:pic>
+        </p:nvSpPr>
+        <p:spPr/>
+        <p:txBody>
+          <a:bodyPr/>
+          <a:lstStyle/>
+          <a:p>
+            <a:r>
+              <a:rPr lang="es-UY" sz="2200" dirty="0" smtClean="0"/>
+              <a:t>Casos de uso: escenarios</a:t>
+            </a:r>
+          </a:p>
+          <a:p>
+            <a:pPr>
+              <a:buNone/>
+            </a:pPr>
+            <a:endParaRPr lang="es-UY" sz="2200" dirty="0" smtClean="0"/>
+          </a:p>
+          <a:p>
+            <a:pPr lvl="1"/>
+            <a:r>
+              <a:rPr lang="es-UY" sz="2000" dirty="0" smtClean="0"/>
+              <a:t>Público general consultado información geográfica</a:t>
+            </a:r>
+          </a:p>
+          <a:p>
+            <a:pPr lvl="1">
+              <a:buNone/>
+            </a:pPr>
+            <a:endParaRPr lang="es-UY" sz="2000" dirty="0" smtClean="0"/>
+          </a:p>
+          <a:p>
+            <a:pPr lvl="1"/>
+            <a:r>
+              <a:rPr lang="es-UY" sz="2000" dirty="0" smtClean="0"/>
+              <a:t>Público especializado consultando información geográfica</a:t>
+            </a:r>
+          </a:p>
+          <a:p>
+            <a:pPr lvl="1">
+              <a:buNone/>
+            </a:pPr>
+            <a:endParaRPr lang="es-UY" sz="2000" dirty="0" smtClean="0"/>
+          </a:p>
+          <a:p>
+            <a:pPr lvl="1"/>
+            <a:r>
+              <a:rPr lang="es-UY" sz="2000" dirty="0" smtClean="0"/>
+              <a:t>Instituciones colaborando en la generación de información geográfica</a:t>
+            </a:r>
+          </a:p>
+          <a:p>
+            <a:pPr lvl="1">
+              <a:buNone/>
+            </a:pPr>
+            <a:endParaRPr lang="es-UY" sz="2000" dirty="0" smtClean="0"/>
+          </a:p>
+          <a:p>
+            <a:pPr lvl="1"/>
+            <a:r>
+              <a:rPr lang="es-UY" sz="2000" dirty="0" smtClean="0"/>
+              <a:t>Instituciones colaborando en trámites</a:t>
+            </a:r>
+          </a:p>
+          <a:p>
+            <a:pPr lvl="1">
+              <a:buNone/>
+            </a:pPr>
+            <a:endParaRPr lang="es-UY" sz="2000" dirty="0" smtClean="0"/>
+          </a:p>
+          <a:p>
+            <a:pPr lvl="1"/>
+            <a:r>
+              <a:rPr lang="es-UY" sz="2000" dirty="0" smtClean="0"/>
+              <a:t>Público generando información geográfica</a:t>
+            </a:r>
+            <a:endParaRPr lang="es-UY" sz="2000" dirty="0"/>
+          </a:p>
+        </p:txBody>
+      </p:sp>
     </p:spTree>
   </p:cSld>
   <p:clrMapOvr>
@@ -5826,7 +5854,7 @@
       </p:grpSpPr>
       <p:sp>
         <p:nvSpPr>
-          <p:cNvPr id="2" name="Title 1"/>
+          <p:cNvPr id="2" name="1 Título"/>
           <p:cNvSpPr>
             <a:spLocks noGrp="1"/>
           </p:cNvSpPr>
@@ -5834,19 +5862,14 @@
             <p:ph type="title"/>
           </p:nvPr>
         </p:nvSpPr>
-        <p:spPr>
-          <a:xfrm>
-            <a:off x="457200" y="274638"/>
-            <a:ext cx="7901014" cy="1143000"/>
-          </a:xfrm>
-        </p:spPr>
+        <p:spPr/>
         <p:txBody>
           <a:bodyPr/>
           <a:lstStyle/>
           <a:p>
             <a:r>
               <a:rPr lang="es-UY" b="1" dirty="0" smtClean="0"/>
-              <a:t>Arquitectura propuesta en la tesis</a:t>
+              <a:t>Análisis</a:t>
             </a:r>
             <a:br>
               <a:rPr lang="es-UY" b="1" dirty="0" smtClean="0"/>
@@ -5855,32 +5878,15 @@
           </a:p>
         </p:txBody>
       </p:sp>
-      <p:sp>
-        <p:nvSpPr>
-          <p:cNvPr id="3" name="Content Placeholder 2"/>
-          <p:cNvSpPr>
-            <a:spLocks noGrp="1"/>
-          </p:cNvSpPr>
-          <p:nvPr>
-            <p:ph sz="quarter" idx="1"/>
-          </p:nvPr>
-        </p:nvSpPr>
-        <p:spPr/>
-        <p:txBody>
-          <a:bodyPr/>
-          <a:lstStyle/>
-          <a:p>
-            <a:endParaRPr lang="es-UY"/>
-          </a:p>
-        </p:txBody>
-      </p:sp>
       <p:pic>
         <p:nvPicPr>
-          <p:cNvPr id="1026" name="Picture 2"/>
+          <p:cNvPr id="3" name="Content Placeholder 2"/>
           <p:cNvPicPr>
-            <a:picLocks noChangeAspect="1" noChangeArrowheads="1"/>
+            <a:picLocks noGrp="1" noChangeAspect="1" noChangeArrowheads="1"/>
           </p:cNvPicPr>
-          <p:nvPr/>
+          <p:nvPr>
+            <p:ph sz="quarter" idx="1"/>
+          </p:nvPr>
         </p:nvPicPr>
         <p:blipFill>
           <a:blip r:embed="rId2" cstate="print"/>
@@ -5891,8 +5897,8 @@
         </p:blipFill>
         <p:spPr bwMode="auto">
           <a:xfrm>
-            <a:off x="355000" y="1368904"/>
-            <a:ext cx="7789863" cy="5353050"/>
+            <a:off x="187600" y="1428736"/>
+            <a:ext cx="7956300" cy="5416365"/>
           </a:xfrm>
           <a:prstGeom prst="rect">
             <a:avLst/>
@@ -5904,6 +5910,7 @@
             <a:headEnd/>
             <a:tailEnd/>
           </a:ln>
+          <a:effectLst/>
         </p:spPr>
       </p:pic>
     </p:spTree>
@@ -5948,14 +5955,19 @@
             <p:ph type="title"/>
           </p:nvPr>
         </p:nvSpPr>
-        <p:spPr/>
+        <p:spPr>
+          <a:xfrm>
+            <a:off x="457200" y="274638"/>
+            <a:ext cx="7901014" cy="1143000"/>
+          </a:xfrm>
+        </p:spPr>
         <p:txBody>
           <a:bodyPr/>
           <a:lstStyle/>
           <a:p>
             <a:r>
               <a:rPr lang="es-UY" b="1" dirty="0" smtClean="0"/>
-              <a:t>Decisiones de diseño</a:t>
+              <a:t>Arquitectura propuesta en la tesis</a:t>
             </a:r>
             <a:br>
               <a:rPr lang="es-UY" b="1" dirty="0" smtClean="0"/>
@@ -5979,91 +5991,42 @@
           <a:bodyPr/>
           <a:lstStyle/>
           <a:p>
-            <a:r>
-              <a:rPr lang="es-UY" sz="2200" dirty="0" smtClean="0"/>
-              <a:t>CTP como servicios y no como librerías</a:t>
-            </a:r>
-          </a:p>
-          <a:p>
-            <a:pPr lvl="1"/>
-            <a:r>
-              <a:rPr lang="es-UY" sz="2000" dirty="0" smtClean="0"/>
-              <a:t>Soporte máximo a clientes geográficos existentes</a:t>
-            </a:r>
-          </a:p>
-          <a:p>
-            <a:pPr lvl="1"/>
-            <a:r>
-              <a:rPr lang="es-UY" sz="2000" dirty="0" smtClean="0"/>
-              <a:t>Bajo acoplamiento con implementaciones y tecnologías.</a:t>
-            </a:r>
-          </a:p>
-          <a:p>
-            <a:endParaRPr lang="es-UY" sz="2000" dirty="0" smtClean="0"/>
-          </a:p>
-          <a:p>
-            <a:r>
-              <a:rPr lang="es-UY" sz="2200" dirty="0" smtClean="0"/>
-              <a:t>CTP </a:t>
-            </a:r>
-            <a:r>
-              <a:rPr lang="es-UY" sz="2200" dirty="0" err="1" smtClean="0"/>
-              <a:t>RestConnector</a:t>
-            </a:r>
-            <a:r>
-              <a:rPr lang="es-UY" sz="2200" dirty="0" smtClean="0"/>
-              <a:t> distribuido en organismos.</a:t>
-            </a:r>
-            <a:endParaRPr lang="es-UY" sz="2000" dirty="0" smtClean="0"/>
-          </a:p>
-          <a:p>
-            <a:pPr lvl="1"/>
-            <a:r>
-              <a:rPr lang="es-UY" sz="2000" dirty="0" smtClean="0"/>
-              <a:t>Mapeo de direcciones físicas y lógicas</a:t>
-            </a:r>
-          </a:p>
-          <a:p>
-            <a:pPr lvl="1"/>
-            <a:r>
-              <a:rPr lang="es-UY" sz="2000" dirty="0" smtClean="0"/>
-              <a:t>Evitar cuello de botella y único punto de falla</a:t>
-            </a:r>
-          </a:p>
-          <a:p>
-            <a:pPr lvl="1"/>
-            <a:r>
-              <a:rPr lang="es-UY" sz="2000" dirty="0" smtClean="0"/>
-              <a:t>Facilitar configuración y mantenimiento</a:t>
-            </a:r>
-          </a:p>
-          <a:p>
-            <a:endParaRPr lang="es-UY" sz="2000" dirty="0" smtClean="0"/>
-          </a:p>
-          <a:p>
-            <a:r>
-              <a:rPr lang="es-UY" sz="2200" dirty="0" smtClean="0"/>
-              <a:t>CTP </a:t>
-            </a:r>
-            <a:r>
-              <a:rPr lang="es-UY" sz="2200" dirty="0" err="1" smtClean="0"/>
-              <a:t>SoapConnector</a:t>
-            </a:r>
-            <a:r>
-              <a:rPr lang="es-UY" sz="2200" dirty="0" smtClean="0"/>
-              <a:t> único por servicio geográfico</a:t>
-            </a:r>
-          </a:p>
-          <a:p>
-            <a:pPr lvl="1"/>
-            <a:r>
-              <a:rPr lang="es-UY" sz="2000" dirty="0" smtClean="0"/>
-              <a:t>Por mapeo de direcciones físicas y lógicas</a:t>
-            </a:r>
-            <a:endParaRPr lang="es-UY" sz="2000" dirty="0"/>
-          </a:p>
-        </p:txBody>
-      </p:sp>
+            <a:endParaRPr lang="es-UY"/>
+          </a:p>
+        </p:txBody>
+      </p:sp>
+      <p:pic>
+        <p:nvPicPr>
+          <p:cNvPr id="1026" name="Picture 2"/>
+          <p:cNvPicPr>
+            <a:picLocks noChangeAspect="1" noChangeArrowheads="1"/>
+          </p:cNvPicPr>
+          <p:nvPr/>
+        </p:nvPicPr>
+        <p:blipFill>
+          <a:blip r:embed="rId2" cstate="print"/>
+          <a:srcRect/>
+          <a:stretch>
+            <a:fillRect/>
+          </a:stretch>
+        </p:blipFill>
+        <p:spPr bwMode="auto">
+          <a:xfrm>
+            <a:off x="355000" y="1368904"/>
+            <a:ext cx="7789863" cy="5353050"/>
+          </a:xfrm>
+          <a:prstGeom prst="rect">
+            <a:avLst/>
+          </a:prstGeom>
+          <a:noFill/>
+          <a:ln w="9525">
+            <a:noFill/>
+            <a:miter lim="800000"/>
+            <a:headEnd/>
+            <a:tailEnd/>
+          </a:ln>
+        </p:spPr>
+      </p:pic>
     </p:spTree>
   </p:cSld>
   <p:clrMapOvr>
@@ -6113,7 +6076,7 @@
           <a:p>
             <a:r>
               <a:rPr lang="es-UY" b="1" dirty="0" smtClean="0"/>
-              <a:t>Arquitectura</a:t>
+              <a:t>Decisiones de diseño</a:t>
             </a:r>
             <a:br>
               <a:rPr lang="es-UY" b="1" dirty="0" smtClean="0"/>
@@ -6137,43 +6100,91 @@
           <a:bodyPr/>
           <a:lstStyle/>
           <a:p>
-            <a:pPr>
-              <a:buNone/>
-            </a:pPr>
-            <a:endParaRPr lang="es-UY" dirty="0"/>
-          </a:p>
-        </p:txBody>
-      </p:sp>
-      <p:pic>
-        <p:nvPicPr>
-          <p:cNvPr id="4" name="Picture 3"/>
-          <p:cNvPicPr/>
-          <p:nvPr/>
-        </p:nvPicPr>
-        <p:blipFill>
-          <a:blip r:embed="rId2" cstate="print"/>
-          <a:srcRect/>
-          <a:stretch>
-            <a:fillRect/>
-          </a:stretch>
-        </p:blipFill>
-        <p:spPr bwMode="auto">
-          <a:xfrm>
-            <a:off x="226720" y="2564904"/>
-            <a:ext cx="8377728" cy="1152128"/>
-          </a:xfrm>
-          <a:prstGeom prst="rect">
-            <a:avLst/>
-          </a:prstGeom>
-          <a:noFill/>
-          <a:ln w="9525">
-            <a:noFill/>
-            <a:miter lim="800000"/>
-            <a:headEnd/>
-            <a:tailEnd/>
-          </a:ln>
-        </p:spPr>
-      </p:pic>
+            <a:r>
+              <a:rPr lang="es-UY" sz="2200" dirty="0" smtClean="0"/>
+              <a:t>CTP como servicios y no como librerías</a:t>
+            </a:r>
+          </a:p>
+          <a:p>
+            <a:pPr lvl="1"/>
+            <a:r>
+              <a:rPr lang="es-UY" sz="2000" dirty="0" smtClean="0"/>
+              <a:t>Soporte máximo a clientes geográficos existentes</a:t>
+            </a:r>
+          </a:p>
+          <a:p>
+            <a:pPr lvl="1"/>
+            <a:r>
+              <a:rPr lang="es-UY" sz="2000" dirty="0" smtClean="0"/>
+              <a:t>Bajo acoplamiento con implementaciones y tecnologías.</a:t>
+            </a:r>
+          </a:p>
+          <a:p>
+            <a:endParaRPr lang="es-UY" sz="2000" dirty="0" smtClean="0"/>
+          </a:p>
+          <a:p>
+            <a:r>
+              <a:rPr lang="es-UY" sz="2200" dirty="0" smtClean="0"/>
+              <a:t>CTP </a:t>
+            </a:r>
+            <a:r>
+              <a:rPr lang="es-UY" sz="2200" dirty="0" err="1" smtClean="0"/>
+              <a:t>RestConnector</a:t>
+            </a:r>
+            <a:r>
+              <a:rPr lang="es-UY" sz="2200" dirty="0" smtClean="0"/>
+              <a:t> distribuido en organismos.</a:t>
+            </a:r>
+            <a:endParaRPr lang="es-UY" sz="2000" dirty="0" smtClean="0"/>
+          </a:p>
+          <a:p>
+            <a:pPr lvl="1"/>
+            <a:r>
+              <a:rPr lang="es-UY" sz="2000" dirty="0" smtClean="0"/>
+              <a:t>Mapeo de direcciones físicas y lógicas</a:t>
+            </a:r>
+          </a:p>
+          <a:p>
+            <a:pPr lvl="1"/>
+            <a:r>
+              <a:rPr lang="es-UY" sz="2000" dirty="0" smtClean="0"/>
+              <a:t>Evitar cuello de botella y único punto de falla</a:t>
+            </a:r>
+          </a:p>
+          <a:p>
+            <a:pPr lvl="1"/>
+            <a:r>
+              <a:rPr lang="es-UY" sz="2000" dirty="0" smtClean="0"/>
+              <a:t>Facilitar configuración y mantenimiento</a:t>
+            </a:r>
+          </a:p>
+          <a:p>
+            <a:endParaRPr lang="es-UY" sz="2000" dirty="0" smtClean="0"/>
+          </a:p>
+          <a:p>
+            <a:r>
+              <a:rPr lang="es-UY" sz="2200" dirty="0" smtClean="0"/>
+              <a:t>CTP </a:t>
+            </a:r>
+            <a:r>
+              <a:rPr lang="es-UY" sz="2200" dirty="0" err="1" smtClean="0"/>
+              <a:t>SoapConnector</a:t>
+            </a:r>
+            <a:r>
+              <a:rPr lang="es-UY" sz="2200" dirty="0" smtClean="0"/>
+              <a:t> único por servicio geográfico</a:t>
+            </a:r>
+          </a:p>
+          <a:p>
+            <a:pPr lvl="1"/>
+            <a:r>
+              <a:rPr lang="es-UY" sz="2000" dirty="0" smtClean="0"/>
+              <a:t>Por mapeo de direcciones físicas y lógicas</a:t>
+            </a:r>
+            <a:endParaRPr lang="es-UY" sz="2000" dirty="0"/>
+          </a:p>
+        </p:txBody>
+      </p:sp>
     </p:spTree>
   </p:cSld>
   <p:clrMapOvr>
@@ -6208,7 +6219,7 @@
       </p:grpSpPr>
       <p:sp>
         <p:nvSpPr>
-          <p:cNvPr id="2" name="1 Título"/>
+          <p:cNvPr id="2" name="Title 1"/>
           <p:cNvSpPr>
             <a:spLocks noGrp="1"/>
           </p:cNvSpPr>
@@ -6223,7 +6234,7 @@
           <a:p>
             <a:r>
               <a:rPr lang="es-UY" b="1" dirty="0" smtClean="0"/>
-              <a:t>Diseño</a:t>
+              <a:t>Arquitectura</a:t>
             </a:r>
             <a:br>
               <a:rPr lang="es-UY" b="1" dirty="0" smtClean="0"/>
@@ -6234,7 +6245,7 @@
       </p:sp>
       <p:sp>
         <p:nvSpPr>
-          <p:cNvPr id="3" name="2 Marcador de contenido"/>
+          <p:cNvPr id="3" name="Content Placeholder 2"/>
           <p:cNvSpPr>
             <a:spLocks noGrp="1"/>
           </p:cNvSpPr>
@@ -6246,29 +6257,18 @@
         <p:txBody>
           <a:bodyPr/>
           <a:lstStyle/>
-          <a:p>
-            <a:r>
-              <a:rPr lang="es-UY" sz="2200" dirty="0" smtClean="0"/>
-              <a:t>Organismo cliente</a:t>
-            </a:r>
-          </a:p>
           <a:p>
             <a:pPr>
               <a:buNone/>
             </a:pPr>
-            <a:endParaRPr lang="es-UY" sz="2200" dirty="0" smtClean="0"/>
-          </a:p>
-          <a:p>
-            <a:endParaRPr lang="es-UY" sz="2000" dirty="0"/>
+            <a:endParaRPr lang="es-UY" dirty="0"/>
           </a:p>
         </p:txBody>
       </p:sp>
       <p:pic>
         <p:nvPicPr>
-          <p:cNvPr id="2050" name="Picture 2"/>
-          <p:cNvPicPr>
-            <a:picLocks noChangeAspect="1" noChangeArrowheads="1"/>
-          </p:cNvPicPr>
+          <p:cNvPr id="4" name="Picture 3"/>
+          <p:cNvPicPr/>
           <p:nvPr/>
         </p:nvPicPr>
         <p:blipFill>
@@ -6280,8 +6280,8 @@
         </p:blipFill>
         <p:spPr bwMode="auto">
           <a:xfrm>
-            <a:off x="214282" y="2337872"/>
-            <a:ext cx="7917552" cy="4000528"/>
+            <a:off x="226720" y="2564904"/>
+            <a:ext cx="8377728" cy="1152128"/>
           </a:xfrm>
           <a:prstGeom prst="rect">
             <a:avLst/>
@@ -6293,7 +6293,6 @@
             <a:headEnd/>
             <a:tailEnd/>
           </a:ln>
-          <a:effectLst/>
         </p:spPr>
       </p:pic>
     </p:spTree>
@@ -6371,7 +6370,7 @@
           <a:p>
             <a:r>
               <a:rPr lang="es-UY" sz="2200" dirty="0" smtClean="0"/>
-              <a:t>Público general</a:t>
+              <a:t>Organismo cliente</a:t>
             </a:r>
           </a:p>
           <a:p>
@@ -6387,7 +6386,7 @@
       </p:sp>
       <p:pic>
         <p:nvPicPr>
-          <p:cNvPr id="1026" name="Picture 2"/>
+          <p:cNvPr id="2050" name="Picture 2"/>
           <p:cNvPicPr>
             <a:picLocks noChangeAspect="1" noChangeArrowheads="1"/>
           </p:cNvPicPr>
@@ -6402,8 +6401,8 @@
         </p:blipFill>
         <p:spPr bwMode="auto">
           <a:xfrm>
-            <a:off x="160205" y="2058708"/>
-            <a:ext cx="7940695" cy="4370688"/>
+            <a:off x="214282" y="2337872"/>
+            <a:ext cx="7917552" cy="4000528"/>
           </a:xfrm>
           <a:prstGeom prst="rect">
             <a:avLst/>
@@ -6467,7 +6466,7 @@
           <a:p>
             <a:r>
               <a:rPr lang="es-UY" b="1" dirty="0" smtClean="0"/>
-              <a:t>Tecnologías</a:t>
+              <a:t>Diseño</a:t>
             </a:r>
             <a:br>
               <a:rPr lang="es-UY" b="1" dirty="0" smtClean="0"/>
@@ -6491,104 +6490,55 @@
           <a:bodyPr/>
           <a:lstStyle/>
           <a:p>
+            <a:r>
+              <a:rPr lang="es-UY" sz="2200" dirty="0" smtClean="0"/>
+              <a:t>Público general</a:t>
+            </a:r>
+          </a:p>
+          <a:p>
             <a:pPr>
               <a:buNone/>
             </a:pPr>
             <a:endParaRPr lang="es-UY" sz="2200" dirty="0" smtClean="0"/>
           </a:p>
           <a:p>
-            <a:r>
-              <a:rPr lang="es-UY" sz="2200" dirty="0" smtClean="0"/>
-              <a:t>Servidores geográficos</a:t>
-            </a:r>
-          </a:p>
-          <a:p>
-            <a:pPr lvl="1"/>
-            <a:r>
-              <a:rPr lang="es-UY" sz="2000" dirty="0" err="1" smtClean="0"/>
-              <a:t>Geoserver</a:t>
-            </a:r>
-            <a:endParaRPr lang="es-UY" sz="2000" dirty="0" smtClean="0"/>
-          </a:p>
-          <a:p>
-            <a:pPr lvl="1"/>
-            <a:r>
-              <a:rPr lang="es-UY" sz="2000" dirty="0" err="1" smtClean="0"/>
-              <a:t>Mapserver</a:t>
-            </a:r>
-            <a:endParaRPr lang="es-UY" sz="2000" dirty="0" smtClean="0"/>
-          </a:p>
-          <a:p>
-            <a:pPr>
-              <a:buNone/>
-            </a:pPr>
-            <a:endParaRPr lang="es-UY" sz="2200" dirty="0" smtClean="0"/>
-          </a:p>
-          <a:p>
-            <a:r>
-              <a:rPr lang="es-UY" sz="2200" dirty="0" err="1" smtClean="0"/>
-              <a:t>Jboss</a:t>
-            </a:r>
-            <a:r>
-              <a:rPr lang="es-UY" sz="2200" dirty="0" smtClean="0"/>
-              <a:t> ESB 4.9</a:t>
-            </a:r>
-          </a:p>
-          <a:p>
-            <a:pPr>
-              <a:buNone/>
-            </a:pPr>
-            <a:endParaRPr lang="es-UY" sz="2200" dirty="0" smtClean="0"/>
-          </a:p>
-          <a:p>
-            <a:r>
-              <a:rPr lang="es-UY" sz="2200" dirty="0" smtClean="0"/>
-              <a:t>Plataforma de </a:t>
-            </a:r>
-            <a:r>
-              <a:rPr lang="es-UY" sz="2200" dirty="0" err="1" smtClean="0"/>
-              <a:t>eGob</a:t>
-            </a:r>
-            <a:r>
-              <a:rPr lang="es-UY" sz="2200" dirty="0" smtClean="0"/>
-              <a:t> de Uruguay</a:t>
-            </a:r>
-          </a:p>
-          <a:p>
-            <a:pPr>
-              <a:buNone/>
-            </a:pPr>
-            <a:endParaRPr lang="es-UY" sz="2200" dirty="0" smtClean="0"/>
-          </a:p>
-          <a:p>
-            <a:r>
-              <a:rPr lang="es-UY" sz="2200" dirty="0" err="1" smtClean="0"/>
-              <a:t>Postgres</a:t>
-            </a:r>
-            <a:r>
-              <a:rPr lang="es-UY" sz="2200" dirty="0" smtClean="0"/>
-              <a:t> / </a:t>
-            </a:r>
-            <a:r>
-              <a:rPr lang="es-UY" sz="2200" dirty="0" err="1" smtClean="0"/>
-              <a:t>Postgis</a:t>
-            </a:r>
-            <a:endParaRPr lang="es-UY" sz="2200" dirty="0" smtClean="0"/>
-          </a:p>
-          <a:p>
-            <a:pPr>
-              <a:buNone/>
-            </a:pPr>
-            <a:endParaRPr lang="es-UY" sz="2200" dirty="0" smtClean="0"/>
-          </a:p>
-          <a:p>
-            <a:pPr lvl="1">
-              <a:buNone/>
-            </a:pPr>
-            <a:endParaRPr lang="es-UY" dirty="0"/>
-          </a:p>
-        </p:txBody>
-      </p:sp>
+            <a:endParaRPr lang="es-UY" sz="2000" dirty="0"/>
+          </a:p>
+        </p:txBody>
+      </p:sp>
+      <p:pic>
+        <p:nvPicPr>
+          <p:cNvPr id="1026" name="Picture 2"/>
+          <p:cNvPicPr>
+            <a:picLocks noChangeAspect="1" noChangeArrowheads="1"/>
+          </p:cNvPicPr>
+          <p:nvPr/>
+        </p:nvPicPr>
+        <p:blipFill>
+          <a:blip r:embed="rId2" cstate="print"/>
+          <a:srcRect/>
+          <a:stretch>
+            <a:fillRect/>
+          </a:stretch>
+        </p:blipFill>
+        <p:spPr bwMode="auto">
+          <a:xfrm>
+            <a:off x="160205" y="2058708"/>
+            <a:ext cx="7940695" cy="4370688"/>
+          </a:xfrm>
+          <a:prstGeom prst="rect">
+            <a:avLst/>
+          </a:prstGeom>
+          <a:noFill/>
+          <a:ln w="9525">
+            <a:noFill/>
+            <a:miter lim="800000"/>
+            <a:headEnd/>
+            <a:tailEnd/>
+          </a:ln>
+          <a:effectLst/>
+        </p:spPr>
+      </p:pic>
     </p:spTree>
   </p:cSld>
   <p:clrMapOvr>
@@ -6638,7 +6588,7 @@
           <a:p>
             <a:r>
               <a:rPr lang="es-UY" b="1" dirty="0" smtClean="0"/>
-              <a:t>Estado Actual</a:t>
+              <a:t>Tecnologías</a:t>
             </a:r>
             <a:br>
               <a:rPr lang="es-UY" b="1" dirty="0" smtClean="0"/>
@@ -6659,90 +6609,104 @@
         </p:nvSpPr>
         <p:spPr/>
         <p:txBody>
-          <a:bodyPr>
-            <a:normAutofit/>
-          </a:bodyPr>
-          <a:lstStyle/>
-          <a:p>
-            <a:r>
-              <a:rPr lang="es-UY" sz="2200" smtClean="0"/>
-              <a:t>Implementación</a:t>
-            </a:r>
+          <a:bodyPr/>
+          <a:lstStyle/>
+          <a:p>
+            <a:pPr>
+              <a:buNone/>
+            </a:pPr>
             <a:endParaRPr lang="es-UY" sz="2200" dirty="0" smtClean="0"/>
           </a:p>
           <a:p>
+            <a:r>
+              <a:rPr lang="es-UY" sz="2200" dirty="0" smtClean="0"/>
+              <a:t>Servidores geográficos</a:t>
+            </a:r>
+          </a:p>
+          <a:p>
             <a:pPr lvl="1"/>
             <a:r>
-              <a:rPr lang="es-UY" sz="2000" dirty="0" smtClean="0"/>
-              <a:t>Flujo Organismo cliente – PGE – Organismo proveedor</a:t>
-            </a:r>
+              <a:rPr lang="es-UY" sz="2000" dirty="0" err="1" smtClean="0"/>
+              <a:t>Geoserver</a:t>
+            </a:r>
+            <a:endParaRPr lang="es-UY" sz="2000" dirty="0" smtClean="0"/>
           </a:p>
           <a:p>
             <a:pPr lvl="1"/>
             <a:r>
-              <a:rPr lang="es-UY" sz="2000" dirty="0" smtClean="0"/>
-              <a:t>Flujo Público general – PGE – Organismo proveedor</a:t>
-            </a:r>
-          </a:p>
-          <a:p>
-            <a:pPr lvl="1"/>
-            <a:r>
               <a:rPr lang="es-UY" sz="2000" dirty="0" err="1" smtClean="0"/>
-              <a:t>getMap</a:t>
-            </a:r>
-            <a:r>
-              <a:rPr lang="es-UY" sz="2000" dirty="0" smtClean="0"/>
-              <a:t> y </a:t>
-            </a:r>
-            <a:r>
-              <a:rPr lang="es-UY" sz="2000" dirty="0" err="1" smtClean="0"/>
-              <a:t>getFeatureInfo</a:t>
-            </a:r>
-            <a:r>
-              <a:rPr lang="es-UY" sz="2000" dirty="0" smtClean="0"/>
-              <a:t> </a:t>
-            </a:r>
+              <a:t>Mapserver</a:t>
+            </a:r>
+            <a:endParaRPr lang="es-UY" sz="2000" dirty="0" smtClean="0"/>
+          </a:p>
+          <a:p>
+            <a:pPr>
+              <a:buNone/>
+            </a:pPr>
+            <a:endParaRPr lang="es-UY" sz="2200" dirty="0" smtClean="0"/>
+          </a:p>
+          <a:p>
+            <a:r>
+              <a:rPr lang="es-UY" sz="2200" dirty="0" err="1" smtClean="0"/>
+              <a:t>Jboss</a:t>
+            </a:r>
+            <a:r>
+              <a:rPr lang="es-UY" sz="2200" dirty="0" smtClean="0"/>
+              <a:t> ESB 4.9</a:t>
+            </a:r>
+          </a:p>
+          <a:p>
+            <a:pPr>
+              <a:buNone/>
+            </a:pPr>
+            <a:endParaRPr lang="es-UY" sz="2200" dirty="0" smtClean="0"/>
+          </a:p>
+          <a:p>
+            <a:r>
+              <a:rPr lang="es-UY" sz="2200" dirty="0" smtClean="0"/>
+              <a:t>Plataforma de </a:t>
+            </a:r>
+            <a:r>
+              <a:rPr lang="es-UY" sz="2200" dirty="0" err="1" smtClean="0"/>
+              <a:t>eGob</a:t>
+            </a:r>
+            <a:r>
+              <a:rPr lang="es-UY" sz="2200" dirty="0" smtClean="0"/>
+              <a:t> de Uruguay</a:t>
+            </a:r>
+          </a:p>
+          <a:p>
+            <a:pPr>
+              <a:buNone/>
+            </a:pPr>
+            <a:endParaRPr lang="es-UY" sz="2200" dirty="0" smtClean="0"/>
+          </a:p>
+          <a:p>
+            <a:r>
+              <a:rPr lang="es-UY" sz="2200" dirty="0" err="1" smtClean="0"/>
+              <a:t>Postgres</a:t>
+            </a:r>
+            <a:r>
+              <a:rPr lang="es-UY" sz="2200" dirty="0" smtClean="0"/>
+              <a:t> / </a:t>
+            </a:r>
+            <a:r>
+              <a:rPr lang="es-UY" sz="2200" dirty="0" err="1" smtClean="0"/>
+              <a:t>Postgis</a:t>
+            </a:r>
+            <a:endParaRPr lang="es-UY" sz="2200" dirty="0" smtClean="0"/>
+          </a:p>
+          <a:p>
+            <a:pPr>
+              <a:buNone/>
+            </a:pPr>
+            <a:endParaRPr lang="es-UY" sz="2200" dirty="0" smtClean="0"/>
           </a:p>
           <a:p>
             <a:pPr lvl="1">
               <a:buNone/>
             </a:pPr>
-            <a:endParaRPr lang="es-UY" sz="2200" dirty="0" smtClean="0"/>
-          </a:p>
-          <a:p>
-            <a:r>
-              <a:rPr lang="es-UY" sz="2200" dirty="0" smtClean="0"/>
-              <a:t>Documentación</a:t>
-            </a:r>
-          </a:p>
-          <a:p>
-            <a:pPr lvl="1"/>
-            <a:r>
-              <a:rPr lang="es-UY" sz="2000" dirty="0" smtClean="0"/>
-              <a:t>Casos de uso</a:t>
-            </a:r>
-          </a:p>
-          <a:p>
-            <a:pPr lvl="1"/>
-            <a:r>
-              <a:rPr lang="es-UY" sz="2000" dirty="0" smtClean="0"/>
-              <a:t>Arquitectura</a:t>
-            </a:r>
-          </a:p>
-          <a:p>
-            <a:pPr lvl="1"/>
-            <a:r>
-              <a:rPr lang="es-UY" sz="2000" dirty="0" smtClean="0"/>
-              <a:t>Documento principal</a:t>
-            </a:r>
-          </a:p>
-          <a:p>
-            <a:pPr lvl="1"/>
-            <a:endParaRPr lang="es-UY" sz="2000" dirty="0" smtClean="0"/>
-          </a:p>
-          <a:p>
-            <a:pPr lvl="1"/>
-            <a:endParaRPr lang="es-UY" sz="2200" dirty="0"/>
+            <a:endParaRPr lang="es-UY" dirty="0"/>
           </a:p>
         </p:txBody>
       </p:sp>
@@ -6795,7 +6759,7 @@
           <a:p>
             <a:r>
               <a:rPr lang="es-UY" b="1" dirty="0" smtClean="0"/>
-              <a:t>Planificación al cierre</a:t>
+              <a:t>Estado Actual</a:t>
             </a:r>
             <a:br>
               <a:rPr lang="es-UY" b="1" dirty="0" smtClean="0"/>
@@ -6817,25 +6781,51 @@
         <p:spPr/>
         <p:txBody>
           <a:bodyPr>
-            <a:normAutofit lnSpcReduction="10000"/>
+            <a:normAutofit/>
           </a:bodyPr>
           <a:lstStyle/>
           <a:p>
             <a:r>
-              <a:rPr lang="es-UY" sz="2200" dirty="0" smtClean="0"/>
-              <a:t>Integración con STS (2 </a:t>
-            </a:r>
-            <a:r>
-              <a:rPr lang="es-UY" sz="2200" dirty="0" err="1" smtClean="0"/>
-              <a:t>sem</a:t>
-            </a:r>
-            <a:r>
-              <a:rPr lang="es-UY" sz="2200" dirty="0" smtClean="0"/>
-              <a:t>.)</a:t>
-            </a:r>
-          </a:p>
-          <a:p>
-            <a:pPr>
+              <a:rPr lang="es-UY" sz="2200" smtClean="0"/>
+              <a:t>Implementación</a:t>
+            </a:r>
+            <a:endParaRPr lang="es-UY" sz="2200" dirty="0" smtClean="0"/>
+          </a:p>
+          <a:p>
+            <a:pPr lvl="1"/>
+            <a:r>
+              <a:rPr lang="es-UY" sz="2000" dirty="0" smtClean="0"/>
+              <a:t>Flujo Organismo cliente – PGE – Organismo proveedor</a:t>
+            </a:r>
+          </a:p>
+          <a:p>
+            <a:pPr lvl="1"/>
+            <a:r>
+              <a:rPr lang="es-UY" sz="2000" dirty="0" smtClean="0"/>
+              <a:t>Flujo Público general – PGE – Organismo proveedor</a:t>
+            </a:r>
+          </a:p>
+          <a:p>
+            <a:pPr lvl="1"/>
+            <a:r>
+              <a:rPr lang="es-UY" sz="2000" dirty="0" err="1" smtClean="0"/>
+              <a:t>getMap</a:t>
+            </a:r>
+            <a:r>
+              <a:rPr lang="es-UY" sz="2000" dirty="0" smtClean="0"/>
+              <a:t> y </a:t>
+            </a:r>
+            <a:r>
+              <a:rPr lang="es-UY" sz="2000" dirty="0" err="1" smtClean="0"/>
+              <a:t>getFeatureInfo</a:t>
+            </a:r>
+            <a:r>
+              <a:rPr lang="es-UY" sz="2000" dirty="0" smtClean="0"/>
+              <a:t> </a:t>
+            </a:r>
+          </a:p>
+          <a:p>
+            <a:pPr lvl="1">
               <a:buNone/>
             </a:pPr>
             <a:endParaRPr lang="es-UY" sz="2200" dirty="0" smtClean="0"/>
@@ -6843,95 +6833,36 @@
           <a:p>
             <a:r>
               <a:rPr lang="es-UY" sz="2200" dirty="0" smtClean="0"/>
-              <a:t>Manejo de excepciones (1 </a:t>
-            </a:r>
-            <a:r>
-              <a:rPr lang="es-UY" sz="2200" dirty="0" err="1" smtClean="0"/>
-              <a:t>sem</a:t>
-            </a:r>
-            <a:r>
-              <a:rPr lang="es-UY" sz="2200" dirty="0" smtClean="0"/>
-              <a:t>.)</a:t>
-            </a:r>
-          </a:p>
-          <a:p>
-            <a:endParaRPr lang="es-UY" sz="2200" dirty="0" smtClean="0"/>
-          </a:p>
-          <a:p>
-            <a:r>
-              <a:rPr lang="es-UY" sz="2200" dirty="0" smtClean="0"/>
-              <a:t>Evaluar opciones de asincronismo (1 </a:t>
-            </a:r>
-            <a:r>
-              <a:rPr lang="es-UY" sz="2200" dirty="0" err="1" smtClean="0"/>
-              <a:t>sem</a:t>
-            </a:r>
-            <a:r>
-              <a:rPr lang="es-UY" sz="2200" dirty="0" smtClean="0"/>
-              <a:t>.)</a:t>
-            </a:r>
-          </a:p>
-          <a:p>
-            <a:pPr>
-              <a:buNone/>
-            </a:pPr>
-            <a:endParaRPr lang="es-UY" sz="2200" dirty="0" smtClean="0"/>
-          </a:p>
-          <a:p>
-            <a:r>
-              <a:rPr lang="es-UY" sz="2200" dirty="0" smtClean="0"/>
-              <a:t>Completar prueba de estándares WMS y WFS (2 </a:t>
-            </a:r>
-            <a:r>
-              <a:rPr lang="es-UY" sz="2200" dirty="0" err="1" smtClean="0"/>
-              <a:t>sem</a:t>
-            </a:r>
-            <a:r>
-              <a:rPr lang="es-UY" sz="2200" dirty="0" smtClean="0"/>
-              <a:t>.)</a:t>
-            </a:r>
-          </a:p>
-          <a:p>
-            <a:pPr>
-              <a:buNone/>
-            </a:pPr>
-            <a:endParaRPr lang="es-UY" sz="2200" dirty="0" smtClean="0"/>
-          </a:p>
-          <a:p>
-            <a:r>
-              <a:rPr lang="es-UY" sz="2200" dirty="0" smtClean="0"/>
-              <a:t>Diseñar caso de estudio (1 </a:t>
-            </a:r>
-            <a:r>
-              <a:rPr lang="es-UY" sz="2200" dirty="0" err="1" smtClean="0"/>
-              <a:t>sem</a:t>
-            </a:r>
-            <a:r>
-              <a:rPr lang="es-UY" sz="2200" dirty="0" smtClean="0"/>
-              <a:t>.)</a:t>
-            </a:r>
-          </a:p>
-          <a:p>
-            <a:pPr>
-              <a:buNone/>
-            </a:pPr>
-            <a:endParaRPr lang="es-UY" sz="2200" dirty="0" smtClean="0"/>
-          </a:p>
-          <a:p>
-            <a:r>
-              <a:rPr lang="es-UY" sz="2200" dirty="0" smtClean="0"/>
-              <a:t>Finalizar documento principal (2 </a:t>
-            </a:r>
-            <a:r>
-              <a:rPr lang="es-UY" sz="2200" dirty="0" err="1" smtClean="0"/>
-              <a:t>sem</a:t>
-            </a:r>
-            <a:r>
-              <a:rPr lang="es-UY" sz="2200" dirty="0" smtClean="0"/>
-              <a:t>.)</a:t>
-            </a:r>
-          </a:p>
-          <a:p>
+              <a:t>Documentación</a:t>
+            </a:r>
+          </a:p>
+          <a:p>
+            <a:pPr lvl="1"/>
+            <a:r>
+              <a:rPr lang="es-UY" sz="2000" dirty="0" smtClean="0"/>
+              <a:t>Casos de uso</a:t>
+            </a:r>
+          </a:p>
+          <a:p>
+            <a:pPr lvl="1"/>
+            <a:r>
+              <a:rPr lang="es-UY" sz="2000" dirty="0" smtClean="0"/>
+              <a:t>Arquitectura</a:t>
+            </a:r>
+          </a:p>
+          <a:p>
+            <a:pPr lvl="1"/>
+            <a:r>
+              <a:rPr lang="es-UY" sz="2000" dirty="0" smtClean="0"/>
+              <a:t>Documento principal</a:t>
+            </a:r>
+          </a:p>
+          <a:p>
+            <a:pPr lvl="1"/>
+            <a:endParaRPr lang="es-UY" sz="2000" dirty="0" smtClean="0"/>
+          </a:p>
+          <a:p>
+            <a:pPr lvl="1"/>
             <a:endParaRPr lang="es-UY" sz="2200" dirty="0"/>
           </a:p>
         </p:txBody>
@@ -7121,6 +7052,196 @@
       </p:grpSpPr>
       <p:sp>
         <p:nvSpPr>
+          <p:cNvPr id="2" name="1 Título"/>
+          <p:cNvSpPr>
+            <a:spLocks noGrp="1"/>
+          </p:cNvSpPr>
+          <p:nvPr>
+            <p:ph type="title"/>
+          </p:nvPr>
+        </p:nvSpPr>
+        <p:spPr/>
+        <p:txBody>
+          <a:bodyPr/>
+          <a:lstStyle/>
+          <a:p>
+            <a:r>
+              <a:rPr lang="es-UY" b="1" dirty="0" smtClean="0"/>
+              <a:t>Planificación al cierre</a:t>
+            </a:r>
+            <a:br>
+              <a:rPr lang="es-UY" b="1" dirty="0" smtClean="0"/>
+            </a:br>
+            <a:endParaRPr lang="es-UY" b="1" dirty="0"/>
+          </a:p>
+        </p:txBody>
+      </p:sp>
+      <p:sp>
+        <p:nvSpPr>
+          <p:cNvPr id="3" name="2 Marcador de contenido"/>
+          <p:cNvSpPr>
+            <a:spLocks noGrp="1"/>
+          </p:cNvSpPr>
+          <p:nvPr>
+            <p:ph sz="quarter" idx="1"/>
+          </p:nvPr>
+        </p:nvSpPr>
+        <p:spPr/>
+        <p:txBody>
+          <a:bodyPr>
+            <a:normAutofit lnSpcReduction="10000"/>
+          </a:bodyPr>
+          <a:lstStyle/>
+          <a:p>
+            <a:r>
+              <a:rPr lang="es-UY" sz="2200" dirty="0" smtClean="0"/>
+              <a:t>Integración con STS (2 </a:t>
+            </a:r>
+            <a:r>
+              <a:rPr lang="es-UY" sz="2200" dirty="0" err="1" smtClean="0"/>
+              <a:t>sem</a:t>
+            </a:r>
+            <a:r>
+              <a:rPr lang="es-UY" sz="2200" dirty="0" smtClean="0"/>
+              <a:t>.)</a:t>
+            </a:r>
+          </a:p>
+          <a:p>
+            <a:pPr>
+              <a:buNone/>
+            </a:pPr>
+            <a:endParaRPr lang="es-UY" sz="2200" dirty="0" smtClean="0"/>
+          </a:p>
+          <a:p>
+            <a:r>
+              <a:rPr lang="es-UY" sz="2200" dirty="0" smtClean="0"/>
+              <a:t>Manejo de excepciones (1 </a:t>
+            </a:r>
+            <a:r>
+              <a:rPr lang="es-UY" sz="2200" dirty="0" err="1" smtClean="0"/>
+              <a:t>sem</a:t>
+            </a:r>
+            <a:r>
+              <a:rPr lang="es-UY" sz="2200" dirty="0" smtClean="0"/>
+              <a:t>.)</a:t>
+            </a:r>
+          </a:p>
+          <a:p>
+            <a:endParaRPr lang="es-UY" sz="2200" dirty="0" smtClean="0"/>
+          </a:p>
+          <a:p>
+            <a:r>
+              <a:rPr lang="es-UY" sz="2200" dirty="0" smtClean="0"/>
+              <a:t>Evaluar opciones de asincronismo (1 </a:t>
+            </a:r>
+            <a:r>
+              <a:rPr lang="es-UY" sz="2200" dirty="0" err="1" smtClean="0"/>
+              <a:t>sem</a:t>
+            </a:r>
+            <a:r>
+              <a:rPr lang="es-UY" sz="2200" dirty="0" smtClean="0"/>
+              <a:t>.)</a:t>
+            </a:r>
+          </a:p>
+          <a:p>
+            <a:pPr>
+              <a:buNone/>
+            </a:pPr>
+            <a:endParaRPr lang="es-UY" sz="2200" dirty="0" smtClean="0"/>
+          </a:p>
+          <a:p>
+            <a:r>
+              <a:rPr lang="es-UY" sz="2200" dirty="0" smtClean="0"/>
+              <a:t>Completar prueba de estándares WMS y WFS (2 </a:t>
+            </a:r>
+            <a:r>
+              <a:rPr lang="es-UY" sz="2200" dirty="0" err="1" smtClean="0"/>
+              <a:t>sem</a:t>
+            </a:r>
+            <a:r>
+              <a:rPr lang="es-UY" sz="2200" dirty="0" smtClean="0"/>
+              <a:t>.)</a:t>
+            </a:r>
+          </a:p>
+          <a:p>
+            <a:pPr>
+              <a:buNone/>
+            </a:pPr>
+            <a:endParaRPr lang="es-UY" sz="2200" dirty="0" smtClean="0"/>
+          </a:p>
+          <a:p>
+            <a:r>
+              <a:rPr lang="es-UY" sz="2200" dirty="0" smtClean="0"/>
+              <a:t>Diseñar caso de estudio (1 </a:t>
+            </a:r>
+            <a:r>
+              <a:rPr lang="es-UY" sz="2200" dirty="0" err="1" smtClean="0"/>
+              <a:t>sem</a:t>
+            </a:r>
+            <a:r>
+              <a:rPr lang="es-UY" sz="2200" dirty="0" smtClean="0"/>
+              <a:t>.)</a:t>
+            </a:r>
+          </a:p>
+          <a:p>
+            <a:pPr>
+              <a:buNone/>
+            </a:pPr>
+            <a:endParaRPr lang="es-UY" sz="2200" dirty="0" smtClean="0"/>
+          </a:p>
+          <a:p>
+            <a:r>
+              <a:rPr lang="es-UY" sz="2200" dirty="0" smtClean="0"/>
+              <a:t>Finalizar documento principal (2 </a:t>
+            </a:r>
+            <a:r>
+              <a:rPr lang="es-UY" sz="2200" dirty="0" err="1" smtClean="0"/>
+              <a:t>sem</a:t>
+            </a:r>
+            <a:r>
+              <a:rPr lang="es-UY" sz="2200" dirty="0" smtClean="0"/>
+              <a:t>.)</a:t>
+            </a:r>
+          </a:p>
+          <a:p>
+            <a:endParaRPr lang="es-UY" sz="2200" dirty="0"/>
+          </a:p>
+        </p:txBody>
+      </p:sp>
+    </p:spTree>
+  </p:cSld>
+  <p:clrMapOvr>
+    <a:masterClrMapping/>
+  </p:clrMapOvr>
+  <p:timing>
+    <p:tnLst>
+      <p:par>
+        <p:cTn id="1" dur="indefinite" restart="never" nodeType="tmRoot"/>
+      </p:par>
+    </p:tnLst>
+  </p:timing>
+</p:sld>
+</file>
+
+<file path=ppt/slides/slide21.xml><?xml version="1.0" encoding="utf-8"?>
+<p:sld xmlns:a="http://schemas.openxmlformats.org/drawingml/2006/main" xmlns:r="http://schemas.openxmlformats.org/officeDocument/2006/relationships" xmlns:p="http://schemas.openxmlformats.org/presentationml/2006/main">
+  <p:cSld>
+    <p:spTree>
+      <p:nvGrpSpPr>
+        <p:cNvPr id="1" name=""/>
+        <p:cNvGrpSpPr/>
+        <p:nvPr/>
+      </p:nvGrpSpPr>
+      <p:grpSpPr>
+        <a:xfrm>
+          <a:off x="0" y="0"/>
+          <a:ext cx="0" cy="0"/>
+          <a:chOff x="0" y="0"/>
+          <a:chExt cx="0" cy="0"/>
+        </a:xfrm>
+      </p:grpSpPr>
+      <p:sp>
+        <p:nvSpPr>
           <p:cNvPr id="2" name="Title 1"/>
           <p:cNvSpPr>
             <a:spLocks noGrp="1"/>
@@ -7183,7 +7304,7 @@
 </p:sld>
 </file>
 
-<file path=ppt/slides/slide21.xml><?xml version="1.0" encoding="utf-8"?>
+<file path=ppt/slides/slide22.xml><?xml version="1.0" encoding="utf-8"?>
 <p:sld xmlns:a="http://schemas.openxmlformats.org/drawingml/2006/main" xmlns:r="http://schemas.openxmlformats.org/officeDocument/2006/relationships" xmlns:p="http://schemas.openxmlformats.org/presentationml/2006/main">
   <p:cSld>
     <p:spTree>
@@ -7477,192 +7598,8 @@
             </a:pPr>
             <a:r>
               <a:rPr lang="es-UY" sz="1400" dirty="0" smtClean="0"/>
-              <a:t>OCDE, Organización para la Cooperación y el Desarrollo Económicos</a:t>
-            </a:r>
-          </a:p>
-        </p:txBody>
-      </p:sp>
-      <p:sp>
-        <p:nvSpPr>
-          <p:cNvPr id="7" name="6 Elipse"/>
-          <p:cNvSpPr/>
-          <p:nvPr/>
-        </p:nvSpPr>
-        <p:spPr>
-          <a:xfrm>
-            <a:off x="4086002" y="3614080"/>
-            <a:ext cx="928694" cy="428628"/>
-          </a:xfrm>
-          <a:prstGeom prst="ellipse">
-            <a:avLst/>
-          </a:prstGeom>
-          <a:noFill/>
-          <a:ln>
-            <a:solidFill>
-              <a:srgbClr val="FF0000"/>
-            </a:solidFill>
-          </a:ln>
-        </p:spPr>
-        <p:style>
-          <a:lnRef idx="2">
-            <a:schemeClr val="accent1">
-              <a:shade val="50000"/>
-            </a:schemeClr>
-          </a:lnRef>
-          <a:fillRef idx="1">
-            <a:schemeClr val="accent1"/>
-          </a:fillRef>
-          <a:effectRef idx="0">
-            <a:schemeClr val="accent1"/>
-          </a:effectRef>
-          <a:fontRef idx="minor">
-            <a:schemeClr val="lt1"/>
-          </a:fontRef>
-        </p:style>
-        <p:txBody>
-          <a:bodyPr rtlCol="0" anchor="ctr"/>
-          <a:lstStyle/>
-          <a:p>
-            <a:pPr algn="ctr"/>
-            <a:endParaRPr lang="es-UY"/>
-          </a:p>
-        </p:txBody>
-      </p:sp>
-      <p:sp>
-        <p:nvSpPr>
-          <p:cNvPr id="9" name="8 Elipse"/>
-          <p:cNvSpPr/>
-          <p:nvPr/>
-        </p:nvSpPr>
-        <p:spPr>
-          <a:xfrm>
-            <a:off x="700280" y="3914998"/>
-            <a:ext cx="1143008" cy="357190"/>
-          </a:xfrm>
-          <a:prstGeom prst="ellipse">
-            <a:avLst/>
-          </a:prstGeom>
-          <a:noFill/>
-          <a:ln>
-            <a:solidFill>
-              <a:srgbClr val="FF0000"/>
-            </a:solidFill>
-          </a:ln>
-        </p:spPr>
-        <p:style>
-          <a:lnRef idx="2">
-            <a:schemeClr val="accent1">
-              <a:shade val="50000"/>
-            </a:schemeClr>
-          </a:lnRef>
-          <a:fillRef idx="1">
-            <a:schemeClr val="accent1"/>
-          </a:fillRef>
-          <a:effectRef idx="0">
-            <a:schemeClr val="accent1"/>
-          </a:effectRef>
-          <a:fontRef idx="minor">
-            <a:schemeClr val="lt1"/>
-          </a:fontRef>
-        </p:style>
-        <p:txBody>
-          <a:bodyPr rtlCol="0" anchor="ctr"/>
-          <a:lstStyle/>
-          <a:p>
-            <a:pPr algn="ctr"/>
-            <a:endParaRPr lang="es-UY"/>
-          </a:p>
-        </p:txBody>
-      </p:sp>
-      <p:sp>
-        <p:nvSpPr>
-          <p:cNvPr id="10" name="9 Elipse"/>
-          <p:cNvSpPr/>
-          <p:nvPr/>
-        </p:nvSpPr>
-        <p:spPr>
-          <a:xfrm>
-            <a:off x="6629634" y="4000504"/>
-            <a:ext cx="785818" cy="285752"/>
-          </a:xfrm>
-          <a:prstGeom prst="ellipse">
-            <a:avLst/>
-          </a:prstGeom>
-          <a:noFill/>
-          <a:ln>
-            <a:solidFill>
-              <a:srgbClr val="FF0000"/>
-            </a:solidFill>
-          </a:ln>
-        </p:spPr>
-        <p:style>
-          <a:lnRef idx="2">
-            <a:schemeClr val="accent1">
-              <a:shade val="50000"/>
-            </a:schemeClr>
-          </a:lnRef>
-          <a:fillRef idx="1">
-            <a:schemeClr val="accent1"/>
-          </a:fillRef>
-          <a:effectRef idx="0">
-            <a:schemeClr val="accent1"/>
-          </a:effectRef>
-          <a:fontRef idx="minor">
-            <a:schemeClr val="lt1"/>
-          </a:fontRef>
-        </p:style>
-        <p:txBody>
-          <a:bodyPr rtlCol="0" anchor="ctr"/>
-          <a:lstStyle/>
-          <a:p>
-            <a:pPr algn="ctr"/>
-            <a:endParaRPr lang="es-UY"/>
-          </a:p>
-        </p:txBody>
-      </p:sp>
-      <p:sp>
-        <p:nvSpPr>
-          <p:cNvPr id="11" name="10 Elipse"/>
-          <p:cNvSpPr/>
-          <p:nvPr/>
-        </p:nvSpPr>
-        <p:spPr>
-          <a:xfrm>
-            <a:off x="728416" y="4272188"/>
-            <a:ext cx="1143008" cy="357190"/>
-          </a:xfrm>
-          <a:prstGeom prst="ellipse">
-            <a:avLst/>
-          </a:prstGeom>
-          <a:noFill/>
-          <a:ln>
-            <a:solidFill>
-              <a:srgbClr val="FF0000"/>
-            </a:solidFill>
-          </a:ln>
-        </p:spPr>
-        <p:style>
-          <a:lnRef idx="2">
-            <a:schemeClr val="accent1">
-              <a:shade val="50000"/>
-            </a:schemeClr>
-          </a:lnRef>
-          <a:fillRef idx="1">
-            <a:schemeClr val="accent1"/>
-          </a:fillRef>
-          <a:effectRef idx="0">
-            <a:schemeClr val="accent1"/>
-          </a:effectRef>
-          <a:fontRef idx="minor">
-            <a:schemeClr val="lt1"/>
-          </a:fontRef>
-        </p:style>
-        <p:txBody>
-          <a:bodyPr rtlCol="0" anchor="ctr"/>
-          <a:lstStyle/>
-          <a:p>
-            <a:pPr algn="ctr"/>
-            <a:endParaRPr lang="es-UY"/>
+              <a:t>OCDE, Organización para la Cooperación y el Desarrollo Económico</a:t>
+            </a:r>
           </a:p>
         </p:txBody>
       </p:sp>
@@ -7915,6 +7852,14 @@
           </a:p>
           <a:p>
             <a:r>
+              <a:rPr lang="es-UY" sz="2200" dirty="0" smtClean="0">
+                <a:solidFill>
+                  <a:srgbClr val="FF0000"/>
+                </a:solidFill>
+              </a:rPr>
+              <a:t>El </a:t>
+            </a:r>
+            <a:r>
               <a:rPr lang="es-UY" sz="2200" dirty="0" smtClean="0"/>
               <a:t>OGC (Open </a:t>
             </a:r>
@@ -7963,6 +7908,27 @@
               <a:rPr lang="es-UY" sz="2000" dirty="0" smtClean="0"/>
               <a:t> (WMS) </a:t>
             </a:r>
+            <a:r>
+              <a:rPr lang="es-UY" sz="2000" dirty="0" smtClean="0">
+                <a:solidFill>
+                  <a:srgbClr val="FF0000"/>
+                </a:solidFill>
+              </a:rPr>
+              <a:t>algunos, estilo </a:t>
+            </a:r>
+            <a:r>
+              <a:rPr lang="es-UY" sz="2000" dirty="0" err="1" smtClean="0">
+                <a:solidFill>
+                  <a:srgbClr val="FF0000"/>
+                </a:solidFill>
+              </a:rPr>
+              <a:t>rest</a:t>
+            </a:r>
+            <a:endParaRPr lang="es-UY" sz="2000" dirty="0" smtClean="0">
+              <a:solidFill>
+                <a:srgbClr val="FF0000"/>
+              </a:solidFill>
+            </a:endParaRPr>
           </a:p>
           <a:p>
             <a:pPr lvl="2"/>
@@ -8151,11 +8117,7 @@
             <a:pPr lvl="1"/>
             <a:r>
               <a:rPr lang="es-UY" sz="2000" dirty="0" smtClean="0"/>
-              <a:t>Integración de Servicios Geográficos en Plataformas de Gobierno </a:t>
-            </a:r>
-            <a:r>
-              <a:rPr lang="es-UY" sz="2000" dirty="0" smtClean="0"/>
-              <a:t>Electrónico</a:t>
+              <a:t>Integración de Servicios Geográficos en Plataformas de Gobierno Electrónico</a:t>
             </a:r>
           </a:p>
           <a:p>
@@ -8177,11 +8139,7 @@
             <a:pPr lvl="3"/>
             <a:r>
               <a:rPr lang="es-UY" sz="1600" dirty="0" smtClean="0"/>
-              <a:t>Estándares </a:t>
-            </a:r>
-            <a:r>
-              <a:rPr lang="es-UY" sz="1600" dirty="0" smtClean="0"/>
-              <a:t>WMS y WFS definidos para REST</a:t>
+              <a:t>Estándares WMS y WFS definidos para REST</a:t>
             </a:r>
           </a:p>
           <a:p>
@@ -8428,6 +8386,35 @@
             <a:pPr>
               <a:buNone/>
             </a:pPr>
+            <a:r>
+              <a:rPr lang="es-UY" sz="2200" dirty="0" smtClean="0"/>
+              <a:t>Mostrar arquitectura gis, que existen clientes gis y que no se pueden modificar</a:t>
+            </a:r>
+          </a:p>
+          <a:p>
+            <a:pPr>
+              <a:buNone/>
+            </a:pPr>
+            <a:r>
+              <a:rPr lang="es-UY" sz="2200" dirty="0" smtClean="0"/>
+              <a:t>Productos que cumplen con </a:t>
+            </a:r>
+            <a:r>
+              <a:rPr lang="es-UY" sz="2200" smtClean="0"/>
+              <a:t>los estándares </a:t>
+            </a:r>
+            <a:r>
+              <a:rPr lang="es-UY" sz="2200" dirty="0" err="1" smtClean="0"/>
+              <a:t>wms</a:t>
+            </a:r>
+            <a:r>
+              <a:rPr lang="es-UY" sz="2200" dirty="0" smtClean="0"/>
+              <a:t> y </a:t>
+            </a:r>
+            <a:r>
+              <a:rPr lang="es-UY" sz="2200" dirty="0" err="1" smtClean="0"/>
+              <a:t>wfs</a:t>
+            </a:r>
             <a:endParaRPr lang="es-UY" sz="2200" dirty="0" smtClean="0"/>
           </a:p>
           <a:p>
@@ -8440,14 +8427,14 @@
             <a:pPr lvl="1"/>
             <a:r>
               <a:rPr lang="es-UY" sz="2000" dirty="0" smtClean="0"/>
-              <a:t>WMS</a:t>
+              <a:t>WMS: agregar métodos</a:t>
             </a:r>
           </a:p>
           <a:p>
             <a:pPr lvl="1"/>
             <a:r>
               <a:rPr lang="es-UY" sz="2000" dirty="0" smtClean="0"/>
-              <a:t>WFS</a:t>
+              <a:t>WFS: agregar métodos</a:t>
             </a:r>
           </a:p>
           <a:p>
@@ -8491,15 +8478,10 @@
             </a:r>
           </a:p>
           <a:p>
-            <a:pPr lvl="1"/>
+            <a:pPr lvl="1">
+              <a:buNone/>
+            </a:pPr>
             <a:endParaRPr lang="es-UY" sz="2200" dirty="0" smtClean="0"/>
-          </a:p>
-          <a:p>
-            <a:r>
-              <a:rPr lang="es-UY" sz="2200" dirty="0" smtClean="0"/>
-              <a:t>PGE</a:t>
-            </a:r>
-            <a:endParaRPr lang="es-UY" sz="2200" dirty="0"/>
           </a:p>
         </p:txBody>
       </p:sp>

--- a/Presentacion.pptx
+++ b/Presentacion.pptx
@@ -5,7 +5,7 @@
     <p:sldMasterId id="2147483732" r:id="rId1"/>
   </p:sldMasterIdLst>
   <p:notesMasterIdLst>
-    <p:notesMasterId r:id="rId24"/>
+    <p:notesMasterId r:id="rId29"/>
   </p:notesMasterIdLst>
   <p:sldIdLst>
     <p:sldId id="256" r:id="rId2"/>
@@ -18,18 +18,23 @@
     <p:sldId id="258" r:id="rId9"/>
     <p:sldId id="259" r:id="rId10"/>
     <p:sldId id="277" r:id="rId11"/>
-    <p:sldId id="260" r:id="rId12"/>
-    <p:sldId id="270" r:id="rId13"/>
-    <p:sldId id="272" r:id="rId14"/>
-    <p:sldId id="273" r:id="rId15"/>
-    <p:sldId id="274" r:id="rId16"/>
-    <p:sldId id="269" r:id="rId17"/>
-    <p:sldId id="268" r:id="rId18"/>
-    <p:sldId id="261" r:id="rId19"/>
-    <p:sldId id="262" r:id="rId20"/>
-    <p:sldId id="263" r:id="rId21"/>
-    <p:sldId id="275" r:id="rId22"/>
-    <p:sldId id="265" r:id="rId23"/>
+    <p:sldId id="278" r:id="rId12"/>
+    <p:sldId id="260" r:id="rId13"/>
+    <p:sldId id="270" r:id="rId14"/>
+    <p:sldId id="272" r:id="rId15"/>
+    <p:sldId id="273" r:id="rId16"/>
+    <p:sldId id="274" r:id="rId17"/>
+    <p:sldId id="269" r:id="rId18"/>
+    <p:sldId id="268" r:id="rId19"/>
+    <p:sldId id="261" r:id="rId20"/>
+    <p:sldId id="262" r:id="rId21"/>
+    <p:sldId id="279" r:id="rId22"/>
+    <p:sldId id="282" r:id="rId23"/>
+    <p:sldId id="283" r:id="rId24"/>
+    <p:sldId id="284" r:id="rId25"/>
+    <p:sldId id="280" r:id="rId26"/>
+    <p:sldId id="281" r:id="rId27"/>
+    <p:sldId id="265" r:id="rId28"/>
   </p:sldIdLst>
   <p:sldSz cx="9144000" cy="6858000" type="screen4x3"/>
   <p:notesSz cx="6858000" cy="9144000"/>
@@ -214,7 +219,7 @@
             <a:fld id="{E8BFD649-4464-4874-A030-77DA47E62353}" type="datetimeFigureOut">
               <a:rPr lang="es-UY" smtClean="0"/>
               <a:pPr/>
-              <a:t>20/10/2014</a:t>
+              <a:t>14/05/2015</a:t>
             </a:fld>
             <a:endParaRPr lang="es-UY"/>
           </a:p>
@@ -618,7 +623,7 @@
             <a:fld id="{7A847CFC-816F-41D0-AAC0-9BF4FEBC753E}" type="datetimeFigureOut">
               <a:rPr lang="es-ES" smtClean="0"/>
               <a:pPr/>
-              <a:t>20/10/2014</a:t>
+              <a:t>14/05/2015</a:t>
             </a:fld>
             <a:endParaRPr lang="es-ES"/>
           </a:p>
@@ -1489,7 +1494,7 @@
             <a:fld id="{7A847CFC-816F-41D0-AAC0-9BF4FEBC753E}" type="datetimeFigureOut">
               <a:rPr lang="es-ES" smtClean="0"/>
               <a:pPr/>
-              <a:t>20/10/2014</a:t>
+              <a:t>14/05/2015</a:t>
             </a:fld>
             <a:endParaRPr lang="es-ES"/>
           </a:p>
@@ -1666,7 +1671,7 @@
             <a:fld id="{7A847CFC-816F-41D0-AAC0-9BF4FEBC753E}" type="datetimeFigureOut">
               <a:rPr lang="es-ES" smtClean="0"/>
               <a:pPr/>
-              <a:t>20/10/2014</a:t>
+              <a:t>14/05/2015</a:t>
             </a:fld>
             <a:endParaRPr lang="es-ES"/>
           </a:p>
@@ -1838,7 +1843,7 @@
             <a:fld id="{7A847CFC-816F-41D0-AAC0-9BF4FEBC753E}" type="datetimeFigureOut">
               <a:rPr lang="es-ES" smtClean="0"/>
               <a:pPr/>
-              <a:t>20/10/2014</a:t>
+              <a:t>14/05/2015</a:t>
             </a:fld>
             <a:endParaRPr lang="es-ES"/>
           </a:p>
@@ -2050,7 +2055,7 @@
             <a:fld id="{7A847CFC-816F-41D0-AAC0-9BF4FEBC753E}" type="datetimeFigureOut">
               <a:rPr lang="es-ES" smtClean="0"/>
               <a:pPr/>
-              <a:t>20/10/2014</a:t>
+              <a:t>14/05/2015</a:t>
             </a:fld>
             <a:endParaRPr lang="es-ES"/>
           </a:p>
@@ -2866,7 +2871,7 @@
             <a:fld id="{7A847CFC-816F-41D0-AAC0-9BF4FEBC753E}" type="datetimeFigureOut">
               <a:rPr lang="es-ES" smtClean="0"/>
               <a:pPr/>
-              <a:t>20/10/2014</a:t>
+              <a:t>14/05/2015</a:t>
             </a:fld>
             <a:endParaRPr lang="es-ES"/>
           </a:p>
@@ -3104,7 +3109,7 @@
             <a:fld id="{7A847CFC-816F-41D0-AAC0-9BF4FEBC753E}" type="datetimeFigureOut">
               <a:rPr lang="es-ES" smtClean="0"/>
               <a:pPr/>
-              <a:t>20/10/2014</a:t>
+              <a:t>14/05/2015</a:t>
             </a:fld>
             <a:endParaRPr lang="es-ES"/>
           </a:p>
@@ -3429,7 +3434,7 @@
             <a:fld id="{7A847CFC-816F-41D0-AAC0-9BF4FEBC753E}" type="datetimeFigureOut">
               <a:rPr lang="es-ES" smtClean="0"/>
               <a:pPr/>
-              <a:t>20/10/2014</a:t>
+              <a:t>14/05/2015</a:t>
             </a:fld>
             <a:endParaRPr lang="es-ES"/>
           </a:p>
@@ -3521,7 +3526,7 @@
             <a:fld id="{7A847CFC-816F-41D0-AAC0-9BF4FEBC753E}" type="datetimeFigureOut">
               <a:rPr lang="es-ES" smtClean="0"/>
               <a:pPr/>
-              <a:t>20/10/2014</a:t>
+              <a:t>14/05/2015</a:t>
             </a:fld>
             <a:endParaRPr lang="es-ES"/>
           </a:p>
@@ -4040,7 +4045,7 @@
             <a:fld id="{7A847CFC-816F-41D0-AAC0-9BF4FEBC753E}" type="datetimeFigureOut">
               <a:rPr lang="es-ES" smtClean="0"/>
               <a:pPr/>
-              <a:t>20/10/2014</a:t>
+              <a:t>14/05/2015</a:t>
             </a:fld>
             <a:endParaRPr lang="es-ES"/>
           </a:p>
@@ -4553,7 +4558,7 @@
             <a:fld id="{7A847CFC-816F-41D0-AAC0-9BF4FEBC753E}" type="datetimeFigureOut">
               <a:rPr lang="es-ES" smtClean="0"/>
               <a:pPr/>
-              <a:t>20/10/2014</a:t>
+              <a:t>14/05/2015</a:t>
             </a:fld>
             <a:endParaRPr lang="es-ES"/>
           </a:p>
@@ -4800,7 +4805,7 @@
             <a:fld id="{7A847CFC-816F-41D0-AAC0-9BF4FEBC753E}" type="datetimeFigureOut">
               <a:rPr lang="es-ES" smtClean="0"/>
               <a:pPr/>
-              <a:t>20/10/2014</a:t>
+              <a:t>14/05/2015</a:t>
             </a:fld>
             <a:endParaRPr lang="es-ES"/>
           </a:p>
@@ -5631,13 +5636,13 @@
           <a:p>
             <a:r>
               <a:rPr lang="es-UY" sz="2200" dirty="0" smtClean="0"/>
-              <a:t>PGE: Mostrar como funciona. Agregar </a:t>
-            </a:r>
-            <a:r>
-              <a:rPr lang="es-UY" sz="2200" dirty="0" err="1" smtClean="0"/>
-              <a:t>imagenes</a:t>
-            </a:r>
-            <a:endParaRPr lang="es-UY" sz="2200" dirty="0" smtClean="0"/>
+              <a:t>PGE</a:t>
+            </a:r>
+            <a:endParaRPr lang="es-UY" sz="2200" dirty="0" smtClean="0">
+              <a:solidFill>
+                <a:srgbClr val="FF0000"/>
+              </a:solidFill>
+            </a:endParaRPr>
           </a:p>
           <a:p>
             <a:r>
@@ -5723,7 +5728,7 @@
           <a:p>
             <a:r>
               <a:rPr lang="es-UY" b="1" dirty="0" smtClean="0"/>
-              <a:t>Análisis</a:t>
+              <a:t>Estudio Inicial</a:t>
             </a:r>
             <a:br>
               <a:rPr lang="es-UY" b="1" dirty="0" smtClean="0"/>
@@ -5744,13 +5749,36 @@
         </p:nvSpPr>
         <p:spPr/>
         <p:txBody>
-          <a:bodyPr/>
+          <a:bodyPr>
+            <a:noAutofit/>
+          </a:bodyPr>
           <a:lstStyle/>
           <a:p>
             <a:r>
               <a:rPr lang="es-UY" sz="2200" dirty="0" smtClean="0"/>
-              <a:t>Casos de uso: escenarios</a:t>
-            </a:r>
+              <a:t>PGE: </a:t>
+            </a:r>
+            <a:r>
+              <a:rPr lang="es-UY" sz="2200" dirty="0" smtClean="0">
+                <a:solidFill>
+                  <a:srgbClr val="FF0000"/>
+                </a:solidFill>
+              </a:rPr>
+              <a:t>Mostrar como funciona. Agregar </a:t>
+            </a:r>
+            <a:r>
+              <a:rPr lang="es-UY" sz="2200" dirty="0" err="1" smtClean="0">
+                <a:solidFill>
+                  <a:srgbClr val="FF0000"/>
+                </a:solidFill>
+              </a:rPr>
+              <a:t>imagenes</a:t>
+            </a:r>
+            <a:endParaRPr lang="es-UY" sz="2200" dirty="0" smtClean="0">
+              <a:solidFill>
+                <a:srgbClr val="FF0000"/>
+              </a:solidFill>
+            </a:endParaRPr>
           </a:p>
           <a:p>
             <a:pPr>
@@ -5759,64 +5787,13 @@
             <a:endParaRPr lang="es-UY" sz="2200" dirty="0" smtClean="0"/>
           </a:p>
           <a:p>
-            <a:pPr lvl="1"/>
-            <a:r>
-              <a:rPr lang="es-UY" sz="2000" dirty="0" smtClean="0"/>
-              <a:t>Público general consultado información geográfica</a:t>
-            </a:r>
-          </a:p>
-          <a:p>
-            <a:pPr lvl="1">
+            <a:endParaRPr lang="es-UY" sz="2200" dirty="0" smtClean="0"/>
+          </a:p>
+          <a:p>
+            <a:pPr>
               <a:buNone/>
             </a:pPr>
-            <a:endParaRPr lang="es-UY" sz="2000" dirty="0" smtClean="0"/>
-          </a:p>
-          <a:p>
-            <a:pPr lvl="1"/>
-            <a:r>
-              <a:rPr lang="es-UY" sz="2000" dirty="0" smtClean="0"/>
-              <a:t>Público especializado consultando información geográfica</a:t>
-            </a:r>
-          </a:p>
-          <a:p>
-            <a:pPr lvl="1">
-              <a:buNone/>
-            </a:pPr>
-            <a:endParaRPr lang="es-UY" sz="2000" dirty="0" smtClean="0"/>
-          </a:p>
-          <a:p>
-            <a:pPr lvl="1"/>
-            <a:r>
-              <a:rPr lang="es-UY" sz="2000" dirty="0" smtClean="0"/>
-              <a:t>Instituciones colaborando en la generación de información geográfica</a:t>
-            </a:r>
-          </a:p>
-          <a:p>
-            <a:pPr lvl="1">
-              <a:buNone/>
-            </a:pPr>
-            <a:endParaRPr lang="es-UY" sz="2000" dirty="0" smtClean="0"/>
-          </a:p>
-          <a:p>
-            <a:pPr lvl="1"/>
-            <a:r>
-              <a:rPr lang="es-UY" sz="2000" dirty="0" smtClean="0"/>
-              <a:t>Instituciones colaborando en trámites</a:t>
-            </a:r>
-          </a:p>
-          <a:p>
-            <a:pPr lvl="1">
-              <a:buNone/>
-            </a:pPr>
-            <a:endParaRPr lang="es-UY" sz="2000" dirty="0" smtClean="0"/>
-          </a:p>
-          <a:p>
-            <a:pPr lvl="1"/>
-            <a:r>
-              <a:rPr lang="es-UY" sz="2000" dirty="0" smtClean="0"/>
-              <a:t>Público generando información geográfica</a:t>
-            </a:r>
-            <a:endParaRPr lang="es-UY" sz="2000" dirty="0"/>
+            <a:endParaRPr lang="es-UY" sz="2200" dirty="0" smtClean="0"/>
           </a:p>
         </p:txBody>
       </p:sp>
@@ -5878,41 +5855,94 @@
           </a:p>
         </p:txBody>
       </p:sp>
-      <p:pic>
-        <p:nvPicPr>
-          <p:cNvPr id="3" name="Content Placeholder 2"/>
-          <p:cNvPicPr>
-            <a:picLocks noGrp="1" noChangeAspect="1" noChangeArrowheads="1"/>
-          </p:cNvPicPr>
+      <p:sp>
+        <p:nvSpPr>
+          <p:cNvPr id="3" name="2 Marcador de contenido"/>
+          <p:cNvSpPr>
+            <a:spLocks noGrp="1"/>
+          </p:cNvSpPr>
           <p:nvPr>
             <p:ph sz="quarter" idx="1"/>
           </p:nvPr>
-        </p:nvPicPr>
-        <p:blipFill>
-          <a:blip r:embed="rId2" cstate="print"/>
-          <a:srcRect/>
-          <a:stretch>
-            <a:fillRect/>
-          </a:stretch>
-        </p:blipFill>
-        <p:spPr bwMode="auto">
-          <a:xfrm>
-            <a:off x="187600" y="1428736"/>
-            <a:ext cx="7956300" cy="5416365"/>
-          </a:xfrm>
-          <a:prstGeom prst="rect">
-            <a:avLst/>
-          </a:prstGeom>
-          <a:noFill/>
-          <a:ln w="9525">
-            <a:noFill/>
-            <a:miter lim="800000"/>
-            <a:headEnd/>
-            <a:tailEnd/>
-          </a:ln>
-          <a:effectLst/>
-        </p:spPr>
-      </p:pic>
+        </p:nvSpPr>
+        <p:spPr/>
+        <p:txBody>
+          <a:bodyPr/>
+          <a:lstStyle/>
+          <a:p>
+            <a:r>
+              <a:rPr lang="es-UY" sz="2200" dirty="0" smtClean="0"/>
+              <a:t>Casos de uso: escenarios</a:t>
+            </a:r>
+          </a:p>
+          <a:p>
+            <a:pPr>
+              <a:buNone/>
+            </a:pPr>
+            <a:endParaRPr lang="es-UY" sz="2200" dirty="0" smtClean="0"/>
+          </a:p>
+          <a:p>
+            <a:pPr lvl="1"/>
+            <a:r>
+              <a:rPr lang="es-UY" sz="2000" dirty="0" smtClean="0"/>
+              <a:t>Público general consultado información geográfica</a:t>
+            </a:r>
+          </a:p>
+          <a:p>
+            <a:pPr lvl="1">
+              <a:buNone/>
+            </a:pPr>
+            <a:endParaRPr lang="es-UY" sz="2000" dirty="0" smtClean="0"/>
+          </a:p>
+          <a:p>
+            <a:pPr lvl="1"/>
+            <a:r>
+              <a:rPr lang="es-UY" sz="2000" dirty="0" smtClean="0"/>
+              <a:t>Público especializado consultando información geográfica</a:t>
+            </a:r>
+          </a:p>
+          <a:p>
+            <a:pPr lvl="1">
+              <a:buNone/>
+            </a:pPr>
+            <a:endParaRPr lang="es-UY" sz="2000" dirty="0" smtClean="0"/>
+          </a:p>
+          <a:p>
+            <a:pPr lvl="1"/>
+            <a:r>
+              <a:rPr lang="es-UY" sz="2000" dirty="0" smtClean="0"/>
+              <a:t>Instituciones colaborando en la generación de información geográfica</a:t>
+            </a:r>
+          </a:p>
+          <a:p>
+            <a:pPr lvl="1">
+              <a:buNone/>
+            </a:pPr>
+            <a:endParaRPr lang="es-UY" sz="2000" dirty="0" smtClean="0"/>
+          </a:p>
+          <a:p>
+            <a:pPr lvl="1"/>
+            <a:r>
+              <a:rPr lang="es-UY" sz="2000" dirty="0" smtClean="0"/>
+              <a:t>Instituciones colaborando en trámites</a:t>
+            </a:r>
+          </a:p>
+          <a:p>
+            <a:pPr lvl="1">
+              <a:buNone/>
+            </a:pPr>
+            <a:endParaRPr lang="es-UY" sz="2000" dirty="0" smtClean="0"/>
+          </a:p>
+          <a:p>
+            <a:pPr lvl="1"/>
+            <a:r>
+              <a:rPr lang="es-UY" sz="2000" dirty="0" smtClean="0"/>
+              <a:t>Público generando información geográfica</a:t>
+            </a:r>
+            <a:endParaRPr lang="es-UY" sz="2000" dirty="0"/>
+          </a:p>
+        </p:txBody>
+      </p:sp>
     </p:spTree>
   </p:cSld>
   <p:clrMapOvr>
@@ -5947,7 +5977,7 @@
       </p:grpSpPr>
       <p:sp>
         <p:nvSpPr>
-          <p:cNvPr id="2" name="Title 1"/>
+          <p:cNvPr id="2" name="1 Título"/>
           <p:cNvSpPr>
             <a:spLocks noGrp="1"/>
           </p:cNvSpPr>
@@ -5955,19 +5985,14 @@
             <p:ph type="title"/>
           </p:nvPr>
         </p:nvSpPr>
-        <p:spPr>
-          <a:xfrm>
-            <a:off x="457200" y="274638"/>
-            <a:ext cx="7901014" cy="1143000"/>
-          </a:xfrm>
-        </p:spPr>
+        <p:spPr/>
         <p:txBody>
           <a:bodyPr/>
           <a:lstStyle/>
           <a:p>
             <a:r>
               <a:rPr lang="es-UY" b="1" dirty="0" smtClean="0"/>
-              <a:t>Arquitectura propuesta en la tesis</a:t>
+              <a:t>Análisis</a:t>
             </a:r>
             <a:br>
               <a:rPr lang="es-UY" b="1" dirty="0" smtClean="0"/>
@@ -5976,32 +6001,15 @@
           </a:p>
         </p:txBody>
       </p:sp>
-      <p:sp>
-        <p:nvSpPr>
-          <p:cNvPr id="3" name="Content Placeholder 2"/>
-          <p:cNvSpPr>
-            <a:spLocks noGrp="1"/>
-          </p:cNvSpPr>
-          <p:nvPr>
-            <p:ph sz="quarter" idx="1"/>
-          </p:nvPr>
-        </p:nvSpPr>
-        <p:spPr/>
-        <p:txBody>
-          <a:bodyPr/>
-          <a:lstStyle/>
-          <a:p>
-            <a:endParaRPr lang="es-UY"/>
-          </a:p>
-        </p:txBody>
-      </p:sp>
       <p:pic>
         <p:nvPicPr>
-          <p:cNvPr id="1026" name="Picture 2"/>
+          <p:cNvPr id="3" name="Content Placeholder 2"/>
           <p:cNvPicPr>
-            <a:picLocks noChangeAspect="1" noChangeArrowheads="1"/>
+            <a:picLocks noGrp="1" noChangeAspect="1" noChangeArrowheads="1"/>
           </p:cNvPicPr>
-          <p:nvPr/>
+          <p:nvPr>
+            <p:ph sz="quarter" idx="1"/>
+          </p:nvPr>
         </p:nvPicPr>
         <p:blipFill>
           <a:blip r:embed="rId2" cstate="print"/>
@@ -6012,8 +6020,8 @@
         </p:blipFill>
         <p:spPr bwMode="auto">
           <a:xfrm>
-            <a:off x="355000" y="1368904"/>
-            <a:ext cx="7789863" cy="5353050"/>
+            <a:off x="187600" y="1428736"/>
+            <a:ext cx="7956300" cy="5416365"/>
           </a:xfrm>
           <a:prstGeom prst="rect">
             <a:avLst/>
@@ -6025,6 +6033,7 @@
             <a:headEnd/>
             <a:tailEnd/>
           </a:ln>
+          <a:effectLst/>
         </p:spPr>
       </p:pic>
     </p:spTree>
@@ -6069,14 +6078,19 @@
             <p:ph type="title"/>
           </p:nvPr>
         </p:nvSpPr>
-        <p:spPr/>
+        <p:spPr>
+          <a:xfrm>
+            <a:off x="457200" y="274638"/>
+            <a:ext cx="7901014" cy="1143000"/>
+          </a:xfrm>
+        </p:spPr>
         <p:txBody>
           <a:bodyPr/>
           <a:lstStyle/>
           <a:p>
             <a:r>
               <a:rPr lang="es-UY" b="1" dirty="0" smtClean="0"/>
-              <a:t>Decisiones de diseño</a:t>
+              <a:t>Arquitectura propuesta en la tesis</a:t>
             </a:r>
             <a:br>
               <a:rPr lang="es-UY" b="1" dirty="0" smtClean="0"/>
@@ -6100,91 +6114,42 @@
           <a:bodyPr/>
           <a:lstStyle/>
           <a:p>
-            <a:r>
-              <a:rPr lang="es-UY" sz="2200" dirty="0" smtClean="0"/>
-              <a:t>CTP como servicios y no como librerías</a:t>
-            </a:r>
-          </a:p>
-          <a:p>
-            <a:pPr lvl="1"/>
-            <a:r>
-              <a:rPr lang="es-UY" sz="2000" dirty="0" smtClean="0"/>
-              <a:t>Soporte máximo a clientes geográficos existentes</a:t>
-            </a:r>
-          </a:p>
-          <a:p>
-            <a:pPr lvl="1"/>
-            <a:r>
-              <a:rPr lang="es-UY" sz="2000" dirty="0" smtClean="0"/>
-              <a:t>Bajo acoplamiento con implementaciones y tecnologías.</a:t>
-            </a:r>
-          </a:p>
-          <a:p>
-            <a:endParaRPr lang="es-UY" sz="2000" dirty="0" smtClean="0"/>
-          </a:p>
-          <a:p>
-            <a:r>
-              <a:rPr lang="es-UY" sz="2200" dirty="0" smtClean="0"/>
-              <a:t>CTP </a:t>
-            </a:r>
-            <a:r>
-              <a:rPr lang="es-UY" sz="2200" dirty="0" err="1" smtClean="0"/>
-              <a:t>RestConnector</a:t>
-            </a:r>
-            <a:r>
-              <a:rPr lang="es-UY" sz="2200" dirty="0" smtClean="0"/>
-              <a:t> distribuido en organismos.</a:t>
-            </a:r>
-            <a:endParaRPr lang="es-UY" sz="2000" dirty="0" smtClean="0"/>
-          </a:p>
-          <a:p>
-            <a:pPr lvl="1"/>
-            <a:r>
-              <a:rPr lang="es-UY" sz="2000" dirty="0" smtClean="0"/>
-              <a:t>Mapeo de direcciones físicas y lógicas</a:t>
-            </a:r>
-          </a:p>
-          <a:p>
-            <a:pPr lvl="1"/>
-            <a:r>
-              <a:rPr lang="es-UY" sz="2000" dirty="0" smtClean="0"/>
-              <a:t>Evitar cuello de botella y único punto de falla</a:t>
-            </a:r>
-          </a:p>
-          <a:p>
-            <a:pPr lvl="1"/>
-            <a:r>
-              <a:rPr lang="es-UY" sz="2000" dirty="0" smtClean="0"/>
-              <a:t>Facilitar configuración y mantenimiento</a:t>
-            </a:r>
-          </a:p>
-          <a:p>
-            <a:endParaRPr lang="es-UY" sz="2000" dirty="0" smtClean="0"/>
-          </a:p>
-          <a:p>
-            <a:r>
-              <a:rPr lang="es-UY" sz="2200" dirty="0" smtClean="0"/>
-              <a:t>CTP </a:t>
-            </a:r>
-            <a:r>
-              <a:rPr lang="es-UY" sz="2200" dirty="0" err="1" smtClean="0"/>
-              <a:t>SoapConnector</a:t>
-            </a:r>
-            <a:r>
-              <a:rPr lang="es-UY" sz="2200" dirty="0" smtClean="0"/>
-              <a:t> único por servicio geográfico</a:t>
-            </a:r>
-          </a:p>
-          <a:p>
-            <a:pPr lvl="1"/>
-            <a:r>
-              <a:rPr lang="es-UY" sz="2000" dirty="0" smtClean="0"/>
-              <a:t>Por mapeo de direcciones físicas y lógicas</a:t>
-            </a:r>
-            <a:endParaRPr lang="es-UY" sz="2000" dirty="0"/>
-          </a:p>
-        </p:txBody>
-      </p:sp>
+            <a:endParaRPr lang="es-UY"/>
+          </a:p>
+        </p:txBody>
+      </p:sp>
+      <p:pic>
+        <p:nvPicPr>
+          <p:cNvPr id="1026" name="Picture 2"/>
+          <p:cNvPicPr>
+            <a:picLocks noChangeAspect="1" noChangeArrowheads="1"/>
+          </p:cNvPicPr>
+          <p:nvPr/>
+        </p:nvPicPr>
+        <p:blipFill>
+          <a:blip r:embed="rId2" cstate="print"/>
+          <a:srcRect/>
+          <a:stretch>
+            <a:fillRect/>
+          </a:stretch>
+        </p:blipFill>
+        <p:spPr bwMode="auto">
+          <a:xfrm>
+            <a:off x="355000" y="1368904"/>
+            <a:ext cx="7789863" cy="5353050"/>
+          </a:xfrm>
+          <a:prstGeom prst="rect">
+            <a:avLst/>
+          </a:prstGeom>
+          <a:noFill/>
+          <a:ln w="9525">
+            <a:noFill/>
+            <a:miter lim="800000"/>
+            <a:headEnd/>
+            <a:tailEnd/>
+          </a:ln>
+        </p:spPr>
+      </p:pic>
     </p:spTree>
   </p:cSld>
   <p:clrMapOvr>
@@ -6234,7 +6199,7 @@
           <a:p>
             <a:r>
               <a:rPr lang="es-UY" b="1" dirty="0" smtClean="0"/>
-              <a:t>Arquitectura</a:t>
+              <a:t>Decisiones de diseño</a:t>
             </a:r>
             <a:br>
               <a:rPr lang="es-UY" b="1" dirty="0" smtClean="0"/>
@@ -6258,43 +6223,91 @@
           <a:bodyPr/>
           <a:lstStyle/>
           <a:p>
-            <a:pPr>
-              <a:buNone/>
-            </a:pPr>
-            <a:endParaRPr lang="es-UY" dirty="0"/>
-          </a:p>
-        </p:txBody>
-      </p:sp>
-      <p:pic>
-        <p:nvPicPr>
-          <p:cNvPr id="4" name="Picture 3"/>
-          <p:cNvPicPr/>
-          <p:nvPr/>
-        </p:nvPicPr>
-        <p:blipFill>
-          <a:blip r:embed="rId2" cstate="print"/>
-          <a:srcRect/>
-          <a:stretch>
-            <a:fillRect/>
-          </a:stretch>
-        </p:blipFill>
-        <p:spPr bwMode="auto">
-          <a:xfrm>
-            <a:off x="226720" y="2564904"/>
-            <a:ext cx="8377728" cy="1152128"/>
-          </a:xfrm>
-          <a:prstGeom prst="rect">
-            <a:avLst/>
-          </a:prstGeom>
-          <a:noFill/>
-          <a:ln w="9525">
-            <a:noFill/>
-            <a:miter lim="800000"/>
-            <a:headEnd/>
-            <a:tailEnd/>
-          </a:ln>
-        </p:spPr>
-      </p:pic>
+            <a:r>
+              <a:rPr lang="es-UY" sz="2200" dirty="0" smtClean="0"/>
+              <a:t>CTP como servicios y no como librerías</a:t>
+            </a:r>
+          </a:p>
+          <a:p>
+            <a:pPr lvl="1"/>
+            <a:r>
+              <a:rPr lang="es-UY" sz="2000" dirty="0" smtClean="0"/>
+              <a:t>Soporte máximo a clientes geográficos existentes</a:t>
+            </a:r>
+          </a:p>
+          <a:p>
+            <a:pPr lvl="1"/>
+            <a:r>
+              <a:rPr lang="es-UY" sz="2000" dirty="0" smtClean="0"/>
+              <a:t>Bajo acoplamiento con implementaciones y tecnologías.</a:t>
+            </a:r>
+          </a:p>
+          <a:p>
+            <a:endParaRPr lang="es-UY" sz="2000" dirty="0" smtClean="0"/>
+          </a:p>
+          <a:p>
+            <a:r>
+              <a:rPr lang="es-UY" sz="2200" dirty="0" smtClean="0"/>
+              <a:t>CTP </a:t>
+            </a:r>
+            <a:r>
+              <a:rPr lang="es-UY" sz="2200" dirty="0" err="1" smtClean="0"/>
+              <a:t>RestConnector</a:t>
+            </a:r>
+            <a:r>
+              <a:rPr lang="es-UY" sz="2200" dirty="0" smtClean="0"/>
+              <a:t> distribuido en organismos.</a:t>
+            </a:r>
+            <a:endParaRPr lang="es-UY" sz="2000" dirty="0" smtClean="0"/>
+          </a:p>
+          <a:p>
+            <a:pPr lvl="1"/>
+            <a:r>
+              <a:rPr lang="es-UY" sz="2000" dirty="0" smtClean="0"/>
+              <a:t>Mapeo de direcciones físicas y lógicas</a:t>
+            </a:r>
+          </a:p>
+          <a:p>
+            <a:pPr lvl="1"/>
+            <a:r>
+              <a:rPr lang="es-UY" sz="2000" dirty="0" smtClean="0"/>
+              <a:t>Evitar cuello de botella y único punto de falla</a:t>
+            </a:r>
+          </a:p>
+          <a:p>
+            <a:pPr lvl="1"/>
+            <a:r>
+              <a:rPr lang="es-UY" sz="2000" dirty="0" smtClean="0"/>
+              <a:t>Facilitar configuración y mantenimiento</a:t>
+            </a:r>
+          </a:p>
+          <a:p>
+            <a:endParaRPr lang="es-UY" sz="2000" dirty="0" smtClean="0"/>
+          </a:p>
+          <a:p>
+            <a:r>
+              <a:rPr lang="es-UY" sz="2200" dirty="0" smtClean="0"/>
+              <a:t>CTP </a:t>
+            </a:r>
+            <a:r>
+              <a:rPr lang="es-UY" sz="2200" dirty="0" err="1" smtClean="0"/>
+              <a:t>SoapConnector</a:t>
+            </a:r>
+            <a:r>
+              <a:rPr lang="es-UY" sz="2200" dirty="0" smtClean="0"/>
+              <a:t> único por servicio geográfico</a:t>
+            </a:r>
+          </a:p>
+          <a:p>
+            <a:pPr lvl="1"/>
+            <a:r>
+              <a:rPr lang="es-UY" sz="2000" dirty="0" smtClean="0"/>
+              <a:t>Por mapeo de direcciones físicas y lógicas</a:t>
+            </a:r>
+            <a:endParaRPr lang="es-UY" sz="2000" dirty="0"/>
+          </a:p>
+        </p:txBody>
+      </p:sp>
     </p:spTree>
   </p:cSld>
   <p:clrMapOvr>
@@ -6329,7 +6342,7 @@
       </p:grpSpPr>
       <p:sp>
         <p:nvSpPr>
-          <p:cNvPr id="2" name="1 Título"/>
+          <p:cNvPr id="2" name="Title 1"/>
           <p:cNvSpPr>
             <a:spLocks noGrp="1"/>
           </p:cNvSpPr>
@@ -6344,7 +6357,7 @@
           <a:p>
             <a:r>
               <a:rPr lang="es-UY" b="1" dirty="0" smtClean="0"/>
-              <a:t>Diseño</a:t>
+              <a:t>Arquitectura</a:t>
             </a:r>
             <a:br>
               <a:rPr lang="es-UY" b="1" dirty="0" smtClean="0"/>
@@ -6355,7 +6368,7 @@
       </p:sp>
       <p:sp>
         <p:nvSpPr>
-          <p:cNvPr id="3" name="2 Marcador de contenido"/>
+          <p:cNvPr id="3" name="Content Placeholder 2"/>
           <p:cNvSpPr>
             <a:spLocks noGrp="1"/>
           </p:cNvSpPr>
@@ -6367,29 +6380,18 @@
         <p:txBody>
           <a:bodyPr/>
           <a:lstStyle/>
-          <a:p>
-            <a:r>
-              <a:rPr lang="es-UY" sz="2200" dirty="0" smtClean="0"/>
-              <a:t>Organismo cliente</a:t>
-            </a:r>
-          </a:p>
           <a:p>
             <a:pPr>
               <a:buNone/>
             </a:pPr>
-            <a:endParaRPr lang="es-UY" sz="2200" dirty="0" smtClean="0"/>
-          </a:p>
-          <a:p>
-            <a:endParaRPr lang="es-UY" sz="2000" dirty="0"/>
+            <a:endParaRPr lang="es-UY" dirty="0"/>
           </a:p>
         </p:txBody>
       </p:sp>
       <p:pic>
         <p:nvPicPr>
-          <p:cNvPr id="2050" name="Picture 2"/>
-          <p:cNvPicPr>
-            <a:picLocks noChangeAspect="1" noChangeArrowheads="1"/>
-          </p:cNvPicPr>
+          <p:cNvPr id="4" name="Picture 3"/>
+          <p:cNvPicPr/>
           <p:nvPr/>
         </p:nvPicPr>
         <p:blipFill>
@@ -6401,8 +6403,8 @@
         </p:blipFill>
         <p:spPr bwMode="auto">
           <a:xfrm>
-            <a:off x="214282" y="2337872"/>
-            <a:ext cx="7917552" cy="4000528"/>
+            <a:off x="226720" y="2564904"/>
+            <a:ext cx="8377728" cy="1152128"/>
           </a:xfrm>
           <a:prstGeom prst="rect">
             <a:avLst/>
@@ -6414,7 +6416,6 @@
             <a:headEnd/>
             <a:tailEnd/>
           </a:ln>
-          <a:effectLst/>
         </p:spPr>
       </p:pic>
     </p:spTree>
@@ -6492,7 +6493,7 @@
           <a:p>
             <a:r>
               <a:rPr lang="es-UY" sz="2200" dirty="0" smtClean="0"/>
-              <a:t>Público general</a:t>
+              <a:t>Organismo cliente</a:t>
             </a:r>
           </a:p>
           <a:p>
@@ -6508,7 +6509,7 @@
       </p:sp>
       <p:pic>
         <p:nvPicPr>
-          <p:cNvPr id="1026" name="Picture 2"/>
+          <p:cNvPr id="2050" name="Picture 2"/>
           <p:cNvPicPr>
             <a:picLocks noChangeAspect="1" noChangeArrowheads="1"/>
           </p:cNvPicPr>
@@ -6523,8 +6524,8 @@
         </p:blipFill>
         <p:spPr bwMode="auto">
           <a:xfrm>
-            <a:off x="160205" y="2058708"/>
-            <a:ext cx="7940695" cy="4370688"/>
+            <a:off x="214282" y="2337872"/>
+            <a:ext cx="7917552" cy="4000528"/>
           </a:xfrm>
           <a:prstGeom prst="rect">
             <a:avLst/>
@@ -6588,7 +6589,7 @@
           <a:p>
             <a:r>
               <a:rPr lang="es-UY" b="1" dirty="0" smtClean="0"/>
-              <a:t>Tecnologías</a:t>
+              <a:t>Diseño</a:t>
             </a:r>
             <a:br>
               <a:rPr lang="es-UY" b="1" dirty="0" smtClean="0"/>
@@ -6612,104 +6613,55 @@
           <a:bodyPr/>
           <a:lstStyle/>
           <a:p>
+            <a:r>
+              <a:rPr lang="es-UY" sz="2200" dirty="0" smtClean="0"/>
+              <a:t>Público general</a:t>
+            </a:r>
+          </a:p>
+          <a:p>
             <a:pPr>
               <a:buNone/>
             </a:pPr>
             <a:endParaRPr lang="es-UY" sz="2200" dirty="0" smtClean="0"/>
           </a:p>
           <a:p>
-            <a:r>
-              <a:rPr lang="es-UY" sz="2200" dirty="0" smtClean="0"/>
-              <a:t>Servidores geográficos</a:t>
-            </a:r>
-          </a:p>
-          <a:p>
-            <a:pPr lvl="1"/>
-            <a:r>
-              <a:rPr lang="es-UY" sz="2000" dirty="0" err="1" smtClean="0"/>
-              <a:t>Geoserver</a:t>
-            </a:r>
-            <a:endParaRPr lang="es-UY" sz="2000" dirty="0" smtClean="0"/>
-          </a:p>
-          <a:p>
-            <a:pPr lvl="1"/>
-            <a:r>
-              <a:rPr lang="es-UY" sz="2000" dirty="0" err="1" smtClean="0"/>
-              <a:t>Mapserver</a:t>
-            </a:r>
-            <a:endParaRPr lang="es-UY" sz="2000" dirty="0" smtClean="0"/>
-          </a:p>
-          <a:p>
-            <a:pPr>
-              <a:buNone/>
-            </a:pPr>
-            <a:endParaRPr lang="es-UY" sz="2200" dirty="0" smtClean="0"/>
-          </a:p>
-          <a:p>
-            <a:r>
-              <a:rPr lang="es-UY" sz="2200" dirty="0" err="1" smtClean="0"/>
-              <a:t>Jboss</a:t>
-            </a:r>
-            <a:r>
-              <a:rPr lang="es-UY" sz="2200" dirty="0" smtClean="0"/>
-              <a:t> ESB 4.9</a:t>
-            </a:r>
-          </a:p>
-          <a:p>
-            <a:pPr>
-              <a:buNone/>
-            </a:pPr>
-            <a:endParaRPr lang="es-UY" sz="2200" dirty="0" smtClean="0"/>
-          </a:p>
-          <a:p>
-            <a:r>
-              <a:rPr lang="es-UY" sz="2200" dirty="0" smtClean="0"/>
-              <a:t>Plataforma de </a:t>
-            </a:r>
-            <a:r>
-              <a:rPr lang="es-UY" sz="2200" dirty="0" err="1" smtClean="0"/>
-              <a:t>eGob</a:t>
-            </a:r>
-            <a:r>
-              <a:rPr lang="es-UY" sz="2200" dirty="0" smtClean="0"/>
-              <a:t> de Uruguay</a:t>
-            </a:r>
-          </a:p>
-          <a:p>
-            <a:pPr>
-              <a:buNone/>
-            </a:pPr>
-            <a:endParaRPr lang="es-UY" sz="2200" dirty="0" smtClean="0"/>
-          </a:p>
-          <a:p>
-            <a:r>
-              <a:rPr lang="es-UY" sz="2200" dirty="0" err="1" smtClean="0"/>
-              <a:t>Postgres</a:t>
-            </a:r>
-            <a:r>
-              <a:rPr lang="es-UY" sz="2200" dirty="0" smtClean="0"/>
-              <a:t> / </a:t>
-            </a:r>
-            <a:r>
-              <a:rPr lang="es-UY" sz="2200" dirty="0" err="1" smtClean="0"/>
-              <a:t>Postgis</a:t>
-            </a:r>
-            <a:endParaRPr lang="es-UY" sz="2200" dirty="0" smtClean="0"/>
-          </a:p>
-          <a:p>
-            <a:pPr>
-              <a:buNone/>
-            </a:pPr>
-            <a:endParaRPr lang="es-UY" sz="2200" dirty="0" smtClean="0"/>
-          </a:p>
-          <a:p>
-            <a:pPr lvl="1">
-              <a:buNone/>
-            </a:pPr>
-            <a:endParaRPr lang="es-UY" dirty="0"/>
-          </a:p>
-        </p:txBody>
-      </p:sp>
+            <a:endParaRPr lang="es-UY" sz="2000" dirty="0"/>
+          </a:p>
+        </p:txBody>
+      </p:sp>
+      <p:pic>
+        <p:nvPicPr>
+          <p:cNvPr id="1026" name="Picture 2"/>
+          <p:cNvPicPr>
+            <a:picLocks noChangeAspect="1" noChangeArrowheads="1"/>
+          </p:cNvPicPr>
+          <p:nvPr/>
+        </p:nvPicPr>
+        <p:blipFill>
+          <a:blip r:embed="rId2" cstate="print"/>
+          <a:srcRect/>
+          <a:stretch>
+            <a:fillRect/>
+          </a:stretch>
+        </p:blipFill>
+        <p:spPr bwMode="auto">
+          <a:xfrm>
+            <a:off x="160205" y="2058708"/>
+            <a:ext cx="7940695" cy="4370688"/>
+          </a:xfrm>
+          <a:prstGeom prst="rect">
+            <a:avLst/>
+          </a:prstGeom>
+          <a:noFill/>
+          <a:ln w="9525">
+            <a:noFill/>
+            <a:miter lim="800000"/>
+            <a:headEnd/>
+            <a:tailEnd/>
+          </a:ln>
+          <a:effectLst/>
+        </p:spPr>
+      </p:pic>
     </p:spTree>
   </p:cSld>
   <p:clrMapOvr>
@@ -6759,7 +6711,7 @@
           <a:p>
             <a:r>
               <a:rPr lang="es-UY" b="1" dirty="0" smtClean="0"/>
-              <a:t>Estado Actual</a:t>
+              <a:t>Tecnologías</a:t>
             </a:r>
             <a:br>
               <a:rPr lang="es-UY" b="1" dirty="0" smtClean="0"/>
@@ -6780,90 +6732,123 @@
         </p:nvSpPr>
         <p:spPr/>
         <p:txBody>
-          <a:bodyPr>
-            <a:normAutofit/>
-          </a:bodyPr>
-          <a:lstStyle/>
-          <a:p>
-            <a:r>
-              <a:rPr lang="es-UY" sz="2200" smtClean="0"/>
-              <a:t>Implementación</a:t>
-            </a:r>
-            <a:endParaRPr lang="es-UY" sz="2200" dirty="0" smtClean="0"/>
+          <a:bodyPr/>
+          <a:lstStyle/>
+          <a:p>
+            <a:r>
+              <a:rPr lang="es-UY" sz="2200" dirty="0" smtClean="0"/>
+              <a:t>Servidores geográficos</a:t>
+            </a:r>
           </a:p>
           <a:p>
             <a:pPr lvl="1"/>
             <a:r>
+              <a:rPr lang="es-UY" sz="2000" dirty="0" err="1" smtClean="0"/>
+              <a:t>Geoserver</a:t>
+            </a:r>
+            <a:r>
               <a:rPr lang="es-UY" sz="2000" dirty="0" smtClean="0"/>
-              <a:t>Flujo Organismo cliente – PGE – Organismo proveedor</a:t>
+              <a:t> 2.5</a:t>
             </a:r>
           </a:p>
           <a:p>
             <a:pPr lvl="1"/>
             <a:r>
+              <a:rPr lang="es-UY" sz="2000" dirty="0" err="1" smtClean="0"/>
+              <a:t>Mapserver</a:t>
+            </a:r>
+            <a:r>
               <a:rPr lang="es-UY" sz="2000" dirty="0" smtClean="0"/>
-              <a:t>Flujo Público general – PGE – Organismo proveedor</a:t>
+              <a:t> 3.0.6</a:t>
+            </a:r>
+          </a:p>
+          <a:p>
+            <a:r>
+              <a:rPr lang="es-UY" sz="2200" dirty="0" err="1" smtClean="0"/>
+              <a:t>Jboss</a:t>
+            </a:r>
+            <a:r>
+              <a:rPr lang="es-UY" sz="2200" dirty="0" smtClean="0"/>
+              <a:t> ESB 4.9</a:t>
+            </a:r>
+          </a:p>
+          <a:p>
+            <a:r>
+              <a:rPr lang="es-UY" sz="2200" dirty="0" smtClean="0"/>
+              <a:t>Plataforma de </a:t>
+            </a:r>
+            <a:r>
+              <a:rPr lang="es-UY" sz="2200" dirty="0" err="1" smtClean="0"/>
+              <a:t>eGob</a:t>
+            </a:r>
+            <a:r>
+              <a:rPr lang="es-UY" sz="2200" dirty="0" smtClean="0"/>
+              <a:t> de Uruguay</a:t>
+            </a:r>
+          </a:p>
+          <a:p>
+            <a:r>
+              <a:rPr lang="es-UY" sz="2200" dirty="0" err="1" smtClean="0"/>
+              <a:t>PostgreSQL</a:t>
+            </a:r>
+            <a:r>
+              <a:rPr lang="es-UY" sz="2200" dirty="0" smtClean="0"/>
+              <a:t> 9.3 / </a:t>
+            </a:r>
+            <a:r>
+              <a:rPr lang="es-UY" sz="2200" dirty="0" err="1" smtClean="0"/>
+              <a:t>Postgis</a:t>
+            </a:r>
+            <a:r>
+              <a:rPr lang="es-UY" sz="2200" dirty="0" smtClean="0"/>
+              <a:t> 2.1.3</a:t>
+            </a:r>
+          </a:p>
+          <a:p>
+            <a:r>
+              <a:rPr lang="es-UY" sz="2200" dirty="0" smtClean="0"/>
+              <a:t>Aplicaciones GIS de escritorio</a:t>
             </a:r>
           </a:p>
           <a:p>
             <a:pPr lvl="1"/>
             <a:r>
+              <a:rPr lang="es-UY" sz="2000" dirty="0" smtClean="0"/>
+              <a:t>Quantum GIS Desktop 2.6.1</a:t>
+            </a:r>
+          </a:p>
+          <a:p>
+            <a:pPr lvl="1"/>
+            <a:r>
               <a:rPr lang="es-UY" sz="2000" dirty="0" err="1" smtClean="0"/>
-              <a:t>getMap</a:t>
+              <a:t>gvSIG</a:t>
             </a:r>
             <a:r>
               <a:rPr lang="es-UY" sz="2000" dirty="0" smtClean="0"/>
-              <a:t> y </a:t>
-            </a:r>
-            <a:r>
-              <a:rPr lang="es-UY" sz="2000" dirty="0" err="1" smtClean="0"/>
-              <a:t>getFeatureInfo</a:t>
-            </a:r>
-            <a:r>
-              <a:rPr lang="es-UY" sz="2000" dirty="0" smtClean="0"/>
-              <a:t> </a:t>
+              <a:t> Desktop 1.12.0</a:t>
+            </a:r>
+          </a:p>
+          <a:p>
+            <a:r>
+              <a:rPr lang="es-UY" sz="2200" dirty="0" smtClean="0"/>
+              <a:t>OpenLayers-2.13</a:t>
+            </a:r>
+          </a:p>
+          <a:p>
+            <a:r>
+              <a:rPr lang="es-UY" sz="2200" dirty="0" err="1" smtClean="0"/>
+              <a:t>Grails</a:t>
+            </a:r>
+            <a:r>
+              <a:rPr lang="es-UY" sz="2200" dirty="0" smtClean="0"/>
+              <a:t> 2.4.3</a:t>
             </a:r>
           </a:p>
           <a:p>
             <a:pPr lvl="1">
               <a:buNone/>
             </a:pPr>
-            <a:endParaRPr lang="es-UY" sz="2200" dirty="0" smtClean="0"/>
-          </a:p>
-          <a:p>
-            <a:r>
-              <a:rPr lang="es-UY" sz="2200" dirty="0" smtClean="0"/>
-              <a:t>Documentación</a:t>
-            </a:r>
-          </a:p>
-          <a:p>
-            <a:pPr lvl="1"/>
-            <a:r>
-              <a:rPr lang="es-UY" sz="2000" dirty="0" smtClean="0"/>
-              <a:t>Casos de uso</a:t>
-            </a:r>
-          </a:p>
-          <a:p>
-            <a:pPr lvl="1"/>
-            <a:r>
-              <a:rPr lang="es-UY" sz="2000" dirty="0" smtClean="0"/>
-              <a:t>Arquitectura</a:t>
-            </a:r>
-          </a:p>
-          <a:p>
-            <a:pPr lvl="1"/>
-            <a:r>
-              <a:rPr lang="es-UY" sz="2000" dirty="0" smtClean="0"/>
-              <a:t>Documento principal</a:t>
-            </a:r>
-          </a:p>
-          <a:p>
-            <a:pPr lvl="1"/>
-            <a:endParaRPr lang="es-UY" sz="2000" dirty="0" smtClean="0"/>
-          </a:p>
-          <a:p>
-            <a:pPr lvl="1"/>
-            <a:endParaRPr lang="es-UY" sz="2200" dirty="0"/>
+            <a:endParaRPr lang="es-UY" dirty="0"/>
           </a:p>
         </p:txBody>
       </p:sp>
@@ -6938,7 +6923,7 @@
         <p:spPr/>
         <p:txBody>
           <a:bodyPr>
-            <a:normAutofit fontScale="92500" lnSpcReduction="20000"/>
+            <a:normAutofit/>
           </a:bodyPr>
           <a:lstStyle/>
           <a:p>
@@ -6948,60 +6933,81 @@
             </a:r>
           </a:p>
           <a:p>
-            <a:endParaRPr lang="es-UY" dirty="0" smtClean="0"/>
-          </a:p>
-          <a:p>
             <a:r>
               <a:rPr lang="es-UY" dirty="0" smtClean="0"/>
               <a:t>Objetivos</a:t>
             </a:r>
           </a:p>
           <a:p>
-            <a:endParaRPr lang="es-UY" dirty="0" smtClean="0"/>
-          </a:p>
-          <a:p>
             <a:r>
               <a:rPr lang="es-UY" dirty="0" smtClean="0"/>
               <a:t>Estudio Inicial</a:t>
             </a:r>
           </a:p>
           <a:p>
-            <a:endParaRPr lang="es-UY" dirty="0" smtClean="0"/>
-          </a:p>
-          <a:p>
             <a:r>
               <a:rPr lang="es-UY" dirty="0" smtClean="0"/>
               <a:t>Análisis y Diseño</a:t>
             </a:r>
           </a:p>
           <a:p>
-            <a:endParaRPr lang="es-UY" dirty="0" smtClean="0"/>
-          </a:p>
-          <a:p>
             <a:r>
               <a:rPr lang="es-UY" dirty="0" smtClean="0"/>
               <a:t>Tecnologías</a:t>
             </a:r>
           </a:p>
           <a:p>
-            <a:endParaRPr lang="es-UY" dirty="0" smtClean="0"/>
-          </a:p>
-          <a:p>
             <a:r>
               <a:rPr lang="es-UY" dirty="0" smtClean="0"/>
-              <a:t>Estado Actual</a:t>
-            </a:r>
-          </a:p>
-          <a:p>
-            <a:endParaRPr lang="es-UY" dirty="0" smtClean="0"/>
+              <a:t>Decisiones de Implementación</a:t>
+            </a:r>
           </a:p>
           <a:p>
             <a:r>
               <a:rPr lang="es-UY" dirty="0" smtClean="0"/>
-              <a:t>Planificación al Cierre</a:t>
-            </a:r>
-          </a:p>
-          <a:p>
+              <a:t>Caso de Estudio </a:t>
+            </a:r>
+            <a:r>
+              <a:rPr lang="es-UY" dirty="0" smtClean="0">
+                <a:solidFill>
+                  <a:srgbClr val="FF0000"/>
+                </a:solidFill>
+              </a:rPr>
+              <a:t>Ver si en este </a:t>
+            </a:r>
+            <a:r>
+              <a:rPr lang="es-UY" dirty="0" err="1" smtClean="0">
+                <a:solidFill>
+                  <a:srgbClr val="FF0000"/>
+                </a:solidFill>
+              </a:rPr>
+              <a:t>pto</a:t>
+            </a:r>
+            <a:r>
+              <a:rPr lang="es-UY" dirty="0" smtClean="0">
+                <a:solidFill>
+                  <a:srgbClr val="FF0000"/>
+                </a:solidFill>
+              </a:rPr>
+              <a:t>. o al final</a:t>
+            </a:r>
+          </a:p>
+          <a:p>
+            <a:r>
+              <a:rPr lang="es-UY" dirty="0" smtClean="0"/>
+              <a:t>Conclusión</a:t>
+            </a:r>
+          </a:p>
+          <a:p>
+            <a:r>
+              <a:rPr lang="es-UY" dirty="0" smtClean="0"/>
+              <a:t>Trabajos a Futuro</a:t>
+            </a:r>
+          </a:p>
+          <a:p>
+            <a:pPr>
+              <a:buNone/>
+            </a:pPr>
             <a:endParaRPr lang="es-UY" dirty="0" smtClean="0"/>
           </a:p>
           <a:p>
@@ -7062,15 +7068,17 @@
         </p:nvSpPr>
         <p:spPr/>
         <p:txBody>
-          <a:bodyPr/>
-          <a:lstStyle/>
-          <a:p>
-            <a:r>
-              <a:rPr lang="es-UY" b="1" dirty="0" smtClean="0"/>
-              <a:t>Planificación al cierre</a:t>
+          <a:bodyPr>
+            <a:normAutofit/>
+          </a:bodyPr>
+          <a:lstStyle/>
+          <a:p>
+            <a:r>
+              <a:rPr lang="es-UY" dirty="0" smtClean="0"/>
+              <a:t>Decisiones de implementación</a:t>
             </a:r>
             <a:br>
-              <a:rPr lang="es-UY" b="1" dirty="0" smtClean="0"/>
+              <a:rPr lang="es-UY" dirty="0" smtClean="0"/>
             </a:br>
             <a:endParaRPr lang="es-UY" b="1" dirty="0"/>
           </a:p>
@@ -7089,121 +7097,24 @@
         <p:spPr/>
         <p:txBody>
           <a:bodyPr>
-            <a:normAutofit lnSpcReduction="10000"/>
+            <a:normAutofit/>
           </a:bodyPr>
           <a:lstStyle/>
           <a:p>
-            <a:r>
-              <a:rPr lang="es-UY" sz="2200" dirty="0" smtClean="0"/>
-              <a:t>Integración con STS (2 </a:t>
-            </a:r>
-            <a:r>
-              <a:rPr lang="es-UY" sz="2200" dirty="0" err="1" smtClean="0"/>
-              <a:t>sem</a:t>
-            </a:r>
-            <a:r>
-              <a:rPr lang="es-UY" sz="2200" dirty="0" smtClean="0"/>
-              <a:t>.)</a:t>
-            </a:r>
-          </a:p>
-          <a:p>
-            <a:pPr>
+            <a:pPr lvl="1">
               <a:buNone/>
             </a:pPr>
-            <a:endParaRPr lang="es-UY" sz="2200" dirty="0" smtClean="0"/>
-          </a:p>
-          <a:p>
-            <a:r>
-              <a:rPr lang="es-UY" sz="2200" dirty="0" smtClean="0"/>
-              <a:t>Manejo de excepciones (1 </a:t>
-            </a:r>
-            <a:r>
-              <a:rPr lang="es-UY" sz="2200" dirty="0" err="1" smtClean="0"/>
-              <a:t>sem</a:t>
-            </a:r>
-            <a:r>
-              <a:rPr lang="es-UY" sz="2200" dirty="0" smtClean="0"/>
-              <a:t>.)</a:t>
-            </a:r>
-          </a:p>
-          <a:p>
-            <a:endParaRPr lang="es-UY" sz="2200" dirty="0" smtClean="0"/>
-          </a:p>
-          <a:p>
-            <a:r>
-              <a:rPr lang="es-UY" sz="2200" dirty="0" smtClean="0"/>
-              <a:t>Evaluar opciones de asincronismo (1 </a:t>
-            </a:r>
-            <a:r>
-              <a:rPr lang="es-UY" sz="2200" dirty="0" err="1" smtClean="0"/>
-              <a:t>sem</a:t>
-            </a:r>
-            <a:r>
-              <a:rPr lang="es-UY" sz="2200" dirty="0" smtClean="0"/>
-              <a:t>.)</a:t>
-            </a:r>
-          </a:p>
-          <a:p>
-            <a:pPr>
-              <a:buNone/>
-            </a:pPr>
-            <a:endParaRPr lang="es-UY" sz="2200" dirty="0" smtClean="0"/>
-          </a:p>
-          <a:p>
-            <a:r>
-              <a:rPr lang="es-UY" sz="2200" dirty="0" smtClean="0"/>
-              <a:t>Completar prueba de estándares WMS y WFS (2 </a:t>
-            </a:r>
-            <a:r>
-              <a:rPr lang="es-UY" sz="2200" dirty="0" err="1" smtClean="0"/>
-              <a:t>sem</a:t>
-            </a:r>
-            <a:r>
-              <a:rPr lang="es-UY" sz="2200" dirty="0" smtClean="0"/>
-              <a:t>.)</a:t>
-            </a:r>
-          </a:p>
-          <a:p>
-            <a:pPr>
-              <a:buNone/>
-            </a:pPr>
-            <a:endParaRPr lang="es-UY" sz="2200" dirty="0" smtClean="0"/>
-          </a:p>
-          <a:p>
-            <a:r>
-              <a:rPr lang="es-UY" sz="2200" dirty="0" smtClean="0"/>
-              <a:t>Diseñar caso de estudio (1 </a:t>
-            </a:r>
-            <a:r>
-              <a:rPr lang="es-UY" sz="2200" dirty="0" err="1" smtClean="0"/>
-              <a:t>sem</a:t>
-            </a:r>
-            <a:r>
-              <a:rPr lang="es-UY" sz="2200" dirty="0" smtClean="0"/>
-              <a:t>.)</a:t>
-            </a:r>
-          </a:p>
-          <a:p>
-            <a:pPr>
-              <a:buNone/>
-            </a:pPr>
-            <a:endParaRPr lang="es-UY" sz="2200" dirty="0" smtClean="0"/>
-          </a:p>
-          <a:p>
-            <a:r>
-              <a:rPr lang="es-UY" sz="2200" dirty="0" smtClean="0"/>
-              <a:t>Finalizar documento principal (2 </a:t>
-            </a:r>
-            <a:r>
-              <a:rPr lang="es-UY" sz="2200" dirty="0" err="1" smtClean="0"/>
-              <a:t>sem</a:t>
-            </a:r>
-            <a:r>
-              <a:rPr lang="es-UY" sz="2200" dirty="0" smtClean="0"/>
-              <a:t>.)</a:t>
-            </a:r>
-          </a:p>
-          <a:p>
+            <a:r>
+              <a:rPr lang="es-UY" sz="2000" dirty="0" smtClean="0">
+                <a:solidFill>
+                  <a:srgbClr val="FF0000"/>
+                </a:solidFill>
+              </a:rPr>
+              <a:t>TERMINAR</a:t>
+            </a:r>
+          </a:p>
+          <a:p>
+            <a:pPr lvl="1"/>
             <a:endParaRPr lang="es-UY" sz="2200" dirty="0"/>
           </a:p>
         </p:txBody>
@@ -7242,7 +7153,7 @@
       </p:grpSpPr>
       <p:sp>
         <p:nvSpPr>
-          <p:cNvPr id="2" name="Title 1"/>
+          <p:cNvPr id="2" name="1 Título"/>
           <p:cNvSpPr>
             <a:spLocks noGrp="1"/>
           </p:cNvSpPr>
@@ -7252,41 +7163,88 @@
         </p:nvSpPr>
         <p:spPr/>
         <p:txBody>
-          <a:bodyPr/>
-          <a:lstStyle/>
-          <a:p>
-            <a:r>
-              <a:rPr lang="es-UY" b="1" dirty="0" smtClean="0"/>
-              <a:t>Gantt</a:t>
+          <a:bodyPr>
+            <a:normAutofit/>
+          </a:bodyPr>
+          <a:lstStyle/>
+          <a:p>
+            <a:r>
+              <a:rPr lang="es-UY" dirty="0" smtClean="0"/>
+              <a:t>Caso de estudio</a:t>
             </a:r>
             <a:br>
-              <a:rPr lang="es-UY" b="1" dirty="0" smtClean="0"/>
+              <a:rPr lang="es-UY" dirty="0" smtClean="0"/>
             </a:br>
-            <a:endParaRPr lang="es-UY" b="1" dirty="0" smtClean="0"/>
+            <a:endParaRPr lang="es-UY" b="1" dirty="0"/>
           </a:p>
         </p:txBody>
       </p:sp>
       <p:pic>
         <p:nvPicPr>
-          <p:cNvPr id="4" name="Content Placeholder 3" descr="Gantt Project.png"/>
+          <p:cNvPr id="1027" name="Picture 3"/>
           <p:cNvPicPr>
-            <a:picLocks noGrp="1" noChangeAspect="1"/>
+            <a:picLocks noChangeAspect="1" noChangeArrowheads="1"/>
           </p:cNvPicPr>
-          <p:nvPr>
-            <p:ph sz="quarter" idx="1"/>
-          </p:nvPr>
+          <p:nvPr/>
         </p:nvPicPr>
         <p:blipFill>
-          <a:blip r:embed="rId2" cstate="print"/>
+          <a:blip r:embed="rId2"/>
+          <a:srcRect/>
           <a:stretch>
             <a:fillRect/>
           </a:stretch>
         </p:blipFill>
-        <p:spPr>
-          <a:xfrm>
-            <a:off x="251520" y="2348880"/>
-            <a:ext cx="8294553" cy="2529383"/>
-          </a:xfrm>
+        <p:spPr bwMode="auto">
+          <a:xfrm>
+            <a:off x="500034" y="2143116"/>
+            <a:ext cx="7439048" cy="733425"/>
+          </a:xfrm>
+          <a:prstGeom prst="rect">
+            <a:avLst/>
+          </a:prstGeom>
+          <a:noFill/>
+          <a:ln w="9525">
+            <a:noFill/>
+            <a:miter lim="800000"/>
+            <a:headEnd/>
+            <a:tailEnd/>
+          </a:ln>
+          <a:effectLst/>
+        </p:spPr>
+      </p:pic>
+      <p:pic>
+        <p:nvPicPr>
+          <p:cNvPr id="1028" name="Picture 4"/>
+          <p:cNvPicPr>
+            <a:picLocks noGrp="1" noChangeAspect="1" noChangeArrowheads="1"/>
+          </p:cNvPicPr>
+          <p:nvPr>
+            <p:ph sz="quarter" idx="1"/>
+          </p:nvPr>
+        </p:nvPicPr>
+        <p:blipFill>
+          <a:blip r:embed="rId3"/>
+          <a:srcRect/>
+          <a:stretch>
+            <a:fillRect/>
+          </a:stretch>
+        </p:blipFill>
+        <p:spPr bwMode="auto">
+          <a:xfrm>
+            <a:off x="2071670" y="3929066"/>
+            <a:ext cx="4419600" cy="1209675"/>
+          </a:xfrm>
+          <a:prstGeom prst="rect">
+            <a:avLst/>
+          </a:prstGeom>
+          <a:noFill/>
+          <a:ln w="9525">
+            <a:noFill/>
+            <a:miter lim="800000"/>
+            <a:headEnd/>
+            <a:tailEnd/>
+          </a:ln>
+          <a:effectLst/>
         </p:spPr>
       </p:pic>
     </p:spTree>
@@ -7305,6 +7263,715 @@
 </file>
 
 <file path=ppt/slides/slide22.xml><?xml version="1.0" encoding="utf-8"?>
+<p:sld xmlns:a="http://schemas.openxmlformats.org/drawingml/2006/main" xmlns:r="http://schemas.openxmlformats.org/officeDocument/2006/relationships" xmlns:p="http://schemas.openxmlformats.org/presentationml/2006/main">
+  <p:cSld>
+    <p:spTree>
+      <p:nvGrpSpPr>
+        <p:cNvPr id="1" name=""/>
+        <p:cNvGrpSpPr/>
+        <p:nvPr/>
+      </p:nvGrpSpPr>
+      <p:grpSpPr>
+        <a:xfrm>
+          <a:off x="0" y="0"/>
+          <a:ext cx="0" cy="0"/>
+          <a:chOff x="0" y="0"/>
+          <a:chExt cx="0" cy="0"/>
+        </a:xfrm>
+      </p:grpSpPr>
+      <p:sp>
+        <p:nvSpPr>
+          <p:cNvPr id="2" name="1 Título"/>
+          <p:cNvSpPr>
+            <a:spLocks noGrp="1"/>
+          </p:cNvSpPr>
+          <p:nvPr>
+            <p:ph type="title"/>
+          </p:nvPr>
+        </p:nvSpPr>
+        <p:spPr/>
+        <p:txBody>
+          <a:bodyPr>
+            <a:normAutofit/>
+          </a:bodyPr>
+          <a:lstStyle/>
+          <a:p>
+            <a:r>
+              <a:rPr lang="es-UY" dirty="0" smtClean="0"/>
+              <a:t>Caso de estudio</a:t>
+            </a:r>
+            <a:br>
+              <a:rPr lang="es-UY" dirty="0" smtClean="0"/>
+            </a:br>
+            <a:endParaRPr lang="es-UY" b="1" dirty="0"/>
+          </a:p>
+        </p:txBody>
+      </p:sp>
+      <p:sp>
+        <p:nvSpPr>
+          <p:cNvPr id="5" name="4 Marcador de contenido"/>
+          <p:cNvSpPr>
+            <a:spLocks noGrp="1"/>
+          </p:cNvSpPr>
+          <p:nvPr>
+            <p:ph sz="quarter" idx="1"/>
+          </p:nvPr>
+        </p:nvSpPr>
+        <p:spPr>
+          <a:xfrm>
+            <a:off x="457200" y="1357298"/>
+            <a:ext cx="7467600" cy="5116654"/>
+          </a:xfrm>
+        </p:spPr>
+        <p:txBody>
+          <a:bodyPr/>
+          <a:lstStyle/>
+          <a:p>
+            <a:r>
+              <a:rPr lang="es-UY" sz="2200" dirty="0" smtClean="0"/>
+              <a:t>Escenario 1: </a:t>
+            </a:r>
+            <a:r>
+              <a:rPr lang="es-ES" sz="2200" dirty="0" smtClean="0"/>
+              <a:t>Público general accediendo a información geográfica</a:t>
+            </a:r>
+            <a:endParaRPr lang="es-UY" sz="2200" dirty="0" smtClean="0"/>
+          </a:p>
+          <a:p>
+            <a:endParaRPr lang="es-UY" sz="2200" dirty="0" smtClean="0"/>
+          </a:p>
+          <a:p>
+            <a:endParaRPr lang="es-UY" sz="2200" dirty="0"/>
+          </a:p>
+        </p:txBody>
+      </p:sp>
+      <p:pic>
+        <p:nvPicPr>
+          <p:cNvPr id="6" name="Picture 28" descr="CE-Escenario 1.png"/>
+          <p:cNvPicPr/>
+          <p:nvPr/>
+        </p:nvPicPr>
+        <p:blipFill>
+          <a:blip r:embed="rId2" cstate="print"/>
+          <a:stretch>
+            <a:fillRect/>
+          </a:stretch>
+        </p:blipFill>
+        <p:spPr>
+          <a:xfrm>
+            <a:off x="726220" y="2469974"/>
+            <a:ext cx="7215238" cy="3500462"/>
+          </a:xfrm>
+          <a:prstGeom prst="rect">
+            <a:avLst/>
+          </a:prstGeom>
+        </p:spPr>
+      </p:pic>
+    </p:spTree>
+  </p:cSld>
+  <p:clrMapOvr>
+    <a:masterClrMapping/>
+  </p:clrMapOvr>
+  <p:timing>
+    <p:tnLst>
+      <p:par>
+        <p:cTn id="1" dur="indefinite" restart="never" nodeType="tmRoot"/>
+      </p:par>
+    </p:tnLst>
+  </p:timing>
+</p:sld>
+</file>
+
+<file path=ppt/slides/slide23.xml><?xml version="1.0" encoding="utf-8"?>
+<p:sld xmlns:a="http://schemas.openxmlformats.org/drawingml/2006/main" xmlns:r="http://schemas.openxmlformats.org/officeDocument/2006/relationships" xmlns:p="http://schemas.openxmlformats.org/presentationml/2006/main">
+  <p:cSld>
+    <p:spTree>
+      <p:nvGrpSpPr>
+        <p:cNvPr id="1" name=""/>
+        <p:cNvGrpSpPr/>
+        <p:nvPr/>
+      </p:nvGrpSpPr>
+      <p:grpSpPr>
+        <a:xfrm>
+          <a:off x="0" y="0"/>
+          <a:ext cx="0" cy="0"/>
+          <a:chOff x="0" y="0"/>
+          <a:chExt cx="0" cy="0"/>
+        </a:xfrm>
+      </p:grpSpPr>
+      <p:sp>
+        <p:nvSpPr>
+          <p:cNvPr id="2" name="1 Título"/>
+          <p:cNvSpPr>
+            <a:spLocks noGrp="1"/>
+          </p:cNvSpPr>
+          <p:nvPr>
+            <p:ph type="title"/>
+          </p:nvPr>
+        </p:nvSpPr>
+        <p:spPr/>
+        <p:txBody>
+          <a:bodyPr>
+            <a:normAutofit/>
+          </a:bodyPr>
+          <a:lstStyle/>
+          <a:p>
+            <a:r>
+              <a:rPr lang="es-UY" dirty="0" smtClean="0"/>
+              <a:t>Caso de estudio</a:t>
+            </a:r>
+            <a:br>
+              <a:rPr lang="es-UY" dirty="0" smtClean="0"/>
+            </a:br>
+            <a:endParaRPr lang="es-UY" b="1" dirty="0"/>
+          </a:p>
+        </p:txBody>
+      </p:sp>
+      <p:sp>
+        <p:nvSpPr>
+          <p:cNvPr id="5" name="4 Marcador de contenido"/>
+          <p:cNvSpPr>
+            <a:spLocks noGrp="1"/>
+          </p:cNvSpPr>
+          <p:nvPr>
+            <p:ph sz="quarter" idx="1"/>
+          </p:nvPr>
+        </p:nvSpPr>
+        <p:spPr>
+          <a:xfrm>
+            <a:off x="457200" y="1357298"/>
+            <a:ext cx="7467600" cy="5116654"/>
+          </a:xfrm>
+        </p:spPr>
+        <p:txBody>
+          <a:bodyPr/>
+          <a:lstStyle/>
+          <a:p>
+            <a:r>
+              <a:rPr lang="es-UY" sz="2200" dirty="0" smtClean="0"/>
+              <a:t>Escenario 2: Público especializado consultando información</a:t>
+            </a:r>
+          </a:p>
+          <a:p>
+            <a:endParaRPr lang="es-UY" sz="2200" dirty="0" smtClean="0"/>
+          </a:p>
+          <a:p>
+            <a:endParaRPr lang="es-UY" sz="2200" dirty="0" smtClean="0"/>
+          </a:p>
+          <a:p>
+            <a:endParaRPr lang="es-UY" sz="2200" dirty="0" smtClean="0"/>
+          </a:p>
+          <a:p>
+            <a:endParaRPr lang="es-UY" sz="2200" dirty="0"/>
+          </a:p>
+        </p:txBody>
+      </p:sp>
+      <p:pic>
+        <p:nvPicPr>
+          <p:cNvPr id="7" name="Picture 26" descr="CE-Escenario 2.png"/>
+          <p:cNvPicPr/>
+          <p:nvPr/>
+        </p:nvPicPr>
+        <p:blipFill>
+          <a:blip r:embed="rId2" cstate="print"/>
+          <a:stretch>
+            <a:fillRect/>
+          </a:stretch>
+        </p:blipFill>
+        <p:spPr>
+          <a:xfrm>
+            <a:off x="642910" y="2571744"/>
+            <a:ext cx="7500990" cy="3286148"/>
+          </a:xfrm>
+          <a:prstGeom prst="rect">
+            <a:avLst/>
+          </a:prstGeom>
+        </p:spPr>
+      </p:pic>
+    </p:spTree>
+  </p:cSld>
+  <p:clrMapOvr>
+    <a:masterClrMapping/>
+  </p:clrMapOvr>
+  <p:timing>
+    <p:tnLst>
+      <p:par>
+        <p:cTn id="1" dur="indefinite" restart="never" nodeType="tmRoot"/>
+      </p:par>
+    </p:tnLst>
+  </p:timing>
+</p:sld>
+</file>
+
+<file path=ppt/slides/slide24.xml><?xml version="1.0" encoding="utf-8"?>
+<p:sld xmlns:a="http://schemas.openxmlformats.org/drawingml/2006/main" xmlns:r="http://schemas.openxmlformats.org/officeDocument/2006/relationships" xmlns:p="http://schemas.openxmlformats.org/presentationml/2006/main">
+  <p:cSld>
+    <p:spTree>
+      <p:nvGrpSpPr>
+        <p:cNvPr id="1" name=""/>
+        <p:cNvGrpSpPr/>
+        <p:nvPr/>
+      </p:nvGrpSpPr>
+      <p:grpSpPr>
+        <a:xfrm>
+          <a:off x="0" y="0"/>
+          <a:ext cx="0" cy="0"/>
+          <a:chOff x="0" y="0"/>
+          <a:chExt cx="0" cy="0"/>
+        </a:xfrm>
+      </p:grpSpPr>
+      <p:sp>
+        <p:nvSpPr>
+          <p:cNvPr id="2" name="1 Título"/>
+          <p:cNvSpPr>
+            <a:spLocks noGrp="1"/>
+          </p:cNvSpPr>
+          <p:nvPr>
+            <p:ph type="title"/>
+          </p:nvPr>
+        </p:nvSpPr>
+        <p:spPr/>
+        <p:txBody>
+          <a:bodyPr>
+            <a:normAutofit/>
+          </a:bodyPr>
+          <a:lstStyle/>
+          <a:p>
+            <a:r>
+              <a:rPr lang="es-UY" dirty="0" smtClean="0"/>
+              <a:t>Caso de estudio</a:t>
+            </a:r>
+            <a:br>
+              <a:rPr lang="es-UY" dirty="0" smtClean="0"/>
+            </a:br>
+            <a:endParaRPr lang="es-UY" b="1" dirty="0"/>
+          </a:p>
+        </p:txBody>
+      </p:sp>
+      <p:sp>
+        <p:nvSpPr>
+          <p:cNvPr id="5" name="4 Marcador de contenido"/>
+          <p:cNvSpPr>
+            <a:spLocks noGrp="1"/>
+          </p:cNvSpPr>
+          <p:nvPr>
+            <p:ph sz="quarter" idx="1"/>
+          </p:nvPr>
+        </p:nvSpPr>
+        <p:spPr>
+          <a:xfrm>
+            <a:off x="457200" y="1357298"/>
+            <a:ext cx="7467600" cy="5116654"/>
+          </a:xfrm>
+        </p:spPr>
+        <p:txBody>
+          <a:bodyPr/>
+          <a:lstStyle/>
+          <a:p>
+            <a:r>
+              <a:rPr lang="es-UY" sz="2200" dirty="0" smtClean="0"/>
+              <a:t>Escenario 4: Instituciones colaborando en trámites</a:t>
+            </a:r>
+          </a:p>
+          <a:p>
+            <a:endParaRPr lang="es-UY" sz="2200" dirty="0" smtClean="0"/>
+          </a:p>
+          <a:p>
+            <a:endParaRPr lang="es-UY" sz="2200" dirty="0" smtClean="0"/>
+          </a:p>
+          <a:p>
+            <a:endParaRPr lang="es-UY" sz="2200" dirty="0" smtClean="0"/>
+          </a:p>
+          <a:p>
+            <a:endParaRPr lang="es-UY" sz="2200" dirty="0" smtClean="0"/>
+          </a:p>
+          <a:p>
+            <a:endParaRPr lang="es-UY" sz="2200" dirty="0" smtClean="0"/>
+          </a:p>
+          <a:p>
+            <a:endParaRPr lang="es-UY" sz="2200" dirty="0"/>
+          </a:p>
+        </p:txBody>
+      </p:sp>
+      <p:pic>
+        <p:nvPicPr>
+          <p:cNvPr id="6" name="Picture 1"/>
+          <p:cNvPicPr/>
+          <p:nvPr/>
+        </p:nvPicPr>
+        <p:blipFill>
+          <a:blip r:embed="rId2" cstate="print"/>
+          <a:srcRect/>
+          <a:stretch>
+            <a:fillRect/>
+          </a:stretch>
+        </p:blipFill>
+        <p:spPr bwMode="auto">
+          <a:xfrm>
+            <a:off x="642910" y="2214554"/>
+            <a:ext cx="7643866" cy="3500462"/>
+          </a:xfrm>
+          <a:prstGeom prst="rect">
+            <a:avLst/>
+          </a:prstGeom>
+          <a:noFill/>
+          <a:ln w="9525">
+            <a:noFill/>
+            <a:miter lim="800000"/>
+            <a:headEnd/>
+            <a:tailEnd/>
+          </a:ln>
+        </p:spPr>
+      </p:pic>
+    </p:spTree>
+  </p:cSld>
+  <p:clrMapOvr>
+    <a:masterClrMapping/>
+  </p:clrMapOvr>
+  <p:timing>
+    <p:tnLst>
+      <p:par>
+        <p:cTn id="1" dur="indefinite" restart="never" nodeType="tmRoot"/>
+      </p:par>
+    </p:tnLst>
+  </p:timing>
+</p:sld>
+</file>
+
+<file path=ppt/slides/slide25.xml><?xml version="1.0" encoding="utf-8"?>
+<p:sld xmlns:a="http://schemas.openxmlformats.org/drawingml/2006/main" xmlns:r="http://schemas.openxmlformats.org/officeDocument/2006/relationships" xmlns:p="http://schemas.openxmlformats.org/presentationml/2006/main">
+  <p:cSld>
+    <p:spTree>
+      <p:nvGrpSpPr>
+        <p:cNvPr id="1" name=""/>
+        <p:cNvGrpSpPr/>
+        <p:nvPr/>
+      </p:nvGrpSpPr>
+      <p:grpSpPr>
+        <a:xfrm>
+          <a:off x="0" y="0"/>
+          <a:ext cx="0" cy="0"/>
+          <a:chOff x="0" y="0"/>
+          <a:chExt cx="0" cy="0"/>
+        </a:xfrm>
+      </p:grpSpPr>
+      <p:sp>
+        <p:nvSpPr>
+          <p:cNvPr id="2" name="1 Título"/>
+          <p:cNvSpPr>
+            <a:spLocks noGrp="1"/>
+          </p:cNvSpPr>
+          <p:nvPr>
+            <p:ph type="title"/>
+          </p:nvPr>
+        </p:nvSpPr>
+        <p:spPr/>
+        <p:txBody>
+          <a:bodyPr>
+            <a:normAutofit/>
+          </a:bodyPr>
+          <a:lstStyle/>
+          <a:p>
+            <a:r>
+              <a:rPr lang="es-UY" dirty="0" smtClean="0"/>
+              <a:t>Conclusión</a:t>
+            </a:r>
+            <a:br>
+              <a:rPr lang="es-UY" dirty="0" smtClean="0"/>
+            </a:br>
+            <a:endParaRPr lang="es-UY" b="1" dirty="0"/>
+          </a:p>
+        </p:txBody>
+      </p:sp>
+      <p:sp>
+        <p:nvSpPr>
+          <p:cNvPr id="3" name="2 Marcador de contenido"/>
+          <p:cNvSpPr>
+            <a:spLocks noGrp="1"/>
+          </p:cNvSpPr>
+          <p:nvPr>
+            <p:ph sz="quarter" idx="1"/>
+          </p:nvPr>
+        </p:nvSpPr>
+        <p:spPr/>
+        <p:txBody>
+          <a:bodyPr>
+            <a:normAutofit lnSpcReduction="10000"/>
+          </a:bodyPr>
+          <a:lstStyle/>
+          <a:p>
+            <a:r>
+              <a:rPr lang="es-UY" sz="2200" dirty="0" smtClean="0"/>
+              <a:t>Implementación </a:t>
+            </a:r>
+            <a:r>
+              <a:rPr lang="es-UY" sz="2200" dirty="0" smtClean="0"/>
+              <a:t>funcional de la propuesta </a:t>
+            </a:r>
+            <a:r>
+              <a:rPr lang="es-UY" sz="2200" dirty="0" smtClean="0"/>
+              <a:t>teórica</a:t>
+            </a:r>
+          </a:p>
+          <a:p>
+            <a:pPr lvl="1"/>
+            <a:r>
+              <a:rPr lang="es-UY" sz="2000" dirty="0" smtClean="0"/>
+              <a:t>Interacción </a:t>
+            </a:r>
+            <a:r>
+              <a:rPr lang="es-UY" sz="2000" dirty="0" smtClean="0"/>
+              <a:t>entre los diferentes </a:t>
+            </a:r>
+            <a:r>
+              <a:rPr lang="es-UY" sz="2000" dirty="0" smtClean="0"/>
+              <a:t>sistemas</a:t>
+            </a:r>
+            <a:endParaRPr lang="es-UY" sz="2000" dirty="0" smtClean="0"/>
+          </a:p>
+          <a:p>
+            <a:pPr lvl="1"/>
+            <a:r>
+              <a:rPr lang="es-UY" sz="2000" dirty="0" smtClean="0"/>
+              <a:t>Arquitectura interesante</a:t>
+            </a:r>
+          </a:p>
+          <a:p>
+            <a:pPr lvl="1"/>
+            <a:r>
+              <a:rPr lang="es-UY" sz="2000" dirty="0" smtClean="0"/>
+              <a:t>Escalabilidad</a:t>
+            </a:r>
+            <a:endParaRPr lang="es-UY" sz="2000" dirty="0" smtClean="0"/>
+          </a:p>
+          <a:p>
+            <a:r>
+              <a:rPr lang="es-UY" sz="2200" dirty="0" smtClean="0"/>
+              <a:t>Utilización de tecnologías estándares</a:t>
+            </a:r>
+          </a:p>
+          <a:p>
+            <a:r>
+              <a:rPr lang="es-UY" sz="2200" dirty="0" smtClean="0"/>
+              <a:t>No </a:t>
+            </a:r>
+            <a:r>
+              <a:rPr lang="es-UY" sz="2200" dirty="0" smtClean="0"/>
+              <a:t>se imponen restricciones sobre la </a:t>
+            </a:r>
+            <a:r>
+              <a:rPr lang="es-UY" sz="2200" dirty="0" smtClean="0"/>
+              <a:t>PGE - Compatible </a:t>
+            </a:r>
+            <a:r>
+              <a:rPr lang="es-UY" sz="2200" dirty="0" smtClean="0"/>
+              <a:t>con la arquitectura </a:t>
+            </a:r>
+            <a:r>
+              <a:rPr lang="es-UY" sz="2200" dirty="0" smtClean="0"/>
+              <a:t>existente</a:t>
+            </a:r>
+          </a:p>
+          <a:p>
+            <a:r>
+              <a:rPr lang="es-UY" sz="2200" dirty="0" smtClean="0"/>
+              <a:t>Dificultades</a:t>
+            </a:r>
+            <a:endParaRPr lang="es-UY" sz="2200" dirty="0" smtClean="0"/>
+          </a:p>
+          <a:p>
+            <a:pPr lvl="1"/>
+            <a:r>
+              <a:rPr lang="es-UY" sz="2000" dirty="0" smtClean="0"/>
+              <a:t>Tecnológicas: Estado del arte </a:t>
+            </a:r>
+            <a:endParaRPr lang="es-UY" sz="2000" dirty="0" smtClean="0"/>
+          </a:p>
+          <a:p>
+            <a:pPr lvl="1"/>
+            <a:r>
+              <a:rPr lang="es-UY" sz="2000" dirty="0" smtClean="0"/>
+              <a:t>De diseño: Resolución del mapeo </a:t>
+            </a:r>
+            <a:r>
+              <a:rPr lang="es-UY" sz="2000" dirty="0" smtClean="0"/>
+              <a:t>de direcciones para acceder a la PGE</a:t>
+            </a:r>
+          </a:p>
+          <a:p>
+            <a:r>
+              <a:rPr lang="es-UY" sz="2200" dirty="0" smtClean="0"/>
+              <a:t>Muy buena calidad en la solución obtenida</a:t>
+            </a:r>
+          </a:p>
+          <a:p>
+            <a:r>
+              <a:rPr lang="es-UY" sz="2200" dirty="0" smtClean="0"/>
+              <a:t>Experiencia enriquecedora en tecnologías GIS</a:t>
+            </a:r>
+            <a:endParaRPr lang="es-UY" sz="2200" dirty="0" smtClean="0"/>
+          </a:p>
+          <a:p>
+            <a:pPr lvl="1">
+              <a:buNone/>
+            </a:pPr>
+            <a:endParaRPr lang="es-UY" sz="2000" dirty="0" smtClean="0">
+              <a:solidFill>
+                <a:srgbClr val="FF0000"/>
+              </a:solidFill>
+            </a:endParaRPr>
+          </a:p>
+          <a:p>
+            <a:pPr lvl="1"/>
+            <a:endParaRPr lang="es-UY" sz="2200" dirty="0"/>
+          </a:p>
+        </p:txBody>
+      </p:sp>
+    </p:spTree>
+  </p:cSld>
+  <p:clrMapOvr>
+    <a:masterClrMapping/>
+  </p:clrMapOvr>
+  <p:timing>
+    <p:tnLst>
+      <p:par>
+        <p:cTn id="1" dur="indefinite" restart="never" nodeType="tmRoot"/>
+      </p:par>
+    </p:tnLst>
+  </p:timing>
+</p:sld>
+</file>
+
+<file path=ppt/slides/slide26.xml><?xml version="1.0" encoding="utf-8"?>
+<p:sld xmlns:a="http://schemas.openxmlformats.org/drawingml/2006/main" xmlns:r="http://schemas.openxmlformats.org/officeDocument/2006/relationships" xmlns:p="http://schemas.openxmlformats.org/presentationml/2006/main">
+  <p:cSld>
+    <p:spTree>
+      <p:nvGrpSpPr>
+        <p:cNvPr id="1" name=""/>
+        <p:cNvGrpSpPr/>
+        <p:nvPr/>
+      </p:nvGrpSpPr>
+      <p:grpSpPr>
+        <a:xfrm>
+          <a:off x="0" y="0"/>
+          <a:ext cx="0" cy="0"/>
+          <a:chOff x="0" y="0"/>
+          <a:chExt cx="0" cy="0"/>
+        </a:xfrm>
+      </p:grpSpPr>
+      <p:sp>
+        <p:nvSpPr>
+          <p:cNvPr id="2" name="1 Título"/>
+          <p:cNvSpPr>
+            <a:spLocks noGrp="1"/>
+          </p:cNvSpPr>
+          <p:nvPr>
+            <p:ph type="title"/>
+          </p:nvPr>
+        </p:nvSpPr>
+        <p:spPr/>
+        <p:txBody>
+          <a:bodyPr>
+            <a:normAutofit/>
+          </a:bodyPr>
+          <a:lstStyle/>
+          <a:p>
+            <a:r>
+              <a:rPr lang="es-UY" dirty="0" smtClean="0"/>
+              <a:t>Trabajos a futuro</a:t>
+            </a:r>
+            <a:br>
+              <a:rPr lang="es-UY" dirty="0" smtClean="0"/>
+            </a:br>
+            <a:endParaRPr lang="es-UY" b="1" dirty="0"/>
+          </a:p>
+        </p:txBody>
+      </p:sp>
+      <p:sp>
+        <p:nvSpPr>
+          <p:cNvPr id="3" name="2 Marcador de contenido"/>
+          <p:cNvSpPr>
+            <a:spLocks noGrp="1"/>
+          </p:cNvSpPr>
+          <p:nvPr>
+            <p:ph sz="quarter" idx="1"/>
+          </p:nvPr>
+        </p:nvSpPr>
+        <p:spPr/>
+        <p:txBody>
+          <a:bodyPr>
+            <a:normAutofit/>
+          </a:bodyPr>
+          <a:lstStyle/>
+          <a:p>
+            <a:r>
+              <a:rPr lang="es-UY" sz="2200" dirty="0" smtClean="0"/>
+              <a:t>Asincronismo entre el CTP y la </a:t>
+            </a:r>
+            <a:r>
+              <a:rPr lang="es-UY" sz="2200" dirty="0" smtClean="0"/>
+              <a:t>PGE</a:t>
+            </a:r>
+          </a:p>
+          <a:p>
+            <a:pPr>
+              <a:buNone/>
+            </a:pPr>
+            <a:endParaRPr lang="es-UY" sz="2200" dirty="0" smtClean="0"/>
+          </a:p>
+          <a:p>
+            <a:r>
+              <a:rPr lang="es-UY" sz="2200" dirty="0" smtClean="0"/>
+              <a:t>Estándares WMS y WFS versión </a:t>
+            </a:r>
+            <a:r>
+              <a:rPr lang="es-UY" sz="2200" dirty="0" smtClean="0"/>
+              <a:t>2.0</a:t>
+            </a:r>
+          </a:p>
+          <a:p>
+            <a:pPr>
+              <a:buNone/>
+            </a:pPr>
+            <a:r>
+              <a:rPr lang="es-UY" sz="2200" dirty="0" smtClean="0"/>
+              <a:t> </a:t>
+            </a:r>
+            <a:endParaRPr lang="es-UY" sz="2200" dirty="0" smtClean="0"/>
+          </a:p>
+          <a:p>
+            <a:r>
+              <a:rPr lang="es-UY" sz="2200" dirty="0" smtClean="0"/>
+              <a:t>Soporte completo para </a:t>
+            </a:r>
+            <a:r>
+              <a:rPr lang="es-UY" sz="2200" dirty="0" err="1" smtClean="0"/>
+              <a:t>MapServer</a:t>
+            </a:r>
+            <a:r>
+              <a:rPr lang="es-UY" sz="2200" dirty="0" smtClean="0"/>
+              <a:t> </a:t>
+            </a:r>
+            <a:endParaRPr lang="es-UY" sz="2200" dirty="0"/>
+          </a:p>
+        </p:txBody>
+      </p:sp>
+    </p:spTree>
+  </p:cSld>
+  <p:clrMapOvr>
+    <a:masterClrMapping/>
+  </p:clrMapOvr>
+  <p:timing>
+    <p:tnLst>
+      <p:par>
+        <p:cTn id="1" dur="indefinite" restart="never" nodeType="tmRoot"/>
+      </p:par>
+    </p:tnLst>
+  </p:timing>
+</p:sld>
+</file>
+
+<file path=ppt/slides/slide27.xml><?xml version="1.0" encoding="utf-8"?>
 <p:sld xmlns:a="http://schemas.openxmlformats.org/drawingml/2006/main" xmlns:r="http://schemas.openxmlformats.org/officeDocument/2006/relationships" xmlns:p="http://schemas.openxmlformats.org/presentationml/2006/main">
   <p:cSld>
     <p:spTree>
@@ -7852,12 +8519,16 @@
           </a:p>
           <a:p>
             <a:r>
+              <a:rPr lang="es-UY" sz="2200" dirty="0" smtClean="0"/>
+              <a:t>El</a:t>
+            </a:r>
+            <a:r>
               <a:rPr lang="es-UY" sz="2200" dirty="0" smtClean="0">
                 <a:solidFill>
                   <a:srgbClr val="FF0000"/>
                 </a:solidFill>
               </a:rPr>
-              <a:t>El </a:t>
+              <a:t> </a:t>
             </a:r>
             <a:r>
               <a:rPr lang="es-UY" sz="2200" dirty="0" smtClean="0"/>
@@ -8388,6 +9059,14 @@
             </a:pPr>
             <a:r>
               <a:rPr lang="es-UY" sz="2200" dirty="0" smtClean="0"/>
+              <a:t>	</a:t>
+            </a:r>
+            <a:r>
+              <a:rPr lang="es-UY" sz="2200" dirty="0" smtClean="0">
+                <a:solidFill>
+                  <a:srgbClr val="FF0000"/>
+                </a:solidFill>
+              </a:rPr>
               <a:t>Mostrar arquitectura gis, que existen clientes gis y que no se pueden modificar</a:t>
             </a:r>
           </a:p>
@@ -8396,26 +9075,42 @@
               <a:buNone/>
             </a:pPr>
             <a:r>
-              <a:rPr lang="es-UY" sz="2200" dirty="0" smtClean="0"/>
-              <a:t>Productos que cumplen con </a:t>
-            </a:r>
-            <a:r>
-              <a:rPr lang="es-UY" sz="2200" smtClean="0"/>
-              <a:t>los estándares </a:t>
-            </a:r>
-            <a:r>
-              <a:rPr lang="es-UY" sz="2200" dirty="0" err="1" smtClean="0"/>
+              <a:rPr lang="es-UY" sz="2200" dirty="0" smtClean="0">
+                <a:solidFill>
+                  <a:srgbClr val="FF0000"/>
+                </a:solidFill>
+              </a:rPr>
+              <a:t>	Productos que cumplen con los estándares </a:t>
+            </a:r>
+            <a:r>
+              <a:rPr lang="es-UY" sz="2200" dirty="0" err="1" smtClean="0">
+                <a:solidFill>
+                  <a:srgbClr val="FF0000"/>
+                </a:solidFill>
+              </a:rPr>
               <a:t>wms</a:t>
             </a:r>
             <a:r>
-              <a:rPr lang="es-UY" sz="2200" dirty="0" smtClean="0"/>
+              <a:rPr lang="es-UY" sz="2200" dirty="0" smtClean="0">
+                <a:solidFill>
+                  <a:srgbClr val="FF0000"/>
+                </a:solidFill>
+              </a:rPr>
               <a:t> y </a:t>
             </a:r>
             <a:r>
-              <a:rPr lang="es-UY" sz="2200" dirty="0" err="1" smtClean="0"/>
+              <a:rPr lang="es-UY" sz="2200" dirty="0" err="1" smtClean="0">
+                <a:solidFill>
+                  <a:srgbClr val="FF0000"/>
+                </a:solidFill>
+              </a:rPr>
               <a:t>wfs</a:t>
             </a:r>
-            <a:endParaRPr lang="es-UY" sz="2200" dirty="0" smtClean="0"/>
+            <a:endParaRPr lang="es-UY" sz="2200" dirty="0" smtClean="0">
+              <a:solidFill>
+                <a:srgbClr val="FF0000"/>
+              </a:solidFill>
+            </a:endParaRPr>
           </a:p>
           <a:p>
             <a:r>

--- a/Presentacion.pptx
+++ b/Presentacion.pptx
@@ -219,7 +219,7 @@
             <a:fld id="{E8BFD649-4464-4874-A030-77DA47E62353}" type="datetimeFigureOut">
               <a:rPr lang="es-UY" smtClean="0"/>
               <a:pPr/>
-              <a:t>14/05/2015</a:t>
+              <a:t>16/05/2015</a:t>
             </a:fld>
             <a:endParaRPr lang="es-UY"/>
           </a:p>
@@ -623,7 +623,7 @@
             <a:fld id="{7A847CFC-816F-41D0-AAC0-9BF4FEBC753E}" type="datetimeFigureOut">
               <a:rPr lang="es-ES" smtClean="0"/>
               <a:pPr/>
-              <a:t>14/05/2015</a:t>
+              <a:t>16/05/2015</a:t>
             </a:fld>
             <a:endParaRPr lang="es-ES"/>
           </a:p>
@@ -1494,7 +1494,7 @@
             <a:fld id="{7A847CFC-816F-41D0-AAC0-9BF4FEBC753E}" type="datetimeFigureOut">
               <a:rPr lang="es-ES" smtClean="0"/>
               <a:pPr/>
-              <a:t>14/05/2015</a:t>
+              <a:t>16/05/2015</a:t>
             </a:fld>
             <a:endParaRPr lang="es-ES"/>
           </a:p>
@@ -1671,7 +1671,7 @@
             <a:fld id="{7A847CFC-816F-41D0-AAC0-9BF4FEBC753E}" type="datetimeFigureOut">
               <a:rPr lang="es-ES" smtClean="0"/>
               <a:pPr/>
-              <a:t>14/05/2015</a:t>
+              <a:t>16/05/2015</a:t>
             </a:fld>
             <a:endParaRPr lang="es-ES"/>
           </a:p>
@@ -1843,7 +1843,7 @@
             <a:fld id="{7A847CFC-816F-41D0-AAC0-9BF4FEBC753E}" type="datetimeFigureOut">
               <a:rPr lang="es-ES" smtClean="0"/>
               <a:pPr/>
-              <a:t>14/05/2015</a:t>
+              <a:t>16/05/2015</a:t>
             </a:fld>
             <a:endParaRPr lang="es-ES"/>
           </a:p>
@@ -2055,7 +2055,7 @@
             <a:fld id="{7A847CFC-816F-41D0-AAC0-9BF4FEBC753E}" type="datetimeFigureOut">
               <a:rPr lang="es-ES" smtClean="0"/>
               <a:pPr/>
-              <a:t>14/05/2015</a:t>
+              <a:t>16/05/2015</a:t>
             </a:fld>
             <a:endParaRPr lang="es-ES"/>
           </a:p>
@@ -2871,7 +2871,7 @@
             <a:fld id="{7A847CFC-816F-41D0-AAC0-9BF4FEBC753E}" type="datetimeFigureOut">
               <a:rPr lang="es-ES" smtClean="0"/>
               <a:pPr/>
-              <a:t>14/05/2015</a:t>
+              <a:t>16/05/2015</a:t>
             </a:fld>
             <a:endParaRPr lang="es-ES"/>
           </a:p>
@@ -3109,7 +3109,7 @@
             <a:fld id="{7A847CFC-816F-41D0-AAC0-9BF4FEBC753E}" type="datetimeFigureOut">
               <a:rPr lang="es-ES" smtClean="0"/>
               <a:pPr/>
-              <a:t>14/05/2015</a:t>
+              <a:t>16/05/2015</a:t>
             </a:fld>
             <a:endParaRPr lang="es-ES"/>
           </a:p>
@@ -3434,7 +3434,7 @@
             <a:fld id="{7A847CFC-816F-41D0-AAC0-9BF4FEBC753E}" type="datetimeFigureOut">
               <a:rPr lang="es-ES" smtClean="0"/>
               <a:pPr/>
-              <a:t>14/05/2015</a:t>
+              <a:t>16/05/2015</a:t>
             </a:fld>
             <a:endParaRPr lang="es-ES"/>
           </a:p>
@@ -3526,7 +3526,7 @@
             <a:fld id="{7A847CFC-816F-41D0-AAC0-9BF4FEBC753E}" type="datetimeFigureOut">
               <a:rPr lang="es-ES" smtClean="0"/>
               <a:pPr/>
-              <a:t>14/05/2015</a:t>
+              <a:t>16/05/2015</a:t>
             </a:fld>
             <a:endParaRPr lang="es-ES"/>
           </a:p>
@@ -4045,7 +4045,7 @@
             <a:fld id="{7A847CFC-816F-41D0-AAC0-9BF4FEBC753E}" type="datetimeFigureOut">
               <a:rPr lang="es-ES" smtClean="0"/>
               <a:pPr/>
-              <a:t>14/05/2015</a:t>
+              <a:t>16/05/2015</a:t>
             </a:fld>
             <a:endParaRPr lang="es-ES"/>
           </a:p>
@@ -4558,7 +4558,7 @@
             <a:fld id="{7A847CFC-816F-41D0-AAC0-9BF4FEBC753E}" type="datetimeFigureOut">
               <a:rPr lang="es-ES" smtClean="0"/>
               <a:pPr/>
-              <a:t>14/05/2015</a:t>
+              <a:t>16/05/2015</a:t>
             </a:fld>
             <a:endParaRPr lang="es-ES"/>
           </a:p>
@@ -4805,7 +4805,7 @@
             <a:fld id="{7A847CFC-816F-41D0-AAC0-9BF4FEBC753E}" type="datetimeFigureOut">
               <a:rPr lang="es-ES" smtClean="0"/>
               <a:pPr/>
-              <a:t>14/05/2015</a:t>
+              <a:t>16/05/2015</a:t>
             </a:fld>
             <a:endParaRPr lang="es-ES"/>
           </a:p>
@@ -5767,14 +5767,61 @@
               <a:t>Mostrar como funciona. Agregar </a:t>
             </a:r>
             <a:r>
-              <a:rPr lang="es-UY" sz="2200" dirty="0" err="1" smtClean="0">
+              <a:rPr lang="es-UY" sz="2200" dirty="0" smtClean="0">
                 <a:solidFill>
                   <a:srgbClr val="FF0000"/>
                 </a:solidFill>
               </a:rPr>
-              <a:t>imagenes</a:t>
-            </a:r>
-            <a:endParaRPr lang="es-UY" sz="2200" dirty="0" smtClean="0">
+              <a:t>imágenes</a:t>
+            </a:r>
+          </a:p>
+          <a:p>
+            <a:r>
+              <a:rPr lang="es-UY" sz="2200" dirty="0" smtClean="0">
+                <a:solidFill>
+                  <a:srgbClr val="FF0000"/>
+                </a:solidFill>
+              </a:rPr>
+              <a:t>Facilita el desarrollo de servicios y tramites en línea.</a:t>
+            </a:r>
+          </a:p>
+          <a:p>
+            <a:r>
+              <a:rPr lang="es-UY" sz="2200" dirty="0" smtClean="0">
+                <a:solidFill>
+                  <a:srgbClr val="FF0000"/>
+                </a:solidFill>
+              </a:rPr>
+              <a:t>Provee herramientas comunes a los organismos del estado.</a:t>
+            </a:r>
+          </a:p>
+          <a:p>
+            <a:r>
+              <a:rPr lang="es-UY" sz="2200" dirty="0" smtClean="0">
+                <a:solidFill>
+                  <a:srgbClr val="FF0000"/>
+                </a:solidFill>
+              </a:rPr>
+              <a:t>Facilita interoperabilidad entre organismos.</a:t>
+            </a:r>
+          </a:p>
+          <a:p>
+            <a:r>
+              <a:rPr lang="es-UY" sz="2200" dirty="0" smtClean="0">
+                <a:solidFill>
+                  <a:srgbClr val="FF0000"/>
+                </a:solidFill>
+              </a:rPr>
+              <a:t>Asegura que la información cumple con los requisitos legales y tecnológicos predefinidos.</a:t>
+            </a:r>
+            <a:endParaRPr lang="es-UY" sz="2200" smtClean="0">
+              <a:solidFill>
+                <a:srgbClr val="FF0000"/>
+              </a:solidFill>
+            </a:endParaRPr>
+          </a:p>
+          <a:p>
+            <a:endParaRPr lang="es-UY" sz="2200" u="sng" dirty="0" smtClean="0">
               <a:solidFill>
                 <a:srgbClr val="FF0000"/>
               </a:solidFill>
@@ -7702,32 +7749,15 @@
           <a:p>
             <a:r>
               <a:rPr lang="es-UY" sz="2200" dirty="0" smtClean="0"/>
-              <a:t>Implementación </a:t>
-            </a:r>
-            <a:r>
-              <a:rPr lang="es-UY" sz="2200" dirty="0" smtClean="0"/>
-              <a:t>funcional de la propuesta </a:t>
-            </a:r>
-            <a:r>
-              <a:rPr lang="es-UY" sz="2200" dirty="0" smtClean="0"/>
-              <a:t>teórica</a:t>
+              <a:t>Implementación funcional de la propuesta teórica</a:t>
             </a:r>
           </a:p>
           <a:p>
             <a:pPr lvl="1"/>
             <a:r>
               <a:rPr lang="es-UY" sz="2000" dirty="0" smtClean="0"/>
-              <a:t>Interacción </a:t>
-            </a:r>
-            <a:r>
-              <a:rPr lang="es-UY" sz="2000" dirty="0" smtClean="0"/>
-              <a:t>entre los diferentes </a:t>
-            </a:r>
-            <a:r>
-              <a:rPr lang="es-UY" sz="2000" dirty="0" smtClean="0"/>
-              <a:t>sistemas</a:t>
-            </a:r>
-            <a:endParaRPr lang="es-UY" sz="2000" dirty="0" smtClean="0"/>
+              <a:t>Interacción entre los diferentes sistemas</a:t>
+            </a:r>
           </a:p>
           <a:p>
             <a:pPr lvl="1"/>
@@ -7742,7 +7772,6 @@
               <a:rPr lang="es-UY" sz="2000" dirty="0" smtClean="0"/>
               <a:t>Escalabilidad</a:t>
             </a:r>
-            <a:endParaRPr lang="es-UY" sz="2000" dirty="0" smtClean="0"/>
           </a:p>
           <a:p>
             <a:r>
@@ -7753,23 +7782,7 @@
           <a:p>
             <a:r>
               <a:rPr lang="es-UY" sz="2200" dirty="0" smtClean="0"/>
-              <a:t>No </a:t>
-            </a:r>
-            <a:r>
-              <a:rPr lang="es-UY" sz="2200" dirty="0" smtClean="0"/>
-              <a:t>se imponen restricciones sobre la </a:t>
-            </a:r>
-            <a:r>
-              <a:rPr lang="es-UY" sz="2200" dirty="0" smtClean="0"/>
-              <a:t>PGE - Compatible </a:t>
-            </a:r>
-            <a:r>
-              <a:rPr lang="es-UY" sz="2200" dirty="0" smtClean="0"/>
-              <a:t>con la arquitectura </a:t>
-            </a:r>
-            <a:r>
-              <a:rPr lang="es-UY" sz="2200" dirty="0" smtClean="0"/>
-              <a:t>existente</a:t>
+              <a:t>No se imponen restricciones sobre la PGE - Compatible con la arquitectura existente</a:t>
             </a:r>
           </a:p>
           <a:p>
@@ -7777,7 +7790,6 @@
               <a:rPr lang="es-UY" sz="2200" dirty="0" smtClean="0"/>
               <a:t>Dificultades</a:t>
             </a:r>
-            <a:endParaRPr lang="es-UY" sz="2200" dirty="0" smtClean="0"/>
           </a:p>
           <a:p>
             <a:pPr lvl="1"/>
@@ -7785,17 +7797,12 @@
               <a:rPr lang="es-UY" sz="2000" dirty="0" smtClean="0"/>
               <a:t>Tecnológicas: Estado del arte </a:t>
             </a:r>
-            <a:endParaRPr lang="es-UY" sz="2000" dirty="0" smtClean="0"/>
           </a:p>
           <a:p>
             <a:pPr lvl="1"/>
             <a:r>
               <a:rPr lang="es-UY" sz="2000" dirty="0" smtClean="0"/>
-              <a:t>De diseño: Resolución del mapeo </a:t>
-            </a:r>
-            <a:r>
-              <a:rPr lang="es-UY" sz="2000" dirty="0" smtClean="0"/>
-              <a:t>de direcciones para acceder a la PGE</a:t>
+              <a:t>De diseño: Resolución del mapeo de direcciones para acceder a la PGE</a:t>
             </a:r>
           </a:p>
           <a:p>
@@ -7809,7 +7816,6 @@
               <a:rPr lang="es-UY" sz="2200" dirty="0" smtClean="0"/>
               <a:t>Experiencia enriquecedora en tecnologías GIS</a:t>
             </a:r>
-            <a:endParaRPr lang="es-UY" sz="2200" dirty="0" smtClean="0"/>
           </a:p>
           <a:p>
             <a:pPr lvl="1">
@@ -7906,11 +7912,7 @@
           <a:p>
             <a:r>
               <a:rPr lang="es-UY" sz="2200" dirty="0" smtClean="0"/>
-              <a:t>Asincronismo entre el CTP y la </a:t>
-            </a:r>
-            <a:r>
-              <a:rPr lang="es-UY" sz="2200" dirty="0" smtClean="0"/>
-              <a:t>PGE</a:t>
+              <a:t>Asincronismo entre el CTP y la PGE</a:t>
             </a:r>
           </a:p>
           <a:p>
@@ -7922,11 +7924,7 @@
           <a:p>
             <a:r>
               <a:rPr lang="es-UY" sz="2200" dirty="0" smtClean="0"/>
-              <a:t>Estándares WMS y WFS versión </a:t>
-            </a:r>
-            <a:r>
-              <a:rPr lang="es-UY" sz="2200" dirty="0" smtClean="0"/>
-              <a:t>2.0</a:t>
+              <a:t>Estándares WMS y WFS versión 2.0</a:t>
             </a:r>
           </a:p>
           <a:p>
@@ -7937,7 +7935,6 @@
               <a:rPr lang="es-UY" sz="2200" dirty="0" smtClean="0"/>
               <a:t> </a:t>
             </a:r>
-            <a:endParaRPr lang="es-UY" sz="2200" dirty="0" smtClean="0"/>
           </a:p>
           <a:p>
             <a:r>

--- a/Presentacion.pptx
+++ b/Presentacion.pptx
@@ -5,7 +5,7 @@
     <p:sldMasterId id="2147483732" r:id="rId1"/>
   </p:sldMasterIdLst>
   <p:notesMasterIdLst>
-    <p:notesMasterId r:id="rId29"/>
+    <p:notesMasterId r:id="rId32"/>
   </p:notesMasterIdLst>
   <p:sldIdLst>
     <p:sldId id="256" r:id="rId2"/>
@@ -17,24 +17,27 @@
     <p:sldId id="271" r:id="rId8"/>
     <p:sldId id="258" r:id="rId9"/>
     <p:sldId id="259" r:id="rId10"/>
-    <p:sldId id="277" r:id="rId11"/>
-    <p:sldId id="278" r:id="rId12"/>
-    <p:sldId id="260" r:id="rId13"/>
-    <p:sldId id="270" r:id="rId14"/>
-    <p:sldId id="272" r:id="rId15"/>
-    <p:sldId id="273" r:id="rId16"/>
-    <p:sldId id="274" r:id="rId17"/>
-    <p:sldId id="269" r:id="rId18"/>
-    <p:sldId id="268" r:id="rId19"/>
-    <p:sldId id="261" r:id="rId20"/>
-    <p:sldId id="262" r:id="rId21"/>
-    <p:sldId id="279" r:id="rId22"/>
-    <p:sldId id="282" r:id="rId23"/>
-    <p:sldId id="283" r:id="rId24"/>
-    <p:sldId id="284" r:id="rId25"/>
-    <p:sldId id="280" r:id="rId26"/>
-    <p:sldId id="281" r:id="rId27"/>
-    <p:sldId id="265" r:id="rId28"/>
+    <p:sldId id="289" r:id="rId11"/>
+    <p:sldId id="277" r:id="rId12"/>
+    <p:sldId id="288" r:id="rId13"/>
+    <p:sldId id="286" r:id="rId14"/>
+    <p:sldId id="285" r:id="rId15"/>
+    <p:sldId id="260" r:id="rId16"/>
+    <p:sldId id="270" r:id="rId17"/>
+    <p:sldId id="272" r:id="rId18"/>
+    <p:sldId id="273" r:id="rId19"/>
+    <p:sldId id="274" r:id="rId20"/>
+    <p:sldId id="269" r:id="rId21"/>
+    <p:sldId id="268" r:id="rId22"/>
+    <p:sldId id="261" r:id="rId23"/>
+    <p:sldId id="262" r:id="rId24"/>
+    <p:sldId id="279" r:id="rId25"/>
+    <p:sldId id="282" r:id="rId26"/>
+    <p:sldId id="283" r:id="rId27"/>
+    <p:sldId id="284" r:id="rId28"/>
+    <p:sldId id="280" r:id="rId29"/>
+    <p:sldId id="281" r:id="rId30"/>
+    <p:sldId id="265" r:id="rId31"/>
   </p:sldIdLst>
   <p:sldSz cx="9144000" cy="6858000" type="screen4x3"/>
   <p:notesSz cx="6858000" cy="9144000"/>
@@ -219,7 +222,7 @@
             <a:fld id="{E8BFD649-4464-4874-A030-77DA47E62353}" type="datetimeFigureOut">
               <a:rPr lang="es-UY" smtClean="0"/>
               <a:pPr/>
-              <a:t>16/05/2015</a:t>
+              <a:t>23/05/2015</a:t>
             </a:fld>
             <a:endParaRPr lang="es-UY"/>
           </a:p>
@@ -485,6 +488,2466 @@
 </p:notesMaster>
 </file>
 
+<file path=ppt/notesSlides/notesSlide1.xml><?xml version="1.0" encoding="utf-8"?>
+<p:notes xmlns:a="http://schemas.openxmlformats.org/drawingml/2006/main" xmlns:r="http://schemas.openxmlformats.org/officeDocument/2006/relationships" xmlns:p="http://schemas.openxmlformats.org/presentationml/2006/main">
+  <p:cSld>
+    <p:spTree>
+      <p:nvGrpSpPr>
+        <p:cNvPr id="1" name=""/>
+        <p:cNvGrpSpPr/>
+        <p:nvPr/>
+      </p:nvGrpSpPr>
+      <p:grpSpPr>
+        <a:xfrm>
+          <a:off x="0" y="0"/>
+          <a:ext cx="0" cy="0"/>
+          <a:chOff x="0" y="0"/>
+          <a:chExt cx="0" cy="0"/>
+        </a:xfrm>
+      </p:grpSpPr>
+      <p:sp>
+        <p:nvSpPr>
+          <p:cNvPr id="2" name="Slide Image Placeholder 1"/>
+          <p:cNvSpPr>
+            <a:spLocks noGrp="1" noRot="1" noChangeAspect="1"/>
+          </p:cNvSpPr>
+          <p:nvPr>
+            <p:ph type="sldImg"/>
+          </p:nvPr>
+        </p:nvSpPr>
+        <p:spPr/>
+      </p:sp>
+      <p:sp>
+        <p:nvSpPr>
+          <p:cNvPr id="3" name="Notes Placeholder 2"/>
+          <p:cNvSpPr>
+            <a:spLocks noGrp="1"/>
+          </p:cNvSpPr>
+          <p:nvPr>
+            <p:ph type="body" idx="1"/>
+          </p:nvPr>
+        </p:nvSpPr>
+        <p:spPr/>
+        <p:txBody>
+          <a:bodyPr>
+            <a:normAutofit/>
+          </a:bodyPr>
+          <a:lstStyle/>
+          <a:p>
+            <a:endParaRPr lang="es-ES"/>
+          </a:p>
+        </p:txBody>
+      </p:sp>
+      <p:sp>
+        <p:nvSpPr>
+          <p:cNvPr id="4" name="Slide Number Placeholder 3"/>
+          <p:cNvSpPr>
+            <a:spLocks noGrp="1"/>
+          </p:cNvSpPr>
+          <p:nvPr>
+            <p:ph type="sldNum" sz="quarter" idx="10"/>
+          </p:nvPr>
+        </p:nvSpPr>
+        <p:spPr/>
+        <p:txBody>
+          <a:bodyPr/>
+          <a:lstStyle/>
+          <a:p>
+            <a:fld id="{054CFC5F-265C-4220-88EE-8BDCD7F9B77C}" type="slidenum">
+              <a:rPr lang="es-UY" smtClean="0"/>
+              <a:pPr/>
+              <a:t>1</a:t>
+            </a:fld>
+            <a:endParaRPr lang="es-UY"/>
+          </a:p>
+        </p:txBody>
+      </p:sp>
+    </p:spTree>
+  </p:cSld>
+  <p:clrMapOvr>
+    <a:masterClrMapping/>
+  </p:clrMapOvr>
+</p:notes>
+</file>
+
+<file path=ppt/notesSlides/notesSlide10.xml><?xml version="1.0" encoding="utf-8"?>
+<p:notes xmlns:a="http://schemas.openxmlformats.org/drawingml/2006/main" xmlns:r="http://schemas.openxmlformats.org/officeDocument/2006/relationships" xmlns:p="http://schemas.openxmlformats.org/presentationml/2006/main">
+  <p:cSld>
+    <p:spTree>
+      <p:nvGrpSpPr>
+        <p:cNvPr id="1" name=""/>
+        <p:cNvGrpSpPr/>
+        <p:nvPr/>
+      </p:nvGrpSpPr>
+      <p:grpSpPr>
+        <a:xfrm>
+          <a:off x="0" y="0"/>
+          <a:ext cx="0" cy="0"/>
+          <a:chOff x="0" y="0"/>
+          <a:chExt cx="0" cy="0"/>
+        </a:xfrm>
+      </p:grpSpPr>
+      <p:sp>
+        <p:nvSpPr>
+          <p:cNvPr id="2" name="Slide Image Placeholder 1"/>
+          <p:cNvSpPr>
+            <a:spLocks noGrp="1" noRot="1" noChangeAspect="1"/>
+          </p:cNvSpPr>
+          <p:nvPr>
+            <p:ph type="sldImg"/>
+          </p:nvPr>
+        </p:nvSpPr>
+        <p:spPr/>
+      </p:sp>
+      <p:sp>
+        <p:nvSpPr>
+          <p:cNvPr id="3" name="Notes Placeholder 2"/>
+          <p:cNvSpPr>
+            <a:spLocks noGrp="1"/>
+          </p:cNvSpPr>
+          <p:nvPr>
+            <p:ph type="body" idx="1"/>
+          </p:nvPr>
+        </p:nvSpPr>
+        <p:spPr/>
+        <p:txBody>
+          <a:bodyPr>
+            <a:normAutofit/>
+          </a:bodyPr>
+          <a:lstStyle/>
+          <a:p>
+            <a:endParaRPr lang="es-ES"/>
+          </a:p>
+        </p:txBody>
+      </p:sp>
+      <p:sp>
+        <p:nvSpPr>
+          <p:cNvPr id="4" name="Slide Number Placeholder 3"/>
+          <p:cNvSpPr>
+            <a:spLocks noGrp="1"/>
+          </p:cNvSpPr>
+          <p:nvPr>
+            <p:ph type="sldNum" sz="quarter" idx="10"/>
+          </p:nvPr>
+        </p:nvSpPr>
+        <p:spPr/>
+        <p:txBody>
+          <a:bodyPr/>
+          <a:lstStyle/>
+          <a:p>
+            <a:fld id="{054CFC5F-265C-4220-88EE-8BDCD7F9B77C}" type="slidenum">
+              <a:rPr lang="es-UY" smtClean="0"/>
+              <a:pPr/>
+              <a:t>10</a:t>
+            </a:fld>
+            <a:endParaRPr lang="es-UY"/>
+          </a:p>
+        </p:txBody>
+      </p:sp>
+    </p:spTree>
+  </p:cSld>
+  <p:clrMapOvr>
+    <a:masterClrMapping/>
+  </p:clrMapOvr>
+</p:notes>
+</file>
+
+<file path=ppt/notesSlides/notesSlide11.xml><?xml version="1.0" encoding="utf-8"?>
+<p:notes xmlns:a="http://schemas.openxmlformats.org/drawingml/2006/main" xmlns:r="http://schemas.openxmlformats.org/officeDocument/2006/relationships" xmlns:p="http://schemas.openxmlformats.org/presentationml/2006/main">
+  <p:cSld>
+    <p:spTree>
+      <p:nvGrpSpPr>
+        <p:cNvPr id="1" name=""/>
+        <p:cNvGrpSpPr/>
+        <p:nvPr/>
+      </p:nvGrpSpPr>
+      <p:grpSpPr>
+        <a:xfrm>
+          <a:off x="0" y="0"/>
+          <a:ext cx="0" cy="0"/>
+          <a:chOff x="0" y="0"/>
+          <a:chExt cx="0" cy="0"/>
+        </a:xfrm>
+      </p:grpSpPr>
+      <p:sp>
+        <p:nvSpPr>
+          <p:cNvPr id="2" name="Slide Image Placeholder 1"/>
+          <p:cNvSpPr>
+            <a:spLocks noGrp="1" noRot="1" noChangeAspect="1"/>
+          </p:cNvSpPr>
+          <p:nvPr>
+            <p:ph type="sldImg"/>
+          </p:nvPr>
+        </p:nvSpPr>
+        <p:spPr/>
+      </p:sp>
+      <p:sp>
+        <p:nvSpPr>
+          <p:cNvPr id="3" name="Notes Placeholder 2"/>
+          <p:cNvSpPr>
+            <a:spLocks noGrp="1"/>
+          </p:cNvSpPr>
+          <p:nvPr>
+            <p:ph type="body" idx="1"/>
+          </p:nvPr>
+        </p:nvSpPr>
+        <p:spPr/>
+        <p:txBody>
+          <a:bodyPr>
+            <a:normAutofit/>
+          </a:bodyPr>
+          <a:lstStyle/>
+          <a:p>
+            <a:endParaRPr lang="es-ES"/>
+          </a:p>
+        </p:txBody>
+      </p:sp>
+      <p:sp>
+        <p:nvSpPr>
+          <p:cNvPr id="4" name="Slide Number Placeholder 3"/>
+          <p:cNvSpPr>
+            <a:spLocks noGrp="1"/>
+          </p:cNvSpPr>
+          <p:nvPr>
+            <p:ph type="sldNum" sz="quarter" idx="10"/>
+          </p:nvPr>
+        </p:nvSpPr>
+        <p:spPr/>
+        <p:txBody>
+          <a:bodyPr/>
+          <a:lstStyle/>
+          <a:p>
+            <a:fld id="{054CFC5F-265C-4220-88EE-8BDCD7F9B77C}" type="slidenum">
+              <a:rPr lang="es-UY" smtClean="0"/>
+              <a:pPr/>
+              <a:t>11</a:t>
+            </a:fld>
+            <a:endParaRPr lang="es-UY"/>
+          </a:p>
+        </p:txBody>
+      </p:sp>
+    </p:spTree>
+  </p:cSld>
+  <p:clrMapOvr>
+    <a:masterClrMapping/>
+  </p:clrMapOvr>
+</p:notes>
+</file>
+
+<file path=ppt/notesSlides/notesSlide12.xml><?xml version="1.0" encoding="utf-8"?>
+<p:notes xmlns:a="http://schemas.openxmlformats.org/drawingml/2006/main" xmlns:r="http://schemas.openxmlformats.org/officeDocument/2006/relationships" xmlns:p="http://schemas.openxmlformats.org/presentationml/2006/main">
+  <p:cSld>
+    <p:spTree>
+      <p:nvGrpSpPr>
+        <p:cNvPr id="1" name=""/>
+        <p:cNvGrpSpPr/>
+        <p:nvPr/>
+      </p:nvGrpSpPr>
+      <p:grpSpPr>
+        <a:xfrm>
+          <a:off x="0" y="0"/>
+          <a:ext cx="0" cy="0"/>
+          <a:chOff x="0" y="0"/>
+          <a:chExt cx="0" cy="0"/>
+        </a:xfrm>
+      </p:grpSpPr>
+      <p:sp>
+        <p:nvSpPr>
+          <p:cNvPr id="2" name="Slide Image Placeholder 1"/>
+          <p:cNvSpPr>
+            <a:spLocks noGrp="1" noRot="1" noChangeAspect="1"/>
+          </p:cNvSpPr>
+          <p:nvPr>
+            <p:ph type="sldImg"/>
+          </p:nvPr>
+        </p:nvSpPr>
+        <p:spPr/>
+      </p:sp>
+      <p:sp>
+        <p:nvSpPr>
+          <p:cNvPr id="3" name="Notes Placeholder 2"/>
+          <p:cNvSpPr>
+            <a:spLocks noGrp="1"/>
+          </p:cNvSpPr>
+          <p:nvPr>
+            <p:ph type="body" idx="1"/>
+          </p:nvPr>
+        </p:nvSpPr>
+        <p:spPr/>
+        <p:txBody>
+          <a:bodyPr>
+            <a:normAutofit/>
+          </a:bodyPr>
+          <a:lstStyle/>
+          <a:p>
+            <a:endParaRPr lang="es-ES"/>
+          </a:p>
+        </p:txBody>
+      </p:sp>
+      <p:sp>
+        <p:nvSpPr>
+          <p:cNvPr id="4" name="Slide Number Placeholder 3"/>
+          <p:cNvSpPr>
+            <a:spLocks noGrp="1"/>
+          </p:cNvSpPr>
+          <p:nvPr>
+            <p:ph type="sldNum" sz="quarter" idx="10"/>
+          </p:nvPr>
+        </p:nvSpPr>
+        <p:spPr/>
+        <p:txBody>
+          <a:bodyPr/>
+          <a:lstStyle/>
+          <a:p>
+            <a:fld id="{054CFC5F-265C-4220-88EE-8BDCD7F9B77C}" type="slidenum">
+              <a:rPr lang="es-UY" smtClean="0"/>
+              <a:pPr/>
+              <a:t>12</a:t>
+            </a:fld>
+            <a:endParaRPr lang="es-UY"/>
+          </a:p>
+        </p:txBody>
+      </p:sp>
+    </p:spTree>
+  </p:cSld>
+  <p:clrMapOvr>
+    <a:masterClrMapping/>
+  </p:clrMapOvr>
+</p:notes>
+</file>
+
+<file path=ppt/notesSlides/notesSlide13.xml><?xml version="1.0" encoding="utf-8"?>
+<p:notes xmlns:a="http://schemas.openxmlformats.org/drawingml/2006/main" xmlns:r="http://schemas.openxmlformats.org/officeDocument/2006/relationships" xmlns:p="http://schemas.openxmlformats.org/presentationml/2006/main">
+  <p:cSld>
+    <p:spTree>
+      <p:nvGrpSpPr>
+        <p:cNvPr id="1" name=""/>
+        <p:cNvGrpSpPr/>
+        <p:nvPr/>
+      </p:nvGrpSpPr>
+      <p:grpSpPr>
+        <a:xfrm>
+          <a:off x="0" y="0"/>
+          <a:ext cx="0" cy="0"/>
+          <a:chOff x="0" y="0"/>
+          <a:chExt cx="0" cy="0"/>
+        </a:xfrm>
+      </p:grpSpPr>
+      <p:sp>
+        <p:nvSpPr>
+          <p:cNvPr id="2" name="Slide Image Placeholder 1"/>
+          <p:cNvSpPr>
+            <a:spLocks noGrp="1" noRot="1" noChangeAspect="1"/>
+          </p:cNvSpPr>
+          <p:nvPr>
+            <p:ph type="sldImg"/>
+          </p:nvPr>
+        </p:nvSpPr>
+        <p:spPr/>
+      </p:sp>
+      <p:sp>
+        <p:nvSpPr>
+          <p:cNvPr id="3" name="Notes Placeholder 2"/>
+          <p:cNvSpPr>
+            <a:spLocks noGrp="1"/>
+          </p:cNvSpPr>
+          <p:nvPr>
+            <p:ph type="body" idx="1"/>
+          </p:nvPr>
+        </p:nvSpPr>
+        <p:spPr/>
+        <p:txBody>
+          <a:bodyPr>
+            <a:normAutofit/>
+          </a:bodyPr>
+          <a:lstStyle/>
+          <a:p>
+            <a:endParaRPr lang="es-ES"/>
+          </a:p>
+        </p:txBody>
+      </p:sp>
+      <p:sp>
+        <p:nvSpPr>
+          <p:cNvPr id="4" name="Slide Number Placeholder 3"/>
+          <p:cNvSpPr>
+            <a:spLocks noGrp="1"/>
+          </p:cNvSpPr>
+          <p:nvPr>
+            <p:ph type="sldNum" sz="quarter" idx="10"/>
+          </p:nvPr>
+        </p:nvSpPr>
+        <p:spPr/>
+        <p:txBody>
+          <a:bodyPr/>
+          <a:lstStyle/>
+          <a:p>
+            <a:fld id="{054CFC5F-265C-4220-88EE-8BDCD7F9B77C}" type="slidenum">
+              <a:rPr lang="es-UY" smtClean="0"/>
+              <a:pPr/>
+              <a:t>13</a:t>
+            </a:fld>
+            <a:endParaRPr lang="es-UY"/>
+          </a:p>
+        </p:txBody>
+      </p:sp>
+    </p:spTree>
+  </p:cSld>
+  <p:clrMapOvr>
+    <a:masterClrMapping/>
+  </p:clrMapOvr>
+</p:notes>
+</file>
+
+<file path=ppt/notesSlides/notesSlide14.xml><?xml version="1.0" encoding="utf-8"?>
+<p:notes xmlns:a="http://schemas.openxmlformats.org/drawingml/2006/main" xmlns:r="http://schemas.openxmlformats.org/officeDocument/2006/relationships" xmlns:p="http://schemas.openxmlformats.org/presentationml/2006/main">
+  <p:cSld>
+    <p:spTree>
+      <p:nvGrpSpPr>
+        <p:cNvPr id="1" name=""/>
+        <p:cNvGrpSpPr/>
+        <p:nvPr/>
+      </p:nvGrpSpPr>
+      <p:grpSpPr>
+        <a:xfrm>
+          <a:off x="0" y="0"/>
+          <a:ext cx="0" cy="0"/>
+          <a:chOff x="0" y="0"/>
+          <a:chExt cx="0" cy="0"/>
+        </a:xfrm>
+      </p:grpSpPr>
+      <p:sp>
+        <p:nvSpPr>
+          <p:cNvPr id="2" name="Slide Image Placeholder 1"/>
+          <p:cNvSpPr>
+            <a:spLocks noGrp="1" noRot="1" noChangeAspect="1"/>
+          </p:cNvSpPr>
+          <p:nvPr>
+            <p:ph type="sldImg"/>
+          </p:nvPr>
+        </p:nvSpPr>
+        <p:spPr/>
+      </p:sp>
+      <p:sp>
+        <p:nvSpPr>
+          <p:cNvPr id="3" name="Notes Placeholder 2"/>
+          <p:cNvSpPr>
+            <a:spLocks noGrp="1"/>
+          </p:cNvSpPr>
+          <p:nvPr>
+            <p:ph type="body" idx="1"/>
+          </p:nvPr>
+        </p:nvSpPr>
+        <p:spPr/>
+        <p:txBody>
+          <a:bodyPr>
+            <a:normAutofit/>
+          </a:bodyPr>
+          <a:lstStyle/>
+          <a:p>
+            <a:endParaRPr lang="es-ES"/>
+          </a:p>
+        </p:txBody>
+      </p:sp>
+      <p:sp>
+        <p:nvSpPr>
+          <p:cNvPr id="4" name="Slide Number Placeholder 3"/>
+          <p:cNvSpPr>
+            <a:spLocks noGrp="1"/>
+          </p:cNvSpPr>
+          <p:nvPr>
+            <p:ph type="sldNum" sz="quarter" idx="10"/>
+          </p:nvPr>
+        </p:nvSpPr>
+        <p:spPr/>
+        <p:txBody>
+          <a:bodyPr/>
+          <a:lstStyle/>
+          <a:p>
+            <a:fld id="{054CFC5F-265C-4220-88EE-8BDCD7F9B77C}" type="slidenum">
+              <a:rPr lang="es-UY" smtClean="0"/>
+              <a:pPr/>
+              <a:t>14</a:t>
+            </a:fld>
+            <a:endParaRPr lang="es-UY"/>
+          </a:p>
+        </p:txBody>
+      </p:sp>
+    </p:spTree>
+  </p:cSld>
+  <p:clrMapOvr>
+    <a:masterClrMapping/>
+  </p:clrMapOvr>
+</p:notes>
+</file>
+
+<file path=ppt/notesSlides/notesSlide15.xml><?xml version="1.0" encoding="utf-8"?>
+<p:notes xmlns:a="http://schemas.openxmlformats.org/drawingml/2006/main" xmlns:r="http://schemas.openxmlformats.org/officeDocument/2006/relationships" xmlns:p="http://schemas.openxmlformats.org/presentationml/2006/main">
+  <p:cSld>
+    <p:spTree>
+      <p:nvGrpSpPr>
+        <p:cNvPr id="1" name=""/>
+        <p:cNvGrpSpPr/>
+        <p:nvPr/>
+      </p:nvGrpSpPr>
+      <p:grpSpPr>
+        <a:xfrm>
+          <a:off x="0" y="0"/>
+          <a:ext cx="0" cy="0"/>
+          <a:chOff x="0" y="0"/>
+          <a:chExt cx="0" cy="0"/>
+        </a:xfrm>
+      </p:grpSpPr>
+      <p:sp>
+        <p:nvSpPr>
+          <p:cNvPr id="2" name="Slide Image Placeholder 1"/>
+          <p:cNvSpPr>
+            <a:spLocks noGrp="1" noRot="1" noChangeAspect="1"/>
+          </p:cNvSpPr>
+          <p:nvPr>
+            <p:ph type="sldImg"/>
+          </p:nvPr>
+        </p:nvSpPr>
+        <p:spPr/>
+      </p:sp>
+      <p:sp>
+        <p:nvSpPr>
+          <p:cNvPr id="3" name="Notes Placeholder 2"/>
+          <p:cNvSpPr>
+            <a:spLocks noGrp="1"/>
+          </p:cNvSpPr>
+          <p:nvPr>
+            <p:ph type="body" idx="1"/>
+          </p:nvPr>
+        </p:nvSpPr>
+        <p:spPr/>
+        <p:txBody>
+          <a:bodyPr>
+            <a:normAutofit/>
+          </a:bodyPr>
+          <a:lstStyle/>
+          <a:p>
+            <a:endParaRPr lang="es-ES"/>
+          </a:p>
+        </p:txBody>
+      </p:sp>
+      <p:sp>
+        <p:nvSpPr>
+          <p:cNvPr id="4" name="Slide Number Placeholder 3"/>
+          <p:cNvSpPr>
+            <a:spLocks noGrp="1"/>
+          </p:cNvSpPr>
+          <p:nvPr>
+            <p:ph type="sldNum" sz="quarter" idx="10"/>
+          </p:nvPr>
+        </p:nvSpPr>
+        <p:spPr/>
+        <p:txBody>
+          <a:bodyPr/>
+          <a:lstStyle/>
+          <a:p>
+            <a:fld id="{054CFC5F-265C-4220-88EE-8BDCD7F9B77C}" type="slidenum">
+              <a:rPr lang="es-UY" smtClean="0"/>
+              <a:pPr/>
+              <a:t>15</a:t>
+            </a:fld>
+            <a:endParaRPr lang="es-UY"/>
+          </a:p>
+        </p:txBody>
+      </p:sp>
+    </p:spTree>
+  </p:cSld>
+  <p:clrMapOvr>
+    <a:masterClrMapping/>
+  </p:clrMapOvr>
+</p:notes>
+</file>
+
+<file path=ppt/notesSlides/notesSlide16.xml><?xml version="1.0" encoding="utf-8"?>
+<p:notes xmlns:a="http://schemas.openxmlformats.org/drawingml/2006/main" xmlns:r="http://schemas.openxmlformats.org/officeDocument/2006/relationships" xmlns:p="http://schemas.openxmlformats.org/presentationml/2006/main">
+  <p:cSld>
+    <p:spTree>
+      <p:nvGrpSpPr>
+        <p:cNvPr id="1" name=""/>
+        <p:cNvGrpSpPr/>
+        <p:nvPr/>
+      </p:nvGrpSpPr>
+      <p:grpSpPr>
+        <a:xfrm>
+          <a:off x="0" y="0"/>
+          <a:ext cx="0" cy="0"/>
+          <a:chOff x="0" y="0"/>
+          <a:chExt cx="0" cy="0"/>
+        </a:xfrm>
+      </p:grpSpPr>
+      <p:sp>
+        <p:nvSpPr>
+          <p:cNvPr id="2" name="Slide Image Placeholder 1"/>
+          <p:cNvSpPr>
+            <a:spLocks noGrp="1" noRot="1" noChangeAspect="1"/>
+          </p:cNvSpPr>
+          <p:nvPr>
+            <p:ph type="sldImg"/>
+          </p:nvPr>
+        </p:nvSpPr>
+        <p:spPr/>
+      </p:sp>
+      <p:sp>
+        <p:nvSpPr>
+          <p:cNvPr id="3" name="Notes Placeholder 2"/>
+          <p:cNvSpPr>
+            <a:spLocks noGrp="1"/>
+          </p:cNvSpPr>
+          <p:nvPr>
+            <p:ph type="body" idx="1"/>
+          </p:nvPr>
+        </p:nvSpPr>
+        <p:spPr/>
+        <p:txBody>
+          <a:bodyPr>
+            <a:normAutofit/>
+          </a:bodyPr>
+          <a:lstStyle/>
+          <a:p>
+            <a:endParaRPr lang="es-ES"/>
+          </a:p>
+        </p:txBody>
+      </p:sp>
+      <p:sp>
+        <p:nvSpPr>
+          <p:cNvPr id="4" name="Slide Number Placeholder 3"/>
+          <p:cNvSpPr>
+            <a:spLocks noGrp="1"/>
+          </p:cNvSpPr>
+          <p:nvPr>
+            <p:ph type="sldNum" sz="quarter" idx="10"/>
+          </p:nvPr>
+        </p:nvSpPr>
+        <p:spPr/>
+        <p:txBody>
+          <a:bodyPr/>
+          <a:lstStyle/>
+          <a:p>
+            <a:fld id="{054CFC5F-265C-4220-88EE-8BDCD7F9B77C}" type="slidenum">
+              <a:rPr lang="es-UY" smtClean="0"/>
+              <a:pPr/>
+              <a:t>16</a:t>
+            </a:fld>
+            <a:endParaRPr lang="es-UY"/>
+          </a:p>
+        </p:txBody>
+      </p:sp>
+    </p:spTree>
+  </p:cSld>
+  <p:clrMapOvr>
+    <a:masterClrMapping/>
+  </p:clrMapOvr>
+</p:notes>
+</file>
+
+<file path=ppt/notesSlides/notesSlide17.xml><?xml version="1.0" encoding="utf-8"?>
+<p:notes xmlns:a="http://schemas.openxmlformats.org/drawingml/2006/main" xmlns:r="http://schemas.openxmlformats.org/officeDocument/2006/relationships" xmlns:p="http://schemas.openxmlformats.org/presentationml/2006/main">
+  <p:cSld>
+    <p:spTree>
+      <p:nvGrpSpPr>
+        <p:cNvPr id="1" name=""/>
+        <p:cNvGrpSpPr/>
+        <p:nvPr/>
+      </p:nvGrpSpPr>
+      <p:grpSpPr>
+        <a:xfrm>
+          <a:off x="0" y="0"/>
+          <a:ext cx="0" cy="0"/>
+          <a:chOff x="0" y="0"/>
+          <a:chExt cx="0" cy="0"/>
+        </a:xfrm>
+      </p:grpSpPr>
+      <p:sp>
+        <p:nvSpPr>
+          <p:cNvPr id="2" name="Slide Image Placeholder 1"/>
+          <p:cNvSpPr>
+            <a:spLocks noGrp="1" noRot="1" noChangeAspect="1"/>
+          </p:cNvSpPr>
+          <p:nvPr>
+            <p:ph type="sldImg"/>
+          </p:nvPr>
+        </p:nvSpPr>
+        <p:spPr/>
+      </p:sp>
+      <p:sp>
+        <p:nvSpPr>
+          <p:cNvPr id="3" name="Notes Placeholder 2"/>
+          <p:cNvSpPr>
+            <a:spLocks noGrp="1"/>
+          </p:cNvSpPr>
+          <p:nvPr>
+            <p:ph type="body" idx="1"/>
+          </p:nvPr>
+        </p:nvSpPr>
+        <p:spPr/>
+        <p:txBody>
+          <a:bodyPr>
+            <a:normAutofit/>
+          </a:bodyPr>
+          <a:lstStyle/>
+          <a:p>
+            <a:endParaRPr lang="es-ES"/>
+          </a:p>
+        </p:txBody>
+      </p:sp>
+      <p:sp>
+        <p:nvSpPr>
+          <p:cNvPr id="4" name="Slide Number Placeholder 3"/>
+          <p:cNvSpPr>
+            <a:spLocks noGrp="1"/>
+          </p:cNvSpPr>
+          <p:nvPr>
+            <p:ph type="sldNum" sz="quarter" idx="10"/>
+          </p:nvPr>
+        </p:nvSpPr>
+        <p:spPr/>
+        <p:txBody>
+          <a:bodyPr/>
+          <a:lstStyle/>
+          <a:p>
+            <a:fld id="{054CFC5F-265C-4220-88EE-8BDCD7F9B77C}" type="slidenum">
+              <a:rPr lang="es-UY" smtClean="0"/>
+              <a:pPr/>
+              <a:t>17</a:t>
+            </a:fld>
+            <a:endParaRPr lang="es-UY"/>
+          </a:p>
+        </p:txBody>
+      </p:sp>
+    </p:spTree>
+  </p:cSld>
+  <p:clrMapOvr>
+    <a:masterClrMapping/>
+  </p:clrMapOvr>
+</p:notes>
+</file>
+
+<file path=ppt/notesSlides/notesSlide18.xml><?xml version="1.0" encoding="utf-8"?>
+<p:notes xmlns:a="http://schemas.openxmlformats.org/drawingml/2006/main" xmlns:r="http://schemas.openxmlformats.org/officeDocument/2006/relationships" xmlns:p="http://schemas.openxmlformats.org/presentationml/2006/main">
+  <p:cSld>
+    <p:spTree>
+      <p:nvGrpSpPr>
+        <p:cNvPr id="1" name=""/>
+        <p:cNvGrpSpPr/>
+        <p:nvPr/>
+      </p:nvGrpSpPr>
+      <p:grpSpPr>
+        <a:xfrm>
+          <a:off x="0" y="0"/>
+          <a:ext cx="0" cy="0"/>
+          <a:chOff x="0" y="0"/>
+          <a:chExt cx="0" cy="0"/>
+        </a:xfrm>
+      </p:grpSpPr>
+      <p:sp>
+        <p:nvSpPr>
+          <p:cNvPr id="2" name="Slide Image Placeholder 1"/>
+          <p:cNvSpPr>
+            <a:spLocks noGrp="1" noRot="1" noChangeAspect="1"/>
+          </p:cNvSpPr>
+          <p:nvPr>
+            <p:ph type="sldImg"/>
+          </p:nvPr>
+        </p:nvSpPr>
+        <p:spPr/>
+      </p:sp>
+      <p:sp>
+        <p:nvSpPr>
+          <p:cNvPr id="3" name="Notes Placeholder 2"/>
+          <p:cNvSpPr>
+            <a:spLocks noGrp="1"/>
+          </p:cNvSpPr>
+          <p:nvPr>
+            <p:ph type="body" idx="1"/>
+          </p:nvPr>
+        </p:nvSpPr>
+        <p:spPr/>
+        <p:txBody>
+          <a:bodyPr>
+            <a:normAutofit/>
+          </a:bodyPr>
+          <a:lstStyle/>
+          <a:p>
+            <a:endParaRPr lang="es-ES"/>
+          </a:p>
+        </p:txBody>
+      </p:sp>
+      <p:sp>
+        <p:nvSpPr>
+          <p:cNvPr id="4" name="Slide Number Placeholder 3"/>
+          <p:cNvSpPr>
+            <a:spLocks noGrp="1"/>
+          </p:cNvSpPr>
+          <p:nvPr>
+            <p:ph type="sldNum" sz="quarter" idx="10"/>
+          </p:nvPr>
+        </p:nvSpPr>
+        <p:spPr/>
+        <p:txBody>
+          <a:bodyPr/>
+          <a:lstStyle/>
+          <a:p>
+            <a:fld id="{054CFC5F-265C-4220-88EE-8BDCD7F9B77C}" type="slidenum">
+              <a:rPr lang="es-UY" smtClean="0"/>
+              <a:pPr/>
+              <a:t>18</a:t>
+            </a:fld>
+            <a:endParaRPr lang="es-UY"/>
+          </a:p>
+        </p:txBody>
+      </p:sp>
+    </p:spTree>
+  </p:cSld>
+  <p:clrMapOvr>
+    <a:masterClrMapping/>
+  </p:clrMapOvr>
+</p:notes>
+</file>
+
+<file path=ppt/notesSlides/notesSlide19.xml><?xml version="1.0" encoding="utf-8"?>
+<p:notes xmlns:a="http://schemas.openxmlformats.org/drawingml/2006/main" xmlns:r="http://schemas.openxmlformats.org/officeDocument/2006/relationships" xmlns:p="http://schemas.openxmlformats.org/presentationml/2006/main">
+  <p:cSld>
+    <p:spTree>
+      <p:nvGrpSpPr>
+        <p:cNvPr id="1" name=""/>
+        <p:cNvGrpSpPr/>
+        <p:nvPr/>
+      </p:nvGrpSpPr>
+      <p:grpSpPr>
+        <a:xfrm>
+          <a:off x="0" y="0"/>
+          <a:ext cx="0" cy="0"/>
+          <a:chOff x="0" y="0"/>
+          <a:chExt cx="0" cy="0"/>
+        </a:xfrm>
+      </p:grpSpPr>
+      <p:sp>
+        <p:nvSpPr>
+          <p:cNvPr id="2" name="Slide Image Placeholder 1"/>
+          <p:cNvSpPr>
+            <a:spLocks noGrp="1" noRot="1" noChangeAspect="1"/>
+          </p:cNvSpPr>
+          <p:nvPr>
+            <p:ph type="sldImg"/>
+          </p:nvPr>
+        </p:nvSpPr>
+        <p:spPr/>
+      </p:sp>
+      <p:sp>
+        <p:nvSpPr>
+          <p:cNvPr id="3" name="Notes Placeholder 2"/>
+          <p:cNvSpPr>
+            <a:spLocks noGrp="1"/>
+          </p:cNvSpPr>
+          <p:nvPr>
+            <p:ph type="body" idx="1"/>
+          </p:nvPr>
+        </p:nvSpPr>
+        <p:spPr/>
+        <p:txBody>
+          <a:bodyPr>
+            <a:normAutofit/>
+          </a:bodyPr>
+          <a:lstStyle/>
+          <a:p>
+            <a:endParaRPr lang="es-ES"/>
+          </a:p>
+        </p:txBody>
+      </p:sp>
+      <p:sp>
+        <p:nvSpPr>
+          <p:cNvPr id="4" name="Slide Number Placeholder 3"/>
+          <p:cNvSpPr>
+            <a:spLocks noGrp="1"/>
+          </p:cNvSpPr>
+          <p:nvPr>
+            <p:ph type="sldNum" sz="quarter" idx="10"/>
+          </p:nvPr>
+        </p:nvSpPr>
+        <p:spPr/>
+        <p:txBody>
+          <a:bodyPr/>
+          <a:lstStyle/>
+          <a:p>
+            <a:fld id="{054CFC5F-265C-4220-88EE-8BDCD7F9B77C}" type="slidenum">
+              <a:rPr lang="es-UY" smtClean="0"/>
+              <a:pPr/>
+              <a:t>19</a:t>
+            </a:fld>
+            <a:endParaRPr lang="es-UY"/>
+          </a:p>
+        </p:txBody>
+      </p:sp>
+    </p:spTree>
+  </p:cSld>
+  <p:clrMapOvr>
+    <a:masterClrMapping/>
+  </p:clrMapOvr>
+</p:notes>
+</file>
+
+<file path=ppt/notesSlides/notesSlide2.xml><?xml version="1.0" encoding="utf-8"?>
+<p:notes xmlns:a="http://schemas.openxmlformats.org/drawingml/2006/main" xmlns:r="http://schemas.openxmlformats.org/officeDocument/2006/relationships" xmlns:p="http://schemas.openxmlformats.org/presentationml/2006/main">
+  <p:cSld>
+    <p:spTree>
+      <p:nvGrpSpPr>
+        <p:cNvPr id="1" name=""/>
+        <p:cNvGrpSpPr/>
+        <p:nvPr/>
+      </p:nvGrpSpPr>
+      <p:grpSpPr>
+        <a:xfrm>
+          <a:off x="0" y="0"/>
+          <a:ext cx="0" cy="0"/>
+          <a:chOff x="0" y="0"/>
+          <a:chExt cx="0" cy="0"/>
+        </a:xfrm>
+      </p:grpSpPr>
+      <p:sp>
+        <p:nvSpPr>
+          <p:cNvPr id="2" name="Slide Image Placeholder 1"/>
+          <p:cNvSpPr>
+            <a:spLocks noGrp="1" noRot="1" noChangeAspect="1"/>
+          </p:cNvSpPr>
+          <p:nvPr>
+            <p:ph type="sldImg"/>
+          </p:nvPr>
+        </p:nvSpPr>
+        <p:spPr/>
+      </p:sp>
+      <p:sp>
+        <p:nvSpPr>
+          <p:cNvPr id="3" name="Notes Placeholder 2"/>
+          <p:cNvSpPr>
+            <a:spLocks noGrp="1"/>
+          </p:cNvSpPr>
+          <p:nvPr>
+            <p:ph type="body" idx="1"/>
+          </p:nvPr>
+        </p:nvSpPr>
+        <p:spPr/>
+        <p:txBody>
+          <a:bodyPr>
+            <a:normAutofit/>
+          </a:bodyPr>
+          <a:lstStyle/>
+          <a:p>
+            <a:endParaRPr lang="es-ES"/>
+          </a:p>
+        </p:txBody>
+      </p:sp>
+      <p:sp>
+        <p:nvSpPr>
+          <p:cNvPr id="4" name="Slide Number Placeholder 3"/>
+          <p:cNvSpPr>
+            <a:spLocks noGrp="1"/>
+          </p:cNvSpPr>
+          <p:nvPr>
+            <p:ph type="sldNum" sz="quarter" idx="10"/>
+          </p:nvPr>
+        </p:nvSpPr>
+        <p:spPr/>
+        <p:txBody>
+          <a:bodyPr/>
+          <a:lstStyle/>
+          <a:p>
+            <a:fld id="{054CFC5F-265C-4220-88EE-8BDCD7F9B77C}" type="slidenum">
+              <a:rPr lang="es-UY" smtClean="0"/>
+              <a:pPr/>
+              <a:t>2</a:t>
+            </a:fld>
+            <a:endParaRPr lang="es-UY"/>
+          </a:p>
+        </p:txBody>
+      </p:sp>
+    </p:spTree>
+  </p:cSld>
+  <p:clrMapOvr>
+    <a:masterClrMapping/>
+  </p:clrMapOvr>
+</p:notes>
+</file>
+
+<file path=ppt/notesSlides/notesSlide20.xml><?xml version="1.0" encoding="utf-8"?>
+<p:notes xmlns:a="http://schemas.openxmlformats.org/drawingml/2006/main" xmlns:r="http://schemas.openxmlformats.org/officeDocument/2006/relationships" xmlns:p="http://schemas.openxmlformats.org/presentationml/2006/main">
+  <p:cSld>
+    <p:spTree>
+      <p:nvGrpSpPr>
+        <p:cNvPr id="1" name=""/>
+        <p:cNvGrpSpPr/>
+        <p:nvPr/>
+      </p:nvGrpSpPr>
+      <p:grpSpPr>
+        <a:xfrm>
+          <a:off x="0" y="0"/>
+          <a:ext cx="0" cy="0"/>
+          <a:chOff x="0" y="0"/>
+          <a:chExt cx="0" cy="0"/>
+        </a:xfrm>
+      </p:grpSpPr>
+      <p:sp>
+        <p:nvSpPr>
+          <p:cNvPr id="2" name="Slide Image Placeholder 1"/>
+          <p:cNvSpPr>
+            <a:spLocks noGrp="1" noRot="1" noChangeAspect="1"/>
+          </p:cNvSpPr>
+          <p:nvPr>
+            <p:ph type="sldImg"/>
+          </p:nvPr>
+        </p:nvSpPr>
+        <p:spPr/>
+      </p:sp>
+      <p:sp>
+        <p:nvSpPr>
+          <p:cNvPr id="3" name="Notes Placeholder 2"/>
+          <p:cNvSpPr>
+            <a:spLocks noGrp="1"/>
+          </p:cNvSpPr>
+          <p:nvPr>
+            <p:ph type="body" idx="1"/>
+          </p:nvPr>
+        </p:nvSpPr>
+        <p:spPr/>
+        <p:txBody>
+          <a:bodyPr>
+            <a:normAutofit/>
+          </a:bodyPr>
+          <a:lstStyle/>
+          <a:p>
+            <a:endParaRPr lang="es-ES"/>
+          </a:p>
+        </p:txBody>
+      </p:sp>
+      <p:sp>
+        <p:nvSpPr>
+          <p:cNvPr id="4" name="Slide Number Placeholder 3"/>
+          <p:cNvSpPr>
+            <a:spLocks noGrp="1"/>
+          </p:cNvSpPr>
+          <p:nvPr>
+            <p:ph type="sldNum" sz="quarter" idx="10"/>
+          </p:nvPr>
+        </p:nvSpPr>
+        <p:spPr/>
+        <p:txBody>
+          <a:bodyPr/>
+          <a:lstStyle/>
+          <a:p>
+            <a:fld id="{054CFC5F-265C-4220-88EE-8BDCD7F9B77C}" type="slidenum">
+              <a:rPr lang="es-UY" smtClean="0"/>
+              <a:pPr/>
+              <a:t>20</a:t>
+            </a:fld>
+            <a:endParaRPr lang="es-UY"/>
+          </a:p>
+        </p:txBody>
+      </p:sp>
+    </p:spTree>
+  </p:cSld>
+  <p:clrMapOvr>
+    <a:masterClrMapping/>
+  </p:clrMapOvr>
+</p:notes>
+</file>
+
+<file path=ppt/notesSlides/notesSlide21.xml><?xml version="1.0" encoding="utf-8"?>
+<p:notes xmlns:a="http://schemas.openxmlformats.org/drawingml/2006/main" xmlns:r="http://schemas.openxmlformats.org/officeDocument/2006/relationships" xmlns:p="http://schemas.openxmlformats.org/presentationml/2006/main">
+  <p:cSld>
+    <p:spTree>
+      <p:nvGrpSpPr>
+        <p:cNvPr id="1" name=""/>
+        <p:cNvGrpSpPr/>
+        <p:nvPr/>
+      </p:nvGrpSpPr>
+      <p:grpSpPr>
+        <a:xfrm>
+          <a:off x="0" y="0"/>
+          <a:ext cx="0" cy="0"/>
+          <a:chOff x="0" y="0"/>
+          <a:chExt cx="0" cy="0"/>
+        </a:xfrm>
+      </p:grpSpPr>
+      <p:sp>
+        <p:nvSpPr>
+          <p:cNvPr id="2" name="Slide Image Placeholder 1"/>
+          <p:cNvSpPr>
+            <a:spLocks noGrp="1" noRot="1" noChangeAspect="1"/>
+          </p:cNvSpPr>
+          <p:nvPr>
+            <p:ph type="sldImg"/>
+          </p:nvPr>
+        </p:nvSpPr>
+        <p:spPr/>
+      </p:sp>
+      <p:sp>
+        <p:nvSpPr>
+          <p:cNvPr id="3" name="Notes Placeholder 2"/>
+          <p:cNvSpPr>
+            <a:spLocks noGrp="1"/>
+          </p:cNvSpPr>
+          <p:nvPr>
+            <p:ph type="body" idx="1"/>
+          </p:nvPr>
+        </p:nvSpPr>
+        <p:spPr/>
+        <p:txBody>
+          <a:bodyPr>
+            <a:normAutofit/>
+          </a:bodyPr>
+          <a:lstStyle/>
+          <a:p>
+            <a:endParaRPr lang="es-ES"/>
+          </a:p>
+        </p:txBody>
+      </p:sp>
+      <p:sp>
+        <p:nvSpPr>
+          <p:cNvPr id="4" name="Slide Number Placeholder 3"/>
+          <p:cNvSpPr>
+            <a:spLocks noGrp="1"/>
+          </p:cNvSpPr>
+          <p:nvPr>
+            <p:ph type="sldNum" sz="quarter" idx="10"/>
+          </p:nvPr>
+        </p:nvSpPr>
+        <p:spPr/>
+        <p:txBody>
+          <a:bodyPr/>
+          <a:lstStyle/>
+          <a:p>
+            <a:fld id="{054CFC5F-265C-4220-88EE-8BDCD7F9B77C}" type="slidenum">
+              <a:rPr lang="es-UY" smtClean="0"/>
+              <a:pPr/>
+              <a:t>21</a:t>
+            </a:fld>
+            <a:endParaRPr lang="es-UY"/>
+          </a:p>
+        </p:txBody>
+      </p:sp>
+    </p:spTree>
+  </p:cSld>
+  <p:clrMapOvr>
+    <a:masterClrMapping/>
+  </p:clrMapOvr>
+</p:notes>
+</file>
+
+<file path=ppt/notesSlides/notesSlide22.xml><?xml version="1.0" encoding="utf-8"?>
+<p:notes xmlns:a="http://schemas.openxmlformats.org/drawingml/2006/main" xmlns:r="http://schemas.openxmlformats.org/officeDocument/2006/relationships" xmlns:p="http://schemas.openxmlformats.org/presentationml/2006/main">
+  <p:cSld>
+    <p:spTree>
+      <p:nvGrpSpPr>
+        <p:cNvPr id="1" name=""/>
+        <p:cNvGrpSpPr/>
+        <p:nvPr/>
+      </p:nvGrpSpPr>
+      <p:grpSpPr>
+        <a:xfrm>
+          <a:off x="0" y="0"/>
+          <a:ext cx="0" cy="0"/>
+          <a:chOff x="0" y="0"/>
+          <a:chExt cx="0" cy="0"/>
+        </a:xfrm>
+      </p:grpSpPr>
+      <p:sp>
+        <p:nvSpPr>
+          <p:cNvPr id="2" name="Slide Image Placeholder 1"/>
+          <p:cNvSpPr>
+            <a:spLocks noGrp="1" noRot="1" noChangeAspect="1"/>
+          </p:cNvSpPr>
+          <p:nvPr>
+            <p:ph type="sldImg"/>
+          </p:nvPr>
+        </p:nvSpPr>
+        <p:spPr/>
+      </p:sp>
+      <p:sp>
+        <p:nvSpPr>
+          <p:cNvPr id="3" name="Notes Placeholder 2"/>
+          <p:cNvSpPr>
+            <a:spLocks noGrp="1"/>
+          </p:cNvSpPr>
+          <p:nvPr>
+            <p:ph type="body" idx="1"/>
+          </p:nvPr>
+        </p:nvSpPr>
+        <p:spPr/>
+        <p:txBody>
+          <a:bodyPr>
+            <a:normAutofit/>
+          </a:bodyPr>
+          <a:lstStyle/>
+          <a:p>
+            <a:endParaRPr lang="es-ES"/>
+          </a:p>
+        </p:txBody>
+      </p:sp>
+      <p:sp>
+        <p:nvSpPr>
+          <p:cNvPr id="4" name="Slide Number Placeholder 3"/>
+          <p:cNvSpPr>
+            <a:spLocks noGrp="1"/>
+          </p:cNvSpPr>
+          <p:nvPr>
+            <p:ph type="sldNum" sz="quarter" idx="10"/>
+          </p:nvPr>
+        </p:nvSpPr>
+        <p:spPr/>
+        <p:txBody>
+          <a:bodyPr/>
+          <a:lstStyle/>
+          <a:p>
+            <a:fld id="{054CFC5F-265C-4220-88EE-8BDCD7F9B77C}" type="slidenum">
+              <a:rPr lang="es-UY" smtClean="0"/>
+              <a:pPr/>
+              <a:t>22</a:t>
+            </a:fld>
+            <a:endParaRPr lang="es-UY"/>
+          </a:p>
+        </p:txBody>
+      </p:sp>
+    </p:spTree>
+  </p:cSld>
+  <p:clrMapOvr>
+    <a:masterClrMapping/>
+  </p:clrMapOvr>
+</p:notes>
+</file>
+
+<file path=ppt/notesSlides/notesSlide23.xml><?xml version="1.0" encoding="utf-8"?>
+<p:notes xmlns:a="http://schemas.openxmlformats.org/drawingml/2006/main" xmlns:r="http://schemas.openxmlformats.org/officeDocument/2006/relationships" xmlns:p="http://schemas.openxmlformats.org/presentationml/2006/main">
+  <p:cSld>
+    <p:spTree>
+      <p:nvGrpSpPr>
+        <p:cNvPr id="1" name=""/>
+        <p:cNvGrpSpPr/>
+        <p:nvPr/>
+      </p:nvGrpSpPr>
+      <p:grpSpPr>
+        <a:xfrm>
+          <a:off x="0" y="0"/>
+          <a:ext cx="0" cy="0"/>
+          <a:chOff x="0" y="0"/>
+          <a:chExt cx="0" cy="0"/>
+        </a:xfrm>
+      </p:grpSpPr>
+      <p:sp>
+        <p:nvSpPr>
+          <p:cNvPr id="2" name="Slide Image Placeholder 1"/>
+          <p:cNvSpPr>
+            <a:spLocks noGrp="1" noRot="1" noChangeAspect="1"/>
+          </p:cNvSpPr>
+          <p:nvPr>
+            <p:ph type="sldImg"/>
+          </p:nvPr>
+        </p:nvSpPr>
+        <p:spPr/>
+      </p:sp>
+      <p:sp>
+        <p:nvSpPr>
+          <p:cNvPr id="3" name="Notes Placeholder 2"/>
+          <p:cNvSpPr>
+            <a:spLocks noGrp="1"/>
+          </p:cNvSpPr>
+          <p:nvPr>
+            <p:ph type="body" idx="1"/>
+          </p:nvPr>
+        </p:nvSpPr>
+        <p:spPr/>
+        <p:txBody>
+          <a:bodyPr>
+            <a:normAutofit/>
+          </a:bodyPr>
+          <a:lstStyle/>
+          <a:p>
+            <a:endParaRPr lang="es-ES"/>
+          </a:p>
+        </p:txBody>
+      </p:sp>
+      <p:sp>
+        <p:nvSpPr>
+          <p:cNvPr id="4" name="Slide Number Placeholder 3"/>
+          <p:cNvSpPr>
+            <a:spLocks noGrp="1"/>
+          </p:cNvSpPr>
+          <p:nvPr>
+            <p:ph type="sldNum" sz="quarter" idx="10"/>
+          </p:nvPr>
+        </p:nvSpPr>
+        <p:spPr/>
+        <p:txBody>
+          <a:bodyPr/>
+          <a:lstStyle/>
+          <a:p>
+            <a:fld id="{054CFC5F-265C-4220-88EE-8BDCD7F9B77C}" type="slidenum">
+              <a:rPr lang="es-UY" smtClean="0"/>
+              <a:pPr/>
+              <a:t>23</a:t>
+            </a:fld>
+            <a:endParaRPr lang="es-UY"/>
+          </a:p>
+        </p:txBody>
+      </p:sp>
+    </p:spTree>
+  </p:cSld>
+  <p:clrMapOvr>
+    <a:masterClrMapping/>
+  </p:clrMapOvr>
+</p:notes>
+</file>
+
+<file path=ppt/notesSlides/notesSlide24.xml><?xml version="1.0" encoding="utf-8"?>
+<p:notes xmlns:a="http://schemas.openxmlformats.org/drawingml/2006/main" xmlns:r="http://schemas.openxmlformats.org/officeDocument/2006/relationships" xmlns:p="http://schemas.openxmlformats.org/presentationml/2006/main">
+  <p:cSld>
+    <p:spTree>
+      <p:nvGrpSpPr>
+        <p:cNvPr id="1" name=""/>
+        <p:cNvGrpSpPr/>
+        <p:nvPr/>
+      </p:nvGrpSpPr>
+      <p:grpSpPr>
+        <a:xfrm>
+          <a:off x="0" y="0"/>
+          <a:ext cx="0" cy="0"/>
+          <a:chOff x="0" y="0"/>
+          <a:chExt cx="0" cy="0"/>
+        </a:xfrm>
+      </p:grpSpPr>
+      <p:sp>
+        <p:nvSpPr>
+          <p:cNvPr id="2" name="Slide Image Placeholder 1"/>
+          <p:cNvSpPr>
+            <a:spLocks noGrp="1" noRot="1" noChangeAspect="1"/>
+          </p:cNvSpPr>
+          <p:nvPr>
+            <p:ph type="sldImg"/>
+          </p:nvPr>
+        </p:nvSpPr>
+        <p:spPr/>
+      </p:sp>
+      <p:sp>
+        <p:nvSpPr>
+          <p:cNvPr id="3" name="Notes Placeholder 2"/>
+          <p:cNvSpPr>
+            <a:spLocks noGrp="1"/>
+          </p:cNvSpPr>
+          <p:nvPr>
+            <p:ph type="body" idx="1"/>
+          </p:nvPr>
+        </p:nvSpPr>
+        <p:spPr/>
+        <p:txBody>
+          <a:bodyPr>
+            <a:normAutofit/>
+          </a:bodyPr>
+          <a:lstStyle/>
+          <a:p>
+            <a:endParaRPr lang="es-ES"/>
+          </a:p>
+        </p:txBody>
+      </p:sp>
+      <p:sp>
+        <p:nvSpPr>
+          <p:cNvPr id="4" name="Slide Number Placeholder 3"/>
+          <p:cNvSpPr>
+            <a:spLocks noGrp="1"/>
+          </p:cNvSpPr>
+          <p:nvPr>
+            <p:ph type="sldNum" sz="quarter" idx="10"/>
+          </p:nvPr>
+        </p:nvSpPr>
+        <p:spPr/>
+        <p:txBody>
+          <a:bodyPr/>
+          <a:lstStyle/>
+          <a:p>
+            <a:fld id="{054CFC5F-265C-4220-88EE-8BDCD7F9B77C}" type="slidenum">
+              <a:rPr lang="es-UY" smtClean="0"/>
+              <a:pPr/>
+              <a:t>24</a:t>
+            </a:fld>
+            <a:endParaRPr lang="es-UY"/>
+          </a:p>
+        </p:txBody>
+      </p:sp>
+    </p:spTree>
+  </p:cSld>
+  <p:clrMapOvr>
+    <a:masterClrMapping/>
+  </p:clrMapOvr>
+</p:notes>
+</file>
+
+<file path=ppt/notesSlides/notesSlide25.xml><?xml version="1.0" encoding="utf-8"?>
+<p:notes xmlns:a="http://schemas.openxmlformats.org/drawingml/2006/main" xmlns:r="http://schemas.openxmlformats.org/officeDocument/2006/relationships" xmlns:p="http://schemas.openxmlformats.org/presentationml/2006/main">
+  <p:cSld>
+    <p:spTree>
+      <p:nvGrpSpPr>
+        <p:cNvPr id="1" name=""/>
+        <p:cNvGrpSpPr/>
+        <p:nvPr/>
+      </p:nvGrpSpPr>
+      <p:grpSpPr>
+        <a:xfrm>
+          <a:off x="0" y="0"/>
+          <a:ext cx="0" cy="0"/>
+          <a:chOff x="0" y="0"/>
+          <a:chExt cx="0" cy="0"/>
+        </a:xfrm>
+      </p:grpSpPr>
+      <p:sp>
+        <p:nvSpPr>
+          <p:cNvPr id="2" name="Slide Image Placeholder 1"/>
+          <p:cNvSpPr>
+            <a:spLocks noGrp="1" noRot="1" noChangeAspect="1"/>
+          </p:cNvSpPr>
+          <p:nvPr>
+            <p:ph type="sldImg"/>
+          </p:nvPr>
+        </p:nvSpPr>
+        <p:spPr/>
+      </p:sp>
+      <p:sp>
+        <p:nvSpPr>
+          <p:cNvPr id="3" name="Notes Placeholder 2"/>
+          <p:cNvSpPr>
+            <a:spLocks noGrp="1"/>
+          </p:cNvSpPr>
+          <p:nvPr>
+            <p:ph type="body" idx="1"/>
+          </p:nvPr>
+        </p:nvSpPr>
+        <p:spPr/>
+        <p:txBody>
+          <a:bodyPr>
+            <a:normAutofit/>
+          </a:bodyPr>
+          <a:lstStyle/>
+          <a:p>
+            <a:endParaRPr lang="es-ES"/>
+          </a:p>
+        </p:txBody>
+      </p:sp>
+      <p:sp>
+        <p:nvSpPr>
+          <p:cNvPr id="4" name="Slide Number Placeholder 3"/>
+          <p:cNvSpPr>
+            <a:spLocks noGrp="1"/>
+          </p:cNvSpPr>
+          <p:nvPr>
+            <p:ph type="sldNum" sz="quarter" idx="10"/>
+          </p:nvPr>
+        </p:nvSpPr>
+        <p:spPr/>
+        <p:txBody>
+          <a:bodyPr/>
+          <a:lstStyle/>
+          <a:p>
+            <a:fld id="{054CFC5F-265C-4220-88EE-8BDCD7F9B77C}" type="slidenum">
+              <a:rPr lang="es-UY" smtClean="0"/>
+              <a:pPr/>
+              <a:t>25</a:t>
+            </a:fld>
+            <a:endParaRPr lang="es-UY"/>
+          </a:p>
+        </p:txBody>
+      </p:sp>
+    </p:spTree>
+  </p:cSld>
+  <p:clrMapOvr>
+    <a:masterClrMapping/>
+  </p:clrMapOvr>
+</p:notes>
+</file>
+
+<file path=ppt/notesSlides/notesSlide26.xml><?xml version="1.0" encoding="utf-8"?>
+<p:notes xmlns:a="http://schemas.openxmlformats.org/drawingml/2006/main" xmlns:r="http://schemas.openxmlformats.org/officeDocument/2006/relationships" xmlns:p="http://schemas.openxmlformats.org/presentationml/2006/main">
+  <p:cSld>
+    <p:spTree>
+      <p:nvGrpSpPr>
+        <p:cNvPr id="1" name=""/>
+        <p:cNvGrpSpPr/>
+        <p:nvPr/>
+      </p:nvGrpSpPr>
+      <p:grpSpPr>
+        <a:xfrm>
+          <a:off x="0" y="0"/>
+          <a:ext cx="0" cy="0"/>
+          <a:chOff x="0" y="0"/>
+          <a:chExt cx="0" cy="0"/>
+        </a:xfrm>
+      </p:grpSpPr>
+      <p:sp>
+        <p:nvSpPr>
+          <p:cNvPr id="2" name="Slide Image Placeholder 1"/>
+          <p:cNvSpPr>
+            <a:spLocks noGrp="1" noRot="1" noChangeAspect="1"/>
+          </p:cNvSpPr>
+          <p:nvPr>
+            <p:ph type="sldImg"/>
+          </p:nvPr>
+        </p:nvSpPr>
+        <p:spPr/>
+      </p:sp>
+      <p:sp>
+        <p:nvSpPr>
+          <p:cNvPr id="3" name="Notes Placeholder 2"/>
+          <p:cNvSpPr>
+            <a:spLocks noGrp="1"/>
+          </p:cNvSpPr>
+          <p:nvPr>
+            <p:ph type="body" idx="1"/>
+          </p:nvPr>
+        </p:nvSpPr>
+        <p:spPr/>
+        <p:txBody>
+          <a:bodyPr>
+            <a:normAutofit/>
+          </a:bodyPr>
+          <a:lstStyle/>
+          <a:p>
+            <a:endParaRPr lang="es-ES"/>
+          </a:p>
+        </p:txBody>
+      </p:sp>
+      <p:sp>
+        <p:nvSpPr>
+          <p:cNvPr id="4" name="Slide Number Placeholder 3"/>
+          <p:cNvSpPr>
+            <a:spLocks noGrp="1"/>
+          </p:cNvSpPr>
+          <p:nvPr>
+            <p:ph type="sldNum" sz="quarter" idx="10"/>
+          </p:nvPr>
+        </p:nvSpPr>
+        <p:spPr/>
+        <p:txBody>
+          <a:bodyPr/>
+          <a:lstStyle/>
+          <a:p>
+            <a:fld id="{054CFC5F-265C-4220-88EE-8BDCD7F9B77C}" type="slidenum">
+              <a:rPr lang="es-UY" smtClean="0"/>
+              <a:pPr/>
+              <a:t>26</a:t>
+            </a:fld>
+            <a:endParaRPr lang="es-UY"/>
+          </a:p>
+        </p:txBody>
+      </p:sp>
+    </p:spTree>
+  </p:cSld>
+  <p:clrMapOvr>
+    <a:masterClrMapping/>
+  </p:clrMapOvr>
+</p:notes>
+</file>
+
+<file path=ppt/notesSlides/notesSlide27.xml><?xml version="1.0" encoding="utf-8"?>
+<p:notes xmlns:a="http://schemas.openxmlformats.org/drawingml/2006/main" xmlns:r="http://schemas.openxmlformats.org/officeDocument/2006/relationships" xmlns:p="http://schemas.openxmlformats.org/presentationml/2006/main">
+  <p:cSld>
+    <p:spTree>
+      <p:nvGrpSpPr>
+        <p:cNvPr id="1" name=""/>
+        <p:cNvGrpSpPr/>
+        <p:nvPr/>
+      </p:nvGrpSpPr>
+      <p:grpSpPr>
+        <a:xfrm>
+          <a:off x="0" y="0"/>
+          <a:ext cx="0" cy="0"/>
+          <a:chOff x="0" y="0"/>
+          <a:chExt cx="0" cy="0"/>
+        </a:xfrm>
+      </p:grpSpPr>
+      <p:sp>
+        <p:nvSpPr>
+          <p:cNvPr id="2" name="Slide Image Placeholder 1"/>
+          <p:cNvSpPr>
+            <a:spLocks noGrp="1" noRot="1" noChangeAspect="1"/>
+          </p:cNvSpPr>
+          <p:nvPr>
+            <p:ph type="sldImg"/>
+          </p:nvPr>
+        </p:nvSpPr>
+        <p:spPr/>
+      </p:sp>
+      <p:sp>
+        <p:nvSpPr>
+          <p:cNvPr id="3" name="Notes Placeholder 2"/>
+          <p:cNvSpPr>
+            <a:spLocks noGrp="1"/>
+          </p:cNvSpPr>
+          <p:nvPr>
+            <p:ph type="body" idx="1"/>
+          </p:nvPr>
+        </p:nvSpPr>
+        <p:spPr/>
+        <p:txBody>
+          <a:bodyPr>
+            <a:normAutofit/>
+          </a:bodyPr>
+          <a:lstStyle/>
+          <a:p>
+            <a:endParaRPr lang="es-ES"/>
+          </a:p>
+        </p:txBody>
+      </p:sp>
+      <p:sp>
+        <p:nvSpPr>
+          <p:cNvPr id="4" name="Slide Number Placeholder 3"/>
+          <p:cNvSpPr>
+            <a:spLocks noGrp="1"/>
+          </p:cNvSpPr>
+          <p:nvPr>
+            <p:ph type="sldNum" sz="quarter" idx="10"/>
+          </p:nvPr>
+        </p:nvSpPr>
+        <p:spPr/>
+        <p:txBody>
+          <a:bodyPr/>
+          <a:lstStyle/>
+          <a:p>
+            <a:fld id="{054CFC5F-265C-4220-88EE-8BDCD7F9B77C}" type="slidenum">
+              <a:rPr lang="es-UY" smtClean="0"/>
+              <a:pPr/>
+              <a:t>27</a:t>
+            </a:fld>
+            <a:endParaRPr lang="es-UY"/>
+          </a:p>
+        </p:txBody>
+      </p:sp>
+    </p:spTree>
+  </p:cSld>
+  <p:clrMapOvr>
+    <a:masterClrMapping/>
+  </p:clrMapOvr>
+</p:notes>
+</file>
+
+<file path=ppt/notesSlides/notesSlide28.xml><?xml version="1.0" encoding="utf-8"?>
+<p:notes xmlns:a="http://schemas.openxmlformats.org/drawingml/2006/main" xmlns:r="http://schemas.openxmlformats.org/officeDocument/2006/relationships" xmlns:p="http://schemas.openxmlformats.org/presentationml/2006/main">
+  <p:cSld>
+    <p:spTree>
+      <p:nvGrpSpPr>
+        <p:cNvPr id="1" name=""/>
+        <p:cNvGrpSpPr/>
+        <p:nvPr/>
+      </p:nvGrpSpPr>
+      <p:grpSpPr>
+        <a:xfrm>
+          <a:off x="0" y="0"/>
+          <a:ext cx="0" cy="0"/>
+          <a:chOff x="0" y="0"/>
+          <a:chExt cx="0" cy="0"/>
+        </a:xfrm>
+      </p:grpSpPr>
+      <p:sp>
+        <p:nvSpPr>
+          <p:cNvPr id="2" name="Slide Image Placeholder 1"/>
+          <p:cNvSpPr>
+            <a:spLocks noGrp="1" noRot="1" noChangeAspect="1"/>
+          </p:cNvSpPr>
+          <p:nvPr>
+            <p:ph type="sldImg"/>
+          </p:nvPr>
+        </p:nvSpPr>
+        <p:spPr/>
+      </p:sp>
+      <p:sp>
+        <p:nvSpPr>
+          <p:cNvPr id="3" name="Notes Placeholder 2"/>
+          <p:cNvSpPr>
+            <a:spLocks noGrp="1"/>
+          </p:cNvSpPr>
+          <p:nvPr>
+            <p:ph type="body" idx="1"/>
+          </p:nvPr>
+        </p:nvSpPr>
+        <p:spPr/>
+        <p:txBody>
+          <a:bodyPr>
+            <a:normAutofit/>
+          </a:bodyPr>
+          <a:lstStyle/>
+          <a:p>
+            <a:endParaRPr lang="es-ES"/>
+          </a:p>
+        </p:txBody>
+      </p:sp>
+      <p:sp>
+        <p:nvSpPr>
+          <p:cNvPr id="4" name="Slide Number Placeholder 3"/>
+          <p:cNvSpPr>
+            <a:spLocks noGrp="1"/>
+          </p:cNvSpPr>
+          <p:nvPr>
+            <p:ph type="sldNum" sz="quarter" idx="10"/>
+          </p:nvPr>
+        </p:nvSpPr>
+        <p:spPr/>
+        <p:txBody>
+          <a:bodyPr/>
+          <a:lstStyle/>
+          <a:p>
+            <a:fld id="{054CFC5F-265C-4220-88EE-8BDCD7F9B77C}" type="slidenum">
+              <a:rPr lang="es-UY" smtClean="0"/>
+              <a:pPr/>
+              <a:t>28</a:t>
+            </a:fld>
+            <a:endParaRPr lang="es-UY"/>
+          </a:p>
+        </p:txBody>
+      </p:sp>
+    </p:spTree>
+  </p:cSld>
+  <p:clrMapOvr>
+    <a:masterClrMapping/>
+  </p:clrMapOvr>
+</p:notes>
+</file>
+
+<file path=ppt/notesSlides/notesSlide29.xml><?xml version="1.0" encoding="utf-8"?>
+<p:notes xmlns:a="http://schemas.openxmlformats.org/drawingml/2006/main" xmlns:r="http://schemas.openxmlformats.org/officeDocument/2006/relationships" xmlns:p="http://schemas.openxmlformats.org/presentationml/2006/main">
+  <p:cSld>
+    <p:spTree>
+      <p:nvGrpSpPr>
+        <p:cNvPr id="1" name=""/>
+        <p:cNvGrpSpPr/>
+        <p:nvPr/>
+      </p:nvGrpSpPr>
+      <p:grpSpPr>
+        <a:xfrm>
+          <a:off x="0" y="0"/>
+          <a:ext cx="0" cy="0"/>
+          <a:chOff x="0" y="0"/>
+          <a:chExt cx="0" cy="0"/>
+        </a:xfrm>
+      </p:grpSpPr>
+      <p:sp>
+        <p:nvSpPr>
+          <p:cNvPr id="2" name="Slide Image Placeholder 1"/>
+          <p:cNvSpPr>
+            <a:spLocks noGrp="1" noRot="1" noChangeAspect="1"/>
+          </p:cNvSpPr>
+          <p:nvPr>
+            <p:ph type="sldImg"/>
+          </p:nvPr>
+        </p:nvSpPr>
+        <p:spPr/>
+      </p:sp>
+      <p:sp>
+        <p:nvSpPr>
+          <p:cNvPr id="3" name="Notes Placeholder 2"/>
+          <p:cNvSpPr>
+            <a:spLocks noGrp="1"/>
+          </p:cNvSpPr>
+          <p:nvPr>
+            <p:ph type="body" idx="1"/>
+          </p:nvPr>
+        </p:nvSpPr>
+        <p:spPr/>
+        <p:txBody>
+          <a:bodyPr>
+            <a:normAutofit/>
+          </a:bodyPr>
+          <a:lstStyle/>
+          <a:p>
+            <a:endParaRPr lang="es-ES"/>
+          </a:p>
+        </p:txBody>
+      </p:sp>
+      <p:sp>
+        <p:nvSpPr>
+          <p:cNvPr id="4" name="Slide Number Placeholder 3"/>
+          <p:cNvSpPr>
+            <a:spLocks noGrp="1"/>
+          </p:cNvSpPr>
+          <p:nvPr>
+            <p:ph type="sldNum" sz="quarter" idx="10"/>
+          </p:nvPr>
+        </p:nvSpPr>
+        <p:spPr/>
+        <p:txBody>
+          <a:bodyPr/>
+          <a:lstStyle/>
+          <a:p>
+            <a:fld id="{054CFC5F-265C-4220-88EE-8BDCD7F9B77C}" type="slidenum">
+              <a:rPr lang="es-UY" smtClean="0"/>
+              <a:pPr/>
+              <a:t>29</a:t>
+            </a:fld>
+            <a:endParaRPr lang="es-UY"/>
+          </a:p>
+        </p:txBody>
+      </p:sp>
+    </p:spTree>
+  </p:cSld>
+  <p:clrMapOvr>
+    <a:masterClrMapping/>
+  </p:clrMapOvr>
+</p:notes>
+</file>
+
+<file path=ppt/notesSlides/notesSlide3.xml><?xml version="1.0" encoding="utf-8"?>
+<p:notes xmlns:a="http://schemas.openxmlformats.org/drawingml/2006/main" xmlns:r="http://schemas.openxmlformats.org/officeDocument/2006/relationships" xmlns:p="http://schemas.openxmlformats.org/presentationml/2006/main">
+  <p:cSld>
+    <p:spTree>
+      <p:nvGrpSpPr>
+        <p:cNvPr id="1" name=""/>
+        <p:cNvGrpSpPr/>
+        <p:nvPr/>
+      </p:nvGrpSpPr>
+      <p:grpSpPr>
+        <a:xfrm>
+          <a:off x="0" y="0"/>
+          <a:ext cx="0" cy="0"/>
+          <a:chOff x="0" y="0"/>
+          <a:chExt cx="0" cy="0"/>
+        </a:xfrm>
+      </p:grpSpPr>
+      <p:sp>
+        <p:nvSpPr>
+          <p:cNvPr id="2" name="Slide Image Placeholder 1"/>
+          <p:cNvSpPr>
+            <a:spLocks noGrp="1" noRot="1" noChangeAspect="1"/>
+          </p:cNvSpPr>
+          <p:nvPr>
+            <p:ph type="sldImg"/>
+          </p:nvPr>
+        </p:nvSpPr>
+        <p:spPr/>
+      </p:sp>
+      <p:sp>
+        <p:nvSpPr>
+          <p:cNvPr id="3" name="Notes Placeholder 2"/>
+          <p:cNvSpPr>
+            <a:spLocks noGrp="1"/>
+          </p:cNvSpPr>
+          <p:nvPr>
+            <p:ph type="body" idx="1"/>
+          </p:nvPr>
+        </p:nvSpPr>
+        <p:spPr/>
+        <p:txBody>
+          <a:bodyPr>
+            <a:normAutofit/>
+          </a:bodyPr>
+          <a:lstStyle/>
+          <a:p>
+            <a:endParaRPr lang="es-ES"/>
+          </a:p>
+        </p:txBody>
+      </p:sp>
+      <p:sp>
+        <p:nvSpPr>
+          <p:cNvPr id="4" name="Slide Number Placeholder 3"/>
+          <p:cNvSpPr>
+            <a:spLocks noGrp="1"/>
+          </p:cNvSpPr>
+          <p:nvPr>
+            <p:ph type="sldNum" sz="quarter" idx="10"/>
+          </p:nvPr>
+        </p:nvSpPr>
+        <p:spPr/>
+        <p:txBody>
+          <a:bodyPr/>
+          <a:lstStyle/>
+          <a:p>
+            <a:fld id="{054CFC5F-265C-4220-88EE-8BDCD7F9B77C}" type="slidenum">
+              <a:rPr lang="es-UY" smtClean="0"/>
+              <a:pPr/>
+              <a:t>3</a:t>
+            </a:fld>
+            <a:endParaRPr lang="es-UY"/>
+          </a:p>
+        </p:txBody>
+      </p:sp>
+    </p:spTree>
+  </p:cSld>
+  <p:clrMapOvr>
+    <a:masterClrMapping/>
+  </p:clrMapOvr>
+</p:notes>
+</file>
+
+<file path=ppt/notesSlides/notesSlide30.xml><?xml version="1.0" encoding="utf-8"?>
+<p:notes xmlns:a="http://schemas.openxmlformats.org/drawingml/2006/main" xmlns:r="http://schemas.openxmlformats.org/officeDocument/2006/relationships" xmlns:p="http://schemas.openxmlformats.org/presentationml/2006/main">
+  <p:cSld>
+    <p:spTree>
+      <p:nvGrpSpPr>
+        <p:cNvPr id="1" name=""/>
+        <p:cNvGrpSpPr/>
+        <p:nvPr/>
+      </p:nvGrpSpPr>
+      <p:grpSpPr>
+        <a:xfrm>
+          <a:off x="0" y="0"/>
+          <a:ext cx="0" cy="0"/>
+          <a:chOff x="0" y="0"/>
+          <a:chExt cx="0" cy="0"/>
+        </a:xfrm>
+      </p:grpSpPr>
+      <p:sp>
+        <p:nvSpPr>
+          <p:cNvPr id="2" name="Slide Image Placeholder 1"/>
+          <p:cNvSpPr>
+            <a:spLocks noGrp="1" noRot="1" noChangeAspect="1"/>
+          </p:cNvSpPr>
+          <p:nvPr>
+            <p:ph type="sldImg"/>
+          </p:nvPr>
+        </p:nvSpPr>
+        <p:spPr/>
+      </p:sp>
+      <p:sp>
+        <p:nvSpPr>
+          <p:cNvPr id="3" name="Notes Placeholder 2"/>
+          <p:cNvSpPr>
+            <a:spLocks noGrp="1"/>
+          </p:cNvSpPr>
+          <p:nvPr>
+            <p:ph type="body" idx="1"/>
+          </p:nvPr>
+        </p:nvSpPr>
+        <p:spPr/>
+        <p:txBody>
+          <a:bodyPr>
+            <a:normAutofit/>
+          </a:bodyPr>
+          <a:lstStyle/>
+          <a:p>
+            <a:endParaRPr lang="es-ES"/>
+          </a:p>
+        </p:txBody>
+      </p:sp>
+      <p:sp>
+        <p:nvSpPr>
+          <p:cNvPr id="4" name="Slide Number Placeholder 3"/>
+          <p:cNvSpPr>
+            <a:spLocks noGrp="1"/>
+          </p:cNvSpPr>
+          <p:nvPr>
+            <p:ph type="sldNum" sz="quarter" idx="10"/>
+          </p:nvPr>
+        </p:nvSpPr>
+        <p:spPr/>
+        <p:txBody>
+          <a:bodyPr/>
+          <a:lstStyle/>
+          <a:p>
+            <a:fld id="{054CFC5F-265C-4220-88EE-8BDCD7F9B77C}" type="slidenum">
+              <a:rPr lang="es-UY" smtClean="0"/>
+              <a:pPr/>
+              <a:t>30</a:t>
+            </a:fld>
+            <a:endParaRPr lang="es-UY"/>
+          </a:p>
+        </p:txBody>
+      </p:sp>
+    </p:spTree>
+  </p:cSld>
+  <p:clrMapOvr>
+    <a:masterClrMapping/>
+  </p:clrMapOvr>
+</p:notes>
+</file>
+
+<file path=ppt/notesSlides/notesSlide4.xml><?xml version="1.0" encoding="utf-8"?>
+<p:notes xmlns:a="http://schemas.openxmlformats.org/drawingml/2006/main" xmlns:r="http://schemas.openxmlformats.org/officeDocument/2006/relationships" xmlns:p="http://schemas.openxmlformats.org/presentationml/2006/main">
+  <p:cSld>
+    <p:spTree>
+      <p:nvGrpSpPr>
+        <p:cNvPr id="1" name=""/>
+        <p:cNvGrpSpPr/>
+        <p:nvPr/>
+      </p:nvGrpSpPr>
+      <p:grpSpPr>
+        <a:xfrm>
+          <a:off x="0" y="0"/>
+          <a:ext cx="0" cy="0"/>
+          <a:chOff x="0" y="0"/>
+          <a:chExt cx="0" cy="0"/>
+        </a:xfrm>
+      </p:grpSpPr>
+      <p:sp>
+        <p:nvSpPr>
+          <p:cNvPr id="2" name="Slide Image Placeholder 1"/>
+          <p:cNvSpPr>
+            <a:spLocks noGrp="1" noRot="1" noChangeAspect="1"/>
+          </p:cNvSpPr>
+          <p:nvPr>
+            <p:ph type="sldImg"/>
+          </p:nvPr>
+        </p:nvSpPr>
+        <p:spPr/>
+      </p:sp>
+      <p:sp>
+        <p:nvSpPr>
+          <p:cNvPr id="3" name="Notes Placeholder 2"/>
+          <p:cNvSpPr>
+            <a:spLocks noGrp="1"/>
+          </p:cNvSpPr>
+          <p:nvPr>
+            <p:ph type="body" idx="1"/>
+          </p:nvPr>
+        </p:nvSpPr>
+        <p:spPr/>
+        <p:txBody>
+          <a:bodyPr>
+            <a:normAutofit/>
+          </a:bodyPr>
+          <a:lstStyle/>
+          <a:p>
+            <a:endParaRPr lang="es-ES"/>
+          </a:p>
+        </p:txBody>
+      </p:sp>
+      <p:sp>
+        <p:nvSpPr>
+          <p:cNvPr id="4" name="Slide Number Placeholder 3"/>
+          <p:cNvSpPr>
+            <a:spLocks noGrp="1"/>
+          </p:cNvSpPr>
+          <p:nvPr>
+            <p:ph type="sldNum" sz="quarter" idx="10"/>
+          </p:nvPr>
+        </p:nvSpPr>
+        <p:spPr/>
+        <p:txBody>
+          <a:bodyPr/>
+          <a:lstStyle/>
+          <a:p>
+            <a:fld id="{054CFC5F-265C-4220-88EE-8BDCD7F9B77C}" type="slidenum">
+              <a:rPr lang="es-UY" smtClean="0"/>
+              <a:pPr/>
+              <a:t>4</a:t>
+            </a:fld>
+            <a:endParaRPr lang="es-UY"/>
+          </a:p>
+        </p:txBody>
+      </p:sp>
+    </p:spTree>
+  </p:cSld>
+  <p:clrMapOvr>
+    <a:masterClrMapping/>
+  </p:clrMapOvr>
+</p:notes>
+</file>
+
+<file path=ppt/notesSlides/notesSlide5.xml><?xml version="1.0" encoding="utf-8"?>
+<p:notes xmlns:a="http://schemas.openxmlformats.org/drawingml/2006/main" xmlns:r="http://schemas.openxmlformats.org/officeDocument/2006/relationships" xmlns:p="http://schemas.openxmlformats.org/presentationml/2006/main">
+  <p:cSld>
+    <p:spTree>
+      <p:nvGrpSpPr>
+        <p:cNvPr id="1" name=""/>
+        <p:cNvGrpSpPr/>
+        <p:nvPr/>
+      </p:nvGrpSpPr>
+      <p:grpSpPr>
+        <a:xfrm>
+          <a:off x="0" y="0"/>
+          <a:ext cx="0" cy="0"/>
+          <a:chOff x="0" y="0"/>
+          <a:chExt cx="0" cy="0"/>
+        </a:xfrm>
+      </p:grpSpPr>
+      <p:sp>
+        <p:nvSpPr>
+          <p:cNvPr id="2" name="Slide Image Placeholder 1"/>
+          <p:cNvSpPr>
+            <a:spLocks noGrp="1" noRot="1" noChangeAspect="1"/>
+          </p:cNvSpPr>
+          <p:nvPr>
+            <p:ph type="sldImg"/>
+          </p:nvPr>
+        </p:nvSpPr>
+        <p:spPr/>
+      </p:sp>
+      <p:sp>
+        <p:nvSpPr>
+          <p:cNvPr id="3" name="Notes Placeholder 2"/>
+          <p:cNvSpPr>
+            <a:spLocks noGrp="1"/>
+          </p:cNvSpPr>
+          <p:nvPr>
+            <p:ph type="body" idx="1"/>
+          </p:nvPr>
+        </p:nvSpPr>
+        <p:spPr/>
+        <p:txBody>
+          <a:bodyPr>
+            <a:normAutofit/>
+          </a:bodyPr>
+          <a:lstStyle/>
+          <a:p>
+            <a:endParaRPr lang="es-ES"/>
+          </a:p>
+        </p:txBody>
+      </p:sp>
+      <p:sp>
+        <p:nvSpPr>
+          <p:cNvPr id="4" name="Slide Number Placeholder 3"/>
+          <p:cNvSpPr>
+            <a:spLocks noGrp="1"/>
+          </p:cNvSpPr>
+          <p:nvPr>
+            <p:ph type="sldNum" sz="quarter" idx="10"/>
+          </p:nvPr>
+        </p:nvSpPr>
+        <p:spPr/>
+        <p:txBody>
+          <a:bodyPr/>
+          <a:lstStyle/>
+          <a:p>
+            <a:fld id="{054CFC5F-265C-4220-88EE-8BDCD7F9B77C}" type="slidenum">
+              <a:rPr lang="es-UY" smtClean="0"/>
+              <a:pPr/>
+              <a:t>5</a:t>
+            </a:fld>
+            <a:endParaRPr lang="es-UY"/>
+          </a:p>
+        </p:txBody>
+      </p:sp>
+    </p:spTree>
+  </p:cSld>
+  <p:clrMapOvr>
+    <a:masterClrMapping/>
+  </p:clrMapOvr>
+</p:notes>
+</file>
+
+<file path=ppt/notesSlides/notesSlide6.xml><?xml version="1.0" encoding="utf-8"?>
+<p:notes xmlns:a="http://schemas.openxmlformats.org/drawingml/2006/main" xmlns:r="http://schemas.openxmlformats.org/officeDocument/2006/relationships" xmlns:p="http://schemas.openxmlformats.org/presentationml/2006/main">
+  <p:cSld>
+    <p:spTree>
+      <p:nvGrpSpPr>
+        <p:cNvPr id="1" name=""/>
+        <p:cNvGrpSpPr/>
+        <p:nvPr/>
+      </p:nvGrpSpPr>
+      <p:grpSpPr>
+        <a:xfrm>
+          <a:off x="0" y="0"/>
+          <a:ext cx="0" cy="0"/>
+          <a:chOff x="0" y="0"/>
+          <a:chExt cx="0" cy="0"/>
+        </a:xfrm>
+      </p:grpSpPr>
+      <p:sp>
+        <p:nvSpPr>
+          <p:cNvPr id="2" name="Slide Image Placeholder 1"/>
+          <p:cNvSpPr>
+            <a:spLocks noGrp="1" noRot="1" noChangeAspect="1"/>
+          </p:cNvSpPr>
+          <p:nvPr>
+            <p:ph type="sldImg"/>
+          </p:nvPr>
+        </p:nvSpPr>
+        <p:spPr/>
+      </p:sp>
+      <p:sp>
+        <p:nvSpPr>
+          <p:cNvPr id="3" name="Notes Placeholder 2"/>
+          <p:cNvSpPr>
+            <a:spLocks noGrp="1"/>
+          </p:cNvSpPr>
+          <p:nvPr>
+            <p:ph type="body" idx="1"/>
+          </p:nvPr>
+        </p:nvSpPr>
+        <p:spPr/>
+        <p:txBody>
+          <a:bodyPr>
+            <a:normAutofit/>
+          </a:bodyPr>
+          <a:lstStyle/>
+          <a:p>
+            <a:endParaRPr lang="es-ES"/>
+          </a:p>
+        </p:txBody>
+      </p:sp>
+      <p:sp>
+        <p:nvSpPr>
+          <p:cNvPr id="4" name="Slide Number Placeholder 3"/>
+          <p:cNvSpPr>
+            <a:spLocks noGrp="1"/>
+          </p:cNvSpPr>
+          <p:nvPr>
+            <p:ph type="sldNum" sz="quarter" idx="10"/>
+          </p:nvPr>
+        </p:nvSpPr>
+        <p:spPr/>
+        <p:txBody>
+          <a:bodyPr/>
+          <a:lstStyle/>
+          <a:p>
+            <a:fld id="{054CFC5F-265C-4220-88EE-8BDCD7F9B77C}" type="slidenum">
+              <a:rPr lang="es-UY" smtClean="0"/>
+              <a:pPr/>
+              <a:t>6</a:t>
+            </a:fld>
+            <a:endParaRPr lang="es-UY"/>
+          </a:p>
+        </p:txBody>
+      </p:sp>
+    </p:spTree>
+  </p:cSld>
+  <p:clrMapOvr>
+    <a:masterClrMapping/>
+  </p:clrMapOvr>
+</p:notes>
+</file>
+
+<file path=ppt/notesSlides/notesSlide7.xml><?xml version="1.0" encoding="utf-8"?>
+<p:notes xmlns:a="http://schemas.openxmlformats.org/drawingml/2006/main" xmlns:r="http://schemas.openxmlformats.org/officeDocument/2006/relationships" xmlns:p="http://schemas.openxmlformats.org/presentationml/2006/main">
+  <p:cSld>
+    <p:spTree>
+      <p:nvGrpSpPr>
+        <p:cNvPr id="1" name=""/>
+        <p:cNvGrpSpPr/>
+        <p:nvPr/>
+      </p:nvGrpSpPr>
+      <p:grpSpPr>
+        <a:xfrm>
+          <a:off x="0" y="0"/>
+          <a:ext cx="0" cy="0"/>
+          <a:chOff x="0" y="0"/>
+          <a:chExt cx="0" cy="0"/>
+        </a:xfrm>
+      </p:grpSpPr>
+      <p:sp>
+        <p:nvSpPr>
+          <p:cNvPr id="2" name="Slide Image Placeholder 1"/>
+          <p:cNvSpPr>
+            <a:spLocks noGrp="1" noRot="1" noChangeAspect="1"/>
+          </p:cNvSpPr>
+          <p:nvPr>
+            <p:ph type="sldImg"/>
+          </p:nvPr>
+        </p:nvSpPr>
+        <p:spPr/>
+      </p:sp>
+      <p:sp>
+        <p:nvSpPr>
+          <p:cNvPr id="3" name="Notes Placeholder 2"/>
+          <p:cNvSpPr>
+            <a:spLocks noGrp="1"/>
+          </p:cNvSpPr>
+          <p:nvPr>
+            <p:ph type="body" idx="1"/>
+          </p:nvPr>
+        </p:nvSpPr>
+        <p:spPr/>
+        <p:txBody>
+          <a:bodyPr>
+            <a:normAutofit/>
+          </a:bodyPr>
+          <a:lstStyle/>
+          <a:p>
+            <a:endParaRPr lang="es-ES"/>
+          </a:p>
+        </p:txBody>
+      </p:sp>
+      <p:sp>
+        <p:nvSpPr>
+          <p:cNvPr id="4" name="Slide Number Placeholder 3"/>
+          <p:cNvSpPr>
+            <a:spLocks noGrp="1"/>
+          </p:cNvSpPr>
+          <p:nvPr>
+            <p:ph type="sldNum" sz="quarter" idx="10"/>
+          </p:nvPr>
+        </p:nvSpPr>
+        <p:spPr/>
+        <p:txBody>
+          <a:bodyPr/>
+          <a:lstStyle/>
+          <a:p>
+            <a:fld id="{054CFC5F-265C-4220-88EE-8BDCD7F9B77C}" type="slidenum">
+              <a:rPr lang="es-UY" smtClean="0"/>
+              <a:pPr/>
+              <a:t>7</a:t>
+            </a:fld>
+            <a:endParaRPr lang="es-UY"/>
+          </a:p>
+        </p:txBody>
+      </p:sp>
+    </p:spTree>
+  </p:cSld>
+  <p:clrMapOvr>
+    <a:masterClrMapping/>
+  </p:clrMapOvr>
+</p:notes>
+</file>
+
+<file path=ppt/notesSlides/notesSlide8.xml><?xml version="1.0" encoding="utf-8"?>
+<p:notes xmlns:a="http://schemas.openxmlformats.org/drawingml/2006/main" xmlns:r="http://schemas.openxmlformats.org/officeDocument/2006/relationships" xmlns:p="http://schemas.openxmlformats.org/presentationml/2006/main">
+  <p:cSld>
+    <p:spTree>
+      <p:nvGrpSpPr>
+        <p:cNvPr id="1" name=""/>
+        <p:cNvGrpSpPr/>
+        <p:nvPr/>
+      </p:nvGrpSpPr>
+      <p:grpSpPr>
+        <a:xfrm>
+          <a:off x="0" y="0"/>
+          <a:ext cx="0" cy="0"/>
+          <a:chOff x="0" y="0"/>
+          <a:chExt cx="0" cy="0"/>
+        </a:xfrm>
+      </p:grpSpPr>
+      <p:sp>
+        <p:nvSpPr>
+          <p:cNvPr id="2" name="Slide Image Placeholder 1"/>
+          <p:cNvSpPr>
+            <a:spLocks noGrp="1" noRot="1" noChangeAspect="1"/>
+          </p:cNvSpPr>
+          <p:nvPr>
+            <p:ph type="sldImg"/>
+          </p:nvPr>
+        </p:nvSpPr>
+        <p:spPr/>
+      </p:sp>
+      <p:sp>
+        <p:nvSpPr>
+          <p:cNvPr id="3" name="Notes Placeholder 2"/>
+          <p:cNvSpPr>
+            <a:spLocks noGrp="1"/>
+          </p:cNvSpPr>
+          <p:nvPr>
+            <p:ph type="body" idx="1"/>
+          </p:nvPr>
+        </p:nvSpPr>
+        <p:spPr/>
+        <p:txBody>
+          <a:bodyPr>
+            <a:normAutofit/>
+          </a:bodyPr>
+          <a:lstStyle/>
+          <a:p>
+            <a:endParaRPr lang="es-ES"/>
+          </a:p>
+        </p:txBody>
+      </p:sp>
+      <p:sp>
+        <p:nvSpPr>
+          <p:cNvPr id="4" name="Slide Number Placeholder 3"/>
+          <p:cNvSpPr>
+            <a:spLocks noGrp="1"/>
+          </p:cNvSpPr>
+          <p:nvPr>
+            <p:ph type="sldNum" sz="quarter" idx="10"/>
+          </p:nvPr>
+        </p:nvSpPr>
+        <p:spPr/>
+        <p:txBody>
+          <a:bodyPr/>
+          <a:lstStyle/>
+          <a:p>
+            <a:fld id="{054CFC5F-265C-4220-88EE-8BDCD7F9B77C}" type="slidenum">
+              <a:rPr lang="es-UY" smtClean="0"/>
+              <a:pPr/>
+              <a:t>8</a:t>
+            </a:fld>
+            <a:endParaRPr lang="es-UY"/>
+          </a:p>
+        </p:txBody>
+      </p:sp>
+    </p:spTree>
+  </p:cSld>
+  <p:clrMapOvr>
+    <a:masterClrMapping/>
+  </p:clrMapOvr>
+</p:notes>
+</file>
+
+<file path=ppt/notesSlides/notesSlide9.xml><?xml version="1.0" encoding="utf-8"?>
+<p:notes xmlns:a="http://schemas.openxmlformats.org/drawingml/2006/main" xmlns:r="http://schemas.openxmlformats.org/officeDocument/2006/relationships" xmlns:p="http://schemas.openxmlformats.org/presentationml/2006/main">
+  <p:cSld>
+    <p:spTree>
+      <p:nvGrpSpPr>
+        <p:cNvPr id="1" name=""/>
+        <p:cNvGrpSpPr/>
+        <p:nvPr/>
+      </p:nvGrpSpPr>
+      <p:grpSpPr>
+        <a:xfrm>
+          <a:off x="0" y="0"/>
+          <a:ext cx="0" cy="0"/>
+          <a:chOff x="0" y="0"/>
+          <a:chExt cx="0" cy="0"/>
+        </a:xfrm>
+      </p:grpSpPr>
+      <p:sp>
+        <p:nvSpPr>
+          <p:cNvPr id="2" name="Slide Image Placeholder 1"/>
+          <p:cNvSpPr>
+            <a:spLocks noGrp="1" noRot="1" noChangeAspect="1"/>
+          </p:cNvSpPr>
+          <p:nvPr>
+            <p:ph type="sldImg"/>
+          </p:nvPr>
+        </p:nvSpPr>
+        <p:spPr/>
+      </p:sp>
+      <p:sp>
+        <p:nvSpPr>
+          <p:cNvPr id="3" name="Notes Placeholder 2"/>
+          <p:cNvSpPr>
+            <a:spLocks noGrp="1"/>
+          </p:cNvSpPr>
+          <p:nvPr>
+            <p:ph type="body" idx="1"/>
+          </p:nvPr>
+        </p:nvSpPr>
+        <p:spPr/>
+        <p:txBody>
+          <a:bodyPr>
+            <a:normAutofit/>
+          </a:bodyPr>
+          <a:lstStyle/>
+          <a:p>
+            <a:endParaRPr lang="es-ES"/>
+          </a:p>
+        </p:txBody>
+      </p:sp>
+      <p:sp>
+        <p:nvSpPr>
+          <p:cNvPr id="4" name="Slide Number Placeholder 3"/>
+          <p:cNvSpPr>
+            <a:spLocks noGrp="1"/>
+          </p:cNvSpPr>
+          <p:nvPr>
+            <p:ph type="sldNum" sz="quarter" idx="10"/>
+          </p:nvPr>
+        </p:nvSpPr>
+        <p:spPr/>
+        <p:txBody>
+          <a:bodyPr/>
+          <a:lstStyle/>
+          <a:p>
+            <a:fld id="{054CFC5F-265C-4220-88EE-8BDCD7F9B77C}" type="slidenum">
+              <a:rPr lang="es-UY" smtClean="0"/>
+              <a:pPr/>
+              <a:t>9</a:t>
+            </a:fld>
+            <a:endParaRPr lang="es-UY"/>
+          </a:p>
+        </p:txBody>
+      </p:sp>
+    </p:spTree>
+  </p:cSld>
+  <p:clrMapOvr>
+    <a:masterClrMapping/>
+  </p:clrMapOvr>
+</p:notes>
+</file>
+
 <file path=ppt/slideLayouts/slideLayout1.xml><?xml version="1.0" encoding="utf-8"?>
 <p:sldLayout xmlns:a="http://schemas.openxmlformats.org/drawingml/2006/main" xmlns:r="http://schemas.openxmlformats.org/officeDocument/2006/relationships" xmlns:p="http://schemas.openxmlformats.org/presentationml/2006/main" showMasterSp="0" type="title" preserve="1">
   <p:cSld name="Diapositiva de título">
@@ -623,7 +3086,7 @@
             <a:fld id="{7A847CFC-816F-41D0-AAC0-9BF4FEBC753E}" type="datetimeFigureOut">
               <a:rPr lang="es-ES" smtClean="0"/>
               <a:pPr/>
-              <a:t>16/05/2015</a:t>
+              <a:t>23/05/2015</a:t>
             </a:fld>
             <a:endParaRPr lang="es-ES"/>
           </a:p>
@@ -1494,7 +3957,7 @@
             <a:fld id="{7A847CFC-816F-41D0-AAC0-9BF4FEBC753E}" type="datetimeFigureOut">
               <a:rPr lang="es-ES" smtClean="0"/>
               <a:pPr/>
-              <a:t>16/05/2015</a:t>
+              <a:t>23/05/2015</a:t>
             </a:fld>
             <a:endParaRPr lang="es-ES"/>
           </a:p>
@@ -1671,7 +4134,7 @@
             <a:fld id="{7A847CFC-816F-41D0-AAC0-9BF4FEBC753E}" type="datetimeFigureOut">
               <a:rPr lang="es-ES" smtClean="0"/>
               <a:pPr/>
-              <a:t>16/05/2015</a:t>
+              <a:t>23/05/2015</a:t>
             </a:fld>
             <a:endParaRPr lang="es-ES"/>
           </a:p>
@@ -1843,7 +4306,7 @@
             <a:fld id="{7A847CFC-816F-41D0-AAC0-9BF4FEBC753E}" type="datetimeFigureOut">
               <a:rPr lang="es-ES" smtClean="0"/>
               <a:pPr/>
-              <a:t>16/05/2015</a:t>
+              <a:t>23/05/2015</a:t>
             </a:fld>
             <a:endParaRPr lang="es-ES"/>
           </a:p>
@@ -2055,7 +4518,7 @@
             <a:fld id="{7A847CFC-816F-41D0-AAC0-9BF4FEBC753E}" type="datetimeFigureOut">
               <a:rPr lang="es-ES" smtClean="0"/>
               <a:pPr/>
-              <a:t>16/05/2015</a:t>
+              <a:t>23/05/2015</a:t>
             </a:fld>
             <a:endParaRPr lang="es-ES"/>
           </a:p>
@@ -2871,7 +5334,7 @@
             <a:fld id="{7A847CFC-816F-41D0-AAC0-9BF4FEBC753E}" type="datetimeFigureOut">
               <a:rPr lang="es-ES" smtClean="0"/>
               <a:pPr/>
-              <a:t>16/05/2015</a:t>
+              <a:t>23/05/2015</a:t>
             </a:fld>
             <a:endParaRPr lang="es-ES"/>
           </a:p>
@@ -3109,7 +5572,7 @@
             <a:fld id="{7A847CFC-816F-41D0-AAC0-9BF4FEBC753E}" type="datetimeFigureOut">
               <a:rPr lang="es-ES" smtClean="0"/>
               <a:pPr/>
-              <a:t>16/05/2015</a:t>
+              <a:t>23/05/2015</a:t>
             </a:fld>
             <a:endParaRPr lang="es-ES"/>
           </a:p>
@@ -3434,7 +5897,7 @@
             <a:fld id="{7A847CFC-816F-41D0-AAC0-9BF4FEBC753E}" type="datetimeFigureOut">
               <a:rPr lang="es-ES" smtClean="0"/>
               <a:pPr/>
-              <a:t>16/05/2015</a:t>
+              <a:t>23/05/2015</a:t>
             </a:fld>
             <a:endParaRPr lang="es-ES"/>
           </a:p>
@@ -3526,7 +5989,7 @@
             <a:fld id="{7A847CFC-816F-41D0-AAC0-9BF4FEBC753E}" type="datetimeFigureOut">
               <a:rPr lang="es-ES" smtClean="0"/>
               <a:pPr/>
-              <a:t>16/05/2015</a:t>
+              <a:t>23/05/2015</a:t>
             </a:fld>
             <a:endParaRPr lang="es-ES"/>
           </a:p>
@@ -4045,7 +6508,7 @@
             <a:fld id="{7A847CFC-816F-41D0-AAC0-9BF4FEBC753E}" type="datetimeFigureOut">
               <a:rPr lang="es-ES" smtClean="0"/>
               <a:pPr/>
-              <a:t>16/05/2015</a:t>
+              <a:t>23/05/2015</a:t>
             </a:fld>
             <a:endParaRPr lang="es-ES"/>
           </a:p>
@@ -4558,7 +7021,7 @@
             <a:fld id="{7A847CFC-816F-41D0-AAC0-9BF4FEBC753E}" type="datetimeFigureOut">
               <a:rPr lang="es-ES" smtClean="0"/>
               <a:pPr/>
-              <a:t>16/05/2015</a:t>
+              <a:t>23/05/2015</a:t>
             </a:fld>
             <a:endParaRPr lang="es-ES"/>
           </a:p>
@@ -4805,7 +7268,7 @@
             <a:fld id="{7A847CFC-816F-41D0-AAC0-9BF4FEBC753E}" type="datetimeFigureOut">
               <a:rPr lang="es-ES" smtClean="0"/>
               <a:pPr/>
-              <a:t>16/05/2015</a:t>
+              <a:t>23/05/2015</a:t>
             </a:fld>
             <a:endParaRPr lang="es-ES"/>
           </a:p>
@@ -5544,7 +8007,7 @@
           <p:nvPr/>
         </p:nvPicPr>
         <p:blipFill>
-          <a:blip r:embed="rId2" cstate="print"/>
+          <a:blip r:embed="rId3" cstate="print"/>
           <a:stretch>
             <a:fillRect/>
           </a:stretch>
@@ -5591,6 +8054,39 @@
           <a:chExt cx="0" cy="0"/>
         </a:xfrm>
       </p:grpSpPr>
+      <p:pic>
+        <p:nvPicPr>
+          <p:cNvPr id="4" name="Picture 7"/>
+          <p:cNvPicPr>
+            <a:picLocks noChangeAspect="1" noChangeArrowheads="1"/>
+          </p:cNvPicPr>
+          <p:nvPr/>
+        </p:nvPicPr>
+        <p:blipFill>
+          <a:blip r:embed="rId3"/>
+          <a:srcRect/>
+          <a:stretch>
+            <a:fillRect/>
+          </a:stretch>
+        </p:blipFill>
+        <p:spPr bwMode="auto">
+          <a:xfrm>
+            <a:off x="3178132" y="1491735"/>
+            <a:ext cx="5542932" cy="5080537"/>
+          </a:xfrm>
+          <a:prstGeom prst="rect">
+            <a:avLst/>
+          </a:prstGeom>
+          <a:noFill/>
+          <a:ln w="9525">
+            <a:noFill/>
+            <a:miter lim="800000"/>
+            <a:headEnd/>
+            <a:tailEnd/>
+          </a:ln>
+          <a:effectLst/>
+        </p:spPr>
+      </p:pic>
       <p:sp>
         <p:nvSpPr>
           <p:cNvPr id="2" name="1 Título"/>
@@ -5634,48 +8130,26 @@
           </a:bodyPr>
           <a:lstStyle/>
           <a:p>
-            <a:r>
-              <a:rPr lang="es-UY" sz="2200" dirty="0" smtClean="0"/>
-              <a:t>PGE</a:t>
-            </a:r>
-            <a:endParaRPr lang="es-UY" sz="2200" dirty="0" smtClean="0">
-              <a:solidFill>
-                <a:srgbClr val="FF0000"/>
-              </a:solidFill>
-            </a:endParaRPr>
-          </a:p>
-          <a:p>
-            <a:r>
-              <a:rPr lang="es-UY" sz="2200" dirty="0" smtClean="0"/>
-              <a:t>Propiedades</a:t>
-            </a:r>
-          </a:p>
-          <a:p>
-            <a:r>
-              <a:rPr lang="es-UY" sz="2200" dirty="0" smtClean="0"/>
-              <a:t>Funcionamiento</a:t>
-            </a:r>
-          </a:p>
-          <a:p>
-            <a:r>
-              <a:rPr lang="es-UY" sz="2200" dirty="0" smtClean="0"/>
-              <a:t>Manejo de direcciones</a:t>
-            </a:r>
-          </a:p>
-          <a:p>
-            <a:r>
-              <a:rPr lang="es-UY" sz="2200" dirty="0" smtClean="0"/>
-              <a:t>Seguridad</a:t>
-            </a:r>
-          </a:p>
-          <a:p>
-            <a:endParaRPr lang="es-UY" sz="2200" dirty="0" smtClean="0"/>
-          </a:p>
-          <a:p>
             <a:pPr>
               <a:buNone/>
             </a:pPr>
-            <a:endParaRPr lang="es-UY" sz="2200" dirty="0" smtClean="0"/>
+            <a:r>
+              <a:rPr lang="es-UY" sz="2200" dirty="0" smtClean="0"/>
+              <a:t>PGE: Principales componentes </a:t>
+            </a:r>
+          </a:p>
+          <a:p>
+            <a:pPr>
+              <a:buNone/>
+            </a:pPr>
+            <a:r>
+              <a:rPr lang="es-UY" sz="2200" dirty="0" smtClean="0"/>
+              <a:t>y </a:t>
+            </a:r>
+            <a:r>
+              <a:rPr lang="es-UY" sz="2200" dirty="0" smtClean="0"/>
+              <a:t>actores</a:t>
+            </a:r>
           </a:p>
         </p:txBody>
       </p:sp>
@@ -5711,6 +8185,41 @@
           <a:chExt cx="0" cy="0"/>
         </a:xfrm>
       </p:grpSpPr>
+      <p:pic>
+        <p:nvPicPr>
+          <p:cNvPr id="2050" name="Picture 2"/>
+          <p:cNvPicPr>
+            <a:picLocks noGrp="1" noChangeAspect="1" noChangeArrowheads="1"/>
+          </p:cNvPicPr>
+          <p:nvPr>
+            <p:ph sz="quarter" idx="1"/>
+          </p:nvPr>
+        </p:nvPicPr>
+        <p:blipFill>
+          <a:blip r:embed="rId3"/>
+          <a:srcRect/>
+          <a:stretch>
+            <a:fillRect/>
+          </a:stretch>
+        </p:blipFill>
+        <p:spPr bwMode="auto">
+          <a:xfrm>
+            <a:off x="1723852" y="1861452"/>
+            <a:ext cx="6966255" cy="4873625"/>
+          </a:xfrm>
+          <a:prstGeom prst="rect">
+            <a:avLst/>
+          </a:prstGeom>
+          <a:noFill/>
+          <a:ln w="9525">
+            <a:noFill/>
+            <a:miter lim="800000"/>
+            <a:headEnd/>
+            <a:tailEnd/>
+          </a:ln>
+          <a:effectLst/>
+        </p:spPr>
+      </p:pic>
       <p:sp>
         <p:nvSpPr>
           <p:cNvPr id="2" name="1 Título"/>
@@ -5739,108 +8248,31 @@
       </p:sp>
       <p:sp>
         <p:nvSpPr>
-          <p:cNvPr id="3" name="2 Marcador de contenido"/>
-          <p:cNvSpPr>
-            <a:spLocks noGrp="1"/>
-          </p:cNvSpPr>
-          <p:nvPr>
-            <p:ph sz="quarter" idx="1"/>
-          </p:nvPr>
-        </p:nvSpPr>
-        <p:spPr/>
-        <p:txBody>
-          <a:bodyPr>
-            <a:noAutofit/>
+          <p:cNvPr id="5" name="TextBox 4"/>
+          <p:cNvSpPr txBox="1"/>
+          <p:nvPr/>
+        </p:nvSpPr>
+        <p:spPr>
+          <a:xfrm>
+            <a:off x="500034" y="1349374"/>
+            <a:ext cx="3714776" cy="430887"/>
+          </a:xfrm>
+          <a:prstGeom prst="rect">
+            <a:avLst/>
+          </a:prstGeom>
+          <a:noFill/>
+        </p:spPr>
+        <p:txBody>
+          <a:bodyPr wrap="square" rtlCol="0">
+            <a:spAutoFit/>
           </a:bodyPr>
           <a:lstStyle/>
           <a:p>
             <a:r>
-              <a:rPr lang="es-UY" sz="2200" dirty="0" smtClean="0"/>
-              <a:t>PGE: </a:t>
-            </a:r>
-            <a:r>
-              <a:rPr lang="es-UY" sz="2200" dirty="0" smtClean="0">
-                <a:solidFill>
-                  <a:srgbClr val="FF0000"/>
-                </a:solidFill>
-              </a:rPr>
-              <a:t>Mostrar como funciona. Agregar </a:t>
-            </a:r>
-            <a:r>
-              <a:rPr lang="es-UY" sz="2200" dirty="0" smtClean="0">
-                <a:solidFill>
-                  <a:srgbClr val="FF0000"/>
-                </a:solidFill>
-              </a:rPr>
-              <a:t>imágenes</a:t>
-            </a:r>
-          </a:p>
-          <a:p>
-            <a:r>
-              <a:rPr lang="es-UY" sz="2200" dirty="0" smtClean="0">
-                <a:solidFill>
-                  <a:srgbClr val="FF0000"/>
-                </a:solidFill>
-              </a:rPr>
-              <a:t>Facilita el desarrollo de servicios y tramites en línea.</a:t>
-            </a:r>
-          </a:p>
-          <a:p>
-            <a:r>
-              <a:rPr lang="es-UY" sz="2200" dirty="0" smtClean="0">
-                <a:solidFill>
-                  <a:srgbClr val="FF0000"/>
-                </a:solidFill>
-              </a:rPr>
-              <a:t>Provee herramientas comunes a los organismos del estado.</a:t>
-            </a:r>
-          </a:p>
-          <a:p>
-            <a:r>
-              <a:rPr lang="es-UY" sz="2200" dirty="0" smtClean="0">
-                <a:solidFill>
-                  <a:srgbClr val="FF0000"/>
-                </a:solidFill>
-              </a:rPr>
-              <a:t>Facilita interoperabilidad entre organismos.</a:t>
-            </a:r>
-          </a:p>
-          <a:p>
-            <a:r>
-              <a:rPr lang="es-UY" sz="2200" dirty="0" smtClean="0">
-                <a:solidFill>
-                  <a:srgbClr val="FF0000"/>
-                </a:solidFill>
-              </a:rPr>
-              <a:t>Asegura que la información cumple con los requisitos legales y tecnológicos predefinidos.</a:t>
-            </a:r>
-            <a:endParaRPr lang="es-UY" sz="2200" smtClean="0">
-              <a:solidFill>
-                <a:srgbClr val="FF0000"/>
-              </a:solidFill>
-            </a:endParaRPr>
-          </a:p>
-          <a:p>
-            <a:endParaRPr lang="es-UY" sz="2200" u="sng" dirty="0" smtClean="0">
-              <a:solidFill>
-                <a:srgbClr val="FF0000"/>
-              </a:solidFill>
-            </a:endParaRPr>
-          </a:p>
-          <a:p>
-            <a:pPr>
-              <a:buNone/>
-            </a:pPr>
-            <a:endParaRPr lang="es-UY" sz="2200" dirty="0" smtClean="0"/>
-          </a:p>
-          <a:p>
-            <a:endParaRPr lang="es-UY" sz="2200" dirty="0" smtClean="0"/>
-          </a:p>
-          <a:p>
-            <a:pPr>
-              <a:buNone/>
-            </a:pPr>
-            <a:endParaRPr lang="es-UY" sz="2200" dirty="0" smtClean="0"/>
+              <a:rPr lang="es-ES" sz="2200" dirty="0" smtClean="0"/>
+              <a:t>PGE: Acceso a un servicio</a:t>
+            </a:r>
+            <a:endParaRPr lang="es-ES" sz="2200" dirty="0"/>
           </a:p>
         </p:txBody>
       </p:sp>
@@ -5892,8 +8324,16 @@
           <a:lstStyle/>
           <a:p>
             <a:r>
+              <a:rPr lang="es-UY" b="1" dirty="0" smtClean="0">
+                <a:solidFill>
+                  <a:srgbClr val="FF0000"/>
+                </a:solidFill>
+              </a:rPr>
+              <a:t>Estudio Inicial -- BORRAR</a:t>
+            </a:r>
+            <a:r>
               <a:rPr lang="es-UY" b="1" dirty="0" smtClean="0"/>
-              <a:t>Análisis</a:t>
+              <a:t/>
             </a:r>
             <a:br>
               <a:rPr lang="es-UY" b="1" dirty="0" smtClean="0"/>
@@ -5914,79 +8354,109 @@
         </p:nvSpPr>
         <p:spPr/>
         <p:txBody>
-          <a:bodyPr/>
+          <a:bodyPr>
+            <a:noAutofit/>
+          </a:bodyPr>
           <a:lstStyle/>
           <a:p>
             <a:r>
               <a:rPr lang="es-UY" sz="2200" dirty="0" smtClean="0"/>
-              <a:t>Casos de uso: escenarios</a:t>
-            </a:r>
+              <a:t>PGE</a:t>
+            </a:r>
+            <a:endParaRPr lang="es-UY" sz="2200" dirty="0" smtClean="0">
+              <a:solidFill>
+                <a:srgbClr val="FF0000"/>
+              </a:solidFill>
+            </a:endParaRPr>
+          </a:p>
+          <a:p>
+            <a:r>
+              <a:rPr lang="es-UY" sz="2200" dirty="0" smtClean="0"/>
+              <a:t>Propiedades</a:t>
+            </a:r>
+          </a:p>
+          <a:p>
+            <a:r>
+              <a:rPr lang="es-UY" sz="2200" dirty="0" smtClean="0"/>
+              <a:t>Funcionamiento</a:t>
+            </a:r>
+          </a:p>
+          <a:p>
+            <a:r>
+              <a:rPr lang="es-UY" sz="2200" dirty="0" smtClean="0"/>
+              <a:t>Manejo de direcciones</a:t>
+            </a:r>
+          </a:p>
+          <a:p>
+            <a:r>
+              <a:rPr lang="es-UY" sz="2200" dirty="0" smtClean="0"/>
+              <a:t>Seguridad</a:t>
+            </a:r>
+          </a:p>
+          <a:p>
+            <a:endParaRPr lang="es-UY" sz="2200" dirty="0" smtClean="0"/>
+          </a:p>
+          <a:p>
+            <a:r>
+              <a:rPr lang="es-UY" sz="1800" dirty="0" smtClean="0">
+                <a:solidFill>
+                  <a:srgbClr val="FF0000"/>
+                </a:solidFill>
+              </a:rPr>
+              <a:t>Mostrar como funciona. Agregar imágenes</a:t>
+            </a:r>
+          </a:p>
+          <a:p>
+            <a:r>
+              <a:rPr lang="es-UY" sz="1800" dirty="0" smtClean="0">
+                <a:solidFill>
+                  <a:srgbClr val="FF0000"/>
+                </a:solidFill>
+              </a:rPr>
+              <a:t>Facilita el desarrollo de servicios y tramites en línea.</a:t>
+            </a:r>
+          </a:p>
+          <a:p>
+            <a:r>
+              <a:rPr lang="es-UY" sz="1800" dirty="0" smtClean="0">
+                <a:solidFill>
+                  <a:srgbClr val="FF0000"/>
+                </a:solidFill>
+              </a:rPr>
+              <a:t>Provee herramientas comunes a los organismos del estado.</a:t>
+            </a:r>
+          </a:p>
+          <a:p>
+            <a:r>
+              <a:rPr lang="es-UY" sz="1800" dirty="0" smtClean="0">
+                <a:solidFill>
+                  <a:srgbClr val="FF0000"/>
+                </a:solidFill>
+              </a:rPr>
+              <a:t>Facilita interoperabilidad entre organismos.</a:t>
+            </a:r>
+          </a:p>
+          <a:p>
+            <a:r>
+              <a:rPr lang="es-UY" sz="1800" dirty="0" smtClean="0">
+                <a:solidFill>
+                  <a:srgbClr val="FF0000"/>
+                </a:solidFill>
+              </a:rPr>
+              <a:t>Asegura que la información cumple con los requisitos legales y tecnológicos predefinidos.</a:t>
+            </a:r>
+          </a:p>
+          <a:p>
+            <a:endParaRPr lang="es-UY" sz="2200" dirty="0" smtClean="0"/>
+          </a:p>
+          <a:p>
+            <a:endParaRPr lang="es-UY" sz="2200" dirty="0" smtClean="0"/>
           </a:p>
           <a:p>
             <a:pPr>
               <a:buNone/>
             </a:pPr>
             <a:endParaRPr lang="es-UY" sz="2200" dirty="0" smtClean="0"/>
-          </a:p>
-          <a:p>
-            <a:pPr lvl="1"/>
-            <a:r>
-              <a:rPr lang="es-UY" sz="2000" dirty="0" smtClean="0"/>
-              <a:t>Público general consultado información geográfica</a:t>
-            </a:r>
-          </a:p>
-          <a:p>
-            <a:pPr lvl="1">
-              <a:buNone/>
-            </a:pPr>
-            <a:endParaRPr lang="es-UY" sz="2000" dirty="0" smtClean="0"/>
-          </a:p>
-          <a:p>
-            <a:pPr lvl="1"/>
-            <a:r>
-              <a:rPr lang="es-UY" sz="2000" dirty="0" smtClean="0"/>
-              <a:t>Público especializado consultando información geográfica</a:t>
-            </a:r>
-          </a:p>
-          <a:p>
-            <a:pPr lvl="1">
-              <a:buNone/>
-            </a:pPr>
-            <a:endParaRPr lang="es-UY" sz="2000" dirty="0" smtClean="0"/>
-          </a:p>
-          <a:p>
-            <a:pPr lvl="1"/>
-            <a:r>
-              <a:rPr lang="es-UY" sz="2000" dirty="0" smtClean="0"/>
-              <a:t>Instituciones colaborando en la generación de información geográfica</a:t>
-            </a:r>
-          </a:p>
-          <a:p>
-            <a:pPr lvl="1">
-              <a:buNone/>
-            </a:pPr>
-            <a:endParaRPr lang="es-UY" sz="2000" dirty="0" smtClean="0"/>
-          </a:p>
-          <a:p>
-            <a:pPr lvl="1"/>
-            <a:r>
-              <a:rPr lang="es-UY" sz="2000" dirty="0" smtClean="0"/>
-              <a:t>Instituciones colaborando en trámites</a:t>
-            </a:r>
-          </a:p>
-          <a:p>
-            <a:pPr lvl="1">
-              <a:buNone/>
-            </a:pPr>
-            <a:endParaRPr lang="es-UY" sz="2000" dirty="0" smtClean="0"/>
-          </a:p>
-          <a:p>
-            <a:pPr lvl="1"/>
-            <a:r>
-              <a:rPr lang="es-UY" sz="2000" dirty="0" smtClean="0"/>
-              <a:t>Público generando información geográfica</a:t>
-            </a:r>
-            <a:endParaRPr lang="es-UY" sz="2000" dirty="0"/>
           </a:p>
         </p:txBody>
       </p:sp>
@@ -6039,6 +8509,579 @@
           <a:p>
             <a:r>
               <a:rPr lang="es-UY" b="1" dirty="0" smtClean="0"/>
+              <a:t>Estudio Inicial</a:t>
+            </a:r>
+            <a:br>
+              <a:rPr lang="es-UY" b="1" dirty="0" smtClean="0"/>
+            </a:br>
+            <a:endParaRPr lang="es-UY" b="1" dirty="0"/>
+          </a:p>
+        </p:txBody>
+      </p:sp>
+      <p:sp>
+        <p:nvSpPr>
+          <p:cNvPr id="3" name="2 Marcador de contenido"/>
+          <p:cNvSpPr>
+            <a:spLocks noGrp="1"/>
+          </p:cNvSpPr>
+          <p:nvPr>
+            <p:ph sz="quarter" idx="1"/>
+          </p:nvPr>
+        </p:nvSpPr>
+        <p:spPr/>
+        <p:txBody>
+          <a:bodyPr>
+            <a:noAutofit/>
+          </a:bodyPr>
+          <a:lstStyle/>
+          <a:p>
+            <a:r>
+              <a:rPr lang="es-UY" sz="2200" dirty="0" smtClean="0"/>
+              <a:t>Estándares</a:t>
+            </a:r>
+          </a:p>
+          <a:p>
+            <a:pPr lvl="1"/>
+            <a:r>
+              <a:rPr lang="es-UY" sz="2000" dirty="0" smtClean="0"/>
+              <a:t>WMS: </a:t>
+            </a:r>
+            <a:r>
+              <a:rPr lang="es-UY" sz="2000" dirty="0" err="1" smtClean="0">
+                <a:solidFill>
+                  <a:srgbClr val="FF0000"/>
+                </a:solidFill>
+              </a:rPr>
+              <a:t>getCapabilities</a:t>
+            </a:r>
+            <a:r>
+              <a:rPr lang="es-UY" sz="2000" dirty="0" smtClean="0">
+                <a:solidFill>
+                  <a:srgbClr val="FF0000"/>
+                </a:solidFill>
+              </a:rPr>
+              <a:t>, </a:t>
+            </a:r>
+            <a:r>
+              <a:rPr lang="es-UY" sz="2000" dirty="0" err="1" smtClean="0">
+                <a:solidFill>
+                  <a:srgbClr val="FF0000"/>
+                </a:solidFill>
+              </a:rPr>
+              <a:t>getMap</a:t>
+            </a:r>
+            <a:r>
+              <a:rPr lang="es-UY" sz="2000" dirty="0" smtClean="0">
+                <a:solidFill>
+                  <a:srgbClr val="FF0000"/>
+                </a:solidFill>
+              </a:rPr>
+              <a:t>, </a:t>
+            </a:r>
+            <a:r>
+              <a:rPr lang="es-UY" sz="2000" dirty="0" err="1" smtClean="0">
+                <a:solidFill>
+                  <a:srgbClr val="FF0000"/>
+                </a:solidFill>
+              </a:rPr>
+              <a:t>getFeatureInfo</a:t>
+            </a:r>
+            <a:endParaRPr lang="es-UY" sz="2000" dirty="0" smtClean="0">
+              <a:solidFill>
+                <a:srgbClr val="FF0000"/>
+              </a:solidFill>
+            </a:endParaRPr>
+          </a:p>
+          <a:p>
+            <a:pPr lvl="1"/>
+            <a:r>
+              <a:rPr lang="es-UY" sz="2000" dirty="0" smtClean="0"/>
+              <a:t>WFS</a:t>
+            </a:r>
+            <a:r>
+              <a:rPr lang="es-UY" sz="2000" dirty="0" smtClean="0">
+                <a:solidFill>
+                  <a:srgbClr val="FF0000"/>
+                </a:solidFill>
+              </a:rPr>
+              <a:t>: </a:t>
+            </a:r>
+            <a:r>
+              <a:rPr lang="es-UY" sz="2000" dirty="0" err="1" smtClean="0">
+                <a:solidFill>
+                  <a:srgbClr val="FF0000"/>
+                </a:solidFill>
+              </a:rPr>
+              <a:t>getCapabilities</a:t>
+            </a:r>
+            <a:r>
+              <a:rPr lang="es-UY" sz="2000" dirty="0" smtClean="0">
+                <a:solidFill>
+                  <a:srgbClr val="FF0000"/>
+                </a:solidFill>
+              </a:rPr>
+              <a:t>, </a:t>
+            </a:r>
+            <a:r>
+              <a:rPr lang="es-UY" sz="2000" dirty="0" err="1" smtClean="0">
+                <a:solidFill>
+                  <a:srgbClr val="FF0000"/>
+                </a:solidFill>
+              </a:rPr>
+              <a:t>describeFeatureType</a:t>
+            </a:r>
+            <a:r>
+              <a:rPr lang="es-UY" sz="2000" dirty="0" smtClean="0">
+                <a:solidFill>
+                  <a:srgbClr val="FF0000"/>
+                </a:solidFill>
+              </a:rPr>
+              <a:t>, </a:t>
+            </a:r>
+            <a:r>
+              <a:rPr lang="es-UY" sz="2000" dirty="0" err="1" smtClean="0">
+                <a:solidFill>
+                  <a:srgbClr val="FF0000"/>
+                </a:solidFill>
+              </a:rPr>
+              <a:t>getFeature</a:t>
+            </a:r>
+            <a:r>
+              <a:rPr lang="es-UY" sz="2000" dirty="0" smtClean="0">
+                <a:solidFill>
+                  <a:srgbClr val="FF0000"/>
+                </a:solidFill>
+              </a:rPr>
+              <a:t>, 	      </a:t>
+            </a:r>
+            <a:r>
+              <a:rPr lang="es-UY" sz="2000" dirty="0" err="1" smtClean="0">
+                <a:solidFill>
+                  <a:srgbClr val="FF0000"/>
+                </a:solidFill>
+              </a:rPr>
+              <a:t>getGmlObject</a:t>
+            </a:r>
+            <a:r>
+              <a:rPr lang="es-UY" sz="2000" dirty="0" smtClean="0">
+                <a:solidFill>
+                  <a:srgbClr val="FF0000"/>
+                </a:solidFill>
+              </a:rPr>
+              <a:t>, </a:t>
+            </a:r>
+            <a:r>
+              <a:rPr lang="es-UY" sz="2000" dirty="0" err="1" smtClean="0">
+                <a:solidFill>
+                  <a:srgbClr val="FF0000"/>
+                </a:solidFill>
+              </a:rPr>
+              <a:t>transaction</a:t>
+            </a:r>
+            <a:r>
+              <a:rPr lang="es-UY" sz="2000" dirty="0" smtClean="0">
+                <a:solidFill>
+                  <a:srgbClr val="FF0000"/>
+                </a:solidFill>
+              </a:rPr>
+              <a:t>, </a:t>
+            </a:r>
+            <a:r>
+              <a:rPr lang="es-UY" sz="2000" dirty="0" err="1" smtClean="0">
+                <a:solidFill>
+                  <a:srgbClr val="FF0000"/>
+                </a:solidFill>
+              </a:rPr>
+              <a:t>lockFeature</a:t>
+            </a:r>
+            <a:endParaRPr lang="es-UY" sz="2000" dirty="0" smtClean="0">
+              <a:solidFill>
+                <a:srgbClr val="FF0000"/>
+              </a:solidFill>
+            </a:endParaRPr>
+          </a:p>
+          <a:p>
+            <a:pPr lvl="1"/>
+            <a:r>
+              <a:rPr lang="es-UY" sz="2000" dirty="0" smtClean="0"/>
+              <a:t>WS-Security</a:t>
+            </a:r>
+          </a:p>
+          <a:p>
+            <a:pPr lvl="1"/>
+            <a:r>
+              <a:rPr lang="es-UY" sz="2000" dirty="0" smtClean="0"/>
+              <a:t>WS-</a:t>
+            </a:r>
+            <a:r>
+              <a:rPr lang="es-UY" sz="2000" dirty="0" err="1" smtClean="0"/>
+              <a:t>Addressing</a:t>
+            </a:r>
+            <a:endParaRPr lang="es-UY" sz="2000" dirty="0" smtClean="0"/>
+          </a:p>
+          <a:p>
+            <a:pPr lvl="1"/>
+            <a:r>
+              <a:rPr lang="es-UY" sz="2000" dirty="0" smtClean="0"/>
+              <a:t>WS-Trust</a:t>
+            </a:r>
+          </a:p>
+          <a:p>
+            <a:pPr lvl="1"/>
+            <a:r>
+              <a:rPr lang="es-UY" sz="2000" dirty="0" smtClean="0"/>
+              <a:t>SOAP</a:t>
+            </a:r>
+          </a:p>
+          <a:p>
+            <a:pPr lvl="1"/>
+            <a:r>
+              <a:rPr lang="es-UY" sz="2000" dirty="0" smtClean="0"/>
+              <a:t>REST</a:t>
+            </a:r>
+          </a:p>
+          <a:p>
+            <a:pPr lvl="1">
+              <a:buNone/>
+            </a:pPr>
+            <a:endParaRPr lang="es-UY" sz="2000" dirty="0" smtClean="0"/>
+          </a:p>
+          <a:p>
+            <a:pPr>
+              <a:buNone/>
+            </a:pPr>
+            <a:r>
+              <a:rPr lang="es-UY" sz="1800" dirty="0" smtClean="0">
+                <a:solidFill>
+                  <a:srgbClr val="FF0000"/>
+                </a:solidFill>
+              </a:rPr>
+              <a:t>Mostrar arquitectura gis, que existen clientes gis y que no se pueden modificar</a:t>
+            </a:r>
+          </a:p>
+          <a:p>
+            <a:pPr>
+              <a:buNone/>
+            </a:pPr>
+            <a:r>
+              <a:rPr lang="es-UY" sz="1800" dirty="0" smtClean="0">
+                <a:solidFill>
+                  <a:srgbClr val="FF0000"/>
+                </a:solidFill>
+              </a:rPr>
+              <a:t>	Productos que cumplen con los estándares </a:t>
+            </a:r>
+            <a:r>
+              <a:rPr lang="es-UY" sz="1800" dirty="0" err="1" smtClean="0">
+                <a:solidFill>
+                  <a:srgbClr val="FF0000"/>
+                </a:solidFill>
+              </a:rPr>
+              <a:t>wms</a:t>
+            </a:r>
+            <a:r>
+              <a:rPr lang="es-UY" sz="1800" dirty="0" smtClean="0">
+                <a:solidFill>
+                  <a:srgbClr val="FF0000"/>
+                </a:solidFill>
+              </a:rPr>
+              <a:t> y </a:t>
+            </a:r>
+            <a:r>
+              <a:rPr lang="es-UY" sz="1800" dirty="0" err="1" smtClean="0">
+                <a:solidFill>
+                  <a:srgbClr val="FF0000"/>
+                </a:solidFill>
+              </a:rPr>
+              <a:t>wfs</a:t>
+            </a:r>
+            <a:endParaRPr lang="es-UY" sz="1800" dirty="0" smtClean="0"/>
+          </a:p>
+          <a:p>
+            <a:pPr lvl="1">
+              <a:buNone/>
+            </a:pPr>
+            <a:endParaRPr lang="es-UY" sz="2200" dirty="0" smtClean="0"/>
+          </a:p>
+        </p:txBody>
+      </p:sp>
+    </p:spTree>
+  </p:cSld>
+  <p:clrMapOvr>
+    <a:masterClrMapping/>
+  </p:clrMapOvr>
+  <p:timing>
+    <p:tnLst>
+      <p:par>
+        <p:cTn id="1" dur="indefinite" restart="never" nodeType="tmRoot"/>
+      </p:par>
+    </p:tnLst>
+  </p:timing>
+</p:sld>
+</file>
+
+<file path=ppt/slides/slide14.xml><?xml version="1.0" encoding="utf-8"?>
+<p:sld xmlns:a="http://schemas.openxmlformats.org/drawingml/2006/main" xmlns:r="http://schemas.openxmlformats.org/officeDocument/2006/relationships" xmlns:p="http://schemas.openxmlformats.org/presentationml/2006/main">
+  <p:cSld>
+    <p:spTree>
+      <p:nvGrpSpPr>
+        <p:cNvPr id="1" name=""/>
+        <p:cNvGrpSpPr/>
+        <p:nvPr/>
+      </p:nvGrpSpPr>
+      <p:grpSpPr>
+        <a:xfrm>
+          <a:off x="0" y="0"/>
+          <a:ext cx="0" cy="0"/>
+          <a:chOff x="0" y="0"/>
+          <a:chExt cx="0" cy="0"/>
+        </a:xfrm>
+      </p:grpSpPr>
+      <p:sp>
+        <p:nvSpPr>
+          <p:cNvPr id="2" name="1 Título"/>
+          <p:cNvSpPr>
+            <a:spLocks noGrp="1"/>
+          </p:cNvSpPr>
+          <p:nvPr>
+            <p:ph type="title"/>
+          </p:nvPr>
+        </p:nvSpPr>
+        <p:spPr/>
+        <p:txBody>
+          <a:bodyPr/>
+          <a:lstStyle/>
+          <a:p>
+            <a:r>
+              <a:rPr lang="es-UY" b="1" dirty="0" smtClean="0"/>
+              <a:t>Estudio Inicial</a:t>
+            </a:r>
+            <a:br>
+              <a:rPr lang="es-UY" b="1" dirty="0" smtClean="0"/>
+            </a:br>
+            <a:endParaRPr lang="es-UY" b="1" dirty="0"/>
+          </a:p>
+        </p:txBody>
+      </p:sp>
+      <p:sp>
+        <p:nvSpPr>
+          <p:cNvPr id="3" name="2 Marcador de contenido"/>
+          <p:cNvSpPr>
+            <a:spLocks noGrp="1"/>
+          </p:cNvSpPr>
+          <p:nvPr>
+            <p:ph sz="quarter" idx="1"/>
+          </p:nvPr>
+        </p:nvSpPr>
+        <p:spPr/>
+        <p:txBody>
+          <a:bodyPr>
+            <a:noAutofit/>
+          </a:bodyPr>
+          <a:lstStyle/>
+          <a:p>
+            <a:r>
+              <a:rPr lang="es-UY" sz="2200" dirty="0" smtClean="0"/>
+              <a:t>Tesis de Maestría</a:t>
+            </a:r>
+          </a:p>
+        </p:txBody>
+      </p:sp>
+    </p:spTree>
+  </p:cSld>
+  <p:clrMapOvr>
+    <a:masterClrMapping/>
+  </p:clrMapOvr>
+  <p:timing>
+    <p:tnLst>
+      <p:par>
+        <p:cTn id="1" dur="indefinite" restart="never" nodeType="tmRoot"/>
+      </p:par>
+    </p:tnLst>
+  </p:timing>
+</p:sld>
+</file>
+
+<file path=ppt/slides/slide15.xml><?xml version="1.0" encoding="utf-8"?>
+<p:sld xmlns:a="http://schemas.openxmlformats.org/drawingml/2006/main" xmlns:r="http://schemas.openxmlformats.org/officeDocument/2006/relationships" xmlns:p="http://schemas.openxmlformats.org/presentationml/2006/main">
+  <p:cSld>
+    <p:spTree>
+      <p:nvGrpSpPr>
+        <p:cNvPr id="1" name=""/>
+        <p:cNvGrpSpPr/>
+        <p:nvPr/>
+      </p:nvGrpSpPr>
+      <p:grpSpPr>
+        <a:xfrm>
+          <a:off x="0" y="0"/>
+          <a:ext cx="0" cy="0"/>
+          <a:chOff x="0" y="0"/>
+          <a:chExt cx="0" cy="0"/>
+        </a:xfrm>
+      </p:grpSpPr>
+      <p:sp>
+        <p:nvSpPr>
+          <p:cNvPr id="2" name="1 Título"/>
+          <p:cNvSpPr>
+            <a:spLocks noGrp="1"/>
+          </p:cNvSpPr>
+          <p:nvPr>
+            <p:ph type="title"/>
+          </p:nvPr>
+        </p:nvSpPr>
+        <p:spPr/>
+        <p:txBody>
+          <a:bodyPr/>
+          <a:lstStyle/>
+          <a:p>
+            <a:r>
+              <a:rPr lang="es-UY" b="1" dirty="0" smtClean="0"/>
+              <a:t>Análisis</a:t>
+            </a:r>
+            <a:br>
+              <a:rPr lang="es-UY" b="1" dirty="0" smtClean="0"/>
+            </a:br>
+            <a:endParaRPr lang="es-UY" b="1" dirty="0"/>
+          </a:p>
+        </p:txBody>
+      </p:sp>
+      <p:sp>
+        <p:nvSpPr>
+          <p:cNvPr id="3" name="2 Marcador de contenido"/>
+          <p:cNvSpPr>
+            <a:spLocks noGrp="1"/>
+          </p:cNvSpPr>
+          <p:nvPr>
+            <p:ph sz="quarter" idx="1"/>
+          </p:nvPr>
+        </p:nvSpPr>
+        <p:spPr/>
+        <p:txBody>
+          <a:bodyPr/>
+          <a:lstStyle/>
+          <a:p>
+            <a:r>
+              <a:rPr lang="es-UY" sz="2200" dirty="0" smtClean="0"/>
+              <a:t>Casos de uso: escenarios</a:t>
+            </a:r>
+          </a:p>
+          <a:p>
+            <a:pPr>
+              <a:buNone/>
+            </a:pPr>
+            <a:endParaRPr lang="es-UY" sz="2200" dirty="0" smtClean="0"/>
+          </a:p>
+          <a:p>
+            <a:pPr lvl="1"/>
+            <a:r>
+              <a:rPr lang="es-UY" sz="2000" dirty="0" smtClean="0"/>
+              <a:t>Público general consultado información geográfica</a:t>
+            </a:r>
+          </a:p>
+          <a:p>
+            <a:pPr lvl="1">
+              <a:buNone/>
+            </a:pPr>
+            <a:endParaRPr lang="es-UY" sz="2000" dirty="0" smtClean="0"/>
+          </a:p>
+          <a:p>
+            <a:pPr lvl="1"/>
+            <a:r>
+              <a:rPr lang="es-UY" sz="2000" dirty="0" smtClean="0"/>
+              <a:t>Público especializado consultando información geográfica</a:t>
+            </a:r>
+          </a:p>
+          <a:p>
+            <a:pPr lvl="1">
+              <a:buNone/>
+            </a:pPr>
+            <a:endParaRPr lang="es-UY" sz="2000" dirty="0" smtClean="0"/>
+          </a:p>
+          <a:p>
+            <a:pPr lvl="1"/>
+            <a:r>
+              <a:rPr lang="es-UY" sz="2000" dirty="0" smtClean="0"/>
+              <a:t>Instituciones colaborando en la generación de información geográfica</a:t>
+            </a:r>
+          </a:p>
+          <a:p>
+            <a:pPr lvl="1">
+              <a:buNone/>
+            </a:pPr>
+            <a:endParaRPr lang="es-UY" sz="2000" dirty="0" smtClean="0"/>
+          </a:p>
+          <a:p>
+            <a:pPr lvl="1"/>
+            <a:r>
+              <a:rPr lang="es-UY" sz="2000" dirty="0" smtClean="0"/>
+              <a:t>Instituciones colaborando en trámites</a:t>
+            </a:r>
+          </a:p>
+          <a:p>
+            <a:pPr lvl="1">
+              <a:buNone/>
+            </a:pPr>
+            <a:endParaRPr lang="es-UY" sz="2000" dirty="0" smtClean="0"/>
+          </a:p>
+          <a:p>
+            <a:pPr lvl="1"/>
+            <a:r>
+              <a:rPr lang="es-UY" sz="2000" dirty="0" smtClean="0"/>
+              <a:t>Público generando información geográfica</a:t>
+            </a:r>
+            <a:endParaRPr lang="es-UY" sz="2000" dirty="0"/>
+          </a:p>
+        </p:txBody>
+      </p:sp>
+    </p:spTree>
+  </p:cSld>
+  <p:clrMapOvr>
+    <a:masterClrMapping/>
+  </p:clrMapOvr>
+  <p:timing>
+    <p:tnLst>
+      <p:par>
+        <p:cTn id="1" dur="indefinite" restart="never" nodeType="tmRoot"/>
+      </p:par>
+    </p:tnLst>
+  </p:timing>
+</p:sld>
+</file>
+
+<file path=ppt/slides/slide16.xml><?xml version="1.0" encoding="utf-8"?>
+<p:sld xmlns:a="http://schemas.openxmlformats.org/drawingml/2006/main" xmlns:r="http://schemas.openxmlformats.org/officeDocument/2006/relationships" xmlns:p="http://schemas.openxmlformats.org/presentationml/2006/main">
+  <p:cSld>
+    <p:spTree>
+      <p:nvGrpSpPr>
+        <p:cNvPr id="1" name=""/>
+        <p:cNvGrpSpPr/>
+        <p:nvPr/>
+      </p:nvGrpSpPr>
+      <p:grpSpPr>
+        <a:xfrm>
+          <a:off x="0" y="0"/>
+          <a:ext cx="0" cy="0"/>
+          <a:chOff x="0" y="0"/>
+          <a:chExt cx="0" cy="0"/>
+        </a:xfrm>
+      </p:grpSpPr>
+      <p:sp>
+        <p:nvSpPr>
+          <p:cNvPr id="2" name="1 Título"/>
+          <p:cNvSpPr>
+            <a:spLocks noGrp="1"/>
+          </p:cNvSpPr>
+          <p:nvPr>
+            <p:ph type="title"/>
+          </p:nvPr>
+        </p:nvSpPr>
+        <p:spPr/>
+        <p:txBody>
+          <a:bodyPr/>
+          <a:lstStyle/>
+          <a:p>
+            <a:r>
+              <a:rPr lang="es-UY" b="1" dirty="0" smtClean="0"/>
               <a:t>Análisis</a:t>
             </a:r>
             <a:br>
@@ -6059,7 +9102,7 @@
           </p:nvPr>
         </p:nvPicPr>
         <p:blipFill>
-          <a:blip r:embed="rId2" cstate="print"/>
+          <a:blip r:embed="rId3" cstate="print"/>
           <a:srcRect/>
           <a:stretch>
             <a:fillRect/>
@@ -6098,7 +9141,7 @@
 </p:sld>
 </file>
 
-<file path=ppt/slides/slide14.xml><?xml version="1.0" encoding="utf-8"?>
+<file path=ppt/slides/slide17.xml><?xml version="1.0" encoding="utf-8"?>
 <p:sld xmlns:a="http://schemas.openxmlformats.org/drawingml/2006/main" xmlns:r="http://schemas.openxmlformats.org/officeDocument/2006/relationships" xmlns:p="http://schemas.openxmlformats.org/presentationml/2006/main">
   <p:cSld>
     <p:spTree>
@@ -6174,7 +9217,7 @@
           <p:nvPr/>
         </p:nvPicPr>
         <p:blipFill>
-          <a:blip r:embed="rId2" cstate="print"/>
+          <a:blip r:embed="rId3" cstate="print"/>
           <a:srcRect/>
           <a:stretch>
             <a:fillRect/>
@@ -6212,7 +9255,7 @@
 </p:sld>
 </file>
 
-<file path=ppt/slides/slide15.xml><?xml version="1.0" encoding="utf-8"?>
+<file path=ppt/slides/slide18.xml><?xml version="1.0" encoding="utf-8"?>
 <p:sld xmlns:a="http://schemas.openxmlformats.org/drawingml/2006/main" xmlns:r="http://schemas.openxmlformats.org/officeDocument/2006/relationships" xmlns:p="http://schemas.openxmlformats.org/presentationml/2006/main">
   <p:cSld>
     <p:spTree>
@@ -6370,7 +9413,7 @@
 </p:sld>
 </file>
 
-<file path=ppt/slides/slide16.xml><?xml version="1.0" encoding="utf-8"?>
+<file path=ppt/slides/slide19.xml><?xml version="1.0" encoding="utf-8"?>
 <p:sld xmlns:a="http://schemas.openxmlformats.org/drawingml/2006/main" xmlns:r="http://schemas.openxmlformats.org/officeDocument/2006/relationships" xmlns:p="http://schemas.openxmlformats.org/presentationml/2006/main">
   <p:cSld>
     <p:spTree>
@@ -6442,7 +9485,7 @@
           <p:nvPr/>
         </p:nvPicPr>
         <p:blipFill>
-          <a:blip r:embed="rId2" cstate="print"/>
+          <a:blip r:embed="rId3" cstate="print"/>
           <a:srcRect/>
           <a:stretch>
             <a:fillRect/>
@@ -6480,7 +9523,7 @@
 </p:sld>
 </file>
 
-<file path=ppt/slides/slide17.xml><?xml version="1.0" encoding="utf-8"?>
+<file path=ppt/slides/slide2.xml><?xml version="1.0" encoding="utf-8"?>
 <p:sld xmlns:a="http://schemas.openxmlformats.org/drawingml/2006/main" xmlns:r="http://schemas.openxmlformats.org/officeDocument/2006/relationships" xmlns:p="http://schemas.openxmlformats.org/presentationml/2006/main">
   <p:cSld>
     <p:spTree>
@@ -6514,6 +9557,178 @@
           <a:p>
             <a:r>
               <a:rPr lang="es-UY" b="1" dirty="0" smtClean="0"/>
+              <a:t>Temario</a:t>
+            </a:r>
+            <a:br>
+              <a:rPr lang="es-UY" b="1" dirty="0" smtClean="0"/>
+            </a:br>
+            <a:endParaRPr lang="es-UY" b="1" dirty="0"/>
+          </a:p>
+        </p:txBody>
+      </p:sp>
+      <p:sp>
+        <p:nvSpPr>
+          <p:cNvPr id="3" name="2 Marcador de contenido"/>
+          <p:cNvSpPr>
+            <a:spLocks noGrp="1"/>
+          </p:cNvSpPr>
+          <p:nvPr>
+            <p:ph sz="quarter" idx="1"/>
+          </p:nvPr>
+        </p:nvSpPr>
+        <p:spPr/>
+        <p:txBody>
+          <a:bodyPr>
+            <a:normAutofit/>
+          </a:bodyPr>
+          <a:lstStyle/>
+          <a:p>
+            <a:r>
+              <a:rPr lang="es-UY" dirty="0" smtClean="0"/>
+              <a:t>Contexto</a:t>
+            </a:r>
+          </a:p>
+          <a:p>
+            <a:r>
+              <a:rPr lang="es-UY" dirty="0" smtClean="0"/>
+              <a:t>Objetivos</a:t>
+            </a:r>
+          </a:p>
+          <a:p>
+            <a:r>
+              <a:rPr lang="es-UY" dirty="0" smtClean="0"/>
+              <a:t>Estudio Inicial</a:t>
+            </a:r>
+          </a:p>
+          <a:p>
+            <a:r>
+              <a:rPr lang="es-UY" dirty="0" smtClean="0"/>
+              <a:t>Análisis y Diseño</a:t>
+            </a:r>
+          </a:p>
+          <a:p>
+            <a:r>
+              <a:rPr lang="es-UY" dirty="0" smtClean="0"/>
+              <a:t>Tecnologías</a:t>
+            </a:r>
+          </a:p>
+          <a:p>
+            <a:r>
+              <a:rPr lang="es-UY" dirty="0" smtClean="0"/>
+              <a:t>Decisiones de Implementación</a:t>
+            </a:r>
+          </a:p>
+          <a:p>
+            <a:r>
+              <a:rPr lang="es-UY" dirty="0" smtClean="0"/>
+              <a:t>Caso de Estudio </a:t>
+            </a:r>
+            <a:r>
+              <a:rPr lang="es-UY" dirty="0" smtClean="0">
+                <a:solidFill>
+                  <a:srgbClr val="FF0000"/>
+                </a:solidFill>
+              </a:rPr>
+              <a:t>Ver si en este </a:t>
+            </a:r>
+            <a:r>
+              <a:rPr lang="es-UY" dirty="0" err="1" smtClean="0">
+                <a:solidFill>
+                  <a:srgbClr val="FF0000"/>
+                </a:solidFill>
+              </a:rPr>
+              <a:t>pto</a:t>
+            </a:r>
+            <a:r>
+              <a:rPr lang="es-UY" dirty="0" smtClean="0">
+                <a:solidFill>
+                  <a:srgbClr val="FF0000"/>
+                </a:solidFill>
+              </a:rPr>
+              <a:t>. o al final</a:t>
+            </a:r>
+          </a:p>
+          <a:p>
+            <a:r>
+              <a:rPr lang="es-UY" dirty="0" smtClean="0"/>
+              <a:t>Conclusión</a:t>
+            </a:r>
+          </a:p>
+          <a:p>
+            <a:r>
+              <a:rPr lang="es-UY" dirty="0" smtClean="0"/>
+              <a:t>Trabajos a Futuro</a:t>
+            </a:r>
+          </a:p>
+          <a:p>
+            <a:pPr>
+              <a:buNone/>
+            </a:pPr>
+            <a:endParaRPr lang="es-UY" dirty="0" smtClean="0"/>
+          </a:p>
+          <a:p>
+            <a:endParaRPr lang="es-UY" dirty="0" smtClean="0"/>
+          </a:p>
+          <a:p>
+            <a:endParaRPr lang="es-UY" dirty="0" smtClean="0"/>
+          </a:p>
+          <a:p>
+            <a:endParaRPr lang="es-UY" dirty="0" smtClean="0"/>
+          </a:p>
+          <a:p>
+            <a:endParaRPr lang="es-UY" dirty="0"/>
+          </a:p>
+        </p:txBody>
+      </p:sp>
+    </p:spTree>
+  </p:cSld>
+  <p:clrMapOvr>
+    <a:masterClrMapping/>
+  </p:clrMapOvr>
+  <p:timing>
+    <p:tnLst>
+      <p:par>
+        <p:cTn id="1" dur="indefinite" restart="never" nodeType="tmRoot"/>
+      </p:par>
+    </p:tnLst>
+  </p:timing>
+</p:sld>
+</file>
+
+<file path=ppt/slides/slide20.xml><?xml version="1.0" encoding="utf-8"?>
+<p:sld xmlns:a="http://schemas.openxmlformats.org/drawingml/2006/main" xmlns:r="http://schemas.openxmlformats.org/officeDocument/2006/relationships" xmlns:p="http://schemas.openxmlformats.org/presentationml/2006/main">
+  <p:cSld>
+    <p:spTree>
+      <p:nvGrpSpPr>
+        <p:cNvPr id="1" name=""/>
+        <p:cNvGrpSpPr/>
+        <p:nvPr/>
+      </p:nvGrpSpPr>
+      <p:grpSpPr>
+        <a:xfrm>
+          <a:off x="0" y="0"/>
+          <a:ext cx="0" cy="0"/>
+          <a:chOff x="0" y="0"/>
+          <a:chExt cx="0" cy="0"/>
+        </a:xfrm>
+      </p:grpSpPr>
+      <p:sp>
+        <p:nvSpPr>
+          <p:cNvPr id="2" name="1 Título"/>
+          <p:cNvSpPr>
+            <a:spLocks noGrp="1"/>
+          </p:cNvSpPr>
+          <p:nvPr>
+            <p:ph type="title"/>
+          </p:nvPr>
+        </p:nvSpPr>
+        <p:spPr/>
+        <p:txBody>
+          <a:bodyPr/>
+          <a:lstStyle/>
+          <a:p>
+            <a:r>
+              <a:rPr lang="es-UY" b="1" dirty="0" smtClean="0"/>
               <a:t>Diseño</a:t>
             </a:r>
             <a:br>
@@ -6563,7 +9778,7 @@
           <p:nvPr/>
         </p:nvPicPr>
         <p:blipFill>
-          <a:blip r:embed="rId2" cstate="print"/>
+          <a:blip r:embed="rId3" cstate="print"/>
           <a:srcRect/>
           <a:stretch>
             <a:fillRect/>
@@ -6602,585 +9817,6 @@
 </p:sld>
 </file>
 
-<file path=ppt/slides/slide18.xml><?xml version="1.0" encoding="utf-8"?>
-<p:sld xmlns:a="http://schemas.openxmlformats.org/drawingml/2006/main" xmlns:r="http://schemas.openxmlformats.org/officeDocument/2006/relationships" xmlns:p="http://schemas.openxmlformats.org/presentationml/2006/main">
-  <p:cSld>
-    <p:spTree>
-      <p:nvGrpSpPr>
-        <p:cNvPr id="1" name=""/>
-        <p:cNvGrpSpPr/>
-        <p:nvPr/>
-      </p:nvGrpSpPr>
-      <p:grpSpPr>
-        <a:xfrm>
-          <a:off x="0" y="0"/>
-          <a:ext cx="0" cy="0"/>
-          <a:chOff x="0" y="0"/>
-          <a:chExt cx="0" cy="0"/>
-        </a:xfrm>
-      </p:grpSpPr>
-      <p:sp>
-        <p:nvSpPr>
-          <p:cNvPr id="2" name="1 Título"/>
-          <p:cNvSpPr>
-            <a:spLocks noGrp="1"/>
-          </p:cNvSpPr>
-          <p:nvPr>
-            <p:ph type="title"/>
-          </p:nvPr>
-        </p:nvSpPr>
-        <p:spPr/>
-        <p:txBody>
-          <a:bodyPr/>
-          <a:lstStyle/>
-          <a:p>
-            <a:r>
-              <a:rPr lang="es-UY" b="1" dirty="0" smtClean="0"/>
-              <a:t>Diseño</a:t>
-            </a:r>
-            <a:br>
-              <a:rPr lang="es-UY" b="1" dirty="0" smtClean="0"/>
-            </a:br>
-            <a:endParaRPr lang="es-UY" b="1" dirty="0"/>
-          </a:p>
-        </p:txBody>
-      </p:sp>
-      <p:sp>
-        <p:nvSpPr>
-          <p:cNvPr id="3" name="2 Marcador de contenido"/>
-          <p:cNvSpPr>
-            <a:spLocks noGrp="1"/>
-          </p:cNvSpPr>
-          <p:nvPr>
-            <p:ph sz="quarter" idx="1"/>
-          </p:nvPr>
-        </p:nvSpPr>
-        <p:spPr/>
-        <p:txBody>
-          <a:bodyPr/>
-          <a:lstStyle/>
-          <a:p>
-            <a:r>
-              <a:rPr lang="es-UY" sz="2200" dirty="0" smtClean="0"/>
-              <a:t>Público general</a:t>
-            </a:r>
-          </a:p>
-          <a:p>
-            <a:pPr>
-              <a:buNone/>
-            </a:pPr>
-            <a:endParaRPr lang="es-UY" sz="2200" dirty="0" smtClean="0"/>
-          </a:p>
-          <a:p>
-            <a:endParaRPr lang="es-UY" sz="2000" dirty="0"/>
-          </a:p>
-        </p:txBody>
-      </p:sp>
-      <p:pic>
-        <p:nvPicPr>
-          <p:cNvPr id="1026" name="Picture 2"/>
-          <p:cNvPicPr>
-            <a:picLocks noChangeAspect="1" noChangeArrowheads="1"/>
-          </p:cNvPicPr>
-          <p:nvPr/>
-        </p:nvPicPr>
-        <p:blipFill>
-          <a:blip r:embed="rId2" cstate="print"/>
-          <a:srcRect/>
-          <a:stretch>
-            <a:fillRect/>
-          </a:stretch>
-        </p:blipFill>
-        <p:spPr bwMode="auto">
-          <a:xfrm>
-            <a:off x="160205" y="2058708"/>
-            <a:ext cx="7940695" cy="4370688"/>
-          </a:xfrm>
-          <a:prstGeom prst="rect">
-            <a:avLst/>
-          </a:prstGeom>
-          <a:noFill/>
-          <a:ln w="9525">
-            <a:noFill/>
-            <a:miter lim="800000"/>
-            <a:headEnd/>
-            <a:tailEnd/>
-          </a:ln>
-          <a:effectLst/>
-        </p:spPr>
-      </p:pic>
-    </p:spTree>
-  </p:cSld>
-  <p:clrMapOvr>
-    <a:masterClrMapping/>
-  </p:clrMapOvr>
-  <p:timing>
-    <p:tnLst>
-      <p:par>
-        <p:cTn id="1" dur="indefinite" restart="never" nodeType="tmRoot"/>
-      </p:par>
-    </p:tnLst>
-  </p:timing>
-</p:sld>
-</file>
-
-<file path=ppt/slides/slide19.xml><?xml version="1.0" encoding="utf-8"?>
-<p:sld xmlns:a="http://schemas.openxmlformats.org/drawingml/2006/main" xmlns:r="http://schemas.openxmlformats.org/officeDocument/2006/relationships" xmlns:p="http://schemas.openxmlformats.org/presentationml/2006/main">
-  <p:cSld>
-    <p:spTree>
-      <p:nvGrpSpPr>
-        <p:cNvPr id="1" name=""/>
-        <p:cNvGrpSpPr/>
-        <p:nvPr/>
-      </p:nvGrpSpPr>
-      <p:grpSpPr>
-        <a:xfrm>
-          <a:off x="0" y="0"/>
-          <a:ext cx="0" cy="0"/>
-          <a:chOff x="0" y="0"/>
-          <a:chExt cx="0" cy="0"/>
-        </a:xfrm>
-      </p:grpSpPr>
-      <p:sp>
-        <p:nvSpPr>
-          <p:cNvPr id="2" name="1 Título"/>
-          <p:cNvSpPr>
-            <a:spLocks noGrp="1"/>
-          </p:cNvSpPr>
-          <p:nvPr>
-            <p:ph type="title"/>
-          </p:nvPr>
-        </p:nvSpPr>
-        <p:spPr/>
-        <p:txBody>
-          <a:bodyPr/>
-          <a:lstStyle/>
-          <a:p>
-            <a:r>
-              <a:rPr lang="es-UY" b="1" dirty="0" smtClean="0"/>
-              <a:t>Tecnologías</a:t>
-            </a:r>
-            <a:br>
-              <a:rPr lang="es-UY" b="1" dirty="0" smtClean="0"/>
-            </a:br>
-            <a:endParaRPr lang="es-UY" b="1" dirty="0"/>
-          </a:p>
-        </p:txBody>
-      </p:sp>
-      <p:sp>
-        <p:nvSpPr>
-          <p:cNvPr id="3" name="2 Marcador de contenido"/>
-          <p:cNvSpPr>
-            <a:spLocks noGrp="1"/>
-          </p:cNvSpPr>
-          <p:nvPr>
-            <p:ph sz="quarter" idx="1"/>
-          </p:nvPr>
-        </p:nvSpPr>
-        <p:spPr/>
-        <p:txBody>
-          <a:bodyPr/>
-          <a:lstStyle/>
-          <a:p>
-            <a:r>
-              <a:rPr lang="es-UY" sz="2200" dirty="0" smtClean="0"/>
-              <a:t>Servidores geográficos</a:t>
-            </a:r>
-          </a:p>
-          <a:p>
-            <a:pPr lvl="1"/>
-            <a:r>
-              <a:rPr lang="es-UY" sz="2000" dirty="0" err="1" smtClean="0"/>
-              <a:t>Geoserver</a:t>
-            </a:r>
-            <a:r>
-              <a:rPr lang="es-UY" sz="2000" dirty="0" smtClean="0"/>
-              <a:t> 2.5</a:t>
-            </a:r>
-          </a:p>
-          <a:p>
-            <a:pPr lvl="1"/>
-            <a:r>
-              <a:rPr lang="es-UY" sz="2000" dirty="0" err="1" smtClean="0"/>
-              <a:t>Mapserver</a:t>
-            </a:r>
-            <a:r>
-              <a:rPr lang="es-UY" sz="2000" dirty="0" smtClean="0"/>
-              <a:t> 3.0.6</a:t>
-            </a:r>
-          </a:p>
-          <a:p>
-            <a:r>
-              <a:rPr lang="es-UY" sz="2200" dirty="0" err="1" smtClean="0"/>
-              <a:t>Jboss</a:t>
-            </a:r>
-            <a:r>
-              <a:rPr lang="es-UY" sz="2200" dirty="0" smtClean="0"/>
-              <a:t> ESB 4.9</a:t>
-            </a:r>
-          </a:p>
-          <a:p>
-            <a:r>
-              <a:rPr lang="es-UY" sz="2200" dirty="0" smtClean="0"/>
-              <a:t>Plataforma de </a:t>
-            </a:r>
-            <a:r>
-              <a:rPr lang="es-UY" sz="2200" dirty="0" err="1" smtClean="0"/>
-              <a:t>eGob</a:t>
-            </a:r>
-            <a:r>
-              <a:rPr lang="es-UY" sz="2200" dirty="0" smtClean="0"/>
-              <a:t> de Uruguay</a:t>
-            </a:r>
-          </a:p>
-          <a:p>
-            <a:r>
-              <a:rPr lang="es-UY" sz="2200" dirty="0" err="1" smtClean="0"/>
-              <a:t>PostgreSQL</a:t>
-            </a:r>
-            <a:r>
-              <a:rPr lang="es-UY" sz="2200" dirty="0" smtClean="0"/>
-              <a:t> 9.3 / </a:t>
-            </a:r>
-            <a:r>
-              <a:rPr lang="es-UY" sz="2200" dirty="0" err="1" smtClean="0"/>
-              <a:t>Postgis</a:t>
-            </a:r>
-            <a:r>
-              <a:rPr lang="es-UY" sz="2200" dirty="0" smtClean="0"/>
-              <a:t> 2.1.3</a:t>
-            </a:r>
-          </a:p>
-          <a:p>
-            <a:r>
-              <a:rPr lang="es-UY" sz="2200" dirty="0" smtClean="0"/>
-              <a:t>Aplicaciones GIS de escritorio</a:t>
-            </a:r>
-          </a:p>
-          <a:p>
-            <a:pPr lvl="1"/>
-            <a:r>
-              <a:rPr lang="es-UY" sz="2000" dirty="0" smtClean="0"/>
-              <a:t>Quantum GIS Desktop 2.6.1</a:t>
-            </a:r>
-          </a:p>
-          <a:p>
-            <a:pPr lvl="1"/>
-            <a:r>
-              <a:rPr lang="es-UY" sz="2000" dirty="0" err="1" smtClean="0"/>
-              <a:t>gvSIG</a:t>
-            </a:r>
-            <a:r>
-              <a:rPr lang="es-UY" sz="2000" dirty="0" smtClean="0"/>
-              <a:t> Desktop 1.12.0</a:t>
-            </a:r>
-          </a:p>
-          <a:p>
-            <a:r>
-              <a:rPr lang="es-UY" sz="2200" dirty="0" smtClean="0"/>
-              <a:t>OpenLayers-2.13</a:t>
-            </a:r>
-          </a:p>
-          <a:p>
-            <a:r>
-              <a:rPr lang="es-UY" sz="2200" dirty="0" err="1" smtClean="0"/>
-              <a:t>Grails</a:t>
-            </a:r>
-            <a:r>
-              <a:rPr lang="es-UY" sz="2200" dirty="0" smtClean="0"/>
-              <a:t> 2.4.3</a:t>
-            </a:r>
-          </a:p>
-          <a:p>
-            <a:pPr lvl="1">
-              <a:buNone/>
-            </a:pPr>
-            <a:endParaRPr lang="es-UY" dirty="0"/>
-          </a:p>
-        </p:txBody>
-      </p:sp>
-    </p:spTree>
-  </p:cSld>
-  <p:clrMapOvr>
-    <a:masterClrMapping/>
-  </p:clrMapOvr>
-  <p:timing>
-    <p:tnLst>
-      <p:par>
-        <p:cTn id="1" dur="indefinite" restart="never" nodeType="tmRoot"/>
-      </p:par>
-    </p:tnLst>
-  </p:timing>
-</p:sld>
-</file>
-
-<file path=ppt/slides/slide2.xml><?xml version="1.0" encoding="utf-8"?>
-<p:sld xmlns:a="http://schemas.openxmlformats.org/drawingml/2006/main" xmlns:r="http://schemas.openxmlformats.org/officeDocument/2006/relationships" xmlns:p="http://schemas.openxmlformats.org/presentationml/2006/main">
-  <p:cSld>
-    <p:spTree>
-      <p:nvGrpSpPr>
-        <p:cNvPr id="1" name=""/>
-        <p:cNvGrpSpPr/>
-        <p:nvPr/>
-      </p:nvGrpSpPr>
-      <p:grpSpPr>
-        <a:xfrm>
-          <a:off x="0" y="0"/>
-          <a:ext cx="0" cy="0"/>
-          <a:chOff x="0" y="0"/>
-          <a:chExt cx="0" cy="0"/>
-        </a:xfrm>
-      </p:grpSpPr>
-      <p:sp>
-        <p:nvSpPr>
-          <p:cNvPr id="2" name="1 Título"/>
-          <p:cNvSpPr>
-            <a:spLocks noGrp="1"/>
-          </p:cNvSpPr>
-          <p:nvPr>
-            <p:ph type="title"/>
-          </p:nvPr>
-        </p:nvSpPr>
-        <p:spPr/>
-        <p:txBody>
-          <a:bodyPr/>
-          <a:lstStyle/>
-          <a:p>
-            <a:r>
-              <a:rPr lang="es-UY" b="1" dirty="0" smtClean="0"/>
-              <a:t>Temario</a:t>
-            </a:r>
-            <a:br>
-              <a:rPr lang="es-UY" b="1" dirty="0" smtClean="0"/>
-            </a:br>
-            <a:endParaRPr lang="es-UY" b="1" dirty="0"/>
-          </a:p>
-        </p:txBody>
-      </p:sp>
-      <p:sp>
-        <p:nvSpPr>
-          <p:cNvPr id="3" name="2 Marcador de contenido"/>
-          <p:cNvSpPr>
-            <a:spLocks noGrp="1"/>
-          </p:cNvSpPr>
-          <p:nvPr>
-            <p:ph sz="quarter" idx="1"/>
-          </p:nvPr>
-        </p:nvSpPr>
-        <p:spPr/>
-        <p:txBody>
-          <a:bodyPr>
-            <a:normAutofit/>
-          </a:bodyPr>
-          <a:lstStyle/>
-          <a:p>
-            <a:r>
-              <a:rPr lang="es-UY" dirty="0" smtClean="0"/>
-              <a:t>Contexto</a:t>
-            </a:r>
-          </a:p>
-          <a:p>
-            <a:r>
-              <a:rPr lang="es-UY" dirty="0" smtClean="0"/>
-              <a:t>Objetivos</a:t>
-            </a:r>
-          </a:p>
-          <a:p>
-            <a:r>
-              <a:rPr lang="es-UY" dirty="0" smtClean="0"/>
-              <a:t>Estudio Inicial</a:t>
-            </a:r>
-          </a:p>
-          <a:p>
-            <a:r>
-              <a:rPr lang="es-UY" dirty="0" smtClean="0"/>
-              <a:t>Análisis y Diseño</a:t>
-            </a:r>
-          </a:p>
-          <a:p>
-            <a:r>
-              <a:rPr lang="es-UY" dirty="0" smtClean="0"/>
-              <a:t>Tecnologías</a:t>
-            </a:r>
-          </a:p>
-          <a:p>
-            <a:r>
-              <a:rPr lang="es-UY" dirty="0" smtClean="0"/>
-              <a:t>Decisiones de Implementación</a:t>
-            </a:r>
-          </a:p>
-          <a:p>
-            <a:r>
-              <a:rPr lang="es-UY" dirty="0" smtClean="0"/>
-              <a:t>Caso de Estudio </a:t>
-            </a:r>
-            <a:r>
-              <a:rPr lang="es-UY" dirty="0" smtClean="0">
-                <a:solidFill>
-                  <a:srgbClr val="FF0000"/>
-                </a:solidFill>
-              </a:rPr>
-              <a:t>Ver si en este </a:t>
-            </a:r>
-            <a:r>
-              <a:rPr lang="es-UY" dirty="0" err="1" smtClean="0">
-                <a:solidFill>
-                  <a:srgbClr val="FF0000"/>
-                </a:solidFill>
-              </a:rPr>
-              <a:t>pto</a:t>
-            </a:r>
-            <a:r>
-              <a:rPr lang="es-UY" dirty="0" smtClean="0">
-                <a:solidFill>
-                  <a:srgbClr val="FF0000"/>
-                </a:solidFill>
-              </a:rPr>
-              <a:t>. o al final</a:t>
-            </a:r>
-          </a:p>
-          <a:p>
-            <a:r>
-              <a:rPr lang="es-UY" dirty="0" smtClean="0"/>
-              <a:t>Conclusión</a:t>
-            </a:r>
-          </a:p>
-          <a:p>
-            <a:r>
-              <a:rPr lang="es-UY" dirty="0" smtClean="0"/>
-              <a:t>Trabajos a Futuro</a:t>
-            </a:r>
-          </a:p>
-          <a:p>
-            <a:pPr>
-              <a:buNone/>
-            </a:pPr>
-            <a:endParaRPr lang="es-UY" dirty="0" smtClean="0"/>
-          </a:p>
-          <a:p>
-            <a:endParaRPr lang="es-UY" dirty="0" smtClean="0"/>
-          </a:p>
-          <a:p>
-            <a:endParaRPr lang="es-UY" dirty="0" smtClean="0"/>
-          </a:p>
-          <a:p>
-            <a:endParaRPr lang="es-UY" dirty="0" smtClean="0"/>
-          </a:p>
-          <a:p>
-            <a:endParaRPr lang="es-UY" dirty="0"/>
-          </a:p>
-        </p:txBody>
-      </p:sp>
-    </p:spTree>
-  </p:cSld>
-  <p:clrMapOvr>
-    <a:masterClrMapping/>
-  </p:clrMapOvr>
-  <p:timing>
-    <p:tnLst>
-      <p:par>
-        <p:cTn id="1" dur="indefinite" restart="never" nodeType="tmRoot"/>
-      </p:par>
-    </p:tnLst>
-  </p:timing>
-</p:sld>
-</file>
-
-<file path=ppt/slides/slide20.xml><?xml version="1.0" encoding="utf-8"?>
-<p:sld xmlns:a="http://schemas.openxmlformats.org/drawingml/2006/main" xmlns:r="http://schemas.openxmlformats.org/officeDocument/2006/relationships" xmlns:p="http://schemas.openxmlformats.org/presentationml/2006/main">
-  <p:cSld>
-    <p:spTree>
-      <p:nvGrpSpPr>
-        <p:cNvPr id="1" name=""/>
-        <p:cNvGrpSpPr/>
-        <p:nvPr/>
-      </p:nvGrpSpPr>
-      <p:grpSpPr>
-        <a:xfrm>
-          <a:off x="0" y="0"/>
-          <a:ext cx="0" cy="0"/>
-          <a:chOff x="0" y="0"/>
-          <a:chExt cx="0" cy="0"/>
-        </a:xfrm>
-      </p:grpSpPr>
-      <p:sp>
-        <p:nvSpPr>
-          <p:cNvPr id="2" name="1 Título"/>
-          <p:cNvSpPr>
-            <a:spLocks noGrp="1"/>
-          </p:cNvSpPr>
-          <p:nvPr>
-            <p:ph type="title"/>
-          </p:nvPr>
-        </p:nvSpPr>
-        <p:spPr/>
-        <p:txBody>
-          <a:bodyPr>
-            <a:normAutofit/>
-          </a:bodyPr>
-          <a:lstStyle/>
-          <a:p>
-            <a:r>
-              <a:rPr lang="es-UY" dirty="0" smtClean="0"/>
-              <a:t>Decisiones de implementación</a:t>
-            </a:r>
-            <a:br>
-              <a:rPr lang="es-UY" dirty="0" smtClean="0"/>
-            </a:br>
-            <a:endParaRPr lang="es-UY" b="1" dirty="0"/>
-          </a:p>
-        </p:txBody>
-      </p:sp>
-      <p:sp>
-        <p:nvSpPr>
-          <p:cNvPr id="3" name="2 Marcador de contenido"/>
-          <p:cNvSpPr>
-            <a:spLocks noGrp="1"/>
-          </p:cNvSpPr>
-          <p:nvPr>
-            <p:ph sz="quarter" idx="1"/>
-          </p:nvPr>
-        </p:nvSpPr>
-        <p:spPr/>
-        <p:txBody>
-          <a:bodyPr>
-            <a:normAutofit/>
-          </a:bodyPr>
-          <a:lstStyle/>
-          <a:p>
-            <a:pPr lvl="1">
-              <a:buNone/>
-            </a:pPr>
-            <a:r>
-              <a:rPr lang="es-UY" sz="2000" dirty="0" smtClean="0">
-                <a:solidFill>
-                  <a:srgbClr val="FF0000"/>
-                </a:solidFill>
-              </a:rPr>
-              <a:t>TERMINAR</a:t>
-            </a:r>
-          </a:p>
-          <a:p>
-            <a:pPr lvl="1"/>
-            <a:endParaRPr lang="es-UY" sz="2200" dirty="0"/>
-          </a:p>
-        </p:txBody>
-      </p:sp>
-    </p:spTree>
-  </p:cSld>
-  <p:clrMapOvr>
-    <a:masterClrMapping/>
-  </p:clrMapOvr>
-  <p:timing>
-    <p:tnLst>
-      <p:par>
-        <p:cTn id="1" dur="indefinite" restart="never" nodeType="tmRoot"/>
-      </p:par>
-    </p:tnLst>
-  </p:timing>
-</p:sld>
-</file>
-
 <file path=ppt/slides/slide21.xml><?xml version="1.0" encoding="utf-8"?>
 <p:sld xmlns:a="http://schemas.openxmlformats.org/drawingml/2006/main" xmlns:r="http://schemas.openxmlformats.org/officeDocument/2006/relationships" xmlns:p="http://schemas.openxmlformats.org/presentationml/2006/main">
   <p:cSld>
@@ -7210,32 +9846,61 @@
         </p:nvSpPr>
         <p:spPr/>
         <p:txBody>
-          <a:bodyPr>
-            <a:normAutofit/>
-          </a:bodyPr>
-          <a:lstStyle/>
-          <a:p>
-            <a:r>
-              <a:rPr lang="es-UY" dirty="0" smtClean="0"/>
-              <a:t>Caso de estudio</a:t>
+          <a:bodyPr/>
+          <a:lstStyle/>
+          <a:p>
+            <a:r>
+              <a:rPr lang="es-UY" b="1" dirty="0" smtClean="0"/>
+              <a:t>Diseño</a:t>
             </a:r>
             <a:br>
-              <a:rPr lang="es-UY" dirty="0" smtClean="0"/>
+              <a:rPr lang="es-UY" b="1" dirty="0" smtClean="0"/>
             </a:br>
             <a:endParaRPr lang="es-UY" b="1" dirty="0"/>
           </a:p>
         </p:txBody>
       </p:sp>
+      <p:sp>
+        <p:nvSpPr>
+          <p:cNvPr id="3" name="2 Marcador de contenido"/>
+          <p:cNvSpPr>
+            <a:spLocks noGrp="1"/>
+          </p:cNvSpPr>
+          <p:nvPr>
+            <p:ph sz="quarter" idx="1"/>
+          </p:nvPr>
+        </p:nvSpPr>
+        <p:spPr/>
+        <p:txBody>
+          <a:bodyPr/>
+          <a:lstStyle/>
+          <a:p>
+            <a:r>
+              <a:rPr lang="es-UY" sz="2200" dirty="0" smtClean="0"/>
+              <a:t>Público general</a:t>
+            </a:r>
+          </a:p>
+          <a:p>
+            <a:pPr>
+              <a:buNone/>
+            </a:pPr>
+            <a:endParaRPr lang="es-UY" sz="2200" dirty="0" smtClean="0"/>
+          </a:p>
+          <a:p>
+            <a:endParaRPr lang="es-UY" sz="2000" dirty="0"/>
+          </a:p>
+        </p:txBody>
+      </p:sp>
       <p:pic>
         <p:nvPicPr>
-          <p:cNvPr id="1027" name="Picture 3"/>
+          <p:cNvPr id="1026" name="Picture 2"/>
           <p:cNvPicPr>
             <a:picLocks noChangeAspect="1" noChangeArrowheads="1"/>
           </p:cNvPicPr>
           <p:nvPr/>
         </p:nvPicPr>
         <p:blipFill>
-          <a:blip r:embed="rId2"/>
+          <a:blip r:embed="rId3" cstate="print"/>
           <a:srcRect/>
           <a:stretch>
             <a:fillRect/>
@@ -7243,43 +9908,8 @@
         </p:blipFill>
         <p:spPr bwMode="auto">
           <a:xfrm>
-            <a:off x="500034" y="2143116"/>
-            <a:ext cx="7439048" cy="733425"/>
-          </a:xfrm>
-          <a:prstGeom prst="rect">
-            <a:avLst/>
-          </a:prstGeom>
-          <a:noFill/>
-          <a:ln w="9525">
-            <a:noFill/>
-            <a:miter lim="800000"/>
-            <a:headEnd/>
-            <a:tailEnd/>
-          </a:ln>
-          <a:effectLst/>
-        </p:spPr>
-      </p:pic>
-      <p:pic>
-        <p:nvPicPr>
-          <p:cNvPr id="1028" name="Picture 4"/>
-          <p:cNvPicPr>
-            <a:picLocks noGrp="1" noChangeAspect="1" noChangeArrowheads="1"/>
-          </p:cNvPicPr>
-          <p:nvPr>
-            <p:ph sz="quarter" idx="1"/>
-          </p:nvPr>
-        </p:nvPicPr>
-        <p:blipFill>
-          <a:blip r:embed="rId3"/>
-          <a:srcRect/>
-          <a:stretch>
-            <a:fillRect/>
-          </a:stretch>
-        </p:blipFill>
-        <p:spPr bwMode="auto">
-          <a:xfrm>
-            <a:off x="2071670" y="3929066"/>
-            <a:ext cx="4419600" cy="1209675"/>
+            <a:off x="160205" y="2058708"/>
+            <a:ext cx="7940695" cy="4370688"/>
           </a:xfrm>
           <a:prstGeom prst="rect">
             <a:avLst/>
@@ -7338,17 +9968,15 @@
         </p:nvSpPr>
         <p:spPr/>
         <p:txBody>
-          <a:bodyPr>
-            <a:normAutofit/>
-          </a:bodyPr>
-          <a:lstStyle/>
-          <a:p>
-            <a:r>
-              <a:rPr lang="es-UY" dirty="0" smtClean="0"/>
-              <a:t>Caso de estudio</a:t>
+          <a:bodyPr/>
+          <a:lstStyle/>
+          <a:p>
+            <a:r>
+              <a:rPr lang="es-UY" b="1" dirty="0" smtClean="0"/>
+              <a:t>Tecnologías</a:t>
             </a:r>
             <a:br>
-              <a:rPr lang="es-UY" dirty="0" smtClean="0"/>
+              <a:rPr lang="es-UY" b="1" dirty="0" smtClean="0"/>
             </a:br>
             <a:endParaRPr lang="es-UY" b="1" dirty="0"/>
           </a:p>
@@ -7356,7 +9984,7 @@
       </p:sp>
       <p:sp>
         <p:nvSpPr>
-          <p:cNvPr id="5" name="4 Marcador de contenido"/>
+          <p:cNvPr id="3" name="2 Marcador de contenido"/>
           <p:cNvSpPr>
             <a:spLocks noGrp="1"/>
           </p:cNvSpPr>
@@ -7364,56 +9992,128 @@
             <p:ph sz="quarter" idx="1"/>
           </p:nvPr>
         </p:nvSpPr>
-        <p:spPr>
-          <a:xfrm>
-            <a:off x="457200" y="1357298"/>
-            <a:ext cx="7467600" cy="5116654"/>
-          </a:xfrm>
-        </p:spPr>
+        <p:spPr/>
         <p:txBody>
           <a:bodyPr/>
           <a:lstStyle/>
           <a:p>
             <a:r>
               <a:rPr lang="es-UY" sz="2200" dirty="0" smtClean="0"/>
-              <a:t>Escenario 1: </a:t>
-            </a:r>
-            <a:r>
-              <a:rPr lang="es-ES" sz="2200" dirty="0" smtClean="0"/>
-              <a:t>Público general accediendo a información geográfica</a:t>
-            </a:r>
-            <a:endParaRPr lang="es-UY" sz="2200" dirty="0" smtClean="0"/>
-          </a:p>
-          <a:p>
-            <a:endParaRPr lang="es-UY" sz="2200" dirty="0" smtClean="0"/>
-          </a:p>
-          <a:p>
-            <a:endParaRPr lang="es-UY" sz="2200" dirty="0"/>
-          </a:p>
-        </p:txBody>
-      </p:sp>
-      <p:pic>
-        <p:nvPicPr>
-          <p:cNvPr id="6" name="Picture 28" descr="CE-Escenario 1.png"/>
-          <p:cNvPicPr/>
-          <p:nvPr/>
-        </p:nvPicPr>
-        <p:blipFill>
-          <a:blip r:embed="rId2" cstate="print"/>
-          <a:stretch>
-            <a:fillRect/>
-          </a:stretch>
-        </p:blipFill>
-        <p:spPr>
-          <a:xfrm>
-            <a:off x="726220" y="2469974"/>
-            <a:ext cx="7215238" cy="3500462"/>
-          </a:xfrm>
-          <a:prstGeom prst="rect">
-            <a:avLst/>
-          </a:prstGeom>
-        </p:spPr>
-      </p:pic>
+              <a:t>Servidores geográficos</a:t>
+            </a:r>
+          </a:p>
+          <a:p>
+            <a:pPr lvl="1"/>
+            <a:r>
+              <a:rPr lang="es-UY" sz="2000" dirty="0" err="1" smtClean="0"/>
+              <a:t>Geoserver</a:t>
+            </a:r>
+            <a:r>
+              <a:rPr lang="es-UY" sz="2000" dirty="0" smtClean="0"/>
+              <a:t> 2.5</a:t>
+            </a:r>
+          </a:p>
+          <a:p>
+            <a:pPr lvl="1"/>
+            <a:r>
+              <a:rPr lang="es-UY" sz="2000" dirty="0" err="1" smtClean="0"/>
+              <a:t>Mapserver</a:t>
+            </a:r>
+            <a:r>
+              <a:rPr lang="es-UY" sz="2000" dirty="0" smtClean="0"/>
+              <a:t> 3.0.6</a:t>
+            </a:r>
+          </a:p>
+          <a:p>
+            <a:r>
+              <a:rPr lang="es-UY" sz="2200" dirty="0" err="1" smtClean="0"/>
+              <a:t>Jboss</a:t>
+            </a:r>
+            <a:r>
+              <a:rPr lang="es-UY" sz="2200" dirty="0" smtClean="0"/>
+              <a:t> ESB 4.9</a:t>
+            </a:r>
+          </a:p>
+          <a:p>
+            <a:r>
+              <a:rPr lang="es-UY" sz="2200" dirty="0" smtClean="0"/>
+              <a:t>Plataforma de </a:t>
+            </a:r>
+            <a:r>
+              <a:rPr lang="es-UY" sz="2200" dirty="0" err="1" smtClean="0"/>
+              <a:t>eGob</a:t>
+            </a:r>
+            <a:r>
+              <a:rPr lang="es-UY" sz="2200" dirty="0" smtClean="0"/>
+              <a:t> de Uruguay</a:t>
+            </a:r>
+          </a:p>
+          <a:p>
+            <a:r>
+              <a:rPr lang="es-UY" sz="2200" dirty="0" err="1" smtClean="0"/>
+              <a:t>PostgreSQL</a:t>
+            </a:r>
+            <a:r>
+              <a:rPr lang="es-UY" sz="2200" dirty="0" smtClean="0"/>
+              <a:t> 9.3 / </a:t>
+            </a:r>
+            <a:r>
+              <a:rPr lang="es-UY" sz="2200" dirty="0" err="1" smtClean="0"/>
+              <a:t>Postgis</a:t>
+            </a:r>
+            <a:r>
+              <a:rPr lang="es-UY" sz="2200" dirty="0" smtClean="0"/>
+              <a:t> 2.1.3</a:t>
+            </a:r>
+          </a:p>
+          <a:p>
+            <a:r>
+              <a:rPr lang="es-UY" sz="2200" dirty="0" smtClean="0"/>
+              <a:t>Aplicaciones GIS de escritorio</a:t>
+            </a:r>
+          </a:p>
+          <a:p>
+            <a:pPr lvl="1"/>
+            <a:r>
+              <a:rPr lang="es-UY" sz="2000" dirty="0" smtClean="0"/>
+              <a:t>Quantum GIS Desktop 2.6.1</a:t>
+            </a:r>
+          </a:p>
+          <a:p>
+            <a:pPr lvl="1"/>
+            <a:r>
+              <a:rPr lang="es-UY" sz="2000" dirty="0" err="1" smtClean="0"/>
+              <a:t>gvSIG</a:t>
+            </a:r>
+            <a:r>
+              <a:rPr lang="es-UY" sz="2000" dirty="0" smtClean="0"/>
+              <a:t> Desktop 1.12.0</a:t>
+            </a:r>
+          </a:p>
+          <a:p>
+            <a:r>
+              <a:rPr lang="es-UY" sz="2200" dirty="0" smtClean="0"/>
+              <a:t>OpenLayers-2.13</a:t>
+            </a:r>
+          </a:p>
+          <a:p>
+            <a:r>
+              <a:rPr lang="es-UY" sz="2200" dirty="0" err="1" smtClean="0"/>
+              <a:t>Grails</a:t>
+            </a:r>
+            <a:r>
+              <a:rPr lang="es-UY" sz="2200" dirty="0" smtClean="0"/>
+              <a:t> 2.4.3</a:t>
+            </a:r>
+          </a:p>
+          <a:p>
+            <a:pPr lvl="1">
+              <a:buNone/>
+            </a:pPr>
+            <a:endParaRPr lang="es-UY" dirty="0"/>
+          </a:p>
+        </p:txBody>
+      </p:sp>
     </p:spTree>
   </p:cSld>
   <p:clrMapOvr>
@@ -7465,7 +10165,7 @@
           <a:p>
             <a:r>
               <a:rPr lang="es-UY" dirty="0" smtClean="0"/>
-              <a:t>Caso de estudio</a:t>
+              <a:t>Decisiones de implementación</a:t>
             </a:r>
             <a:br>
               <a:rPr lang="es-UY" dirty="0" smtClean="0"/>
@@ -7476,7 +10176,7 @@
       </p:sp>
       <p:sp>
         <p:nvSpPr>
-          <p:cNvPr id="5" name="4 Marcador de contenido"/>
+          <p:cNvPr id="3" name="2 Marcador de contenido"/>
           <p:cNvSpPr>
             <a:spLocks noGrp="1"/>
           </p:cNvSpPr>
@@ -7484,57 +10184,31 @@
             <p:ph sz="quarter" idx="1"/>
           </p:nvPr>
         </p:nvSpPr>
-        <p:spPr>
-          <a:xfrm>
-            <a:off x="457200" y="1357298"/>
-            <a:ext cx="7467600" cy="5116654"/>
-          </a:xfrm>
-        </p:spPr>
-        <p:txBody>
-          <a:bodyPr/>
-          <a:lstStyle/>
-          <a:p>
-            <a:r>
-              <a:rPr lang="es-UY" sz="2200" dirty="0" smtClean="0"/>
-              <a:t>Escenario 2: Público especializado consultando información</a:t>
-            </a:r>
-          </a:p>
-          <a:p>
-            <a:endParaRPr lang="es-UY" sz="2200" dirty="0" smtClean="0"/>
-          </a:p>
-          <a:p>
-            <a:endParaRPr lang="es-UY" sz="2200" dirty="0" smtClean="0"/>
-          </a:p>
-          <a:p>
-            <a:endParaRPr lang="es-UY" sz="2200" dirty="0" smtClean="0"/>
-          </a:p>
-          <a:p>
+        <p:spPr/>
+        <p:txBody>
+          <a:bodyPr>
+            <a:normAutofit/>
+          </a:bodyPr>
+          <a:lstStyle/>
+          <a:p>
+            <a:pPr lvl="1">
+              <a:buNone/>
+            </a:pPr>
+            <a:r>
+              <a:rPr lang="es-UY" sz="2000" dirty="0" smtClean="0">
+                <a:solidFill>
+                  <a:srgbClr val="FF0000"/>
+                </a:solidFill>
+              </a:rPr>
+              <a:t>TERMINAR</a:t>
+            </a:r>
+          </a:p>
+          <a:p>
+            <a:pPr lvl="1"/>
             <a:endParaRPr lang="es-UY" sz="2200" dirty="0"/>
           </a:p>
         </p:txBody>
       </p:sp>
-      <p:pic>
-        <p:nvPicPr>
-          <p:cNvPr id="7" name="Picture 26" descr="CE-Escenario 2.png"/>
-          <p:cNvPicPr/>
-          <p:nvPr/>
-        </p:nvPicPr>
-        <p:blipFill>
-          <a:blip r:embed="rId2" cstate="print"/>
-          <a:stretch>
-            <a:fillRect/>
-          </a:stretch>
-        </p:blipFill>
-        <p:spPr>
-          <a:xfrm>
-            <a:off x="642910" y="2571744"/>
-            <a:ext cx="7500990" cy="3286148"/>
-          </a:xfrm>
-          <a:prstGeom prst="rect">
-            <a:avLst/>
-          </a:prstGeom>
-        </p:spPr>
-      </p:pic>
     </p:spTree>
   </p:cSld>
   <p:clrMapOvr>
@@ -7595,6 +10269,375 @@
           </a:p>
         </p:txBody>
       </p:sp>
+      <p:pic>
+        <p:nvPicPr>
+          <p:cNvPr id="1027" name="Picture 3"/>
+          <p:cNvPicPr>
+            <a:picLocks noChangeAspect="1" noChangeArrowheads="1"/>
+          </p:cNvPicPr>
+          <p:nvPr/>
+        </p:nvPicPr>
+        <p:blipFill>
+          <a:blip r:embed="rId3"/>
+          <a:srcRect/>
+          <a:stretch>
+            <a:fillRect/>
+          </a:stretch>
+        </p:blipFill>
+        <p:spPr bwMode="auto">
+          <a:xfrm>
+            <a:off x="500034" y="2143116"/>
+            <a:ext cx="7439048" cy="733425"/>
+          </a:xfrm>
+          <a:prstGeom prst="rect">
+            <a:avLst/>
+          </a:prstGeom>
+          <a:noFill/>
+          <a:ln w="9525">
+            <a:noFill/>
+            <a:miter lim="800000"/>
+            <a:headEnd/>
+            <a:tailEnd/>
+          </a:ln>
+          <a:effectLst/>
+        </p:spPr>
+      </p:pic>
+      <p:pic>
+        <p:nvPicPr>
+          <p:cNvPr id="1028" name="Picture 4"/>
+          <p:cNvPicPr>
+            <a:picLocks noGrp="1" noChangeAspect="1" noChangeArrowheads="1"/>
+          </p:cNvPicPr>
+          <p:nvPr>
+            <p:ph sz="quarter" idx="1"/>
+          </p:nvPr>
+        </p:nvPicPr>
+        <p:blipFill>
+          <a:blip r:embed="rId4"/>
+          <a:srcRect/>
+          <a:stretch>
+            <a:fillRect/>
+          </a:stretch>
+        </p:blipFill>
+        <p:spPr bwMode="auto">
+          <a:xfrm>
+            <a:off x="2071670" y="3929066"/>
+            <a:ext cx="4419600" cy="1209675"/>
+          </a:xfrm>
+          <a:prstGeom prst="rect">
+            <a:avLst/>
+          </a:prstGeom>
+          <a:noFill/>
+          <a:ln w="9525">
+            <a:noFill/>
+            <a:miter lim="800000"/>
+            <a:headEnd/>
+            <a:tailEnd/>
+          </a:ln>
+          <a:effectLst/>
+        </p:spPr>
+      </p:pic>
+    </p:spTree>
+  </p:cSld>
+  <p:clrMapOvr>
+    <a:masterClrMapping/>
+  </p:clrMapOvr>
+  <p:timing>
+    <p:tnLst>
+      <p:par>
+        <p:cTn id="1" dur="indefinite" restart="never" nodeType="tmRoot"/>
+      </p:par>
+    </p:tnLst>
+  </p:timing>
+</p:sld>
+</file>
+
+<file path=ppt/slides/slide25.xml><?xml version="1.0" encoding="utf-8"?>
+<p:sld xmlns:a="http://schemas.openxmlformats.org/drawingml/2006/main" xmlns:r="http://schemas.openxmlformats.org/officeDocument/2006/relationships" xmlns:p="http://schemas.openxmlformats.org/presentationml/2006/main">
+  <p:cSld>
+    <p:spTree>
+      <p:nvGrpSpPr>
+        <p:cNvPr id="1" name=""/>
+        <p:cNvGrpSpPr/>
+        <p:nvPr/>
+      </p:nvGrpSpPr>
+      <p:grpSpPr>
+        <a:xfrm>
+          <a:off x="0" y="0"/>
+          <a:ext cx="0" cy="0"/>
+          <a:chOff x="0" y="0"/>
+          <a:chExt cx="0" cy="0"/>
+        </a:xfrm>
+      </p:grpSpPr>
+      <p:sp>
+        <p:nvSpPr>
+          <p:cNvPr id="2" name="1 Título"/>
+          <p:cNvSpPr>
+            <a:spLocks noGrp="1"/>
+          </p:cNvSpPr>
+          <p:nvPr>
+            <p:ph type="title"/>
+          </p:nvPr>
+        </p:nvSpPr>
+        <p:spPr/>
+        <p:txBody>
+          <a:bodyPr>
+            <a:normAutofit/>
+          </a:bodyPr>
+          <a:lstStyle/>
+          <a:p>
+            <a:r>
+              <a:rPr lang="es-UY" dirty="0" smtClean="0"/>
+              <a:t>Caso de estudio</a:t>
+            </a:r>
+            <a:br>
+              <a:rPr lang="es-UY" dirty="0" smtClean="0"/>
+            </a:br>
+            <a:endParaRPr lang="es-UY" b="1" dirty="0"/>
+          </a:p>
+        </p:txBody>
+      </p:sp>
+      <p:sp>
+        <p:nvSpPr>
+          <p:cNvPr id="5" name="4 Marcador de contenido"/>
+          <p:cNvSpPr>
+            <a:spLocks noGrp="1"/>
+          </p:cNvSpPr>
+          <p:nvPr>
+            <p:ph sz="quarter" idx="1"/>
+          </p:nvPr>
+        </p:nvSpPr>
+        <p:spPr>
+          <a:xfrm>
+            <a:off x="457200" y="1357298"/>
+            <a:ext cx="7467600" cy="5116654"/>
+          </a:xfrm>
+        </p:spPr>
+        <p:txBody>
+          <a:bodyPr/>
+          <a:lstStyle/>
+          <a:p>
+            <a:r>
+              <a:rPr lang="es-UY" sz="2200" dirty="0" smtClean="0"/>
+              <a:t>Escenario 1: </a:t>
+            </a:r>
+            <a:r>
+              <a:rPr lang="es-ES" sz="2200" dirty="0" smtClean="0"/>
+              <a:t>Público general accediendo a información geográfica</a:t>
+            </a:r>
+            <a:endParaRPr lang="es-UY" sz="2200" dirty="0" smtClean="0"/>
+          </a:p>
+          <a:p>
+            <a:endParaRPr lang="es-UY" sz="2200" dirty="0" smtClean="0"/>
+          </a:p>
+          <a:p>
+            <a:endParaRPr lang="es-UY" sz="2200" dirty="0"/>
+          </a:p>
+        </p:txBody>
+      </p:sp>
+      <p:pic>
+        <p:nvPicPr>
+          <p:cNvPr id="6" name="Picture 28" descr="CE-Escenario 1.png"/>
+          <p:cNvPicPr/>
+          <p:nvPr/>
+        </p:nvPicPr>
+        <p:blipFill>
+          <a:blip r:embed="rId3" cstate="print"/>
+          <a:stretch>
+            <a:fillRect/>
+          </a:stretch>
+        </p:blipFill>
+        <p:spPr>
+          <a:xfrm>
+            <a:off x="726220" y="2469974"/>
+            <a:ext cx="7215238" cy="3500462"/>
+          </a:xfrm>
+          <a:prstGeom prst="rect">
+            <a:avLst/>
+          </a:prstGeom>
+        </p:spPr>
+      </p:pic>
+    </p:spTree>
+  </p:cSld>
+  <p:clrMapOvr>
+    <a:masterClrMapping/>
+  </p:clrMapOvr>
+  <p:timing>
+    <p:tnLst>
+      <p:par>
+        <p:cTn id="1" dur="indefinite" restart="never" nodeType="tmRoot"/>
+      </p:par>
+    </p:tnLst>
+  </p:timing>
+</p:sld>
+</file>
+
+<file path=ppt/slides/slide26.xml><?xml version="1.0" encoding="utf-8"?>
+<p:sld xmlns:a="http://schemas.openxmlformats.org/drawingml/2006/main" xmlns:r="http://schemas.openxmlformats.org/officeDocument/2006/relationships" xmlns:p="http://schemas.openxmlformats.org/presentationml/2006/main">
+  <p:cSld>
+    <p:spTree>
+      <p:nvGrpSpPr>
+        <p:cNvPr id="1" name=""/>
+        <p:cNvGrpSpPr/>
+        <p:nvPr/>
+      </p:nvGrpSpPr>
+      <p:grpSpPr>
+        <a:xfrm>
+          <a:off x="0" y="0"/>
+          <a:ext cx="0" cy="0"/>
+          <a:chOff x="0" y="0"/>
+          <a:chExt cx="0" cy="0"/>
+        </a:xfrm>
+      </p:grpSpPr>
+      <p:sp>
+        <p:nvSpPr>
+          <p:cNvPr id="2" name="1 Título"/>
+          <p:cNvSpPr>
+            <a:spLocks noGrp="1"/>
+          </p:cNvSpPr>
+          <p:nvPr>
+            <p:ph type="title"/>
+          </p:nvPr>
+        </p:nvSpPr>
+        <p:spPr/>
+        <p:txBody>
+          <a:bodyPr>
+            <a:normAutofit/>
+          </a:bodyPr>
+          <a:lstStyle/>
+          <a:p>
+            <a:r>
+              <a:rPr lang="es-UY" dirty="0" smtClean="0"/>
+              <a:t>Caso de estudio</a:t>
+            </a:r>
+            <a:br>
+              <a:rPr lang="es-UY" dirty="0" smtClean="0"/>
+            </a:br>
+            <a:endParaRPr lang="es-UY" b="1" dirty="0"/>
+          </a:p>
+        </p:txBody>
+      </p:sp>
+      <p:sp>
+        <p:nvSpPr>
+          <p:cNvPr id="5" name="4 Marcador de contenido"/>
+          <p:cNvSpPr>
+            <a:spLocks noGrp="1"/>
+          </p:cNvSpPr>
+          <p:nvPr>
+            <p:ph sz="quarter" idx="1"/>
+          </p:nvPr>
+        </p:nvSpPr>
+        <p:spPr>
+          <a:xfrm>
+            <a:off x="457200" y="1357298"/>
+            <a:ext cx="7467600" cy="5116654"/>
+          </a:xfrm>
+        </p:spPr>
+        <p:txBody>
+          <a:bodyPr/>
+          <a:lstStyle/>
+          <a:p>
+            <a:r>
+              <a:rPr lang="es-UY" sz="2200" dirty="0" smtClean="0"/>
+              <a:t>Escenario 2: Público especializado consultando información</a:t>
+            </a:r>
+          </a:p>
+          <a:p>
+            <a:endParaRPr lang="es-UY" sz="2200" dirty="0" smtClean="0"/>
+          </a:p>
+          <a:p>
+            <a:endParaRPr lang="es-UY" sz="2200" dirty="0" smtClean="0"/>
+          </a:p>
+          <a:p>
+            <a:endParaRPr lang="es-UY" sz="2200" dirty="0" smtClean="0"/>
+          </a:p>
+          <a:p>
+            <a:endParaRPr lang="es-UY" sz="2200" dirty="0"/>
+          </a:p>
+        </p:txBody>
+      </p:sp>
+      <p:pic>
+        <p:nvPicPr>
+          <p:cNvPr id="7" name="Picture 26" descr="CE-Escenario 2.png"/>
+          <p:cNvPicPr/>
+          <p:nvPr/>
+        </p:nvPicPr>
+        <p:blipFill>
+          <a:blip r:embed="rId3" cstate="print"/>
+          <a:stretch>
+            <a:fillRect/>
+          </a:stretch>
+        </p:blipFill>
+        <p:spPr>
+          <a:xfrm>
+            <a:off x="642910" y="2571744"/>
+            <a:ext cx="7500990" cy="3286148"/>
+          </a:xfrm>
+          <a:prstGeom prst="rect">
+            <a:avLst/>
+          </a:prstGeom>
+        </p:spPr>
+      </p:pic>
+    </p:spTree>
+  </p:cSld>
+  <p:clrMapOvr>
+    <a:masterClrMapping/>
+  </p:clrMapOvr>
+  <p:timing>
+    <p:tnLst>
+      <p:par>
+        <p:cTn id="1" dur="indefinite" restart="never" nodeType="tmRoot"/>
+      </p:par>
+    </p:tnLst>
+  </p:timing>
+</p:sld>
+</file>
+
+<file path=ppt/slides/slide27.xml><?xml version="1.0" encoding="utf-8"?>
+<p:sld xmlns:a="http://schemas.openxmlformats.org/drawingml/2006/main" xmlns:r="http://schemas.openxmlformats.org/officeDocument/2006/relationships" xmlns:p="http://schemas.openxmlformats.org/presentationml/2006/main">
+  <p:cSld>
+    <p:spTree>
+      <p:nvGrpSpPr>
+        <p:cNvPr id="1" name=""/>
+        <p:cNvGrpSpPr/>
+        <p:nvPr/>
+      </p:nvGrpSpPr>
+      <p:grpSpPr>
+        <a:xfrm>
+          <a:off x="0" y="0"/>
+          <a:ext cx="0" cy="0"/>
+          <a:chOff x="0" y="0"/>
+          <a:chExt cx="0" cy="0"/>
+        </a:xfrm>
+      </p:grpSpPr>
+      <p:sp>
+        <p:nvSpPr>
+          <p:cNvPr id="2" name="1 Título"/>
+          <p:cNvSpPr>
+            <a:spLocks noGrp="1"/>
+          </p:cNvSpPr>
+          <p:nvPr>
+            <p:ph type="title"/>
+          </p:nvPr>
+        </p:nvSpPr>
+        <p:spPr/>
+        <p:txBody>
+          <a:bodyPr>
+            <a:normAutofit/>
+          </a:bodyPr>
+          <a:lstStyle/>
+          <a:p>
+            <a:r>
+              <a:rPr lang="es-UY" dirty="0" smtClean="0"/>
+              <a:t>Caso de estudio</a:t>
+            </a:r>
+            <a:br>
+              <a:rPr lang="es-UY" dirty="0" smtClean="0"/>
+            </a:br>
+            <a:endParaRPr lang="es-UY" b="1" dirty="0"/>
+          </a:p>
+        </p:txBody>
+      </p:sp>
       <p:sp>
         <p:nvSpPr>
           <p:cNvPr id="5" name="4 Marcador de contenido"/>
@@ -7647,7 +10690,7 @@
           <p:nvPr/>
         </p:nvPicPr>
         <p:blipFill>
-          <a:blip r:embed="rId2" cstate="print"/>
+          <a:blip r:embed="rId3" cstate="print"/>
           <a:srcRect/>
           <a:stretch>
             <a:fillRect/>
@@ -7685,7 +10728,7 @@
 </p:sld>
 </file>
 
-<file path=ppt/slides/slide25.xml><?xml version="1.0" encoding="utf-8"?>
+<file path=ppt/slides/slide28.xml><?xml version="1.0" encoding="utf-8"?>
 <p:sld xmlns:a="http://schemas.openxmlformats.org/drawingml/2006/main" xmlns:r="http://schemas.openxmlformats.org/officeDocument/2006/relationships" xmlns:p="http://schemas.openxmlformats.org/presentationml/2006/main">
   <p:cSld>
     <p:spTree>
@@ -7848,7 +10891,7 @@
 </p:sld>
 </file>
 
-<file path=ppt/slides/slide26.xml><?xml version="1.0" encoding="utf-8"?>
+<file path=ppt/slides/slide29.xml><?xml version="1.0" encoding="utf-8"?>
 <p:sld xmlns:a="http://schemas.openxmlformats.org/drawingml/2006/main" xmlns:r="http://schemas.openxmlformats.org/officeDocument/2006/relationships" xmlns:p="http://schemas.openxmlformats.org/presentationml/2006/main">
   <p:cSld>
     <p:spTree>
@@ -7953,61 +10996,6 @@
           </a:p>
         </p:txBody>
       </p:sp>
-    </p:spTree>
-  </p:cSld>
-  <p:clrMapOvr>
-    <a:masterClrMapping/>
-  </p:clrMapOvr>
-  <p:timing>
-    <p:tnLst>
-      <p:par>
-        <p:cTn id="1" dur="indefinite" restart="never" nodeType="tmRoot"/>
-      </p:par>
-    </p:tnLst>
-  </p:timing>
-</p:sld>
-</file>
-
-<file path=ppt/slides/slide27.xml><?xml version="1.0" encoding="utf-8"?>
-<p:sld xmlns:a="http://schemas.openxmlformats.org/drawingml/2006/main" xmlns:r="http://schemas.openxmlformats.org/officeDocument/2006/relationships" xmlns:p="http://schemas.openxmlformats.org/presentationml/2006/main">
-  <p:cSld>
-    <p:spTree>
-      <p:nvGrpSpPr>
-        <p:cNvPr id="1" name=""/>
-        <p:cNvGrpSpPr/>
-        <p:nvPr/>
-      </p:nvGrpSpPr>
-      <p:grpSpPr>
-        <a:xfrm>
-          <a:off x="0" y="0"/>
-          <a:ext cx="0" cy="0"/>
-          <a:chOff x="0" y="0"/>
-          <a:chExt cx="0" cy="0"/>
-        </a:xfrm>
-      </p:grpSpPr>
-      <p:pic>
-        <p:nvPicPr>
-          <p:cNvPr id="4" name="3 Marcador de contenido" descr="Preguntas.jpg"/>
-          <p:cNvPicPr>
-            <a:picLocks noGrp="1" noChangeAspect="1"/>
-          </p:cNvPicPr>
-          <p:nvPr>
-            <p:ph sz="quarter" idx="1"/>
-          </p:nvPr>
-        </p:nvPicPr>
-        <p:blipFill>
-          <a:blip r:embed="rId2" cstate="print"/>
-          <a:stretch>
-            <a:fillRect/>
-          </a:stretch>
-        </p:blipFill>
-        <p:spPr>
-          <a:xfrm>
-            <a:off x="2214546" y="857232"/>
-            <a:ext cx="4454493" cy="4873625"/>
-          </a:xfrm>
-        </p:spPr>
-      </p:pic>
     </p:spTree>
   </p:cSld>
   <p:clrMapOvr>
@@ -8161,6 +11149,61 @@
 </p:sld>
 </file>
 
+<file path=ppt/slides/slide30.xml><?xml version="1.0" encoding="utf-8"?>
+<p:sld xmlns:a="http://schemas.openxmlformats.org/drawingml/2006/main" xmlns:r="http://schemas.openxmlformats.org/officeDocument/2006/relationships" xmlns:p="http://schemas.openxmlformats.org/presentationml/2006/main">
+  <p:cSld>
+    <p:spTree>
+      <p:nvGrpSpPr>
+        <p:cNvPr id="1" name=""/>
+        <p:cNvGrpSpPr/>
+        <p:nvPr/>
+      </p:nvGrpSpPr>
+      <p:grpSpPr>
+        <a:xfrm>
+          <a:off x="0" y="0"/>
+          <a:ext cx="0" cy="0"/>
+          <a:chOff x="0" y="0"/>
+          <a:chExt cx="0" cy="0"/>
+        </a:xfrm>
+      </p:grpSpPr>
+      <p:pic>
+        <p:nvPicPr>
+          <p:cNvPr id="4" name="3 Marcador de contenido" descr="Preguntas.jpg"/>
+          <p:cNvPicPr>
+            <a:picLocks noGrp="1" noChangeAspect="1"/>
+          </p:cNvPicPr>
+          <p:nvPr>
+            <p:ph sz="quarter" idx="1"/>
+          </p:nvPr>
+        </p:nvPicPr>
+        <p:blipFill>
+          <a:blip r:embed="rId3" cstate="print"/>
+          <a:stretch>
+            <a:fillRect/>
+          </a:stretch>
+        </p:blipFill>
+        <p:spPr>
+          <a:xfrm>
+            <a:off x="2214546" y="857232"/>
+            <a:ext cx="4454493" cy="4873625"/>
+          </a:xfrm>
+        </p:spPr>
+      </p:pic>
+    </p:spTree>
+  </p:cSld>
+  <p:clrMapOvr>
+    <a:masterClrMapping/>
+  </p:clrMapOvr>
+  <p:timing>
+    <p:tnLst>
+      <p:par>
+        <p:cTn id="1" dur="indefinite" restart="never" nodeType="tmRoot"/>
+      </p:par>
+    </p:tnLst>
+  </p:timing>
+</p:sld>
+</file>
+
 <file path=ppt/slides/slide4.xml><?xml version="1.0" encoding="utf-8"?>
 <p:sld xmlns:a="http://schemas.openxmlformats.org/drawingml/2006/main" xmlns:r="http://schemas.openxmlformats.org/officeDocument/2006/relationships" xmlns:p="http://schemas.openxmlformats.org/presentationml/2006/main">
   <p:cSld>
@@ -8414,7 +11457,7 @@
           <p:nvPr/>
         </p:nvPicPr>
         <p:blipFill>
-          <a:blip r:embed="rId2" cstate="print"/>
+          <a:blip r:embed="rId3" cstate="print"/>
           <a:stretch>
             <a:fillRect/>
           </a:stretch>
@@ -9054,126 +12097,25 @@
             <a:pPr>
               <a:buNone/>
             </a:pPr>
+            <a:endParaRPr lang="es-UY" sz="2200" dirty="0" smtClean="0"/>
+          </a:p>
+          <a:p>
             <a:r>
               <a:rPr lang="es-UY" sz="2200" dirty="0" smtClean="0"/>
-              <a:t>	</a:t>
-            </a:r>
-            <a:r>
-              <a:rPr lang="es-UY" sz="2200" dirty="0" smtClean="0">
-                <a:solidFill>
-                  <a:srgbClr val="FF0000"/>
-                </a:solidFill>
-              </a:rPr>
-              <a:t>Mostrar arquitectura gis, que existen clientes gis y que no se pueden modificar</a:t>
+              <a:t>PGE</a:t>
             </a:r>
           </a:p>
           <a:p>
             <a:pPr>
               <a:buNone/>
             </a:pPr>
-            <a:r>
-              <a:rPr lang="es-UY" sz="2200" dirty="0" smtClean="0">
-                <a:solidFill>
-                  <a:srgbClr val="FF0000"/>
-                </a:solidFill>
-              </a:rPr>
-              <a:t>	Productos que cumplen con los estándares </a:t>
-            </a:r>
-            <a:r>
-              <a:rPr lang="es-UY" sz="2200" dirty="0" err="1" smtClean="0">
-                <a:solidFill>
-                  <a:srgbClr val="FF0000"/>
-                </a:solidFill>
-              </a:rPr>
-              <a:t>wms</a:t>
-            </a:r>
-            <a:r>
-              <a:rPr lang="es-UY" sz="2200" dirty="0" smtClean="0">
-                <a:solidFill>
-                  <a:srgbClr val="FF0000"/>
-                </a:solidFill>
-              </a:rPr>
-              <a:t> y </a:t>
-            </a:r>
-            <a:r>
-              <a:rPr lang="es-UY" sz="2200" dirty="0" err="1" smtClean="0">
-                <a:solidFill>
-                  <a:srgbClr val="FF0000"/>
-                </a:solidFill>
-              </a:rPr>
-              <a:t>wfs</a:t>
-            </a:r>
-            <a:endParaRPr lang="es-UY" sz="2200" dirty="0" smtClean="0">
-              <a:solidFill>
-                <a:srgbClr val="FF0000"/>
-              </a:solidFill>
-            </a:endParaRPr>
+            <a:endParaRPr lang="es-UY" sz="2200" dirty="0" smtClean="0"/>
           </a:p>
           <a:p>
             <a:r>
               <a:rPr lang="es-UY" sz="2200" dirty="0" smtClean="0"/>
               <a:t>Estándares</a:t>
             </a:r>
-          </a:p>
-          <a:p>
-            <a:pPr lvl="1"/>
-            <a:r>
-              <a:rPr lang="es-UY" sz="2000" dirty="0" smtClean="0"/>
-              <a:t>WMS: agregar métodos</a:t>
-            </a:r>
-          </a:p>
-          <a:p>
-            <a:pPr lvl="1"/>
-            <a:r>
-              <a:rPr lang="es-UY" sz="2000" dirty="0" smtClean="0"/>
-              <a:t>WFS: agregar métodos</a:t>
-            </a:r>
-          </a:p>
-          <a:p>
-            <a:pPr lvl="1"/>
-            <a:r>
-              <a:rPr lang="es-UY" sz="2000" dirty="0" smtClean="0"/>
-              <a:t>WS-Security</a:t>
-            </a:r>
-          </a:p>
-          <a:p>
-            <a:pPr lvl="1"/>
-            <a:r>
-              <a:rPr lang="es-UY" sz="2000" dirty="0" smtClean="0"/>
-              <a:t>WS-</a:t>
-            </a:r>
-            <a:r>
-              <a:rPr lang="es-UY" sz="2000" dirty="0" err="1" smtClean="0"/>
-              <a:t>Addressing</a:t>
-            </a:r>
-            <a:endParaRPr lang="es-UY" sz="2000" dirty="0" smtClean="0"/>
-          </a:p>
-          <a:p>
-            <a:pPr lvl="1"/>
-            <a:r>
-              <a:rPr lang="es-UY" sz="2000" dirty="0" smtClean="0"/>
-              <a:t>WS-Trust</a:t>
-            </a:r>
-          </a:p>
-          <a:p>
-            <a:pPr lvl="1"/>
-            <a:r>
-              <a:rPr lang="es-UY" sz="2000" dirty="0" smtClean="0"/>
-              <a:t>SOAP</a:t>
-            </a:r>
-          </a:p>
-          <a:p>
-            <a:pPr lvl="1"/>
-            <a:r>
-              <a:rPr lang="es-UY" sz="2000" dirty="0" smtClean="0"/>
-              <a:t>REST</a:t>
-            </a:r>
-          </a:p>
-          <a:p>
-            <a:pPr lvl="1">
-              <a:buNone/>
-            </a:pPr>
-            <a:endParaRPr lang="es-UY" sz="2200" dirty="0" smtClean="0"/>
           </a:p>
         </p:txBody>
       </p:sp>

--- a/Presentacion.pptx
+++ b/Presentacion.pptx
@@ -19,8 +19,8 @@
     <p:sldId id="259" r:id="rId10"/>
     <p:sldId id="289" r:id="rId11"/>
     <p:sldId id="277" r:id="rId12"/>
-    <p:sldId id="288" r:id="rId13"/>
-    <p:sldId id="286" r:id="rId14"/>
+    <p:sldId id="286" r:id="rId13"/>
+    <p:sldId id="291" r:id="rId14"/>
     <p:sldId id="285" r:id="rId15"/>
     <p:sldId id="260" r:id="rId16"/>
     <p:sldId id="270" r:id="rId17"/>
@@ -8144,11 +8144,7 @@
             </a:pPr>
             <a:r>
               <a:rPr lang="es-UY" sz="2200" dirty="0" smtClean="0"/>
-              <a:t>y </a:t>
-            </a:r>
-            <a:r>
-              <a:rPr lang="es-UY" sz="2200" dirty="0" smtClean="0"/>
-              <a:t>actores</a:t>
+              <a:t>y actores</a:t>
             </a:r>
           </a:p>
         </p:txBody>
@@ -8324,136 +8320,177 @@
           <a:lstStyle/>
           <a:p>
             <a:r>
-              <a:rPr lang="es-UY" b="1" dirty="0" smtClean="0">
+              <a:rPr lang="es-UY" b="1" dirty="0" smtClean="0"/>
+              <a:t>Estudio Inicial</a:t>
+            </a:r>
+            <a:br>
+              <a:rPr lang="es-UY" b="1" dirty="0" smtClean="0"/>
+            </a:br>
+            <a:endParaRPr lang="es-UY" b="1" dirty="0"/>
+          </a:p>
+        </p:txBody>
+      </p:sp>
+      <p:sp>
+        <p:nvSpPr>
+          <p:cNvPr id="3" name="2 Marcador de contenido"/>
+          <p:cNvSpPr>
+            <a:spLocks noGrp="1"/>
+          </p:cNvSpPr>
+          <p:nvPr>
+            <p:ph sz="quarter" idx="1"/>
+          </p:nvPr>
+        </p:nvSpPr>
+        <p:spPr>
+          <a:xfrm>
+            <a:off x="428596" y="1600200"/>
+            <a:ext cx="7467600" cy="4873752"/>
+          </a:xfrm>
+        </p:spPr>
+        <p:txBody>
+          <a:bodyPr>
+            <a:noAutofit/>
+          </a:bodyPr>
+          <a:lstStyle/>
+          <a:p>
+            <a:r>
+              <a:rPr lang="es-UY" sz="2200" dirty="0" smtClean="0"/>
+              <a:t>Estándares</a:t>
+            </a:r>
+          </a:p>
+          <a:p>
+            <a:pPr lvl="1"/>
+            <a:r>
+              <a:rPr lang="es-UY" sz="2000" dirty="0" smtClean="0"/>
+              <a:t>WMS: </a:t>
+            </a:r>
+            <a:r>
+              <a:rPr lang="es-UY" sz="2000" dirty="0" err="1" smtClean="0"/>
+              <a:t>getCapabilities</a:t>
+            </a:r>
+            <a:r>
+              <a:rPr lang="es-UY" sz="2000" dirty="0" smtClean="0"/>
+              <a:t>, </a:t>
+            </a:r>
+            <a:r>
+              <a:rPr lang="es-UY" sz="2000" dirty="0" err="1" smtClean="0"/>
+              <a:t>getMap</a:t>
+            </a:r>
+            <a:r>
+              <a:rPr lang="es-UY" sz="2000" dirty="0" smtClean="0"/>
+              <a:t>, </a:t>
+            </a:r>
+            <a:r>
+              <a:rPr lang="es-UY" sz="2000" dirty="0" err="1" smtClean="0"/>
+              <a:t>getFeatureInfo</a:t>
+            </a:r>
+            <a:endParaRPr lang="es-UY" sz="2000" dirty="0" smtClean="0"/>
+          </a:p>
+          <a:p>
+            <a:pPr lvl="1"/>
+            <a:r>
+              <a:rPr lang="es-UY" sz="2000" dirty="0" smtClean="0"/>
+              <a:t>WFS: </a:t>
+            </a:r>
+            <a:r>
+              <a:rPr lang="es-UY" sz="2000" dirty="0" err="1" smtClean="0"/>
+              <a:t>g</a:t>
+            </a:r>
+            <a:r>
+              <a:rPr lang="es-UY" sz="2000" dirty="0" err="1" smtClean="0"/>
+              <a:t>etCapabilities</a:t>
+            </a:r>
+            <a:r>
+              <a:rPr lang="es-UY" sz="2000" dirty="0" smtClean="0"/>
+              <a:t>, </a:t>
+            </a:r>
+            <a:r>
+              <a:rPr lang="es-UY" sz="2000" dirty="0" err="1" smtClean="0"/>
+              <a:t>describeFeatureType</a:t>
+            </a:r>
+            <a:r>
+              <a:rPr lang="es-UY" sz="2000" dirty="0" smtClean="0"/>
+              <a:t>,</a:t>
+            </a:r>
+            <a:r>
+              <a:rPr lang="es-UY" sz="2000" dirty="0" smtClean="0">
                 <a:solidFill>
                   <a:srgbClr val="FF0000"/>
                 </a:solidFill>
               </a:rPr>
-              <a:t>Estudio Inicial -- BORRAR</a:t>
-            </a:r>
-            <a:r>
-              <a:rPr lang="es-UY" b="1" dirty="0" smtClean="0"/>
-              <a:t/>
-            </a:r>
-            <a:br>
-              <a:rPr lang="es-UY" b="1" dirty="0" smtClean="0"/>
-            </a:br>
-            <a:endParaRPr lang="es-UY" b="1" dirty="0"/>
-          </a:p>
-        </p:txBody>
-      </p:sp>
-      <p:sp>
-        <p:nvSpPr>
-          <p:cNvPr id="3" name="2 Marcador de contenido"/>
-          <p:cNvSpPr>
-            <a:spLocks noGrp="1"/>
-          </p:cNvSpPr>
-          <p:nvPr>
-            <p:ph sz="quarter" idx="1"/>
-          </p:nvPr>
-        </p:nvSpPr>
-        <p:spPr/>
-        <p:txBody>
-          <a:bodyPr>
-            <a:noAutofit/>
-          </a:bodyPr>
-          <a:lstStyle/>
-          <a:p>
-            <a:r>
-              <a:rPr lang="es-UY" sz="2200" dirty="0" smtClean="0"/>
-              <a:t>PGE</a:t>
-            </a:r>
-            <a:endParaRPr lang="es-UY" sz="2200" dirty="0" smtClean="0">
-              <a:solidFill>
-                <a:srgbClr val="FF0000"/>
-              </a:solidFill>
-            </a:endParaRPr>
-          </a:p>
-          <a:p>
-            <a:r>
-              <a:rPr lang="es-UY" sz="2200" dirty="0" smtClean="0"/>
-              <a:t>Propiedades</a:t>
-            </a:r>
-          </a:p>
-          <a:p>
-            <a:r>
-              <a:rPr lang="es-UY" sz="2200" dirty="0" smtClean="0"/>
-              <a:t>Funcionamiento</a:t>
-            </a:r>
-          </a:p>
-          <a:p>
-            <a:r>
-              <a:rPr lang="es-UY" sz="2200" dirty="0" smtClean="0"/>
-              <a:t>Manejo de direcciones</a:t>
-            </a:r>
-          </a:p>
-          <a:p>
-            <a:r>
-              <a:rPr lang="es-UY" sz="2200" dirty="0" smtClean="0"/>
-              <a:t>Seguridad</a:t>
-            </a:r>
-          </a:p>
-          <a:p>
-            <a:endParaRPr lang="es-UY" sz="2200" dirty="0" smtClean="0"/>
-          </a:p>
-          <a:p>
-            <a:r>
-              <a:rPr lang="es-UY" sz="1800" dirty="0" smtClean="0">
-                <a:solidFill>
-                  <a:srgbClr val="FF0000"/>
-                </a:solidFill>
-              </a:rPr>
-              <a:t>Mostrar como funciona. Agregar imágenes</a:t>
-            </a:r>
-          </a:p>
-          <a:p>
-            <a:r>
-              <a:rPr lang="es-UY" sz="1800" dirty="0" smtClean="0">
-                <a:solidFill>
-                  <a:srgbClr val="FF0000"/>
-                </a:solidFill>
-              </a:rPr>
-              <a:t>Facilita el desarrollo de servicios y tramites en línea.</a:t>
-            </a:r>
-          </a:p>
-          <a:p>
-            <a:r>
-              <a:rPr lang="es-UY" sz="1800" dirty="0" smtClean="0">
-                <a:solidFill>
-                  <a:srgbClr val="FF0000"/>
-                </a:solidFill>
-              </a:rPr>
-              <a:t>Provee herramientas comunes a los organismos del estado.</a:t>
-            </a:r>
-          </a:p>
-          <a:p>
-            <a:r>
-              <a:rPr lang="es-UY" sz="1800" dirty="0" smtClean="0">
-                <a:solidFill>
-                  <a:srgbClr val="FF0000"/>
-                </a:solidFill>
-              </a:rPr>
-              <a:t>Facilita interoperabilidad entre organismos.</a:t>
-            </a:r>
-          </a:p>
-          <a:p>
-            <a:r>
-              <a:rPr lang="es-UY" sz="1800" dirty="0" smtClean="0">
-                <a:solidFill>
-                  <a:srgbClr val="FF0000"/>
-                </a:solidFill>
-              </a:rPr>
-              <a:t>Asegura que la información cumple con los requisitos legales y tecnológicos predefinidos.</a:t>
-            </a:r>
-          </a:p>
-          <a:p>
-            <a:endParaRPr lang="es-UY" sz="2200" dirty="0" smtClean="0"/>
-          </a:p>
-          <a:p>
-            <a:endParaRPr lang="es-UY" sz="2200" dirty="0" smtClean="0"/>
-          </a:p>
-          <a:p>
-            <a:pPr>
+              <a:t> </a:t>
+            </a:r>
+            <a:r>
+              <a:rPr lang="es-UY" sz="2000" dirty="0" err="1" smtClean="0"/>
+              <a:t>getFeature</a:t>
+            </a:r>
+            <a:r>
+              <a:rPr lang="es-UY" sz="2000" dirty="0" smtClean="0"/>
+              <a:t>, 	      </a:t>
+            </a:r>
+            <a:r>
+              <a:rPr lang="es-UY" sz="2000" dirty="0" err="1" smtClean="0"/>
+              <a:t>getGmlObject</a:t>
+            </a:r>
+            <a:r>
+              <a:rPr lang="es-UY" sz="2000" dirty="0" smtClean="0"/>
+              <a:t>, </a:t>
+            </a:r>
+            <a:r>
+              <a:rPr lang="es-UY" sz="2000" dirty="0" err="1" smtClean="0"/>
+              <a:t>transaction</a:t>
+            </a:r>
+            <a:r>
+              <a:rPr lang="es-UY" sz="2000" dirty="0" smtClean="0"/>
+              <a:t>, </a:t>
+            </a:r>
+            <a:r>
+              <a:rPr lang="es-UY" sz="2000" dirty="0" err="1" smtClean="0"/>
+              <a:t>lockFeature</a:t>
+            </a:r>
+            <a:endParaRPr lang="es-UY" sz="2000" dirty="0" smtClean="0"/>
+          </a:p>
+          <a:p>
+            <a:pPr lvl="1"/>
+            <a:r>
+              <a:rPr lang="es-UY" sz="2000" dirty="0" smtClean="0"/>
+              <a:t>WS-Security</a:t>
+            </a:r>
+          </a:p>
+          <a:p>
+            <a:pPr lvl="1"/>
+            <a:r>
+              <a:rPr lang="es-UY" sz="2000" dirty="0" smtClean="0"/>
+              <a:t>WS-</a:t>
+            </a:r>
+            <a:r>
+              <a:rPr lang="es-UY" sz="2000" dirty="0" err="1" smtClean="0"/>
+              <a:t>Addressing</a:t>
+            </a:r>
+            <a:endParaRPr lang="es-UY" sz="2000" dirty="0" smtClean="0"/>
+          </a:p>
+          <a:p>
+            <a:pPr lvl="1"/>
+            <a:r>
+              <a:rPr lang="es-UY" sz="2000" dirty="0" smtClean="0"/>
+              <a:t>WS-Trust</a:t>
+            </a:r>
+          </a:p>
+          <a:p>
+            <a:pPr lvl="1"/>
+            <a:r>
+              <a:rPr lang="es-UY" sz="2000" dirty="0" smtClean="0"/>
+              <a:t>SOAP</a:t>
+            </a:r>
+          </a:p>
+          <a:p>
+            <a:pPr lvl="1"/>
+            <a:r>
+              <a:rPr lang="es-UY" sz="2000" dirty="0" smtClean="0"/>
+              <a:t>REST</a:t>
+            </a:r>
+          </a:p>
+          <a:p>
+            <a:pPr lvl="1">
               <a:buNone/>
             </a:pPr>
             <a:endParaRPr lang="es-UY" sz="2200" dirty="0" smtClean="0"/>
@@ -8504,7 +8541,9 @@
         </p:nvSpPr>
         <p:spPr/>
         <p:txBody>
-          <a:bodyPr/>
+          <a:bodyPr>
+            <a:normAutofit/>
+          </a:bodyPr>
           <a:lstStyle/>
           <a:p>
             <a:r>
@@ -8514,265 +8553,39 @@
             <a:br>
               <a:rPr lang="es-UY" b="1" dirty="0" smtClean="0"/>
             </a:br>
-            <a:endParaRPr lang="es-UY" b="1" dirty="0"/>
-          </a:p>
-        </p:txBody>
-      </p:sp>
-      <p:sp>
-        <p:nvSpPr>
-          <p:cNvPr id="3" name="2 Marcador de contenido"/>
-          <p:cNvSpPr>
-            <a:spLocks noGrp="1"/>
-          </p:cNvSpPr>
-          <p:nvPr>
-            <p:ph sz="quarter" idx="1"/>
-          </p:nvPr>
-        </p:nvSpPr>
-        <p:spPr/>
-        <p:txBody>
-          <a:bodyPr>
-            <a:noAutofit/>
-          </a:bodyPr>
-          <a:lstStyle/>
-          <a:p>
-            <a:r>
-              <a:rPr lang="es-UY" sz="2200" dirty="0" smtClean="0"/>
-              <a:t>Estándares</a:t>
-            </a:r>
-          </a:p>
-          <a:p>
-            <a:pPr lvl="1"/>
-            <a:r>
-              <a:rPr lang="es-UY" sz="2000" dirty="0" smtClean="0"/>
-              <a:t>WMS: </a:t>
-            </a:r>
-            <a:r>
-              <a:rPr lang="es-UY" sz="2000" dirty="0" err="1" smtClean="0">
-                <a:solidFill>
-                  <a:srgbClr val="FF0000"/>
-                </a:solidFill>
-              </a:rPr>
-              <a:t>getCapabilities</a:t>
-            </a:r>
-            <a:r>
-              <a:rPr lang="es-UY" sz="2000" dirty="0" smtClean="0">
-                <a:solidFill>
-                  <a:srgbClr val="FF0000"/>
-                </a:solidFill>
-              </a:rPr>
-              <a:t>, </a:t>
-            </a:r>
-            <a:r>
-              <a:rPr lang="es-UY" sz="2000" dirty="0" err="1" smtClean="0">
-                <a:solidFill>
-                  <a:srgbClr val="FF0000"/>
-                </a:solidFill>
-              </a:rPr>
-              <a:t>getMap</a:t>
-            </a:r>
-            <a:r>
-              <a:rPr lang="es-UY" sz="2000" dirty="0" smtClean="0">
-                <a:solidFill>
-                  <a:srgbClr val="FF0000"/>
-                </a:solidFill>
-              </a:rPr>
-              <a:t>, </a:t>
-            </a:r>
-            <a:r>
-              <a:rPr lang="es-UY" sz="2000" dirty="0" err="1" smtClean="0">
-                <a:solidFill>
-                  <a:srgbClr val="FF0000"/>
-                </a:solidFill>
-              </a:rPr>
-              <a:t>getFeatureInfo</a:t>
-            </a:r>
-            <a:endParaRPr lang="es-UY" sz="2000" dirty="0" smtClean="0">
-              <a:solidFill>
-                <a:srgbClr val="FF0000"/>
-              </a:solidFill>
-            </a:endParaRPr>
-          </a:p>
-          <a:p>
-            <a:pPr lvl="1"/>
-            <a:r>
-              <a:rPr lang="es-UY" sz="2000" dirty="0" smtClean="0"/>
-              <a:t>WFS</a:t>
-            </a:r>
-            <a:r>
-              <a:rPr lang="es-UY" sz="2000" dirty="0" smtClean="0">
-                <a:solidFill>
-                  <a:srgbClr val="FF0000"/>
-                </a:solidFill>
-              </a:rPr>
-              <a:t>: </a:t>
-            </a:r>
-            <a:r>
-              <a:rPr lang="es-UY" sz="2000" dirty="0" err="1" smtClean="0">
-                <a:solidFill>
-                  <a:srgbClr val="FF0000"/>
-                </a:solidFill>
-              </a:rPr>
-              <a:t>getCapabilities</a:t>
-            </a:r>
-            <a:r>
-              <a:rPr lang="es-UY" sz="2000" dirty="0" smtClean="0">
-                <a:solidFill>
-                  <a:srgbClr val="FF0000"/>
-                </a:solidFill>
-              </a:rPr>
-              <a:t>, </a:t>
-            </a:r>
-            <a:r>
-              <a:rPr lang="es-UY" sz="2000" dirty="0" err="1" smtClean="0">
-                <a:solidFill>
-                  <a:srgbClr val="FF0000"/>
-                </a:solidFill>
-              </a:rPr>
-              <a:t>describeFeatureType</a:t>
-            </a:r>
-            <a:r>
-              <a:rPr lang="es-UY" sz="2000" dirty="0" smtClean="0">
-                <a:solidFill>
-                  <a:srgbClr val="FF0000"/>
-                </a:solidFill>
-              </a:rPr>
-              <a:t>, </a:t>
-            </a:r>
-            <a:r>
-              <a:rPr lang="es-UY" sz="2000" dirty="0" err="1" smtClean="0">
-                <a:solidFill>
-                  <a:srgbClr val="FF0000"/>
-                </a:solidFill>
-              </a:rPr>
-              <a:t>getFeature</a:t>
-            </a:r>
-            <a:r>
-              <a:rPr lang="es-UY" sz="2000" dirty="0" smtClean="0">
-                <a:solidFill>
-                  <a:srgbClr val="FF0000"/>
-                </a:solidFill>
-              </a:rPr>
-              <a:t>, 	      </a:t>
-            </a:r>
-            <a:r>
-              <a:rPr lang="es-UY" sz="2000" dirty="0" err="1" smtClean="0">
-                <a:solidFill>
-                  <a:srgbClr val="FF0000"/>
-                </a:solidFill>
-              </a:rPr>
-              <a:t>getGmlObject</a:t>
-            </a:r>
-            <a:r>
-              <a:rPr lang="es-UY" sz="2000" dirty="0" smtClean="0">
-                <a:solidFill>
-                  <a:srgbClr val="FF0000"/>
-                </a:solidFill>
-              </a:rPr>
-              <a:t>, </a:t>
-            </a:r>
-            <a:r>
-              <a:rPr lang="es-UY" sz="2000" dirty="0" err="1" smtClean="0">
-                <a:solidFill>
-                  <a:srgbClr val="FF0000"/>
-                </a:solidFill>
-              </a:rPr>
-              <a:t>transaction</a:t>
-            </a:r>
-            <a:r>
-              <a:rPr lang="es-UY" sz="2000" dirty="0" smtClean="0">
-                <a:solidFill>
-                  <a:srgbClr val="FF0000"/>
-                </a:solidFill>
-              </a:rPr>
-              <a:t>, </a:t>
-            </a:r>
-            <a:r>
-              <a:rPr lang="es-UY" sz="2000" dirty="0" err="1" smtClean="0">
-                <a:solidFill>
-                  <a:srgbClr val="FF0000"/>
-                </a:solidFill>
-              </a:rPr>
-              <a:t>lockFeature</a:t>
-            </a:r>
-            <a:endParaRPr lang="es-UY" sz="2000" dirty="0" smtClean="0">
-              <a:solidFill>
-                <a:srgbClr val="FF0000"/>
-              </a:solidFill>
-            </a:endParaRPr>
-          </a:p>
-          <a:p>
-            <a:pPr lvl="1"/>
-            <a:r>
-              <a:rPr lang="es-UY" sz="2000" dirty="0" smtClean="0"/>
-              <a:t>WS-Security</a:t>
-            </a:r>
-          </a:p>
-          <a:p>
-            <a:pPr lvl="1"/>
-            <a:r>
-              <a:rPr lang="es-UY" sz="2000" dirty="0" smtClean="0"/>
-              <a:t>WS-</a:t>
-            </a:r>
-            <a:r>
-              <a:rPr lang="es-UY" sz="2000" dirty="0" err="1" smtClean="0"/>
-              <a:t>Addressing</a:t>
-            </a:r>
-            <a:endParaRPr lang="es-UY" sz="2000" dirty="0" smtClean="0"/>
-          </a:p>
-          <a:p>
-            <a:pPr lvl="1"/>
-            <a:r>
-              <a:rPr lang="es-UY" sz="2000" dirty="0" smtClean="0"/>
-              <a:t>WS-Trust</a:t>
-            </a:r>
-          </a:p>
-          <a:p>
-            <a:pPr lvl="1"/>
-            <a:r>
-              <a:rPr lang="es-UY" sz="2000" dirty="0" smtClean="0"/>
-              <a:t>SOAP</a:t>
-            </a:r>
-          </a:p>
-          <a:p>
-            <a:pPr lvl="1"/>
-            <a:r>
-              <a:rPr lang="es-UY" sz="2000" dirty="0" smtClean="0"/>
-              <a:t>REST</a:t>
-            </a:r>
-          </a:p>
-          <a:p>
-            <a:pPr lvl="1">
-              <a:buNone/>
-            </a:pPr>
-            <a:endParaRPr lang="es-UY" sz="2000" dirty="0" smtClean="0"/>
-          </a:p>
-          <a:p>
-            <a:pPr>
-              <a:buNone/>
-            </a:pPr>
-            <a:r>
-              <a:rPr lang="es-UY" sz="1800" dirty="0" smtClean="0">
+            <a:r>
+              <a:rPr lang="es-UY" sz="1100" dirty="0" smtClean="0">
                 <a:solidFill>
                   <a:srgbClr val="FF0000"/>
                 </a:solidFill>
               </a:rPr>
               <a:t>Mostrar arquitectura gis, que existen clientes gis y que no se pueden modificar</a:t>
             </a:r>
-          </a:p>
-          <a:p>
-            <a:pPr>
-              <a:buNone/>
-            </a:pPr>
-            <a:r>
-              <a:rPr lang="es-UY" sz="1800" dirty="0" smtClean="0">
+            <a:br>
+              <a:rPr lang="es-UY" sz="1100" dirty="0" smtClean="0">
                 <a:solidFill>
                   <a:srgbClr val="FF0000"/>
                 </a:solidFill>
               </a:rPr>
-              <a:t>	Productos que cumplen con los estándares </a:t>
-            </a:r>
-            <a:r>
-              <a:rPr lang="es-UY" sz="1800" dirty="0" err="1" smtClean="0">
+            </a:br>
+            <a:r>
+              <a:rPr lang="es-UY" sz="1100" dirty="0" smtClean="0">
+                <a:solidFill>
+                  <a:srgbClr val="FF0000"/>
+                </a:solidFill>
+              </a:rPr>
+              <a:t>Productos </a:t>
+            </a:r>
+            <a:r>
+              <a:rPr lang="es-UY" sz="1100" dirty="0" smtClean="0">
+                <a:solidFill>
+                  <a:srgbClr val="FF0000"/>
+                </a:solidFill>
+              </a:rPr>
+              <a:t>que cumplen con los estándares </a:t>
+            </a:r>
+            <a:r>
+              <a:rPr lang="es-UY" sz="1100" dirty="0" err="1" smtClean="0">
                 <a:solidFill>
                   <a:srgbClr val="FF0000"/>
                 </a:solidFill>
@@ -8780,7 +8593,7 @@
               <a:t>wms</a:t>
             </a:r>
             <a:r>
-              <a:rPr lang="es-UY" sz="1800" dirty="0" smtClean="0">
+              <a:rPr lang="es-UY" sz="1100" dirty="0" smtClean="0">
                 <a:solidFill>
                   <a:srgbClr val="FF0000"/>
                 </a:solidFill>
@@ -8788,23 +8601,59 @@
               <a:t> y </a:t>
             </a:r>
             <a:r>
-              <a:rPr lang="es-UY" sz="1800" dirty="0" err="1" smtClean="0">
+              <a:rPr lang="es-UY" sz="1100" dirty="0" err="1" smtClean="0">
                 <a:solidFill>
                   <a:srgbClr val="FF0000"/>
                 </a:solidFill>
               </a:rPr>
               <a:t>wfs</a:t>
             </a:r>
-            <a:endParaRPr lang="es-UY" sz="1800" dirty="0" smtClean="0"/>
-          </a:p>
-          <a:p>
-            <a:pPr lvl="1">
-              <a:buNone/>
-            </a:pPr>
-            <a:endParaRPr lang="es-UY" sz="2200" dirty="0" smtClean="0"/>
-          </a:p>
-        </p:txBody>
-      </p:sp>
+            <a:r>
+              <a:rPr lang="es-UY" sz="1100" dirty="0" smtClean="0"/>
+              <a:t/>
+            </a:r>
+            <a:br>
+              <a:rPr lang="es-UY" sz="1100" dirty="0" smtClean="0"/>
+            </a:br>
+            <a:endParaRPr lang="es-UY" sz="1100" b="1" dirty="0"/>
+          </a:p>
+        </p:txBody>
+      </p:sp>
+      <p:pic>
+        <p:nvPicPr>
+          <p:cNvPr id="2050" name="Picture 2"/>
+          <p:cNvPicPr>
+            <a:picLocks noGrp="1" noChangeAspect="1" noChangeArrowheads="1"/>
+          </p:cNvPicPr>
+          <p:nvPr>
+            <p:ph sz="quarter" idx="1"/>
+          </p:nvPr>
+        </p:nvPicPr>
+        <p:blipFill>
+          <a:blip r:embed="rId3"/>
+          <a:srcRect/>
+          <a:stretch>
+            <a:fillRect/>
+          </a:stretch>
+        </p:blipFill>
+        <p:spPr bwMode="auto">
+          <a:xfrm>
+            <a:off x="1519237" y="2022475"/>
+            <a:ext cx="5286375" cy="4029075"/>
+          </a:xfrm>
+          <a:prstGeom prst="rect">
+            <a:avLst/>
+          </a:prstGeom>
+          <a:noFill/>
+          <a:ln w="9525">
+            <a:noFill/>
+            <a:miter lim="800000"/>
+            <a:headEnd/>
+            <a:tailEnd/>
+          </a:ln>
+          <a:effectLst/>
+        </p:spPr>
+      </p:pic>
     </p:spTree>
   </p:cSld>
   <p:clrMapOvr>

--- a/Presentacion.pptx
+++ b/Presentacion.pptx
@@ -862,7 +862,47 @@
           </a:bodyPr>
           <a:lstStyle/>
           <a:p>
-            <a:endParaRPr lang="es-ES"/>
+            <a:r>
+              <a:rPr lang="es-UY" dirty="0" smtClean="0"/>
+              <a:t>Existen clientes GIS que pueden ser tanto aplicaciones hechas para correr en un browser como clientes desktop (</a:t>
+            </a:r>
+            <a:r>
+              <a:rPr lang="es-UY" dirty="0" err="1" smtClean="0"/>
+              <a:t>ej</a:t>
+            </a:r>
+            <a:r>
+              <a:rPr lang="es-UY" dirty="0" smtClean="0"/>
+              <a:t>: </a:t>
+            </a:r>
+            <a:r>
+              <a:rPr lang="es-UY" dirty="0" err="1" smtClean="0"/>
+              <a:t>GVSig</a:t>
+            </a:r>
+            <a:r>
+              <a:rPr lang="es-UY" dirty="0" smtClean="0"/>
+              <a:t>) </a:t>
+            </a:r>
+          </a:p>
+          <a:p>
+            <a:r>
+              <a:rPr lang="es-UY" dirty="0" smtClean="0"/>
+              <a:t>A su vez están los servidores que cumplen con los estándares WMS y WFS </a:t>
+            </a:r>
+          </a:p>
+          <a:p>
+            <a:r>
+              <a:rPr lang="es-UY" dirty="0" smtClean="0"/>
+              <a:t>Nuestra </a:t>
+            </a:r>
+            <a:r>
+              <a:rPr lang="es-UY" dirty="0" err="1" smtClean="0"/>
+              <a:t>solucion</a:t>
+            </a:r>
+            <a:r>
+              <a:rPr lang="es-UY" dirty="0" smtClean="0"/>
+              <a:t> debe adaptarse a estos 2 componentes (sin modificarlos) y mantener transparencia. </a:t>
+            </a:r>
+            <a:endParaRPr lang="es-ES" dirty="0"/>
           </a:p>
         </p:txBody>
       </p:sp>
@@ -8393,11 +8433,7 @@
             </a:r>
             <a:r>
               <a:rPr lang="es-UY" sz="2000" dirty="0" err="1" smtClean="0"/>
-              <a:t>g</a:t>
-            </a:r>
-            <a:r>
-              <a:rPr lang="es-UY" sz="2000" dirty="0" err="1" smtClean="0"/>
-              <a:t>etCapabilities</a:t>
+              <a:t>getCapabilities</a:t>
             </a:r>
             <a:r>
               <a:rPr lang="es-UY" sz="2000" dirty="0" smtClean="0"/>
@@ -8488,6 +8524,13 @@
               <a:rPr lang="es-UY" sz="2000" dirty="0" smtClean="0"/>
               <a:t>REST</a:t>
             </a:r>
+          </a:p>
+          <a:p>
+            <a:r>
+              <a:rPr lang="es-UY" sz="2300" dirty="0" smtClean="0"/>
+              <a:t>Tesis de Maestría</a:t>
+            </a:r>
+            <a:endParaRPr lang="es-UY" sz="2300" dirty="0" smtClean="0"/>
           </a:p>
           <a:p>
             <a:pPr lvl="1">
@@ -8574,15 +8617,7 @@
                   <a:srgbClr val="FF0000"/>
                 </a:solidFill>
               </a:rPr>
-              <a:t>Productos </a:t>
-            </a:r>
-            <a:r>
-              <a:rPr lang="es-UY" sz="1100" dirty="0" smtClean="0">
-                <a:solidFill>
-                  <a:srgbClr val="FF0000"/>
-                </a:solidFill>
-              </a:rPr>
-              <a:t>que cumplen con los estándares </a:t>
+              <a:t>Productos que cumplen con los estándares </a:t>
             </a:r>
             <a:r>
               <a:rPr lang="es-UY" sz="1100" dirty="0" err="1" smtClean="0">
@@ -10040,6 +10075,55 @@
           </a:bodyPr>
           <a:lstStyle/>
           <a:p>
+            <a:pPr lvl="1"/>
+            <a:r>
+              <a:rPr lang="es-UY" sz="2000" dirty="0" smtClean="0"/>
+              <a:t>Utilizar un ESB (</a:t>
+            </a:r>
+            <a:r>
+              <a:rPr lang="es-UY" sz="2000" dirty="0" err="1" smtClean="0"/>
+              <a:t>JbossESB</a:t>
+            </a:r>
+            <a:r>
+              <a:rPr lang="es-UY" sz="2000" dirty="0" smtClean="0"/>
+              <a:t> ) </a:t>
+            </a:r>
+          </a:p>
+          <a:p>
+            <a:pPr lvl="1"/>
+            <a:r>
+              <a:rPr lang="es-UY" sz="2000" dirty="0" smtClean="0"/>
+              <a:t>Cada CTP mantiene la configuración de su servicio en una BD. </a:t>
+            </a:r>
+          </a:p>
+          <a:p>
+            <a:pPr lvl="1"/>
+            <a:r>
+              <a:rPr lang="es-UY" sz="2000" dirty="0" smtClean="0"/>
+              <a:t>Aplicación simple para mantenimiento de configuración de los servicios.</a:t>
+            </a:r>
+          </a:p>
+          <a:p>
+            <a:pPr lvl="1">
+              <a:buNone/>
+            </a:pPr>
+            <a:endParaRPr lang="es-UY" sz="2000" dirty="0" smtClean="0">
+              <a:solidFill>
+                <a:srgbClr val="FF0000"/>
+              </a:solidFill>
+            </a:endParaRPr>
+          </a:p>
+          <a:p>
+            <a:pPr lvl="1">
+              <a:buNone/>
+            </a:pPr>
+            <a:endParaRPr lang="es-UY" sz="2000" dirty="0" smtClean="0">
+              <a:solidFill>
+                <a:srgbClr val="FF0000"/>
+              </a:solidFill>
+            </a:endParaRPr>
+          </a:p>
+          <a:p>
             <a:pPr lvl="1">
               <a:buNone/>
             </a:pPr>
@@ -10051,6 +10135,11 @@
               </a:rPr>
               <a:t>TERMINAR</a:t>
             </a:r>
+            <a:endParaRPr lang="es-UY" sz="2000" dirty="0" smtClean="0">
+              <a:solidFill>
+                <a:srgbClr val="FF0000"/>
+              </a:solidFill>
+            </a:endParaRPr>
           </a:p>
           <a:p>
             <a:pPr lvl="1"/>

--- a/Presentacion.pptx
+++ b/Presentacion.pptx
@@ -5,7 +5,7 @@
     <p:sldMasterId id="2147483732" r:id="rId1"/>
   </p:sldMasterIdLst>
   <p:notesMasterIdLst>
-    <p:notesMasterId r:id="rId32"/>
+    <p:notesMasterId r:id="rId31"/>
   </p:notesMasterIdLst>
   <p:sldIdLst>
     <p:sldId id="256" r:id="rId2"/>
@@ -21,23 +21,22 @@
     <p:sldId id="277" r:id="rId12"/>
     <p:sldId id="286" r:id="rId13"/>
     <p:sldId id="291" r:id="rId14"/>
-    <p:sldId id="285" r:id="rId15"/>
-    <p:sldId id="260" r:id="rId16"/>
-    <p:sldId id="270" r:id="rId17"/>
-    <p:sldId id="272" r:id="rId18"/>
-    <p:sldId id="273" r:id="rId19"/>
-    <p:sldId id="274" r:id="rId20"/>
-    <p:sldId id="269" r:id="rId21"/>
-    <p:sldId id="268" r:id="rId22"/>
-    <p:sldId id="261" r:id="rId23"/>
-    <p:sldId id="262" r:id="rId24"/>
-    <p:sldId id="279" r:id="rId25"/>
-    <p:sldId id="282" r:id="rId26"/>
-    <p:sldId id="283" r:id="rId27"/>
-    <p:sldId id="284" r:id="rId28"/>
-    <p:sldId id="280" r:id="rId29"/>
-    <p:sldId id="281" r:id="rId30"/>
-    <p:sldId id="265" r:id="rId31"/>
+    <p:sldId id="260" r:id="rId15"/>
+    <p:sldId id="270" r:id="rId16"/>
+    <p:sldId id="272" r:id="rId17"/>
+    <p:sldId id="273" r:id="rId18"/>
+    <p:sldId id="274" r:id="rId19"/>
+    <p:sldId id="269" r:id="rId20"/>
+    <p:sldId id="268" r:id="rId21"/>
+    <p:sldId id="261" r:id="rId22"/>
+    <p:sldId id="262" r:id="rId23"/>
+    <p:sldId id="279" r:id="rId24"/>
+    <p:sldId id="282" r:id="rId25"/>
+    <p:sldId id="283" r:id="rId26"/>
+    <p:sldId id="284" r:id="rId27"/>
+    <p:sldId id="280" r:id="rId28"/>
+    <p:sldId id="281" r:id="rId29"/>
+    <p:sldId id="265" r:id="rId30"/>
   </p:sldIdLst>
   <p:sldSz cx="9144000" cy="6858000" type="screen4x3"/>
   <p:notesSz cx="6858000" cy="9144000"/>
@@ -2401,88 +2400,6 @@
               <a:rPr lang="es-UY" smtClean="0"/>
               <a:pPr/>
               <a:t>3</a:t>
-            </a:fld>
-            <a:endParaRPr lang="es-UY"/>
-          </a:p>
-        </p:txBody>
-      </p:sp>
-    </p:spTree>
-  </p:cSld>
-  <p:clrMapOvr>
-    <a:masterClrMapping/>
-  </p:clrMapOvr>
-</p:notes>
-</file>
-
-<file path=ppt/notesSlides/notesSlide30.xml><?xml version="1.0" encoding="utf-8"?>
-<p:notes xmlns:a="http://schemas.openxmlformats.org/drawingml/2006/main" xmlns:r="http://schemas.openxmlformats.org/officeDocument/2006/relationships" xmlns:p="http://schemas.openxmlformats.org/presentationml/2006/main">
-  <p:cSld>
-    <p:spTree>
-      <p:nvGrpSpPr>
-        <p:cNvPr id="1" name=""/>
-        <p:cNvGrpSpPr/>
-        <p:nvPr/>
-      </p:nvGrpSpPr>
-      <p:grpSpPr>
-        <a:xfrm>
-          <a:off x="0" y="0"/>
-          <a:ext cx="0" cy="0"/>
-          <a:chOff x="0" y="0"/>
-          <a:chExt cx="0" cy="0"/>
-        </a:xfrm>
-      </p:grpSpPr>
-      <p:sp>
-        <p:nvSpPr>
-          <p:cNvPr id="2" name="Slide Image Placeholder 1"/>
-          <p:cNvSpPr>
-            <a:spLocks noGrp="1" noRot="1" noChangeAspect="1"/>
-          </p:cNvSpPr>
-          <p:nvPr>
-            <p:ph type="sldImg"/>
-          </p:nvPr>
-        </p:nvSpPr>
-        <p:spPr/>
-      </p:sp>
-      <p:sp>
-        <p:nvSpPr>
-          <p:cNvPr id="3" name="Notes Placeholder 2"/>
-          <p:cNvSpPr>
-            <a:spLocks noGrp="1"/>
-          </p:cNvSpPr>
-          <p:nvPr>
-            <p:ph type="body" idx="1"/>
-          </p:nvPr>
-        </p:nvSpPr>
-        <p:spPr/>
-        <p:txBody>
-          <a:bodyPr>
-            <a:normAutofit/>
-          </a:bodyPr>
-          <a:lstStyle/>
-          <a:p>
-            <a:endParaRPr lang="es-ES"/>
-          </a:p>
-        </p:txBody>
-      </p:sp>
-      <p:sp>
-        <p:nvSpPr>
-          <p:cNvPr id="4" name="Slide Number Placeholder 3"/>
-          <p:cNvSpPr>
-            <a:spLocks noGrp="1"/>
-          </p:cNvSpPr>
-          <p:nvPr>
-            <p:ph type="sldNum" sz="quarter" idx="10"/>
-          </p:nvPr>
-        </p:nvSpPr>
-        <p:spPr/>
-        <p:txBody>
-          <a:bodyPr/>
-          <a:lstStyle/>
-          <a:p>
-            <a:fld id="{054CFC5F-265C-4220-88EE-8BDCD7F9B77C}" type="slidenum">
-              <a:rPr lang="es-UY" smtClean="0"/>
-              <a:pPr/>
-              <a:t>30</a:t>
             </a:fld>
             <a:endParaRPr lang="es-UY"/>
           </a:p>
@@ -8524,12 +8441,6 @@
               <a:rPr lang="es-UY" sz="2000" dirty="0" smtClean="0"/>
               <a:t>REST</a:t>
             </a:r>
-          </a:p>
-          <a:p>
-            <a:r>
-              <a:rPr lang="es-UY" sz="2300" dirty="0" smtClean="0"/>
-              <a:t>Tesis de Maestría</a:t>
-            </a:r>
             <a:endParaRPr lang="es-UY" sz="2300" dirty="0" smtClean="0"/>
           </a:p>
           <a:p>
@@ -8738,7 +8649,7 @@
           <a:p>
             <a:r>
               <a:rPr lang="es-UY" b="1" dirty="0" smtClean="0"/>
-              <a:t>Estudio Inicial</a:t>
+              <a:t>Análisis</a:t>
             </a:r>
             <a:br>
               <a:rPr lang="es-UY" b="1" dirty="0" smtClean="0"/>
@@ -8759,15 +8670,79 @@
         </p:nvSpPr>
         <p:spPr/>
         <p:txBody>
-          <a:bodyPr>
-            <a:noAutofit/>
-          </a:bodyPr>
+          <a:bodyPr/>
           <a:lstStyle/>
           <a:p>
             <a:r>
               <a:rPr lang="es-UY" sz="2200" dirty="0" smtClean="0"/>
-              <a:t>Tesis de Maestría</a:t>
-            </a:r>
+              <a:t>Casos de uso: escenarios</a:t>
+            </a:r>
+          </a:p>
+          <a:p>
+            <a:pPr>
+              <a:buNone/>
+            </a:pPr>
+            <a:endParaRPr lang="es-UY" sz="2200" dirty="0" smtClean="0"/>
+          </a:p>
+          <a:p>
+            <a:pPr lvl="1"/>
+            <a:r>
+              <a:rPr lang="es-UY" sz="2000" dirty="0" smtClean="0"/>
+              <a:t>Público general consultado información geográfica</a:t>
+            </a:r>
+          </a:p>
+          <a:p>
+            <a:pPr lvl="1">
+              <a:buNone/>
+            </a:pPr>
+            <a:endParaRPr lang="es-UY" sz="2000" dirty="0" smtClean="0"/>
+          </a:p>
+          <a:p>
+            <a:pPr lvl="1"/>
+            <a:r>
+              <a:rPr lang="es-UY" sz="2000" dirty="0" smtClean="0"/>
+              <a:t>Público especializado consultando información geográfica</a:t>
+            </a:r>
+          </a:p>
+          <a:p>
+            <a:pPr lvl="1">
+              <a:buNone/>
+            </a:pPr>
+            <a:endParaRPr lang="es-UY" sz="2000" dirty="0" smtClean="0"/>
+          </a:p>
+          <a:p>
+            <a:pPr lvl="1"/>
+            <a:r>
+              <a:rPr lang="es-UY" sz="2000" dirty="0" smtClean="0"/>
+              <a:t>Instituciones colaborando en la generación de información geográfica</a:t>
+            </a:r>
+          </a:p>
+          <a:p>
+            <a:pPr lvl="1">
+              <a:buNone/>
+            </a:pPr>
+            <a:endParaRPr lang="es-UY" sz="2000" dirty="0" smtClean="0"/>
+          </a:p>
+          <a:p>
+            <a:pPr lvl="1"/>
+            <a:r>
+              <a:rPr lang="es-UY" sz="2000" dirty="0" smtClean="0"/>
+              <a:t>Instituciones colaborando en trámites</a:t>
+            </a:r>
+          </a:p>
+          <a:p>
+            <a:pPr lvl="1">
+              <a:buNone/>
+            </a:pPr>
+            <a:endParaRPr lang="es-UY" sz="2000" dirty="0" smtClean="0"/>
+          </a:p>
+          <a:p>
+            <a:pPr lvl="1"/>
+            <a:r>
+              <a:rPr lang="es-UY" sz="2000" dirty="0" smtClean="0"/>
+              <a:t>Público generando información geográfica</a:t>
+            </a:r>
+            <a:endParaRPr lang="es-UY" sz="2000" dirty="0"/>
           </a:p>
         </p:txBody>
       </p:sp>
@@ -8787,152 +8762,6 @@
 </file>
 
 <file path=ppt/slides/slide15.xml><?xml version="1.0" encoding="utf-8"?>
-<p:sld xmlns:a="http://schemas.openxmlformats.org/drawingml/2006/main" xmlns:r="http://schemas.openxmlformats.org/officeDocument/2006/relationships" xmlns:p="http://schemas.openxmlformats.org/presentationml/2006/main">
-  <p:cSld>
-    <p:spTree>
-      <p:nvGrpSpPr>
-        <p:cNvPr id="1" name=""/>
-        <p:cNvGrpSpPr/>
-        <p:nvPr/>
-      </p:nvGrpSpPr>
-      <p:grpSpPr>
-        <a:xfrm>
-          <a:off x="0" y="0"/>
-          <a:ext cx="0" cy="0"/>
-          <a:chOff x="0" y="0"/>
-          <a:chExt cx="0" cy="0"/>
-        </a:xfrm>
-      </p:grpSpPr>
-      <p:sp>
-        <p:nvSpPr>
-          <p:cNvPr id="2" name="1 Título"/>
-          <p:cNvSpPr>
-            <a:spLocks noGrp="1"/>
-          </p:cNvSpPr>
-          <p:nvPr>
-            <p:ph type="title"/>
-          </p:nvPr>
-        </p:nvSpPr>
-        <p:spPr/>
-        <p:txBody>
-          <a:bodyPr/>
-          <a:lstStyle/>
-          <a:p>
-            <a:r>
-              <a:rPr lang="es-UY" b="1" dirty="0" smtClean="0"/>
-              <a:t>Análisis</a:t>
-            </a:r>
-            <a:br>
-              <a:rPr lang="es-UY" b="1" dirty="0" smtClean="0"/>
-            </a:br>
-            <a:endParaRPr lang="es-UY" b="1" dirty="0"/>
-          </a:p>
-        </p:txBody>
-      </p:sp>
-      <p:sp>
-        <p:nvSpPr>
-          <p:cNvPr id="3" name="2 Marcador de contenido"/>
-          <p:cNvSpPr>
-            <a:spLocks noGrp="1"/>
-          </p:cNvSpPr>
-          <p:nvPr>
-            <p:ph sz="quarter" idx="1"/>
-          </p:nvPr>
-        </p:nvSpPr>
-        <p:spPr/>
-        <p:txBody>
-          <a:bodyPr/>
-          <a:lstStyle/>
-          <a:p>
-            <a:r>
-              <a:rPr lang="es-UY" sz="2200" dirty="0" smtClean="0"/>
-              <a:t>Casos de uso: escenarios</a:t>
-            </a:r>
-          </a:p>
-          <a:p>
-            <a:pPr>
-              <a:buNone/>
-            </a:pPr>
-            <a:endParaRPr lang="es-UY" sz="2200" dirty="0" smtClean="0"/>
-          </a:p>
-          <a:p>
-            <a:pPr lvl="1"/>
-            <a:r>
-              <a:rPr lang="es-UY" sz="2000" dirty="0" smtClean="0"/>
-              <a:t>Público general consultado información geográfica</a:t>
-            </a:r>
-          </a:p>
-          <a:p>
-            <a:pPr lvl="1">
-              <a:buNone/>
-            </a:pPr>
-            <a:endParaRPr lang="es-UY" sz="2000" dirty="0" smtClean="0"/>
-          </a:p>
-          <a:p>
-            <a:pPr lvl="1"/>
-            <a:r>
-              <a:rPr lang="es-UY" sz="2000" dirty="0" smtClean="0"/>
-              <a:t>Público especializado consultando información geográfica</a:t>
-            </a:r>
-          </a:p>
-          <a:p>
-            <a:pPr lvl="1">
-              <a:buNone/>
-            </a:pPr>
-            <a:endParaRPr lang="es-UY" sz="2000" dirty="0" smtClean="0"/>
-          </a:p>
-          <a:p>
-            <a:pPr lvl="1"/>
-            <a:r>
-              <a:rPr lang="es-UY" sz="2000" dirty="0" smtClean="0"/>
-              <a:t>Instituciones colaborando en la generación de información geográfica</a:t>
-            </a:r>
-          </a:p>
-          <a:p>
-            <a:pPr lvl="1">
-              <a:buNone/>
-            </a:pPr>
-            <a:endParaRPr lang="es-UY" sz="2000" dirty="0" smtClean="0"/>
-          </a:p>
-          <a:p>
-            <a:pPr lvl="1"/>
-            <a:r>
-              <a:rPr lang="es-UY" sz="2000" dirty="0" smtClean="0"/>
-              <a:t>Instituciones colaborando en trámites</a:t>
-            </a:r>
-          </a:p>
-          <a:p>
-            <a:pPr lvl="1">
-              <a:buNone/>
-            </a:pPr>
-            <a:endParaRPr lang="es-UY" sz="2000" dirty="0" smtClean="0"/>
-          </a:p>
-          <a:p>
-            <a:pPr lvl="1"/>
-            <a:r>
-              <a:rPr lang="es-UY" sz="2000" dirty="0" smtClean="0"/>
-              <a:t>Público generando información geográfica</a:t>
-            </a:r>
-            <a:endParaRPr lang="es-UY" sz="2000" dirty="0"/>
-          </a:p>
-        </p:txBody>
-      </p:sp>
-    </p:spTree>
-  </p:cSld>
-  <p:clrMapOvr>
-    <a:masterClrMapping/>
-  </p:clrMapOvr>
-  <p:timing>
-    <p:tnLst>
-      <p:par>
-        <p:cTn id="1" dur="indefinite" restart="never" nodeType="tmRoot"/>
-      </p:par>
-    </p:tnLst>
-  </p:timing>
-</p:sld>
-</file>
-
-<file path=ppt/slides/slide16.xml><?xml version="1.0" encoding="utf-8"?>
 <p:sld xmlns:a="http://schemas.openxmlformats.org/drawingml/2006/main" xmlns:r="http://schemas.openxmlformats.org/officeDocument/2006/relationships" xmlns:p="http://schemas.openxmlformats.org/presentationml/2006/main">
   <p:cSld>
     <p:spTree>
@@ -9025,7 +8854,7 @@
 </p:sld>
 </file>
 
-<file path=ppt/slides/slide17.xml><?xml version="1.0" encoding="utf-8"?>
+<file path=ppt/slides/slide16.xml><?xml version="1.0" encoding="utf-8"?>
 <p:sld xmlns:a="http://schemas.openxmlformats.org/drawingml/2006/main" xmlns:r="http://schemas.openxmlformats.org/officeDocument/2006/relationships" xmlns:p="http://schemas.openxmlformats.org/presentationml/2006/main">
   <p:cSld>
     <p:spTree>
@@ -9139,7 +8968,7 @@
 </p:sld>
 </file>
 
-<file path=ppt/slides/slide18.xml><?xml version="1.0" encoding="utf-8"?>
+<file path=ppt/slides/slide17.xml><?xml version="1.0" encoding="utf-8"?>
 <p:sld xmlns:a="http://schemas.openxmlformats.org/drawingml/2006/main" xmlns:r="http://schemas.openxmlformats.org/officeDocument/2006/relationships" xmlns:p="http://schemas.openxmlformats.org/presentationml/2006/main">
   <p:cSld>
     <p:spTree>
@@ -9297,7 +9126,7 @@
 </p:sld>
 </file>
 
-<file path=ppt/slides/slide19.xml><?xml version="1.0" encoding="utf-8"?>
+<file path=ppt/slides/slide18.xml><?xml version="1.0" encoding="utf-8"?>
 <p:sld xmlns:a="http://schemas.openxmlformats.org/drawingml/2006/main" xmlns:r="http://schemas.openxmlformats.org/officeDocument/2006/relationships" xmlns:p="http://schemas.openxmlformats.org/presentationml/2006/main">
   <p:cSld>
     <p:spTree>
@@ -9407,179 +9236,7 @@
 </p:sld>
 </file>
 
-<file path=ppt/slides/slide2.xml><?xml version="1.0" encoding="utf-8"?>
-<p:sld xmlns:a="http://schemas.openxmlformats.org/drawingml/2006/main" xmlns:r="http://schemas.openxmlformats.org/officeDocument/2006/relationships" xmlns:p="http://schemas.openxmlformats.org/presentationml/2006/main">
-  <p:cSld>
-    <p:spTree>
-      <p:nvGrpSpPr>
-        <p:cNvPr id="1" name=""/>
-        <p:cNvGrpSpPr/>
-        <p:nvPr/>
-      </p:nvGrpSpPr>
-      <p:grpSpPr>
-        <a:xfrm>
-          <a:off x="0" y="0"/>
-          <a:ext cx="0" cy="0"/>
-          <a:chOff x="0" y="0"/>
-          <a:chExt cx="0" cy="0"/>
-        </a:xfrm>
-      </p:grpSpPr>
-      <p:sp>
-        <p:nvSpPr>
-          <p:cNvPr id="2" name="1 Título"/>
-          <p:cNvSpPr>
-            <a:spLocks noGrp="1"/>
-          </p:cNvSpPr>
-          <p:nvPr>
-            <p:ph type="title"/>
-          </p:nvPr>
-        </p:nvSpPr>
-        <p:spPr/>
-        <p:txBody>
-          <a:bodyPr/>
-          <a:lstStyle/>
-          <a:p>
-            <a:r>
-              <a:rPr lang="es-UY" b="1" dirty="0" smtClean="0"/>
-              <a:t>Temario</a:t>
-            </a:r>
-            <a:br>
-              <a:rPr lang="es-UY" b="1" dirty="0" smtClean="0"/>
-            </a:br>
-            <a:endParaRPr lang="es-UY" b="1" dirty="0"/>
-          </a:p>
-        </p:txBody>
-      </p:sp>
-      <p:sp>
-        <p:nvSpPr>
-          <p:cNvPr id="3" name="2 Marcador de contenido"/>
-          <p:cNvSpPr>
-            <a:spLocks noGrp="1"/>
-          </p:cNvSpPr>
-          <p:nvPr>
-            <p:ph sz="quarter" idx="1"/>
-          </p:nvPr>
-        </p:nvSpPr>
-        <p:spPr/>
-        <p:txBody>
-          <a:bodyPr>
-            <a:normAutofit/>
-          </a:bodyPr>
-          <a:lstStyle/>
-          <a:p>
-            <a:r>
-              <a:rPr lang="es-UY" dirty="0" smtClean="0"/>
-              <a:t>Contexto</a:t>
-            </a:r>
-          </a:p>
-          <a:p>
-            <a:r>
-              <a:rPr lang="es-UY" dirty="0" smtClean="0"/>
-              <a:t>Objetivos</a:t>
-            </a:r>
-          </a:p>
-          <a:p>
-            <a:r>
-              <a:rPr lang="es-UY" dirty="0" smtClean="0"/>
-              <a:t>Estudio Inicial</a:t>
-            </a:r>
-          </a:p>
-          <a:p>
-            <a:r>
-              <a:rPr lang="es-UY" dirty="0" smtClean="0"/>
-              <a:t>Análisis y Diseño</a:t>
-            </a:r>
-          </a:p>
-          <a:p>
-            <a:r>
-              <a:rPr lang="es-UY" dirty="0" smtClean="0"/>
-              <a:t>Tecnologías</a:t>
-            </a:r>
-          </a:p>
-          <a:p>
-            <a:r>
-              <a:rPr lang="es-UY" dirty="0" smtClean="0"/>
-              <a:t>Decisiones de Implementación</a:t>
-            </a:r>
-          </a:p>
-          <a:p>
-            <a:r>
-              <a:rPr lang="es-UY" dirty="0" smtClean="0"/>
-              <a:t>Caso de Estudio </a:t>
-            </a:r>
-            <a:r>
-              <a:rPr lang="es-UY" dirty="0" smtClean="0">
-                <a:solidFill>
-                  <a:srgbClr val="FF0000"/>
-                </a:solidFill>
-              </a:rPr>
-              <a:t>Ver si en este </a:t>
-            </a:r>
-            <a:r>
-              <a:rPr lang="es-UY" dirty="0" err="1" smtClean="0">
-                <a:solidFill>
-                  <a:srgbClr val="FF0000"/>
-                </a:solidFill>
-              </a:rPr>
-              <a:t>pto</a:t>
-            </a:r>
-            <a:r>
-              <a:rPr lang="es-UY" dirty="0" smtClean="0">
-                <a:solidFill>
-                  <a:srgbClr val="FF0000"/>
-                </a:solidFill>
-              </a:rPr>
-              <a:t>. o al final</a:t>
-            </a:r>
-          </a:p>
-          <a:p>
-            <a:r>
-              <a:rPr lang="es-UY" dirty="0" smtClean="0"/>
-              <a:t>Conclusión</a:t>
-            </a:r>
-          </a:p>
-          <a:p>
-            <a:r>
-              <a:rPr lang="es-UY" dirty="0" smtClean="0"/>
-              <a:t>Trabajos a Futuro</a:t>
-            </a:r>
-          </a:p>
-          <a:p>
-            <a:pPr>
-              <a:buNone/>
-            </a:pPr>
-            <a:endParaRPr lang="es-UY" dirty="0" smtClean="0"/>
-          </a:p>
-          <a:p>
-            <a:endParaRPr lang="es-UY" dirty="0" smtClean="0"/>
-          </a:p>
-          <a:p>
-            <a:endParaRPr lang="es-UY" dirty="0" smtClean="0"/>
-          </a:p>
-          <a:p>
-            <a:endParaRPr lang="es-UY" dirty="0" smtClean="0"/>
-          </a:p>
-          <a:p>
-            <a:endParaRPr lang="es-UY" dirty="0"/>
-          </a:p>
-        </p:txBody>
-      </p:sp>
-    </p:spTree>
-  </p:cSld>
-  <p:clrMapOvr>
-    <a:masterClrMapping/>
-  </p:clrMapOvr>
-  <p:timing>
-    <p:tnLst>
-      <p:par>
-        <p:cTn id="1" dur="indefinite" restart="never" nodeType="tmRoot"/>
-      </p:par>
-    </p:tnLst>
-  </p:timing>
-</p:sld>
-</file>
-
-<file path=ppt/slides/slide20.xml><?xml version="1.0" encoding="utf-8"?>
+<file path=ppt/slides/slide19.xml><?xml version="1.0" encoding="utf-8"?>
 <p:sld xmlns:a="http://schemas.openxmlformats.org/drawingml/2006/main" xmlns:r="http://schemas.openxmlformats.org/officeDocument/2006/relationships" xmlns:p="http://schemas.openxmlformats.org/presentationml/2006/main">
   <p:cSld>
     <p:spTree>
@@ -9701,7 +9358,164 @@
 </p:sld>
 </file>
 
-<file path=ppt/slides/slide21.xml><?xml version="1.0" encoding="utf-8"?>
+<file path=ppt/slides/slide2.xml><?xml version="1.0" encoding="utf-8"?>
+<p:sld xmlns:a="http://schemas.openxmlformats.org/drawingml/2006/main" xmlns:r="http://schemas.openxmlformats.org/officeDocument/2006/relationships" xmlns:p="http://schemas.openxmlformats.org/presentationml/2006/main">
+  <p:cSld>
+    <p:spTree>
+      <p:nvGrpSpPr>
+        <p:cNvPr id="1" name=""/>
+        <p:cNvGrpSpPr/>
+        <p:nvPr/>
+      </p:nvGrpSpPr>
+      <p:grpSpPr>
+        <a:xfrm>
+          <a:off x="0" y="0"/>
+          <a:ext cx="0" cy="0"/>
+          <a:chOff x="0" y="0"/>
+          <a:chExt cx="0" cy="0"/>
+        </a:xfrm>
+      </p:grpSpPr>
+      <p:sp>
+        <p:nvSpPr>
+          <p:cNvPr id="2" name="1 Título"/>
+          <p:cNvSpPr>
+            <a:spLocks noGrp="1"/>
+          </p:cNvSpPr>
+          <p:nvPr>
+            <p:ph type="title"/>
+          </p:nvPr>
+        </p:nvSpPr>
+        <p:spPr/>
+        <p:txBody>
+          <a:bodyPr/>
+          <a:lstStyle/>
+          <a:p>
+            <a:r>
+              <a:rPr lang="es-UY" b="1" dirty="0" smtClean="0"/>
+              <a:t>Temario</a:t>
+            </a:r>
+            <a:br>
+              <a:rPr lang="es-UY" b="1" dirty="0" smtClean="0"/>
+            </a:br>
+            <a:endParaRPr lang="es-UY" b="1" dirty="0"/>
+          </a:p>
+        </p:txBody>
+      </p:sp>
+      <p:sp>
+        <p:nvSpPr>
+          <p:cNvPr id="3" name="2 Marcador de contenido"/>
+          <p:cNvSpPr>
+            <a:spLocks noGrp="1"/>
+          </p:cNvSpPr>
+          <p:nvPr>
+            <p:ph sz="quarter" idx="1"/>
+          </p:nvPr>
+        </p:nvSpPr>
+        <p:spPr/>
+        <p:txBody>
+          <a:bodyPr>
+            <a:normAutofit/>
+          </a:bodyPr>
+          <a:lstStyle/>
+          <a:p>
+            <a:r>
+              <a:rPr lang="es-UY" dirty="0" smtClean="0"/>
+              <a:t>Contexto</a:t>
+            </a:r>
+          </a:p>
+          <a:p>
+            <a:r>
+              <a:rPr lang="es-UY" dirty="0" smtClean="0"/>
+              <a:t>Objetivos</a:t>
+            </a:r>
+          </a:p>
+          <a:p>
+            <a:r>
+              <a:rPr lang="es-UY" dirty="0" smtClean="0"/>
+              <a:t>Estudio Inicial</a:t>
+            </a:r>
+          </a:p>
+          <a:p>
+            <a:r>
+              <a:rPr lang="es-UY" dirty="0" smtClean="0"/>
+              <a:t>Análisis y Diseño</a:t>
+            </a:r>
+          </a:p>
+          <a:p>
+            <a:r>
+              <a:rPr lang="es-UY" dirty="0" smtClean="0"/>
+              <a:t>Tecnologías</a:t>
+            </a:r>
+          </a:p>
+          <a:p>
+            <a:r>
+              <a:rPr lang="es-UY" dirty="0" smtClean="0"/>
+              <a:t>Decisiones de Implementación</a:t>
+            </a:r>
+          </a:p>
+          <a:p>
+            <a:r>
+              <a:rPr lang="es-UY" dirty="0" smtClean="0"/>
+              <a:t>Caso de </a:t>
+            </a:r>
+            <a:r>
+              <a:rPr lang="es-UY" dirty="0" smtClean="0"/>
+              <a:t>Estudio</a:t>
+            </a:r>
+            <a:endParaRPr lang="es-UY" dirty="0" smtClean="0">
+              <a:solidFill>
+                <a:srgbClr val="FF0000"/>
+              </a:solidFill>
+            </a:endParaRPr>
+          </a:p>
+          <a:p>
+            <a:r>
+              <a:rPr lang="es-UY" dirty="0" smtClean="0"/>
+              <a:t>Conclusión</a:t>
+            </a:r>
+          </a:p>
+          <a:p>
+            <a:r>
+              <a:rPr lang="es-UY" dirty="0" smtClean="0"/>
+              <a:t>Trabajos a Futuro</a:t>
+            </a:r>
+          </a:p>
+          <a:p>
+            <a:pPr>
+              <a:buNone/>
+            </a:pPr>
+            <a:endParaRPr lang="es-UY" dirty="0" smtClean="0"/>
+          </a:p>
+          <a:p>
+            <a:endParaRPr lang="es-UY" dirty="0" smtClean="0"/>
+          </a:p>
+          <a:p>
+            <a:endParaRPr lang="es-UY" dirty="0" smtClean="0"/>
+          </a:p>
+          <a:p>
+            <a:endParaRPr lang="es-UY" dirty="0" smtClean="0"/>
+          </a:p>
+          <a:p>
+            <a:endParaRPr lang="es-UY" dirty="0"/>
+          </a:p>
+        </p:txBody>
+      </p:sp>
+    </p:spTree>
+  </p:cSld>
+  <p:clrMapOvr>
+    <a:masterClrMapping/>
+  </p:clrMapOvr>
+  <p:timing>
+    <p:tnLst>
+      <p:par>
+        <p:cTn id="1" dur="indefinite" restart="never" nodeType="tmRoot"/>
+      </p:par>
+    </p:tnLst>
+  </p:timing>
+</p:sld>
+</file>
+
+<file path=ppt/slides/slide20.xml><?xml version="1.0" encoding="utf-8"?>
 <p:sld xmlns:a="http://schemas.openxmlformats.org/drawingml/2006/main" xmlns:r="http://schemas.openxmlformats.org/officeDocument/2006/relationships" xmlns:p="http://schemas.openxmlformats.org/presentationml/2006/main">
   <p:cSld>
     <p:spTree>
@@ -9823,6 +9637,196 @@
 </p:sld>
 </file>
 
+<file path=ppt/slides/slide21.xml><?xml version="1.0" encoding="utf-8"?>
+<p:sld xmlns:a="http://schemas.openxmlformats.org/drawingml/2006/main" xmlns:r="http://schemas.openxmlformats.org/officeDocument/2006/relationships" xmlns:p="http://schemas.openxmlformats.org/presentationml/2006/main">
+  <p:cSld>
+    <p:spTree>
+      <p:nvGrpSpPr>
+        <p:cNvPr id="1" name=""/>
+        <p:cNvGrpSpPr/>
+        <p:nvPr/>
+      </p:nvGrpSpPr>
+      <p:grpSpPr>
+        <a:xfrm>
+          <a:off x="0" y="0"/>
+          <a:ext cx="0" cy="0"/>
+          <a:chOff x="0" y="0"/>
+          <a:chExt cx="0" cy="0"/>
+        </a:xfrm>
+      </p:grpSpPr>
+      <p:sp>
+        <p:nvSpPr>
+          <p:cNvPr id="2" name="1 Título"/>
+          <p:cNvSpPr>
+            <a:spLocks noGrp="1"/>
+          </p:cNvSpPr>
+          <p:nvPr>
+            <p:ph type="title"/>
+          </p:nvPr>
+        </p:nvSpPr>
+        <p:spPr/>
+        <p:txBody>
+          <a:bodyPr/>
+          <a:lstStyle/>
+          <a:p>
+            <a:r>
+              <a:rPr lang="es-UY" b="1" dirty="0" smtClean="0"/>
+              <a:t>Tecnologías</a:t>
+            </a:r>
+            <a:br>
+              <a:rPr lang="es-UY" b="1" dirty="0" smtClean="0"/>
+            </a:br>
+            <a:endParaRPr lang="es-UY" b="1" dirty="0"/>
+          </a:p>
+        </p:txBody>
+      </p:sp>
+      <p:sp>
+        <p:nvSpPr>
+          <p:cNvPr id="3" name="2 Marcador de contenido"/>
+          <p:cNvSpPr>
+            <a:spLocks noGrp="1"/>
+          </p:cNvSpPr>
+          <p:nvPr>
+            <p:ph sz="quarter" idx="1"/>
+          </p:nvPr>
+        </p:nvSpPr>
+        <p:spPr/>
+        <p:txBody>
+          <a:bodyPr/>
+          <a:lstStyle/>
+          <a:p>
+            <a:r>
+              <a:rPr lang="es-UY" sz="2200" dirty="0" smtClean="0"/>
+              <a:t>Servidores geográficos</a:t>
+            </a:r>
+          </a:p>
+          <a:p>
+            <a:pPr lvl="1"/>
+            <a:r>
+              <a:rPr lang="es-UY" sz="2000" dirty="0" err="1" smtClean="0"/>
+              <a:t>Geoserver</a:t>
+            </a:r>
+            <a:r>
+              <a:rPr lang="es-UY" sz="2000" dirty="0" smtClean="0"/>
+              <a:t> 2.5</a:t>
+            </a:r>
+          </a:p>
+          <a:p>
+            <a:pPr lvl="1"/>
+            <a:r>
+              <a:rPr lang="es-UY" sz="2000" dirty="0" err="1" smtClean="0"/>
+              <a:t>Mapserver</a:t>
+            </a:r>
+            <a:r>
+              <a:rPr lang="es-UY" sz="2000" dirty="0" smtClean="0"/>
+              <a:t> 3.0.6</a:t>
+            </a:r>
+          </a:p>
+          <a:p>
+            <a:r>
+              <a:rPr lang="es-UY" sz="2200" dirty="0" err="1" smtClean="0"/>
+              <a:t>Jboss</a:t>
+            </a:r>
+            <a:r>
+              <a:rPr lang="es-UY" sz="2200" dirty="0" smtClean="0"/>
+              <a:t> ESB 4.9</a:t>
+            </a:r>
+          </a:p>
+          <a:p>
+            <a:r>
+              <a:rPr lang="es-UY" sz="2200" dirty="0" smtClean="0"/>
+              <a:t>Plataforma de </a:t>
+            </a:r>
+            <a:r>
+              <a:rPr lang="es-UY" sz="2200" dirty="0" err="1" smtClean="0"/>
+              <a:t>eGob</a:t>
+            </a:r>
+            <a:r>
+              <a:rPr lang="es-UY" sz="2200" dirty="0" smtClean="0"/>
+              <a:t> de Uruguay</a:t>
+            </a:r>
+          </a:p>
+          <a:p>
+            <a:r>
+              <a:rPr lang="es-UY" sz="2200" dirty="0" err="1" smtClean="0"/>
+              <a:t>PostgreSQL</a:t>
+            </a:r>
+            <a:r>
+              <a:rPr lang="es-UY" sz="2200" dirty="0" smtClean="0"/>
+              <a:t> 9.3 / </a:t>
+            </a:r>
+            <a:r>
+              <a:rPr lang="es-UY" sz="2200" dirty="0" err="1" smtClean="0"/>
+              <a:t>Postgis</a:t>
+            </a:r>
+            <a:r>
+              <a:rPr lang="es-UY" sz="2200" dirty="0" smtClean="0"/>
+              <a:t> 2.1.3</a:t>
+            </a:r>
+          </a:p>
+          <a:p>
+            <a:r>
+              <a:rPr lang="es-UY" sz="2200" dirty="0" smtClean="0"/>
+              <a:t>Aplicaciones GIS de escritorio</a:t>
+            </a:r>
+          </a:p>
+          <a:p>
+            <a:pPr lvl="1"/>
+            <a:r>
+              <a:rPr lang="es-UY" sz="2000" dirty="0" smtClean="0"/>
+              <a:t>Quantum GIS Desktop 2.6.1</a:t>
+            </a:r>
+          </a:p>
+          <a:p>
+            <a:pPr lvl="1"/>
+            <a:r>
+              <a:rPr lang="es-UY" sz="2000" dirty="0" err="1" smtClean="0"/>
+              <a:t>gvSIG</a:t>
+            </a:r>
+            <a:r>
+              <a:rPr lang="es-UY" sz="2000" dirty="0" smtClean="0"/>
+              <a:t> Desktop 1.12.0</a:t>
+            </a:r>
+          </a:p>
+          <a:p>
+            <a:r>
+              <a:rPr lang="es-UY" sz="2200" dirty="0" smtClean="0"/>
+              <a:t>OpenLayers-2.13</a:t>
+            </a:r>
+          </a:p>
+          <a:p>
+            <a:r>
+              <a:rPr lang="es-UY" sz="2200" dirty="0" err="1" smtClean="0"/>
+              <a:t>Grails</a:t>
+            </a:r>
+            <a:r>
+              <a:rPr lang="es-UY" sz="2200" dirty="0" smtClean="0"/>
+              <a:t> 2.4.3</a:t>
+            </a:r>
+          </a:p>
+          <a:p>
+            <a:pPr lvl="1">
+              <a:buNone/>
+            </a:pPr>
+            <a:endParaRPr lang="es-UY" dirty="0"/>
+          </a:p>
+        </p:txBody>
+      </p:sp>
+    </p:spTree>
+  </p:cSld>
+  <p:clrMapOvr>
+    <a:masterClrMapping/>
+  </p:clrMapOvr>
+  <p:timing>
+    <p:tnLst>
+      <p:par>
+        <p:cTn id="1" dur="indefinite" restart="never" nodeType="tmRoot"/>
+      </p:par>
+    </p:tnLst>
+  </p:timing>
+</p:sld>
+</file>
+
 <file path=ppt/slides/slide22.xml><?xml version="1.0" encoding="utf-8"?>
 <p:sld xmlns:a="http://schemas.openxmlformats.org/drawingml/2006/main" xmlns:r="http://schemas.openxmlformats.org/officeDocument/2006/relationships" xmlns:p="http://schemas.openxmlformats.org/presentationml/2006/main">
   <p:cSld>
@@ -9852,15 +9856,17 @@
         </p:nvSpPr>
         <p:spPr/>
         <p:txBody>
-          <a:bodyPr/>
-          <a:lstStyle/>
-          <a:p>
-            <a:r>
-              <a:rPr lang="es-UY" b="1" dirty="0" smtClean="0"/>
-              <a:t>Tecnologías</a:t>
+          <a:bodyPr>
+            <a:normAutofit/>
+          </a:bodyPr>
+          <a:lstStyle/>
+          <a:p>
+            <a:r>
+              <a:rPr lang="es-UY" dirty="0" smtClean="0"/>
+              <a:t>Decisiones de implementación</a:t>
             </a:r>
             <a:br>
-              <a:rPr lang="es-UY" b="1" dirty="0" smtClean="0"/>
+              <a:rPr lang="es-UY" dirty="0" smtClean="0"/>
             </a:br>
             <a:endParaRPr lang="es-UY" b="1" dirty="0"/>
           </a:p>
@@ -9878,123 +9884,95 @@
         </p:nvSpPr>
         <p:spPr/>
         <p:txBody>
-          <a:bodyPr/>
-          <a:lstStyle/>
-          <a:p>
+          <a:bodyPr>
+            <a:normAutofit/>
+          </a:bodyPr>
+          <a:lstStyle/>
+          <a:p>
+            <a:pPr lvl="1">
+              <a:buFont typeface="Courier New" pitchFamily="49" charset="0"/>
+              <a:buChar char="o"/>
+            </a:pPr>
             <a:r>
               <a:rPr lang="es-UY" sz="2200" dirty="0" smtClean="0"/>
-              <a:t>Servidores geográficos</a:t>
-            </a:r>
-          </a:p>
-          <a:p>
-            <a:pPr lvl="1"/>
-            <a:r>
-              <a:rPr lang="es-UY" sz="2000" dirty="0" err="1" smtClean="0"/>
-              <a:t>Geoserver</a:t>
-            </a:r>
-            <a:r>
-              <a:rPr lang="es-UY" sz="2000" dirty="0" smtClean="0"/>
-              <a:t> 2.5</a:t>
-            </a:r>
-          </a:p>
-          <a:p>
-            <a:pPr lvl="1"/>
-            <a:r>
-              <a:rPr lang="es-UY" sz="2000" dirty="0" err="1" smtClean="0"/>
-              <a:t>Mapserver</a:t>
-            </a:r>
-            <a:r>
-              <a:rPr lang="es-UY" sz="2000" dirty="0" smtClean="0"/>
-              <a:t> 3.0.6</a:t>
-            </a:r>
-          </a:p>
-          <a:p>
+              <a:t>Utilizar un ESB (</a:t>
+            </a:r>
             <a:r>
               <a:rPr lang="es-UY" sz="2200" dirty="0" err="1" smtClean="0"/>
-              <a:t>Jboss</a:t>
+              <a:t>JbossESB</a:t>
             </a:r>
             <a:r>
               <a:rPr lang="es-UY" sz="2200" dirty="0" smtClean="0"/>
-              <a:t> ESB 4.9</a:t>
-            </a:r>
-          </a:p>
-          <a:p>
-            <a:r>
-              <a:rPr lang="es-UY" sz="2200" dirty="0" smtClean="0"/>
-              <a:t>Plataforma de </a:t>
-            </a:r>
-            <a:r>
-              <a:rPr lang="es-UY" sz="2200" dirty="0" err="1" smtClean="0"/>
-              <a:t>eGob</a:t>
-            </a:r>
-            <a:r>
-              <a:rPr lang="es-UY" sz="2200" dirty="0" smtClean="0"/>
-              <a:t> de Uruguay</a:t>
-            </a:r>
-          </a:p>
-          <a:p>
-            <a:r>
-              <a:rPr lang="es-UY" sz="2200" dirty="0" err="1" smtClean="0"/>
-              <a:t>PostgreSQL</a:t>
-            </a:r>
-            <a:r>
-              <a:rPr lang="es-UY" sz="2200" dirty="0" smtClean="0"/>
-              <a:t> 9.3 / </a:t>
-            </a:r>
-            <a:r>
-              <a:rPr lang="es-UY" sz="2200" dirty="0" err="1" smtClean="0"/>
-              <a:t>Postgis</a:t>
-            </a:r>
-            <a:r>
-              <a:rPr lang="es-UY" sz="2200" dirty="0" smtClean="0"/>
-              <a:t> 2.1.3</a:t>
-            </a:r>
-          </a:p>
-          <a:p>
-            <a:r>
-              <a:rPr lang="es-UY" sz="2200" dirty="0" smtClean="0"/>
-              <a:t>Aplicaciones GIS de escritorio</a:t>
-            </a:r>
-          </a:p>
-          <a:p>
-            <a:pPr lvl="1"/>
-            <a:r>
-              <a:rPr lang="es-UY" sz="2000" dirty="0" smtClean="0"/>
-              <a:t>Quantum GIS Desktop 2.6.1</a:t>
-            </a:r>
-          </a:p>
-          <a:p>
-            <a:pPr lvl="1"/>
-            <a:r>
-              <a:rPr lang="es-UY" sz="2000" dirty="0" err="1" smtClean="0"/>
-              <a:t>gvSIG</a:t>
-            </a:r>
-            <a:r>
-              <a:rPr lang="es-UY" sz="2000" dirty="0" smtClean="0"/>
-              <a:t> Desktop 1.12.0</a:t>
-            </a:r>
-          </a:p>
-          <a:p>
-            <a:r>
-              <a:rPr lang="es-UY" sz="2200" dirty="0" smtClean="0"/>
-              <a:t>OpenLayers-2.13</a:t>
-            </a:r>
-          </a:p>
-          <a:p>
-            <a:r>
-              <a:rPr lang="es-UY" sz="2200" dirty="0" err="1" smtClean="0"/>
-              <a:t>Grails</a:t>
-            </a:r>
-            <a:r>
-              <a:rPr lang="es-UY" sz="2200" dirty="0" smtClean="0"/>
-              <a:t> 2.4.3</a:t>
+              <a:t>)</a:t>
             </a:r>
           </a:p>
           <a:p>
             <a:pPr lvl="1">
               <a:buNone/>
             </a:pPr>
-            <a:endParaRPr lang="es-UY" dirty="0"/>
+            <a:endParaRPr lang="es-UY" sz="2000" dirty="0" smtClean="0"/>
+          </a:p>
+          <a:p>
+            <a:pPr lvl="1">
+              <a:buFont typeface="Courier New" pitchFamily="49" charset="0"/>
+              <a:buChar char="o"/>
+            </a:pPr>
+            <a:r>
+              <a:rPr lang="es-UY" sz="2200" dirty="0" smtClean="0"/>
+              <a:t>Cada CTP-</a:t>
+            </a:r>
+            <a:r>
+              <a:rPr lang="es-UY" sz="2200" dirty="0" err="1" smtClean="0"/>
+              <a:t>RestConnector</a:t>
+            </a:r>
+            <a:r>
+              <a:rPr lang="es-UY" sz="2200" dirty="0" smtClean="0"/>
+              <a:t> mantiene la configuración de los servicios en base de datos </a:t>
+            </a:r>
+          </a:p>
+          <a:p>
+            <a:pPr lvl="1">
+              <a:buNone/>
+            </a:pPr>
+            <a:endParaRPr lang="es-UY" sz="2200" dirty="0" smtClean="0"/>
+          </a:p>
+          <a:p>
+            <a:pPr lvl="1">
+              <a:buFont typeface="Courier New" pitchFamily="49" charset="0"/>
+              <a:buChar char="o"/>
+            </a:pPr>
+            <a:r>
+              <a:rPr lang="es-UY" sz="2200" dirty="0" smtClean="0"/>
+              <a:t>Aplicación </a:t>
+            </a:r>
+            <a:r>
+              <a:rPr lang="es-UY" sz="2200" dirty="0" smtClean="0"/>
+              <a:t>simple para mantenimiento de configuración de los </a:t>
+            </a:r>
+            <a:r>
+              <a:rPr lang="es-UY" sz="2200" dirty="0" smtClean="0"/>
+              <a:t>servicios</a:t>
+            </a:r>
+          </a:p>
+          <a:p>
+            <a:pPr lvl="1">
+              <a:buNone/>
+            </a:pPr>
+            <a:endParaRPr lang="es-UY" sz="2200" dirty="0" smtClean="0"/>
+          </a:p>
+          <a:p>
+            <a:pPr lvl="1">
+              <a:buFont typeface="Courier New" pitchFamily="49" charset="0"/>
+              <a:buChar char="o"/>
+            </a:pPr>
+            <a:r>
+              <a:rPr lang="es-UY" sz="2200" dirty="0" smtClean="0"/>
+              <a:t>Implementar un simulador de la PGE</a:t>
+            </a:r>
+          </a:p>
+          <a:p>
+            <a:pPr lvl="1"/>
+            <a:endParaRPr lang="es-UY" sz="2200" dirty="0"/>
           </a:p>
         </p:txBody>
       </p:sp>
@@ -10014,155 +9992,6 @@
 </file>
 
 <file path=ppt/slides/slide23.xml><?xml version="1.0" encoding="utf-8"?>
-<p:sld xmlns:a="http://schemas.openxmlformats.org/drawingml/2006/main" xmlns:r="http://schemas.openxmlformats.org/officeDocument/2006/relationships" xmlns:p="http://schemas.openxmlformats.org/presentationml/2006/main">
-  <p:cSld>
-    <p:spTree>
-      <p:nvGrpSpPr>
-        <p:cNvPr id="1" name=""/>
-        <p:cNvGrpSpPr/>
-        <p:nvPr/>
-      </p:nvGrpSpPr>
-      <p:grpSpPr>
-        <a:xfrm>
-          <a:off x="0" y="0"/>
-          <a:ext cx="0" cy="0"/>
-          <a:chOff x="0" y="0"/>
-          <a:chExt cx="0" cy="0"/>
-        </a:xfrm>
-      </p:grpSpPr>
-      <p:sp>
-        <p:nvSpPr>
-          <p:cNvPr id="2" name="1 Título"/>
-          <p:cNvSpPr>
-            <a:spLocks noGrp="1"/>
-          </p:cNvSpPr>
-          <p:nvPr>
-            <p:ph type="title"/>
-          </p:nvPr>
-        </p:nvSpPr>
-        <p:spPr/>
-        <p:txBody>
-          <a:bodyPr>
-            <a:normAutofit/>
-          </a:bodyPr>
-          <a:lstStyle/>
-          <a:p>
-            <a:r>
-              <a:rPr lang="es-UY" dirty="0" smtClean="0"/>
-              <a:t>Decisiones de implementación</a:t>
-            </a:r>
-            <a:br>
-              <a:rPr lang="es-UY" dirty="0" smtClean="0"/>
-            </a:br>
-            <a:endParaRPr lang="es-UY" b="1" dirty="0"/>
-          </a:p>
-        </p:txBody>
-      </p:sp>
-      <p:sp>
-        <p:nvSpPr>
-          <p:cNvPr id="3" name="2 Marcador de contenido"/>
-          <p:cNvSpPr>
-            <a:spLocks noGrp="1"/>
-          </p:cNvSpPr>
-          <p:nvPr>
-            <p:ph sz="quarter" idx="1"/>
-          </p:nvPr>
-        </p:nvSpPr>
-        <p:spPr/>
-        <p:txBody>
-          <a:bodyPr>
-            <a:normAutofit/>
-          </a:bodyPr>
-          <a:lstStyle/>
-          <a:p>
-            <a:pPr lvl="1"/>
-            <a:r>
-              <a:rPr lang="es-UY" sz="2000" dirty="0" smtClean="0"/>
-              <a:t>Utilizar un ESB (</a:t>
-            </a:r>
-            <a:r>
-              <a:rPr lang="es-UY" sz="2000" dirty="0" err="1" smtClean="0"/>
-              <a:t>JbossESB</a:t>
-            </a:r>
-            <a:r>
-              <a:rPr lang="es-UY" sz="2000" dirty="0" smtClean="0"/>
-              <a:t> ) </a:t>
-            </a:r>
-          </a:p>
-          <a:p>
-            <a:pPr lvl="1"/>
-            <a:r>
-              <a:rPr lang="es-UY" sz="2000" dirty="0" smtClean="0"/>
-              <a:t>Cada CTP mantiene la configuración de su servicio en una BD. </a:t>
-            </a:r>
-          </a:p>
-          <a:p>
-            <a:pPr lvl="1"/>
-            <a:r>
-              <a:rPr lang="es-UY" sz="2000" dirty="0" smtClean="0"/>
-              <a:t>Aplicación simple para mantenimiento de configuración de los servicios.</a:t>
-            </a:r>
-          </a:p>
-          <a:p>
-            <a:pPr lvl="1">
-              <a:buNone/>
-            </a:pPr>
-            <a:endParaRPr lang="es-UY" sz="2000" dirty="0" smtClean="0">
-              <a:solidFill>
-                <a:srgbClr val="FF0000"/>
-              </a:solidFill>
-            </a:endParaRPr>
-          </a:p>
-          <a:p>
-            <a:pPr lvl="1">
-              <a:buNone/>
-            </a:pPr>
-            <a:endParaRPr lang="es-UY" sz="2000" dirty="0" smtClean="0">
-              <a:solidFill>
-                <a:srgbClr val="FF0000"/>
-              </a:solidFill>
-            </a:endParaRPr>
-          </a:p>
-          <a:p>
-            <a:pPr lvl="1">
-              <a:buNone/>
-            </a:pPr>
-            <a:r>
-              <a:rPr lang="es-UY" sz="2000" dirty="0" smtClean="0">
-                <a:solidFill>
-                  <a:srgbClr val="FF0000"/>
-                </a:solidFill>
-              </a:rPr>
-              <a:t>TERMINAR</a:t>
-            </a:r>
-            <a:endParaRPr lang="es-UY" sz="2000" dirty="0" smtClean="0">
-              <a:solidFill>
-                <a:srgbClr val="FF0000"/>
-              </a:solidFill>
-            </a:endParaRPr>
-          </a:p>
-          <a:p>
-            <a:pPr lvl="1"/>
-            <a:endParaRPr lang="es-UY" sz="2200" dirty="0"/>
-          </a:p>
-        </p:txBody>
-      </p:sp>
-    </p:spTree>
-  </p:cSld>
-  <p:clrMapOvr>
-    <a:masterClrMapping/>
-  </p:clrMapOvr>
-  <p:timing>
-    <p:tnLst>
-      <p:par>
-        <p:cTn id="1" dur="indefinite" restart="never" nodeType="tmRoot"/>
-      </p:par>
-    </p:tnLst>
-  </p:timing>
-</p:sld>
-</file>
-
-<file path=ppt/slides/slide24.xml><?xml version="1.0" encoding="utf-8"?>
 <p:sld xmlns:a="http://schemas.openxmlformats.org/drawingml/2006/main" xmlns:r="http://schemas.openxmlformats.org/officeDocument/2006/relationships" xmlns:p="http://schemas.openxmlformats.org/presentationml/2006/main">
   <p:cSld>
     <p:spTree>
@@ -10290,7 +10119,7 @@
 </p:sld>
 </file>
 
-<file path=ppt/slides/slide25.xml><?xml version="1.0" encoding="utf-8"?>
+<file path=ppt/slides/slide24.xml><?xml version="1.0" encoding="utf-8"?>
 <p:sld xmlns:a="http://schemas.openxmlformats.org/drawingml/2006/main" xmlns:r="http://schemas.openxmlformats.org/officeDocument/2006/relationships" xmlns:p="http://schemas.openxmlformats.org/presentationml/2006/main">
   <p:cSld>
     <p:spTree>
@@ -10410,7 +10239,7 @@
 </p:sld>
 </file>
 
-<file path=ppt/slides/slide26.xml><?xml version="1.0" encoding="utf-8"?>
+<file path=ppt/slides/slide25.xml><?xml version="1.0" encoding="utf-8"?>
 <p:sld xmlns:a="http://schemas.openxmlformats.org/drawingml/2006/main" xmlns:r="http://schemas.openxmlformats.org/officeDocument/2006/relationships" xmlns:p="http://schemas.openxmlformats.org/presentationml/2006/main">
   <p:cSld>
     <p:spTree>
@@ -10531,7 +10360,7 @@
 </p:sld>
 </file>
 
-<file path=ppt/slides/slide27.xml><?xml version="1.0" encoding="utf-8"?>
+<file path=ppt/slides/slide26.xml><?xml version="1.0" encoding="utf-8"?>
 <p:sld xmlns:a="http://schemas.openxmlformats.org/drawingml/2006/main" xmlns:r="http://schemas.openxmlformats.org/officeDocument/2006/relationships" xmlns:p="http://schemas.openxmlformats.org/presentationml/2006/main">
   <p:cSld>
     <p:spTree>
@@ -10666,6 +10495,169 @@
 </p:sld>
 </file>
 
+<file path=ppt/slides/slide27.xml><?xml version="1.0" encoding="utf-8"?>
+<p:sld xmlns:a="http://schemas.openxmlformats.org/drawingml/2006/main" xmlns:r="http://schemas.openxmlformats.org/officeDocument/2006/relationships" xmlns:p="http://schemas.openxmlformats.org/presentationml/2006/main">
+  <p:cSld>
+    <p:spTree>
+      <p:nvGrpSpPr>
+        <p:cNvPr id="1" name=""/>
+        <p:cNvGrpSpPr/>
+        <p:nvPr/>
+      </p:nvGrpSpPr>
+      <p:grpSpPr>
+        <a:xfrm>
+          <a:off x="0" y="0"/>
+          <a:ext cx="0" cy="0"/>
+          <a:chOff x="0" y="0"/>
+          <a:chExt cx="0" cy="0"/>
+        </a:xfrm>
+      </p:grpSpPr>
+      <p:sp>
+        <p:nvSpPr>
+          <p:cNvPr id="2" name="1 Título"/>
+          <p:cNvSpPr>
+            <a:spLocks noGrp="1"/>
+          </p:cNvSpPr>
+          <p:nvPr>
+            <p:ph type="title"/>
+          </p:nvPr>
+        </p:nvSpPr>
+        <p:spPr/>
+        <p:txBody>
+          <a:bodyPr>
+            <a:normAutofit/>
+          </a:bodyPr>
+          <a:lstStyle/>
+          <a:p>
+            <a:r>
+              <a:rPr lang="es-UY" dirty="0" smtClean="0"/>
+              <a:t>Conclusión</a:t>
+            </a:r>
+            <a:br>
+              <a:rPr lang="es-UY" dirty="0" smtClean="0"/>
+            </a:br>
+            <a:endParaRPr lang="es-UY" b="1" dirty="0"/>
+          </a:p>
+        </p:txBody>
+      </p:sp>
+      <p:sp>
+        <p:nvSpPr>
+          <p:cNvPr id="3" name="2 Marcador de contenido"/>
+          <p:cNvSpPr>
+            <a:spLocks noGrp="1"/>
+          </p:cNvSpPr>
+          <p:nvPr>
+            <p:ph sz="quarter" idx="1"/>
+          </p:nvPr>
+        </p:nvSpPr>
+        <p:spPr/>
+        <p:txBody>
+          <a:bodyPr>
+            <a:normAutofit lnSpcReduction="10000"/>
+          </a:bodyPr>
+          <a:lstStyle/>
+          <a:p>
+            <a:r>
+              <a:rPr lang="es-UY" sz="2200" dirty="0" smtClean="0"/>
+              <a:t>Implementación funcional de la propuesta teórica</a:t>
+            </a:r>
+          </a:p>
+          <a:p>
+            <a:pPr lvl="1"/>
+            <a:r>
+              <a:rPr lang="es-UY" sz="2000" dirty="0" smtClean="0"/>
+              <a:t>Interacción entre los diferentes sistemas</a:t>
+            </a:r>
+          </a:p>
+          <a:p>
+            <a:pPr lvl="1"/>
+            <a:r>
+              <a:rPr lang="es-UY" sz="2000" dirty="0" smtClean="0"/>
+              <a:t>Arquitectura interesante</a:t>
+            </a:r>
+          </a:p>
+          <a:p>
+            <a:pPr lvl="1"/>
+            <a:r>
+              <a:rPr lang="es-UY" sz="2000" dirty="0" smtClean="0"/>
+              <a:t>Escalabilidad</a:t>
+            </a:r>
+          </a:p>
+          <a:p>
+            <a:r>
+              <a:rPr lang="es-UY" sz="2200" dirty="0" smtClean="0"/>
+              <a:t>Utilización de tecnologías estándares</a:t>
+            </a:r>
+          </a:p>
+          <a:p>
+            <a:r>
+              <a:rPr lang="es-UY" sz="2200" dirty="0" smtClean="0"/>
+              <a:t>No se imponen restricciones sobre la PGE - Compatible con la arquitectura existente</a:t>
+            </a:r>
+          </a:p>
+          <a:p>
+            <a:r>
+              <a:rPr lang="es-UY" sz="2200" dirty="0" smtClean="0"/>
+              <a:t>Dificultades</a:t>
+            </a:r>
+          </a:p>
+          <a:p>
+            <a:pPr lvl="1"/>
+            <a:r>
+              <a:rPr lang="es-UY" sz="2000" dirty="0" smtClean="0"/>
+              <a:t>Tecnológicas: Estado del arte </a:t>
+            </a:r>
+          </a:p>
+          <a:p>
+            <a:pPr lvl="1"/>
+            <a:r>
+              <a:rPr lang="es-UY" sz="2000" dirty="0" smtClean="0"/>
+              <a:t>De diseño: Resolución del mapeo de direcciones para acceder a la PGE</a:t>
+            </a:r>
+          </a:p>
+          <a:p>
+            <a:r>
+              <a:rPr lang="es-UY" sz="2200" dirty="0" smtClean="0"/>
+              <a:t>Muy buena calidad en la solución obtenida</a:t>
+            </a:r>
+          </a:p>
+          <a:p>
+            <a:r>
+              <a:rPr lang="es-UY" sz="2200" dirty="0" smtClean="0"/>
+              <a:t>Experiencia enriquecedora en tecnologías GIS</a:t>
+            </a:r>
+          </a:p>
+          <a:p>
+            <a:pPr lvl="1">
+              <a:buNone/>
+            </a:pPr>
+            <a:endParaRPr lang="es-UY" sz="2000" dirty="0" smtClean="0">
+              <a:solidFill>
+                <a:srgbClr val="FF0000"/>
+              </a:solidFill>
+            </a:endParaRPr>
+          </a:p>
+          <a:p>
+            <a:pPr lvl="1"/>
+            <a:endParaRPr lang="es-UY" sz="2200" dirty="0"/>
+          </a:p>
+        </p:txBody>
+      </p:sp>
+    </p:spTree>
+  </p:cSld>
+  <p:clrMapOvr>
+    <a:masterClrMapping/>
+  </p:clrMapOvr>
+  <p:timing>
+    <p:tnLst>
+      <p:par>
+        <p:cTn id="1" dur="indefinite" restart="never" nodeType="tmRoot"/>
+      </p:par>
+    </p:tnLst>
+  </p:timing>
+</p:sld>
+</file>
+
 <file path=ppt/slides/slide28.xml><?xml version="1.0" encoding="utf-8"?>
 <p:sld xmlns:a="http://schemas.openxmlformats.org/drawingml/2006/main" xmlns:r="http://schemas.openxmlformats.org/officeDocument/2006/relationships" xmlns:p="http://schemas.openxmlformats.org/presentationml/2006/main">
   <p:cSld>
@@ -10702,7 +10694,7 @@
           <a:p>
             <a:r>
               <a:rPr lang="es-UY" dirty="0" smtClean="0"/>
-              <a:t>Conclusión</a:t>
+              <a:t>Trabajos a futuro</a:t>
             </a:r>
             <a:br>
               <a:rPr lang="es-UY" dirty="0" smtClean="0"/>
@@ -10724,92 +10716,49 @@
         <p:spPr/>
         <p:txBody>
           <a:bodyPr>
-            <a:normAutofit lnSpcReduction="10000"/>
+            <a:normAutofit/>
           </a:bodyPr>
           <a:lstStyle/>
           <a:p>
             <a:r>
               <a:rPr lang="es-UY" sz="2200" dirty="0" smtClean="0"/>
-              <a:t>Implementación funcional de la propuesta teórica</a:t>
-            </a:r>
-          </a:p>
-          <a:p>
-            <a:pPr lvl="1"/>
-            <a:r>
-              <a:rPr lang="es-UY" sz="2000" dirty="0" smtClean="0"/>
-              <a:t>Interacción entre los diferentes sistemas</a:t>
-            </a:r>
-          </a:p>
-          <a:p>
-            <a:pPr lvl="1"/>
-            <a:r>
-              <a:rPr lang="es-UY" sz="2000" dirty="0" smtClean="0"/>
-              <a:t>Arquitectura interesante</a:t>
-            </a:r>
-          </a:p>
-          <a:p>
-            <a:pPr lvl="1"/>
-            <a:r>
-              <a:rPr lang="es-UY" sz="2000" dirty="0" smtClean="0"/>
-              <a:t>Escalabilidad</a:t>
-            </a:r>
-          </a:p>
-          <a:p>
-            <a:r>
-              <a:rPr lang="es-UY" sz="2200" dirty="0" smtClean="0"/>
-              <a:t>Utilización de tecnologías estándares</a:t>
-            </a:r>
-          </a:p>
-          <a:p>
-            <a:r>
-              <a:rPr lang="es-UY" sz="2200" dirty="0" smtClean="0"/>
-              <a:t>No se imponen restricciones sobre la PGE - Compatible con la arquitectura existente</a:t>
-            </a:r>
-          </a:p>
-          <a:p>
-            <a:r>
-              <a:rPr lang="es-UY" sz="2200" dirty="0" smtClean="0"/>
-              <a:t>Dificultades</a:t>
-            </a:r>
-          </a:p>
-          <a:p>
-            <a:pPr lvl="1"/>
-            <a:r>
-              <a:rPr lang="es-UY" sz="2000" dirty="0" smtClean="0"/>
-              <a:t>Tecnológicas: Estado del arte </a:t>
-            </a:r>
-          </a:p>
-          <a:p>
-            <a:pPr lvl="1"/>
-            <a:r>
-              <a:rPr lang="es-UY" sz="2000" dirty="0" smtClean="0"/>
-              <a:t>De diseño: Resolución del mapeo de direcciones para acceder a la PGE</a:t>
-            </a:r>
-          </a:p>
-          <a:p>
-            <a:r>
-              <a:rPr lang="es-UY" sz="2200" dirty="0" smtClean="0"/>
-              <a:t>Muy buena calidad en la solución obtenida</a:t>
-            </a:r>
-          </a:p>
-          <a:p>
-            <a:r>
-              <a:rPr lang="es-UY" sz="2200" dirty="0" smtClean="0"/>
-              <a:t>Experiencia enriquecedora en tecnologías GIS</a:t>
-            </a:r>
-          </a:p>
-          <a:p>
-            <a:pPr lvl="1">
+              <a:t>Asincronismo entre el CTP y la PGE</a:t>
+            </a:r>
+          </a:p>
+          <a:p>
+            <a:pPr>
               <a:buNone/>
             </a:pPr>
-            <a:endParaRPr lang="es-UY" sz="2000" dirty="0" smtClean="0">
-              <a:solidFill>
-                <a:srgbClr val="FF0000"/>
-              </a:solidFill>
-            </a:endParaRPr>
-          </a:p>
-          <a:p>
-            <a:pPr lvl="1"/>
+            <a:endParaRPr lang="es-UY" sz="2200" dirty="0" smtClean="0"/>
+          </a:p>
+          <a:p>
+            <a:r>
+              <a:rPr lang="es-UY" sz="2200" dirty="0" smtClean="0"/>
+              <a:t>Estándares WMS y WFS versión 2.0</a:t>
+            </a:r>
+          </a:p>
+          <a:p>
+            <a:pPr>
+              <a:buNone/>
+            </a:pPr>
+            <a:r>
+              <a:rPr lang="es-UY" sz="2200" dirty="0" smtClean="0"/>
+              <a:t> </a:t>
+            </a:r>
+          </a:p>
+          <a:p>
+            <a:r>
+              <a:rPr lang="es-UY" sz="2200" dirty="0" smtClean="0"/>
+              <a:t>Soporte completo para </a:t>
+            </a:r>
+            <a:r>
+              <a:rPr lang="es-UY" sz="2200" dirty="0" err="1" smtClean="0"/>
+              <a:t>MapServer</a:t>
+            </a:r>
+            <a:r>
+              <a:rPr lang="es-UY" sz="2200" dirty="0" smtClean="0"/>
+              <a:t> </a:t>
+            </a:r>
             <a:endParaRPr lang="es-UY" sz="2200" dirty="0"/>
           </a:p>
         </p:txBody>
@@ -10846,94 +10795,29 @@
           <a:chExt cx="0" cy="0"/>
         </a:xfrm>
       </p:grpSpPr>
-      <p:sp>
-        <p:nvSpPr>
-          <p:cNvPr id="2" name="1 Título"/>
-          <p:cNvSpPr>
-            <a:spLocks noGrp="1"/>
-          </p:cNvSpPr>
-          <p:nvPr>
-            <p:ph type="title"/>
-          </p:nvPr>
-        </p:nvSpPr>
-        <p:spPr/>
-        <p:txBody>
-          <a:bodyPr>
-            <a:normAutofit/>
-          </a:bodyPr>
-          <a:lstStyle/>
-          <a:p>
-            <a:r>
-              <a:rPr lang="es-UY" dirty="0" smtClean="0"/>
-              <a:t>Trabajos a futuro</a:t>
-            </a:r>
-            <a:br>
-              <a:rPr lang="es-UY" dirty="0" smtClean="0"/>
-            </a:br>
-            <a:endParaRPr lang="es-UY" b="1" dirty="0"/>
-          </a:p>
-        </p:txBody>
-      </p:sp>
-      <p:sp>
-        <p:nvSpPr>
-          <p:cNvPr id="3" name="2 Marcador de contenido"/>
-          <p:cNvSpPr>
-            <a:spLocks noGrp="1"/>
-          </p:cNvSpPr>
+      <p:pic>
+        <p:nvPicPr>
+          <p:cNvPr id="4" name="3 Marcador de contenido" descr="Preguntas.jpg"/>
+          <p:cNvPicPr>
+            <a:picLocks noGrp="1" noChangeAspect="1"/>
+          </p:cNvPicPr>
           <p:nvPr>
             <p:ph sz="quarter" idx="1"/>
           </p:nvPr>
-        </p:nvSpPr>
-        <p:spPr/>
-        <p:txBody>
-          <a:bodyPr>
-            <a:normAutofit/>
-          </a:bodyPr>
-          <a:lstStyle/>
-          <a:p>
-            <a:r>
-              <a:rPr lang="es-UY" sz="2200" dirty="0" smtClean="0"/>
-              <a:t>Asincronismo entre el CTP y la PGE</a:t>
-            </a:r>
-          </a:p>
-          <a:p>
-            <a:pPr>
-              <a:buNone/>
-            </a:pPr>
-            <a:endParaRPr lang="es-UY" sz="2200" dirty="0" smtClean="0"/>
-          </a:p>
-          <a:p>
-            <a:r>
-              <a:rPr lang="es-UY" sz="2200" dirty="0" smtClean="0"/>
-              <a:t>Estándares WMS y WFS versión 2.0</a:t>
-            </a:r>
-          </a:p>
-          <a:p>
-            <a:pPr>
-              <a:buNone/>
-            </a:pPr>
-            <a:r>
-              <a:rPr lang="es-UY" sz="2200" dirty="0" smtClean="0"/>
-              <a:t> </a:t>
-            </a:r>
-          </a:p>
-          <a:p>
-            <a:r>
-              <a:rPr lang="es-UY" sz="2200" dirty="0" smtClean="0"/>
-              <a:t>Soporte completo para </a:t>
-            </a:r>
-            <a:r>
-              <a:rPr lang="es-UY" sz="2200" dirty="0" err="1" smtClean="0"/>
-              <a:t>MapServer</a:t>
-            </a:r>
-            <a:r>
-              <a:rPr lang="es-UY" sz="2200" dirty="0" smtClean="0"/>
-              <a:t> </a:t>
-            </a:r>
-            <a:endParaRPr lang="es-UY" sz="2200" dirty="0"/>
-          </a:p>
-        </p:txBody>
-      </p:sp>
+        </p:nvPicPr>
+        <p:blipFill>
+          <a:blip r:embed="rId3" cstate="print"/>
+          <a:stretch>
+            <a:fillRect/>
+          </a:stretch>
+        </p:blipFill>
+        <p:spPr>
+          <a:xfrm>
+            <a:off x="2214546" y="857232"/>
+            <a:ext cx="4454493" cy="4873625"/>
+          </a:xfrm>
+        </p:spPr>
+      </p:pic>
     </p:spTree>
   </p:cSld>
   <p:clrMapOvr>
@@ -11072,61 +10956,6 @@
           </a:p>
         </p:txBody>
       </p:sp>
-    </p:spTree>
-  </p:cSld>
-  <p:clrMapOvr>
-    <a:masterClrMapping/>
-  </p:clrMapOvr>
-  <p:timing>
-    <p:tnLst>
-      <p:par>
-        <p:cTn id="1" dur="indefinite" restart="never" nodeType="tmRoot"/>
-      </p:par>
-    </p:tnLst>
-  </p:timing>
-</p:sld>
-</file>
-
-<file path=ppt/slides/slide30.xml><?xml version="1.0" encoding="utf-8"?>
-<p:sld xmlns:a="http://schemas.openxmlformats.org/drawingml/2006/main" xmlns:r="http://schemas.openxmlformats.org/officeDocument/2006/relationships" xmlns:p="http://schemas.openxmlformats.org/presentationml/2006/main">
-  <p:cSld>
-    <p:spTree>
-      <p:nvGrpSpPr>
-        <p:cNvPr id="1" name=""/>
-        <p:cNvGrpSpPr/>
-        <p:nvPr/>
-      </p:nvGrpSpPr>
-      <p:grpSpPr>
-        <a:xfrm>
-          <a:off x="0" y="0"/>
-          <a:ext cx="0" cy="0"/>
-          <a:chOff x="0" y="0"/>
-          <a:chExt cx="0" cy="0"/>
-        </a:xfrm>
-      </p:grpSpPr>
-      <p:pic>
-        <p:nvPicPr>
-          <p:cNvPr id="4" name="3 Marcador de contenido" descr="Preguntas.jpg"/>
-          <p:cNvPicPr>
-            <a:picLocks noGrp="1" noChangeAspect="1"/>
-          </p:cNvPicPr>
-          <p:nvPr>
-            <p:ph sz="quarter" idx="1"/>
-          </p:nvPr>
-        </p:nvPicPr>
-        <p:blipFill>
-          <a:blip r:embed="rId3" cstate="print"/>
-          <a:stretch>
-            <a:fillRect/>
-          </a:stretch>
-        </p:blipFill>
-        <p:spPr>
-          <a:xfrm>
-            <a:off x="2214546" y="857232"/>
-            <a:ext cx="4454493" cy="4873625"/>
-          </a:xfrm>
-        </p:spPr>
-      </p:pic>
     </p:spTree>
   </p:cSld>
   <p:clrMapOvr>

--- a/Presentacion.pptx
+++ b/Presentacion.pptx
@@ -221,7 +221,7 @@
             <a:fld id="{E8BFD649-4464-4874-A030-77DA47E62353}" type="datetimeFigureOut">
               <a:rPr lang="es-UY" smtClean="0"/>
               <a:pPr/>
-              <a:t>23/05/2015</a:t>
+              <a:t>01/06/2015</a:t>
             </a:fld>
             <a:endParaRPr lang="es-UY"/>
           </a:p>
@@ -3043,7 +3043,7 @@
             <a:fld id="{7A847CFC-816F-41D0-AAC0-9BF4FEBC753E}" type="datetimeFigureOut">
               <a:rPr lang="es-ES" smtClean="0"/>
               <a:pPr/>
-              <a:t>23/05/2015</a:t>
+              <a:t>01/06/2015</a:t>
             </a:fld>
             <a:endParaRPr lang="es-ES"/>
           </a:p>
@@ -3914,7 +3914,7 @@
             <a:fld id="{7A847CFC-816F-41D0-AAC0-9BF4FEBC753E}" type="datetimeFigureOut">
               <a:rPr lang="es-ES" smtClean="0"/>
               <a:pPr/>
-              <a:t>23/05/2015</a:t>
+              <a:t>01/06/2015</a:t>
             </a:fld>
             <a:endParaRPr lang="es-ES"/>
           </a:p>
@@ -4091,7 +4091,7 @@
             <a:fld id="{7A847CFC-816F-41D0-AAC0-9BF4FEBC753E}" type="datetimeFigureOut">
               <a:rPr lang="es-ES" smtClean="0"/>
               <a:pPr/>
-              <a:t>23/05/2015</a:t>
+              <a:t>01/06/2015</a:t>
             </a:fld>
             <a:endParaRPr lang="es-ES"/>
           </a:p>
@@ -4263,7 +4263,7 @@
             <a:fld id="{7A847CFC-816F-41D0-AAC0-9BF4FEBC753E}" type="datetimeFigureOut">
               <a:rPr lang="es-ES" smtClean="0"/>
               <a:pPr/>
-              <a:t>23/05/2015</a:t>
+              <a:t>01/06/2015</a:t>
             </a:fld>
             <a:endParaRPr lang="es-ES"/>
           </a:p>
@@ -4475,7 +4475,7 @@
             <a:fld id="{7A847CFC-816F-41D0-AAC0-9BF4FEBC753E}" type="datetimeFigureOut">
               <a:rPr lang="es-ES" smtClean="0"/>
               <a:pPr/>
-              <a:t>23/05/2015</a:t>
+              <a:t>01/06/2015</a:t>
             </a:fld>
             <a:endParaRPr lang="es-ES"/>
           </a:p>
@@ -5291,7 +5291,7 @@
             <a:fld id="{7A847CFC-816F-41D0-AAC0-9BF4FEBC753E}" type="datetimeFigureOut">
               <a:rPr lang="es-ES" smtClean="0"/>
               <a:pPr/>
-              <a:t>23/05/2015</a:t>
+              <a:t>01/06/2015</a:t>
             </a:fld>
             <a:endParaRPr lang="es-ES"/>
           </a:p>
@@ -5529,7 +5529,7 @@
             <a:fld id="{7A847CFC-816F-41D0-AAC0-9BF4FEBC753E}" type="datetimeFigureOut">
               <a:rPr lang="es-ES" smtClean="0"/>
               <a:pPr/>
-              <a:t>23/05/2015</a:t>
+              <a:t>01/06/2015</a:t>
             </a:fld>
             <a:endParaRPr lang="es-ES"/>
           </a:p>
@@ -5854,7 +5854,7 @@
             <a:fld id="{7A847CFC-816F-41D0-AAC0-9BF4FEBC753E}" type="datetimeFigureOut">
               <a:rPr lang="es-ES" smtClean="0"/>
               <a:pPr/>
-              <a:t>23/05/2015</a:t>
+              <a:t>01/06/2015</a:t>
             </a:fld>
             <a:endParaRPr lang="es-ES"/>
           </a:p>
@@ -5946,7 +5946,7 @@
             <a:fld id="{7A847CFC-816F-41D0-AAC0-9BF4FEBC753E}" type="datetimeFigureOut">
               <a:rPr lang="es-ES" smtClean="0"/>
               <a:pPr/>
-              <a:t>23/05/2015</a:t>
+              <a:t>01/06/2015</a:t>
             </a:fld>
             <a:endParaRPr lang="es-ES"/>
           </a:p>
@@ -6465,7 +6465,7 @@
             <a:fld id="{7A847CFC-816F-41D0-AAC0-9BF4FEBC753E}" type="datetimeFigureOut">
               <a:rPr lang="es-ES" smtClean="0"/>
               <a:pPr/>
-              <a:t>23/05/2015</a:t>
+              <a:t>01/06/2015</a:t>
             </a:fld>
             <a:endParaRPr lang="es-ES"/>
           </a:p>
@@ -6978,7 +6978,7 @@
             <a:fld id="{7A847CFC-816F-41D0-AAC0-9BF4FEBC753E}" type="datetimeFigureOut">
               <a:rPr lang="es-ES" smtClean="0"/>
               <a:pPr/>
-              <a:t>23/05/2015</a:t>
+              <a:t>01/06/2015</a:t>
             </a:fld>
             <a:endParaRPr lang="es-ES"/>
           </a:p>
@@ -7225,7 +7225,7 @@
             <a:fld id="{7A847CFC-816F-41D0-AAC0-9BF4FEBC753E}" type="datetimeFigureOut">
               <a:rPr lang="es-ES" smtClean="0"/>
               <a:pPr/>
-              <a:t>23/05/2015</a:t>
+              <a:t>01/06/2015</a:t>
             </a:fld>
             <a:endParaRPr lang="es-ES"/>
           </a:p>
@@ -8413,6 +8413,14 @@
             <a:pPr lvl="1"/>
             <a:r>
               <a:rPr lang="es-UY" sz="2000" dirty="0" smtClean="0"/>
+              <a:t>WS-Trust</a:t>
+            </a:r>
+            <a:endParaRPr lang="es-UY" sz="2000" dirty="0" smtClean="0"/>
+          </a:p>
+          <a:p>
+            <a:pPr lvl="1"/>
+            <a:r>
+              <a:rPr lang="es-UY" sz="2000" dirty="0" smtClean="0"/>
               <a:t>WS-</a:t>
             </a:r>
             <a:r>
@@ -8420,13 +8428,6 @@
               <a:t>Addressing</a:t>
             </a:r>
             <a:endParaRPr lang="es-UY" sz="2000" dirty="0" smtClean="0"/>
-          </a:p>
-          <a:p>
-            <a:pPr lvl="1"/>
-            <a:r>
-              <a:rPr lang="es-UY" sz="2000" dirty="0" smtClean="0"/>
-              <a:t>WS-Trust</a:t>
-            </a:r>
           </a:p>
           <a:p>
             <a:pPr lvl="1"/>
@@ -8502,78 +8503,47 @@
           <a:p>
             <a:r>
               <a:rPr lang="es-UY" b="1" dirty="0" smtClean="0"/>
-              <a:t>Estudio Inicial</a:t>
+              <a:t>Estudio </a:t>
+            </a:r>
+            <a:r>
+              <a:rPr lang="es-UY" b="1" dirty="0" smtClean="0"/>
+              <a:t>Inicial</a:t>
             </a:r>
             <a:br>
               <a:rPr lang="es-UY" b="1" dirty="0" smtClean="0"/>
             </a:br>
-            <a:r>
-              <a:rPr lang="es-UY" sz="1100" dirty="0" smtClean="0">
-                <a:solidFill>
-                  <a:srgbClr val="FF0000"/>
-                </a:solidFill>
-              </a:rPr>
-              <a:t>Mostrar arquitectura gis, que existen clientes gis y que no se pueden modificar</a:t>
-            </a:r>
-            <a:br>
-              <a:rPr lang="es-UY" sz="1100" dirty="0" smtClean="0">
-                <a:solidFill>
-                  <a:srgbClr val="FF0000"/>
-                </a:solidFill>
-              </a:rPr>
-            </a:br>
-            <a:r>
-              <a:rPr lang="es-UY" sz="1100" dirty="0" smtClean="0">
-                <a:solidFill>
-                  <a:srgbClr val="FF0000"/>
-                </a:solidFill>
-              </a:rPr>
-              <a:t>Productos que cumplen con los estándares </a:t>
-            </a:r>
-            <a:r>
-              <a:rPr lang="es-UY" sz="1100" dirty="0" err="1" smtClean="0">
-                <a:solidFill>
-                  <a:srgbClr val="FF0000"/>
-                </a:solidFill>
-              </a:rPr>
-              <a:t>wms</a:t>
-            </a:r>
-            <a:r>
-              <a:rPr lang="es-UY" sz="1100" dirty="0" smtClean="0">
-                <a:solidFill>
-                  <a:srgbClr val="FF0000"/>
-                </a:solidFill>
-              </a:rPr>
-              <a:t> y </a:t>
-            </a:r>
-            <a:r>
-              <a:rPr lang="es-UY" sz="1100" dirty="0" err="1" smtClean="0">
-                <a:solidFill>
-                  <a:srgbClr val="FF0000"/>
-                </a:solidFill>
-              </a:rPr>
-              <a:t>wfs</a:t>
-            </a:r>
-            <a:r>
-              <a:rPr lang="es-UY" sz="1100" dirty="0" smtClean="0"/>
-              <a:t/>
-            </a:r>
-            <a:br>
-              <a:rPr lang="es-UY" sz="1100" dirty="0" smtClean="0"/>
-            </a:br>
             <a:endParaRPr lang="es-UY" sz="1100" b="1" dirty="0"/>
+          </a:p>
+        </p:txBody>
+      </p:sp>
+      <p:sp>
+        <p:nvSpPr>
+          <p:cNvPr id="4" name="3 Marcador de contenido"/>
+          <p:cNvSpPr>
+            <a:spLocks noGrp="1"/>
+          </p:cNvSpPr>
+          <p:nvPr>
+            <p:ph sz="quarter" idx="1"/>
+          </p:nvPr>
+        </p:nvSpPr>
+        <p:spPr/>
+        <p:txBody>
+          <a:bodyPr/>
+          <a:lstStyle/>
+          <a:p>
+            <a:r>
+              <a:rPr lang="es-UY" sz="2200" dirty="0" smtClean="0"/>
+              <a:t>Tecnologías GIS</a:t>
+            </a:r>
+            <a:endParaRPr lang="es-UY" sz="2200" dirty="0"/>
           </a:p>
         </p:txBody>
       </p:sp>
       <p:pic>
         <p:nvPicPr>
-          <p:cNvPr id="2050" name="Picture 2"/>
-          <p:cNvPicPr>
-            <a:picLocks noGrp="1" noChangeAspect="1" noChangeArrowheads="1"/>
-          </p:cNvPicPr>
-          <p:nvPr>
-            <p:ph sz="quarter" idx="1"/>
-          </p:nvPr>
+          <p:cNvPr id="5" name="4 Imagen"/>
+          <p:cNvPicPr/>
+          <p:nvPr/>
         </p:nvPicPr>
         <p:blipFill>
           <a:blip r:embed="rId3"/>
@@ -8584,8 +8554,8 @@
         </p:blipFill>
         <p:spPr bwMode="auto">
           <a:xfrm>
-            <a:off x="1519237" y="2022475"/>
-            <a:ext cx="5286375" cy="4029075"/>
+            <a:off x="2121884" y="2071678"/>
+            <a:ext cx="6000792" cy="4286280"/>
           </a:xfrm>
           <a:prstGeom prst="rect">
             <a:avLst/>
@@ -9456,11 +9426,7 @@
           <a:p>
             <a:r>
               <a:rPr lang="es-UY" dirty="0" smtClean="0"/>
-              <a:t>Caso de </a:t>
-            </a:r>
-            <a:r>
-              <a:rPr lang="es-UY" dirty="0" smtClean="0"/>
-              <a:t>Estudio</a:t>
+              <a:t>Caso de Estudio</a:t>
             </a:r>
             <a:endParaRPr lang="es-UY" dirty="0" smtClean="0">
               <a:solidFill>
@@ -9943,15 +9909,7 @@
             </a:pPr>
             <a:r>
               <a:rPr lang="es-UY" sz="2200" dirty="0" smtClean="0"/>
-              <a:t>Aplicación </a:t>
-            </a:r>
-            <a:r>
-              <a:rPr lang="es-UY" sz="2200" dirty="0" smtClean="0"/>
-              <a:t>simple para mantenimiento de configuración de los </a:t>
-            </a:r>
-            <a:r>
-              <a:rPr lang="es-UY" sz="2200" dirty="0" smtClean="0"/>
-              <a:t>servicios</a:t>
+              <a:t>Aplicación simple para mantenimiento de configuración de los servicios</a:t>
             </a:r>
           </a:p>
           <a:p>
@@ -11384,23 +11342,11 @@
             </a:r>
             <a:r>
               <a:rPr lang="es-UY" sz="2000" dirty="0" smtClean="0"/>
-              <a:t> (WMS) </a:t>
-            </a:r>
-            <a:r>
-              <a:rPr lang="es-UY" sz="2000" dirty="0" smtClean="0">
-                <a:solidFill>
-                  <a:srgbClr val="FF0000"/>
-                </a:solidFill>
-              </a:rPr>
-              <a:t>algunos, estilo </a:t>
-            </a:r>
-            <a:r>
-              <a:rPr lang="es-UY" sz="2000" dirty="0" err="1" smtClean="0">
-                <a:solidFill>
-                  <a:srgbClr val="FF0000"/>
-                </a:solidFill>
-              </a:rPr>
-              <a:t>rest</a:t>
+              <a:t> (WMS</a:t>
+            </a:r>
+            <a:r>
+              <a:rPr lang="es-UY" sz="2000" dirty="0" smtClean="0"/>
+              <a:t>)</a:t>
             </a:r>
             <a:endParaRPr lang="es-UY" sz="2000" dirty="0" smtClean="0">
               <a:solidFill>
@@ -11882,6 +11828,15 @@
             <a:r>
               <a:rPr lang="es-UY" sz="2200" dirty="0" smtClean="0"/>
               <a:t>Estándares</a:t>
+            </a:r>
+          </a:p>
+          <a:p>
+            <a:endParaRPr lang="es-UY" sz="2200" dirty="0" smtClean="0"/>
+          </a:p>
+          <a:p>
+            <a:r>
+              <a:rPr lang="es-UY" sz="2200" dirty="0" smtClean="0"/>
+              <a:t>Tecnologías GIS</a:t>
             </a:r>
           </a:p>
         </p:txBody>

--- a/Presentacion.pptx
+++ b/Presentacion.pptx
@@ -5,7 +5,7 @@
     <p:sldMasterId id="2147483732" r:id="rId1"/>
   </p:sldMasterIdLst>
   <p:notesMasterIdLst>
-    <p:notesMasterId r:id="rId31"/>
+    <p:notesMasterId r:id="rId32"/>
   </p:notesMasterIdLst>
   <p:sldIdLst>
     <p:sldId id="256" r:id="rId2"/>
@@ -17,26 +17,27 @@
     <p:sldId id="271" r:id="rId8"/>
     <p:sldId id="258" r:id="rId9"/>
     <p:sldId id="259" r:id="rId10"/>
-    <p:sldId id="289" r:id="rId11"/>
-    <p:sldId id="277" r:id="rId12"/>
-    <p:sldId id="286" r:id="rId13"/>
-    <p:sldId id="291" r:id="rId14"/>
-    <p:sldId id="260" r:id="rId15"/>
-    <p:sldId id="270" r:id="rId16"/>
-    <p:sldId id="272" r:id="rId17"/>
-    <p:sldId id="273" r:id="rId18"/>
-    <p:sldId id="274" r:id="rId19"/>
-    <p:sldId id="269" r:id="rId20"/>
-    <p:sldId id="268" r:id="rId21"/>
-    <p:sldId id="261" r:id="rId22"/>
-    <p:sldId id="262" r:id="rId23"/>
-    <p:sldId id="279" r:id="rId24"/>
-    <p:sldId id="282" r:id="rId25"/>
-    <p:sldId id="283" r:id="rId26"/>
-    <p:sldId id="284" r:id="rId27"/>
-    <p:sldId id="280" r:id="rId28"/>
-    <p:sldId id="281" r:id="rId29"/>
-    <p:sldId id="265" r:id="rId30"/>
+    <p:sldId id="277" r:id="rId11"/>
+    <p:sldId id="286" r:id="rId12"/>
+    <p:sldId id="260" r:id="rId13"/>
+    <p:sldId id="270" r:id="rId14"/>
+    <p:sldId id="272" r:id="rId15"/>
+    <p:sldId id="274" r:id="rId16"/>
+    <p:sldId id="273" r:id="rId17"/>
+    <p:sldId id="294" r:id="rId18"/>
+    <p:sldId id="293" r:id="rId19"/>
+    <p:sldId id="292" r:id="rId20"/>
+    <p:sldId id="269" r:id="rId21"/>
+    <p:sldId id="268" r:id="rId22"/>
+    <p:sldId id="261" r:id="rId23"/>
+    <p:sldId id="262" r:id="rId24"/>
+    <p:sldId id="279" r:id="rId25"/>
+    <p:sldId id="282" r:id="rId26"/>
+    <p:sldId id="283" r:id="rId27"/>
+    <p:sldId id="284" r:id="rId28"/>
+    <p:sldId id="280" r:id="rId29"/>
+    <p:sldId id="281" r:id="rId30"/>
+    <p:sldId id="265" r:id="rId31"/>
   </p:sldIdLst>
   <p:sldSz cx="9144000" cy="6858000" type="screen4x3"/>
   <p:notesSz cx="6858000" cy="9144000"/>
@@ -221,7 +222,7 @@
             <a:fld id="{E8BFD649-4464-4874-A030-77DA47E62353}" type="datetimeFigureOut">
               <a:rPr lang="es-UY" smtClean="0"/>
               <a:pPr/>
-              <a:t>01/06/2015</a:t>
+              <a:t>02/06/2015</a:t>
             </a:fld>
             <a:endParaRPr lang="es-UY"/>
           </a:p>
@@ -861,47 +862,7 @@
           </a:bodyPr>
           <a:lstStyle/>
           <a:p>
-            <a:r>
-              <a:rPr lang="es-UY" dirty="0" smtClean="0"/>
-              <a:t>Existen clientes GIS que pueden ser tanto aplicaciones hechas para correr en un browser como clientes desktop (</a:t>
-            </a:r>
-            <a:r>
-              <a:rPr lang="es-UY" dirty="0" err="1" smtClean="0"/>
-              <a:t>ej</a:t>
-            </a:r>
-            <a:r>
-              <a:rPr lang="es-UY" dirty="0" smtClean="0"/>
-              <a:t>: </a:t>
-            </a:r>
-            <a:r>
-              <a:rPr lang="es-UY" dirty="0" err="1" smtClean="0"/>
-              <a:t>GVSig</a:t>
-            </a:r>
-            <a:r>
-              <a:rPr lang="es-UY" dirty="0" smtClean="0"/>
-              <a:t>) </a:t>
-            </a:r>
-          </a:p>
-          <a:p>
-            <a:r>
-              <a:rPr lang="es-UY" dirty="0" smtClean="0"/>
-              <a:t>A su vez están los servidores que cumplen con los estándares WMS y WFS </a:t>
-            </a:r>
-          </a:p>
-          <a:p>
-            <a:r>
-              <a:rPr lang="es-UY" dirty="0" smtClean="0"/>
-              <a:t>Nuestra </a:t>
-            </a:r>
-            <a:r>
-              <a:rPr lang="es-UY" dirty="0" err="1" smtClean="0"/>
-              <a:t>solucion</a:t>
-            </a:r>
-            <a:r>
-              <a:rPr lang="es-UY" dirty="0" smtClean="0"/>
-              <a:t> debe adaptarse a estos 2 componentes (sin modificarlos) y mantener transparencia. </a:t>
-            </a:r>
-            <a:endParaRPr lang="es-ES" dirty="0"/>
+            <a:endParaRPr lang="es-ES"/>
           </a:p>
         </p:txBody>
       </p:sp>
@@ -2400,6 +2361,88 @@
               <a:rPr lang="es-UY" smtClean="0"/>
               <a:pPr/>
               <a:t>3</a:t>
+            </a:fld>
+            <a:endParaRPr lang="es-UY"/>
+          </a:p>
+        </p:txBody>
+      </p:sp>
+    </p:spTree>
+  </p:cSld>
+  <p:clrMapOvr>
+    <a:masterClrMapping/>
+  </p:clrMapOvr>
+</p:notes>
+</file>
+
+<file path=ppt/notesSlides/notesSlide30.xml><?xml version="1.0" encoding="utf-8"?>
+<p:notes xmlns:a="http://schemas.openxmlformats.org/drawingml/2006/main" xmlns:r="http://schemas.openxmlformats.org/officeDocument/2006/relationships" xmlns:p="http://schemas.openxmlformats.org/presentationml/2006/main">
+  <p:cSld>
+    <p:spTree>
+      <p:nvGrpSpPr>
+        <p:cNvPr id="1" name=""/>
+        <p:cNvGrpSpPr/>
+        <p:nvPr/>
+      </p:nvGrpSpPr>
+      <p:grpSpPr>
+        <a:xfrm>
+          <a:off x="0" y="0"/>
+          <a:ext cx="0" cy="0"/>
+          <a:chOff x="0" y="0"/>
+          <a:chExt cx="0" cy="0"/>
+        </a:xfrm>
+      </p:grpSpPr>
+      <p:sp>
+        <p:nvSpPr>
+          <p:cNvPr id="2" name="Slide Image Placeholder 1"/>
+          <p:cNvSpPr>
+            <a:spLocks noGrp="1" noRot="1" noChangeAspect="1"/>
+          </p:cNvSpPr>
+          <p:nvPr>
+            <p:ph type="sldImg"/>
+          </p:nvPr>
+        </p:nvSpPr>
+        <p:spPr/>
+      </p:sp>
+      <p:sp>
+        <p:nvSpPr>
+          <p:cNvPr id="3" name="Notes Placeholder 2"/>
+          <p:cNvSpPr>
+            <a:spLocks noGrp="1"/>
+          </p:cNvSpPr>
+          <p:nvPr>
+            <p:ph type="body" idx="1"/>
+          </p:nvPr>
+        </p:nvSpPr>
+        <p:spPr/>
+        <p:txBody>
+          <a:bodyPr>
+            <a:normAutofit/>
+          </a:bodyPr>
+          <a:lstStyle/>
+          <a:p>
+            <a:endParaRPr lang="es-ES"/>
+          </a:p>
+        </p:txBody>
+      </p:sp>
+      <p:sp>
+        <p:nvSpPr>
+          <p:cNvPr id="4" name="Slide Number Placeholder 3"/>
+          <p:cNvSpPr>
+            <a:spLocks noGrp="1"/>
+          </p:cNvSpPr>
+          <p:nvPr>
+            <p:ph type="sldNum" sz="quarter" idx="10"/>
+          </p:nvPr>
+        </p:nvSpPr>
+        <p:spPr/>
+        <p:txBody>
+          <a:bodyPr/>
+          <a:lstStyle/>
+          <a:p>
+            <a:fld id="{054CFC5F-265C-4220-88EE-8BDCD7F9B77C}" type="slidenum">
+              <a:rPr lang="es-UY" smtClean="0"/>
+              <a:pPr/>
+              <a:t>30</a:t>
             </a:fld>
             <a:endParaRPr lang="es-UY"/>
           </a:p>
@@ -3040,10 +3083,9 @@
           <a:bodyPr/>
           <a:lstStyle/>
           <a:p>
-            <a:fld id="{7A847CFC-816F-41D0-AAC0-9BF4FEBC753E}" type="datetimeFigureOut">
+            <a:fld id="{528A9881-0924-4A9A-9B3E-70A968B9957D}" type="datetime1">
               <a:rPr lang="es-ES" smtClean="0"/>
-              <a:pPr/>
-              <a:t>01/06/2015</a:t>
+              <a:t>02/06/2015</a:t>
             </a:fld>
             <a:endParaRPr lang="es-ES"/>
           </a:p>
@@ -3911,10 +3953,9 @@
           <a:bodyPr/>
           <a:lstStyle/>
           <a:p>
-            <a:fld id="{7A847CFC-816F-41D0-AAC0-9BF4FEBC753E}" type="datetimeFigureOut">
+            <a:fld id="{ECCBAB66-D191-45F6-9007-84381D1DD15F}" type="datetime1">
               <a:rPr lang="es-ES" smtClean="0"/>
-              <a:pPr/>
-              <a:t>01/06/2015</a:t>
+              <a:t>02/06/2015</a:t>
             </a:fld>
             <a:endParaRPr lang="es-ES"/>
           </a:p>
@@ -4088,10 +4129,9 @@
           <a:bodyPr/>
           <a:lstStyle/>
           <a:p>
-            <a:fld id="{7A847CFC-816F-41D0-AAC0-9BF4FEBC753E}" type="datetimeFigureOut">
+            <a:fld id="{8DA992CF-D3DD-48F4-9915-0226AA1ADA63}" type="datetime1">
               <a:rPr lang="es-ES" smtClean="0"/>
-              <a:pPr/>
-              <a:t>01/06/2015</a:t>
+              <a:t>02/06/2015</a:t>
             </a:fld>
             <a:endParaRPr lang="es-ES"/>
           </a:p>
@@ -4260,10 +4300,9 @@
           <a:bodyPr rtlCol="0"/>
           <a:lstStyle/>
           <a:p>
-            <a:fld id="{7A847CFC-816F-41D0-AAC0-9BF4FEBC753E}" type="datetimeFigureOut">
+            <a:fld id="{A69E0DB3-7E45-4A5D-B38A-94A39EB34C81}" type="datetime1">
               <a:rPr lang="es-ES" smtClean="0"/>
-              <a:pPr/>
-              <a:t>01/06/2015</a:t>
+              <a:t>02/06/2015</a:t>
             </a:fld>
             <a:endParaRPr lang="es-ES"/>
           </a:p>
@@ -4472,10 +4511,9 @@
           <a:bodyPr/>
           <a:lstStyle/>
           <a:p>
-            <a:fld id="{7A847CFC-816F-41D0-AAC0-9BF4FEBC753E}" type="datetimeFigureOut">
+            <a:fld id="{F1C709B6-CBCF-43A5-84B3-BDA9CF529032}" type="datetime1">
               <a:rPr lang="es-ES" smtClean="0"/>
-              <a:pPr/>
-              <a:t>01/06/2015</a:t>
+              <a:t>02/06/2015</a:t>
             </a:fld>
             <a:endParaRPr lang="es-ES"/>
           </a:p>
@@ -5288,10 +5326,9 @@
           <a:bodyPr/>
           <a:lstStyle/>
           <a:p>
-            <a:fld id="{7A847CFC-816F-41D0-AAC0-9BF4FEBC753E}" type="datetimeFigureOut">
+            <a:fld id="{45F09225-5E93-4CA3-B644-EBA0879D9B75}" type="datetime1">
               <a:rPr lang="es-ES" smtClean="0"/>
-              <a:pPr/>
-              <a:t>01/06/2015</a:t>
+              <a:t>02/06/2015</a:t>
             </a:fld>
             <a:endParaRPr lang="es-ES"/>
           </a:p>
@@ -5526,10 +5563,9 @@
           <a:bodyPr/>
           <a:lstStyle/>
           <a:p>
-            <a:fld id="{7A847CFC-816F-41D0-AAC0-9BF4FEBC753E}" type="datetimeFigureOut">
+            <a:fld id="{B396AFD8-2404-45D4-853F-CC0B2BE90A90}" type="datetime1">
               <a:rPr lang="es-ES" smtClean="0"/>
-              <a:pPr/>
-              <a:t>01/06/2015</a:t>
+              <a:t>02/06/2015</a:t>
             </a:fld>
             <a:endParaRPr lang="es-ES"/>
           </a:p>
@@ -5851,10 +5887,9 @@
           <a:bodyPr rtlCol="0"/>
           <a:lstStyle/>
           <a:p>
-            <a:fld id="{7A847CFC-816F-41D0-AAC0-9BF4FEBC753E}" type="datetimeFigureOut">
+            <a:fld id="{3B91211C-BFF1-4AEE-8849-224154F1DB4C}" type="datetime1">
               <a:rPr lang="es-ES" smtClean="0"/>
-              <a:pPr/>
-              <a:t>01/06/2015</a:t>
+              <a:t>02/06/2015</a:t>
             </a:fld>
             <a:endParaRPr lang="es-ES"/>
           </a:p>
@@ -5943,10 +5978,9 @@
           <a:bodyPr/>
           <a:lstStyle/>
           <a:p>
-            <a:fld id="{7A847CFC-816F-41D0-AAC0-9BF4FEBC753E}" type="datetimeFigureOut">
+            <a:fld id="{97710AD9-2D07-49AD-8C83-E1C15D3C2C08}" type="datetime1">
               <a:rPr lang="es-ES" smtClean="0"/>
-              <a:pPr/>
-              <a:t>01/06/2015</a:t>
+              <a:t>02/06/2015</a:t>
             </a:fld>
             <a:endParaRPr lang="es-ES"/>
           </a:p>
@@ -6462,10 +6496,9 @@
           <a:bodyPr rtlCol="0"/>
           <a:lstStyle/>
           <a:p>
-            <a:fld id="{7A847CFC-816F-41D0-AAC0-9BF4FEBC753E}" type="datetimeFigureOut">
+            <a:fld id="{E581332C-47D2-48F8-8079-22723CB58640}" type="datetime1">
               <a:rPr lang="es-ES" smtClean="0"/>
-              <a:pPr/>
-              <a:t>01/06/2015</a:t>
+              <a:t>02/06/2015</a:t>
             </a:fld>
             <a:endParaRPr lang="es-ES"/>
           </a:p>
@@ -6975,10 +7008,9 @@
           <a:bodyPr rtlCol="0"/>
           <a:lstStyle/>
           <a:p>
-            <a:fld id="{7A847CFC-816F-41D0-AAC0-9BF4FEBC753E}" type="datetimeFigureOut">
+            <a:fld id="{ED085F45-21C1-45FA-9A2B-0BC167D4B794}" type="datetime1">
               <a:rPr lang="es-ES" smtClean="0"/>
-              <a:pPr/>
-              <a:t>01/06/2015</a:t>
+              <a:t>02/06/2015</a:t>
             </a:fld>
             <a:endParaRPr lang="es-ES"/>
           </a:p>
@@ -7222,10 +7254,9 @@
             </a:lvl1pPr>
           </a:lstStyle>
           <a:p>
-            <a:fld id="{7A847CFC-816F-41D0-AAC0-9BF4FEBC753E}" type="datetimeFigureOut">
+            <a:fld id="{82F6AA27-02D1-442C-AA01-D2084441AD77}" type="datetime1">
               <a:rPr lang="es-ES" smtClean="0"/>
-              <a:pPr/>
-              <a:t>01/06/2015</a:t>
+              <a:t>02/06/2015</a:t>
             </a:fld>
             <a:endParaRPr lang="es-ES"/>
           </a:p>
@@ -7524,6 +7555,7 @@
     <p:sldLayoutId id="2147483742" r:id="rId10"/>
     <p:sldLayoutId id="2147483743" r:id="rId11"/>
   </p:sldLayoutIdLst>
+  <p:hf hdr="0" ftr="0" dt="0"/>
   <p:txStyles>
     <p:titleStyle>
       <a:lvl1pPr algn="l" rtl="0" eaLnBrk="1" latinLnBrk="0" hangingPunct="1">
@@ -7877,7 +7909,7 @@
         </p:spPr>
         <p:txBody>
           <a:bodyPr>
-            <a:normAutofit/>
+            <a:normAutofit fontScale="92500" lnSpcReduction="10000"/>
           </a:bodyPr>
           <a:lstStyle/>
           <a:p>
@@ -7894,33 +7926,66 @@
             <a:endParaRPr lang="es-UY" dirty="0" smtClean="0"/>
           </a:p>
           <a:p>
-            <a:pPr algn="l"/>
+            <a:pPr algn="r"/>
             <a:r>
               <a:rPr lang="es-UY" sz="2100" dirty="0" smtClean="0">
                 <a:solidFill>
                   <a:schemeClr val="tx1"/>
                 </a:solidFill>
               </a:rPr>
-              <a:t>						</a:t>
-            </a:r>
+              <a:t>	</a:t>
+            </a:r>
+            <a:r>
+              <a:rPr lang="es-UY" sz="2100" dirty="0" smtClean="0">
+                <a:solidFill>
+                  <a:schemeClr val="tx1"/>
+                </a:solidFill>
+              </a:rPr>
+              <a:t>				</a:t>
+            </a:r>
+            <a:r>
+              <a:rPr lang="es-UY" sz="2100" dirty="0" smtClean="0">
+                <a:solidFill>
+                  <a:schemeClr val="tx1"/>
+                </a:solidFill>
+              </a:rPr>
+              <a:t>			</a:t>
+            </a:r>
+          </a:p>
+          <a:p>
             <a:r>
               <a:rPr lang="es-UY" dirty="0" smtClean="0">
                 <a:solidFill>
                   <a:schemeClr val="tx1"/>
                 </a:solidFill>
               </a:rPr>
-              <a:t>Luciana Canales</a:t>
-            </a:r>
-          </a:p>
-          <a:p>
-            <a:pPr algn="l"/>
+              <a:t>		Luciana </a:t>
+            </a:r>
             <a:r>
               <a:rPr lang="es-UY" dirty="0" smtClean="0">
                 <a:solidFill>
                   <a:schemeClr val="tx1"/>
                 </a:solidFill>
               </a:rPr>
-              <a:t>						Maximiliano </a:t>
+              <a:t>Canales</a:t>
+            </a:r>
+          </a:p>
+          <a:p>
+            <a:r>
+              <a:rPr lang="es-UY" dirty="0" smtClean="0">
+                <a:solidFill>
+                  <a:schemeClr val="tx1"/>
+                </a:solidFill>
+              </a:rPr>
+              <a:t>	</a:t>
+            </a:r>
+            <a:r>
+              <a:rPr lang="es-UY" dirty="0" smtClean="0">
+                <a:solidFill>
+                  <a:schemeClr val="tx1"/>
+                </a:solidFill>
+              </a:rPr>
+              <a:t>	Maximiliano </a:t>
             </a:r>
             <a:r>
               <a:rPr lang="es-UY" dirty="0" err="1" smtClean="0">
@@ -7937,15 +8002,77 @@
             </a:endParaRPr>
           </a:p>
           <a:p>
-            <a:pPr algn="l"/>
             <a:r>
               <a:rPr lang="es-UY" dirty="0" smtClean="0">
                 <a:solidFill>
                   <a:schemeClr val="tx1"/>
                 </a:solidFill>
               </a:rPr>
-              <a:t>						Alejandro Remiro</a:t>
-            </a:r>
+              <a:t>	</a:t>
+            </a:r>
+            <a:r>
+              <a:rPr lang="es-UY" dirty="0" smtClean="0">
+                <a:solidFill>
+                  <a:schemeClr val="tx1"/>
+                </a:solidFill>
+              </a:rPr>
+              <a:t>	</a:t>
+            </a:r>
+            <a:r>
+              <a:rPr lang="es-UY" dirty="0" smtClean="0">
+                <a:solidFill>
+                  <a:schemeClr val="tx1"/>
+                </a:solidFill>
+              </a:rPr>
+              <a:t>Alejandro </a:t>
+            </a:r>
+            <a:r>
+              <a:rPr lang="es-UY" dirty="0" smtClean="0">
+                <a:solidFill>
+                  <a:schemeClr val="tx1"/>
+                </a:solidFill>
+              </a:rPr>
+              <a:t>Remiro </a:t>
+            </a:r>
+            <a:r>
+              <a:rPr lang="es-UY" dirty="0" smtClean="0">
+                <a:solidFill>
+                  <a:schemeClr val="tx1"/>
+                </a:solidFill>
+              </a:rPr>
+              <a:t>	      </a:t>
+            </a:r>
+          </a:p>
+          <a:p>
+            <a:r>
+              <a:rPr lang="es-UY" dirty="0" smtClean="0">
+                <a:solidFill>
+                  <a:schemeClr val="tx1"/>
+                </a:solidFill>
+              </a:rPr>
+              <a:t>	</a:t>
+            </a:r>
+            <a:r>
+              <a:rPr lang="es-UY" dirty="0" smtClean="0">
+                <a:solidFill>
+                  <a:schemeClr val="tx1"/>
+                </a:solidFill>
+              </a:rPr>
+              <a:t>				          Supervisora </a:t>
+            </a:r>
+            <a:r>
+              <a:rPr lang="es-UY" dirty="0" smtClean="0">
+                <a:solidFill>
+                  <a:schemeClr val="tx1"/>
+                </a:solidFill>
+              </a:rPr>
+              <a:t>Raquel Sosa</a:t>
+            </a:r>
+            <a:endParaRPr lang="es-UY" dirty="0" smtClean="0">
+              <a:solidFill>
+                <a:schemeClr val="tx1"/>
+              </a:solidFill>
+            </a:endParaRPr>
           </a:p>
           <a:p>
             <a:endParaRPr lang="es-UY" dirty="0" smtClean="0"/>
@@ -7979,6 +8106,30 @@
           </a:prstGeom>
         </p:spPr>
       </p:pic>
+      <p:sp>
+        <p:nvSpPr>
+          <p:cNvPr id="5" name="4 Marcador de número de diapositiva"/>
+          <p:cNvSpPr>
+            <a:spLocks noGrp="1"/>
+          </p:cNvSpPr>
+          <p:nvPr>
+            <p:ph type="sldNum" sz="quarter" idx="12"/>
+          </p:nvPr>
+        </p:nvSpPr>
+        <p:spPr/>
+        <p:txBody>
+          <a:bodyPr/>
+          <a:lstStyle/>
+          <a:p>
+            <a:fld id="{132FADFE-3B8F-471C-ABF0-DBC7717ECBBC}" type="slidenum">
+              <a:rPr lang="es-ES" smtClean="0"/>
+              <a:pPr/>
+              <a:t>1</a:t>
+            </a:fld>
+            <a:endParaRPr lang="es-ES"/>
+          </a:p>
+        </p:txBody>
+      </p:sp>
     </p:spTree>
   </p:cSld>
   <p:clrMapOvr>
@@ -8013,11 +8164,13 @@
       </p:grpSpPr>
       <p:pic>
         <p:nvPicPr>
-          <p:cNvPr id="4" name="Picture 7"/>
+          <p:cNvPr id="2050" name="Picture 2"/>
           <p:cNvPicPr>
-            <a:picLocks noChangeAspect="1" noChangeArrowheads="1"/>
+            <a:picLocks noGrp="1" noChangeAspect="1" noChangeArrowheads="1"/>
           </p:cNvPicPr>
-          <p:nvPr/>
+          <p:nvPr>
+            <p:ph sz="quarter" idx="1"/>
+          </p:nvPr>
         </p:nvPicPr>
         <p:blipFill>
           <a:blip r:embed="rId3"/>
@@ -8028,8 +8181,8 @@
         </p:blipFill>
         <p:spPr bwMode="auto">
           <a:xfrm>
-            <a:off x="3178132" y="1491735"/>
-            <a:ext cx="5542932" cy="5080537"/>
+            <a:off x="1147064" y="1861452"/>
+            <a:ext cx="6966255" cy="4873625"/>
           </a:xfrm>
           <a:prstGeom prst="rect">
             <a:avLst/>
@@ -8072,37 +8225,55 @@
       </p:sp>
       <p:sp>
         <p:nvSpPr>
-          <p:cNvPr id="3" name="2 Marcador de contenido"/>
-          <p:cNvSpPr>
-            <a:spLocks noGrp="1"/>
-          </p:cNvSpPr>
-          <p:nvPr>
-            <p:ph sz="quarter" idx="1"/>
-          </p:nvPr>
-        </p:nvSpPr>
-        <p:spPr/>
-        <p:txBody>
-          <a:bodyPr>
-            <a:noAutofit/>
+          <p:cNvPr id="5" name="TextBox 4"/>
+          <p:cNvSpPr txBox="1"/>
+          <p:nvPr/>
+        </p:nvSpPr>
+        <p:spPr>
+          <a:xfrm>
+            <a:off x="500034" y="1349374"/>
+            <a:ext cx="3714776" cy="430887"/>
+          </a:xfrm>
+          <a:prstGeom prst="rect">
+            <a:avLst/>
+          </a:prstGeom>
+          <a:noFill/>
+        </p:spPr>
+        <p:txBody>
+          <a:bodyPr wrap="square" rtlCol="0">
+            <a:spAutoFit/>
           </a:bodyPr>
           <a:lstStyle/>
           <a:p>
-            <a:pPr>
-              <a:buNone/>
-            </a:pPr>
-            <a:r>
-              <a:rPr lang="es-UY" sz="2200" dirty="0" smtClean="0"/>
-              <a:t>PGE: Principales componentes </a:t>
-            </a:r>
-          </a:p>
-          <a:p>
-            <a:pPr>
-              <a:buNone/>
-            </a:pPr>
-            <a:r>
-              <a:rPr lang="es-UY" sz="2200" dirty="0" smtClean="0"/>
-              <a:t>y actores</a:t>
-            </a:r>
+            <a:r>
+              <a:rPr lang="es-ES" sz="2200" dirty="0" smtClean="0"/>
+              <a:t>PGE: Acceso a un servicio</a:t>
+            </a:r>
+            <a:endParaRPr lang="es-ES" sz="2200" dirty="0"/>
+          </a:p>
+        </p:txBody>
+      </p:sp>
+      <p:sp>
+        <p:nvSpPr>
+          <p:cNvPr id="6" name="5 Marcador de número de diapositiva"/>
+          <p:cNvSpPr>
+            <a:spLocks noGrp="1"/>
+          </p:cNvSpPr>
+          <p:nvPr>
+            <p:ph type="sldNum" sz="quarter" idx="15"/>
+          </p:nvPr>
+        </p:nvSpPr>
+        <p:spPr/>
+        <p:txBody>
+          <a:bodyPr/>
+          <a:lstStyle/>
+          <a:p>
+            <a:fld id="{132FADFE-3B8F-471C-ABF0-DBC7717ECBBC}" type="slidenum">
+              <a:rPr lang="es-ES" smtClean="0"/>
+              <a:pPr/>
+              <a:t>10</a:t>
+            </a:fld>
+            <a:endParaRPr lang="es-ES"/>
           </a:p>
         </p:txBody>
       </p:sp>
@@ -8138,41 +8309,6 @@
           <a:chExt cx="0" cy="0"/>
         </a:xfrm>
       </p:grpSpPr>
-      <p:pic>
-        <p:nvPicPr>
-          <p:cNvPr id="2050" name="Picture 2"/>
-          <p:cNvPicPr>
-            <a:picLocks noGrp="1" noChangeAspect="1" noChangeArrowheads="1"/>
-          </p:cNvPicPr>
-          <p:nvPr>
-            <p:ph sz="quarter" idx="1"/>
-          </p:nvPr>
-        </p:nvPicPr>
-        <p:blipFill>
-          <a:blip r:embed="rId3"/>
-          <a:srcRect/>
-          <a:stretch>
-            <a:fillRect/>
-          </a:stretch>
-        </p:blipFill>
-        <p:spPr bwMode="auto">
-          <a:xfrm>
-            <a:off x="1723852" y="1861452"/>
-            <a:ext cx="6966255" cy="4873625"/>
-          </a:xfrm>
-          <a:prstGeom prst="rect">
-            <a:avLst/>
-          </a:prstGeom>
-          <a:noFill/>
-          <a:ln w="9525">
-            <a:noFill/>
-            <a:miter lim="800000"/>
-            <a:headEnd/>
-            <a:tailEnd/>
-          </a:ln>
-          <a:effectLst/>
-        </p:spPr>
-      </p:pic>
       <p:sp>
         <p:nvSpPr>
           <p:cNvPr id="2" name="1 Título"/>
@@ -8201,31 +8337,224 @@
       </p:sp>
       <p:sp>
         <p:nvSpPr>
-          <p:cNvPr id="5" name="TextBox 4"/>
-          <p:cNvSpPr txBox="1"/>
-          <p:nvPr/>
+          <p:cNvPr id="3" name="2 Marcador de contenido"/>
+          <p:cNvSpPr>
+            <a:spLocks noGrp="1"/>
+          </p:cNvSpPr>
+          <p:nvPr>
+            <p:ph sz="quarter" idx="1"/>
+          </p:nvPr>
         </p:nvSpPr>
         <p:spPr>
           <a:xfrm>
-            <a:off x="500034" y="1349374"/>
-            <a:ext cx="3714776" cy="430887"/>
+            <a:off x="428596" y="1600200"/>
+            <a:ext cx="7467600" cy="4873752"/>
           </a:xfrm>
-          <a:prstGeom prst="rect">
-            <a:avLst/>
-          </a:prstGeom>
-          <a:noFill/>
         </p:spPr>
         <p:txBody>
-          <a:bodyPr wrap="square" rtlCol="0">
-            <a:spAutoFit/>
+          <a:bodyPr>
+            <a:noAutofit/>
           </a:bodyPr>
           <a:lstStyle/>
           <a:p>
             <a:r>
-              <a:rPr lang="es-ES" sz="2200" dirty="0" smtClean="0"/>
-              <a:t>PGE: Acceso a un servicio</a:t>
-            </a:r>
-            <a:endParaRPr lang="es-ES" sz="2200" dirty="0"/>
+              <a:rPr lang="es-UY" sz="2200" dirty="0" smtClean="0"/>
+              <a:t>Estándares</a:t>
+            </a:r>
+          </a:p>
+          <a:p>
+            <a:pPr lvl="1"/>
+            <a:r>
+              <a:rPr lang="es-UY" sz="2000" dirty="0" smtClean="0"/>
+              <a:t>WMS</a:t>
+            </a:r>
+            <a:r>
+              <a:rPr lang="es-UY" sz="2000" dirty="0" smtClean="0"/>
+              <a:t>: </a:t>
+            </a:r>
+            <a:r>
+              <a:rPr lang="es-UY" sz="2000" dirty="0" err="1" smtClean="0"/>
+              <a:t>getCapabilities</a:t>
+            </a:r>
+            <a:r>
+              <a:rPr lang="es-UY" sz="2000" dirty="0" smtClean="0"/>
+              <a:t>, </a:t>
+            </a:r>
+            <a:r>
+              <a:rPr lang="es-UY" sz="2000" dirty="0" err="1" smtClean="0"/>
+              <a:t>getMap</a:t>
+            </a:r>
+            <a:r>
+              <a:rPr lang="es-UY" sz="2000" dirty="0" smtClean="0"/>
+              <a:t>, </a:t>
+            </a:r>
+            <a:r>
+              <a:rPr lang="es-UY" sz="2000" dirty="0" err="1" smtClean="0"/>
+              <a:t>getFeatureInfo</a:t>
+            </a:r>
+            <a:endParaRPr lang="es-UY" sz="2000" dirty="0" smtClean="0"/>
+          </a:p>
+          <a:p>
+            <a:pPr lvl="1"/>
+            <a:r>
+              <a:rPr lang="es-UY" sz="2000" dirty="0" smtClean="0"/>
+              <a:t>WFS: </a:t>
+            </a:r>
+            <a:r>
+              <a:rPr lang="es-UY" sz="2000" dirty="0" err="1" smtClean="0"/>
+              <a:t>getCapabilities</a:t>
+            </a:r>
+            <a:r>
+              <a:rPr lang="es-UY" sz="2000" dirty="0" smtClean="0"/>
+              <a:t>, </a:t>
+            </a:r>
+            <a:r>
+              <a:rPr lang="es-UY" sz="2000" dirty="0" err="1" smtClean="0"/>
+              <a:t>describeFeatureType</a:t>
+            </a:r>
+            <a:r>
+              <a:rPr lang="es-UY" sz="2000" dirty="0" smtClean="0"/>
+              <a:t>,</a:t>
+            </a:r>
+            <a:r>
+              <a:rPr lang="es-UY" sz="2000" dirty="0" smtClean="0">
+                <a:solidFill>
+                  <a:srgbClr val="FF0000"/>
+                </a:solidFill>
+              </a:rPr>
+              <a:t> </a:t>
+            </a:r>
+            <a:r>
+              <a:rPr lang="es-UY" sz="2000" dirty="0" err="1" smtClean="0"/>
+              <a:t>getFeature</a:t>
+            </a:r>
+            <a:r>
+              <a:rPr lang="es-UY" sz="2000" dirty="0" smtClean="0"/>
+              <a:t>, 	      </a:t>
+            </a:r>
+            <a:r>
+              <a:rPr lang="es-UY" sz="2000" dirty="0" err="1" smtClean="0"/>
+              <a:t>getGmlObject</a:t>
+            </a:r>
+            <a:r>
+              <a:rPr lang="es-UY" sz="2000" dirty="0" smtClean="0"/>
+              <a:t>, </a:t>
+            </a:r>
+            <a:r>
+              <a:rPr lang="es-UY" sz="2000" dirty="0" err="1" smtClean="0"/>
+              <a:t>transaction</a:t>
+            </a:r>
+            <a:r>
+              <a:rPr lang="es-UY" sz="2000" dirty="0" smtClean="0"/>
+              <a:t>, </a:t>
+            </a:r>
+            <a:r>
+              <a:rPr lang="es-UY" sz="2000" dirty="0" err="1" smtClean="0"/>
+              <a:t>lockFeature</a:t>
+            </a:r>
+            <a:endParaRPr lang="es-UY" sz="2000" dirty="0" smtClean="0"/>
+          </a:p>
+          <a:p>
+            <a:pPr lvl="1"/>
+            <a:r>
+              <a:rPr lang="es-UY" sz="2000" dirty="0" smtClean="0"/>
+              <a:t>WS-Security</a:t>
+            </a:r>
+          </a:p>
+          <a:p>
+            <a:pPr lvl="1"/>
+            <a:r>
+              <a:rPr lang="es-UY" sz="2000" dirty="0" smtClean="0"/>
+              <a:t>WS-Trust</a:t>
+            </a:r>
+          </a:p>
+          <a:p>
+            <a:pPr lvl="1"/>
+            <a:r>
+              <a:rPr lang="es-UY" sz="2000" dirty="0" smtClean="0"/>
+              <a:t>WS-</a:t>
+            </a:r>
+            <a:r>
+              <a:rPr lang="es-UY" sz="2000" dirty="0" err="1" smtClean="0"/>
+              <a:t>Addressing</a:t>
+            </a:r>
+            <a:endParaRPr lang="es-UY" sz="2000" dirty="0" smtClean="0"/>
+          </a:p>
+          <a:p>
+            <a:pPr lvl="1"/>
+            <a:r>
+              <a:rPr lang="es-UY" sz="2000" dirty="0" smtClean="0"/>
+              <a:t>SOAP</a:t>
+            </a:r>
+          </a:p>
+          <a:p>
+            <a:pPr lvl="1"/>
+            <a:r>
+              <a:rPr lang="es-UY" sz="2000" dirty="0" smtClean="0"/>
+              <a:t>REST</a:t>
+            </a:r>
+          </a:p>
+          <a:p>
+            <a:endParaRPr lang="es-UY" sz="2200" dirty="0" smtClean="0"/>
+          </a:p>
+          <a:p>
+            <a:r>
+              <a:rPr lang="es-UY" sz="2200" dirty="0" smtClean="0"/>
+              <a:t>Tecnologías </a:t>
+            </a:r>
+            <a:r>
+              <a:rPr lang="es-UY" sz="2200" dirty="0" smtClean="0"/>
+              <a:t>GIS</a:t>
+            </a:r>
+          </a:p>
+          <a:p>
+            <a:pPr lvl="1"/>
+            <a:r>
+              <a:rPr lang="es-UY" sz="2000" dirty="0" smtClean="0"/>
+              <a:t>Servidores </a:t>
+            </a:r>
+            <a:r>
+              <a:rPr lang="es-UY" sz="2000" dirty="0" smtClean="0"/>
+              <a:t>de mapas</a:t>
+            </a:r>
+          </a:p>
+          <a:p>
+            <a:pPr lvl="1"/>
+            <a:r>
+              <a:rPr lang="es-UY" sz="2000" dirty="0" smtClean="0"/>
+              <a:t>Clientes GIS</a:t>
+            </a:r>
+            <a:endParaRPr lang="es-UY" sz="2300" dirty="0" smtClean="0"/>
+          </a:p>
+          <a:p>
+            <a:pPr lvl="1">
+              <a:buNone/>
+            </a:pPr>
+            <a:endParaRPr lang="es-UY" sz="2200" dirty="0" smtClean="0"/>
+          </a:p>
+        </p:txBody>
+      </p:sp>
+      <p:sp>
+        <p:nvSpPr>
+          <p:cNvPr id="4" name="3 Marcador de número de diapositiva"/>
+          <p:cNvSpPr>
+            <a:spLocks noGrp="1"/>
+          </p:cNvSpPr>
+          <p:nvPr>
+            <p:ph type="sldNum" sz="quarter" idx="15"/>
+          </p:nvPr>
+        </p:nvSpPr>
+        <p:spPr/>
+        <p:txBody>
+          <a:bodyPr/>
+          <a:lstStyle/>
+          <a:p>
+            <a:fld id="{132FADFE-3B8F-471C-ABF0-DBC7717ECBBC}" type="slidenum">
+              <a:rPr lang="es-ES" smtClean="0"/>
+              <a:pPr/>
+              <a:t>11</a:t>
+            </a:fld>
+            <a:endParaRPr lang="es-ES"/>
           </a:p>
         </p:txBody>
       </p:sp>
@@ -8278,7 +8607,7 @@
           <a:p>
             <a:r>
               <a:rPr lang="es-UY" b="1" dirty="0" smtClean="0"/>
-              <a:t>Estudio Inicial</a:t>
+              <a:t>Análisis</a:t>
             </a:r>
             <a:br>
               <a:rPr lang="es-UY" b="1" dirty="0" smtClean="0"/>
@@ -8297,158 +8626,135 @@
             <p:ph sz="quarter" idx="1"/>
           </p:nvPr>
         </p:nvSpPr>
-        <p:spPr>
-          <a:xfrm>
-            <a:off x="428596" y="1600200"/>
-            <a:ext cx="7467600" cy="4873752"/>
-          </a:xfrm>
-        </p:spPr>
+        <p:spPr/>
         <p:txBody>
           <a:bodyPr>
-            <a:noAutofit/>
+            <a:normAutofit/>
           </a:bodyPr>
           <a:lstStyle/>
           <a:p>
             <a:r>
               <a:rPr lang="es-UY" sz="2200" dirty="0" smtClean="0"/>
-              <a:t>Estándares</a:t>
-            </a:r>
-          </a:p>
-          <a:p>
-            <a:pPr lvl="1"/>
-            <a:r>
-              <a:rPr lang="es-UY" sz="2000" dirty="0" smtClean="0"/>
-              <a:t>WMS: </a:t>
-            </a:r>
-            <a:r>
-              <a:rPr lang="es-UY" sz="2000" dirty="0" err="1" smtClean="0"/>
-              <a:t>getCapabilities</a:t>
-            </a:r>
-            <a:r>
-              <a:rPr lang="es-UY" sz="2000" dirty="0" smtClean="0"/>
-              <a:t>, </a:t>
-            </a:r>
-            <a:r>
-              <a:rPr lang="es-UY" sz="2000" dirty="0" err="1" smtClean="0"/>
-              <a:t>getMap</a:t>
-            </a:r>
-            <a:r>
-              <a:rPr lang="es-UY" sz="2000" dirty="0" smtClean="0"/>
-              <a:t>, </a:t>
-            </a:r>
-            <a:r>
-              <a:rPr lang="es-UY" sz="2000" dirty="0" err="1" smtClean="0"/>
-              <a:t>getFeatureInfo</a:t>
-            </a:r>
-            <a:endParaRPr lang="es-UY" sz="2000" dirty="0" smtClean="0"/>
-          </a:p>
-          <a:p>
-            <a:pPr lvl="1"/>
-            <a:r>
-              <a:rPr lang="es-UY" sz="2000" dirty="0" smtClean="0"/>
-              <a:t>WFS: </a:t>
-            </a:r>
-            <a:r>
-              <a:rPr lang="es-UY" sz="2000" dirty="0" err="1" smtClean="0"/>
-              <a:t>getCapabilities</a:t>
-            </a:r>
-            <a:r>
-              <a:rPr lang="es-UY" sz="2000" dirty="0" smtClean="0"/>
-              <a:t>, </a:t>
-            </a:r>
-            <a:r>
-              <a:rPr lang="es-UY" sz="2000" dirty="0" err="1" smtClean="0"/>
-              <a:t>describeFeatureType</a:t>
-            </a:r>
-            <a:r>
-              <a:rPr lang="es-UY" sz="2000" dirty="0" smtClean="0"/>
-              <a:t>,</a:t>
-            </a:r>
-            <a:r>
-              <a:rPr lang="es-UY" sz="2000" dirty="0" smtClean="0">
-                <a:solidFill>
-                  <a:srgbClr val="FF0000"/>
-                </a:solidFill>
-              </a:rPr>
-              <a:t> </a:t>
-            </a:r>
-            <a:r>
-              <a:rPr lang="es-UY" sz="2000" dirty="0" err="1" smtClean="0"/>
-              <a:t>getFeature</a:t>
-            </a:r>
-            <a:r>
-              <a:rPr lang="es-UY" sz="2000" dirty="0" smtClean="0"/>
-              <a:t>, 	      </a:t>
-            </a:r>
-            <a:r>
-              <a:rPr lang="es-UY" sz="2000" dirty="0" err="1" smtClean="0"/>
-              <a:t>getGmlObject</a:t>
-            </a:r>
-            <a:r>
-              <a:rPr lang="es-UY" sz="2000" dirty="0" smtClean="0"/>
-              <a:t>, </a:t>
-            </a:r>
-            <a:r>
-              <a:rPr lang="es-UY" sz="2000" dirty="0" err="1" smtClean="0"/>
-              <a:t>transaction</a:t>
-            </a:r>
-            <a:r>
-              <a:rPr lang="es-UY" sz="2000" dirty="0" smtClean="0"/>
-              <a:t>, </a:t>
-            </a:r>
-            <a:r>
-              <a:rPr lang="es-UY" sz="2000" dirty="0" err="1" smtClean="0"/>
-              <a:t>lockFeature</a:t>
-            </a:r>
-            <a:endParaRPr lang="es-UY" sz="2000" dirty="0" smtClean="0"/>
-          </a:p>
-          <a:p>
-            <a:pPr lvl="1"/>
-            <a:r>
-              <a:rPr lang="es-UY" sz="2000" dirty="0" smtClean="0"/>
-              <a:t>WS-Security</a:t>
-            </a:r>
-          </a:p>
-          <a:p>
-            <a:pPr lvl="1"/>
-            <a:r>
-              <a:rPr lang="es-UY" sz="2000" dirty="0" smtClean="0"/>
-              <a:t>WS-Trust</a:t>
-            </a:r>
-            <a:endParaRPr lang="es-UY" sz="2000" dirty="0" smtClean="0"/>
-          </a:p>
-          <a:p>
-            <a:pPr lvl="1"/>
-            <a:r>
-              <a:rPr lang="es-UY" sz="2000" dirty="0" smtClean="0"/>
-              <a:t>WS-</a:t>
-            </a:r>
-            <a:r>
-              <a:rPr lang="es-UY" sz="2000" dirty="0" err="1" smtClean="0"/>
-              <a:t>Addressing</a:t>
-            </a:r>
-            <a:endParaRPr lang="es-UY" sz="2000" dirty="0" smtClean="0"/>
-          </a:p>
-          <a:p>
-            <a:pPr lvl="1"/>
-            <a:r>
-              <a:rPr lang="es-UY" sz="2000" dirty="0" smtClean="0"/>
-              <a:t>SOAP</a:t>
-            </a:r>
-          </a:p>
-          <a:p>
-            <a:pPr lvl="1"/>
-            <a:r>
-              <a:rPr lang="es-UY" sz="2000" dirty="0" smtClean="0"/>
-              <a:t>REST</a:t>
-            </a:r>
-            <a:endParaRPr lang="es-UY" sz="2300" dirty="0" smtClean="0"/>
-          </a:p>
-          <a:p>
-            <a:pPr lvl="1">
+              <a:t>Escenarios de integración</a:t>
+            </a:r>
+          </a:p>
+          <a:p>
+            <a:pPr>
               <a:buNone/>
             </a:pPr>
             <a:endParaRPr lang="es-UY" sz="2200" dirty="0" smtClean="0"/>
+          </a:p>
+          <a:p>
+            <a:pPr marL="822960" lvl="1" indent="-457200">
+              <a:buFont typeface="+mj-lt"/>
+              <a:buAutoNum type="arabicParenR"/>
+            </a:pPr>
+            <a:r>
+              <a:rPr lang="es-UY" sz="2000" dirty="0" smtClean="0"/>
+              <a:t>Público </a:t>
+            </a:r>
+            <a:r>
+              <a:rPr lang="es-UY" sz="2000" dirty="0" smtClean="0"/>
+              <a:t>general consultando información geográfica</a:t>
+            </a:r>
+          </a:p>
+          <a:p>
+            <a:pPr marL="822960" lvl="1" indent="-457200">
+              <a:buFont typeface="+mj-lt"/>
+              <a:buAutoNum type="arabicParenR"/>
+            </a:pPr>
+            <a:endParaRPr lang="es-UY" sz="2000" dirty="0" smtClean="0"/>
+          </a:p>
+          <a:p>
+            <a:pPr marL="822960" lvl="1" indent="-457200">
+              <a:buFont typeface="+mj-lt"/>
+              <a:buAutoNum type="arabicParenR"/>
+            </a:pPr>
+            <a:r>
+              <a:rPr lang="es-UY" sz="2000" dirty="0" smtClean="0"/>
+              <a:t>Público especializado consultando información geográfica</a:t>
+            </a:r>
+          </a:p>
+          <a:p>
+            <a:pPr marL="822960" lvl="1" indent="-457200">
+              <a:buFont typeface="+mj-lt"/>
+              <a:buAutoNum type="arabicParenR"/>
+            </a:pPr>
+            <a:endParaRPr lang="es-UY" sz="2000" dirty="0" smtClean="0"/>
+          </a:p>
+          <a:p>
+            <a:pPr marL="822960" lvl="1" indent="-457200">
+              <a:buFont typeface="+mj-lt"/>
+              <a:buAutoNum type="arabicParenR"/>
+            </a:pPr>
+            <a:r>
+              <a:rPr lang="es-UY" sz="2000" dirty="0" smtClean="0"/>
+              <a:t>Instituciones colaborando en la generación de </a:t>
+            </a:r>
+            <a:r>
+              <a:rPr lang="es-UY" sz="2000" dirty="0" smtClean="0"/>
+              <a:t>información geográfica</a:t>
+            </a:r>
+            <a:endParaRPr lang="es-UY" sz="2000" dirty="0" smtClean="0"/>
+          </a:p>
+          <a:p>
+            <a:pPr marL="822960" lvl="1" indent="-457200">
+              <a:buFont typeface="+mj-lt"/>
+              <a:buAutoNum type="arabicParenR"/>
+            </a:pPr>
+            <a:endParaRPr lang="es-UY" sz="2000" dirty="0" smtClean="0"/>
+          </a:p>
+          <a:p>
+            <a:pPr marL="822960" lvl="1" indent="-457200">
+              <a:buFont typeface="+mj-lt"/>
+              <a:buAutoNum type="arabicParenR"/>
+            </a:pPr>
+            <a:r>
+              <a:rPr lang="es-UY" sz="2000" dirty="0" smtClean="0"/>
+              <a:t>Instituciones colaborando en trámites</a:t>
+            </a:r>
+          </a:p>
+          <a:p>
+            <a:pPr marL="822960" lvl="1" indent="-457200">
+              <a:buFont typeface="+mj-lt"/>
+              <a:buAutoNum type="arabicParenR"/>
+            </a:pPr>
+            <a:endParaRPr lang="es-UY" sz="2000" dirty="0" smtClean="0"/>
+          </a:p>
+          <a:p>
+            <a:pPr marL="822960" lvl="1" indent="-457200">
+              <a:buFont typeface="+mj-lt"/>
+              <a:buAutoNum type="arabicParenR"/>
+            </a:pPr>
+            <a:r>
+              <a:rPr lang="es-UY" sz="2000" dirty="0" smtClean="0"/>
+              <a:t>Público generando información geográfica</a:t>
+            </a:r>
+            <a:endParaRPr lang="es-UY" sz="2000" dirty="0"/>
+          </a:p>
+        </p:txBody>
+      </p:sp>
+      <p:sp>
+        <p:nvSpPr>
+          <p:cNvPr id="4" name="3 Marcador de número de diapositiva"/>
+          <p:cNvSpPr>
+            <a:spLocks noGrp="1"/>
+          </p:cNvSpPr>
+          <p:nvPr>
+            <p:ph type="sldNum" sz="quarter" idx="15"/>
+          </p:nvPr>
+        </p:nvSpPr>
+        <p:spPr/>
+        <p:txBody>
+          <a:bodyPr/>
+          <a:lstStyle/>
+          <a:p>
+            <a:fld id="{132FADFE-3B8F-471C-ABF0-DBC7717ECBBC}" type="slidenum">
+              <a:rPr lang="es-ES" smtClean="0"/>
+              <a:pPr/>
+              <a:t>12</a:t>
+            </a:fld>
+            <a:endParaRPr lang="es-ES"/>
           </a:p>
         </p:txBody>
       </p:sp>
@@ -8496,57 +8802,32 @@
         </p:nvSpPr>
         <p:spPr/>
         <p:txBody>
-          <a:bodyPr>
-            <a:normAutofit/>
-          </a:bodyPr>
+          <a:bodyPr/>
           <a:lstStyle/>
           <a:p>
             <a:r>
               <a:rPr lang="es-UY" b="1" dirty="0" smtClean="0"/>
-              <a:t>Estudio </a:t>
-            </a:r>
-            <a:r>
-              <a:rPr lang="es-UY" b="1" dirty="0" smtClean="0"/>
-              <a:t>Inicial</a:t>
+              <a:t>Análisis</a:t>
             </a:r>
             <a:br>
               <a:rPr lang="es-UY" b="1" dirty="0" smtClean="0"/>
             </a:br>
-            <a:endParaRPr lang="es-UY" sz="1100" b="1" dirty="0"/>
-          </a:p>
-        </p:txBody>
-      </p:sp>
-      <p:sp>
-        <p:nvSpPr>
-          <p:cNvPr id="4" name="3 Marcador de contenido"/>
-          <p:cNvSpPr>
-            <a:spLocks noGrp="1"/>
-          </p:cNvSpPr>
-          <p:nvPr>
-            <p:ph sz="quarter" idx="1"/>
-          </p:nvPr>
-        </p:nvSpPr>
-        <p:spPr/>
-        <p:txBody>
-          <a:bodyPr/>
-          <a:lstStyle/>
-          <a:p>
-            <a:r>
-              <a:rPr lang="es-UY" sz="2200" dirty="0" smtClean="0"/>
-              <a:t>Tecnologías GIS</a:t>
-            </a:r>
-            <a:endParaRPr lang="es-UY" sz="2200" dirty="0"/>
+            <a:endParaRPr lang="es-UY" b="1" dirty="0"/>
           </a:p>
         </p:txBody>
       </p:sp>
       <p:pic>
         <p:nvPicPr>
-          <p:cNvPr id="5" name="4 Imagen"/>
-          <p:cNvPicPr/>
-          <p:nvPr/>
+          <p:cNvPr id="3" name="Content Placeholder 2"/>
+          <p:cNvPicPr>
+            <a:picLocks noGrp="1" noChangeAspect="1" noChangeArrowheads="1"/>
+          </p:cNvPicPr>
+          <p:nvPr>
+            <p:ph sz="quarter" idx="1"/>
+          </p:nvPr>
         </p:nvPicPr>
         <p:blipFill>
-          <a:blip r:embed="rId3"/>
+          <a:blip r:embed="rId3" cstate="print"/>
           <a:srcRect/>
           <a:stretch>
             <a:fillRect/>
@@ -8554,8 +8835,8 @@
         </p:blipFill>
         <p:spPr bwMode="auto">
           <a:xfrm>
-            <a:off x="2121884" y="2071678"/>
-            <a:ext cx="6000792" cy="4286280"/>
+            <a:off x="187600" y="1358396"/>
+            <a:ext cx="7956300" cy="5416365"/>
           </a:xfrm>
           <a:prstGeom prst="rect">
             <a:avLst/>
@@ -8570,6 +8851,30 @@
           <a:effectLst/>
         </p:spPr>
       </p:pic>
+      <p:sp>
+        <p:nvSpPr>
+          <p:cNvPr id="4" name="3 Marcador de número de diapositiva"/>
+          <p:cNvSpPr>
+            <a:spLocks noGrp="1"/>
+          </p:cNvSpPr>
+          <p:nvPr>
+            <p:ph type="sldNum" sz="quarter" idx="15"/>
+          </p:nvPr>
+        </p:nvSpPr>
+        <p:spPr/>
+        <p:txBody>
+          <a:bodyPr/>
+          <a:lstStyle/>
+          <a:p>
+            <a:fld id="{132FADFE-3B8F-471C-ABF0-DBC7717ECBBC}" type="slidenum">
+              <a:rPr lang="es-ES" smtClean="0"/>
+              <a:pPr/>
+              <a:t>13</a:t>
+            </a:fld>
+            <a:endParaRPr lang="es-ES"/>
+          </a:p>
+        </p:txBody>
+      </p:sp>
     </p:spTree>
   </p:cSld>
   <p:clrMapOvr>
@@ -8604,7 +8909,7 @@
       </p:grpSpPr>
       <p:sp>
         <p:nvSpPr>
-          <p:cNvPr id="2" name="1 Título"/>
+          <p:cNvPr id="2" name="Title 1"/>
           <p:cNvSpPr>
             <a:spLocks noGrp="1"/>
           </p:cNvSpPr>
@@ -8612,14 +8917,19 @@
             <p:ph type="title"/>
           </p:nvPr>
         </p:nvSpPr>
-        <p:spPr/>
+        <p:spPr>
+          <a:xfrm>
+            <a:off x="457200" y="274638"/>
+            <a:ext cx="7901014" cy="1143000"/>
+          </a:xfrm>
+        </p:spPr>
         <p:txBody>
           <a:bodyPr/>
           <a:lstStyle/>
           <a:p>
             <a:r>
               <a:rPr lang="es-UY" b="1" dirty="0" smtClean="0"/>
-              <a:t>Análisis</a:t>
+              <a:t>Arquitectura propuesta en la tesis</a:t>
             </a:r>
             <a:br>
               <a:rPr lang="es-UY" b="1" dirty="0" smtClean="0"/>
@@ -8630,7 +8940,7 @@
       </p:sp>
       <p:sp>
         <p:nvSpPr>
-          <p:cNvPr id="3" name="2 Marcador de contenido"/>
+          <p:cNvPr id="3" name="Content Placeholder 2"/>
           <p:cNvSpPr>
             <a:spLocks noGrp="1"/>
           </p:cNvSpPr>
@@ -8643,76 +8953,63 @@
           <a:bodyPr/>
           <a:lstStyle/>
           <a:p>
-            <a:r>
-              <a:rPr lang="es-UY" sz="2200" dirty="0" smtClean="0"/>
-              <a:t>Casos de uso: escenarios</a:t>
-            </a:r>
-          </a:p>
-          <a:p>
-            <a:pPr>
-              <a:buNone/>
-            </a:pPr>
-            <a:endParaRPr lang="es-UY" sz="2200" dirty="0" smtClean="0"/>
-          </a:p>
-          <a:p>
-            <a:pPr lvl="1"/>
-            <a:r>
-              <a:rPr lang="es-UY" sz="2000" dirty="0" smtClean="0"/>
-              <a:t>Público general consultado información geográfica</a:t>
-            </a:r>
-          </a:p>
-          <a:p>
-            <a:pPr lvl="1">
-              <a:buNone/>
-            </a:pPr>
-            <a:endParaRPr lang="es-UY" sz="2000" dirty="0" smtClean="0"/>
-          </a:p>
-          <a:p>
-            <a:pPr lvl="1"/>
-            <a:r>
-              <a:rPr lang="es-UY" sz="2000" dirty="0" smtClean="0"/>
-              <a:t>Público especializado consultando información geográfica</a:t>
-            </a:r>
-          </a:p>
-          <a:p>
-            <a:pPr lvl="1">
-              <a:buNone/>
-            </a:pPr>
-            <a:endParaRPr lang="es-UY" sz="2000" dirty="0" smtClean="0"/>
-          </a:p>
-          <a:p>
-            <a:pPr lvl="1"/>
-            <a:r>
-              <a:rPr lang="es-UY" sz="2000" dirty="0" smtClean="0"/>
-              <a:t>Instituciones colaborando en la generación de información geográfica</a:t>
-            </a:r>
-          </a:p>
-          <a:p>
-            <a:pPr lvl="1">
-              <a:buNone/>
-            </a:pPr>
-            <a:endParaRPr lang="es-UY" sz="2000" dirty="0" smtClean="0"/>
-          </a:p>
-          <a:p>
-            <a:pPr lvl="1"/>
-            <a:r>
-              <a:rPr lang="es-UY" sz="2000" dirty="0" smtClean="0"/>
-              <a:t>Instituciones colaborando en trámites</a:t>
-            </a:r>
-          </a:p>
-          <a:p>
-            <a:pPr lvl="1">
-              <a:buNone/>
-            </a:pPr>
-            <a:endParaRPr lang="es-UY" sz="2000" dirty="0" smtClean="0"/>
-          </a:p>
-          <a:p>
-            <a:pPr lvl="1"/>
-            <a:r>
-              <a:rPr lang="es-UY" sz="2000" dirty="0" smtClean="0"/>
-              <a:t>Público generando información geográfica</a:t>
-            </a:r>
-            <a:endParaRPr lang="es-UY" sz="2000" dirty="0"/>
+            <a:endParaRPr lang="es-UY"/>
+          </a:p>
+        </p:txBody>
+      </p:sp>
+      <p:pic>
+        <p:nvPicPr>
+          <p:cNvPr id="1026" name="Picture 2"/>
+          <p:cNvPicPr>
+            <a:picLocks noChangeAspect="1" noChangeArrowheads="1"/>
+          </p:cNvPicPr>
+          <p:nvPr/>
+        </p:nvPicPr>
+        <p:blipFill>
+          <a:blip r:embed="rId3" cstate="print"/>
+          <a:srcRect/>
+          <a:stretch>
+            <a:fillRect/>
+          </a:stretch>
+        </p:blipFill>
+        <p:spPr bwMode="auto">
+          <a:xfrm>
+            <a:off x="355000" y="1368904"/>
+            <a:ext cx="7789863" cy="5353050"/>
+          </a:xfrm>
+          <a:prstGeom prst="rect">
+            <a:avLst/>
+          </a:prstGeom>
+          <a:noFill/>
+          <a:ln w="9525">
+            <a:noFill/>
+            <a:miter lim="800000"/>
+            <a:headEnd/>
+            <a:tailEnd/>
+          </a:ln>
+        </p:spPr>
+      </p:pic>
+      <p:sp>
+        <p:nvSpPr>
+          <p:cNvPr id="5" name="4 Marcador de número de diapositiva"/>
+          <p:cNvSpPr>
+            <a:spLocks noGrp="1"/>
+          </p:cNvSpPr>
+          <p:nvPr>
+            <p:ph type="sldNum" sz="quarter" idx="15"/>
+          </p:nvPr>
+        </p:nvSpPr>
+        <p:spPr/>
+        <p:txBody>
+          <a:bodyPr/>
+          <a:lstStyle/>
+          <a:p>
+            <a:fld id="{132FADFE-3B8F-471C-ABF0-DBC7717ECBBC}" type="slidenum">
+              <a:rPr lang="es-ES" smtClean="0"/>
+              <a:pPr/>
+              <a:t>14</a:t>
+            </a:fld>
+            <a:endParaRPr lang="es-ES"/>
           </a:p>
         </p:txBody>
       </p:sp>
@@ -8750,7 +9047,7 @@
       </p:grpSpPr>
       <p:sp>
         <p:nvSpPr>
-          <p:cNvPr id="2" name="1 Título"/>
+          <p:cNvPr id="2" name="Title 1"/>
           <p:cNvSpPr>
             <a:spLocks noGrp="1"/>
           </p:cNvSpPr>
@@ -8764,25 +9061,52 @@
           <a:lstStyle/>
           <a:p>
             <a:r>
-              <a:rPr lang="es-UY" b="1" dirty="0" smtClean="0"/>
-              <a:t>Análisis</a:t>
+              <a:rPr lang="es-UY" dirty="0" smtClean="0"/>
+              <a:t>Arquitectura</a:t>
             </a:r>
             <a:br>
-              <a:rPr lang="es-UY" b="1" dirty="0" smtClean="0"/>
+              <a:rPr lang="es-UY" dirty="0" smtClean="0"/>
             </a:br>
-            <a:endParaRPr lang="es-UY" b="1" dirty="0"/>
+            <a:endParaRPr lang="es-UY" dirty="0"/>
+          </a:p>
+        </p:txBody>
+      </p:sp>
+      <p:sp>
+        <p:nvSpPr>
+          <p:cNvPr id="6" name="5 Marcador de contenido"/>
+          <p:cNvSpPr>
+            <a:spLocks noGrp="1"/>
+          </p:cNvSpPr>
+          <p:nvPr>
+            <p:ph sz="quarter" idx="1"/>
+          </p:nvPr>
+        </p:nvSpPr>
+        <p:spPr/>
+        <p:txBody>
+          <a:bodyPr/>
+          <a:lstStyle/>
+          <a:p>
+            <a:r>
+              <a:rPr lang="es-UY" dirty="0" smtClean="0">
+                <a:solidFill>
+                  <a:srgbClr val="FF0000"/>
+                </a:solidFill>
+              </a:rPr>
+              <a:t>Decir que no se pueden tocar los clientes GIS ni servidores de mapas</a:t>
+            </a:r>
+            <a:endParaRPr lang="es-UY" dirty="0">
+              <a:solidFill>
+                <a:srgbClr val="FF0000"/>
+              </a:solidFill>
+            </a:endParaRPr>
           </a:p>
         </p:txBody>
       </p:sp>
       <p:pic>
         <p:nvPicPr>
-          <p:cNvPr id="3" name="Content Placeholder 2"/>
-          <p:cNvPicPr>
-            <a:picLocks noGrp="1" noChangeAspect="1" noChangeArrowheads="1"/>
-          </p:cNvPicPr>
-          <p:nvPr>
-            <p:ph sz="quarter" idx="1"/>
-          </p:nvPr>
+          <p:cNvPr id="4" name="Picture 3"/>
+          <p:cNvPicPr/>
+          <p:nvPr/>
         </p:nvPicPr>
         <p:blipFill>
           <a:blip r:embed="rId3" cstate="print"/>
@@ -8793,8 +9117,8 @@
         </p:blipFill>
         <p:spPr bwMode="auto">
           <a:xfrm>
-            <a:off x="187600" y="1428736"/>
-            <a:ext cx="7956300" cy="5416365"/>
+            <a:off x="226720" y="2564904"/>
+            <a:ext cx="8377728" cy="1152128"/>
           </a:xfrm>
           <a:prstGeom prst="rect">
             <a:avLst/>
@@ -8806,14 +9130,38 @@
             <a:headEnd/>
             <a:tailEnd/>
           </a:ln>
-          <a:effectLst/>
         </p:spPr>
       </p:pic>
+      <p:sp>
+        <p:nvSpPr>
+          <p:cNvPr id="5" name="4 Marcador de número de diapositiva"/>
+          <p:cNvSpPr>
+            <a:spLocks noGrp="1"/>
+          </p:cNvSpPr>
+          <p:nvPr>
+            <p:ph type="sldNum" sz="quarter" idx="15"/>
+          </p:nvPr>
+        </p:nvSpPr>
+        <p:spPr/>
+        <p:txBody>
+          <a:bodyPr/>
+          <a:lstStyle/>
+          <a:p>
+            <a:fld id="{132FADFE-3B8F-471C-ABF0-DBC7717ECBBC}" type="slidenum">
+              <a:rPr lang="es-ES" smtClean="0"/>
+              <a:pPr/>
+              <a:t>15</a:t>
+            </a:fld>
+            <a:endParaRPr lang="es-ES"/>
+          </a:p>
+        </p:txBody>
+      </p:sp>
     </p:spTree>
   </p:cSld>
   <p:clrMapOvr>
     <a:masterClrMapping/>
   </p:clrMapOvr>
+  <p:transition/>
   <p:timing>
     <p:tnLst>
       <p:par>
@@ -8851,19 +9199,14 @@
             <p:ph type="title"/>
           </p:nvPr>
         </p:nvSpPr>
-        <p:spPr>
-          <a:xfrm>
-            <a:off x="457200" y="274638"/>
-            <a:ext cx="7901014" cy="1143000"/>
-          </a:xfrm>
-        </p:spPr>
+        <p:spPr/>
         <p:txBody>
           <a:bodyPr/>
           <a:lstStyle/>
           <a:p>
             <a:r>
               <a:rPr lang="es-UY" b="1" dirty="0" smtClean="0"/>
-              <a:t>Arquitectura propuesta en la tesis</a:t>
+              <a:t>Decisiones de diseño</a:t>
             </a:r>
             <a:br>
               <a:rPr lang="es-UY" b="1" dirty="0" smtClean="0"/>
@@ -8887,16 +9230,18 @@
           <a:bodyPr/>
           <a:lstStyle/>
           <a:p>
-            <a:endParaRPr lang="es-UY"/>
+            <a:r>
+              <a:rPr lang="es-UY" sz="2200" dirty="0" smtClean="0"/>
+              <a:t>CTP Monolítico</a:t>
+            </a:r>
+            <a:endParaRPr lang="es-UY" sz="2000" dirty="0" smtClean="0"/>
           </a:p>
         </p:txBody>
       </p:sp>
       <p:pic>
         <p:nvPicPr>
-          <p:cNvPr id="1026" name="Picture 2"/>
-          <p:cNvPicPr>
-            <a:picLocks noChangeAspect="1" noChangeArrowheads="1"/>
-          </p:cNvPicPr>
+          <p:cNvPr id="4" name="Picture 4"/>
+          <p:cNvPicPr/>
           <p:nvPr/>
         </p:nvPicPr>
         <p:blipFill>
@@ -8908,8 +9253,8 @@
         </p:blipFill>
         <p:spPr bwMode="auto">
           <a:xfrm>
-            <a:off x="355000" y="1368904"/>
-            <a:ext cx="7789863" cy="5353050"/>
+            <a:off x="571472" y="2214554"/>
+            <a:ext cx="7572428" cy="4000528"/>
           </a:xfrm>
           <a:prstGeom prst="rect">
             <a:avLst/>
@@ -8923,6 +9268,30 @@
           </a:ln>
         </p:spPr>
       </p:pic>
+      <p:sp>
+        <p:nvSpPr>
+          <p:cNvPr id="5" name="4 Marcador de número de diapositiva"/>
+          <p:cNvSpPr>
+            <a:spLocks noGrp="1"/>
+          </p:cNvSpPr>
+          <p:nvPr>
+            <p:ph type="sldNum" sz="quarter" idx="15"/>
+          </p:nvPr>
+        </p:nvSpPr>
+        <p:spPr/>
+        <p:txBody>
+          <a:bodyPr/>
+          <a:lstStyle/>
+          <a:p>
+            <a:fld id="{132FADFE-3B8F-471C-ABF0-DBC7717ECBBC}" type="slidenum">
+              <a:rPr lang="es-ES" smtClean="0"/>
+              <a:pPr/>
+              <a:t>16</a:t>
+            </a:fld>
+            <a:endParaRPr lang="es-ES"/>
+          </a:p>
+        </p:txBody>
+      </p:sp>
     </p:spTree>
   </p:cSld>
   <p:clrMapOvr>
@@ -8997,87 +9366,68 @@
           <a:lstStyle/>
           <a:p>
             <a:r>
+              <a:rPr lang="es-UY" sz="2200" dirty="0" err="1" smtClean="0"/>
+              <a:t>CTPs</a:t>
+            </a:r>
+            <a:r>
               <a:rPr lang="es-UY" sz="2200" dirty="0" smtClean="0"/>
-              <a:t>CTP como servicios y no como librerías</a:t>
-            </a:r>
-          </a:p>
-          <a:p>
-            <a:pPr lvl="1"/>
-            <a:r>
-              <a:rPr lang="es-UY" sz="2000" dirty="0" smtClean="0"/>
-              <a:t>Soporte máximo a clientes geográficos existentes</a:t>
-            </a:r>
-          </a:p>
-          <a:p>
-            <a:pPr lvl="1"/>
-            <a:r>
-              <a:rPr lang="es-UY" sz="2000" dirty="0" smtClean="0"/>
-              <a:t>Bajo acoplamiento con implementaciones y tecnologías.</a:t>
-            </a:r>
-          </a:p>
-          <a:p>
+              <a:t> dentro de la PGE</a:t>
+            </a:r>
             <a:endParaRPr lang="es-UY" sz="2000" dirty="0" smtClean="0"/>
           </a:p>
-          <a:p>
-            <a:r>
-              <a:rPr lang="es-UY" sz="2200" dirty="0" smtClean="0"/>
-              <a:t>CTP </a:t>
-            </a:r>
-            <a:r>
-              <a:rPr lang="es-UY" sz="2200" dirty="0" err="1" smtClean="0"/>
-              <a:t>RestConnector</a:t>
-            </a:r>
-            <a:r>
-              <a:rPr lang="es-UY" sz="2200" dirty="0" smtClean="0"/>
-              <a:t> distribuido en organismos.</a:t>
-            </a:r>
-            <a:endParaRPr lang="es-UY" sz="2000" dirty="0" smtClean="0"/>
-          </a:p>
-          <a:p>
-            <a:pPr lvl="1"/>
-            <a:r>
-              <a:rPr lang="es-UY" sz="2000" dirty="0" smtClean="0"/>
-              <a:t>Mapeo de direcciones físicas y lógicas</a:t>
-            </a:r>
-          </a:p>
-          <a:p>
-            <a:pPr lvl="1"/>
-            <a:r>
-              <a:rPr lang="es-UY" sz="2000" dirty="0" smtClean="0"/>
-              <a:t>Evitar cuello de botella y único punto de falla</a:t>
-            </a:r>
-          </a:p>
-          <a:p>
-            <a:pPr lvl="1"/>
-            <a:r>
-              <a:rPr lang="es-UY" sz="2000" dirty="0" smtClean="0"/>
-              <a:t>Facilitar configuración y mantenimiento</a:t>
-            </a:r>
-          </a:p>
-          <a:p>
-            <a:endParaRPr lang="es-UY" sz="2000" dirty="0" smtClean="0"/>
-          </a:p>
-          <a:p>
-            <a:r>
-              <a:rPr lang="es-UY" sz="2200" dirty="0" smtClean="0"/>
-              <a:t>CTP </a:t>
-            </a:r>
-            <a:r>
-              <a:rPr lang="es-UY" sz="2200" dirty="0" err="1" smtClean="0"/>
-              <a:t>SoapConnector</a:t>
-            </a:r>
-            <a:r>
-              <a:rPr lang="es-UY" sz="2200" dirty="0" smtClean="0"/>
-              <a:t> único por servicio geográfico</a:t>
-            </a:r>
-          </a:p>
-          <a:p>
-            <a:pPr lvl="1"/>
-            <a:r>
-              <a:rPr lang="es-UY" sz="2000" dirty="0" smtClean="0"/>
-              <a:t>Por mapeo de direcciones físicas y lógicas</a:t>
-            </a:r>
-            <a:endParaRPr lang="es-UY" sz="2000" dirty="0"/>
+        </p:txBody>
+      </p:sp>
+      <p:pic>
+        <p:nvPicPr>
+          <p:cNvPr id="6" name="Picture 6"/>
+          <p:cNvPicPr/>
+          <p:nvPr/>
+        </p:nvPicPr>
+        <p:blipFill>
+          <a:blip r:embed="rId3" cstate="print"/>
+          <a:srcRect/>
+          <a:stretch>
+            <a:fillRect/>
+          </a:stretch>
+        </p:blipFill>
+        <p:spPr bwMode="auto">
+          <a:xfrm>
+            <a:off x="1045598" y="2517668"/>
+            <a:ext cx="6643734" cy="3286148"/>
+          </a:xfrm>
+          <a:prstGeom prst="rect">
+            <a:avLst/>
+          </a:prstGeom>
+          <a:noFill/>
+          <a:ln w="9525">
+            <a:noFill/>
+            <a:miter lim="800000"/>
+            <a:headEnd/>
+            <a:tailEnd/>
+          </a:ln>
+        </p:spPr>
+      </p:pic>
+      <p:sp>
+        <p:nvSpPr>
+          <p:cNvPr id="5" name="4 Marcador de número de diapositiva"/>
+          <p:cNvSpPr>
+            <a:spLocks noGrp="1"/>
+          </p:cNvSpPr>
+          <p:nvPr>
+            <p:ph type="sldNum" sz="quarter" idx="15"/>
+          </p:nvPr>
+        </p:nvSpPr>
+        <p:spPr/>
+        <p:txBody>
+          <a:bodyPr/>
+          <a:lstStyle/>
+          <a:p>
+            <a:fld id="{132FADFE-3B8F-471C-ABF0-DBC7717ECBBC}" type="slidenum">
+              <a:rPr lang="es-ES" smtClean="0"/>
+              <a:pPr/>
+              <a:t>17</a:t>
+            </a:fld>
+            <a:endParaRPr lang="es-ES"/>
           </a:p>
         </p:txBody>
       </p:sp>
@@ -9130,7 +9480,7 @@
           <a:p>
             <a:r>
               <a:rPr lang="es-UY" b="1" dirty="0" smtClean="0"/>
-              <a:t>Arquitectura</a:t>
+              <a:t>Decisiones de diseño</a:t>
             </a:r>
             <a:br>
               <a:rPr lang="es-UY" b="1" dirty="0" smtClean="0"/>
@@ -9154,16 +9504,21 @@
           <a:bodyPr/>
           <a:lstStyle/>
           <a:p>
-            <a:pPr>
-              <a:buNone/>
-            </a:pPr>
-            <a:endParaRPr lang="es-UY" dirty="0"/>
+            <a:r>
+              <a:rPr lang="es-UY" sz="2200" dirty="0" err="1" smtClean="0"/>
+              <a:t>CTPs</a:t>
+            </a:r>
+            <a:r>
+              <a:rPr lang="es-UY" sz="2200" dirty="0" smtClean="0"/>
+              <a:t> Externos</a:t>
+            </a:r>
+            <a:endParaRPr lang="es-UY" sz="2000" dirty="0" smtClean="0"/>
           </a:p>
         </p:txBody>
       </p:sp>
       <p:pic>
         <p:nvPicPr>
-          <p:cNvPr id="4" name="Picture 3"/>
+          <p:cNvPr id="5" name="Picture 5"/>
           <p:cNvPicPr/>
           <p:nvPr/>
         </p:nvPicPr>
@@ -9176,8 +9531,8 @@
         </p:blipFill>
         <p:spPr bwMode="auto">
           <a:xfrm>
-            <a:off x="226720" y="2564904"/>
-            <a:ext cx="8377728" cy="1152128"/>
+            <a:off x="357158" y="2354136"/>
+            <a:ext cx="7786742" cy="4143404"/>
           </a:xfrm>
           <a:prstGeom prst="rect">
             <a:avLst/>
@@ -9191,6 +9546,30 @@
           </a:ln>
         </p:spPr>
       </p:pic>
+      <p:sp>
+        <p:nvSpPr>
+          <p:cNvPr id="6" name="5 Marcador de número de diapositiva"/>
+          <p:cNvSpPr>
+            <a:spLocks noGrp="1"/>
+          </p:cNvSpPr>
+          <p:nvPr>
+            <p:ph type="sldNum" sz="quarter" idx="15"/>
+          </p:nvPr>
+        </p:nvSpPr>
+        <p:spPr/>
+        <p:txBody>
+          <a:bodyPr/>
+          <a:lstStyle/>
+          <a:p>
+            <a:fld id="{132FADFE-3B8F-471C-ABF0-DBC7717ECBBC}" type="slidenum">
+              <a:rPr lang="es-ES" smtClean="0"/>
+              <a:pPr/>
+              <a:t>18</a:t>
+            </a:fld>
+            <a:endParaRPr lang="es-ES"/>
+          </a:p>
+        </p:txBody>
+      </p:sp>
     </p:spTree>
   </p:cSld>
   <p:clrMapOvr>
@@ -9207,6 +9586,361 @@
 </file>
 
 <file path=ppt/slides/slide19.xml><?xml version="1.0" encoding="utf-8"?>
+<p:sld xmlns:a="http://schemas.openxmlformats.org/drawingml/2006/main" xmlns:r="http://schemas.openxmlformats.org/officeDocument/2006/relationships" xmlns:p="http://schemas.openxmlformats.org/presentationml/2006/main">
+  <p:cSld>
+    <p:spTree>
+      <p:nvGrpSpPr>
+        <p:cNvPr id="1" name=""/>
+        <p:cNvGrpSpPr/>
+        <p:nvPr/>
+      </p:nvGrpSpPr>
+      <p:grpSpPr>
+        <a:xfrm>
+          <a:off x="0" y="0"/>
+          <a:ext cx="0" cy="0"/>
+          <a:chOff x="0" y="0"/>
+          <a:chExt cx="0" cy="0"/>
+        </a:xfrm>
+      </p:grpSpPr>
+      <p:sp>
+        <p:nvSpPr>
+          <p:cNvPr id="2" name="Title 1"/>
+          <p:cNvSpPr>
+            <a:spLocks noGrp="1"/>
+          </p:cNvSpPr>
+          <p:nvPr>
+            <p:ph type="title"/>
+          </p:nvPr>
+        </p:nvSpPr>
+        <p:spPr/>
+        <p:txBody>
+          <a:bodyPr/>
+          <a:lstStyle/>
+          <a:p>
+            <a:r>
+              <a:rPr lang="es-UY" b="1" dirty="0" smtClean="0"/>
+              <a:t>Decisiones de diseño</a:t>
+            </a:r>
+            <a:br>
+              <a:rPr lang="es-UY" b="1" dirty="0" smtClean="0"/>
+            </a:br>
+            <a:endParaRPr lang="es-UY" b="1" dirty="0"/>
+          </a:p>
+        </p:txBody>
+      </p:sp>
+      <p:sp>
+        <p:nvSpPr>
+          <p:cNvPr id="3" name="Content Placeholder 2"/>
+          <p:cNvSpPr>
+            <a:spLocks noGrp="1"/>
+          </p:cNvSpPr>
+          <p:nvPr>
+            <p:ph sz="quarter" idx="1"/>
+          </p:nvPr>
+        </p:nvSpPr>
+        <p:spPr/>
+        <p:txBody>
+          <a:bodyPr/>
+          <a:lstStyle/>
+          <a:p>
+            <a:r>
+              <a:rPr lang="es-UY" sz="2200" dirty="0" smtClean="0"/>
+              <a:t>CTP </a:t>
+            </a:r>
+            <a:r>
+              <a:rPr lang="es-UY" sz="2200" dirty="0" err="1" smtClean="0"/>
+              <a:t>RestConnector</a:t>
+            </a:r>
+            <a:r>
+              <a:rPr lang="es-UY" sz="2200" dirty="0" smtClean="0"/>
+              <a:t> distribuido en organismos</a:t>
+            </a:r>
+          </a:p>
+          <a:p>
+            <a:pPr lvl="1"/>
+            <a:r>
+              <a:rPr lang="es-UY" sz="2000" dirty="0" smtClean="0"/>
+              <a:t>Dos responsabilidades:</a:t>
+            </a:r>
+          </a:p>
+          <a:p>
+            <a:pPr lvl="2"/>
+            <a:r>
+              <a:rPr lang="es-UY" sz="1600" dirty="0" smtClean="0"/>
+              <a:t>Información para público general</a:t>
+            </a:r>
+          </a:p>
+          <a:p>
+            <a:pPr lvl="2"/>
+            <a:r>
+              <a:rPr lang="es-UY" sz="1600" dirty="0" smtClean="0"/>
+              <a:t>Información para público especializado</a:t>
+            </a:r>
+          </a:p>
+          <a:p>
+            <a:pPr lvl="1"/>
+            <a:r>
+              <a:rPr lang="es-UY" sz="2000" dirty="0" smtClean="0"/>
+              <a:t>Evitar cuello de botella y único punto de falla</a:t>
+            </a:r>
+          </a:p>
+          <a:p>
+            <a:pPr lvl="1"/>
+            <a:r>
+              <a:rPr lang="es-UY" sz="2000" dirty="0" smtClean="0"/>
+              <a:t>Facilitar configuración y mantenimiento</a:t>
+            </a:r>
+          </a:p>
+          <a:p>
+            <a:endParaRPr lang="es-UY" sz="2000" dirty="0" smtClean="0"/>
+          </a:p>
+          <a:p>
+            <a:pPr>
+              <a:buNone/>
+            </a:pPr>
+            <a:endParaRPr lang="es-UY" sz="2000" dirty="0" smtClean="0"/>
+          </a:p>
+          <a:p>
+            <a:r>
+              <a:rPr lang="es-UY" sz="2200" dirty="0" smtClean="0"/>
+              <a:t>CTP </a:t>
+            </a:r>
+            <a:r>
+              <a:rPr lang="es-UY" sz="2200" dirty="0" err="1" smtClean="0"/>
+              <a:t>SoapConnector</a:t>
+            </a:r>
+            <a:r>
+              <a:rPr lang="es-UY" sz="2200" dirty="0" smtClean="0"/>
+              <a:t> único por servicio geográfico</a:t>
+            </a:r>
+          </a:p>
+          <a:p>
+            <a:pPr lvl="1"/>
+            <a:r>
+              <a:rPr lang="es-UY" sz="2000" dirty="0" smtClean="0"/>
+              <a:t>Por mapeo de direcciones físicas y lógicas</a:t>
+            </a:r>
+            <a:endParaRPr lang="es-UY" sz="2000" dirty="0"/>
+          </a:p>
+        </p:txBody>
+      </p:sp>
+      <p:sp>
+        <p:nvSpPr>
+          <p:cNvPr id="4" name="3 Marcador de número de diapositiva"/>
+          <p:cNvSpPr>
+            <a:spLocks noGrp="1"/>
+          </p:cNvSpPr>
+          <p:nvPr>
+            <p:ph type="sldNum" sz="quarter" idx="15"/>
+          </p:nvPr>
+        </p:nvSpPr>
+        <p:spPr/>
+        <p:txBody>
+          <a:bodyPr/>
+          <a:lstStyle/>
+          <a:p>
+            <a:fld id="{132FADFE-3B8F-471C-ABF0-DBC7717ECBBC}" type="slidenum">
+              <a:rPr lang="es-ES" smtClean="0"/>
+              <a:pPr/>
+              <a:t>19</a:t>
+            </a:fld>
+            <a:endParaRPr lang="es-ES"/>
+          </a:p>
+        </p:txBody>
+      </p:sp>
+    </p:spTree>
+  </p:cSld>
+  <p:clrMapOvr>
+    <a:masterClrMapping/>
+  </p:clrMapOvr>
+  <p:timing>
+    <p:tnLst>
+      <p:par>
+        <p:cTn id="1" dur="indefinite" restart="never" nodeType="tmRoot"/>
+      </p:par>
+    </p:tnLst>
+  </p:timing>
+</p:sld>
+</file>
+
+<file path=ppt/slides/slide2.xml><?xml version="1.0" encoding="utf-8"?>
+<p:sld xmlns:a="http://schemas.openxmlformats.org/drawingml/2006/main" xmlns:r="http://schemas.openxmlformats.org/officeDocument/2006/relationships" xmlns:p="http://schemas.openxmlformats.org/presentationml/2006/main">
+  <p:cSld>
+    <p:spTree>
+      <p:nvGrpSpPr>
+        <p:cNvPr id="1" name=""/>
+        <p:cNvGrpSpPr/>
+        <p:nvPr/>
+      </p:nvGrpSpPr>
+      <p:grpSpPr>
+        <a:xfrm>
+          <a:off x="0" y="0"/>
+          <a:ext cx="0" cy="0"/>
+          <a:chOff x="0" y="0"/>
+          <a:chExt cx="0" cy="0"/>
+        </a:xfrm>
+      </p:grpSpPr>
+      <p:sp>
+        <p:nvSpPr>
+          <p:cNvPr id="2" name="1 Título"/>
+          <p:cNvSpPr>
+            <a:spLocks noGrp="1"/>
+          </p:cNvSpPr>
+          <p:nvPr>
+            <p:ph type="title"/>
+          </p:nvPr>
+        </p:nvSpPr>
+        <p:spPr/>
+        <p:txBody>
+          <a:bodyPr/>
+          <a:lstStyle/>
+          <a:p>
+            <a:r>
+              <a:rPr lang="es-UY" b="1" dirty="0" smtClean="0"/>
+              <a:t>Temario</a:t>
+            </a:r>
+            <a:br>
+              <a:rPr lang="es-UY" b="1" dirty="0" smtClean="0"/>
+            </a:br>
+            <a:endParaRPr lang="es-UY" b="1" dirty="0"/>
+          </a:p>
+        </p:txBody>
+      </p:sp>
+      <p:sp>
+        <p:nvSpPr>
+          <p:cNvPr id="3" name="2 Marcador de contenido"/>
+          <p:cNvSpPr>
+            <a:spLocks noGrp="1"/>
+          </p:cNvSpPr>
+          <p:nvPr>
+            <p:ph sz="quarter" idx="1"/>
+          </p:nvPr>
+        </p:nvSpPr>
+        <p:spPr/>
+        <p:txBody>
+          <a:bodyPr>
+            <a:normAutofit/>
+          </a:bodyPr>
+          <a:lstStyle/>
+          <a:p>
+            <a:r>
+              <a:rPr lang="es-UY" dirty="0" smtClean="0"/>
+              <a:t>Contexto</a:t>
+            </a:r>
+          </a:p>
+          <a:p>
+            <a:r>
+              <a:rPr lang="es-UY" dirty="0" smtClean="0"/>
+              <a:t>Objetivos</a:t>
+            </a:r>
+          </a:p>
+          <a:p>
+            <a:r>
+              <a:rPr lang="es-UY" dirty="0" smtClean="0"/>
+              <a:t>Estudio Inicial</a:t>
+            </a:r>
+          </a:p>
+          <a:p>
+            <a:r>
+              <a:rPr lang="es-UY" dirty="0" smtClean="0"/>
+              <a:t>Análisis y Diseño</a:t>
+            </a:r>
+          </a:p>
+          <a:p>
+            <a:r>
+              <a:rPr lang="es-UY" dirty="0" smtClean="0"/>
+              <a:t>Tecnologías</a:t>
+            </a:r>
+          </a:p>
+          <a:p>
+            <a:r>
+              <a:rPr lang="es-UY" dirty="0" smtClean="0"/>
+              <a:t>Decisiones de Implementación</a:t>
+            </a:r>
+          </a:p>
+          <a:p>
+            <a:r>
+              <a:rPr lang="es-UY" dirty="0" smtClean="0"/>
+              <a:t>Caso de Estudio</a:t>
+            </a:r>
+            <a:endParaRPr lang="es-UY" dirty="0" smtClean="0">
+              <a:solidFill>
+                <a:srgbClr val="FF0000"/>
+              </a:solidFill>
+            </a:endParaRPr>
+          </a:p>
+          <a:p>
+            <a:r>
+              <a:rPr lang="es-UY" dirty="0" smtClean="0"/>
+              <a:t>Conclusión</a:t>
+            </a:r>
+          </a:p>
+          <a:p>
+            <a:r>
+              <a:rPr lang="es-UY" dirty="0" smtClean="0"/>
+              <a:t>Trabajos a Futuro</a:t>
+            </a:r>
+          </a:p>
+          <a:p>
+            <a:pPr>
+              <a:buNone/>
+            </a:pPr>
+            <a:endParaRPr lang="es-UY" dirty="0" smtClean="0"/>
+          </a:p>
+          <a:p>
+            <a:endParaRPr lang="es-UY" dirty="0" smtClean="0"/>
+          </a:p>
+          <a:p>
+            <a:endParaRPr lang="es-UY" dirty="0" smtClean="0"/>
+          </a:p>
+          <a:p>
+            <a:endParaRPr lang="es-UY" dirty="0" smtClean="0"/>
+          </a:p>
+          <a:p>
+            <a:endParaRPr lang="es-UY" dirty="0"/>
+          </a:p>
+        </p:txBody>
+      </p:sp>
+      <p:sp>
+        <p:nvSpPr>
+          <p:cNvPr id="4" name="3 Marcador de número de diapositiva"/>
+          <p:cNvSpPr>
+            <a:spLocks noGrp="1"/>
+          </p:cNvSpPr>
+          <p:nvPr>
+            <p:ph type="sldNum" sz="quarter" idx="15"/>
+          </p:nvPr>
+        </p:nvSpPr>
+        <p:spPr/>
+        <p:txBody>
+          <a:bodyPr/>
+          <a:lstStyle/>
+          <a:p>
+            <a:fld id="{132FADFE-3B8F-471C-ABF0-DBC7717ECBBC}" type="slidenum">
+              <a:rPr lang="es-ES" smtClean="0"/>
+              <a:pPr/>
+              <a:t>2</a:t>
+            </a:fld>
+            <a:endParaRPr lang="es-ES"/>
+          </a:p>
+        </p:txBody>
+      </p:sp>
+    </p:spTree>
+  </p:cSld>
+  <p:clrMapOvr>
+    <a:masterClrMapping/>
+  </p:clrMapOvr>
+  <p:timing>
+    <p:tnLst>
+      <p:par>
+        <p:cTn id="1" dur="indefinite" restart="never" nodeType="tmRoot"/>
+      </p:par>
+    </p:tnLst>
+  </p:timing>
+</p:sld>
+</file>
+
+<file path=ppt/slides/slide20.xml><?xml version="1.0" encoding="utf-8"?>
 <p:sld xmlns:a="http://schemas.openxmlformats.org/drawingml/2006/main" xmlns:r="http://schemas.openxmlformats.org/officeDocument/2006/relationships" xmlns:p="http://schemas.openxmlformats.org/presentationml/2006/main">
   <p:cSld>
     <p:spTree>
@@ -9313,6 +10047,30 @@
           <a:effectLst/>
         </p:spPr>
       </p:pic>
+      <p:sp>
+        <p:nvSpPr>
+          <p:cNvPr id="5" name="4 Marcador de número de diapositiva"/>
+          <p:cNvSpPr>
+            <a:spLocks noGrp="1"/>
+          </p:cNvSpPr>
+          <p:nvPr>
+            <p:ph type="sldNum" sz="quarter" idx="15"/>
+          </p:nvPr>
+        </p:nvSpPr>
+        <p:spPr/>
+        <p:txBody>
+          <a:bodyPr/>
+          <a:lstStyle/>
+          <a:p>
+            <a:fld id="{132FADFE-3B8F-471C-ABF0-DBC7717ECBBC}" type="slidenum">
+              <a:rPr lang="es-ES" smtClean="0"/>
+              <a:pPr/>
+              <a:t>20</a:t>
+            </a:fld>
+            <a:endParaRPr lang="es-ES"/>
+          </a:p>
+        </p:txBody>
+      </p:sp>
     </p:spTree>
   </p:cSld>
   <p:clrMapOvr>
@@ -9328,160 +10086,7 @@
 </p:sld>
 </file>
 
-<file path=ppt/slides/slide2.xml><?xml version="1.0" encoding="utf-8"?>
-<p:sld xmlns:a="http://schemas.openxmlformats.org/drawingml/2006/main" xmlns:r="http://schemas.openxmlformats.org/officeDocument/2006/relationships" xmlns:p="http://schemas.openxmlformats.org/presentationml/2006/main">
-  <p:cSld>
-    <p:spTree>
-      <p:nvGrpSpPr>
-        <p:cNvPr id="1" name=""/>
-        <p:cNvGrpSpPr/>
-        <p:nvPr/>
-      </p:nvGrpSpPr>
-      <p:grpSpPr>
-        <a:xfrm>
-          <a:off x="0" y="0"/>
-          <a:ext cx="0" cy="0"/>
-          <a:chOff x="0" y="0"/>
-          <a:chExt cx="0" cy="0"/>
-        </a:xfrm>
-      </p:grpSpPr>
-      <p:sp>
-        <p:nvSpPr>
-          <p:cNvPr id="2" name="1 Título"/>
-          <p:cNvSpPr>
-            <a:spLocks noGrp="1"/>
-          </p:cNvSpPr>
-          <p:nvPr>
-            <p:ph type="title"/>
-          </p:nvPr>
-        </p:nvSpPr>
-        <p:spPr/>
-        <p:txBody>
-          <a:bodyPr/>
-          <a:lstStyle/>
-          <a:p>
-            <a:r>
-              <a:rPr lang="es-UY" b="1" dirty="0" smtClean="0"/>
-              <a:t>Temario</a:t>
-            </a:r>
-            <a:br>
-              <a:rPr lang="es-UY" b="1" dirty="0" smtClean="0"/>
-            </a:br>
-            <a:endParaRPr lang="es-UY" b="1" dirty="0"/>
-          </a:p>
-        </p:txBody>
-      </p:sp>
-      <p:sp>
-        <p:nvSpPr>
-          <p:cNvPr id="3" name="2 Marcador de contenido"/>
-          <p:cNvSpPr>
-            <a:spLocks noGrp="1"/>
-          </p:cNvSpPr>
-          <p:nvPr>
-            <p:ph sz="quarter" idx="1"/>
-          </p:nvPr>
-        </p:nvSpPr>
-        <p:spPr/>
-        <p:txBody>
-          <a:bodyPr>
-            <a:normAutofit/>
-          </a:bodyPr>
-          <a:lstStyle/>
-          <a:p>
-            <a:r>
-              <a:rPr lang="es-UY" dirty="0" smtClean="0"/>
-              <a:t>Contexto</a:t>
-            </a:r>
-          </a:p>
-          <a:p>
-            <a:r>
-              <a:rPr lang="es-UY" dirty="0" smtClean="0"/>
-              <a:t>Objetivos</a:t>
-            </a:r>
-          </a:p>
-          <a:p>
-            <a:r>
-              <a:rPr lang="es-UY" dirty="0" smtClean="0"/>
-              <a:t>Estudio Inicial</a:t>
-            </a:r>
-          </a:p>
-          <a:p>
-            <a:r>
-              <a:rPr lang="es-UY" dirty="0" smtClean="0"/>
-              <a:t>Análisis y Diseño</a:t>
-            </a:r>
-          </a:p>
-          <a:p>
-            <a:r>
-              <a:rPr lang="es-UY" dirty="0" smtClean="0"/>
-              <a:t>Tecnologías</a:t>
-            </a:r>
-          </a:p>
-          <a:p>
-            <a:r>
-              <a:rPr lang="es-UY" dirty="0" smtClean="0"/>
-              <a:t>Decisiones de Implementación</a:t>
-            </a:r>
-          </a:p>
-          <a:p>
-            <a:r>
-              <a:rPr lang="es-UY" dirty="0" smtClean="0"/>
-              <a:t>Caso de Estudio</a:t>
-            </a:r>
-            <a:endParaRPr lang="es-UY" dirty="0" smtClean="0">
-              <a:solidFill>
-                <a:srgbClr val="FF0000"/>
-              </a:solidFill>
-            </a:endParaRPr>
-          </a:p>
-          <a:p>
-            <a:r>
-              <a:rPr lang="es-UY" dirty="0" smtClean="0"/>
-              <a:t>Conclusión</a:t>
-            </a:r>
-          </a:p>
-          <a:p>
-            <a:r>
-              <a:rPr lang="es-UY" dirty="0" smtClean="0"/>
-              <a:t>Trabajos a Futuro</a:t>
-            </a:r>
-          </a:p>
-          <a:p>
-            <a:pPr>
-              <a:buNone/>
-            </a:pPr>
-            <a:endParaRPr lang="es-UY" dirty="0" smtClean="0"/>
-          </a:p>
-          <a:p>
-            <a:endParaRPr lang="es-UY" dirty="0" smtClean="0"/>
-          </a:p>
-          <a:p>
-            <a:endParaRPr lang="es-UY" dirty="0" smtClean="0"/>
-          </a:p>
-          <a:p>
-            <a:endParaRPr lang="es-UY" dirty="0" smtClean="0"/>
-          </a:p>
-          <a:p>
-            <a:endParaRPr lang="es-UY" dirty="0"/>
-          </a:p>
-        </p:txBody>
-      </p:sp>
-    </p:spTree>
-  </p:cSld>
-  <p:clrMapOvr>
-    <a:masterClrMapping/>
-  </p:clrMapOvr>
-  <p:timing>
-    <p:tnLst>
-      <p:par>
-        <p:cTn id="1" dur="indefinite" restart="never" nodeType="tmRoot"/>
-      </p:par>
-    </p:tnLst>
-  </p:timing>
-</p:sld>
-</file>
-
-<file path=ppt/slides/slide20.xml><?xml version="1.0" encoding="utf-8"?>
+<file path=ppt/slides/slide21.xml><?xml version="1.0" encoding="utf-8"?>
 <p:sld xmlns:a="http://schemas.openxmlformats.org/drawingml/2006/main" xmlns:r="http://schemas.openxmlformats.org/officeDocument/2006/relationships" xmlns:p="http://schemas.openxmlformats.org/presentationml/2006/main">
   <p:cSld>
     <p:spTree>
@@ -9588,46 +10193,14 @@
           <a:effectLst/>
         </p:spPr>
       </p:pic>
-    </p:spTree>
-  </p:cSld>
-  <p:clrMapOvr>
-    <a:masterClrMapping/>
-  </p:clrMapOvr>
-  <p:timing>
-    <p:tnLst>
-      <p:par>
-        <p:cTn id="1" dur="indefinite" restart="never" nodeType="tmRoot"/>
-      </p:par>
-    </p:tnLst>
-  </p:timing>
-</p:sld>
-</file>
-
-<file path=ppt/slides/slide21.xml><?xml version="1.0" encoding="utf-8"?>
-<p:sld xmlns:a="http://schemas.openxmlformats.org/drawingml/2006/main" xmlns:r="http://schemas.openxmlformats.org/officeDocument/2006/relationships" xmlns:p="http://schemas.openxmlformats.org/presentationml/2006/main">
-  <p:cSld>
-    <p:spTree>
-      <p:nvGrpSpPr>
-        <p:cNvPr id="1" name=""/>
-        <p:cNvGrpSpPr/>
-        <p:nvPr/>
-      </p:nvGrpSpPr>
-      <p:grpSpPr>
-        <a:xfrm>
-          <a:off x="0" y="0"/>
-          <a:ext cx="0" cy="0"/>
-          <a:chOff x="0" y="0"/>
-          <a:chExt cx="0" cy="0"/>
-        </a:xfrm>
-      </p:grpSpPr>
-      <p:sp>
-        <p:nvSpPr>
-          <p:cNvPr id="2" name="1 Título"/>
-          <p:cNvSpPr>
-            <a:spLocks noGrp="1"/>
-          </p:cNvSpPr>
-          <p:nvPr>
-            <p:ph type="title"/>
+      <p:sp>
+        <p:nvSpPr>
+          <p:cNvPr id="5" name="4 Marcador de número de diapositiva"/>
+          <p:cNvSpPr>
+            <a:spLocks noGrp="1"/>
+          </p:cNvSpPr>
+          <p:nvPr>
+            <p:ph type="sldNum" sz="quarter" idx="15"/>
           </p:nvPr>
         </p:nvSpPr>
         <p:spPr/>
@@ -9635,146 +10208,12 @@
           <a:bodyPr/>
           <a:lstStyle/>
           <a:p>
-            <a:r>
-              <a:rPr lang="es-UY" b="1" dirty="0" smtClean="0"/>
-              <a:t>Tecnologías</a:t>
-            </a:r>
-            <a:br>
-              <a:rPr lang="es-UY" b="1" dirty="0" smtClean="0"/>
-            </a:br>
-            <a:endParaRPr lang="es-UY" b="1" dirty="0"/>
-          </a:p>
-        </p:txBody>
-      </p:sp>
-      <p:sp>
-        <p:nvSpPr>
-          <p:cNvPr id="3" name="2 Marcador de contenido"/>
-          <p:cNvSpPr>
-            <a:spLocks noGrp="1"/>
-          </p:cNvSpPr>
-          <p:nvPr>
-            <p:ph sz="quarter" idx="1"/>
-          </p:nvPr>
-        </p:nvSpPr>
-        <p:spPr/>
-        <p:txBody>
-          <a:bodyPr/>
-          <a:lstStyle/>
-          <a:p>
-            <a:r>
-              <a:rPr lang="es-UY" sz="2200" dirty="0" smtClean="0"/>
-              <a:t>Servidores geográficos</a:t>
-            </a:r>
-          </a:p>
-          <a:p>
-            <a:pPr lvl="1"/>
-            <a:r>
-              <a:rPr lang="es-UY" sz="2000" dirty="0" err="1" smtClean="0"/>
-              <a:t>Geoserver</a:t>
-            </a:r>
-            <a:r>
-              <a:rPr lang="es-UY" sz="2000" dirty="0" smtClean="0"/>
-              <a:t> 2.5</a:t>
-            </a:r>
-          </a:p>
-          <a:p>
-            <a:pPr lvl="1"/>
-            <a:r>
-              <a:rPr lang="es-UY" sz="2000" dirty="0" err="1" smtClean="0"/>
-              <a:t>Mapserver</a:t>
-            </a:r>
-            <a:r>
-              <a:rPr lang="es-UY" sz="2000" dirty="0" smtClean="0"/>
-              <a:t> 3.0.6</a:t>
-            </a:r>
-          </a:p>
-          <a:p>
-            <a:r>
-              <a:rPr lang="es-UY" sz="2200" dirty="0" err="1" smtClean="0"/>
-              <a:t>Jboss</a:t>
-            </a:r>
-            <a:r>
-              <a:rPr lang="es-UY" sz="2200" dirty="0" smtClean="0"/>
-              <a:t> ESB 4.9</a:t>
-            </a:r>
-          </a:p>
-          <a:p>
-            <a:r>
-              <a:rPr lang="es-UY" sz="2200" dirty="0" smtClean="0"/>
-              <a:t>Plataforma de </a:t>
-            </a:r>
-            <a:r>
-              <a:rPr lang="es-UY" sz="2200" dirty="0" err="1" smtClean="0"/>
-              <a:t>eGob</a:t>
-            </a:r>
-            <a:r>
-              <a:rPr lang="es-UY" sz="2200" dirty="0" smtClean="0"/>
-              <a:t> de Uruguay</a:t>
-            </a:r>
-          </a:p>
-          <a:p>
-            <a:r>
-              <a:rPr lang="es-UY" sz="2200" dirty="0" err="1" smtClean="0"/>
-              <a:t>PostgreSQL</a:t>
-            </a:r>
-            <a:r>
-              <a:rPr lang="es-UY" sz="2200" dirty="0" smtClean="0"/>
-              <a:t> 9.3 / </a:t>
-            </a:r>
-            <a:r>
-              <a:rPr lang="es-UY" sz="2200" dirty="0" err="1" smtClean="0"/>
-              <a:t>Postgis</a:t>
-            </a:r>
-            <a:r>
-              <a:rPr lang="es-UY" sz="2200" dirty="0" smtClean="0"/>
-              <a:t> 2.1.3</a:t>
-            </a:r>
-          </a:p>
-          <a:p>
-            <a:r>
-              <a:rPr lang="es-UY" sz="2200" dirty="0" smtClean="0"/>
-              <a:t>Aplicaciones GIS de escritorio</a:t>
-            </a:r>
-          </a:p>
-          <a:p>
-            <a:pPr lvl="1"/>
-            <a:r>
-              <a:rPr lang="es-UY" sz="2000" dirty="0" smtClean="0"/>
-              <a:t>Quantum GIS Desktop 2.6.1</a:t>
-            </a:r>
-          </a:p>
-          <a:p>
-            <a:pPr lvl="1"/>
-            <a:r>
-              <a:rPr lang="es-UY" sz="2000" dirty="0" err="1" smtClean="0"/>
-              <a:t>gvSIG</a:t>
-            </a:r>
-            <a:r>
-              <a:rPr lang="es-UY" sz="2000" dirty="0" smtClean="0"/>
-              <a:t> Desktop 1.12.0</a:t>
-            </a:r>
-          </a:p>
-          <a:p>
-            <a:r>
-              <a:rPr lang="es-UY" sz="2200" dirty="0" smtClean="0"/>
-              <a:t>OpenLayers-2.13</a:t>
-            </a:r>
-          </a:p>
-          <a:p>
-            <a:r>
-              <a:rPr lang="es-UY" sz="2200" dirty="0" err="1" smtClean="0"/>
-              <a:t>Grails</a:t>
-            </a:r>
-            <a:r>
-              <a:rPr lang="es-UY" sz="2200" dirty="0" smtClean="0"/>
-              <a:t> 2.4.3</a:t>
-            </a:r>
-          </a:p>
-          <a:p>
-            <a:pPr lvl="1">
-              <a:buNone/>
-            </a:pPr>
-            <a:endParaRPr lang="es-UY" dirty="0"/>
+            <a:fld id="{132FADFE-3B8F-471C-ABF0-DBC7717ECBBC}" type="slidenum">
+              <a:rPr lang="es-ES" smtClean="0"/>
+              <a:pPr/>
+              <a:t>21</a:t>
+            </a:fld>
+            <a:endParaRPr lang="es-ES"/>
           </a:p>
         </p:txBody>
       </p:sp>
@@ -9822,17 +10261,15 @@
         </p:nvSpPr>
         <p:spPr/>
         <p:txBody>
-          <a:bodyPr>
-            <a:normAutofit/>
-          </a:bodyPr>
-          <a:lstStyle/>
-          <a:p>
-            <a:r>
-              <a:rPr lang="es-UY" dirty="0" smtClean="0"/>
-              <a:t>Decisiones de implementación</a:t>
+          <a:bodyPr/>
+          <a:lstStyle/>
+          <a:p>
+            <a:r>
+              <a:rPr lang="es-UY" b="1" dirty="0" smtClean="0"/>
+              <a:t>Tecnologías</a:t>
             </a:r>
             <a:br>
-              <a:rPr lang="es-UY" dirty="0" smtClean="0"/>
+              <a:rPr lang="es-UY" b="1" dirty="0" smtClean="0"/>
             </a:br>
             <a:endParaRPr lang="es-UY" b="1" dirty="0"/>
           </a:p>
@@ -9850,87 +10287,133 @@
         </p:nvSpPr>
         <p:spPr/>
         <p:txBody>
-          <a:bodyPr>
-            <a:normAutofit/>
-          </a:bodyPr>
-          <a:lstStyle/>
-          <a:p>
-            <a:pPr lvl="1">
-              <a:buFont typeface="Courier New" pitchFamily="49" charset="0"/>
-              <a:buChar char="o"/>
-            </a:pPr>
+          <a:bodyPr/>
+          <a:lstStyle/>
+          <a:p>
             <a:r>
               <a:rPr lang="es-UY" sz="2200" dirty="0" smtClean="0"/>
-              <a:t>Utilizar un ESB (</a:t>
-            </a:r>
+              <a:t>Servidores geográficos</a:t>
+            </a:r>
+          </a:p>
+          <a:p>
+            <a:pPr lvl="1"/>
+            <a:r>
+              <a:rPr lang="es-UY" sz="2000" dirty="0" err="1" smtClean="0"/>
+              <a:t>Geoserver</a:t>
+            </a:r>
+            <a:r>
+              <a:rPr lang="es-UY" sz="2000" dirty="0" smtClean="0"/>
+              <a:t> 2.5</a:t>
+            </a:r>
+          </a:p>
+          <a:p>
+            <a:pPr lvl="1"/>
+            <a:r>
+              <a:rPr lang="es-UY" sz="2000" dirty="0" err="1" smtClean="0"/>
+              <a:t>Mapserver</a:t>
+            </a:r>
+            <a:r>
+              <a:rPr lang="es-UY" sz="2000" dirty="0" smtClean="0"/>
+              <a:t> 3.0.6</a:t>
+            </a:r>
+          </a:p>
+          <a:p>
             <a:r>
               <a:rPr lang="es-UY" sz="2200" dirty="0" err="1" smtClean="0"/>
-              <a:t>JbossESB</a:t>
+              <a:t>Jboss</a:t>
             </a:r>
             <a:r>
               <a:rPr lang="es-UY" sz="2200" dirty="0" smtClean="0"/>
-              <a:t>)</a:t>
+              <a:t> ESB 4.9</a:t>
+            </a:r>
+          </a:p>
+          <a:p>
+            <a:r>
+              <a:rPr lang="es-UY" sz="2200" dirty="0" err="1" smtClean="0"/>
+              <a:t>PostgreSQL</a:t>
+            </a:r>
+            <a:r>
+              <a:rPr lang="es-UY" sz="2200" dirty="0" smtClean="0"/>
+              <a:t> 9.3 / </a:t>
+            </a:r>
+            <a:r>
+              <a:rPr lang="es-UY" sz="2200" dirty="0" err="1" smtClean="0"/>
+              <a:t>Postgis</a:t>
+            </a:r>
+            <a:r>
+              <a:rPr lang="es-UY" sz="2200" dirty="0" smtClean="0"/>
+              <a:t> 2.1.3</a:t>
+            </a:r>
+          </a:p>
+          <a:p>
+            <a:r>
+              <a:rPr lang="es-UY" sz="2200" dirty="0" smtClean="0"/>
+              <a:t>Aplicaciones GIS de escritorio</a:t>
+            </a:r>
+          </a:p>
+          <a:p>
+            <a:pPr lvl="1"/>
+            <a:r>
+              <a:rPr lang="es-UY" sz="2000" dirty="0" smtClean="0"/>
+              <a:t>Quantum GIS Desktop 2.6.1</a:t>
+            </a:r>
+          </a:p>
+          <a:p>
+            <a:pPr lvl="1"/>
+            <a:r>
+              <a:rPr lang="es-UY" sz="2000" dirty="0" err="1" smtClean="0"/>
+              <a:t>gvSIG</a:t>
+            </a:r>
+            <a:r>
+              <a:rPr lang="es-UY" sz="2000" dirty="0" smtClean="0"/>
+              <a:t> Desktop 1.12.0</a:t>
+            </a:r>
+          </a:p>
+          <a:p>
+            <a:r>
+              <a:rPr lang="es-UY" sz="2200" dirty="0" smtClean="0"/>
+              <a:t>OpenLayers-2.13</a:t>
+            </a:r>
+          </a:p>
+          <a:p>
+            <a:r>
+              <a:rPr lang="es-UY" sz="2200" dirty="0" err="1" smtClean="0"/>
+              <a:t>Grails</a:t>
+            </a:r>
+            <a:r>
+              <a:rPr lang="es-UY" sz="2200" dirty="0" smtClean="0"/>
+              <a:t> 2.4.3</a:t>
             </a:r>
           </a:p>
           <a:p>
             <a:pPr lvl="1">
               <a:buNone/>
             </a:pPr>
-            <a:endParaRPr lang="es-UY" sz="2000" dirty="0" smtClean="0"/>
-          </a:p>
-          <a:p>
-            <a:pPr lvl="1">
-              <a:buFont typeface="Courier New" pitchFamily="49" charset="0"/>
-              <a:buChar char="o"/>
-            </a:pPr>
-            <a:r>
-              <a:rPr lang="es-UY" sz="2200" dirty="0" smtClean="0"/>
-              <a:t>Cada CTP-</a:t>
-            </a:r>
-            <a:r>
-              <a:rPr lang="es-UY" sz="2200" dirty="0" err="1" smtClean="0"/>
-              <a:t>RestConnector</a:t>
-            </a:r>
-            <a:r>
-              <a:rPr lang="es-UY" sz="2200" dirty="0" smtClean="0"/>
-              <a:t> mantiene la configuración de los servicios en base de datos </a:t>
-            </a:r>
-          </a:p>
-          <a:p>
-            <a:pPr lvl="1">
-              <a:buNone/>
-            </a:pPr>
-            <a:endParaRPr lang="es-UY" sz="2200" dirty="0" smtClean="0"/>
-          </a:p>
-          <a:p>
-            <a:pPr lvl="1">
-              <a:buFont typeface="Courier New" pitchFamily="49" charset="0"/>
-              <a:buChar char="o"/>
-            </a:pPr>
-            <a:r>
-              <a:rPr lang="es-UY" sz="2200" dirty="0" smtClean="0"/>
-              <a:t>Aplicación simple para mantenimiento de configuración de los servicios</a:t>
-            </a:r>
-          </a:p>
-          <a:p>
-            <a:pPr lvl="1">
-              <a:buNone/>
-            </a:pPr>
-            <a:endParaRPr lang="es-UY" sz="2200" dirty="0" smtClean="0"/>
-          </a:p>
-          <a:p>
-            <a:pPr lvl="1">
-              <a:buFont typeface="Courier New" pitchFamily="49" charset="0"/>
-              <a:buChar char="o"/>
-            </a:pPr>
-            <a:r>
-              <a:rPr lang="es-UY" sz="2200" dirty="0" smtClean="0"/>
-              <a:t>Implementar un simulador de la PGE</a:t>
-            </a:r>
-          </a:p>
-          <a:p>
-            <a:pPr lvl="1"/>
-            <a:endParaRPr lang="es-UY" sz="2200" dirty="0"/>
+            <a:endParaRPr lang="es-UY" dirty="0"/>
+          </a:p>
+        </p:txBody>
+      </p:sp>
+      <p:sp>
+        <p:nvSpPr>
+          <p:cNvPr id="4" name="3 Marcador de número de diapositiva"/>
+          <p:cNvSpPr>
+            <a:spLocks noGrp="1"/>
+          </p:cNvSpPr>
+          <p:nvPr>
+            <p:ph type="sldNum" sz="quarter" idx="15"/>
+          </p:nvPr>
+        </p:nvSpPr>
+        <p:spPr/>
+        <p:txBody>
+          <a:bodyPr/>
+          <a:lstStyle/>
+          <a:p>
+            <a:fld id="{132FADFE-3B8F-471C-ABF0-DBC7717ECBBC}" type="slidenum">
+              <a:rPr lang="es-ES" smtClean="0"/>
+              <a:pPr/>
+              <a:t>22</a:t>
+            </a:fld>
+            <a:endParaRPr lang="es-ES"/>
           </a:p>
         </p:txBody>
       </p:sp>
@@ -9950,6 +10433,213 @@
 </file>
 
 <file path=ppt/slides/slide23.xml><?xml version="1.0" encoding="utf-8"?>
+<p:sld xmlns:a="http://schemas.openxmlformats.org/drawingml/2006/main" xmlns:r="http://schemas.openxmlformats.org/officeDocument/2006/relationships" xmlns:p="http://schemas.openxmlformats.org/presentationml/2006/main">
+  <p:cSld>
+    <p:spTree>
+      <p:nvGrpSpPr>
+        <p:cNvPr id="1" name=""/>
+        <p:cNvGrpSpPr/>
+        <p:nvPr/>
+      </p:nvGrpSpPr>
+      <p:grpSpPr>
+        <a:xfrm>
+          <a:off x="0" y="0"/>
+          <a:ext cx="0" cy="0"/>
+          <a:chOff x="0" y="0"/>
+          <a:chExt cx="0" cy="0"/>
+        </a:xfrm>
+      </p:grpSpPr>
+      <p:sp>
+        <p:nvSpPr>
+          <p:cNvPr id="2" name="1 Título"/>
+          <p:cNvSpPr>
+            <a:spLocks noGrp="1"/>
+          </p:cNvSpPr>
+          <p:nvPr>
+            <p:ph type="title"/>
+          </p:nvPr>
+        </p:nvSpPr>
+        <p:spPr/>
+        <p:txBody>
+          <a:bodyPr>
+            <a:normAutofit/>
+          </a:bodyPr>
+          <a:lstStyle/>
+          <a:p>
+            <a:r>
+              <a:rPr lang="es-UY" dirty="0" smtClean="0"/>
+              <a:t>Decisiones de implementación</a:t>
+            </a:r>
+            <a:br>
+              <a:rPr lang="es-UY" dirty="0" smtClean="0"/>
+            </a:br>
+            <a:endParaRPr lang="es-UY" b="1" dirty="0"/>
+          </a:p>
+        </p:txBody>
+      </p:sp>
+      <p:sp>
+        <p:nvSpPr>
+          <p:cNvPr id="3" name="2 Marcador de contenido"/>
+          <p:cNvSpPr>
+            <a:spLocks noGrp="1"/>
+          </p:cNvSpPr>
+          <p:nvPr>
+            <p:ph sz="quarter" idx="1"/>
+          </p:nvPr>
+        </p:nvSpPr>
+        <p:spPr/>
+        <p:txBody>
+          <a:bodyPr>
+            <a:normAutofit/>
+          </a:bodyPr>
+          <a:lstStyle/>
+          <a:p>
+            <a:pPr lvl="1">
+              <a:buFont typeface="Courier New" pitchFamily="49" charset="0"/>
+              <a:buChar char="o"/>
+            </a:pPr>
+            <a:r>
+              <a:rPr lang="es-UY" sz="2200" dirty="0" smtClean="0"/>
+              <a:t>Utilizar un ESB (</a:t>
+            </a:r>
+            <a:r>
+              <a:rPr lang="es-UY" sz="2200" dirty="0" err="1" smtClean="0"/>
+              <a:t>JbossESB</a:t>
+            </a:r>
+            <a:r>
+              <a:rPr lang="es-UY" sz="2200" dirty="0" smtClean="0"/>
+              <a:t>)</a:t>
+            </a:r>
+          </a:p>
+          <a:p>
+            <a:pPr lvl="1">
+              <a:buNone/>
+            </a:pPr>
+            <a:endParaRPr lang="es-UY" sz="2200" dirty="0" smtClean="0"/>
+          </a:p>
+          <a:p>
+            <a:pPr lvl="1">
+              <a:buFont typeface="Courier New" pitchFamily="49" charset="0"/>
+              <a:buChar char="o"/>
+            </a:pPr>
+            <a:r>
+              <a:rPr lang="es-UY" sz="2200" dirty="0" smtClean="0"/>
+              <a:t>Cada CTP-</a:t>
+            </a:r>
+            <a:r>
+              <a:rPr lang="es-UY" sz="2200" dirty="0" err="1" smtClean="0"/>
+              <a:t>RestConnector</a:t>
+            </a:r>
+            <a:r>
+              <a:rPr lang="es-UY" sz="2200" dirty="0" smtClean="0"/>
+              <a:t> mantiene la configuración de los servicios en base de datos </a:t>
+            </a:r>
+          </a:p>
+          <a:p>
+            <a:pPr lvl="1">
+              <a:buNone/>
+            </a:pPr>
+            <a:endParaRPr lang="es-UY" sz="2200" dirty="0" smtClean="0"/>
+          </a:p>
+          <a:p>
+            <a:pPr lvl="1">
+              <a:buFont typeface="Courier New" pitchFamily="49" charset="0"/>
+              <a:buChar char="o"/>
+            </a:pPr>
+            <a:r>
+              <a:rPr lang="es-UY" sz="2200" dirty="0" smtClean="0"/>
+              <a:t>Aplicación simple para mantenimiento de configuración de los servicios</a:t>
+            </a:r>
+          </a:p>
+          <a:p>
+            <a:pPr lvl="1">
+              <a:buNone/>
+            </a:pPr>
+            <a:endParaRPr lang="es-UY" sz="2200" dirty="0" smtClean="0"/>
+          </a:p>
+          <a:p>
+            <a:pPr lvl="1">
+              <a:buFont typeface="Courier New" pitchFamily="49" charset="0"/>
+              <a:buChar char="o"/>
+            </a:pPr>
+            <a:r>
+              <a:rPr lang="es-UY" sz="2200" dirty="0" smtClean="0"/>
+              <a:t>Implementar un simulador de la PGE </a:t>
+            </a:r>
+          </a:p>
+          <a:p>
+            <a:pPr lvl="1">
+              <a:buFont typeface="Courier New" pitchFamily="49" charset="0"/>
+              <a:buChar char="o"/>
+            </a:pPr>
+            <a:endParaRPr lang="es-UY" sz="2200" dirty="0" smtClean="0"/>
+          </a:p>
+          <a:p>
+            <a:pPr lvl="1">
+              <a:buFont typeface="Courier New" pitchFamily="49" charset="0"/>
+              <a:buChar char="o"/>
+            </a:pPr>
+            <a:r>
+              <a:rPr lang="es-UY" sz="2200" dirty="0" smtClean="0"/>
+              <a:t>Inclusión del STS del proyecto de grado </a:t>
+            </a:r>
+            <a:r>
+              <a:rPr lang="es-UY" sz="2200" dirty="0" smtClean="0">
+                <a:solidFill>
+                  <a:srgbClr val="FF0000"/>
+                </a:solidFill>
+              </a:rPr>
+              <a:t>Orquestación de Servicios….</a:t>
+            </a:r>
+          </a:p>
+          <a:p>
+            <a:pPr lvl="1">
+              <a:buNone/>
+            </a:pPr>
+            <a:endParaRPr lang="es-UY" sz="2200" dirty="0"/>
+          </a:p>
+        </p:txBody>
+      </p:sp>
+      <p:sp>
+        <p:nvSpPr>
+          <p:cNvPr id="4" name="3 Marcador de número de diapositiva"/>
+          <p:cNvSpPr>
+            <a:spLocks noGrp="1"/>
+          </p:cNvSpPr>
+          <p:nvPr>
+            <p:ph type="sldNum" sz="quarter" idx="15"/>
+          </p:nvPr>
+        </p:nvSpPr>
+        <p:spPr/>
+        <p:txBody>
+          <a:bodyPr/>
+          <a:lstStyle/>
+          <a:p>
+            <a:fld id="{132FADFE-3B8F-471C-ABF0-DBC7717ECBBC}" type="slidenum">
+              <a:rPr lang="es-ES" smtClean="0"/>
+              <a:pPr/>
+              <a:t>23</a:t>
+            </a:fld>
+            <a:endParaRPr lang="es-ES"/>
+          </a:p>
+        </p:txBody>
+      </p:sp>
+    </p:spTree>
+  </p:cSld>
+  <p:clrMapOvr>
+    <a:masterClrMapping/>
+  </p:clrMapOvr>
+  <p:timing>
+    <p:tnLst>
+      <p:par>
+        <p:cTn id="1" dur="indefinite" restart="never" nodeType="tmRoot"/>
+      </p:par>
+    </p:tnLst>
+  </p:timing>
+</p:sld>
+</file>
+
+<file path=ppt/slides/slide24.xml><?xml version="1.0" encoding="utf-8"?>
 <p:sld xmlns:a="http://schemas.openxmlformats.org/drawingml/2006/main" xmlns:r="http://schemas.openxmlformats.org/officeDocument/2006/relationships" xmlns:p="http://schemas.openxmlformats.org/presentationml/2006/main">
   <p:cSld>
     <p:spTree>
@@ -10062,126 +10752,30 @@
           <a:effectLst/>
         </p:spPr>
       </p:pic>
-    </p:spTree>
-  </p:cSld>
-  <p:clrMapOvr>
-    <a:masterClrMapping/>
-  </p:clrMapOvr>
-  <p:timing>
-    <p:tnLst>
-      <p:par>
-        <p:cTn id="1" dur="indefinite" restart="never" nodeType="tmRoot"/>
-      </p:par>
-    </p:tnLst>
-  </p:timing>
-</p:sld>
-</file>
-
-<file path=ppt/slides/slide24.xml><?xml version="1.0" encoding="utf-8"?>
-<p:sld xmlns:a="http://schemas.openxmlformats.org/drawingml/2006/main" xmlns:r="http://schemas.openxmlformats.org/officeDocument/2006/relationships" xmlns:p="http://schemas.openxmlformats.org/presentationml/2006/main">
-  <p:cSld>
-    <p:spTree>
-      <p:nvGrpSpPr>
-        <p:cNvPr id="1" name=""/>
-        <p:cNvGrpSpPr/>
-        <p:nvPr/>
-      </p:nvGrpSpPr>
-      <p:grpSpPr>
-        <a:xfrm>
-          <a:off x="0" y="0"/>
-          <a:ext cx="0" cy="0"/>
-          <a:chOff x="0" y="0"/>
-          <a:chExt cx="0" cy="0"/>
-        </a:xfrm>
-      </p:grpSpPr>
-      <p:sp>
-        <p:nvSpPr>
-          <p:cNvPr id="2" name="1 Título"/>
-          <p:cNvSpPr>
-            <a:spLocks noGrp="1"/>
-          </p:cNvSpPr>
-          <p:nvPr>
-            <p:ph type="title"/>
-          </p:nvPr>
-        </p:nvSpPr>
-        <p:spPr/>
-        <p:txBody>
-          <a:bodyPr>
-            <a:normAutofit/>
-          </a:bodyPr>
-          <a:lstStyle/>
-          <a:p>
-            <a:r>
-              <a:rPr lang="es-UY" dirty="0" smtClean="0"/>
-              <a:t>Caso de estudio</a:t>
-            </a:r>
-            <a:br>
-              <a:rPr lang="es-UY" dirty="0" smtClean="0"/>
-            </a:br>
-            <a:endParaRPr lang="es-UY" b="1" dirty="0"/>
-          </a:p>
-        </p:txBody>
-      </p:sp>
-      <p:sp>
-        <p:nvSpPr>
-          <p:cNvPr id="5" name="4 Marcador de contenido"/>
-          <p:cNvSpPr>
-            <a:spLocks noGrp="1"/>
-          </p:cNvSpPr>
-          <p:nvPr>
-            <p:ph sz="quarter" idx="1"/>
-          </p:nvPr>
-        </p:nvSpPr>
-        <p:spPr>
-          <a:xfrm>
-            <a:off x="457200" y="1357298"/>
-            <a:ext cx="7467600" cy="5116654"/>
-          </a:xfrm>
-        </p:spPr>
+      <p:sp>
+        <p:nvSpPr>
+          <p:cNvPr id="5" name="4 Marcador de número de diapositiva"/>
+          <p:cNvSpPr>
+            <a:spLocks noGrp="1"/>
+          </p:cNvSpPr>
+          <p:nvPr>
+            <p:ph type="sldNum" sz="quarter" idx="15"/>
+          </p:nvPr>
+        </p:nvSpPr>
+        <p:spPr/>
         <p:txBody>
           <a:bodyPr/>
           <a:lstStyle/>
           <a:p>
-            <a:r>
-              <a:rPr lang="es-UY" sz="2200" dirty="0" smtClean="0"/>
-              <a:t>Escenario 1: </a:t>
-            </a:r>
-            <a:r>
-              <a:rPr lang="es-ES" sz="2200" dirty="0" smtClean="0"/>
-              <a:t>Público general accediendo a información geográfica</a:t>
-            </a:r>
-            <a:endParaRPr lang="es-UY" sz="2200" dirty="0" smtClean="0"/>
-          </a:p>
-          <a:p>
-            <a:endParaRPr lang="es-UY" sz="2200" dirty="0" smtClean="0"/>
-          </a:p>
-          <a:p>
-            <a:endParaRPr lang="es-UY" sz="2200" dirty="0"/>
-          </a:p>
-        </p:txBody>
-      </p:sp>
-      <p:pic>
-        <p:nvPicPr>
-          <p:cNvPr id="6" name="Picture 28" descr="CE-Escenario 1.png"/>
-          <p:cNvPicPr/>
-          <p:nvPr/>
-        </p:nvPicPr>
-        <p:blipFill>
-          <a:blip r:embed="rId3" cstate="print"/>
-          <a:stretch>
-            <a:fillRect/>
-          </a:stretch>
-        </p:blipFill>
-        <p:spPr>
-          <a:xfrm>
-            <a:off x="726220" y="2469974"/>
-            <a:ext cx="7215238" cy="3500462"/>
-          </a:xfrm>
-          <a:prstGeom prst="rect">
-            <a:avLst/>
-          </a:prstGeom>
-        </p:spPr>
-      </p:pic>
+            <a:fld id="{132FADFE-3B8F-471C-ABF0-DBC7717ECBBC}" type="slidenum">
+              <a:rPr lang="es-ES" smtClean="0"/>
+              <a:pPr/>
+              <a:t>24</a:t>
+            </a:fld>
+            <a:endParaRPr lang="es-ES"/>
+          </a:p>
+        </p:txBody>
+      </p:sp>
     </p:spTree>
   </p:cSld>
   <p:clrMapOvr>
@@ -10264,13 +10858,12 @@
           <a:p>
             <a:r>
               <a:rPr lang="es-UY" sz="2200" dirty="0" smtClean="0"/>
-              <a:t>Escenario 2: Público especializado consultando información</a:t>
-            </a:r>
-          </a:p>
-          <a:p>
-            <a:endParaRPr lang="es-UY" sz="2200" dirty="0" smtClean="0"/>
-          </a:p>
-          <a:p>
+              <a:t>Escenario 1: </a:t>
+            </a:r>
+            <a:r>
+              <a:rPr lang="es-ES" sz="2200" dirty="0" smtClean="0"/>
+              <a:t>Público general accediendo a información geográfica</a:t>
+            </a:r>
             <a:endParaRPr lang="es-UY" sz="2200" dirty="0" smtClean="0"/>
           </a:p>
           <a:p>
@@ -10283,7 +10876,7 @@
       </p:sp>
       <p:pic>
         <p:nvPicPr>
-          <p:cNvPr id="7" name="Picture 26" descr="CE-Escenario 2.png"/>
+          <p:cNvPr id="6" name="Picture 28" descr="CE-Escenario 1.png"/>
           <p:cNvPicPr/>
           <p:nvPr/>
         </p:nvPicPr>
@@ -10295,14 +10888,38 @@
         </p:blipFill>
         <p:spPr>
           <a:xfrm>
-            <a:off x="642910" y="2571744"/>
-            <a:ext cx="7500990" cy="3286148"/>
+            <a:off x="726220" y="2469974"/>
+            <a:ext cx="7215238" cy="3500462"/>
           </a:xfrm>
           <a:prstGeom prst="rect">
             <a:avLst/>
           </a:prstGeom>
         </p:spPr>
       </p:pic>
+      <p:sp>
+        <p:nvSpPr>
+          <p:cNvPr id="7" name="6 Marcador de número de diapositiva"/>
+          <p:cNvSpPr>
+            <a:spLocks noGrp="1"/>
+          </p:cNvSpPr>
+          <p:nvPr>
+            <p:ph type="sldNum" sz="quarter" idx="15"/>
+          </p:nvPr>
+        </p:nvSpPr>
+        <p:spPr/>
+        <p:txBody>
+          <a:bodyPr/>
+          <a:lstStyle/>
+          <a:p>
+            <a:fld id="{132FADFE-3B8F-471C-ABF0-DBC7717ECBBC}" type="slidenum">
+              <a:rPr lang="es-ES" smtClean="0"/>
+              <a:pPr/>
+              <a:t>25</a:t>
+            </a:fld>
+            <a:endParaRPr lang="es-ES"/>
+          </a:p>
+        </p:txBody>
+      </p:sp>
     </p:spTree>
   </p:cSld>
   <p:clrMapOvr>
@@ -10385,14 +11002,8 @@
           <a:p>
             <a:r>
               <a:rPr lang="es-UY" sz="2200" dirty="0" smtClean="0"/>
-              <a:t>Escenario 4: Instituciones colaborando en trámites</a:t>
-            </a:r>
-          </a:p>
-          <a:p>
-            <a:endParaRPr lang="es-UY" sz="2200" dirty="0" smtClean="0"/>
-          </a:p>
-          <a:p>
-            <a:endParaRPr lang="es-UY" sz="2200" dirty="0" smtClean="0"/>
+              <a:t>Escenario 2: Público especializado consultando información</a:t>
+            </a:r>
           </a:p>
           <a:p>
             <a:endParaRPr lang="es-UY" sz="2200" dirty="0" smtClean="0"/>
@@ -10410,34 +11021,50 @@
       </p:sp>
       <p:pic>
         <p:nvPicPr>
-          <p:cNvPr id="6" name="Picture 1"/>
+          <p:cNvPr id="7" name="Picture 26" descr="CE-Escenario 2.png"/>
           <p:cNvPicPr/>
           <p:nvPr/>
         </p:nvPicPr>
         <p:blipFill>
           <a:blip r:embed="rId3" cstate="print"/>
-          <a:srcRect/>
           <a:stretch>
             <a:fillRect/>
           </a:stretch>
         </p:blipFill>
-        <p:spPr bwMode="auto">
+        <p:spPr>
           <a:xfrm>
-            <a:off x="642910" y="2214554"/>
-            <a:ext cx="7643866" cy="3500462"/>
+            <a:off x="642910" y="2571744"/>
+            <a:ext cx="7500990" cy="3286148"/>
           </a:xfrm>
           <a:prstGeom prst="rect">
             <a:avLst/>
           </a:prstGeom>
-          <a:noFill/>
-          <a:ln w="9525">
-            <a:noFill/>
-            <a:miter lim="800000"/>
-            <a:headEnd/>
-            <a:tailEnd/>
-          </a:ln>
         </p:spPr>
       </p:pic>
+      <p:sp>
+        <p:nvSpPr>
+          <p:cNvPr id="6" name="5 Marcador de número de diapositiva"/>
+          <p:cNvSpPr>
+            <a:spLocks noGrp="1"/>
+          </p:cNvSpPr>
+          <p:nvPr>
+            <p:ph type="sldNum" sz="quarter" idx="15"/>
+          </p:nvPr>
+        </p:nvSpPr>
+        <p:spPr/>
+        <p:txBody>
+          <a:bodyPr/>
+          <a:lstStyle/>
+          <a:p>
+            <a:fld id="{132FADFE-3B8F-471C-ABF0-DBC7717ECBBC}" type="slidenum">
+              <a:rPr lang="es-ES" smtClean="0"/>
+              <a:pPr/>
+              <a:t>26</a:t>
+            </a:fld>
+            <a:endParaRPr lang="es-ES"/>
+          </a:p>
+        </p:txBody>
+      </p:sp>
     </p:spTree>
   </p:cSld>
   <p:clrMapOvr>
@@ -10489,7 +11116,7 @@
           <a:p>
             <a:r>
               <a:rPr lang="es-UY" dirty="0" smtClean="0"/>
-              <a:t>Conclusión</a:t>
+              <a:t>Caso de estudio</a:t>
             </a:r>
             <a:br>
               <a:rPr lang="es-UY" dirty="0" smtClean="0"/>
@@ -10500,7 +11127,7 @@
       </p:sp>
       <p:sp>
         <p:nvSpPr>
-          <p:cNvPr id="3" name="2 Marcador de contenido"/>
+          <p:cNvPr id="5" name="4 Marcador de contenido"/>
           <p:cNvSpPr>
             <a:spLocks noGrp="1"/>
           </p:cNvSpPr>
@@ -10508,96 +11135,92 @@
             <p:ph sz="quarter" idx="1"/>
           </p:nvPr>
         </p:nvSpPr>
-        <p:spPr/>
-        <p:txBody>
-          <a:bodyPr>
-            <a:normAutofit lnSpcReduction="10000"/>
-          </a:bodyPr>
+        <p:spPr>
+          <a:xfrm>
+            <a:off x="457200" y="1357298"/>
+            <a:ext cx="7467600" cy="5116654"/>
+          </a:xfrm>
+        </p:spPr>
+        <p:txBody>
+          <a:bodyPr/>
           <a:lstStyle/>
           <a:p>
             <a:r>
               <a:rPr lang="es-UY" sz="2200" dirty="0" smtClean="0"/>
-              <a:t>Implementación funcional de la propuesta teórica</a:t>
-            </a:r>
-          </a:p>
-          <a:p>
-            <a:pPr lvl="1"/>
-            <a:r>
-              <a:rPr lang="es-UY" sz="2000" dirty="0" smtClean="0"/>
-              <a:t>Interacción entre los diferentes sistemas</a:t>
-            </a:r>
-          </a:p>
-          <a:p>
-            <a:pPr lvl="1"/>
-            <a:r>
-              <a:rPr lang="es-UY" sz="2000" dirty="0" smtClean="0"/>
-              <a:t>Arquitectura interesante</a:t>
-            </a:r>
-          </a:p>
-          <a:p>
-            <a:pPr lvl="1"/>
-            <a:r>
-              <a:rPr lang="es-UY" sz="2000" dirty="0" smtClean="0"/>
-              <a:t>Escalabilidad</a:t>
-            </a:r>
-          </a:p>
-          <a:p>
-            <a:r>
-              <a:rPr lang="es-UY" sz="2200" dirty="0" smtClean="0"/>
-              <a:t>Utilización de tecnologías estándares</a:t>
-            </a:r>
-          </a:p>
-          <a:p>
-            <a:r>
-              <a:rPr lang="es-UY" sz="2200" dirty="0" smtClean="0"/>
-              <a:t>No se imponen restricciones sobre la PGE - Compatible con la arquitectura existente</a:t>
-            </a:r>
-          </a:p>
-          <a:p>
-            <a:r>
-              <a:rPr lang="es-UY" sz="2200" dirty="0" smtClean="0"/>
-              <a:t>Dificultades</a:t>
-            </a:r>
-          </a:p>
-          <a:p>
-            <a:pPr lvl="1"/>
-            <a:r>
-              <a:rPr lang="es-UY" sz="2000" dirty="0" smtClean="0"/>
-              <a:t>Tecnológicas: Estado del arte </a:t>
-            </a:r>
-          </a:p>
-          <a:p>
-            <a:pPr lvl="1"/>
-            <a:r>
-              <a:rPr lang="es-UY" sz="2000" dirty="0" smtClean="0"/>
-              <a:t>De diseño: Resolución del mapeo de direcciones para acceder a la PGE</a:t>
-            </a:r>
-          </a:p>
-          <a:p>
-            <a:r>
-              <a:rPr lang="es-UY" sz="2200" dirty="0" smtClean="0"/>
-              <a:t>Muy buena calidad en la solución obtenida</a:t>
-            </a:r>
-          </a:p>
-          <a:p>
-            <a:r>
-              <a:rPr lang="es-UY" sz="2200" dirty="0" smtClean="0"/>
-              <a:t>Experiencia enriquecedora en tecnologías GIS</a:t>
-            </a:r>
-          </a:p>
-          <a:p>
-            <a:pPr lvl="1">
-              <a:buNone/>
-            </a:pPr>
-            <a:endParaRPr lang="es-UY" sz="2000" dirty="0" smtClean="0">
-              <a:solidFill>
-                <a:srgbClr val="FF0000"/>
-              </a:solidFill>
-            </a:endParaRPr>
-          </a:p>
-          <a:p>
-            <a:pPr lvl="1"/>
+              <a:t>Escenario 4: Instituciones colaborando en trámites</a:t>
+            </a:r>
+          </a:p>
+          <a:p>
+            <a:endParaRPr lang="es-UY" sz="2200" dirty="0" smtClean="0"/>
+          </a:p>
+          <a:p>
+            <a:endParaRPr lang="es-UY" sz="2200" dirty="0" smtClean="0"/>
+          </a:p>
+          <a:p>
+            <a:endParaRPr lang="es-UY" sz="2200" dirty="0" smtClean="0"/>
+          </a:p>
+          <a:p>
+            <a:endParaRPr lang="es-UY" sz="2200" dirty="0" smtClean="0"/>
+          </a:p>
+          <a:p>
+            <a:endParaRPr lang="es-UY" sz="2200" dirty="0" smtClean="0"/>
+          </a:p>
+          <a:p>
             <a:endParaRPr lang="es-UY" sz="2200" dirty="0"/>
+          </a:p>
+        </p:txBody>
+      </p:sp>
+      <p:pic>
+        <p:nvPicPr>
+          <p:cNvPr id="6" name="Picture 1"/>
+          <p:cNvPicPr/>
+          <p:nvPr/>
+        </p:nvPicPr>
+        <p:blipFill>
+          <a:blip r:embed="rId3" cstate="print"/>
+          <a:srcRect/>
+          <a:stretch>
+            <a:fillRect/>
+          </a:stretch>
+        </p:blipFill>
+        <p:spPr bwMode="auto">
+          <a:xfrm>
+            <a:off x="642910" y="2214554"/>
+            <a:ext cx="7643866" cy="3500462"/>
+          </a:xfrm>
+          <a:prstGeom prst="rect">
+            <a:avLst/>
+          </a:prstGeom>
+          <a:noFill/>
+          <a:ln w="9525">
+            <a:noFill/>
+            <a:miter lim="800000"/>
+            <a:headEnd/>
+            <a:tailEnd/>
+          </a:ln>
+        </p:spPr>
+      </p:pic>
+      <p:sp>
+        <p:nvSpPr>
+          <p:cNvPr id="7" name="6 Marcador de número de diapositiva"/>
+          <p:cNvSpPr>
+            <a:spLocks noGrp="1"/>
+          </p:cNvSpPr>
+          <p:nvPr>
+            <p:ph type="sldNum" sz="quarter" idx="15"/>
+          </p:nvPr>
+        </p:nvSpPr>
+        <p:spPr/>
+        <p:txBody>
+          <a:bodyPr/>
+          <a:lstStyle/>
+          <a:p>
+            <a:fld id="{132FADFE-3B8F-471C-ABF0-DBC7717ECBBC}" type="slidenum">
+              <a:rPr lang="es-ES" smtClean="0"/>
+              <a:pPr/>
+              <a:t>27</a:t>
+            </a:fld>
+            <a:endParaRPr lang="es-ES"/>
           </a:p>
         </p:txBody>
       </p:sp>
@@ -10652,7 +11275,7 @@
           <a:p>
             <a:r>
               <a:rPr lang="es-UY" dirty="0" smtClean="0"/>
-              <a:t>Trabajos a futuro</a:t>
+              <a:t>Conclusión</a:t>
             </a:r>
             <a:br>
               <a:rPr lang="es-UY" dirty="0" smtClean="0"/>
@@ -10674,50 +11297,117 @@
         <p:spPr/>
         <p:txBody>
           <a:bodyPr>
-            <a:normAutofit/>
+            <a:normAutofit lnSpcReduction="10000"/>
           </a:bodyPr>
           <a:lstStyle/>
           <a:p>
             <a:r>
               <a:rPr lang="es-UY" sz="2200" dirty="0" smtClean="0"/>
-              <a:t>Asincronismo entre el CTP y la PGE</a:t>
-            </a:r>
-          </a:p>
-          <a:p>
-            <a:pPr>
+              <a:t>Implementación funcional de la propuesta teórica</a:t>
+            </a:r>
+          </a:p>
+          <a:p>
+            <a:pPr lvl="1"/>
+            <a:r>
+              <a:rPr lang="es-UY" sz="2000" dirty="0" smtClean="0"/>
+              <a:t>Interacción entre los diferentes sistemas</a:t>
+            </a:r>
+          </a:p>
+          <a:p>
+            <a:pPr lvl="1"/>
+            <a:r>
+              <a:rPr lang="es-UY" sz="2000" dirty="0" smtClean="0"/>
+              <a:t>Arquitectura interesante</a:t>
+            </a:r>
+          </a:p>
+          <a:p>
+            <a:pPr lvl="1"/>
+            <a:r>
+              <a:rPr lang="es-UY" sz="2000" dirty="0" smtClean="0"/>
+              <a:t>Escalabilidad</a:t>
+            </a:r>
+          </a:p>
+          <a:p>
+            <a:r>
+              <a:rPr lang="es-UY" sz="2200" dirty="0" smtClean="0"/>
+              <a:t>Utilización de tecnologías estándares</a:t>
+            </a:r>
+          </a:p>
+          <a:p>
+            <a:r>
+              <a:rPr lang="es-UY" sz="2200" dirty="0" smtClean="0"/>
+              <a:t>No se imponen restricciones sobre la PGE - Compatible con la arquitectura existente</a:t>
+            </a:r>
+          </a:p>
+          <a:p>
+            <a:r>
+              <a:rPr lang="es-UY" sz="2200" dirty="0" smtClean="0"/>
+              <a:t>Dificultades</a:t>
+            </a:r>
+          </a:p>
+          <a:p>
+            <a:pPr lvl="1"/>
+            <a:r>
+              <a:rPr lang="es-UY" sz="2000" dirty="0" smtClean="0"/>
+              <a:t>Tecnológicas: Estado del arte </a:t>
+            </a:r>
+          </a:p>
+          <a:p>
+            <a:pPr lvl="1"/>
+            <a:r>
+              <a:rPr lang="es-UY" sz="2000" dirty="0" smtClean="0"/>
+              <a:t>De diseño: Resolución del mapeo de direcciones para acceder a la PGE</a:t>
+            </a:r>
+          </a:p>
+          <a:p>
+            <a:r>
+              <a:rPr lang="es-UY" sz="2200" dirty="0" smtClean="0"/>
+              <a:t>Muy buena calidad en la solución obtenida</a:t>
+            </a:r>
+          </a:p>
+          <a:p>
+            <a:r>
+              <a:rPr lang="es-UY" sz="2200" dirty="0" smtClean="0"/>
+              <a:t>Experiencia enriquecedora en tecnologías GIS</a:t>
+            </a:r>
+          </a:p>
+          <a:p>
+            <a:pPr lvl="1">
               <a:buNone/>
             </a:pPr>
-            <a:endParaRPr lang="es-UY" sz="2200" dirty="0" smtClean="0"/>
-          </a:p>
-          <a:p>
-            <a:r>
-              <a:rPr lang="es-UY" sz="2200" dirty="0" smtClean="0"/>
-              <a:t>Estándares WMS y WFS versión 2.0</a:t>
-            </a:r>
-          </a:p>
-          <a:p>
-            <a:pPr>
-              <a:buNone/>
-            </a:pPr>
-            <a:r>
-              <a:rPr lang="es-UY" sz="2200" dirty="0" smtClean="0"/>
-              <a:t> </a:t>
-            </a:r>
-          </a:p>
-          <a:p>
-            <a:r>
-              <a:rPr lang="es-UY" sz="2200" dirty="0" smtClean="0"/>
-              <a:t>Soporte completo para </a:t>
-            </a:r>
-            <a:r>
-              <a:rPr lang="es-UY" sz="2200" dirty="0" err="1" smtClean="0"/>
-              <a:t>MapServer</a:t>
-            </a:r>
-            <a:r>
-              <a:rPr lang="es-UY" sz="2200" dirty="0" smtClean="0"/>
-              <a:t> </a:t>
-            </a:r>
+            <a:endParaRPr lang="es-UY" sz="2000" dirty="0" smtClean="0">
+              <a:solidFill>
+                <a:srgbClr val="FF0000"/>
+              </a:solidFill>
+            </a:endParaRPr>
+          </a:p>
+          <a:p>
+            <a:pPr lvl="1"/>
             <a:endParaRPr lang="es-UY" sz="2200" dirty="0"/>
+          </a:p>
+        </p:txBody>
+      </p:sp>
+      <p:sp>
+        <p:nvSpPr>
+          <p:cNvPr id="4" name="3 Marcador de número de diapositiva"/>
+          <p:cNvSpPr>
+            <a:spLocks noGrp="1"/>
+          </p:cNvSpPr>
+          <p:nvPr>
+            <p:ph type="sldNum" sz="quarter" idx="15"/>
+          </p:nvPr>
+        </p:nvSpPr>
+        <p:spPr/>
+        <p:txBody>
+          <a:bodyPr/>
+          <a:lstStyle/>
+          <a:p>
+            <a:fld id="{132FADFE-3B8F-471C-ABF0-DBC7717ECBBC}" type="slidenum">
+              <a:rPr lang="es-ES" smtClean="0"/>
+              <a:pPr/>
+              <a:t>28</a:t>
+            </a:fld>
+            <a:endParaRPr lang="es-ES"/>
           </a:p>
         </p:txBody>
       </p:sp>
@@ -10753,29 +11443,119 @@
           <a:chExt cx="0" cy="0"/>
         </a:xfrm>
       </p:grpSpPr>
-      <p:pic>
-        <p:nvPicPr>
-          <p:cNvPr id="4" name="3 Marcador de contenido" descr="Preguntas.jpg"/>
-          <p:cNvPicPr>
-            <a:picLocks noGrp="1" noChangeAspect="1"/>
-          </p:cNvPicPr>
+      <p:sp>
+        <p:nvSpPr>
+          <p:cNvPr id="2" name="1 Título"/>
+          <p:cNvSpPr>
+            <a:spLocks noGrp="1"/>
+          </p:cNvSpPr>
+          <p:nvPr>
+            <p:ph type="title"/>
+          </p:nvPr>
+        </p:nvSpPr>
+        <p:spPr/>
+        <p:txBody>
+          <a:bodyPr>
+            <a:normAutofit/>
+          </a:bodyPr>
+          <a:lstStyle/>
+          <a:p>
+            <a:r>
+              <a:rPr lang="es-UY" dirty="0" smtClean="0"/>
+              <a:t>Trabajos a futuro</a:t>
+            </a:r>
+            <a:br>
+              <a:rPr lang="es-UY" dirty="0" smtClean="0"/>
+            </a:br>
+            <a:endParaRPr lang="es-UY" b="1" dirty="0"/>
+          </a:p>
+        </p:txBody>
+      </p:sp>
+      <p:sp>
+        <p:nvSpPr>
+          <p:cNvPr id="3" name="2 Marcador de contenido"/>
+          <p:cNvSpPr>
+            <a:spLocks noGrp="1"/>
+          </p:cNvSpPr>
           <p:nvPr>
             <p:ph sz="quarter" idx="1"/>
           </p:nvPr>
-        </p:nvPicPr>
-        <p:blipFill>
-          <a:blip r:embed="rId3" cstate="print"/>
-          <a:stretch>
-            <a:fillRect/>
-          </a:stretch>
-        </p:blipFill>
-        <p:spPr>
-          <a:xfrm>
-            <a:off x="2214546" y="857232"/>
-            <a:ext cx="4454493" cy="4873625"/>
-          </a:xfrm>
-        </p:spPr>
-      </p:pic>
+        </p:nvSpPr>
+        <p:spPr/>
+        <p:txBody>
+          <a:bodyPr>
+            <a:normAutofit/>
+          </a:bodyPr>
+          <a:lstStyle/>
+          <a:p>
+            <a:r>
+              <a:rPr lang="es-UY" sz="2200" dirty="0" smtClean="0"/>
+              <a:t>Asincronismo entre el CTP y la PGE</a:t>
+            </a:r>
+          </a:p>
+          <a:p>
+            <a:pPr>
+              <a:buNone/>
+            </a:pPr>
+            <a:endParaRPr lang="es-UY" sz="2200" dirty="0" smtClean="0"/>
+          </a:p>
+          <a:p>
+            <a:r>
+              <a:rPr lang="es-UY" sz="2200" dirty="0" smtClean="0"/>
+              <a:t>Estándares WMS y WFS versión 2.0</a:t>
+            </a:r>
+          </a:p>
+          <a:p>
+            <a:pPr>
+              <a:buNone/>
+            </a:pPr>
+            <a:r>
+              <a:rPr lang="es-UY" sz="2200" dirty="0" smtClean="0"/>
+              <a:t> </a:t>
+            </a:r>
+          </a:p>
+          <a:p>
+            <a:r>
+              <a:rPr lang="es-UY" sz="2200" dirty="0" smtClean="0"/>
+              <a:t>Soporte completo para WFS</a:t>
+            </a:r>
+          </a:p>
+          <a:p>
+            <a:pPr>
+              <a:buNone/>
+            </a:pPr>
+            <a:r>
+              <a:rPr lang="es-UY" sz="2200" dirty="0" smtClean="0"/>
+              <a:t> </a:t>
+            </a:r>
+            <a:endParaRPr lang="es-UY" sz="2200" dirty="0"/>
+          </a:p>
+        </p:txBody>
+      </p:sp>
+      <p:sp>
+        <p:nvSpPr>
+          <p:cNvPr id="4" name="3 Marcador de número de diapositiva"/>
+          <p:cNvSpPr>
+            <a:spLocks noGrp="1"/>
+          </p:cNvSpPr>
+          <p:nvPr>
+            <p:ph type="sldNum" sz="quarter" idx="15"/>
+          </p:nvPr>
+        </p:nvSpPr>
+        <p:spPr/>
+        <p:txBody>
+          <a:bodyPr/>
+          <a:lstStyle/>
+          <a:p>
+            <a:fld id="{132FADFE-3B8F-471C-ABF0-DBC7717ECBBC}" type="slidenum">
+              <a:rPr lang="es-ES" smtClean="0"/>
+              <a:pPr/>
+              <a:t>29</a:t>
+            </a:fld>
+            <a:endParaRPr lang="es-ES"/>
+          </a:p>
+        </p:txBody>
+      </p:sp>
     </p:spTree>
   </p:cSld>
   <p:clrMapOvr>
@@ -10853,18 +11633,9 @@
               <a:rPr lang="es-UY" sz="2200" dirty="0" smtClean="0"/>
               <a:t>Componentes</a:t>
             </a:r>
-          </a:p>
-          <a:p>
-            <a:pPr>
-              <a:buNone/>
-            </a:pPr>
-            <a:endParaRPr lang="es-UY" sz="2200" dirty="0" smtClean="0"/>
-          </a:p>
-          <a:p>
-            <a:pPr lvl="1"/>
             <a:r>
               <a:rPr lang="es-UY" sz="2000" dirty="0" smtClean="0"/>
-              <a:t>Tesis de maestría de Raquel Sosa </a:t>
+              <a:t> </a:t>
             </a:r>
           </a:p>
           <a:p>
@@ -10903,14 +11674,163 @@
             <a:pPr lvl="1"/>
             <a:r>
               <a:rPr lang="es-UY" sz="2000" dirty="0" smtClean="0"/>
-              <a:t>Servicios de información geográfica</a:t>
-            </a:r>
-          </a:p>
-          <a:p>
+              <a:t>Uso de información geográfica en </a:t>
+            </a:r>
+            <a:r>
+              <a:rPr lang="es-UY" sz="2000" dirty="0" err="1" smtClean="0"/>
+              <a:t>eGOV</a:t>
+            </a:r>
+            <a:r>
+              <a:rPr lang="es-UY" sz="2000" dirty="0" smtClean="0"/>
+              <a:t>: Servicios GIS</a:t>
+            </a:r>
+          </a:p>
+          <a:p>
+            <a:pPr lvl="1">
+              <a:buNone/>
+            </a:pPr>
             <a:endParaRPr lang="es-UY" sz="2000" dirty="0" smtClean="0"/>
           </a:p>
           <a:p>
+            <a:pPr lvl="1"/>
+            <a:r>
+              <a:rPr lang="es-UY" sz="2000" dirty="0" smtClean="0"/>
+              <a:t>Tesis de maestría de Raquel Sosa</a:t>
+            </a:r>
+          </a:p>
+          <a:p>
             <a:endParaRPr lang="es-UY" sz="2000" dirty="0" smtClean="0"/>
+          </a:p>
+          <a:p>
+            <a:endParaRPr lang="es-UY" sz="2000" dirty="0" smtClean="0"/>
+          </a:p>
+        </p:txBody>
+      </p:sp>
+      <p:sp>
+        <p:nvSpPr>
+          <p:cNvPr id="4" name="3 Marcador de número de diapositiva"/>
+          <p:cNvSpPr>
+            <a:spLocks noGrp="1"/>
+          </p:cNvSpPr>
+          <p:nvPr>
+            <p:ph type="sldNum" sz="quarter" idx="15"/>
+          </p:nvPr>
+        </p:nvSpPr>
+        <p:spPr/>
+        <p:txBody>
+          <a:bodyPr/>
+          <a:lstStyle/>
+          <a:p>
+            <a:fld id="{132FADFE-3B8F-471C-ABF0-DBC7717ECBBC}" type="slidenum">
+              <a:rPr lang="es-ES" smtClean="0"/>
+              <a:pPr/>
+              <a:t>3</a:t>
+            </a:fld>
+            <a:endParaRPr lang="es-ES"/>
+          </a:p>
+        </p:txBody>
+      </p:sp>
+    </p:spTree>
+  </p:cSld>
+  <p:clrMapOvr>
+    <a:masterClrMapping/>
+  </p:clrMapOvr>
+  <p:timing>
+    <p:tnLst>
+      <p:par>
+        <p:cTn id="1" dur="indefinite" restart="never" nodeType="tmRoot"/>
+      </p:par>
+    </p:tnLst>
+  </p:timing>
+</p:sld>
+</file>
+
+<file path=ppt/slides/slide30.xml><?xml version="1.0" encoding="utf-8"?>
+<p:sld xmlns:a="http://schemas.openxmlformats.org/drawingml/2006/main" xmlns:r="http://schemas.openxmlformats.org/officeDocument/2006/relationships" xmlns:p="http://schemas.openxmlformats.org/presentationml/2006/main">
+  <p:cSld>
+    <p:spTree>
+      <p:nvGrpSpPr>
+        <p:cNvPr id="1" name=""/>
+        <p:cNvGrpSpPr/>
+        <p:nvPr/>
+      </p:nvGrpSpPr>
+      <p:grpSpPr>
+        <a:xfrm>
+          <a:off x="0" y="0"/>
+          <a:ext cx="0" cy="0"/>
+          <a:chOff x="0" y="0"/>
+          <a:chExt cx="0" cy="0"/>
+        </a:xfrm>
+      </p:grpSpPr>
+      <p:sp>
+        <p:nvSpPr>
+          <p:cNvPr id="3" name="2 Marcador de contenido"/>
+          <p:cNvSpPr>
+            <a:spLocks noGrp="1"/>
+          </p:cNvSpPr>
+          <p:nvPr>
+            <p:ph sz="quarter" idx="1"/>
+          </p:nvPr>
+        </p:nvSpPr>
+        <p:spPr/>
+        <p:txBody>
+          <a:bodyPr/>
+          <a:lstStyle/>
+          <a:p>
+            <a:pPr>
+              <a:buNone/>
+            </a:pPr>
+            <a:endParaRPr lang="es-UY" dirty="0" smtClean="0"/>
+          </a:p>
+          <a:p>
+            <a:pPr>
+              <a:buNone/>
+            </a:pPr>
+            <a:endParaRPr lang="es-UY" dirty="0" smtClean="0"/>
+          </a:p>
+          <a:p>
+            <a:pPr>
+              <a:buNone/>
+            </a:pPr>
+            <a:endParaRPr lang="es-UY" dirty="0" smtClean="0"/>
+          </a:p>
+          <a:p>
+            <a:pPr algn="ctr">
+              <a:buNone/>
+            </a:pPr>
+            <a:r>
+              <a:rPr lang="es-UY" dirty="0" smtClean="0"/>
+              <a:t>Gracias </a:t>
+            </a:r>
+            <a:r>
+              <a:rPr lang="es-UY" dirty="0" smtClean="0"/>
+              <a:t>por su atención.</a:t>
+            </a:r>
+            <a:endParaRPr lang="es-UY" dirty="0"/>
+          </a:p>
+        </p:txBody>
+      </p:sp>
+      <p:sp>
+        <p:nvSpPr>
+          <p:cNvPr id="4" name="3 Marcador de número de diapositiva"/>
+          <p:cNvSpPr>
+            <a:spLocks noGrp="1"/>
+          </p:cNvSpPr>
+          <p:nvPr>
+            <p:ph type="sldNum" sz="quarter" idx="15"/>
+          </p:nvPr>
+        </p:nvSpPr>
+        <p:spPr/>
+        <p:txBody>
+          <a:bodyPr/>
+          <a:lstStyle/>
+          <a:p>
+            <a:fld id="{132FADFE-3B8F-471C-ABF0-DBC7717ECBBC}" type="slidenum">
+              <a:rPr lang="es-ES" smtClean="0"/>
+              <a:pPr/>
+              <a:t>30</a:t>
+            </a:fld>
+            <a:endParaRPr lang="es-ES"/>
           </a:p>
         </p:txBody>
       </p:sp>
@@ -10987,12 +11907,13 @@
           <a:bodyPr/>
           <a:lstStyle/>
           <a:p>
-            <a:endParaRPr lang="es-UY" sz="2200" dirty="0" smtClean="0"/>
-          </a:p>
-          <a:p>
             <a:r>
               <a:rPr lang="es-UY" sz="2200" dirty="0" smtClean="0"/>
-              <a:t>Gobierno electrónico</a:t>
+              <a:t>Gobierno </a:t>
+            </a:r>
+            <a:r>
+              <a:rPr lang="es-UY" sz="2200" dirty="0" smtClean="0"/>
+              <a:t>electrónico</a:t>
             </a:r>
           </a:p>
           <a:p>
@@ -11032,6 +11953,30 @@
               <a:rPr lang="es-UY" sz="1400" dirty="0" smtClean="0"/>
               <a:t>OCDE, Organización para la Cooperación y el Desarrollo Económico</a:t>
             </a:r>
+          </a:p>
+        </p:txBody>
+      </p:sp>
+      <p:sp>
+        <p:nvSpPr>
+          <p:cNvPr id="4" name="3 Marcador de número de diapositiva"/>
+          <p:cNvSpPr>
+            <a:spLocks noGrp="1"/>
+          </p:cNvSpPr>
+          <p:nvPr>
+            <p:ph type="sldNum" sz="quarter" idx="15"/>
+          </p:nvPr>
+        </p:nvSpPr>
+        <p:spPr/>
+        <p:txBody>
+          <a:bodyPr/>
+          <a:lstStyle/>
+          <a:p>
+            <a:fld id="{132FADFE-3B8F-471C-ABF0-DBC7717ECBBC}" type="slidenum">
+              <a:rPr lang="es-ES" smtClean="0"/>
+              <a:pPr/>
+              <a:t>4</a:t>
+            </a:fld>
+            <a:endParaRPr lang="es-ES"/>
           </a:p>
         </p:txBody>
       </p:sp>
@@ -11108,15 +12053,13 @@
           <a:bodyPr/>
           <a:lstStyle/>
           <a:p>
-            <a:pPr>
-              <a:buNone/>
-            </a:pPr>
-            <a:endParaRPr lang="es-UY" sz="2200" dirty="0" smtClean="0"/>
-          </a:p>
-          <a:p>
             <a:r>
               <a:rPr lang="es-UY" sz="2200" dirty="0" smtClean="0"/>
-              <a:t>Plataforma de Gobierno Electrónico Uruguayo (PGE)</a:t>
+              <a:t>Plataforma </a:t>
+            </a:r>
+            <a:r>
+              <a:rPr lang="es-UY" sz="2200" dirty="0" smtClean="0"/>
+              <a:t>de Gobierno Electrónico Uruguayo (PGE)</a:t>
             </a:r>
           </a:p>
           <a:p>
@@ -11197,6 +12140,30 @@
           </a:prstGeom>
         </p:spPr>
       </p:pic>
+      <p:sp>
+        <p:nvSpPr>
+          <p:cNvPr id="5" name="4 Marcador de número de diapositiva"/>
+          <p:cNvSpPr>
+            <a:spLocks noGrp="1"/>
+          </p:cNvSpPr>
+          <p:nvPr>
+            <p:ph type="sldNum" sz="quarter" idx="15"/>
+          </p:nvPr>
+        </p:nvSpPr>
+        <p:spPr/>
+        <p:txBody>
+          <a:bodyPr/>
+          <a:lstStyle/>
+          <a:p>
+            <a:fld id="{132FADFE-3B8F-471C-ABF0-DBC7717ECBBC}" type="slidenum">
+              <a:rPr lang="es-ES" smtClean="0"/>
+              <a:pPr/>
+              <a:t>5</a:t>
+            </a:fld>
+            <a:endParaRPr lang="es-ES"/>
+          </a:p>
+        </p:txBody>
+      </p:sp>
     </p:spTree>
   </p:cSld>
   <p:clrMapOvr>
@@ -11277,12 +12244,6 @@
           </a:bodyPr>
           <a:lstStyle/>
           <a:p>
-            <a:pPr>
-              <a:buNone/>
-            </a:pPr>
-            <a:endParaRPr lang="es-UY" sz="2200" dirty="0" smtClean="0"/>
-          </a:p>
-          <a:p>
             <a:r>
               <a:rPr lang="es-UY" sz="2200" dirty="0" smtClean="0"/>
               <a:t>El</a:t>
@@ -11342,11 +12303,7 @@
             </a:r>
             <a:r>
               <a:rPr lang="es-UY" sz="2000" dirty="0" smtClean="0"/>
-              <a:t> (WMS</a:t>
-            </a:r>
-            <a:r>
-              <a:rPr lang="es-UY" sz="2000" dirty="0" smtClean="0"/>
-              <a:t>)</a:t>
+              <a:t> (WMS)</a:t>
             </a:r>
             <a:endParaRPr lang="es-UY" sz="2000" dirty="0" smtClean="0">
               <a:solidFill>
@@ -11452,6 +12409,30 @@
           <a:p>
             <a:pPr lvl="1"/>
             <a:endParaRPr lang="es-UY" sz="1900" dirty="0" smtClean="0"/>
+          </a:p>
+        </p:txBody>
+      </p:sp>
+      <p:sp>
+        <p:nvSpPr>
+          <p:cNvPr id="4" name="3 Marcador de número de diapositiva"/>
+          <p:cNvSpPr>
+            <a:spLocks noGrp="1"/>
+          </p:cNvSpPr>
+          <p:nvPr>
+            <p:ph type="sldNum" sz="quarter" idx="15"/>
+          </p:nvPr>
+        </p:nvSpPr>
+        <p:spPr/>
+        <p:txBody>
+          <a:bodyPr/>
+          <a:lstStyle/>
+          <a:p>
+            <a:fld id="{132FADFE-3B8F-471C-ABF0-DBC7717ECBBC}" type="slidenum">
+              <a:rPr lang="es-ES" smtClean="0"/>
+              <a:pPr/>
+              <a:t>6</a:t>
+            </a:fld>
+            <a:endParaRPr lang="es-ES"/>
           </a:p>
         </p:txBody>
       </p:sp>
@@ -11547,10 +12528,9 @@
           <a:p>
             <a:pPr lvl="2"/>
             <a:r>
-              <a:rPr lang="es-UY" smtClean="0"/>
+              <a:rPr lang="es-UY" dirty="0" smtClean="0"/>
               <a:t>Problemática</a:t>
             </a:r>
-            <a:endParaRPr lang="es-UY" dirty="0" smtClean="0"/>
           </a:p>
           <a:p>
             <a:pPr lvl="3"/>
@@ -11563,7 +12543,7 @@
             <a:pPr lvl="3"/>
             <a:r>
               <a:rPr lang="es-UY" sz="1600" dirty="0" smtClean="0"/>
-              <a:t>Estándares WMS y WFS definidos para REST</a:t>
+              <a:t>Estándares WMS y WFS de estilo REST</a:t>
             </a:r>
           </a:p>
           <a:p>
@@ -11574,11 +12554,7 @@
             <a:pPr lvl="2"/>
             <a:r>
               <a:rPr lang="es-UY" dirty="0" smtClean="0"/>
-              <a:t>Definición de escenarios de </a:t>
-            </a:r>
-            <a:r>
-              <a:rPr lang="es-UY" sz="1600" dirty="0" smtClean="0"/>
-              <a:t>integración</a:t>
+              <a:t>Análisis en base a escenarios de integración</a:t>
             </a:r>
           </a:p>
           <a:p>
@@ -11589,11 +12565,35 @@
             <a:pPr lvl="2"/>
             <a:r>
               <a:rPr lang="es-UY" dirty="0" smtClean="0"/>
-              <a:t>Solución propuesta: Componentes de Transformación de Protocolos (CTP)</a:t>
+              <a:t>Solución propuesta: Arquitectura teórica basada en Componentes de Transformación de Protocolos (CTP)</a:t>
             </a:r>
           </a:p>
           <a:p>
             <a:endParaRPr lang="es-UY" dirty="0"/>
+          </a:p>
+        </p:txBody>
+      </p:sp>
+      <p:sp>
+        <p:nvSpPr>
+          <p:cNvPr id="4" name="3 Marcador de número de diapositiva"/>
+          <p:cNvSpPr>
+            <a:spLocks noGrp="1"/>
+          </p:cNvSpPr>
+          <p:nvPr>
+            <p:ph type="sldNum" sz="quarter" idx="15"/>
+          </p:nvPr>
+        </p:nvSpPr>
+        <p:spPr/>
+        <p:txBody>
+          <a:bodyPr/>
+          <a:lstStyle/>
+          <a:p>
+            <a:fld id="{132FADFE-3B8F-471C-ABF0-DBC7717ECBBC}" type="slidenum">
+              <a:rPr lang="es-ES" smtClean="0"/>
+              <a:pPr/>
+              <a:t>7</a:t>
+            </a:fld>
+            <a:endParaRPr lang="es-ES"/>
           </a:p>
         </p:txBody>
       </p:sp>
@@ -11670,24 +12670,22 @@
           <a:bodyPr/>
           <a:lstStyle/>
           <a:p>
+            <a:r>
+              <a:rPr lang="es-UY" sz="2200" dirty="0" smtClean="0"/>
+              <a:t>Implementar </a:t>
+            </a:r>
+            <a:r>
+              <a:rPr lang="es-UY" sz="2200" dirty="0" smtClean="0"/>
+              <a:t>solución propuesta en la tesis de maestría de Raquel Sosa</a:t>
+            </a:r>
+          </a:p>
+          <a:p>
             <a:pPr>
               <a:buNone/>
             </a:pPr>
             <a:endParaRPr lang="es-UY" sz="2200" dirty="0" smtClean="0"/>
           </a:p>
           <a:p>
-            <a:r>
-              <a:rPr lang="es-UY" sz="2200" dirty="0" smtClean="0"/>
-              <a:t>Implementar solución propuesta en la tesis de maestría de Raquel Sosa</a:t>
-            </a:r>
-          </a:p>
-          <a:p>
-            <a:pPr>
-              <a:buNone/>
-            </a:pPr>
-            <a:endParaRPr lang="es-UY" sz="2200" dirty="0" smtClean="0"/>
-          </a:p>
-          <a:p>
             <a:pPr lvl="1"/>
             <a:r>
               <a:rPr lang="es-UY" sz="2000" dirty="0" smtClean="0"/>
@@ -11704,7 +12702,7 @@
             <a:pPr lvl="1"/>
             <a:r>
               <a:rPr lang="es-UY" sz="2000" dirty="0" smtClean="0"/>
-              <a:t>Diseño de arquitectura</a:t>
+              <a:t>Diseño e implementación de arquitectura</a:t>
             </a:r>
           </a:p>
           <a:p>
@@ -11723,6 +12721,30 @@
           <a:p>
             <a:pPr lvl="1"/>
             <a:endParaRPr lang="es-UY" dirty="0"/>
+          </a:p>
+        </p:txBody>
+      </p:sp>
+      <p:sp>
+        <p:nvSpPr>
+          <p:cNvPr id="4" name="3 Marcador de número de diapositiva"/>
+          <p:cNvSpPr>
+            <a:spLocks noGrp="1"/>
+          </p:cNvSpPr>
+          <p:nvPr>
+            <p:ph type="sldNum" sz="quarter" idx="15"/>
+          </p:nvPr>
+        </p:nvSpPr>
+        <p:spPr/>
+        <p:txBody>
+          <a:bodyPr/>
+          <a:lstStyle/>
+          <a:p>
+            <a:fld id="{132FADFE-3B8F-471C-ABF0-DBC7717ECBBC}" type="slidenum">
+              <a:rPr lang="es-ES" smtClean="0"/>
+              <a:pPr/>
+              <a:t>8</a:t>
+            </a:fld>
+            <a:endParaRPr lang="es-ES"/>
           </a:p>
         </p:txBody>
       </p:sp>
@@ -11827,17 +12849,32 @@
           <a:p>
             <a:r>
               <a:rPr lang="es-UY" sz="2200" dirty="0" smtClean="0"/>
-              <a:t>Estándares</a:t>
-            </a:r>
-          </a:p>
-          <a:p>
-            <a:endParaRPr lang="es-UY" sz="2200" dirty="0" smtClean="0"/>
-          </a:p>
-          <a:p>
-            <a:r>
-              <a:rPr lang="es-UY" sz="2200" dirty="0" smtClean="0"/>
-              <a:t>Tecnologías GIS</a:t>
-            </a:r>
+              <a:t>Estándares y tecnologías GIS</a:t>
+            </a:r>
+          </a:p>
+        </p:txBody>
+      </p:sp>
+      <p:sp>
+        <p:nvSpPr>
+          <p:cNvPr id="4" name="3 Marcador de número de diapositiva"/>
+          <p:cNvSpPr>
+            <a:spLocks noGrp="1"/>
+          </p:cNvSpPr>
+          <p:nvPr>
+            <p:ph type="sldNum" sz="quarter" idx="15"/>
+          </p:nvPr>
+        </p:nvSpPr>
+        <p:spPr/>
+        <p:txBody>
+          <a:bodyPr/>
+          <a:lstStyle/>
+          <a:p>
+            <a:fld id="{132FADFE-3B8F-471C-ABF0-DBC7717ECBBC}" type="slidenum">
+              <a:rPr lang="es-ES" smtClean="0"/>
+              <a:pPr/>
+              <a:t>9</a:t>
+            </a:fld>
+            <a:endParaRPr lang="es-ES"/>
           </a:p>
         </p:txBody>
       </p:sp>

--- a/Presentacion.pptx
+++ b/Presentacion.pptx
@@ -37,7 +37,7 @@
     <p:sldId id="284" r:id="rId28"/>
     <p:sldId id="280" r:id="rId29"/>
     <p:sldId id="281" r:id="rId30"/>
-    <p:sldId id="265" r:id="rId31"/>
+    <p:sldId id="295" r:id="rId31"/>
   </p:sldIdLst>
   <p:sldSz cx="9144000" cy="6858000" type="screen4x3"/>
   <p:notesSz cx="6858000" cy="9144000"/>
@@ -222,7 +222,7 @@
             <a:fld id="{E8BFD649-4464-4874-A030-77DA47E62353}" type="datetimeFigureOut">
               <a:rPr lang="es-UY" smtClean="0"/>
               <a:pPr/>
-              <a:t>02/06/2015</a:t>
+              <a:t>03/06/2015</a:t>
             </a:fld>
             <a:endParaRPr lang="es-UY"/>
           </a:p>
@@ -3085,7 +3085,8 @@
           <a:p>
             <a:fld id="{528A9881-0924-4A9A-9B3E-70A968B9957D}" type="datetime1">
               <a:rPr lang="es-ES" smtClean="0"/>
-              <a:t>02/06/2015</a:t>
+              <a:pPr/>
+              <a:t>03/06/2015</a:t>
             </a:fld>
             <a:endParaRPr lang="es-ES"/>
           </a:p>
@@ -3955,7 +3956,8 @@
           <a:p>
             <a:fld id="{ECCBAB66-D191-45F6-9007-84381D1DD15F}" type="datetime1">
               <a:rPr lang="es-ES" smtClean="0"/>
-              <a:t>02/06/2015</a:t>
+              <a:pPr/>
+              <a:t>03/06/2015</a:t>
             </a:fld>
             <a:endParaRPr lang="es-ES"/>
           </a:p>
@@ -4131,7 +4133,8 @@
           <a:p>
             <a:fld id="{8DA992CF-D3DD-48F4-9915-0226AA1ADA63}" type="datetime1">
               <a:rPr lang="es-ES" smtClean="0"/>
-              <a:t>02/06/2015</a:t>
+              <a:pPr/>
+              <a:t>03/06/2015</a:t>
             </a:fld>
             <a:endParaRPr lang="es-ES"/>
           </a:p>
@@ -4302,7 +4305,8 @@
           <a:p>
             <a:fld id="{A69E0DB3-7E45-4A5D-B38A-94A39EB34C81}" type="datetime1">
               <a:rPr lang="es-ES" smtClean="0"/>
-              <a:t>02/06/2015</a:t>
+              <a:pPr/>
+              <a:t>03/06/2015</a:t>
             </a:fld>
             <a:endParaRPr lang="es-ES"/>
           </a:p>
@@ -4513,7 +4517,8 @@
           <a:p>
             <a:fld id="{F1C709B6-CBCF-43A5-84B3-BDA9CF529032}" type="datetime1">
               <a:rPr lang="es-ES" smtClean="0"/>
-              <a:t>02/06/2015</a:t>
+              <a:pPr/>
+              <a:t>03/06/2015</a:t>
             </a:fld>
             <a:endParaRPr lang="es-ES"/>
           </a:p>
@@ -5328,7 +5333,8 @@
           <a:p>
             <a:fld id="{45F09225-5E93-4CA3-B644-EBA0879D9B75}" type="datetime1">
               <a:rPr lang="es-ES" smtClean="0"/>
-              <a:t>02/06/2015</a:t>
+              <a:pPr/>
+              <a:t>03/06/2015</a:t>
             </a:fld>
             <a:endParaRPr lang="es-ES"/>
           </a:p>
@@ -5565,7 +5571,8 @@
           <a:p>
             <a:fld id="{B396AFD8-2404-45D4-853F-CC0B2BE90A90}" type="datetime1">
               <a:rPr lang="es-ES" smtClean="0"/>
-              <a:t>02/06/2015</a:t>
+              <a:pPr/>
+              <a:t>03/06/2015</a:t>
             </a:fld>
             <a:endParaRPr lang="es-ES"/>
           </a:p>
@@ -5889,7 +5896,8 @@
           <a:p>
             <a:fld id="{3B91211C-BFF1-4AEE-8849-224154F1DB4C}" type="datetime1">
               <a:rPr lang="es-ES" smtClean="0"/>
-              <a:t>02/06/2015</a:t>
+              <a:pPr/>
+              <a:t>03/06/2015</a:t>
             </a:fld>
             <a:endParaRPr lang="es-ES"/>
           </a:p>
@@ -5980,7 +5988,8 @@
           <a:p>
             <a:fld id="{97710AD9-2D07-49AD-8C83-E1C15D3C2C08}" type="datetime1">
               <a:rPr lang="es-ES" smtClean="0"/>
-              <a:t>02/06/2015</a:t>
+              <a:pPr/>
+              <a:t>03/06/2015</a:t>
             </a:fld>
             <a:endParaRPr lang="es-ES"/>
           </a:p>
@@ -6498,7 +6507,8 @@
           <a:p>
             <a:fld id="{E581332C-47D2-48F8-8079-22723CB58640}" type="datetime1">
               <a:rPr lang="es-ES" smtClean="0"/>
-              <a:t>02/06/2015</a:t>
+              <a:pPr/>
+              <a:t>03/06/2015</a:t>
             </a:fld>
             <a:endParaRPr lang="es-ES"/>
           </a:p>
@@ -7010,7 +7020,8 @@
           <a:p>
             <a:fld id="{ED085F45-21C1-45FA-9A2B-0BC167D4B794}" type="datetime1">
               <a:rPr lang="es-ES" smtClean="0"/>
-              <a:t>02/06/2015</a:t>
+              <a:pPr/>
+              <a:t>03/06/2015</a:t>
             </a:fld>
             <a:endParaRPr lang="es-ES"/>
           </a:p>
@@ -7256,7 +7267,8 @@
           <a:p>
             <a:fld id="{82F6AA27-02D1-442C-AA01-D2084441AD77}" type="datetime1">
               <a:rPr lang="es-ES" smtClean="0"/>
-              <a:t>02/06/2015</a:t>
+              <a:pPr/>
+              <a:t>03/06/2015</a:t>
             </a:fld>
             <a:endParaRPr lang="es-ES"/>
           </a:p>
@@ -7933,23 +7945,7 @@
                   <a:schemeClr val="tx1"/>
                 </a:solidFill>
               </a:rPr>
-              <a:t>	</a:t>
-            </a:r>
-            <a:r>
-              <a:rPr lang="es-UY" sz="2100" dirty="0" smtClean="0">
-                <a:solidFill>
-                  <a:schemeClr val="tx1"/>
-                </a:solidFill>
-              </a:rPr>
-              <a:t>				</a:t>
-            </a:r>
-            <a:r>
-              <a:rPr lang="es-UY" sz="2100" dirty="0" smtClean="0">
-                <a:solidFill>
-                  <a:schemeClr val="tx1"/>
-                </a:solidFill>
-              </a:rPr>
-              <a:t>			</a:t>
+              <a:t>								</a:t>
             </a:r>
           </a:p>
           <a:p>
@@ -7959,33 +7955,17 @@
                   <a:schemeClr val="tx1"/>
                 </a:solidFill>
               </a:rPr>
-              <a:t>		Luciana </a:t>
-            </a:r>
+              <a:t>		Luciana Canales</a:t>
+            </a:r>
+          </a:p>
+          <a:p>
             <a:r>
               <a:rPr lang="es-UY" dirty="0" smtClean="0">
                 <a:solidFill>
                   <a:schemeClr val="tx1"/>
                 </a:solidFill>
               </a:rPr>
-              <a:t>Canales</a:t>
-            </a:r>
-          </a:p>
-          <a:p>
-            <a:r>
-              <a:rPr lang="es-UY" dirty="0" smtClean="0">
-                <a:solidFill>
-                  <a:schemeClr val="tx1"/>
-                </a:solidFill>
-              </a:rPr>
-              <a:t>	</a:t>
-            </a:r>
-            <a:r>
-              <a:rPr lang="es-UY" dirty="0" smtClean="0">
-                <a:solidFill>
-                  <a:schemeClr val="tx1"/>
-                </a:solidFill>
-              </a:rPr>
-              <a:t>	Maximiliano </a:t>
+              <a:t>		Maximiliano </a:t>
             </a:r>
             <a:r>
               <a:rPr lang="es-UY" dirty="0" err="1" smtClean="0">
@@ -8008,71 +7988,18 @@
                   <a:schemeClr val="tx1"/>
                 </a:solidFill>
               </a:rPr>
-              <a:t>	</a:t>
-            </a:r>
+              <a:t>		Alejandro Remiro 	      </a:t>
+            </a:r>
+          </a:p>
+          <a:p>
             <a:r>
               <a:rPr lang="es-UY" dirty="0" smtClean="0">
                 <a:solidFill>
                   <a:schemeClr val="tx1"/>
                 </a:solidFill>
               </a:rPr>
-              <a:t>	</a:t>
-            </a:r>
-            <a:r>
-              <a:rPr lang="es-UY" dirty="0" smtClean="0">
-                <a:solidFill>
-                  <a:schemeClr val="tx1"/>
-                </a:solidFill>
-              </a:rPr>
-              <a:t>Alejandro </a:t>
-            </a:r>
-            <a:r>
-              <a:rPr lang="es-UY" dirty="0" smtClean="0">
-                <a:solidFill>
-                  <a:schemeClr val="tx1"/>
-                </a:solidFill>
-              </a:rPr>
-              <a:t>Remiro </a:t>
-            </a:r>
-            <a:r>
-              <a:rPr lang="es-UY" dirty="0" smtClean="0">
-                <a:solidFill>
-                  <a:schemeClr val="tx1"/>
-                </a:solidFill>
-              </a:rPr>
-              <a:t>	      </a:t>
-            </a:r>
-          </a:p>
-          <a:p>
-            <a:r>
-              <a:rPr lang="es-UY" dirty="0" smtClean="0">
-                <a:solidFill>
-                  <a:schemeClr val="tx1"/>
-                </a:solidFill>
-              </a:rPr>
-              <a:t>	</a:t>
-            </a:r>
-            <a:r>
-              <a:rPr lang="es-UY" dirty="0" smtClean="0">
-                <a:solidFill>
-                  <a:schemeClr val="tx1"/>
-                </a:solidFill>
-              </a:rPr>
-              <a:t>				          Supervisora </a:t>
-            </a:r>
-            <a:r>
-              <a:rPr lang="es-UY" dirty="0" smtClean="0">
-                <a:solidFill>
-                  <a:schemeClr val="tx1"/>
-                </a:solidFill>
-              </a:rPr>
-              <a:t>Raquel Sosa</a:t>
-            </a:r>
-            <a:endParaRPr lang="es-UY" dirty="0" smtClean="0">
-              <a:solidFill>
-                <a:schemeClr val="tx1"/>
-              </a:solidFill>
-            </a:endParaRPr>
+              <a:t>					          Supervisora Raquel Sosa</a:t>
+            </a:r>
           </a:p>
           <a:p>
             <a:endParaRPr lang="es-UY" dirty="0" smtClean="0"/>
@@ -8106,30 +8033,6 @@
           </a:prstGeom>
         </p:spPr>
       </p:pic>
-      <p:sp>
-        <p:nvSpPr>
-          <p:cNvPr id="5" name="4 Marcador de número de diapositiva"/>
-          <p:cNvSpPr>
-            <a:spLocks noGrp="1"/>
-          </p:cNvSpPr>
-          <p:nvPr>
-            <p:ph type="sldNum" sz="quarter" idx="12"/>
-          </p:nvPr>
-        </p:nvSpPr>
-        <p:spPr/>
-        <p:txBody>
-          <a:bodyPr/>
-          <a:lstStyle/>
-          <a:p>
-            <a:fld id="{132FADFE-3B8F-471C-ABF0-DBC7717ECBBC}" type="slidenum">
-              <a:rPr lang="es-ES" smtClean="0"/>
-              <a:pPr/>
-              <a:t>1</a:t>
-            </a:fld>
-            <a:endParaRPr lang="es-ES"/>
-          </a:p>
-        </p:txBody>
-      </p:sp>
     </p:spTree>
   </p:cSld>
   <p:clrMapOvr>
@@ -8366,11 +8269,7 @@
             <a:pPr lvl="1"/>
             <a:r>
               <a:rPr lang="es-UY" sz="2000" dirty="0" smtClean="0"/>
-              <a:t>WMS</a:t>
-            </a:r>
-            <a:r>
-              <a:rPr lang="es-UY" sz="2000" dirty="0" smtClean="0"/>
-              <a:t>: </a:t>
+              <a:t>WMS: </a:t>
             </a:r>
             <a:r>
               <a:rPr lang="es-UY" sz="2000" dirty="0" err="1" smtClean="0"/>
@@ -8500,22 +8399,14 @@
           <a:p>
             <a:r>
               <a:rPr lang="es-UY" sz="2200" dirty="0" smtClean="0"/>
-              <a:t>Tecnologías </a:t>
-            </a:r>
-            <a:r>
-              <a:rPr lang="es-UY" sz="2200" dirty="0" smtClean="0"/>
-              <a:t>GIS</a:t>
+              <a:t>Tecnologías GIS</a:t>
             </a:r>
           </a:p>
           <a:p>
             <a:pPr lvl="1"/>
             <a:r>
               <a:rPr lang="es-UY" sz="2000" dirty="0" smtClean="0"/>
-              <a:t>Servidores </a:t>
-            </a:r>
-            <a:r>
-              <a:rPr lang="es-UY" sz="2000" dirty="0" smtClean="0"/>
-              <a:t>de mapas</a:t>
+              <a:t>Servidores de mapas</a:t>
             </a:r>
           </a:p>
           <a:p>
@@ -8651,11 +8542,7 @@
             </a:pPr>
             <a:r>
               <a:rPr lang="es-UY" sz="2000" dirty="0" smtClean="0"/>
-              <a:t>Público </a:t>
-            </a:r>
-            <a:r>
-              <a:rPr lang="es-UY" sz="2000" dirty="0" smtClean="0"/>
-              <a:t>general consultando información geográfica</a:t>
+              <a:t>Público general consultando información geográfica</a:t>
             </a:r>
           </a:p>
           <a:p>
@@ -8689,13 +8576,8 @@
             </a:pPr>
             <a:r>
               <a:rPr lang="es-UY" sz="2000" dirty="0" smtClean="0"/>
-              <a:t>Instituciones colaborando en la generación de </a:t>
-            </a:r>
-            <a:r>
-              <a:rPr lang="es-UY" sz="2000" dirty="0" smtClean="0"/>
-              <a:t>información geográfica</a:t>
-            </a:r>
-            <a:endParaRPr lang="es-UY" sz="2000" dirty="0" smtClean="0"/>
+              <a:t>Instituciones colaborando en la generación de información geográfica</a:t>
+            </a:r>
           </a:p>
           <a:p>
             <a:pPr marL="822960" lvl="1" indent="-457200">
@@ -9086,14 +8968,9 @@
           <a:bodyPr/>
           <a:lstStyle/>
           <a:p>
-            <a:r>
-              <a:rPr lang="es-UY" dirty="0" smtClean="0">
-                <a:solidFill>
-                  <a:srgbClr val="FF0000"/>
-                </a:solidFill>
-              </a:rPr>
-              <a:t>Decir que no se pueden tocar los clientes GIS ni servidores de mapas</a:t>
-            </a:r>
+            <a:pPr>
+              <a:buNone/>
+            </a:pPr>
             <a:endParaRPr lang="es-UY" dirty="0">
               <a:solidFill>
                 <a:srgbClr val="FF0000"/>
@@ -9711,7 +9588,15 @@
             </a:r>
             <a:r>
               <a:rPr lang="es-UY" sz="2200" dirty="0" smtClean="0"/>
-              <a:t> único por servicio geográfico</a:t>
+              <a:t> </a:t>
+            </a:r>
+            <a:r>
+              <a:rPr lang="es-UY" sz="2200" smtClean="0"/>
+              <a:t>consume un único servicio </a:t>
+            </a:r>
+            <a:r>
+              <a:rPr lang="es-UY" sz="2200" dirty="0" smtClean="0"/>
+              <a:t>geográfico</a:t>
             </a:r>
           </a:p>
           <a:p>
@@ -10581,15 +10466,7 @@
             </a:pPr>
             <a:r>
               <a:rPr lang="es-UY" sz="2200" dirty="0" smtClean="0"/>
-              <a:t>Inclusión del STS del proyecto de grado </a:t>
-            </a:r>
-            <a:r>
-              <a:rPr lang="es-UY" sz="2200" dirty="0" smtClean="0">
-                <a:solidFill>
-                  <a:srgbClr val="FF0000"/>
-                </a:solidFill>
-              </a:rPr>
-              <a:t>Orquestación de Servicios….</a:t>
+              <a:t>Inclusión del STS del proyecto de grado Orquestación de Servicios en la PGE</a:t>
             </a:r>
           </a:p>
           <a:p>
@@ -11764,73 +11641,91 @@
       </p:grpSpPr>
       <p:sp>
         <p:nvSpPr>
-          <p:cNvPr id="3" name="2 Marcador de contenido"/>
-          <p:cNvSpPr>
-            <a:spLocks noGrp="1"/>
-          </p:cNvSpPr>
-          <p:nvPr>
-            <p:ph sz="quarter" idx="1"/>
-          </p:nvPr>
-        </p:nvSpPr>
-        <p:spPr/>
-        <p:txBody>
-          <a:bodyPr/>
-          <a:lstStyle/>
-          <a:p>
-            <a:pPr>
-              <a:buNone/>
-            </a:pPr>
-            <a:endParaRPr lang="es-UY" dirty="0" smtClean="0"/>
-          </a:p>
-          <a:p>
-            <a:pPr>
-              <a:buNone/>
-            </a:pPr>
-            <a:endParaRPr lang="es-UY" dirty="0" smtClean="0"/>
-          </a:p>
-          <a:p>
-            <a:pPr>
-              <a:buNone/>
-            </a:pPr>
-            <a:endParaRPr lang="es-UY" dirty="0" smtClean="0"/>
-          </a:p>
-          <a:p>
-            <a:pPr algn="ctr">
-              <a:buNone/>
-            </a:pPr>
-            <a:r>
-              <a:rPr lang="es-UY" dirty="0" smtClean="0"/>
+          <p:cNvPr id="2" name="1 Título"/>
+          <p:cNvSpPr>
+            <a:spLocks noGrp="1"/>
+          </p:cNvSpPr>
+          <p:nvPr>
+            <p:ph type="ctrTitle"/>
+          </p:nvPr>
+        </p:nvSpPr>
+        <p:spPr>
+          <a:xfrm>
+            <a:off x="2071670" y="357166"/>
+            <a:ext cx="6172200" cy="1894362"/>
+          </a:xfrm>
+        </p:spPr>
+        <p:txBody>
+          <a:bodyPr/>
+          <a:lstStyle/>
+          <a:p>
+            <a:endParaRPr lang="es-UY" dirty="0"/>
+          </a:p>
+        </p:txBody>
+      </p:sp>
+      <p:sp>
+        <p:nvSpPr>
+          <p:cNvPr id="3" name="2 Subtítulo"/>
+          <p:cNvSpPr>
+            <a:spLocks noGrp="1"/>
+          </p:cNvSpPr>
+          <p:nvPr>
+            <p:ph type="subTitle" idx="1"/>
+          </p:nvPr>
+        </p:nvSpPr>
+        <p:spPr>
+          <a:xfrm>
+            <a:off x="500034" y="2643182"/>
+            <a:ext cx="8215370" cy="3929090"/>
+          </a:xfrm>
+        </p:spPr>
+        <p:txBody>
+          <a:bodyPr>
+            <a:normAutofit/>
+          </a:bodyPr>
+          <a:lstStyle/>
+          <a:p>
+            <a:pPr algn="ctr"/>
+            <a:endParaRPr lang="es-UY" sz="2400" dirty="0" smtClean="0"/>
+          </a:p>
+          <a:p>
+            <a:pPr algn="ctr"/>
+            <a:r>
+              <a:rPr lang="es-UY" sz="2400" dirty="0" smtClean="0"/>
+              <a:t>	</a:t>
+            </a:r>
+            <a:r>
+              <a:rPr lang="es-UY" sz="2400" dirty="0" smtClean="0"/>
               <a:t>Gracias </a:t>
             </a:r>
             <a:r>
-              <a:rPr lang="es-UY" dirty="0" smtClean="0"/>
-              <a:t>por su atención.</a:t>
-            </a:r>
-            <a:endParaRPr lang="es-UY" dirty="0"/>
-          </a:p>
-        </p:txBody>
-      </p:sp>
-      <p:sp>
-        <p:nvSpPr>
-          <p:cNvPr id="4" name="3 Marcador de número de diapositiva"/>
-          <p:cNvSpPr>
-            <a:spLocks noGrp="1"/>
-          </p:cNvSpPr>
-          <p:nvPr>
-            <p:ph type="sldNum" sz="quarter" idx="15"/>
-          </p:nvPr>
-        </p:nvSpPr>
-        <p:spPr/>
-        <p:txBody>
-          <a:bodyPr/>
-          <a:lstStyle/>
-          <a:p>
-            <a:fld id="{132FADFE-3B8F-471C-ABF0-DBC7717ECBBC}" type="slidenum">
-              <a:rPr lang="es-ES" smtClean="0"/>
-              <a:pPr/>
-              <a:t>30</a:t>
-            </a:fld>
-            <a:endParaRPr lang="es-ES"/>
+              <a:rPr lang="es-UY" sz="2400" dirty="0" smtClean="0"/>
+              <a:t>por su atención</a:t>
+            </a:r>
+            <a:r>
+              <a:rPr lang="es-UY" sz="2400" dirty="0" smtClean="0"/>
+              <a:t>.</a:t>
+            </a:r>
+            <a:endParaRPr lang="es-UY" sz="2400" dirty="0" smtClean="0"/>
+          </a:p>
+        </p:txBody>
+      </p:sp>
+      <p:sp>
+        <p:nvSpPr>
+          <p:cNvPr id="5" name="4 Marcador de número de diapositiva"/>
+          <p:cNvSpPr>
+            <a:spLocks noGrp="1"/>
+          </p:cNvSpPr>
+          <p:nvPr>
+            <p:ph type="sldNum" sz="quarter" idx="12"/>
+          </p:nvPr>
+        </p:nvSpPr>
+        <p:spPr/>
+        <p:txBody>
+          <a:bodyPr/>
+          <a:lstStyle/>
+          <a:p>
+            <a:endParaRPr lang="es-ES" dirty="0"/>
           </a:p>
         </p:txBody>
       </p:sp>
@@ -11909,11 +11804,7 @@
           <a:p>
             <a:r>
               <a:rPr lang="es-UY" sz="2200" dirty="0" smtClean="0"/>
-              <a:t>Gobierno </a:t>
-            </a:r>
-            <a:r>
-              <a:rPr lang="es-UY" sz="2200" dirty="0" smtClean="0"/>
-              <a:t>electrónico</a:t>
+              <a:t>Gobierno electrónico</a:t>
             </a:r>
           </a:p>
           <a:p>
@@ -12055,11 +11946,7 @@
           <a:p>
             <a:r>
               <a:rPr lang="es-UY" sz="2200" dirty="0" smtClean="0"/>
-              <a:t>Plataforma </a:t>
-            </a:r>
-            <a:r>
-              <a:rPr lang="es-UY" sz="2200" dirty="0" smtClean="0"/>
-              <a:t>de Gobierno Electrónico Uruguayo (PGE)</a:t>
+              <a:t>Plataforma de Gobierno Electrónico Uruguayo (PGE)</a:t>
             </a:r>
           </a:p>
           <a:p>
@@ -12672,11 +12559,7 @@
           <a:p>
             <a:r>
               <a:rPr lang="es-UY" sz="2200" dirty="0" smtClean="0"/>
-              <a:t>Implementar </a:t>
-            </a:r>
-            <a:r>
-              <a:rPr lang="es-UY" sz="2200" dirty="0" smtClean="0"/>
-              <a:t>solución propuesta en la tesis de maestría de Raquel Sosa</a:t>
+              <a:t>Implementar solución propuesta en la tesis de maestría de Raquel Sosa</a:t>
             </a:r>
           </a:p>
           <a:p>
